--- a/pres.pptx
+++ b/pres.pptx
@@ -7,6 +7,20 @@
   <p:sldIdLst>
     <p:sldId id="256" r:id="rId2"/>
     <p:sldId id="257" r:id="rId3"/>
+    <p:sldId id="258" r:id="rId4"/>
+    <p:sldId id="259" r:id="rId5"/>
+    <p:sldId id="260" r:id="rId6"/>
+    <p:sldId id="261" r:id="rId7"/>
+    <p:sldId id="262" r:id="rId8"/>
+    <p:sldId id="263" r:id="rId9"/>
+    <p:sldId id="264" r:id="rId10"/>
+    <p:sldId id="265" r:id="rId11"/>
+    <p:sldId id="266" r:id="rId12"/>
+    <p:sldId id="267" r:id="rId13"/>
+    <p:sldId id="268" r:id="rId14"/>
+    <p:sldId id="269" r:id="rId15"/>
+    <p:sldId id="270" r:id="rId16"/>
+    <p:sldId id="271" r:id="rId17"/>
   </p:sldIdLst>
   <p:sldSz cx="12192000" cy="6858000"/>
   <p:notesSz cx="6858000" cy="9144000"/>
@@ -3019,6 +3033,496 @@
 </p:sld>
 </file>
 
+<file path=ppt/slides/slide10.xml><?xml version="1.0" encoding="utf-8"?>
+<p:sld xmlns:a="http://schemas.openxmlformats.org/drawingml/2006/main" xmlns:r="http://schemas.openxmlformats.org/officeDocument/2006/relationships" xmlns:p="http://schemas.openxmlformats.org/presentationml/2006/main">
+  <p:cSld>
+    <p:spTree>
+      <p:nvGrpSpPr>
+        <p:cNvPr id="1" name=""/>
+        <p:cNvGrpSpPr/>
+        <p:nvPr/>
+      </p:nvGrpSpPr>
+      <p:grpSpPr>
+        <a:xfrm>
+          <a:off x="0" y="0"/>
+          <a:ext cx="0" cy="0"/>
+          <a:chOff x="0" y="0"/>
+          <a:chExt cx="0" cy="0"/>
+        </a:xfrm>
+      </p:grpSpPr>
+      <p:sp>
+        <p:nvSpPr>
+          <p:cNvPr id="2" name="Title 1"/>
+          <p:cNvSpPr>
+            <a:spLocks noGrp="1"/>
+          </p:cNvSpPr>
+          <p:nvPr>
+            <p:ph type="title"/>
+          </p:nvPr>
+        </p:nvSpPr>
+        <p:spPr/>
+        <p:txBody>
+          <a:bodyPr/>
+          <a:lstStyle/>
+          <a:p>
+            <a:endParaRPr lang="en-US"/>
+          </a:p>
+        </p:txBody>
+      </p:sp>
+      <p:sp>
+        <p:nvSpPr>
+          <p:cNvPr id="3" name="Content Placeholder 2"/>
+          <p:cNvSpPr>
+            <a:spLocks noGrp="1"/>
+          </p:cNvSpPr>
+          <p:nvPr>
+            <p:ph idx="1"/>
+          </p:nvPr>
+        </p:nvSpPr>
+        <p:spPr/>
+        <p:txBody>
+          <a:bodyPr/>
+          <a:lstStyle/>
+          <a:p>
+            <a:endParaRPr lang="en-US"/>
+          </a:p>
+        </p:txBody>
+      </p:sp>
+    </p:spTree>
+    <p:extLst>
+      <p:ext uri="{BB962C8B-B14F-4D97-AF65-F5344CB8AC3E}">
+        <p14:creationId xmlns:p14="http://schemas.microsoft.com/office/powerpoint/2010/main" val="1229207978"/>
+      </p:ext>
+    </p:extLst>
+  </p:cSld>
+  <p:clrMapOvr>
+    <a:masterClrMapping/>
+  </p:clrMapOvr>
+</p:sld>
+</file>
+
+<file path=ppt/slides/slide11.xml><?xml version="1.0" encoding="utf-8"?>
+<p:sld xmlns:a="http://schemas.openxmlformats.org/drawingml/2006/main" xmlns:r="http://schemas.openxmlformats.org/officeDocument/2006/relationships" xmlns:p="http://schemas.openxmlformats.org/presentationml/2006/main">
+  <p:cSld>
+    <p:spTree>
+      <p:nvGrpSpPr>
+        <p:cNvPr id="1" name=""/>
+        <p:cNvGrpSpPr/>
+        <p:nvPr/>
+      </p:nvGrpSpPr>
+      <p:grpSpPr>
+        <a:xfrm>
+          <a:off x="0" y="0"/>
+          <a:ext cx="0" cy="0"/>
+          <a:chOff x="0" y="0"/>
+          <a:chExt cx="0" cy="0"/>
+        </a:xfrm>
+      </p:grpSpPr>
+      <p:sp>
+        <p:nvSpPr>
+          <p:cNvPr id="2" name="Title 1"/>
+          <p:cNvSpPr>
+            <a:spLocks noGrp="1"/>
+          </p:cNvSpPr>
+          <p:nvPr>
+            <p:ph type="title"/>
+          </p:nvPr>
+        </p:nvSpPr>
+        <p:spPr/>
+        <p:txBody>
+          <a:bodyPr/>
+          <a:lstStyle/>
+          <a:p>
+            <a:endParaRPr lang="en-US"/>
+          </a:p>
+        </p:txBody>
+      </p:sp>
+      <p:sp>
+        <p:nvSpPr>
+          <p:cNvPr id="3" name="Content Placeholder 2"/>
+          <p:cNvSpPr>
+            <a:spLocks noGrp="1"/>
+          </p:cNvSpPr>
+          <p:nvPr>
+            <p:ph idx="1"/>
+          </p:nvPr>
+        </p:nvSpPr>
+        <p:spPr/>
+        <p:txBody>
+          <a:bodyPr/>
+          <a:lstStyle/>
+          <a:p>
+            <a:endParaRPr lang="en-US"/>
+          </a:p>
+        </p:txBody>
+      </p:sp>
+    </p:spTree>
+    <p:extLst>
+      <p:ext uri="{BB962C8B-B14F-4D97-AF65-F5344CB8AC3E}">
+        <p14:creationId xmlns:p14="http://schemas.microsoft.com/office/powerpoint/2010/main" val="505802106"/>
+      </p:ext>
+    </p:extLst>
+  </p:cSld>
+  <p:clrMapOvr>
+    <a:masterClrMapping/>
+  </p:clrMapOvr>
+</p:sld>
+</file>
+
+<file path=ppt/slides/slide12.xml><?xml version="1.0" encoding="utf-8"?>
+<p:sld xmlns:a="http://schemas.openxmlformats.org/drawingml/2006/main" xmlns:r="http://schemas.openxmlformats.org/officeDocument/2006/relationships" xmlns:p="http://schemas.openxmlformats.org/presentationml/2006/main">
+  <p:cSld>
+    <p:spTree>
+      <p:nvGrpSpPr>
+        <p:cNvPr id="1" name=""/>
+        <p:cNvGrpSpPr/>
+        <p:nvPr/>
+      </p:nvGrpSpPr>
+      <p:grpSpPr>
+        <a:xfrm>
+          <a:off x="0" y="0"/>
+          <a:ext cx="0" cy="0"/>
+          <a:chOff x="0" y="0"/>
+          <a:chExt cx="0" cy="0"/>
+        </a:xfrm>
+      </p:grpSpPr>
+      <p:sp>
+        <p:nvSpPr>
+          <p:cNvPr id="2" name="Title 1"/>
+          <p:cNvSpPr>
+            <a:spLocks noGrp="1"/>
+          </p:cNvSpPr>
+          <p:nvPr>
+            <p:ph type="title"/>
+          </p:nvPr>
+        </p:nvSpPr>
+        <p:spPr/>
+        <p:txBody>
+          <a:bodyPr/>
+          <a:lstStyle/>
+          <a:p>
+            <a:endParaRPr lang="en-US"/>
+          </a:p>
+        </p:txBody>
+      </p:sp>
+      <p:sp>
+        <p:nvSpPr>
+          <p:cNvPr id="3" name="Content Placeholder 2"/>
+          <p:cNvSpPr>
+            <a:spLocks noGrp="1"/>
+          </p:cNvSpPr>
+          <p:nvPr>
+            <p:ph idx="1"/>
+          </p:nvPr>
+        </p:nvSpPr>
+        <p:spPr/>
+        <p:txBody>
+          <a:bodyPr/>
+          <a:lstStyle/>
+          <a:p>
+            <a:endParaRPr lang="en-US"/>
+          </a:p>
+        </p:txBody>
+      </p:sp>
+    </p:spTree>
+    <p:extLst>
+      <p:ext uri="{BB962C8B-B14F-4D97-AF65-F5344CB8AC3E}">
+        <p14:creationId xmlns:p14="http://schemas.microsoft.com/office/powerpoint/2010/main" val="1275720716"/>
+      </p:ext>
+    </p:extLst>
+  </p:cSld>
+  <p:clrMapOvr>
+    <a:masterClrMapping/>
+  </p:clrMapOvr>
+</p:sld>
+</file>
+
+<file path=ppt/slides/slide13.xml><?xml version="1.0" encoding="utf-8"?>
+<p:sld xmlns:a="http://schemas.openxmlformats.org/drawingml/2006/main" xmlns:r="http://schemas.openxmlformats.org/officeDocument/2006/relationships" xmlns:p="http://schemas.openxmlformats.org/presentationml/2006/main">
+  <p:cSld>
+    <p:spTree>
+      <p:nvGrpSpPr>
+        <p:cNvPr id="1" name=""/>
+        <p:cNvGrpSpPr/>
+        <p:nvPr/>
+      </p:nvGrpSpPr>
+      <p:grpSpPr>
+        <a:xfrm>
+          <a:off x="0" y="0"/>
+          <a:ext cx="0" cy="0"/>
+          <a:chOff x="0" y="0"/>
+          <a:chExt cx="0" cy="0"/>
+        </a:xfrm>
+      </p:grpSpPr>
+      <p:sp>
+        <p:nvSpPr>
+          <p:cNvPr id="2" name="Title 1"/>
+          <p:cNvSpPr>
+            <a:spLocks noGrp="1"/>
+          </p:cNvSpPr>
+          <p:nvPr>
+            <p:ph type="title"/>
+          </p:nvPr>
+        </p:nvSpPr>
+        <p:spPr/>
+        <p:txBody>
+          <a:bodyPr/>
+          <a:lstStyle/>
+          <a:p>
+            <a:endParaRPr lang="en-US"/>
+          </a:p>
+        </p:txBody>
+      </p:sp>
+      <p:sp>
+        <p:nvSpPr>
+          <p:cNvPr id="3" name="Content Placeholder 2"/>
+          <p:cNvSpPr>
+            <a:spLocks noGrp="1"/>
+          </p:cNvSpPr>
+          <p:nvPr>
+            <p:ph idx="1"/>
+          </p:nvPr>
+        </p:nvSpPr>
+        <p:spPr/>
+        <p:txBody>
+          <a:bodyPr/>
+          <a:lstStyle/>
+          <a:p>
+            <a:endParaRPr lang="en-US"/>
+          </a:p>
+        </p:txBody>
+      </p:sp>
+    </p:spTree>
+    <p:extLst>
+      <p:ext uri="{BB962C8B-B14F-4D97-AF65-F5344CB8AC3E}">
+        <p14:creationId xmlns:p14="http://schemas.microsoft.com/office/powerpoint/2010/main" val="1383105054"/>
+      </p:ext>
+    </p:extLst>
+  </p:cSld>
+  <p:clrMapOvr>
+    <a:masterClrMapping/>
+  </p:clrMapOvr>
+</p:sld>
+</file>
+
+<file path=ppt/slides/slide14.xml><?xml version="1.0" encoding="utf-8"?>
+<p:sld xmlns:a="http://schemas.openxmlformats.org/drawingml/2006/main" xmlns:r="http://schemas.openxmlformats.org/officeDocument/2006/relationships" xmlns:p="http://schemas.openxmlformats.org/presentationml/2006/main">
+  <p:cSld>
+    <p:spTree>
+      <p:nvGrpSpPr>
+        <p:cNvPr id="1" name=""/>
+        <p:cNvGrpSpPr/>
+        <p:nvPr/>
+      </p:nvGrpSpPr>
+      <p:grpSpPr>
+        <a:xfrm>
+          <a:off x="0" y="0"/>
+          <a:ext cx="0" cy="0"/>
+          <a:chOff x="0" y="0"/>
+          <a:chExt cx="0" cy="0"/>
+        </a:xfrm>
+      </p:grpSpPr>
+      <p:sp>
+        <p:nvSpPr>
+          <p:cNvPr id="2" name="Title 1"/>
+          <p:cNvSpPr>
+            <a:spLocks noGrp="1"/>
+          </p:cNvSpPr>
+          <p:nvPr>
+            <p:ph type="title"/>
+          </p:nvPr>
+        </p:nvSpPr>
+        <p:spPr/>
+        <p:txBody>
+          <a:bodyPr/>
+          <a:lstStyle/>
+          <a:p>
+            <a:endParaRPr lang="en-US"/>
+          </a:p>
+        </p:txBody>
+      </p:sp>
+      <p:sp>
+        <p:nvSpPr>
+          <p:cNvPr id="3" name="Content Placeholder 2"/>
+          <p:cNvSpPr>
+            <a:spLocks noGrp="1"/>
+          </p:cNvSpPr>
+          <p:nvPr>
+            <p:ph idx="1"/>
+          </p:nvPr>
+        </p:nvSpPr>
+        <p:spPr/>
+        <p:txBody>
+          <a:bodyPr/>
+          <a:lstStyle/>
+          <a:p>
+            <a:endParaRPr lang="en-US"/>
+          </a:p>
+        </p:txBody>
+      </p:sp>
+    </p:spTree>
+    <p:extLst>
+      <p:ext uri="{BB962C8B-B14F-4D97-AF65-F5344CB8AC3E}">
+        <p14:creationId xmlns:p14="http://schemas.microsoft.com/office/powerpoint/2010/main" val="1483647450"/>
+      </p:ext>
+    </p:extLst>
+  </p:cSld>
+  <p:clrMapOvr>
+    <a:masterClrMapping/>
+  </p:clrMapOvr>
+</p:sld>
+</file>
+
+<file path=ppt/slides/slide15.xml><?xml version="1.0" encoding="utf-8"?>
+<p:sld xmlns:a="http://schemas.openxmlformats.org/drawingml/2006/main" xmlns:r="http://schemas.openxmlformats.org/officeDocument/2006/relationships" xmlns:p="http://schemas.openxmlformats.org/presentationml/2006/main">
+  <p:cSld>
+    <p:spTree>
+      <p:nvGrpSpPr>
+        <p:cNvPr id="1" name=""/>
+        <p:cNvGrpSpPr/>
+        <p:nvPr/>
+      </p:nvGrpSpPr>
+      <p:grpSpPr>
+        <a:xfrm>
+          <a:off x="0" y="0"/>
+          <a:ext cx="0" cy="0"/>
+          <a:chOff x="0" y="0"/>
+          <a:chExt cx="0" cy="0"/>
+        </a:xfrm>
+      </p:grpSpPr>
+      <p:sp>
+        <p:nvSpPr>
+          <p:cNvPr id="2" name="Title 1"/>
+          <p:cNvSpPr>
+            <a:spLocks noGrp="1"/>
+          </p:cNvSpPr>
+          <p:nvPr>
+            <p:ph type="title"/>
+          </p:nvPr>
+        </p:nvSpPr>
+        <p:spPr/>
+        <p:txBody>
+          <a:bodyPr/>
+          <a:lstStyle/>
+          <a:p>
+            <a:endParaRPr lang="en-US"/>
+          </a:p>
+        </p:txBody>
+      </p:sp>
+      <p:sp>
+        <p:nvSpPr>
+          <p:cNvPr id="3" name="Content Placeholder 2"/>
+          <p:cNvSpPr>
+            <a:spLocks noGrp="1"/>
+          </p:cNvSpPr>
+          <p:nvPr>
+            <p:ph idx="1"/>
+          </p:nvPr>
+        </p:nvSpPr>
+        <p:spPr/>
+        <p:txBody>
+          <a:bodyPr/>
+          <a:lstStyle/>
+          <a:p>
+            <a:endParaRPr lang="en-US"/>
+          </a:p>
+        </p:txBody>
+      </p:sp>
+    </p:spTree>
+    <p:extLst>
+      <p:ext uri="{BB962C8B-B14F-4D97-AF65-F5344CB8AC3E}">
+        <p14:creationId xmlns:p14="http://schemas.microsoft.com/office/powerpoint/2010/main" val="1230066833"/>
+      </p:ext>
+    </p:extLst>
+  </p:cSld>
+  <p:clrMapOvr>
+    <a:masterClrMapping/>
+  </p:clrMapOvr>
+  <p:timing>
+    <p:tnLst>
+      <p:par>
+        <p:cTn id="1" dur="indefinite" restart="never" nodeType="tmRoot"/>
+      </p:par>
+    </p:tnLst>
+  </p:timing>
+</p:sld>
+</file>
+
+<file path=ppt/slides/slide16.xml><?xml version="1.0" encoding="utf-8"?>
+<p:sld xmlns:a="http://schemas.openxmlformats.org/drawingml/2006/main" xmlns:r="http://schemas.openxmlformats.org/officeDocument/2006/relationships" xmlns:p="http://schemas.openxmlformats.org/presentationml/2006/main">
+  <p:cSld>
+    <p:spTree>
+      <p:nvGrpSpPr>
+        <p:cNvPr id="1" name=""/>
+        <p:cNvGrpSpPr/>
+        <p:nvPr/>
+      </p:nvGrpSpPr>
+      <p:grpSpPr>
+        <a:xfrm>
+          <a:off x="0" y="0"/>
+          <a:ext cx="0" cy="0"/>
+          <a:chOff x="0" y="0"/>
+          <a:chExt cx="0" cy="0"/>
+        </a:xfrm>
+      </p:grpSpPr>
+      <p:sp>
+        <p:nvSpPr>
+          <p:cNvPr id="2" name="Title 1"/>
+          <p:cNvSpPr>
+            <a:spLocks noGrp="1"/>
+          </p:cNvSpPr>
+          <p:nvPr>
+            <p:ph type="title"/>
+          </p:nvPr>
+        </p:nvSpPr>
+        <p:spPr/>
+        <p:txBody>
+          <a:bodyPr/>
+          <a:lstStyle/>
+          <a:p>
+            <a:endParaRPr lang="en-US"/>
+          </a:p>
+        </p:txBody>
+      </p:sp>
+      <p:sp>
+        <p:nvSpPr>
+          <p:cNvPr id="3" name="Content Placeholder 2"/>
+          <p:cNvSpPr>
+            <a:spLocks noGrp="1"/>
+          </p:cNvSpPr>
+          <p:nvPr>
+            <p:ph idx="1"/>
+          </p:nvPr>
+        </p:nvSpPr>
+        <p:spPr/>
+        <p:txBody>
+          <a:bodyPr/>
+          <a:lstStyle/>
+          <a:p>
+            <a:endParaRPr lang="en-US"/>
+          </a:p>
+        </p:txBody>
+      </p:sp>
+    </p:spTree>
+    <p:extLst>
+      <p:ext uri="{BB962C8B-B14F-4D97-AF65-F5344CB8AC3E}">
+        <p14:creationId xmlns:p14="http://schemas.microsoft.com/office/powerpoint/2010/main" val="164611918"/>
+      </p:ext>
+    </p:extLst>
+  </p:cSld>
+  <p:clrMapOvr>
+    <a:masterClrMapping/>
+  </p:clrMapOvr>
+  <p:timing>
+    <p:tnLst>
+      <p:par>
+        <p:cTn id="1" dur="indefinite" restart="never" nodeType="tmRoot"/>
+      </p:par>
+    </p:tnLst>
+  </p:timing>
+</p:sld>
+</file>
+
 <file path=ppt/slides/slide2.xml><?xml version="1.0" encoding="utf-8"?>
 <p:sld xmlns:a="http://schemas.openxmlformats.org/drawingml/2006/main" xmlns:r="http://schemas.openxmlformats.org/officeDocument/2006/relationships" xmlns:p="http://schemas.openxmlformats.org/presentationml/2006/main">
   <p:cSld>
@@ -3091,6 +3595,496 @@
       </p:par>
     </p:tnLst>
   </p:timing>
+</p:sld>
+</file>
+
+<file path=ppt/slides/slide3.xml><?xml version="1.0" encoding="utf-8"?>
+<p:sld xmlns:a="http://schemas.openxmlformats.org/drawingml/2006/main" xmlns:r="http://schemas.openxmlformats.org/officeDocument/2006/relationships" xmlns:p="http://schemas.openxmlformats.org/presentationml/2006/main">
+  <p:cSld>
+    <p:spTree>
+      <p:nvGrpSpPr>
+        <p:cNvPr id="1" name=""/>
+        <p:cNvGrpSpPr/>
+        <p:nvPr/>
+      </p:nvGrpSpPr>
+      <p:grpSpPr>
+        <a:xfrm>
+          <a:off x="0" y="0"/>
+          <a:ext cx="0" cy="0"/>
+          <a:chOff x="0" y="0"/>
+          <a:chExt cx="0" cy="0"/>
+        </a:xfrm>
+      </p:grpSpPr>
+      <p:sp>
+        <p:nvSpPr>
+          <p:cNvPr id="2" name="Title 1"/>
+          <p:cNvSpPr>
+            <a:spLocks noGrp="1"/>
+          </p:cNvSpPr>
+          <p:nvPr>
+            <p:ph type="title"/>
+          </p:nvPr>
+        </p:nvSpPr>
+        <p:spPr/>
+        <p:txBody>
+          <a:bodyPr/>
+          <a:lstStyle/>
+          <a:p>
+            <a:endParaRPr lang="en-US"/>
+          </a:p>
+        </p:txBody>
+      </p:sp>
+      <p:sp>
+        <p:nvSpPr>
+          <p:cNvPr id="3" name="Content Placeholder 2"/>
+          <p:cNvSpPr>
+            <a:spLocks noGrp="1"/>
+          </p:cNvSpPr>
+          <p:nvPr>
+            <p:ph idx="1"/>
+          </p:nvPr>
+        </p:nvSpPr>
+        <p:spPr/>
+        <p:txBody>
+          <a:bodyPr/>
+          <a:lstStyle/>
+          <a:p>
+            <a:endParaRPr lang="en-US"/>
+          </a:p>
+        </p:txBody>
+      </p:sp>
+    </p:spTree>
+    <p:extLst>
+      <p:ext uri="{BB962C8B-B14F-4D97-AF65-F5344CB8AC3E}">
+        <p14:creationId xmlns:p14="http://schemas.microsoft.com/office/powerpoint/2010/main" val="797312058"/>
+      </p:ext>
+    </p:extLst>
+  </p:cSld>
+  <p:clrMapOvr>
+    <a:masterClrMapping/>
+  </p:clrMapOvr>
+  <p:timing>
+    <p:tnLst>
+      <p:par>
+        <p:cTn id="1" dur="indefinite" restart="never" nodeType="tmRoot"/>
+      </p:par>
+    </p:tnLst>
+  </p:timing>
+</p:sld>
+</file>
+
+<file path=ppt/slides/slide4.xml><?xml version="1.0" encoding="utf-8"?>
+<p:sld xmlns:a="http://schemas.openxmlformats.org/drawingml/2006/main" xmlns:r="http://schemas.openxmlformats.org/officeDocument/2006/relationships" xmlns:p="http://schemas.openxmlformats.org/presentationml/2006/main">
+  <p:cSld>
+    <p:spTree>
+      <p:nvGrpSpPr>
+        <p:cNvPr id="1" name=""/>
+        <p:cNvGrpSpPr/>
+        <p:nvPr/>
+      </p:nvGrpSpPr>
+      <p:grpSpPr>
+        <a:xfrm>
+          <a:off x="0" y="0"/>
+          <a:ext cx="0" cy="0"/>
+          <a:chOff x="0" y="0"/>
+          <a:chExt cx="0" cy="0"/>
+        </a:xfrm>
+      </p:grpSpPr>
+      <p:sp>
+        <p:nvSpPr>
+          <p:cNvPr id="2" name="Title 1"/>
+          <p:cNvSpPr>
+            <a:spLocks noGrp="1"/>
+          </p:cNvSpPr>
+          <p:nvPr>
+            <p:ph type="title"/>
+          </p:nvPr>
+        </p:nvSpPr>
+        <p:spPr/>
+        <p:txBody>
+          <a:bodyPr/>
+          <a:lstStyle/>
+          <a:p>
+            <a:endParaRPr lang="en-US"/>
+          </a:p>
+        </p:txBody>
+      </p:sp>
+      <p:sp>
+        <p:nvSpPr>
+          <p:cNvPr id="3" name="Content Placeholder 2"/>
+          <p:cNvSpPr>
+            <a:spLocks noGrp="1"/>
+          </p:cNvSpPr>
+          <p:nvPr>
+            <p:ph idx="1"/>
+          </p:nvPr>
+        </p:nvSpPr>
+        <p:spPr/>
+        <p:txBody>
+          <a:bodyPr/>
+          <a:lstStyle/>
+          <a:p>
+            <a:endParaRPr lang="en-US"/>
+          </a:p>
+        </p:txBody>
+      </p:sp>
+    </p:spTree>
+    <p:extLst>
+      <p:ext uri="{BB962C8B-B14F-4D97-AF65-F5344CB8AC3E}">
+        <p14:creationId xmlns:p14="http://schemas.microsoft.com/office/powerpoint/2010/main" val="1222338834"/>
+      </p:ext>
+    </p:extLst>
+  </p:cSld>
+  <p:clrMapOvr>
+    <a:masterClrMapping/>
+  </p:clrMapOvr>
+</p:sld>
+</file>
+
+<file path=ppt/slides/slide5.xml><?xml version="1.0" encoding="utf-8"?>
+<p:sld xmlns:a="http://schemas.openxmlformats.org/drawingml/2006/main" xmlns:r="http://schemas.openxmlformats.org/officeDocument/2006/relationships" xmlns:p="http://schemas.openxmlformats.org/presentationml/2006/main">
+  <p:cSld>
+    <p:spTree>
+      <p:nvGrpSpPr>
+        <p:cNvPr id="1" name=""/>
+        <p:cNvGrpSpPr/>
+        <p:nvPr/>
+      </p:nvGrpSpPr>
+      <p:grpSpPr>
+        <a:xfrm>
+          <a:off x="0" y="0"/>
+          <a:ext cx="0" cy="0"/>
+          <a:chOff x="0" y="0"/>
+          <a:chExt cx="0" cy="0"/>
+        </a:xfrm>
+      </p:grpSpPr>
+      <p:sp>
+        <p:nvSpPr>
+          <p:cNvPr id="2" name="Title 1"/>
+          <p:cNvSpPr>
+            <a:spLocks noGrp="1"/>
+          </p:cNvSpPr>
+          <p:nvPr>
+            <p:ph type="title"/>
+          </p:nvPr>
+        </p:nvSpPr>
+        <p:spPr/>
+        <p:txBody>
+          <a:bodyPr/>
+          <a:lstStyle/>
+          <a:p>
+            <a:endParaRPr lang="en-US"/>
+          </a:p>
+        </p:txBody>
+      </p:sp>
+      <p:sp>
+        <p:nvSpPr>
+          <p:cNvPr id="3" name="Content Placeholder 2"/>
+          <p:cNvSpPr>
+            <a:spLocks noGrp="1"/>
+          </p:cNvSpPr>
+          <p:nvPr>
+            <p:ph idx="1"/>
+          </p:nvPr>
+        </p:nvSpPr>
+        <p:spPr/>
+        <p:txBody>
+          <a:bodyPr/>
+          <a:lstStyle/>
+          <a:p>
+            <a:endParaRPr lang="en-US"/>
+          </a:p>
+        </p:txBody>
+      </p:sp>
+    </p:spTree>
+    <p:extLst>
+      <p:ext uri="{BB962C8B-B14F-4D97-AF65-F5344CB8AC3E}">
+        <p14:creationId xmlns:p14="http://schemas.microsoft.com/office/powerpoint/2010/main" val="1258118004"/>
+      </p:ext>
+    </p:extLst>
+  </p:cSld>
+  <p:clrMapOvr>
+    <a:masterClrMapping/>
+  </p:clrMapOvr>
+  <p:timing>
+    <p:tnLst>
+      <p:par>
+        <p:cTn id="1" dur="indefinite" restart="never" nodeType="tmRoot"/>
+      </p:par>
+    </p:tnLst>
+  </p:timing>
+</p:sld>
+</file>
+
+<file path=ppt/slides/slide6.xml><?xml version="1.0" encoding="utf-8"?>
+<p:sld xmlns:a="http://schemas.openxmlformats.org/drawingml/2006/main" xmlns:r="http://schemas.openxmlformats.org/officeDocument/2006/relationships" xmlns:p="http://schemas.openxmlformats.org/presentationml/2006/main">
+  <p:cSld>
+    <p:spTree>
+      <p:nvGrpSpPr>
+        <p:cNvPr id="1" name=""/>
+        <p:cNvGrpSpPr/>
+        <p:nvPr/>
+      </p:nvGrpSpPr>
+      <p:grpSpPr>
+        <a:xfrm>
+          <a:off x="0" y="0"/>
+          <a:ext cx="0" cy="0"/>
+          <a:chOff x="0" y="0"/>
+          <a:chExt cx="0" cy="0"/>
+        </a:xfrm>
+      </p:grpSpPr>
+      <p:sp>
+        <p:nvSpPr>
+          <p:cNvPr id="2" name="Title 1"/>
+          <p:cNvSpPr>
+            <a:spLocks noGrp="1"/>
+          </p:cNvSpPr>
+          <p:nvPr>
+            <p:ph type="title"/>
+          </p:nvPr>
+        </p:nvSpPr>
+        <p:spPr/>
+        <p:txBody>
+          <a:bodyPr/>
+          <a:lstStyle/>
+          <a:p>
+            <a:endParaRPr lang="en-US"/>
+          </a:p>
+        </p:txBody>
+      </p:sp>
+      <p:sp>
+        <p:nvSpPr>
+          <p:cNvPr id="3" name="Content Placeholder 2"/>
+          <p:cNvSpPr>
+            <a:spLocks noGrp="1"/>
+          </p:cNvSpPr>
+          <p:nvPr>
+            <p:ph idx="1"/>
+          </p:nvPr>
+        </p:nvSpPr>
+        <p:spPr/>
+        <p:txBody>
+          <a:bodyPr/>
+          <a:lstStyle/>
+          <a:p>
+            <a:endParaRPr lang="en-US"/>
+          </a:p>
+        </p:txBody>
+      </p:sp>
+    </p:spTree>
+    <p:extLst>
+      <p:ext uri="{BB962C8B-B14F-4D97-AF65-F5344CB8AC3E}">
+        <p14:creationId xmlns:p14="http://schemas.microsoft.com/office/powerpoint/2010/main" val="1007717823"/>
+      </p:ext>
+    </p:extLst>
+  </p:cSld>
+  <p:clrMapOvr>
+    <a:masterClrMapping/>
+  </p:clrMapOvr>
+</p:sld>
+</file>
+
+<file path=ppt/slides/slide7.xml><?xml version="1.0" encoding="utf-8"?>
+<p:sld xmlns:a="http://schemas.openxmlformats.org/drawingml/2006/main" xmlns:r="http://schemas.openxmlformats.org/officeDocument/2006/relationships" xmlns:p="http://schemas.openxmlformats.org/presentationml/2006/main">
+  <p:cSld>
+    <p:spTree>
+      <p:nvGrpSpPr>
+        <p:cNvPr id="1" name=""/>
+        <p:cNvGrpSpPr/>
+        <p:nvPr/>
+      </p:nvGrpSpPr>
+      <p:grpSpPr>
+        <a:xfrm>
+          <a:off x="0" y="0"/>
+          <a:ext cx="0" cy="0"/>
+          <a:chOff x="0" y="0"/>
+          <a:chExt cx="0" cy="0"/>
+        </a:xfrm>
+      </p:grpSpPr>
+      <p:sp>
+        <p:nvSpPr>
+          <p:cNvPr id="2" name="Title 1"/>
+          <p:cNvSpPr>
+            <a:spLocks noGrp="1"/>
+          </p:cNvSpPr>
+          <p:nvPr>
+            <p:ph type="title"/>
+          </p:nvPr>
+        </p:nvSpPr>
+        <p:spPr/>
+        <p:txBody>
+          <a:bodyPr/>
+          <a:lstStyle/>
+          <a:p>
+            <a:endParaRPr lang="en-US"/>
+          </a:p>
+        </p:txBody>
+      </p:sp>
+      <p:sp>
+        <p:nvSpPr>
+          <p:cNvPr id="3" name="Content Placeholder 2"/>
+          <p:cNvSpPr>
+            <a:spLocks noGrp="1"/>
+          </p:cNvSpPr>
+          <p:nvPr>
+            <p:ph idx="1"/>
+          </p:nvPr>
+        </p:nvSpPr>
+        <p:spPr/>
+        <p:txBody>
+          <a:bodyPr/>
+          <a:lstStyle/>
+          <a:p>
+            <a:endParaRPr lang="en-US"/>
+          </a:p>
+        </p:txBody>
+      </p:sp>
+    </p:spTree>
+    <p:extLst>
+      <p:ext uri="{BB962C8B-B14F-4D97-AF65-F5344CB8AC3E}">
+        <p14:creationId xmlns:p14="http://schemas.microsoft.com/office/powerpoint/2010/main" val="1094930396"/>
+      </p:ext>
+    </p:extLst>
+  </p:cSld>
+  <p:clrMapOvr>
+    <a:masterClrMapping/>
+  </p:clrMapOvr>
+</p:sld>
+</file>
+
+<file path=ppt/slides/slide8.xml><?xml version="1.0" encoding="utf-8"?>
+<p:sld xmlns:a="http://schemas.openxmlformats.org/drawingml/2006/main" xmlns:r="http://schemas.openxmlformats.org/officeDocument/2006/relationships" xmlns:p="http://schemas.openxmlformats.org/presentationml/2006/main">
+  <p:cSld>
+    <p:spTree>
+      <p:nvGrpSpPr>
+        <p:cNvPr id="1" name=""/>
+        <p:cNvGrpSpPr/>
+        <p:nvPr/>
+      </p:nvGrpSpPr>
+      <p:grpSpPr>
+        <a:xfrm>
+          <a:off x="0" y="0"/>
+          <a:ext cx="0" cy="0"/>
+          <a:chOff x="0" y="0"/>
+          <a:chExt cx="0" cy="0"/>
+        </a:xfrm>
+      </p:grpSpPr>
+      <p:sp>
+        <p:nvSpPr>
+          <p:cNvPr id="2" name="Title 1"/>
+          <p:cNvSpPr>
+            <a:spLocks noGrp="1"/>
+          </p:cNvSpPr>
+          <p:nvPr>
+            <p:ph type="title"/>
+          </p:nvPr>
+        </p:nvSpPr>
+        <p:spPr/>
+        <p:txBody>
+          <a:bodyPr/>
+          <a:lstStyle/>
+          <a:p>
+            <a:endParaRPr lang="en-US"/>
+          </a:p>
+        </p:txBody>
+      </p:sp>
+      <p:sp>
+        <p:nvSpPr>
+          <p:cNvPr id="3" name="Content Placeholder 2"/>
+          <p:cNvSpPr>
+            <a:spLocks noGrp="1"/>
+          </p:cNvSpPr>
+          <p:nvPr>
+            <p:ph idx="1"/>
+          </p:nvPr>
+        </p:nvSpPr>
+        <p:spPr/>
+        <p:txBody>
+          <a:bodyPr/>
+          <a:lstStyle/>
+          <a:p>
+            <a:endParaRPr lang="en-US"/>
+          </a:p>
+        </p:txBody>
+      </p:sp>
+    </p:spTree>
+    <p:extLst>
+      <p:ext uri="{BB962C8B-B14F-4D97-AF65-F5344CB8AC3E}">
+        <p14:creationId xmlns:p14="http://schemas.microsoft.com/office/powerpoint/2010/main" val="989047470"/>
+      </p:ext>
+    </p:extLst>
+  </p:cSld>
+  <p:clrMapOvr>
+    <a:masterClrMapping/>
+  </p:clrMapOvr>
+</p:sld>
+</file>
+
+<file path=ppt/slides/slide9.xml><?xml version="1.0" encoding="utf-8"?>
+<p:sld xmlns:a="http://schemas.openxmlformats.org/drawingml/2006/main" xmlns:r="http://schemas.openxmlformats.org/officeDocument/2006/relationships" xmlns:p="http://schemas.openxmlformats.org/presentationml/2006/main">
+  <p:cSld>
+    <p:spTree>
+      <p:nvGrpSpPr>
+        <p:cNvPr id="1" name=""/>
+        <p:cNvGrpSpPr/>
+        <p:nvPr/>
+      </p:nvGrpSpPr>
+      <p:grpSpPr>
+        <a:xfrm>
+          <a:off x="0" y="0"/>
+          <a:ext cx="0" cy="0"/>
+          <a:chOff x="0" y="0"/>
+          <a:chExt cx="0" cy="0"/>
+        </a:xfrm>
+      </p:grpSpPr>
+      <p:sp>
+        <p:nvSpPr>
+          <p:cNvPr id="2" name="Title 1"/>
+          <p:cNvSpPr>
+            <a:spLocks noGrp="1"/>
+          </p:cNvSpPr>
+          <p:nvPr>
+            <p:ph type="title"/>
+          </p:nvPr>
+        </p:nvSpPr>
+        <p:spPr/>
+        <p:txBody>
+          <a:bodyPr/>
+          <a:lstStyle/>
+          <a:p>
+            <a:endParaRPr lang="en-US"/>
+          </a:p>
+        </p:txBody>
+      </p:sp>
+      <p:sp>
+        <p:nvSpPr>
+          <p:cNvPr id="3" name="Content Placeholder 2"/>
+          <p:cNvSpPr>
+            <a:spLocks noGrp="1"/>
+          </p:cNvSpPr>
+          <p:nvPr>
+            <p:ph idx="1"/>
+          </p:nvPr>
+        </p:nvSpPr>
+        <p:spPr/>
+        <p:txBody>
+          <a:bodyPr/>
+          <a:lstStyle/>
+          <a:p>
+            <a:endParaRPr lang="en-US"/>
+          </a:p>
+        </p:txBody>
+      </p:sp>
+    </p:spTree>
+    <p:extLst>
+      <p:ext uri="{BB962C8B-B14F-4D97-AF65-F5344CB8AC3E}">
+        <p14:creationId xmlns:p14="http://schemas.microsoft.com/office/powerpoint/2010/main" val="1397400510"/>
+      </p:ext>
+    </p:extLst>
+  </p:cSld>
+  <p:clrMapOvr>
+    <a:masterClrMapping/>
+  </p:clrMapOvr>
 </p:sld>
 </file>
 

--- a/pres.pptx
+++ b/pres.pptx
@@ -119,6 +119,11 @@
       </a:defRPr>
     </a:lvl9pPr>
   </p:defaultTextStyle>
+  <p:extLst>
+    <p:ext uri="{EFAFB233-063F-42B5-8137-9DF3F51BA10A}">
+      <p15:sldGuideLst xmlns:p15="http://schemas.microsoft.com/office/powerpoint/2012/main"/>
+    </p:ext>
+  </p:extLst>
 </p:presentation>
 </file>
 
@@ -3065,29 +3070,52 @@
           <a:bodyPr/>
           <a:lstStyle/>
           <a:p>
-            <a:endParaRPr lang="en-US"/>
-          </a:p>
-        </p:txBody>
-      </p:sp>
-      <p:sp>
-        <p:nvSpPr>
-          <p:cNvPr id="3" name="Content Placeholder 2"/>
-          <p:cNvSpPr>
-            <a:spLocks noGrp="1"/>
-          </p:cNvSpPr>
+            <a:pPr algn="ctr"/>
+            <a:r>
+              <a:rPr lang="en-US" dirty="0" smtClean="0">
+                <a:solidFill>
+                  <a:schemeClr val="bg1"/>
+                </a:solidFill>
+              </a:rPr>
+              <a:t>AI Core Loop</a:t>
+            </a:r>
+            <a:endParaRPr lang="en-US" dirty="0">
+              <a:solidFill>
+                <a:schemeClr val="bg1"/>
+              </a:solidFill>
+            </a:endParaRPr>
+          </a:p>
+        </p:txBody>
+      </p:sp>
+      <p:pic>
+        <p:nvPicPr>
+          <p:cNvPr id="6" name="Content Placeholder 5"/>
+          <p:cNvPicPr>
+            <a:picLocks noGrp="1" noChangeAspect="1"/>
+          </p:cNvPicPr>
           <p:nvPr>
             <p:ph idx="1"/>
           </p:nvPr>
-        </p:nvSpPr>
-        <p:spPr/>
-        <p:txBody>
-          <a:bodyPr/>
-          <a:lstStyle/>
-          <a:p>
-            <a:endParaRPr lang="en-US"/>
-          </a:p>
-        </p:txBody>
-      </p:sp>
+        </p:nvPicPr>
+        <p:blipFill>
+          <a:blip r:embed="rId2">
+            <a:extLst>
+              <a:ext uri="{28A0092B-C50C-407E-A947-70E740481C1C}">
+                <a14:useLocalDpi xmlns:a14="http://schemas.microsoft.com/office/drawing/2010/main" val="0"/>
+              </a:ext>
+            </a:extLst>
+          </a:blip>
+          <a:stretch>
+            <a:fillRect/>
+          </a:stretch>
+        </p:blipFill>
+        <p:spPr>
+          <a:xfrm>
+            <a:off x="1612007" y="2599766"/>
+            <a:ext cx="8662667" cy="2081726"/>
+          </a:xfrm>
+        </p:spPr>
+      </p:pic>
     </p:spTree>
     <p:extLst>
       <p:ext uri="{BB962C8B-B14F-4D97-AF65-F5344CB8AC3E}">
@@ -3133,29 +3161,52 @@
           <a:bodyPr/>
           <a:lstStyle/>
           <a:p>
-            <a:endParaRPr lang="en-US"/>
-          </a:p>
-        </p:txBody>
-      </p:sp>
-      <p:sp>
-        <p:nvSpPr>
-          <p:cNvPr id="3" name="Content Placeholder 2"/>
-          <p:cNvSpPr>
-            <a:spLocks noGrp="1"/>
-          </p:cNvSpPr>
+            <a:pPr algn="ctr"/>
+            <a:r>
+              <a:rPr lang="en-US" dirty="0" smtClean="0">
+                <a:solidFill>
+                  <a:schemeClr val="bg1"/>
+                </a:solidFill>
+              </a:rPr>
+              <a:t>AI Board Loop</a:t>
+            </a:r>
+            <a:endParaRPr lang="en-US" dirty="0">
+              <a:solidFill>
+                <a:schemeClr val="bg1"/>
+              </a:solidFill>
+            </a:endParaRPr>
+          </a:p>
+        </p:txBody>
+      </p:sp>
+      <p:pic>
+        <p:nvPicPr>
+          <p:cNvPr id="4" name="Content Placeholder 3"/>
+          <p:cNvPicPr>
+            <a:picLocks noGrp="1" noChangeAspect="1"/>
+          </p:cNvPicPr>
           <p:nvPr>
             <p:ph idx="1"/>
           </p:nvPr>
-        </p:nvSpPr>
-        <p:spPr/>
-        <p:txBody>
-          <a:bodyPr/>
-          <a:lstStyle/>
-          <a:p>
-            <a:endParaRPr lang="en-US"/>
-          </a:p>
-        </p:txBody>
-      </p:sp>
+        </p:nvPicPr>
+        <p:blipFill>
+          <a:blip r:embed="rId2">
+            <a:extLst>
+              <a:ext uri="{28A0092B-C50C-407E-A947-70E740481C1C}">
+                <a14:useLocalDpi xmlns:a14="http://schemas.microsoft.com/office/drawing/2010/main" val="0"/>
+              </a:ext>
+            </a:extLst>
+          </a:blip>
+          <a:stretch>
+            <a:fillRect/>
+          </a:stretch>
+        </p:blipFill>
+        <p:spPr>
+          <a:xfrm>
+            <a:off x="1986854" y="1219200"/>
+            <a:ext cx="7322603" cy="4957763"/>
+          </a:xfrm>
+        </p:spPr>
+      </p:pic>
     </p:spTree>
     <p:extLst>
       <p:ext uri="{BB962C8B-B14F-4D97-AF65-F5344CB8AC3E}">
@@ -3201,29 +3252,52 @@
           <a:bodyPr/>
           <a:lstStyle/>
           <a:p>
-            <a:endParaRPr lang="en-US"/>
-          </a:p>
-        </p:txBody>
-      </p:sp>
-      <p:sp>
-        <p:nvSpPr>
-          <p:cNvPr id="3" name="Content Placeholder 2"/>
-          <p:cNvSpPr>
-            <a:spLocks noGrp="1"/>
-          </p:cNvSpPr>
+            <a:pPr algn="ctr"/>
+            <a:r>
+              <a:rPr lang="en-US" dirty="0" smtClean="0">
+                <a:solidFill>
+                  <a:schemeClr val="bg1"/>
+                </a:solidFill>
+              </a:rPr>
+              <a:t>Incident word compiler</a:t>
+            </a:r>
+            <a:endParaRPr lang="en-US" dirty="0">
+              <a:solidFill>
+                <a:schemeClr val="bg1"/>
+              </a:solidFill>
+            </a:endParaRPr>
+          </a:p>
+        </p:txBody>
+      </p:sp>
+      <p:pic>
+        <p:nvPicPr>
+          <p:cNvPr id="4" name="Content Placeholder 3"/>
+          <p:cNvPicPr>
+            <a:picLocks noGrp="1" noChangeAspect="1"/>
+          </p:cNvPicPr>
           <p:nvPr>
             <p:ph idx="1"/>
           </p:nvPr>
-        </p:nvSpPr>
-        <p:spPr/>
-        <p:txBody>
-          <a:bodyPr/>
-          <a:lstStyle/>
-          <a:p>
-            <a:endParaRPr lang="en-US"/>
-          </a:p>
-        </p:txBody>
-      </p:sp>
+        </p:nvPicPr>
+        <p:blipFill>
+          <a:blip r:embed="rId2">
+            <a:extLst>
+              <a:ext uri="{28A0092B-C50C-407E-A947-70E740481C1C}">
+                <a14:useLocalDpi xmlns:a14="http://schemas.microsoft.com/office/drawing/2010/main" val="0"/>
+              </a:ext>
+            </a:extLst>
+          </a:blip>
+          <a:stretch>
+            <a:fillRect/>
+          </a:stretch>
+        </p:blipFill>
+        <p:spPr>
+          <a:xfrm>
+            <a:off x="600217" y="1972236"/>
+            <a:ext cx="10495737" cy="3118643"/>
+          </a:xfrm>
+        </p:spPr>
+      </p:pic>
     </p:spTree>
     <p:extLst>
       <p:ext uri="{BB962C8B-B14F-4D97-AF65-F5344CB8AC3E}">
@@ -3256,7 +3330,1403 @@
       </p:grpSpPr>
       <p:sp>
         <p:nvSpPr>
-          <p:cNvPr id="2" name="Title 1"/>
+          <p:cNvPr id="4" name="Rectangle 3"/>
+          <p:cNvSpPr/>
+          <p:nvPr/>
+        </p:nvSpPr>
+        <p:spPr>
+          <a:xfrm>
+            <a:off x="2570628" y="3818965"/>
+            <a:ext cx="789460" cy="770964"/>
+          </a:xfrm>
+          <a:prstGeom prst="rect">
+            <a:avLst/>
+          </a:prstGeom>
+        </p:spPr>
+        <p:style>
+          <a:lnRef idx="2">
+            <a:schemeClr val="accent6"/>
+          </a:lnRef>
+          <a:fillRef idx="1">
+            <a:schemeClr val="lt1"/>
+          </a:fillRef>
+          <a:effectRef idx="0">
+            <a:schemeClr val="accent6"/>
+          </a:effectRef>
+          <a:fontRef idx="minor">
+            <a:schemeClr val="dk1"/>
+          </a:fontRef>
+        </p:style>
+        <p:txBody>
+          <a:bodyPr rtlCol="0" anchor="ctr"/>
+          <a:lstStyle/>
+          <a:p>
+            <a:pPr algn="ctr"/>
+            <a:endParaRPr lang="en-US"/>
+          </a:p>
+        </p:txBody>
+      </p:sp>
+      <p:sp>
+        <p:nvSpPr>
+          <p:cNvPr id="17" name="TextBox 16"/>
+          <p:cNvSpPr txBox="1"/>
+          <p:nvPr/>
+        </p:nvSpPr>
+        <p:spPr>
+          <a:xfrm>
+            <a:off x="2651079" y="3986027"/>
+            <a:ext cx="860291" cy="400110"/>
+          </a:xfrm>
+          <a:prstGeom prst="rect">
+            <a:avLst/>
+          </a:prstGeom>
+          <a:noFill/>
+        </p:spPr>
+        <p:txBody>
+          <a:bodyPr wrap="square" rtlCol="0">
+            <a:spAutoFit/>
+          </a:bodyPr>
+          <a:lstStyle/>
+          <a:p>
+            <a:r>
+              <a:rPr lang="en-US" sz="3000" baseline="-25000" dirty="0"/>
+              <a:t>H</a:t>
+            </a:r>
+            <a:r>
+              <a:rPr lang="en-US" sz="3000" baseline="-25000" dirty="0" smtClean="0"/>
+              <a:t>𝛔(3)</a:t>
+            </a:r>
+            <a:endParaRPr lang="en-US" sz="3000" baseline="-25000" dirty="0"/>
+          </a:p>
+        </p:txBody>
+      </p:sp>
+      <p:sp>
+        <p:nvSpPr>
+          <p:cNvPr id="35" name="Rectangle 34"/>
+          <p:cNvSpPr/>
+          <p:nvPr/>
+        </p:nvSpPr>
+        <p:spPr>
+          <a:xfrm>
+            <a:off x="3367094" y="3824663"/>
+            <a:ext cx="789460" cy="770964"/>
+          </a:xfrm>
+          <a:prstGeom prst="rect">
+            <a:avLst/>
+          </a:prstGeom>
+        </p:spPr>
+        <p:style>
+          <a:lnRef idx="2">
+            <a:schemeClr val="accent6"/>
+          </a:lnRef>
+          <a:fillRef idx="1">
+            <a:schemeClr val="lt1"/>
+          </a:fillRef>
+          <a:effectRef idx="0">
+            <a:schemeClr val="accent6"/>
+          </a:effectRef>
+          <a:fontRef idx="minor">
+            <a:schemeClr val="dk1"/>
+          </a:fontRef>
+        </p:style>
+        <p:txBody>
+          <a:bodyPr rtlCol="0" anchor="ctr"/>
+          <a:lstStyle/>
+          <a:p>
+            <a:pPr algn="ctr"/>
+            <a:endParaRPr lang="en-US"/>
+          </a:p>
+        </p:txBody>
+      </p:sp>
+      <p:sp>
+        <p:nvSpPr>
+          <p:cNvPr id="36" name="TextBox 35"/>
+          <p:cNvSpPr txBox="1"/>
+          <p:nvPr/>
+        </p:nvSpPr>
+        <p:spPr>
+          <a:xfrm>
+            <a:off x="3447545" y="3991725"/>
+            <a:ext cx="860291" cy="400110"/>
+          </a:xfrm>
+          <a:prstGeom prst="rect">
+            <a:avLst/>
+          </a:prstGeom>
+          <a:noFill/>
+        </p:spPr>
+        <p:txBody>
+          <a:bodyPr wrap="square" rtlCol="0">
+            <a:spAutoFit/>
+          </a:bodyPr>
+          <a:lstStyle/>
+          <a:p>
+            <a:r>
+              <a:rPr lang="en-US" sz="3000" baseline="-25000" dirty="0"/>
+              <a:t>H</a:t>
+            </a:r>
+            <a:r>
+              <a:rPr lang="en-US" sz="3000" baseline="-25000" dirty="0" smtClean="0"/>
+              <a:t>𝛔(2)</a:t>
+            </a:r>
+            <a:endParaRPr lang="en-US" sz="3000" baseline="-25000" dirty="0"/>
+          </a:p>
+        </p:txBody>
+      </p:sp>
+      <p:sp>
+        <p:nvSpPr>
+          <p:cNvPr id="37" name="Rectangle 36"/>
+          <p:cNvSpPr/>
+          <p:nvPr/>
+        </p:nvSpPr>
+        <p:spPr>
+          <a:xfrm>
+            <a:off x="4156554" y="3818965"/>
+            <a:ext cx="789460" cy="770964"/>
+          </a:xfrm>
+          <a:prstGeom prst="rect">
+            <a:avLst/>
+          </a:prstGeom>
+        </p:spPr>
+        <p:style>
+          <a:lnRef idx="2">
+            <a:schemeClr val="accent6"/>
+          </a:lnRef>
+          <a:fillRef idx="1">
+            <a:schemeClr val="lt1"/>
+          </a:fillRef>
+          <a:effectRef idx="0">
+            <a:schemeClr val="accent6"/>
+          </a:effectRef>
+          <a:fontRef idx="minor">
+            <a:schemeClr val="dk1"/>
+          </a:fontRef>
+        </p:style>
+        <p:txBody>
+          <a:bodyPr rtlCol="0" anchor="ctr"/>
+          <a:lstStyle/>
+          <a:p>
+            <a:pPr algn="ctr"/>
+            <a:endParaRPr lang="en-US"/>
+          </a:p>
+        </p:txBody>
+      </p:sp>
+      <p:sp>
+        <p:nvSpPr>
+          <p:cNvPr id="38" name="TextBox 37"/>
+          <p:cNvSpPr txBox="1"/>
+          <p:nvPr/>
+        </p:nvSpPr>
+        <p:spPr>
+          <a:xfrm>
+            <a:off x="4237005" y="3986027"/>
+            <a:ext cx="860291" cy="400110"/>
+          </a:xfrm>
+          <a:prstGeom prst="rect">
+            <a:avLst/>
+          </a:prstGeom>
+          <a:noFill/>
+        </p:spPr>
+        <p:txBody>
+          <a:bodyPr wrap="square" rtlCol="0">
+            <a:spAutoFit/>
+          </a:bodyPr>
+          <a:lstStyle/>
+          <a:p>
+            <a:r>
+              <a:rPr lang="en-US" sz="3000" baseline="-25000" dirty="0"/>
+              <a:t>H</a:t>
+            </a:r>
+            <a:r>
+              <a:rPr lang="en-US" sz="3000" baseline="-25000" dirty="0" smtClean="0"/>
+              <a:t>𝛔(1)</a:t>
+            </a:r>
+            <a:endParaRPr lang="en-US" sz="3000" baseline="-25000" dirty="0"/>
+          </a:p>
+        </p:txBody>
+      </p:sp>
+      <p:sp>
+        <p:nvSpPr>
+          <p:cNvPr id="39" name="Rectangle 38"/>
+          <p:cNvSpPr/>
+          <p:nvPr/>
+        </p:nvSpPr>
+        <p:spPr>
+          <a:xfrm>
+            <a:off x="4946014" y="3813267"/>
+            <a:ext cx="789460" cy="770964"/>
+          </a:xfrm>
+          <a:prstGeom prst="rect">
+            <a:avLst/>
+          </a:prstGeom>
+        </p:spPr>
+        <p:style>
+          <a:lnRef idx="2">
+            <a:schemeClr val="accent6"/>
+          </a:lnRef>
+          <a:fillRef idx="1">
+            <a:schemeClr val="lt1"/>
+          </a:fillRef>
+          <a:effectRef idx="0">
+            <a:schemeClr val="accent6"/>
+          </a:effectRef>
+          <a:fontRef idx="minor">
+            <a:schemeClr val="dk1"/>
+          </a:fontRef>
+        </p:style>
+        <p:txBody>
+          <a:bodyPr rtlCol="0" anchor="ctr"/>
+          <a:lstStyle/>
+          <a:p>
+            <a:pPr algn="ctr"/>
+            <a:endParaRPr lang="en-US"/>
+          </a:p>
+        </p:txBody>
+      </p:sp>
+      <p:sp>
+        <p:nvSpPr>
+          <p:cNvPr id="40" name="TextBox 39"/>
+          <p:cNvSpPr txBox="1"/>
+          <p:nvPr/>
+        </p:nvSpPr>
+        <p:spPr>
+          <a:xfrm>
+            <a:off x="5026465" y="3980329"/>
+            <a:ext cx="860291" cy="400110"/>
+          </a:xfrm>
+          <a:prstGeom prst="rect">
+            <a:avLst/>
+          </a:prstGeom>
+          <a:noFill/>
+        </p:spPr>
+        <p:txBody>
+          <a:bodyPr wrap="square" rtlCol="0">
+            <a:spAutoFit/>
+          </a:bodyPr>
+          <a:lstStyle/>
+          <a:p>
+            <a:r>
+              <a:rPr lang="en-US" sz="3000" baseline="-25000" dirty="0"/>
+              <a:t>H</a:t>
+            </a:r>
+            <a:r>
+              <a:rPr lang="en-US" sz="3000" baseline="-25000" dirty="0" smtClean="0"/>
+              <a:t>𝛔(4)</a:t>
+            </a:r>
+            <a:endParaRPr lang="en-US" sz="3000" baseline="-25000" dirty="0"/>
+          </a:p>
+        </p:txBody>
+      </p:sp>
+      <p:sp>
+        <p:nvSpPr>
+          <p:cNvPr id="41" name="Rectangle 40"/>
+          <p:cNvSpPr/>
+          <p:nvPr/>
+        </p:nvSpPr>
+        <p:spPr>
+          <a:xfrm>
+            <a:off x="6581812" y="3824663"/>
+            <a:ext cx="789460" cy="770964"/>
+          </a:xfrm>
+          <a:prstGeom prst="rect">
+            <a:avLst/>
+          </a:prstGeom>
+        </p:spPr>
+        <p:style>
+          <a:lnRef idx="2">
+            <a:schemeClr val="accent6"/>
+          </a:lnRef>
+          <a:fillRef idx="1">
+            <a:schemeClr val="lt1"/>
+          </a:fillRef>
+          <a:effectRef idx="0">
+            <a:schemeClr val="accent6"/>
+          </a:effectRef>
+          <a:fontRef idx="minor">
+            <a:schemeClr val="dk1"/>
+          </a:fontRef>
+        </p:style>
+        <p:txBody>
+          <a:bodyPr rtlCol="0" anchor="ctr"/>
+          <a:lstStyle/>
+          <a:p>
+            <a:pPr algn="ctr"/>
+            <a:endParaRPr lang="en-US"/>
+          </a:p>
+        </p:txBody>
+      </p:sp>
+      <p:sp>
+        <p:nvSpPr>
+          <p:cNvPr id="42" name="TextBox 41"/>
+          <p:cNvSpPr txBox="1"/>
+          <p:nvPr/>
+        </p:nvSpPr>
+        <p:spPr>
+          <a:xfrm>
+            <a:off x="6766240" y="3955866"/>
+            <a:ext cx="860291" cy="400110"/>
+          </a:xfrm>
+          <a:prstGeom prst="rect">
+            <a:avLst/>
+          </a:prstGeom>
+          <a:noFill/>
+        </p:spPr>
+        <p:txBody>
+          <a:bodyPr wrap="square" rtlCol="0">
+            <a:spAutoFit/>
+          </a:bodyPr>
+          <a:lstStyle/>
+          <a:p>
+            <a:r>
+              <a:rPr lang="en-US" sz="3000" baseline="-25000" dirty="0" smtClean="0"/>
+              <a:t>C</a:t>
+            </a:r>
+            <a:endParaRPr lang="en-US" sz="3000" baseline="-25000" dirty="0"/>
+          </a:p>
+        </p:txBody>
+      </p:sp>
+      <p:sp>
+        <p:nvSpPr>
+          <p:cNvPr id="43" name="Rectangle 42"/>
+          <p:cNvSpPr/>
+          <p:nvPr/>
+        </p:nvSpPr>
+        <p:spPr>
+          <a:xfrm>
+            <a:off x="8171584" y="3824663"/>
+            <a:ext cx="789460" cy="770964"/>
+          </a:xfrm>
+          <a:prstGeom prst="rect">
+            <a:avLst/>
+          </a:prstGeom>
+        </p:spPr>
+        <p:style>
+          <a:lnRef idx="2">
+            <a:schemeClr val="accent6"/>
+          </a:lnRef>
+          <a:fillRef idx="1">
+            <a:schemeClr val="lt1"/>
+          </a:fillRef>
+          <a:effectRef idx="0">
+            <a:schemeClr val="accent6"/>
+          </a:effectRef>
+          <a:fontRef idx="minor">
+            <a:schemeClr val="dk1"/>
+          </a:fontRef>
+        </p:style>
+        <p:txBody>
+          <a:bodyPr rtlCol="0" anchor="ctr"/>
+          <a:lstStyle/>
+          <a:p>
+            <a:pPr algn="ctr"/>
+            <a:endParaRPr lang="en-US"/>
+          </a:p>
+        </p:txBody>
+      </p:sp>
+      <p:sp>
+        <p:nvSpPr>
+          <p:cNvPr id="44" name="TextBox 43"/>
+          <p:cNvSpPr txBox="1"/>
+          <p:nvPr/>
+        </p:nvSpPr>
+        <p:spPr>
+          <a:xfrm>
+            <a:off x="8358682" y="3967262"/>
+            <a:ext cx="860291" cy="400110"/>
+          </a:xfrm>
+          <a:prstGeom prst="rect">
+            <a:avLst/>
+          </a:prstGeom>
+          <a:noFill/>
+        </p:spPr>
+        <p:txBody>
+          <a:bodyPr wrap="square" rtlCol="0">
+            <a:spAutoFit/>
+          </a:bodyPr>
+          <a:lstStyle/>
+          <a:p>
+            <a:r>
+              <a:rPr lang="en-US" sz="3000" baseline="-25000"/>
+              <a:t>B</a:t>
+            </a:r>
+            <a:endParaRPr lang="en-US" sz="3000" baseline="-25000" dirty="0"/>
+          </a:p>
+        </p:txBody>
+      </p:sp>
+      <p:sp>
+        <p:nvSpPr>
+          <p:cNvPr id="45" name="Rectangle 44"/>
+          <p:cNvSpPr/>
+          <p:nvPr/>
+        </p:nvSpPr>
+        <p:spPr>
+          <a:xfrm>
+            <a:off x="5777896" y="3824663"/>
+            <a:ext cx="789460" cy="770964"/>
+          </a:xfrm>
+          <a:prstGeom prst="rect">
+            <a:avLst/>
+          </a:prstGeom>
+        </p:spPr>
+        <p:style>
+          <a:lnRef idx="2">
+            <a:schemeClr val="accent6"/>
+          </a:lnRef>
+          <a:fillRef idx="1">
+            <a:schemeClr val="lt1"/>
+          </a:fillRef>
+          <a:effectRef idx="0">
+            <a:schemeClr val="accent6"/>
+          </a:effectRef>
+          <a:fontRef idx="minor">
+            <a:schemeClr val="dk1"/>
+          </a:fontRef>
+        </p:style>
+        <p:txBody>
+          <a:bodyPr rtlCol="0" anchor="ctr"/>
+          <a:lstStyle/>
+          <a:p>
+            <a:pPr algn="ctr"/>
+            <a:endParaRPr lang="en-US"/>
+          </a:p>
+        </p:txBody>
+      </p:sp>
+      <p:sp>
+        <p:nvSpPr>
+          <p:cNvPr id="46" name="TextBox 45"/>
+          <p:cNvSpPr txBox="1"/>
+          <p:nvPr/>
+        </p:nvSpPr>
+        <p:spPr>
+          <a:xfrm>
+            <a:off x="5858347" y="3991725"/>
+            <a:ext cx="860291" cy="400110"/>
+          </a:xfrm>
+          <a:prstGeom prst="rect">
+            <a:avLst/>
+          </a:prstGeom>
+          <a:noFill/>
+        </p:spPr>
+        <p:txBody>
+          <a:bodyPr wrap="square" rtlCol="0">
+            <a:spAutoFit/>
+          </a:bodyPr>
+          <a:lstStyle/>
+          <a:p>
+            <a:r>
+              <a:rPr lang="en-US" sz="3000" baseline="-25000" dirty="0"/>
+              <a:t>H</a:t>
+            </a:r>
+            <a:r>
+              <a:rPr lang="en-US" sz="3000" baseline="-25000" dirty="0" smtClean="0"/>
+              <a:t>𝛔(5)</a:t>
+            </a:r>
+            <a:endParaRPr lang="en-US" sz="3000" baseline="-25000" dirty="0"/>
+          </a:p>
+        </p:txBody>
+      </p:sp>
+      <p:sp>
+        <p:nvSpPr>
+          <p:cNvPr id="47" name="Rectangle 46"/>
+          <p:cNvSpPr/>
+          <p:nvPr/>
+        </p:nvSpPr>
+        <p:spPr>
+          <a:xfrm>
+            <a:off x="7364920" y="3824663"/>
+            <a:ext cx="789460" cy="770964"/>
+          </a:xfrm>
+          <a:prstGeom prst="rect">
+            <a:avLst/>
+          </a:prstGeom>
+        </p:spPr>
+        <p:style>
+          <a:lnRef idx="2">
+            <a:schemeClr val="accent6"/>
+          </a:lnRef>
+          <a:fillRef idx="1">
+            <a:schemeClr val="lt1"/>
+          </a:fillRef>
+          <a:effectRef idx="0">
+            <a:schemeClr val="accent6"/>
+          </a:effectRef>
+          <a:fontRef idx="minor">
+            <a:schemeClr val="dk1"/>
+          </a:fontRef>
+        </p:style>
+        <p:txBody>
+          <a:bodyPr rtlCol="0" anchor="ctr"/>
+          <a:lstStyle/>
+          <a:p>
+            <a:pPr algn="ctr"/>
+            <a:endParaRPr lang="en-US"/>
+          </a:p>
+        </p:txBody>
+      </p:sp>
+      <p:sp>
+        <p:nvSpPr>
+          <p:cNvPr id="48" name="TextBox 47"/>
+          <p:cNvSpPr txBox="1"/>
+          <p:nvPr/>
+        </p:nvSpPr>
+        <p:spPr>
+          <a:xfrm>
+            <a:off x="7418874" y="3991725"/>
+            <a:ext cx="860291" cy="400110"/>
+          </a:xfrm>
+          <a:prstGeom prst="rect">
+            <a:avLst/>
+          </a:prstGeom>
+          <a:noFill/>
+        </p:spPr>
+        <p:txBody>
+          <a:bodyPr wrap="square" rtlCol="0">
+            <a:spAutoFit/>
+          </a:bodyPr>
+          <a:lstStyle/>
+          <a:p>
+            <a:r>
+              <a:rPr lang="en-US" sz="3000" baseline="-25000" dirty="0"/>
+              <a:t>H</a:t>
+            </a:r>
+            <a:r>
+              <a:rPr lang="en-US" sz="3000" baseline="-25000" dirty="0" smtClean="0"/>
+              <a:t>𝛔(6)</a:t>
+            </a:r>
+            <a:endParaRPr lang="en-US" sz="3000" baseline="-25000" dirty="0"/>
+          </a:p>
+        </p:txBody>
+      </p:sp>
+      <p:sp>
+        <p:nvSpPr>
+          <p:cNvPr id="49" name="Rectangle 48"/>
+          <p:cNvSpPr/>
+          <p:nvPr/>
+        </p:nvSpPr>
+        <p:spPr>
+          <a:xfrm>
+            <a:off x="4151778" y="3048001"/>
+            <a:ext cx="789460" cy="770964"/>
+          </a:xfrm>
+          <a:prstGeom prst="rect">
+            <a:avLst/>
+          </a:prstGeom>
+        </p:spPr>
+        <p:style>
+          <a:lnRef idx="2">
+            <a:schemeClr val="accent6"/>
+          </a:lnRef>
+          <a:fillRef idx="1">
+            <a:schemeClr val="lt1"/>
+          </a:fillRef>
+          <a:effectRef idx="0">
+            <a:schemeClr val="accent6"/>
+          </a:effectRef>
+          <a:fontRef idx="minor">
+            <a:schemeClr val="dk1"/>
+          </a:fontRef>
+        </p:style>
+        <p:txBody>
+          <a:bodyPr rtlCol="0" anchor="ctr"/>
+          <a:lstStyle/>
+          <a:p>
+            <a:pPr algn="ctr"/>
+            <a:endParaRPr lang="en-US"/>
+          </a:p>
+        </p:txBody>
+      </p:sp>
+      <p:sp>
+        <p:nvSpPr>
+          <p:cNvPr id="50" name="TextBox 49"/>
+          <p:cNvSpPr txBox="1"/>
+          <p:nvPr/>
+        </p:nvSpPr>
+        <p:spPr>
+          <a:xfrm>
+            <a:off x="4325765" y="3197969"/>
+            <a:ext cx="860291" cy="400110"/>
+          </a:xfrm>
+          <a:prstGeom prst="rect">
+            <a:avLst/>
+          </a:prstGeom>
+          <a:noFill/>
+        </p:spPr>
+        <p:txBody>
+          <a:bodyPr wrap="square" rtlCol="0">
+            <a:spAutoFit/>
+          </a:bodyPr>
+          <a:lstStyle/>
+          <a:p>
+            <a:r>
+              <a:rPr lang="en-US" sz="3000" baseline="-25000" dirty="0"/>
+              <a:t>H</a:t>
+            </a:r>
+            <a:endParaRPr lang="en-US" sz="3000" baseline="-25000" dirty="0"/>
+          </a:p>
+        </p:txBody>
+      </p:sp>
+      <p:sp>
+        <p:nvSpPr>
+          <p:cNvPr id="51" name="TextBox 50"/>
+          <p:cNvSpPr txBox="1"/>
+          <p:nvPr/>
+        </p:nvSpPr>
+        <p:spPr>
+          <a:xfrm>
+            <a:off x="2860509" y="3099430"/>
+            <a:ext cx="1185349" cy="400110"/>
+          </a:xfrm>
+          <a:prstGeom prst="rect">
+            <a:avLst/>
+          </a:prstGeom>
+          <a:noFill/>
+        </p:spPr>
+        <p:txBody>
+          <a:bodyPr wrap="square" rtlCol="0">
+            <a:spAutoFit/>
+          </a:bodyPr>
+          <a:lstStyle/>
+          <a:p>
+            <a:r>
+              <a:rPr lang="en-US" sz="3000" baseline="-25000" dirty="0">
+                <a:solidFill>
+                  <a:schemeClr val="bg1"/>
+                </a:solidFill>
+              </a:rPr>
+              <a:t>?</a:t>
+            </a:r>
+            <a:endParaRPr lang="en-US" sz="3000" baseline="-25000" dirty="0">
+              <a:solidFill>
+                <a:schemeClr val="bg1"/>
+              </a:solidFill>
+            </a:endParaRPr>
+          </a:p>
+        </p:txBody>
+      </p:sp>
+      <p:sp>
+        <p:nvSpPr>
+          <p:cNvPr id="52" name="TextBox 51"/>
+          <p:cNvSpPr txBox="1"/>
+          <p:nvPr/>
+        </p:nvSpPr>
+        <p:spPr>
+          <a:xfrm>
+            <a:off x="5186056" y="3140967"/>
+            <a:ext cx="1185349" cy="400110"/>
+          </a:xfrm>
+          <a:prstGeom prst="rect">
+            <a:avLst/>
+          </a:prstGeom>
+          <a:noFill/>
+        </p:spPr>
+        <p:txBody>
+          <a:bodyPr wrap="square" rtlCol="0">
+            <a:spAutoFit/>
+          </a:bodyPr>
+          <a:lstStyle/>
+          <a:p>
+            <a:r>
+              <a:rPr lang="en-US" sz="3000" baseline="-25000" dirty="0">
+                <a:solidFill>
+                  <a:schemeClr val="bg1"/>
+                </a:solidFill>
+              </a:rPr>
+              <a:t>?</a:t>
+            </a:r>
+            <a:endParaRPr lang="en-US" sz="3000" baseline="-25000" dirty="0">
+              <a:solidFill>
+                <a:schemeClr val="bg1"/>
+              </a:solidFill>
+            </a:endParaRPr>
+          </a:p>
+        </p:txBody>
+      </p:sp>
+      <p:sp>
+        <p:nvSpPr>
+          <p:cNvPr id="53" name="TextBox 52"/>
+          <p:cNvSpPr txBox="1"/>
+          <p:nvPr/>
+        </p:nvSpPr>
+        <p:spPr>
+          <a:xfrm>
+            <a:off x="6016685" y="3181291"/>
+            <a:ext cx="1185349" cy="400110"/>
+          </a:xfrm>
+          <a:prstGeom prst="rect">
+            <a:avLst/>
+          </a:prstGeom>
+          <a:noFill/>
+        </p:spPr>
+        <p:txBody>
+          <a:bodyPr wrap="square" rtlCol="0">
+            <a:spAutoFit/>
+          </a:bodyPr>
+          <a:lstStyle/>
+          <a:p>
+            <a:r>
+              <a:rPr lang="en-US" sz="3000" baseline="-25000" dirty="0">
+                <a:solidFill>
+                  <a:schemeClr val="bg1"/>
+                </a:solidFill>
+              </a:rPr>
+              <a:t>?</a:t>
+            </a:r>
+            <a:endParaRPr lang="en-US" sz="3000" baseline="-25000" dirty="0">
+              <a:solidFill>
+                <a:schemeClr val="bg1"/>
+              </a:solidFill>
+            </a:endParaRPr>
+          </a:p>
+        </p:txBody>
+      </p:sp>
+      <p:sp>
+        <p:nvSpPr>
+          <p:cNvPr id="54" name="TextBox 53"/>
+          <p:cNvSpPr txBox="1"/>
+          <p:nvPr/>
+        </p:nvSpPr>
+        <p:spPr>
+          <a:xfrm>
+            <a:off x="1330950" y="3980329"/>
+            <a:ext cx="1185349" cy="400110"/>
+          </a:xfrm>
+          <a:prstGeom prst="rect">
+            <a:avLst/>
+          </a:prstGeom>
+          <a:noFill/>
+        </p:spPr>
+        <p:txBody>
+          <a:bodyPr wrap="square" rtlCol="0">
+            <a:spAutoFit/>
+          </a:bodyPr>
+          <a:lstStyle/>
+          <a:p>
+            <a:r>
+              <a:rPr lang="en-US" sz="3000" baseline="-25000" dirty="0">
+                <a:solidFill>
+                  <a:schemeClr val="bg1"/>
+                </a:solidFill>
+              </a:rPr>
+              <a:t>?</a:t>
+            </a:r>
+            <a:endParaRPr lang="en-US" sz="3000" baseline="-25000" dirty="0">
+              <a:solidFill>
+                <a:schemeClr val="bg1"/>
+              </a:solidFill>
+            </a:endParaRPr>
+          </a:p>
+        </p:txBody>
+      </p:sp>
+      <p:sp>
+        <p:nvSpPr>
+          <p:cNvPr id="55" name="TextBox 54"/>
+          <p:cNvSpPr txBox="1"/>
+          <p:nvPr/>
+        </p:nvSpPr>
+        <p:spPr>
+          <a:xfrm>
+            <a:off x="4433790" y="1794239"/>
+            <a:ext cx="1185349" cy="400110"/>
+          </a:xfrm>
+          <a:prstGeom prst="rect">
+            <a:avLst/>
+          </a:prstGeom>
+          <a:noFill/>
+        </p:spPr>
+        <p:txBody>
+          <a:bodyPr wrap="square" rtlCol="0">
+            <a:spAutoFit/>
+          </a:bodyPr>
+          <a:lstStyle/>
+          <a:p>
+            <a:r>
+              <a:rPr lang="en-US" sz="3000" baseline="-25000" dirty="0">
+                <a:solidFill>
+                  <a:schemeClr val="bg1"/>
+                </a:solidFill>
+              </a:rPr>
+              <a:t>?</a:t>
+            </a:r>
+            <a:endParaRPr lang="en-US" sz="3000" baseline="-25000" dirty="0">
+              <a:solidFill>
+                <a:schemeClr val="bg1"/>
+              </a:solidFill>
+            </a:endParaRPr>
+          </a:p>
+        </p:txBody>
+      </p:sp>
+      <p:sp>
+        <p:nvSpPr>
+          <p:cNvPr id="56" name="TextBox 55"/>
+          <p:cNvSpPr txBox="1"/>
+          <p:nvPr/>
+        </p:nvSpPr>
+        <p:spPr>
+          <a:xfrm>
+            <a:off x="7480638" y="3409891"/>
+            <a:ext cx="1185349" cy="400110"/>
+          </a:xfrm>
+          <a:prstGeom prst="rect">
+            <a:avLst/>
+          </a:prstGeom>
+          <a:noFill/>
+        </p:spPr>
+        <p:txBody>
+          <a:bodyPr wrap="square" rtlCol="0">
+            <a:spAutoFit/>
+          </a:bodyPr>
+          <a:lstStyle/>
+          <a:p>
+            <a:r>
+              <a:rPr lang="en-US" sz="3000" baseline="-25000" dirty="0">
+                <a:solidFill>
+                  <a:schemeClr val="bg1"/>
+                </a:solidFill>
+              </a:rPr>
+              <a:t>?</a:t>
+            </a:r>
+            <a:endParaRPr lang="en-US" sz="3000" baseline="-25000" dirty="0">
+              <a:solidFill>
+                <a:schemeClr val="bg1"/>
+              </a:solidFill>
+            </a:endParaRPr>
+          </a:p>
+        </p:txBody>
+      </p:sp>
+      <p:sp>
+        <p:nvSpPr>
+          <p:cNvPr id="57" name="TextBox 56"/>
+          <p:cNvSpPr txBox="1"/>
+          <p:nvPr/>
+        </p:nvSpPr>
+        <p:spPr>
+          <a:xfrm>
+            <a:off x="8403685" y="3310594"/>
+            <a:ext cx="1185349" cy="400110"/>
+          </a:xfrm>
+          <a:prstGeom prst="rect">
+            <a:avLst/>
+          </a:prstGeom>
+          <a:noFill/>
+        </p:spPr>
+        <p:txBody>
+          <a:bodyPr wrap="square" rtlCol="0">
+            <a:spAutoFit/>
+          </a:bodyPr>
+          <a:lstStyle/>
+          <a:p>
+            <a:r>
+              <a:rPr lang="en-US" sz="3000" baseline="-25000" dirty="0">
+                <a:solidFill>
+                  <a:schemeClr val="bg1"/>
+                </a:solidFill>
+              </a:rPr>
+              <a:t>?</a:t>
+            </a:r>
+            <a:endParaRPr lang="en-US" sz="3000" baseline="-25000" dirty="0">
+              <a:solidFill>
+                <a:schemeClr val="bg1"/>
+              </a:solidFill>
+            </a:endParaRPr>
+          </a:p>
+        </p:txBody>
+      </p:sp>
+      <p:sp>
+        <p:nvSpPr>
+          <p:cNvPr id="58" name="TextBox 57"/>
+          <p:cNvSpPr txBox="1"/>
+          <p:nvPr/>
+        </p:nvSpPr>
+        <p:spPr>
+          <a:xfrm>
+            <a:off x="7785438" y="3714691"/>
+            <a:ext cx="1185349" cy="400110"/>
+          </a:xfrm>
+          <a:prstGeom prst="rect">
+            <a:avLst/>
+          </a:prstGeom>
+          <a:noFill/>
+        </p:spPr>
+        <p:txBody>
+          <a:bodyPr wrap="square" rtlCol="0">
+            <a:spAutoFit/>
+          </a:bodyPr>
+          <a:lstStyle/>
+          <a:p>
+            <a:r>
+              <a:rPr lang="en-US" sz="3000" baseline="-25000" dirty="0">
+                <a:solidFill>
+                  <a:schemeClr val="bg1"/>
+                </a:solidFill>
+              </a:rPr>
+              <a:t>?</a:t>
+            </a:r>
+            <a:endParaRPr lang="en-US" sz="3000" baseline="-25000" dirty="0">
+              <a:solidFill>
+                <a:schemeClr val="bg1"/>
+              </a:solidFill>
+            </a:endParaRPr>
+          </a:p>
+        </p:txBody>
+      </p:sp>
+      <p:sp>
+        <p:nvSpPr>
+          <p:cNvPr id="59" name="TextBox 58"/>
+          <p:cNvSpPr txBox="1"/>
+          <p:nvPr/>
+        </p:nvSpPr>
+        <p:spPr>
+          <a:xfrm>
+            <a:off x="7937838" y="3867091"/>
+            <a:ext cx="1185349" cy="400110"/>
+          </a:xfrm>
+          <a:prstGeom prst="rect">
+            <a:avLst/>
+          </a:prstGeom>
+          <a:noFill/>
+        </p:spPr>
+        <p:txBody>
+          <a:bodyPr wrap="square" rtlCol="0">
+            <a:spAutoFit/>
+          </a:bodyPr>
+          <a:lstStyle/>
+          <a:p>
+            <a:r>
+              <a:rPr lang="en-US" sz="3000" baseline="-25000" dirty="0">
+                <a:solidFill>
+                  <a:schemeClr val="bg1"/>
+                </a:solidFill>
+              </a:rPr>
+              <a:t>?</a:t>
+            </a:r>
+            <a:endParaRPr lang="en-US" sz="3000" baseline="-25000" dirty="0">
+              <a:solidFill>
+                <a:schemeClr val="bg1"/>
+              </a:solidFill>
+            </a:endParaRPr>
+          </a:p>
+        </p:txBody>
+      </p:sp>
+      <p:sp>
+        <p:nvSpPr>
+          <p:cNvPr id="60" name="TextBox 59"/>
+          <p:cNvSpPr txBox="1"/>
+          <p:nvPr/>
+        </p:nvSpPr>
+        <p:spPr>
+          <a:xfrm>
+            <a:off x="8090238" y="4019491"/>
+            <a:ext cx="1185349" cy="400110"/>
+          </a:xfrm>
+          <a:prstGeom prst="rect">
+            <a:avLst/>
+          </a:prstGeom>
+          <a:noFill/>
+        </p:spPr>
+        <p:txBody>
+          <a:bodyPr wrap="square" rtlCol="0">
+            <a:spAutoFit/>
+          </a:bodyPr>
+          <a:lstStyle/>
+          <a:p>
+            <a:r>
+              <a:rPr lang="en-US" sz="3000" baseline="-25000" dirty="0">
+                <a:solidFill>
+                  <a:schemeClr val="bg1"/>
+                </a:solidFill>
+              </a:rPr>
+              <a:t>?</a:t>
+            </a:r>
+            <a:endParaRPr lang="en-US" sz="3000" baseline="-25000" dirty="0">
+              <a:solidFill>
+                <a:schemeClr val="bg1"/>
+              </a:solidFill>
+            </a:endParaRPr>
+          </a:p>
+        </p:txBody>
+      </p:sp>
+      <p:sp>
+        <p:nvSpPr>
+          <p:cNvPr id="61" name="TextBox 60"/>
+          <p:cNvSpPr txBox="1"/>
+          <p:nvPr/>
+        </p:nvSpPr>
+        <p:spPr>
+          <a:xfrm>
+            <a:off x="8242638" y="4171891"/>
+            <a:ext cx="1185349" cy="400110"/>
+          </a:xfrm>
+          <a:prstGeom prst="rect">
+            <a:avLst/>
+          </a:prstGeom>
+          <a:noFill/>
+        </p:spPr>
+        <p:txBody>
+          <a:bodyPr wrap="square" rtlCol="0">
+            <a:spAutoFit/>
+          </a:bodyPr>
+          <a:lstStyle/>
+          <a:p>
+            <a:r>
+              <a:rPr lang="en-US" sz="3000" baseline="-25000" dirty="0">
+                <a:solidFill>
+                  <a:schemeClr val="bg1"/>
+                </a:solidFill>
+              </a:rPr>
+              <a:t>?</a:t>
+            </a:r>
+            <a:endParaRPr lang="en-US" sz="3000" baseline="-25000" dirty="0">
+              <a:solidFill>
+                <a:schemeClr val="bg1"/>
+              </a:solidFill>
+            </a:endParaRPr>
+          </a:p>
+        </p:txBody>
+      </p:sp>
+      <p:sp>
+        <p:nvSpPr>
+          <p:cNvPr id="62" name="TextBox 61"/>
+          <p:cNvSpPr txBox="1"/>
+          <p:nvPr/>
+        </p:nvSpPr>
+        <p:spPr>
+          <a:xfrm>
+            <a:off x="8300266" y="4736631"/>
+            <a:ext cx="1185349" cy="400110"/>
+          </a:xfrm>
+          <a:prstGeom prst="rect">
+            <a:avLst/>
+          </a:prstGeom>
+          <a:noFill/>
+        </p:spPr>
+        <p:txBody>
+          <a:bodyPr wrap="square" rtlCol="0">
+            <a:spAutoFit/>
+          </a:bodyPr>
+          <a:lstStyle/>
+          <a:p>
+            <a:r>
+              <a:rPr lang="en-US" sz="3000" baseline="-25000" dirty="0">
+                <a:solidFill>
+                  <a:schemeClr val="bg1"/>
+                </a:solidFill>
+              </a:rPr>
+              <a:t>?</a:t>
+            </a:r>
+            <a:endParaRPr lang="en-US" sz="3000" baseline="-25000" dirty="0">
+              <a:solidFill>
+                <a:schemeClr val="bg1"/>
+              </a:solidFill>
+            </a:endParaRPr>
+          </a:p>
+        </p:txBody>
+      </p:sp>
+      <p:sp>
+        <p:nvSpPr>
+          <p:cNvPr id="63" name="TextBox 62"/>
+          <p:cNvSpPr txBox="1"/>
+          <p:nvPr/>
+        </p:nvSpPr>
+        <p:spPr>
+          <a:xfrm>
+            <a:off x="9854531" y="4019491"/>
+            <a:ext cx="1185349" cy="400110"/>
+          </a:xfrm>
+          <a:prstGeom prst="rect">
+            <a:avLst/>
+          </a:prstGeom>
+          <a:noFill/>
+        </p:spPr>
+        <p:txBody>
+          <a:bodyPr wrap="square" rtlCol="0">
+            <a:spAutoFit/>
+          </a:bodyPr>
+          <a:lstStyle/>
+          <a:p>
+            <a:r>
+              <a:rPr lang="en-US" sz="3000" baseline="-25000" dirty="0">
+                <a:solidFill>
+                  <a:schemeClr val="bg1"/>
+                </a:solidFill>
+              </a:rPr>
+              <a:t>?</a:t>
+            </a:r>
+            <a:endParaRPr lang="en-US" sz="3000" baseline="-25000" dirty="0">
+              <a:solidFill>
+                <a:schemeClr val="bg1"/>
+              </a:solidFill>
+            </a:endParaRPr>
+          </a:p>
+        </p:txBody>
+      </p:sp>
+      <p:sp>
+        <p:nvSpPr>
+          <p:cNvPr id="64" name="TextBox 63"/>
+          <p:cNvSpPr txBox="1"/>
+          <p:nvPr/>
+        </p:nvSpPr>
+        <p:spPr>
+          <a:xfrm>
+            <a:off x="6954446" y="4674351"/>
+            <a:ext cx="1185349" cy="400110"/>
+          </a:xfrm>
+          <a:prstGeom prst="rect">
+            <a:avLst/>
+          </a:prstGeom>
+          <a:noFill/>
+        </p:spPr>
+        <p:txBody>
+          <a:bodyPr wrap="square" rtlCol="0">
+            <a:spAutoFit/>
+          </a:bodyPr>
+          <a:lstStyle/>
+          <a:p>
+            <a:r>
+              <a:rPr lang="en-US" sz="3000" baseline="-25000" dirty="0">
+                <a:solidFill>
+                  <a:schemeClr val="bg1"/>
+                </a:solidFill>
+              </a:rPr>
+              <a:t>?</a:t>
+            </a:r>
+            <a:endParaRPr lang="en-US" sz="3000" baseline="-25000" dirty="0">
+              <a:solidFill>
+                <a:schemeClr val="bg1"/>
+              </a:solidFill>
+            </a:endParaRPr>
+          </a:p>
+        </p:txBody>
+      </p:sp>
+      <p:sp>
+        <p:nvSpPr>
+          <p:cNvPr id="65" name="TextBox 64"/>
+          <p:cNvSpPr txBox="1"/>
+          <p:nvPr/>
+        </p:nvSpPr>
+        <p:spPr>
+          <a:xfrm>
+            <a:off x="6029083" y="4715034"/>
+            <a:ext cx="1185349" cy="400110"/>
+          </a:xfrm>
+          <a:prstGeom prst="rect">
+            <a:avLst/>
+          </a:prstGeom>
+          <a:noFill/>
+        </p:spPr>
+        <p:txBody>
+          <a:bodyPr wrap="square" rtlCol="0">
+            <a:spAutoFit/>
+          </a:bodyPr>
+          <a:lstStyle/>
+          <a:p>
+            <a:r>
+              <a:rPr lang="en-US" sz="3000" baseline="-25000" dirty="0">
+                <a:solidFill>
+                  <a:schemeClr val="bg1"/>
+                </a:solidFill>
+              </a:rPr>
+              <a:t>?</a:t>
+            </a:r>
+            <a:endParaRPr lang="en-US" sz="3000" baseline="-25000" dirty="0">
+              <a:solidFill>
+                <a:schemeClr val="bg1"/>
+              </a:solidFill>
+            </a:endParaRPr>
+          </a:p>
+        </p:txBody>
+      </p:sp>
+      <p:sp>
+        <p:nvSpPr>
+          <p:cNvPr id="66" name="TextBox 65"/>
+          <p:cNvSpPr txBox="1"/>
+          <p:nvPr/>
+        </p:nvSpPr>
+        <p:spPr>
+          <a:xfrm>
+            <a:off x="5103143" y="4839763"/>
+            <a:ext cx="1185349" cy="400110"/>
+          </a:xfrm>
+          <a:prstGeom prst="rect">
+            <a:avLst/>
+          </a:prstGeom>
+          <a:noFill/>
+        </p:spPr>
+        <p:txBody>
+          <a:bodyPr wrap="square" rtlCol="0">
+            <a:spAutoFit/>
+          </a:bodyPr>
+          <a:lstStyle/>
+          <a:p>
+            <a:r>
+              <a:rPr lang="en-US" sz="3000" baseline="-25000" dirty="0">
+                <a:solidFill>
+                  <a:schemeClr val="bg1"/>
+                </a:solidFill>
+              </a:rPr>
+              <a:t>?</a:t>
+            </a:r>
+            <a:endParaRPr lang="en-US" sz="3000" baseline="-25000" dirty="0">
+              <a:solidFill>
+                <a:schemeClr val="bg1"/>
+              </a:solidFill>
+            </a:endParaRPr>
+          </a:p>
+        </p:txBody>
+      </p:sp>
+      <p:sp>
+        <p:nvSpPr>
+          <p:cNvPr id="67" name="Rectangle 66"/>
+          <p:cNvSpPr/>
+          <p:nvPr/>
+        </p:nvSpPr>
+        <p:spPr>
+          <a:xfrm>
+            <a:off x="8957057" y="3813267"/>
+            <a:ext cx="789460" cy="770964"/>
+          </a:xfrm>
+          <a:prstGeom prst="rect">
+            <a:avLst/>
+          </a:prstGeom>
+        </p:spPr>
+        <p:style>
+          <a:lnRef idx="2">
+            <a:schemeClr val="accent6"/>
+          </a:lnRef>
+          <a:fillRef idx="1">
+            <a:schemeClr val="lt1"/>
+          </a:fillRef>
+          <a:effectRef idx="0">
+            <a:schemeClr val="accent6"/>
+          </a:effectRef>
+          <a:fontRef idx="minor">
+            <a:schemeClr val="dk1"/>
+          </a:fontRef>
+        </p:style>
+        <p:txBody>
+          <a:bodyPr rtlCol="0" anchor="ctr"/>
+          <a:lstStyle/>
+          <a:p>
+            <a:pPr algn="ctr"/>
+            <a:endParaRPr lang="en-US"/>
+          </a:p>
+        </p:txBody>
+      </p:sp>
+      <p:sp>
+        <p:nvSpPr>
+          <p:cNvPr id="68" name="Rectangle 67"/>
+          <p:cNvSpPr/>
+          <p:nvPr/>
+        </p:nvSpPr>
+        <p:spPr>
+          <a:xfrm>
+            <a:off x="1766963" y="3813269"/>
+            <a:ext cx="789460" cy="770964"/>
+          </a:xfrm>
+          <a:prstGeom prst="rect">
+            <a:avLst/>
+          </a:prstGeom>
+        </p:spPr>
+        <p:style>
+          <a:lnRef idx="2">
+            <a:schemeClr val="accent6"/>
+          </a:lnRef>
+          <a:fillRef idx="1">
+            <a:schemeClr val="lt1"/>
+          </a:fillRef>
+          <a:effectRef idx="0">
+            <a:schemeClr val="accent6"/>
+          </a:effectRef>
+          <a:fontRef idx="minor">
+            <a:schemeClr val="dk1"/>
+          </a:fontRef>
+        </p:style>
+        <p:txBody>
+          <a:bodyPr rtlCol="0" anchor="ctr"/>
+          <a:lstStyle/>
+          <a:p>
+            <a:pPr algn="ctr"/>
+            <a:endParaRPr lang="en-US"/>
+          </a:p>
+        </p:txBody>
+      </p:sp>
+      <p:sp>
+        <p:nvSpPr>
+          <p:cNvPr id="69" name="Rectangle 68"/>
+          <p:cNvSpPr/>
+          <p:nvPr/>
+        </p:nvSpPr>
+        <p:spPr>
+          <a:xfrm>
+            <a:off x="4151778" y="2256713"/>
+            <a:ext cx="789460" cy="770964"/>
+          </a:xfrm>
+          <a:prstGeom prst="rect">
+            <a:avLst/>
+          </a:prstGeom>
+        </p:spPr>
+        <p:style>
+          <a:lnRef idx="2">
+            <a:schemeClr val="accent6"/>
+          </a:lnRef>
+          <a:fillRef idx="1">
+            <a:schemeClr val="lt1"/>
+          </a:fillRef>
+          <a:effectRef idx="0">
+            <a:schemeClr val="accent6"/>
+          </a:effectRef>
+          <a:fontRef idx="minor">
+            <a:schemeClr val="dk1"/>
+          </a:fontRef>
+        </p:style>
+        <p:txBody>
+          <a:bodyPr rtlCol="0" anchor="ctr"/>
+          <a:lstStyle/>
+          <a:p>
+            <a:pPr algn="ctr"/>
+            <a:endParaRPr lang="en-US"/>
+          </a:p>
+        </p:txBody>
+      </p:sp>
+      <p:sp>
+        <p:nvSpPr>
+          <p:cNvPr id="70" name="Rectangle 69"/>
+          <p:cNvSpPr/>
+          <p:nvPr/>
+        </p:nvSpPr>
+        <p:spPr>
+          <a:xfrm>
+            <a:off x="4153212" y="4606987"/>
+            <a:ext cx="789460" cy="770964"/>
+          </a:xfrm>
+          <a:prstGeom prst="rect">
+            <a:avLst/>
+          </a:prstGeom>
+        </p:spPr>
+        <p:style>
+          <a:lnRef idx="2">
+            <a:schemeClr val="accent6"/>
+          </a:lnRef>
+          <a:fillRef idx="1">
+            <a:schemeClr val="lt1"/>
+          </a:fillRef>
+          <a:effectRef idx="0">
+            <a:schemeClr val="accent6"/>
+          </a:effectRef>
+          <a:fontRef idx="minor">
+            <a:schemeClr val="dk1"/>
+          </a:fontRef>
+        </p:style>
+        <p:txBody>
+          <a:bodyPr rtlCol="0" anchor="ctr"/>
+          <a:lstStyle/>
+          <a:p>
+            <a:pPr algn="ctr"/>
+            <a:endParaRPr lang="en-US"/>
+          </a:p>
+        </p:txBody>
+      </p:sp>
+      <p:sp>
+        <p:nvSpPr>
+          <p:cNvPr id="72" name="Title 1"/>
           <p:cNvSpPr>
             <a:spLocks noGrp="1"/>
           </p:cNvSpPr>
@@ -3264,31 +4734,30 @@
             <p:ph type="title"/>
           </p:nvPr>
         </p:nvSpPr>
-        <p:spPr/>
-        <p:txBody>
-          <a:bodyPr/>
-          <a:lstStyle/>
-          <a:p>
-            <a:endParaRPr lang="en-US"/>
-          </a:p>
-        </p:txBody>
-      </p:sp>
-      <p:sp>
-        <p:nvSpPr>
-          <p:cNvPr id="3" name="Content Placeholder 2"/>
-          <p:cNvSpPr>
-            <a:spLocks noGrp="1"/>
-          </p:cNvSpPr>
-          <p:nvPr>
-            <p:ph idx="1"/>
-          </p:nvPr>
-        </p:nvSpPr>
-        <p:spPr/>
-        <p:txBody>
-          <a:bodyPr/>
-          <a:lstStyle/>
-          <a:p>
-            <a:endParaRPr lang="en-US"/>
+        <p:spPr>
+          <a:xfrm>
+            <a:off x="438017" y="440910"/>
+            <a:ext cx="10515600" cy="1325563"/>
+          </a:xfrm>
+        </p:spPr>
+        <p:txBody>
+          <a:bodyPr/>
+          <a:lstStyle/>
+          <a:p>
+            <a:pPr algn="ctr"/>
+            <a:r>
+              <a:rPr lang="en-US" dirty="0" smtClean="0">
+                <a:solidFill>
+                  <a:schemeClr val="bg1"/>
+                </a:solidFill>
+              </a:rPr>
+              <a:t>Visual Intuition</a:t>
+            </a:r>
+            <a:endParaRPr lang="en-US" dirty="0">
+              <a:solidFill>
+                <a:schemeClr val="bg1"/>
+              </a:solidFill>
+            </a:endParaRPr>
           </a:p>
         </p:txBody>
       </p:sp>

--- a/pres.pptx
+++ b/pres.pptx
@@ -6,11 +6,11 @@
   </p:sldMasterIdLst>
   <p:sldIdLst>
     <p:sldId id="256" r:id="rId2"/>
-    <p:sldId id="257" r:id="rId3"/>
-    <p:sldId id="258" r:id="rId4"/>
+    <p:sldId id="258" r:id="rId3"/>
+    <p:sldId id="260" r:id="rId4"/>
     <p:sldId id="259" r:id="rId5"/>
-    <p:sldId id="260" r:id="rId6"/>
-    <p:sldId id="261" r:id="rId7"/>
+    <p:sldId id="261" r:id="rId6"/>
+    <p:sldId id="257" r:id="rId7"/>
     <p:sldId id="262" r:id="rId8"/>
     <p:sldId id="263" r:id="rId9"/>
     <p:sldId id="264" r:id="rId10"/>
@@ -119,7 +119,4223 @@
       </a:defRPr>
     </a:lvl9pPr>
   </p:defaultTextStyle>
+  <p:extLst>
+    <p:ext uri="{EFAFB233-063F-42B5-8137-9DF3F51BA10A}">
+      <p15:sldGuideLst xmlns:p15="http://schemas.microsoft.com/office/powerpoint/2012/main"/>
+    </p:ext>
+  </p:extLst>
 </p:presentation>
+</file>
+
+<file path=ppt/diagrams/colors1.xml><?xml version="1.0" encoding="utf-8"?>
+<dgm:colorsDef xmlns:dgm="http://schemas.openxmlformats.org/drawingml/2006/diagram" xmlns:a="http://schemas.openxmlformats.org/drawingml/2006/main" uniqueId="urn:microsoft.com/office/officeart/2005/8/colors/accent0_3">
+  <dgm:title val=""/>
+  <dgm:desc val=""/>
+  <dgm:catLst>
+    <dgm:cat type="mainScheme" pri="10300"/>
+  </dgm:catLst>
+  <dgm:styleLbl name="node0">
+    <dgm:fillClrLst meth="repeat">
+      <a:schemeClr val="dk2"/>
+    </dgm:fillClrLst>
+    <dgm:linClrLst meth="repeat">
+      <a:schemeClr val="lt2"/>
+    </dgm:linClrLst>
+    <dgm:effectClrLst/>
+    <dgm:txLinClrLst/>
+    <dgm:txFillClrLst/>
+    <dgm:txEffectClrLst/>
+  </dgm:styleLbl>
+  <dgm:styleLbl name="alignNode1">
+    <dgm:fillClrLst meth="repeat">
+      <a:schemeClr val="dk2"/>
+    </dgm:fillClrLst>
+    <dgm:linClrLst meth="repeat">
+      <a:schemeClr val="dk2"/>
+    </dgm:linClrLst>
+    <dgm:effectClrLst/>
+    <dgm:txLinClrLst/>
+    <dgm:txFillClrLst/>
+    <dgm:txEffectClrLst/>
+  </dgm:styleLbl>
+  <dgm:styleLbl name="node1">
+    <dgm:fillClrLst meth="repeat">
+      <a:schemeClr val="dk2"/>
+    </dgm:fillClrLst>
+    <dgm:linClrLst meth="repeat">
+      <a:schemeClr val="lt2"/>
+    </dgm:linClrLst>
+    <dgm:effectClrLst/>
+    <dgm:txLinClrLst/>
+    <dgm:txFillClrLst/>
+    <dgm:txEffectClrLst/>
+  </dgm:styleLbl>
+  <dgm:styleLbl name="lnNode1">
+    <dgm:fillClrLst meth="repeat">
+      <a:schemeClr val="dk2"/>
+    </dgm:fillClrLst>
+    <dgm:linClrLst meth="repeat">
+      <a:schemeClr val="lt2"/>
+    </dgm:linClrLst>
+    <dgm:effectClrLst/>
+    <dgm:txLinClrLst/>
+    <dgm:txFillClrLst/>
+    <dgm:txEffectClrLst/>
+  </dgm:styleLbl>
+  <dgm:styleLbl name="vennNode1">
+    <dgm:fillClrLst meth="repeat">
+      <a:schemeClr val="dk2">
+        <a:alpha val="50000"/>
+      </a:schemeClr>
+    </dgm:fillClrLst>
+    <dgm:linClrLst meth="repeat">
+      <a:schemeClr val="lt2"/>
+    </dgm:linClrLst>
+    <dgm:effectClrLst/>
+    <dgm:txLinClrLst/>
+    <dgm:txFillClrLst/>
+    <dgm:txEffectClrLst/>
+  </dgm:styleLbl>
+  <dgm:styleLbl name="node2">
+    <dgm:fillClrLst meth="repeat">
+      <a:schemeClr val="dk2"/>
+    </dgm:fillClrLst>
+    <dgm:linClrLst meth="repeat">
+      <a:schemeClr val="lt2"/>
+    </dgm:linClrLst>
+    <dgm:effectClrLst/>
+    <dgm:txLinClrLst/>
+    <dgm:txFillClrLst/>
+    <dgm:txEffectClrLst/>
+  </dgm:styleLbl>
+  <dgm:styleLbl name="node3">
+    <dgm:fillClrLst meth="repeat">
+      <a:schemeClr val="dk2"/>
+    </dgm:fillClrLst>
+    <dgm:linClrLst meth="repeat">
+      <a:schemeClr val="lt2"/>
+    </dgm:linClrLst>
+    <dgm:effectClrLst/>
+    <dgm:txLinClrLst/>
+    <dgm:txFillClrLst/>
+    <dgm:txEffectClrLst/>
+  </dgm:styleLbl>
+  <dgm:styleLbl name="node4">
+    <dgm:fillClrLst meth="repeat">
+      <a:schemeClr val="dk2"/>
+    </dgm:fillClrLst>
+    <dgm:linClrLst meth="repeat">
+      <a:schemeClr val="lt2"/>
+    </dgm:linClrLst>
+    <dgm:effectClrLst/>
+    <dgm:txLinClrLst/>
+    <dgm:txFillClrLst/>
+    <dgm:txEffectClrLst/>
+  </dgm:styleLbl>
+  <dgm:styleLbl name="fgImgPlace1">
+    <dgm:fillClrLst meth="repeat">
+      <a:schemeClr val="dk2">
+        <a:tint val="50000"/>
+      </a:schemeClr>
+    </dgm:fillClrLst>
+    <dgm:linClrLst meth="repeat">
+      <a:schemeClr val="lt2"/>
+    </dgm:linClrLst>
+    <dgm:effectClrLst/>
+    <dgm:txLinClrLst/>
+    <dgm:txFillClrLst meth="repeat">
+      <a:schemeClr val="lt2"/>
+    </dgm:txFillClrLst>
+    <dgm:txEffectClrLst/>
+  </dgm:styleLbl>
+  <dgm:styleLbl name="alignImgPlace1">
+    <dgm:fillClrLst meth="repeat">
+      <a:schemeClr val="dk2">
+        <a:tint val="50000"/>
+      </a:schemeClr>
+    </dgm:fillClrLst>
+    <dgm:linClrLst meth="repeat">
+      <a:schemeClr val="dk2">
+        <a:shade val="80000"/>
+      </a:schemeClr>
+    </dgm:linClrLst>
+    <dgm:effectClrLst/>
+    <dgm:txLinClrLst/>
+    <dgm:txFillClrLst meth="repeat">
+      <a:schemeClr val="lt2"/>
+    </dgm:txFillClrLst>
+    <dgm:txEffectClrLst/>
+  </dgm:styleLbl>
+  <dgm:styleLbl name="bgImgPlace1">
+    <dgm:fillClrLst meth="repeat">
+      <a:schemeClr val="dk2">
+        <a:tint val="50000"/>
+      </a:schemeClr>
+    </dgm:fillClrLst>
+    <dgm:linClrLst meth="repeat">
+      <a:schemeClr val="dk2">
+        <a:shade val="80000"/>
+      </a:schemeClr>
+    </dgm:linClrLst>
+    <dgm:effectClrLst/>
+    <dgm:txLinClrLst/>
+    <dgm:txFillClrLst meth="repeat">
+      <a:schemeClr val="lt2"/>
+    </dgm:txFillClrLst>
+    <dgm:txEffectClrLst/>
+  </dgm:styleLbl>
+  <dgm:styleLbl name="sibTrans2D1">
+    <dgm:fillClrLst meth="repeat">
+      <a:schemeClr val="dk2">
+        <a:tint val="60000"/>
+      </a:schemeClr>
+    </dgm:fillClrLst>
+    <dgm:linClrLst meth="repeat">
+      <a:schemeClr val="dk2">
+        <a:tint val="60000"/>
+      </a:schemeClr>
+    </dgm:linClrLst>
+    <dgm:effectClrLst/>
+    <dgm:txLinClrLst/>
+    <dgm:txFillClrLst/>
+    <dgm:txEffectClrLst/>
+  </dgm:styleLbl>
+  <dgm:styleLbl name="fgSibTrans2D1">
+    <dgm:fillClrLst meth="repeat">
+      <a:schemeClr val="dk2">
+        <a:tint val="60000"/>
+      </a:schemeClr>
+    </dgm:fillClrLst>
+    <dgm:linClrLst meth="repeat">
+      <a:schemeClr val="dk2">
+        <a:tint val="60000"/>
+      </a:schemeClr>
+    </dgm:linClrLst>
+    <dgm:effectClrLst/>
+    <dgm:txLinClrLst/>
+    <dgm:txFillClrLst/>
+    <dgm:txEffectClrLst/>
+  </dgm:styleLbl>
+  <dgm:styleLbl name="bgSibTrans2D1">
+    <dgm:fillClrLst meth="repeat">
+      <a:schemeClr val="dk2">
+        <a:tint val="60000"/>
+      </a:schemeClr>
+    </dgm:fillClrLst>
+    <dgm:linClrLst meth="repeat">
+      <a:schemeClr val="dk2">
+        <a:tint val="60000"/>
+      </a:schemeClr>
+    </dgm:linClrLst>
+    <dgm:effectClrLst/>
+    <dgm:txLinClrLst/>
+    <dgm:txFillClrLst/>
+    <dgm:txEffectClrLst/>
+  </dgm:styleLbl>
+  <dgm:styleLbl name="sibTrans1D1">
+    <dgm:fillClrLst meth="repeat">
+      <a:schemeClr val="dk2"/>
+    </dgm:fillClrLst>
+    <dgm:linClrLst meth="repeat">
+      <a:schemeClr val="dk2"/>
+    </dgm:linClrLst>
+    <dgm:effectClrLst/>
+    <dgm:txLinClrLst/>
+    <dgm:txFillClrLst meth="repeat">
+      <a:schemeClr val="lt2"/>
+    </dgm:txFillClrLst>
+    <dgm:txEffectClrLst/>
+  </dgm:styleLbl>
+  <dgm:styleLbl name="callout">
+    <dgm:fillClrLst meth="repeat">
+      <a:schemeClr val="dk2"/>
+    </dgm:fillClrLst>
+    <dgm:linClrLst meth="repeat">
+      <a:schemeClr val="dk2">
+        <a:tint val="50000"/>
+      </a:schemeClr>
+    </dgm:linClrLst>
+    <dgm:effectClrLst/>
+    <dgm:txLinClrLst/>
+    <dgm:txFillClrLst meth="repeat">
+      <a:schemeClr val="lt2"/>
+    </dgm:txFillClrLst>
+    <dgm:txEffectClrLst/>
+  </dgm:styleLbl>
+  <dgm:styleLbl name="asst0">
+    <dgm:fillClrLst meth="repeat">
+      <a:schemeClr val="dk2"/>
+    </dgm:fillClrLst>
+    <dgm:linClrLst meth="repeat">
+      <a:schemeClr val="lt2"/>
+    </dgm:linClrLst>
+    <dgm:effectClrLst/>
+    <dgm:txLinClrLst/>
+    <dgm:txFillClrLst/>
+    <dgm:txEffectClrLst/>
+  </dgm:styleLbl>
+  <dgm:styleLbl name="asst1">
+    <dgm:fillClrLst meth="repeat">
+      <a:schemeClr val="dk2"/>
+    </dgm:fillClrLst>
+    <dgm:linClrLst meth="repeat">
+      <a:schemeClr val="lt2"/>
+    </dgm:linClrLst>
+    <dgm:effectClrLst/>
+    <dgm:txLinClrLst/>
+    <dgm:txFillClrLst/>
+    <dgm:txEffectClrLst/>
+  </dgm:styleLbl>
+  <dgm:styleLbl name="asst2">
+    <dgm:fillClrLst meth="repeat">
+      <a:schemeClr val="dk2"/>
+    </dgm:fillClrLst>
+    <dgm:linClrLst meth="repeat">
+      <a:schemeClr val="lt2"/>
+    </dgm:linClrLst>
+    <dgm:effectClrLst/>
+    <dgm:txLinClrLst/>
+    <dgm:txFillClrLst/>
+    <dgm:txEffectClrLst/>
+  </dgm:styleLbl>
+  <dgm:styleLbl name="asst3">
+    <dgm:fillClrLst meth="repeat">
+      <a:schemeClr val="dk2"/>
+    </dgm:fillClrLst>
+    <dgm:linClrLst meth="repeat">
+      <a:schemeClr val="lt2"/>
+    </dgm:linClrLst>
+    <dgm:effectClrLst/>
+    <dgm:txLinClrLst/>
+    <dgm:txFillClrLst/>
+    <dgm:txEffectClrLst/>
+  </dgm:styleLbl>
+  <dgm:styleLbl name="asst4">
+    <dgm:fillClrLst meth="repeat">
+      <a:schemeClr val="dk2"/>
+    </dgm:fillClrLst>
+    <dgm:linClrLst meth="repeat">
+      <a:schemeClr val="lt2"/>
+    </dgm:linClrLst>
+    <dgm:effectClrLst/>
+    <dgm:txLinClrLst/>
+    <dgm:txFillClrLst/>
+    <dgm:txEffectClrLst/>
+  </dgm:styleLbl>
+  <dgm:styleLbl name="parChTrans2D1">
+    <dgm:fillClrLst meth="repeat">
+      <a:schemeClr val="dk2">
+        <a:tint val="60000"/>
+      </a:schemeClr>
+    </dgm:fillClrLst>
+    <dgm:linClrLst meth="repeat">
+      <a:schemeClr val="dk2">
+        <a:tint val="60000"/>
+      </a:schemeClr>
+    </dgm:linClrLst>
+    <dgm:effectClrLst/>
+    <dgm:txLinClrLst/>
+    <dgm:txFillClrLst meth="repeat">
+      <a:schemeClr val="lt2"/>
+    </dgm:txFillClrLst>
+    <dgm:txEffectClrLst/>
+  </dgm:styleLbl>
+  <dgm:styleLbl name="parChTrans2D2">
+    <dgm:fillClrLst meth="repeat">
+      <a:schemeClr val="dk2"/>
+    </dgm:fillClrLst>
+    <dgm:linClrLst meth="repeat">
+      <a:schemeClr val="dk2"/>
+    </dgm:linClrLst>
+    <dgm:effectClrLst/>
+    <dgm:txLinClrLst/>
+    <dgm:txFillClrLst meth="repeat">
+      <a:schemeClr val="lt2"/>
+    </dgm:txFillClrLst>
+    <dgm:txEffectClrLst/>
+  </dgm:styleLbl>
+  <dgm:styleLbl name="parChTrans2D3">
+    <dgm:fillClrLst meth="repeat">
+      <a:schemeClr val="dk2"/>
+    </dgm:fillClrLst>
+    <dgm:linClrLst meth="repeat">
+      <a:schemeClr val="dk2"/>
+    </dgm:linClrLst>
+    <dgm:effectClrLst/>
+    <dgm:txLinClrLst/>
+    <dgm:txFillClrLst meth="repeat">
+      <a:schemeClr val="lt2"/>
+    </dgm:txFillClrLst>
+    <dgm:txEffectClrLst/>
+  </dgm:styleLbl>
+  <dgm:styleLbl name="parChTrans2D4">
+    <dgm:fillClrLst meth="repeat">
+      <a:schemeClr val="dk2"/>
+    </dgm:fillClrLst>
+    <dgm:linClrLst meth="repeat">
+      <a:schemeClr val="dk2"/>
+    </dgm:linClrLst>
+    <dgm:effectClrLst/>
+    <dgm:txLinClrLst/>
+    <dgm:txFillClrLst meth="repeat">
+      <a:schemeClr val="lt2"/>
+    </dgm:txFillClrLst>
+    <dgm:txEffectClrLst/>
+  </dgm:styleLbl>
+  <dgm:styleLbl name="parChTrans1D1">
+    <dgm:fillClrLst meth="repeat">
+      <a:schemeClr val="dk2"/>
+    </dgm:fillClrLst>
+    <dgm:linClrLst meth="repeat">
+      <a:schemeClr val="dk2">
+        <a:shade val="60000"/>
+      </a:schemeClr>
+    </dgm:linClrLst>
+    <dgm:effectClrLst/>
+    <dgm:txLinClrLst/>
+    <dgm:txFillClrLst meth="repeat">
+      <a:schemeClr val="tx1"/>
+    </dgm:txFillClrLst>
+    <dgm:txEffectClrLst/>
+  </dgm:styleLbl>
+  <dgm:styleLbl name="parChTrans1D2">
+    <dgm:fillClrLst meth="repeat">
+      <a:schemeClr val="dk2"/>
+    </dgm:fillClrLst>
+    <dgm:linClrLst meth="repeat">
+      <a:schemeClr val="dk2">
+        <a:shade val="60000"/>
+      </a:schemeClr>
+    </dgm:linClrLst>
+    <dgm:effectClrLst/>
+    <dgm:txLinClrLst/>
+    <dgm:txFillClrLst meth="repeat">
+      <a:schemeClr val="tx1"/>
+    </dgm:txFillClrLst>
+    <dgm:txEffectClrLst/>
+  </dgm:styleLbl>
+  <dgm:styleLbl name="parChTrans1D3">
+    <dgm:fillClrLst meth="repeat">
+      <a:schemeClr val="dk2"/>
+    </dgm:fillClrLst>
+    <dgm:linClrLst meth="repeat">
+      <a:schemeClr val="dk2">
+        <a:shade val="80000"/>
+      </a:schemeClr>
+    </dgm:linClrLst>
+    <dgm:effectClrLst/>
+    <dgm:txLinClrLst/>
+    <dgm:txFillClrLst meth="repeat">
+      <a:schemeClr val="tx1"/>
+    </dgm:txFillClrLst>
+    <dgm:txEffectClrLst/>
+  </dgm:styleLbl>
+  <dgm:styleLbl name="parChTrans1D4">
+    <dgm:fillClrLst meth="repeat">
+      <a:schemeClr val="dk2"/>
+    </dgm:fillClrLst>
+    <dgm:linClrLst meth="repeat">
+      <a:schemeClr val="dk2">
+        <a:shade val="80000"/>
+      </a:schemeClr>
+    </dgm:linClrLst>
+    <dgm:effectClrLst/>
+    <dgm:txLinClrLst/>
+    <dgm:txFillClrLst meth="repeat">
+      <a:schemeClr val="tx1"/>
+    </dgm:txFillClrLst>
+    <dgm:txEffectClrLst/>
+  </dgm:styleLbl>
+  <dgm:styleLbl name="fgAcc1">
+    <dgm:fillClrLst meth="repeat">
+      <a:schemeClr val="lt2">
+        <a:alpha val="90000"/>
+      </a:schemeClr>
+    </dgm:fillClrLst>
+    <dgm:linClrLst meth="repeat">
+      <a:schemeClr val="dk2"/>
+    </dgm:linClrLst>
+    <dgm:effectClrLst/>
+    <dgm:txLinClrLst/>
+    <dgm:txFillClrLst meth="repeat">
+      <a:schemeClr val="dk1"/>
+    </dgm:txFillClrLst>
+    <dgm:txEffectClrLst/>
+  </dgm:styleLbl>
+  <dgm:styleLbl name="conFgAcc1">
+    <dgm:fillClrLst meth="repeat">
+      <a:schemeClr val="lt2">
+        <a:alpha val="90000"/>
+      </a:schemeClr>
+    </dgm:fillClrLst>
+    <dgm:linClrLst meth="repeat">
+      <a:schemeClr val="dk2"/>
+    </dgm:linClrLst>
+    <dgm:effectClrLst/>
+    <dgm:txLinClrLst/>
+    <dgm:txFillClrLst meth="repeat">
+      <a:schemeClr val="dk1"/>
+    </dgm:txFillClrLst>
+    <dgm:txEffectClrLst/>
+  </dgm:styleLbl>
+  <dgm:styleLbl name="alignAcc1">
+    <dgm:fillClrLst meth="repeat">
+      <a:schemeClr val="lt2">
+        <a:alpha val="90000"/>
+      </a:schemeClr>
+    </dgm:fillClrLst>
+    <dgm:linClrLst meth="repeat">
+      <a:schemeClr val="dk2"/>
+    </dgm:linClrLst>
+    <dgm:effectClrLst/>
+    <dgm:txLinClrLst/>
+    <dgm:txFillClrLst meth="repeat">
+      <a:schemeClr val="dk1"/>
+    </dgm:txFillClrLst>
+    <dgm:txEffectClrLst/>
+  </dgm:styleLbl>
+  <dgm:styleLbl name="trAlignAcc1">
+    <dgm:fillClrLst meth="repeat">
+      <a:schemeClr val="lt2">
+        <a:alpha val="40000"/>
+      </a:schemeClr>
+    </dgm:fillClrLst>
+    <dgm:linClrLst meth="repeat">
+      <a:schemeClr val="dk2"/>
+    </dgm:linClrLst>
+    <dgm:effectClrLst/>
+    <dgm:txLinClrLst/>
+    <dgm:txFillClrLst meth="repeat">
+      <a:schemeClr val="dk1"/>
+    </dgm:txFillClrLst>
+    <dgm:txEffectClrLst/>
+  </dgm:styleLbl>
+  <dgm:styleLbl name="bgAcc1">
+    <dgm:fillClrLst meth="repeat">
+      <a:schemeClr val="lt2">
+        <a:alpha val="90000"/>
+      </a:schemeClr>
+    </dgm:fillClrLst>
+    <dgm:linClrLst meth="repeat">
+      <a:schemeClr val="dk2"/>
+    </dgm:linClrLst>
+    <dgm:effectClrLst/>
+    <dgm:txLinClrLst/>
+    <dgm:txFillClrLst meth="repeat">
+      <a:schemeClr val="dk1"/>
+    </dgm:txFillClrLst>
+    <dgm:txEffectClrLst/>
+  </dgm:styleLbl>
+  <dgm:styleLbl name="solidFgAcc1">
+    <dgm:fillClrLst meth="repeat">
+      <a:schemeClr val="lt2"/>
+    </dgm:fillClrLst>
+    <dgm:linClrLst meth="repeat">
+      <a:schemeClr val="dk2"/>
+    </dgm:linClrLst>
+    <dgm:effectClrLst/>
+    <dgm:txLinClrLst/>
+    <dgm:txFillClrLst meth="repeat">
+      <a:schemeClr val="dk1"/>
+    </dgm:txFillClrLst>
+    <dgm:txEffectClrLst/>
+  </dgm:styleLbl>
+  <dgm:styleLbl name="solidAlignAcc1">
+    <dgm:fillClrLst meth="repeat">
+      <a:schemeClr val="lt2"/>
+    </dgm:fillClrLst>
+    <dgm:linClrLst meth="repeat">
+      <a:schemeClr val="dk2"/>
+    </dgm:linClrLst>
+    <dgm:effectClrLst/>
+    <dgm:txLinClrLst/>
+    <dgm:txFillClrLst meth="repeat">
+      <a:schemeClr val="dk1"/>
+    </dgm:txFillClrLst>
+    <dgm:txEffectClrLst/>
+  </dgm:styleLbl>
+  <dgm:styleLbl name="solidBgAcc1">
+    <dgm:fillClrLst meth="repeat">
+      <a:schemeClr val="lt2"/>
+    </dgm:fillClrLst>
+    <dgm:linClrLst meth="repeat">
+      <a:schemeClr val="dk2"/>
+    </dgm:linClrLst>
+    <dgm:effectClrLst/>
+    <dgm:txLinClrLst/>
+    <dgm:txFillClrLst meth="repeat">
+      <a:schemeClr val="dk1"/>
+    </dgm:txFillClrLst>
+    <dgm:txEffectClrLst/>
+  </dgm:styleLbl>
+  <dgm:styleLbl name="fgAccFollowNode1">
+    <dgm:fillClrLst meth="repeat">
+      <a:schemeClr val="dk2">
+        <a:alpha val="90000"/>
+        <a:tint val="40000"/>
+      </a:schemeClr>
+    </dgm:fillClrLst>
+    <dgm:linClrLst meth="repeat">
+      <a:schemeClr val="dk2">
+        <a:alpha val="90000"/>
+        <a:tint val="40000"/>
+      </a:schemeClr>
+    </dgm:linClrLst>
+    <dgm:effectClrLst/>
+    <dgm:txLinClrLst/>
+    <dgm:txFillClrLst meth="repeat">
+      <a:schemeClr val="dk1"/>
+    </dgm:txFillClrLst>
+    <dgm:txEffectClrLst/>
+  </dgm:styleLbl>
+  <dgm:styleLbl name="alignAccFollowNode1">
+    <dgm:fillClrLst meth="repeat">
+      <a:schemeClr val="dk2">
+        <a:alpha val="90000"/>
+        <a:tint val="40000"/>
+      </a:schemeClr>
+    </dgm:fillClrLst>
+    <dgm:linClrLst meth="repeat">
+      <a:schemeClr val="dk2">
+        <a:alpha val="90000"/>
+        <a:tint val="40000"/>
+      </a:schemeClr>
+    </dgm:linClrLst>
+    <dgm:effectClrLst/>
+    <dgm:txLinClrLst/>
+    <dgm:txFillClrLst meth="repeat">
+      <a:schemeClr val="dk1"/>
+    </dgm:txFillClrLst>
+    <dgm:txEffectClrLst/>
+  </dgm:styleLbl>
+  <dgm:styleLbl name="bgAccFollowNode1">
+    <dgm:fillClrLst meth="repeat">
+      <a:schemeClr val="dk2">
+        <a:alpha val="90000"/>
+        <a:tint val="40000"/>
+      </a:schemeClr>
+    </dgm:fillClrLst>
+    <dgm:linClrLst meth="repeat">
+      <a:schemeClr val="dk2">
+        <a:alpha val="90000"/>
+        <a:tint val="40000"/>
+      </a:schemeClr>
+    </dgm:linClrLst>
+    <dgm:effectClrLst/>
+    <dgm:txLinClrLst/>
+    <dgm:txFillClrLst meth="repeat">
+      <a:schemeClr val="dk1"/>
+    </dgm:txFillClrLst>
+    <dgm:txEffectClrLst/>
+  </dgm:styleLbl>
+  <dgm:styleLbl name="fgAcc0">
+    <dgm:fillClrLst meth="repeat">
+      <a:schemeClr val="lt2">
+        <a:alpha val="90000"/>
+      </a:schemeClr>
+    </dgm:fillClrLst>
+    <dgm:linClrLst meth="repeat">
+      <a:schemeClr val="dk2"/>
+    </dgm:linClrLst>
+    <dgm:effectClrLst/>
+    <dgm:txLinClrLst/>
+    <dgm:txFillClrLst meth="repeat">
+      <a:schemeClr val="dk1"/>
+    </dgm:txFillClrLst>
+    <dgm:txEffectClrLst/>
+  </dgm:styleLbl>
+  <dgm:styleLbl name="fgAcc2">
+    <dgm:fillClrLst meth="repeat">
+      <a:schemeClr val="lt2">
+        <a:alpha val="90000"/>
+      </a:schemeClr>
+    </dgm:fillClrLst>
+    <dgm:linClrLst meth="repeat">
+      <a:schemeClr val="dk2"/>
+    </dgm:linClrLst>
+    <dgm:effectClrLst/>
+    <dgm:txLinClrLst/>
+    <dgm:txFillClrLst meth="repeat">
+      <a:schemeClr val="dk1"/>
+    </dgm:txFillClrLst>
+    <dgm:txEffectClrLst/>
+  </dgm:styleLbl>
+  <dgm:styleLbl name="fgAcc3">
+    <dgm:fillClrLst meth="repeat">
+      <a:schemeClr val="lt2">
+        <a:alpha val="90000"/>
+      </a:schemeClr>
+    </dgm:fillClrLst>
+    <dgm:linClrLst meth="repeat">
+      <a:schemeClr val="dk2"/>
+    </dgm:linClrLst>
+    <dgm:effectClrLst/>
+    <dgm:txLinClrLst/>
+    <dgm:txFillClrLst meth="repeat">
+      <a:schemeClr val="dk1"/>
+    </dgm:txFillClrLst>
+    <dgm:txEffectClrLst/>
+  </dgm:styleLbl>
+  <dgm:styleLbl name="fgAcc4">
+    <dgm:fillClrLst meth="repeat">
+      <a:schemeClr val="lt2">
+        <a:alpha val="90000"/>
+      </a:schemeClr>
+    </dgm:fillClrLst>
+    <dgm:linClrLst meth="repeat">
+      <a:schemeClr val="dk2"/>
+    </dgm:linClrLst>
+    <dgm:effectClrLst/>
+    <dgm:txLinClrLst/>
+    <dgm:txFillClrLst meth="repeat">
+      <a:schemeClr val="dk1"/>
+    </dgm:txFillClrLst>
+    <dgm:txEffectClrLst/>
+  </dgm:styleLbl>
+  <dgm:styleLbl name="bgShp">
+    <dgm:fillClrLst meth="repeat">
+      <a:schemeClr val="dk2">
+        <a:tint val="40000"/>
+      </a:schemeClr>
+    </dgm:fillClrLst>
+    <dgm:linClrLst meth="repeat">
+      <a:schemeClr val="dk2"/>
+    </dgm:linClrLst>
+    <dgm:effectClrLst/>
+    <dgm:txLinClrLst/>
+    <dgm:txFillClrLst meth="repeat">
+      <a:schemeClr val="dk1"/>
+    </dgm:txFillClrLst>
+    <dgm:txEffectClrLst/>
+  </dgm:styleLbl>
+  <dgm:styleLbl name="dkBgShp">
+    <dgm:fillClrLst meth="repeat">
+      <a:schemeClr val="dk2">
+        <a:shade val="80000"/>
+      </a:schemeClr>
+    </dgm:fillClrLst>
+    <dgm:linClrLst meth="repeat">
+      <a:schemeClr val="dk2"/>
+    </dgm:linClrLst>
+    <dgm:effectClrLst/>
+    <dgm:txLinClrLst/>
+    <dgm:txFillClrLst meth="repeat">
+      <a:schemeClr val="lt1"/>
+    </dgm:txFillClrLst>
+    <dgm:txEffectClrLst/>
+  </dgm:styleLbl>
+  <dgm:styleLbl name="trBgShp">
+    <dgm:fillClrLst meth="repeat">
+      <a:schemeClr val="dk2">
+        <a:tint val="50000"/>
+        <a:alpha val="40000"/>
+      </a:schemeClr>
+    </dgm:fillClrLst>
+    <dgm:linClrLst meth="repeat">
+      <a:schemeClr val="dk2"/>
+    </dgm:linClrLst>
+    <dgm:effectClrLst/>
+    <dgm:txLinClrLst/>
+    <dgm:txFillClrLst meth="repeat">
+      <a:schemeClr val="lt1"/>
+    </dgm:txFillClrLst>
+    <dgm:txEffectClrLst/>
+  </dgm:styleLbl>
+  <dgm:styleLbl name="fgShp">
+    <dgm:fillClrLst meth="repeat">
+      <a:schemeClr val="dk2">
+        <a:tint val="60000"/>
+      </a:schemeClr>
+    </dgm:fillClrLst>
+    <dgm:linClrLst meth="repeat">
+      <a:schemeClr val="lt2"/>
+    </dgm:linClrLst>
+    <dgm:effectClrLst/>
+    <dgm:txLinClrLst/>
+    <dgm:txFillClrLst meth="repeat">
+      <a:schemeClr val="dk1"/>
+    </dgm:txFillClrLst>
+    <dgm:txEffectClrLst/>
+  </dgm:styleLbl>
+  <dgm:styleLbl name="revTx">
+    <dgm:fillClrLst meth="repeat">
+      <a:schemeClr val="lt2">
+        <a:alpha val="0"/>
+      </a:schemeClr>
+    </dgm:fillClrLst>
+    <dgm:linClrLst meth="repeat">
+      <a:schemeClr val="dk1">
+        <a:alpha val="0"/>
+      </a:schemeClr>
+    </dgm:linClrLst>
+    <dgm:effectClrLst/>
+    <dgm:txLinClrLst/>
+    <dgm:txFillClrLst meth="repeat">
+      <a:schemeClr val="tx1"/>
+    </dgm:txFillClrLst>
+    <dgm:txEffectClrLst/>
+  </dgm:styleLbl>
+</dgm:colorsDef>
+</file>
+
+<file path=ppt/diagrams/data1.xml><?xml version="1.0" encoding="utf-8"?>
+<dgm:dataModel xmlns:dgm="http://schemas.openxmlformats.org/drawingml/2006/diagram" xmlns:a="http://schemas.openxmlformats.org/drawingml/2006/main">
+  <dgm:ptLst>
+    <dgm:pt modelId="{8E2808F8-53B3-1B48-8CE3-5FF4DFFCF08B}" type="doc">
+      <dgm:prSet loTypeId="urn:microsoft.com/office/officeart/2005/8/layout/hierarchy2" loCatId="" qsTypeId="urn:microsoft.com/office/officeart/2005/8/quickstyle/simple4" qsCatId="simple" csTypeId="urn:microsoft.com/office/officeart/2005/8/colors/accent0_3" csCatId="mainScheme" phldr="1"/>
+      <dgm:spPr/>
+      <dgm:t>
+        <a:bodyPr/>
+        <a:lstStyle/>
+        <a:p>
+          <a:endParaRPr lang="en-US"/>
+        </a:p>
+      </dgm:t>
+    </dgm:pt>
+    <dgm:pt modelId="{409365A8-695F-0E4E-BBF5-D2D6499E733E}">
+      <dgm:prSet phldrT="[Text]"/>
+      <dgm:spPr/>
+      <dgm:t>
+        <a:bodyPr/>
+        <a:lstStyle/>
+        <a:p>
+          <a:r>
+            <a:rPr lang="en-US" dirty="0" smtClean="0"/>
+            <a:t>[Begin Turn]</a:t>
+          </a:r>
+          <a:endParaRPr lang="en-US" dirty="0"/>
+        </a:p>
+      </dgm:t>
+    </dgm:pt>
+    <dgm:pt modelId="{9D5F828E-CB12-554D-BCBE-4880497C81B4}" type="parTrans" cxnId="{E5ECA21A-702B-0141-BD9C-FD541007D7FB}">
+      <dgm:prSet/>
+      <dgm:spPr/>
+      <dgm:t>
+        <a:bodyPr/>
+        <a:lstStyle/>
+        <a:p>
+          <a:endParaRPr lang="en-US"/>
+        </a:p>
+      </dgm:t>
+    </dgm:pt>
+    <dgm:pt modelId="{A874E2A3-B47D-4743-8068-A2D4C9730E93}" type="sibTrans" cxnId="{E5ECA21A-702B-0141-BD9C-FD541007D7FB}">
+      <dgm:prSet/>
+      <dgm:spPr/>
+      <dgm:t>
+        <a:bodyPr/>
+        <a:lstStyle/>
+        <a:p>
+          <a:endParaRPr lang="en-US"/>
+        </a:p>
+      </dgm:t>
+    </dgm:pt>
+    <dgm:pt modelId="{635C4335-5832-1745-8881-AE79C6F2BD4B}">
+      <dgm:prSet phldrT="[Text]"/>
+      <dgm:spPr>
+        <a:solidFill>
+          <a:srgbClr val="92D050"/>
+        </a:solidFill>
+      </dgm:spPr>
+      <dgm:t>
+        <a:bodyPr/>
+        <a:lstStyle/>
+        <a:p>
+          <a:r>
+            <a:rPr lang="en-US" dirty="0" smtClean="0"/>
+            <a:t>Space: play attempted</a:t>
+          </a:r>
+          <a:endParaRPr lang="en-US" dirty="0"/>
+        </a:p>
+      </dgm:t>
+    </dgm:pt>
+    <dgm:pt modelId="{EC4EEB7A-2CDD-BA40-814F-F2C427A5A153}" type="parTrans" cxnId="{27880915-C455-D640-9300-3A75B27ADF94}">
+      <dgm:prSet/>
+      <dgm:spPr/>
+      <dgm:t>
+        <a:bodyPr/>
+        <a:lstStyle/>
+        <a:p>
+          <a:endParaRPr lang="en-US"/>
+        </a:p>
+      </dgm:t>
+    </dgm:pt>
+    <dgm:pt modelId="{F51F2EAE-BA36-DC42-ACFE-19AD4A6B0FCA}" type="sibTrans" cxnId="{27880915-C455-D640-9300-3A75B27ADF94}">
+      <dgm:prSet/>
+      <dgm:spPr/>
+      <dgm:t>
+        <a:bodyPr/>
+        <a:lstStyle/>
+        <a:p>
+          <a:endParaRPr lang="en-US"/>
+        </a:p>
+      </dgm:t>
+    </dgm:pt>
+    <dgm:pt modelId="{D32E186F-F900-D543-9689-00BED3E0FC85}">
+      <dgm:prSet phldrT="[Text]"/>
+      <dgm:spPr/>
+      <dgm:t>
+        <a:bodyPr/>
+        <a:lstStyle/>
+        <a:p>
+          <a:r>
+            <a:rPr lang="en-US" dirty="0" smtClean="0"/>
+            <a:t>'d': dumping</a:t>
+          </a:r>
+          <a:endParaRPr lang="en-US" dirty="0"/>
+        </a:p>
+      </dgm:t>
+    </dgm:pt>
+    <dgm:pt modelId="{AA1541EA-894D-ED4E-A8A0-B85EA0D5D017}" type="parTrans" cxnId="{7D5BEEA8-B6E3-364F-B262-36B0EBC2554F}">
+      <dgm:prSet/>
+      <dgm:spPr/>
+      <dgm:t>
+        <a:bodyPr/>
+        <a:lstStyle/>
+        <a:p>
+          <a:endParaRPr lang="en-US"/>
+        </a:p>
+      </dgm:t>
+    </dgm:pt>
+    <dgm:pt modelId="{A958D6B6-D83F-8E49-A912-6B70075E8291}" type="sibTrans" cxnId="{7D5BEEA8-B6E3-364F-B262-36B0EBC2554F}">
+      <dgm:prSet/>
+      <dgm:spPr/>
+      <dgm:t>
+        <a:bodyPr/>
+        <a:lstStyle/>
+        <a:p>
+          <a:endParaRPr lang="en-US"/>
+        </a:p>
+      </dgm:t>
+    </dgm:pt>
+    <dgm:pt modelId="{4E3CA060-BD40-FC4E-88F4-D0F38DBC257D}">
+      <dgm:prSet phldrT="[Text]"/>
+      <dgm:spPr/>
+      <dgm:t>
+        <a:bodyPr/>
+        <a:lstStyle/>
+        <a:p>
+          <a:r>
+            <a:rPr lang="en-US" dirty="0" smtClean="0"/>
+            <a:t>ADVANCE</a:t>
+          </a:r>
+          <a:endParaRPr lang="en-US" dirty="0"/>
+        </a:p>
+      </dgm:t>
+    </dgm:pt>
+    <dgm:pt modelId="{9C99B116-BD21-C847-B705-74D7AEB66C23}" type="parTrans" cxnId="{2BCEF8D1-6003-0846-8F0F-02577BC88CD9}">
+      <dgm:prSet/>
+      <dgm:spPr/>
+      <dgm:t>
+        <a:bodyPr/>
+        <a:lstStyle/>
+        <a:p>
+          <a:endParaRPr lang="en-US"/>
+        </a:p>
+      </dgm:t>
+    </dgm:pt>
+    <dgm:pt modelId="{605E2842-0744-AD4F-BCCC-7B93BF1A4C1D}" type="sibTrans" cxnId="{2BCEF8D1-6003-0846-8F0F-02577BC88CD9}">
+      <dgm:prSet/>
+      <dgm:spPr/>
+      <dgm:t>
+        <a:bodyPr/>
+        <a:lstStyle/>
+        <a:p>
+          <a:endParaRPr lang="en-US"/>
+        </a:p>
+      </dgm:t>
+    </dgm:pt>
+    <dgm:pt modelId="{836F51A9-FDF8-CE42-864A-84F74DAECE33}">
+      <dgm:prSet phldrT="[Text]"/>
+      <dgm:spPr/>
+      <dgm:t>
+        <a:bodyPr/>
+        <a:lstStyle/>
+        <a:p>
+          <a:r>
+            <a:rPr lang="en-US" dirty="0" smtClean="0"/>
+            <a:t>'p': pass</a:t>
+          </a:r>
+          <a:endParaRPr lang="en-US" dirty="0"/>
+        </a:p>
+      </dgm:t>
+    </dgm:pt>
+    <dgm:pt modelId="{F2795A48-49C2-FA49-9C65-F7D847B6634E}" type="parTrans" cxnId="{8EA2EE18-3C19-A344-BE82-3F7107B05C26}">
+      <dgm:prSet/>
+      <dgm:spPr/>
+      <dgm:t>
+        <a:bodyPr/>
+        <a:lstStyle/>
+        <a:p>
+          <a:endParaRPr lang="en-US"/>
+        </a:p>
+      </dgm:t>
+    </dgm:pt>
+    <dgm:pt modelId="{3DDC879E-76AD-BC4C-A56A-960BCFD69339}" type="sibTrans" cxnId="{8EA2EE18-3C19-A344-BE82-3F7107B05C26}">
+      <dgm:prSet/>
+      <dgm:spPr/>
+      <dgm:t>
+        <a:bodyPr/>
+        <a:lstStyle/>
+        <a:p>
+          <a:endParaRPr lang="en-US"/>
+        </a:p>
+      </dgm:t>
+    </dgm:pt>
+    <dgm:pt modelId="{EE64837A-0261-1544-A6B1-92F0CB3EF91A}">
+      <dgm:prSet phldrT="[Text]"/>
+      <dgm:spPr/>
+      <dgm:t>
+        <a:bodyPr/>
+        <a:lstStyle/>
+        <a:p>
+          <a:r>
+            <a:rPr lang="en-US" dirty="0" smtClean="0"/>
+            <a:t>ADVANCE</a:t>
+          </a:r>
+          <a:endParaRPr lang="en-US" dirty="0"/>
+        </a:p>
+      </dgm:t>
+    </dgm:pt>
+    <dgm:pt modelId="{50E35D7F-6229-C54F-AA56-6940C7C3B6CD}" type="parTrans" cxnId="{32D3F48F-20F0-7E4A-B390-50CB1B557CF1}">
+      <dgm:prSet/>
+      <dgm:spPr/>
+      <dgm:t>
+        <a:bodyPr/>
+        <a:lstStyle/>
+        <a:p>
+          <a:endParaRPr lang="en-US"/>
+        </a:p>
+      </dgm:t>
+    </dgm:pt>
+    <dgm:pt modelId="{0783DB35-0E61-0B4D-B323-9ECBE4D0E55D}" type="sibTrans" cxnId="{32D3F48F-20F0-7E4A-B390-50CB1B557CF1}">
+      <dgm:prSet/>
+      <dgm:spPr/>
+      <dgm:t>
+        <a:bodyPr/>
+        <a:lstStyle/>
+        <a:p>
+          <a:endParaRPr lang="en-US"/>
+        </a:p>
+      </dgm:t>
+    </dgm:pt>
+    <dgm:pt modelId="{424DB0AE-C7D3-3646-9C88-5DDB1282FA36}">
+      <dgm:prSet/>
+      <dgm:spPr>
+        <a:solidFill>
+          <a:srgbClr val="92D050"/>
+        </a:solidFill>
+      </dgm:spPr>
+      <dgm:t>
+        <a:bodyPr/>
+        <a:lstStyle/>
+        <a:p>
+          <a:r>
+            <a:rPr lang="en-US" dirty="0" smtClean="0"/>
+            <a:t>Valid?</a:t>
+          </a:r>
+        </a:p>
+        <a:p>
+          <a:r>
+            <a:rPr lang="en-US" dirty="0" smtClean="0"/>
+            <a:t>SCOR</a:t>
+          </a:r>
+          <a:r>
+            <a:rPr lang="en-US" baseline="0" dirty="0" smtClean="0"/>
+            <a:t>E, ADVANCE</a:t>
+          </a:r>
+          <a:r>
+            <a:rPr lang="en-US" dirty="0" smtClean="0"/>
+            <a:t> </a:t>
+          </a:r>
+          <a:endParaRPr lang="en-US" dirty="0"/>
+        </a:p>
+      </dgm:t>
+    </dgm:pt>
+    <dgm:pt modelId="{B4426B6D-C58F-7D4E-9861-767A3F26E54C}" type="parTrans" cxnId="{04D34ADF-F6CD-8542-A17E-A4393ABD940F}">
+      <dgm:prSet/>
+      <dgm:spPr/>
+      <dgm:t>
+        <a:bodyPr/>
+        <a:lstStyle/>
+        <a:p>
+          <a:endParaRPr lang="en-US"/>
+        </a:p>
+      </dgm:t>
+    </dgm:pt>
+    <dgm:pt modelId="{586CCDA3-D477-D140-A974-8F3770AFB201}" type="sibTrans" cxnId="{04D34ADF-F6CD-8542-A17E-A4393ABD940F}">
+      <dgm:prSet/>
+      <dgm:spPr/>
+      <dgm:t>
+        <a:bodyPr/>
+        <a:lstStyle/>
+        <a:p>
+          <a:endParaRPr lang="en-US"/>
+        </a:p>
+      </dgm:t>
+    </dgm:pt>
+    <dgm:pt modelId="{24B83393-93F7-AA47-9E37-835415A2D47F}">
+      <dgm:prSet/>
+      <dgm:spPr/>
+      <dgm:t>
+        <a:bodyPr/>
+        <a:lstStyle/>
+        <a:p>
+          <a:r>
+            <a:rPr lang="en-US" dirty="0" smtClean="0"/>
+            <a:t>ELSE, reset</a:t>
+          </a:r>
+          <a:endParaRPr lang="en-US" dirty="0"/>
+        </a:p>
+      </dgm:t>
+    </dgm:pt>
+    <dgm:pt modelId="{DA681B52-23FB-9749-BA61-98D6ADAE31D3}" type="parTrans" cxnId="{E468A796-609C-A84B-B883-BD93E1639B56}">
+      <dgm:prSet/>
+      <dgm:spPr/>
+      <dgm:t>
+        <a:bodyPr/>
+        <a:lstStyle/>
+        <a:p>
+          <a:endParaRPr lang="en-US"/>
+        </a:p>
+      </dgm:t>
+    </dgm:pt>
+    <dgm:pt modelId="{ABB49947-01FB-9F4D-BF29-6E44D65D3E72}" type="sibTrans" cxnId="{E468A796-609C-A84B-B883-BD93E1639B56}">
+      <dgm:prSet/>
+      <dgm:spPr/>
+      <dgm:t>
+        <a:bodyPr/>
+        <a:lstStyle/>
+        <a:p>
+          <a:endParaRPr lang="en-US"/>
+        </a:p>
+      </dgm:t>
+    </dgm:pt>
+    <dgm:pt modelId="{D8A3BB1E-ABB9-C348-B370-9921D6DE89B9}" type="pres">
+      <dgm:prSet presAssocID="{8E2808F8-53B3-1B48-8CE3-5FF4DFFCF08B}" presName="diagram" presStyleCnt="0">
+        <dgm:presLayoutVars>
+          <dgm:chPref val="1"/>
+          <dgm:dir/>
+          <dgm:animOne val="branch"/>
+          <dgm:animLvl val="lvl"/>
+          <dgm:resizeHandles val="exact"/>
+        </dgm:presLayoutVars>
+      </dgm:prSet>
+      <dgm:spPr/>
+      <dgm:t>
+        <a:bodyPr/>
+        <a:lstStyle/>
+        <a:p>
+          <a:endParaRPr lang="en-US"/>
+        </a:p>
+      </dgm:t>
+    </dgm:pt>
+    <dgm:pt modelId="{F82A1451-ADAF-1A4F-BE8C-1F41998F6001}" type="pres">
+      <dgm:prSet presAssocID="{409365A8-695F-0E4E-BBF5-D2D6499E733E}" presName="root1" presStyleCnt="0"/>
+      <dgm:spPr/>
+    </dgm:pt>
+    <dgm:pt modelId="{2D54AD62-7317-9C47-AA61-3B7E904A7679}" type="pres">
+      <dgm:prSet presAssocID="{409365A8-695F-0E4E-BBF5-D2D6499E733E}" presName="LevelOneTextNode" presStyleLbl="node0" presStyleIdx="0" presStyleCnt="1">
+        <dgm:presLayoutVars>
+          <dgm:chPref val="3"/>
+        </dgm:presLayoutVars>
+      </dgm:prSet>
+      <dgm:spPr/>
+      <dgm:t>
+        <a:bodyPr/>
+        <a:lstStyle/>
+        <a:p>
+          <a:endParaRPr lang="en-US"/>
+        </a:p>
+      </dgm:t>
+    </dgm:pt>
+    <dgm:pt modelId="{3BFA27DE-D977-F348-B8D9-32FE203B738E}" type="pres">
+      <dgm:prSet presAssocID="{409365A8-695F-0E4E-BBF5-D2D6499E733E}" presName="level2hierChild" presStyleCnt="0"/>
+      <dgm:spPr/>
+    </dgm:pt>
+    <dgm:pt modelId="{8C6BB07E-CBD1-8B45-8459-ACA9FAF25BD1}" type="pres">
+      <dgm:prSet presAssocID="{EC4EEB7A-2CDD-BA40-814F-F2C427A5A153}" presName="conn2-1" presStyleLbl="parChTrans1D2" presStyleIdx="0" presStyleCnt="3"/>
+      <dgm:spPr/>
+      <dgm:t>
+        <a:bodyPr/>
+        <a:lstStyle/>
+        <a:p>
+          <a:endParaRPr lang="en-US"/>
+        </a:p>
+      </dgm:t>
+    </dgm:pt>
+    <dgm:pt modelId="{0DF0FFEF-5ADE-CE4D-AFD8-50C89461A4B0}" type="pres">
+      <dgm:prSet presAssocID="{EC4EEB7A-2CDD-BA40-814F-F2C427A5A153}" presName="connTx" presStyleLbl="parChTrans1D2" presStyleIdx="0" presStyleCnt="3"/>
+      <dgm:spPr/>
+      <dgm:t>
+        <a:bodyPr/>
+        <a:lstStyle/>
+        <a:p>
+          <a:endParaRPr lang="en-US"/>
+        </a:p>
+      </dgm:t>
+    </dgm:pt>
+    <dgm:pt modelId="{339FF5C7-A7C3-A343-8A43-781F1A0A5D2E}" type="pres">
+      <dgm:prSet presAssocID="{635C4335-5832-1745-8881-AE79C6F2BD4B}" presName="root2" presStyleCnt="0"/>
+      <dgm:spPr/>
+    </dgm:pt>
+    <dgm:pt modelId="{76E780EE-D419-B448-9EA2-8FC285CA32FC}" type="pres">
+      <dgm:prSet presAssocID="{635C4335-5832-1745-8881-AE79C6F2BD4B}" presName="LevelTwoTextNode" presStyleLbl="node2" presStyleIdx="0" presStyleCnt="3">
+        <dgm:presLayoutVars>
+          <dgm:chPref val="3"/>
+        </dgm:presLayoutVars>
+      </dgm:prSet>
+      <dgm:spPr/>
+      <dgm:t>
+        <a:bodyPr/>
+        <a:lstStyle/>
+        <a:p>
+          <a:endParaRPr lang="en-US"/>
+        </a:p>
+      </dgm:t>
+    </dgm:pt>
+    <dgm:pt modelId="{8D7D10C1-2F64-1C40-B7DA-58DF7A478013}" type="pres">
+      <dgm:prSet presAssocID="{635C4335-5832-1745-8881-AE79C6F2BD4B}" presName="level3hierChild" presStyleCnt="0"/>
+      <dgm:spPr/>
+    </dgm:pt>
+    <dgm:pt modelId="{7CFF9D29-A0FD-EE4E-97AB-7323C374BF49}" type="pres">
+      <dgm:prSet presAssocID="{B4426B6D-C58F-7D4E-9861-767A3F26E54C}" presName="conn2-1" presStyleLbl="parChTrans1D3" presStyleIdx="0" presStyleCnt="4"/>
+      <dgm:spPr/>
+      <dgm:t>
+        <a:bodyPr/>
+        <a:lstStyle/>
+        <a:p>
+          <a:endParaRPr lang="en-US"/>
+        </a:p>
+      </dgm:t>
+    </dgm:pt>
+    <dgm:pt modelId="{8ECAE464-7D15-AB49-949B-F5857C01F6A5}" type="pres">
+      <dgm:prSet presAssocID="{B4426B6D-C58F-7D4E-9861-767A3F26E54C}" presName="connTx" presStyleLbl="parChTrans1D3" presStyleIdx="0" presStyleCnt="4"/>
+      <dgm:spPr/>
+      <dgm:t>
+        <a:bodyPr/>
+        <a:lstStyle/>
+        <a:p>
+          <a:endParaRPr lang="en-US"/>
+        </a:p>
+      </dgm:t>
+    </dgm:pt>
+    <dgm:pt modelId="{44448877-4F0D-D042-858A-A98F27174013}" type="pres">
+      <dgm:prSet presAssocID="{424DB0AE-C7D3-3646-9C88-5DDB1282FA36}" presName="root2" presStyleCnt="0"/>
+      <dgm:spPr/>
+    </dgm:pt>
+    <dgm:pt modelId="{C2545384-7025-5A46-99D9-A83C55A9095D}" type="pres">
+      <dgm:prSet presAssocID="{424DB0AE-C7D3-3646-9C88-5DDB1282FA36}" presName="LevelTwoTextNode" presStyleLbl="node3" presStyleIdx="0" presStyleCnt="4">
+        <dgm:presLayoutVars>
+          <dgm:chPref val="3"/>
+        </dgm:presLayoutVars>
+      </dgm:prSet>
+      <dgm:spPr/>
+      <dgm:t>
+        <a:bodyPr/>
+        <a:lstStyle/>
+        <a:p>
+          <a:endParaRPr lang="en-US"/>
+        </a:p>
+      </dgm:t>
+    </dgm:pt>
+    <dgm:pt modelId="{E85203D7-DD35-194A-B500-6B88F79A1C91}" type="pres">
+      <dgm:prSet presAssocID="{424DB0AE-C7D3-3646-9C88-5DDB1282FA36}" presName="level3hierChild" presStyleCnt="0"/>
+      <dgm:spPr/>
+    </dgm:pt>
+    <dgm:pt modelId="{E14D251C-00CF-7747-9B2F-6CF23CA9C272}" type="pres">
+      <dgm:prSet presAssocID="{DA681B52-23FB-9749-BA61-98D6ADAE31D3}" presName="conn2-1" presStyleLbl="parChTrans1D3" presStyleIdx="1" presStyleCnt="4"/>
+      <dgm:spPr/>
+      <dgm:t>
+        <a:bodyPr/>
+        <a:lstStyle/>
+        <a:p>
+          <a:endParaRPr lang="en-US"/>
+        </a:p>
+      </dgm:t>
+    </dgm:pt>
+    <dgm:pt modelId="{C052BFAB-195E-7247-9F9A-2E3D60142921}" type="pres">
+      <dgm:prSet presAssocID="{DA681B52-23FB-9749-BA61-98D6ADAE31D3}" presName="connTx" presStyleLbl="parChTrans1D3" presStyleIdx="1" presStyleCnt="4"/>
+      <dgm:spPr/>
+      <dgm:t>
+        <a:bodyPr/>
+        <a:lstStyle/>
+        <a:p>
+          <a:endParaRPr lang="en-US"/>
+        </a:p>
+      </dgm:t>
+    </dgm:pt>
+    <dgm:pt modelId="{72DBD9ED-9955-C54F-B8CB-9C9D8955398E}" type="pres">
+      <dgm:prSet presAssocID="{24B83393-93F7-AA47-9E37-835415A2D47F}" presName="root2" presStyleCnt="0"/>
+      <dgm:spPr/>
+    </dgm:pt>
+    <dgm:pt modelId="{E3D88725-216C-5D4A-AACA-BB024DCF16BF}" type="pres">
+      <dgm:prSet presAssocID="{24B83393-93F7-AA47-9E37-835415A2D47F}" presName="LevelTwoTextNode" presStyleLbl="node3" presStyleIdx="1" presStyleCnt="4">
+        <dgm:presLayoutVars>
+          <dgm:chPref val="3"/>
+        </dgm:presLayoutVars>
+      </dgm:prSet>
+      <dgm:spPr/>
+      <dgm:t>
+        <a:bodyPr/>
+        <a:lstStyle/>
+        <a:p>
+          <a:endParaRPr lang="en-US"/>
+        </a:p>
+      </dgm:t>
+    </dgm:pt>
+    <dgm:pt modelId="{29AB69A3-5237-A847-810D-D156C6C4C2FA}" type="pres">
+      <dgm:prSet presAssocID="{24B83393-93F7-AA47-9E37-835415A2D47F}" presName="level3hierChild" presStyleCnt="0"/>
+      <dgm:spPr/>
+    </dgm:pt>
+    <dgm:pt modelId="{54B60A1D-CD6B-AE46-AC8A-2F8A51C49868}" type="pres">
+      <dgm:prSet presAssocID="{AA1541EA-894D-ED4E-A8A0-B85EA0D5D017}" presName="conn2-1" presStyleLbl="parChTrans1D2" presStyleIdx="1" presStyleCnt="3"/>
+      <dgm:spPr/>
+      <dgm:t>
+        <a:bodyPr/>
+        <a:lstStyle/>
+        <a:p>
+          <a:endParaRPr lang="en-US"/>
+        </a:p>
+      </dgm:t>
+    </dgm:pt>
+    <dgm:pt modelId="{624D9768-E6BA-1248-B45E-F75B9EA90663}" type="pres">
+      <dgm:prSet presAssocID="{AA1541EA-894D-ED4E-A8A0-B85EA0D5D017}" presName="connTx" presStyleLbl="parChTrans1D2" presStyleIdx="1" presStyleCnt="3"/>
+      <dgm:spPr/>
+      <dgm:t>
+        <a:bodyPr/>
+        <a:lstStyle/>
+        <a:p>
+          <a:endParaRPr lang="en-US"/>
+        </a:p>
+      </dgm:t>
+    </dgm:pt>
+    <dgm:pt modelId="{8C93DC5B-6401-0648-9153-DCE2FA46CE1F}" type="pres">
+      <dgm:prSet presAssocID="{D32E186F-F900-D543-9689-00BED3E0FC85}" presName="root2" presStyleCnt="0"/>
+      <dgm:spPr/>
+    </dgm:pt>
+    <dgm:pt modelId="{BE645681-3098-CF47-B3B8-7136AC50305E}" type="pres">
+      <dgm:prSet presAssocID="{D32E186F-F900-D543-9689-00BED3E0FC85}" presName="LevelTwoTextNode" presStyleLbl="node2" presStyleIdx="1" presStyleCnt="3">
+        <dgm:presLayoutVars>
+          <dgm:chPref val="3"/>
+        </dgm:presLayoutVars>
+      </dgm:prSet>
+      <dgm:spPr/>
+      <dgm:t>
+        <a:bodyPr/>
+        <a:lstStyle/>
+        <a:p>
+          <a:endParaRPr lang="en-US"/>
+        </a:p>
+      </dgm:t>
+    </dgm:pt>
+    <dgm:pt modelId="{7DE5D8FE-EC1B-7A45-BA58-1A5AFAE27D84}" type="pres">
+      <dgm:prSet presAssocID="{D32E186F-F900-D543-9689-00BED3E0FC85}" presName="level3hierChild" presStyleCnt="0"/>
+      <dgm:spPr/>
+    </dgm:pt>
+    <dgm:pt modelId="{DA11DCD8-3760-204E-811D-797971806BC2}" type="pres">
+      <dgm:prSet presAssocID="{9C99B116-BD21-C847-B705-74D7AEB66C23}" presName="conn2-1" presStyleLbl="parChTrans1D3" presStyleIdx="2" presStyleCnt="4"/>
+      <dgm:spPr/>
+      <dgm:t>
+        <a:bodyPr/>
+        <a:lstStyle/>
+        <a:p>
+          <a:endParaRPr lang="en-US"/>
+        </a:p>
+      </dgm:t>
+    </dgm:pt>
+    <dgm:pt modelId="{A5617D7B-B82D-D644-AC4C-9AA163B45BF5}" type="pres">
+      <dgm:prSet presAssocID="{9C99B116-BD21-C847-B705-74D7AEB66C23}" presName="connTx" presStyleLbl="parChTrans1D3" presStyleIdx="2" presStyleCnt="4"/>
+      <dgm:spPr/>
+      <dgm:t>
+        <a:bodyPr/>
+        <a:lstStyle/>
+        <a:p>
+          <a:endParaRPr lang="en-US"/>
+        </a:p>
+      </dgm:t>
+    </dgm:pt>
+    <dgm:pt modelId="{C2AF5D93-5C8A-4745-8812-C55E36C90DB5}" type="pres">
+      <dgm:prSet presAssocID="{4E3CA060-BD40-FC4E-88F4-D0F38DBC257D}" presName="root2" presStyleCnt="0"/>
+      <dgm:spPr/>
+    </dgm:pt>
+    <dgm:pt modelId="{FB3D1869-FDC3-8941-AD3E-189D80064941}" type="pres">
+      <dgm:prSet presAssocID="{4E3CA060-BD40-FC4E-88F4-D0F38DBC257D}" presName="LevelTwoTextNode" presStyleLbl="node3" presStyleIdx="2" presStyleCnt="4">
+        <dgm:presLayoutVars>
+          <dgm:chPref val="3"/>
+        </dgm:presLayoutVars>
+      </dgm:prSet>
+      <dgm:spPr/>
+      <dgm:t>
+        <a:bodyPr/>
+        <a:lstStyle/>
+        <a:p>
+          <a:endParaRPr lang="en-US"/>
+        </a:p>
+      </dgm:t>
+    </dgm:pt>
+    <dgm:pt modelId="{9D5F8F99-BC4F-AF42-B298-1C244533674C}" type="pres">
+      <dgm:prSet presAssocID="{4E3CA060-BD40-FC4E-88F4-D0F38DBC257D}" presName="level3hierChild" presStyleCnt="0"/>
+      <dgm:spPr/>
+    </dgm:pt>
+    <dgm:pt modelId="{D16F5D25-2B91-C143-8EB3-50EE502CF83A}" type="pres">
+      <dgm:prSet presAssocID="{F2795A48-49C2-FA49-9C65-F7D847B6634E}" presName="conn2-1" presStyleLbl="parChTrans1D2" presStyleIdx="2" presStyleCnt="3"/>
+      <dgm:spPr/>
+      <dgm:t>
+        <a:bodyPr/>
+        <a:lstStyle/>
+        <a:p>
+          <a:endParaRPr lang="en-US"/>
+        </a:p>
+      </dgm:t>
+    </dgm:pt>
+    <dgm:pt modelId="{F2F6D7B7-2C8C-A548-B930-B4B8B442F810}" type="pres">
+      <dgm:prSet presAssocID="{F2795A48-49C2-FA49-9C65-F7D847B6634E}" presName="connTx" presStyleLbl="parChTrans1D2" presStyleIdx="2" presStyleCnt="3"/>
+      <dgm:spPr/>
+      <dgm:t>
+        <a:bodyPr/>
+        <a:lstStyle/>
+        <a:p>
+          <a:endParaRPr lang="en-US"/>
+        </a:p>
+      </dgm:t>
+    </dgm:pt>
+    <dgm:pt modelId="{41773B5C-EE3B-7E4C-A29A-76E67D14F3E9}" type="pres">
+      <dgm:prSet presAssocID="{836F51A9-FDF8-CE42-864A-84F74DAECE33}" presName="root2" presStyleCnt="0"/>
+      <dgm:spPr/>
+    </dgm:pt>
+    <dgm:pt modelId="{9056B607-8920-4540-993D-CC823FF954D7}" type="pres">
+      <dgm:prSet presAssocID="{836F51A9-FDF8-CE42-864A-84F74DAECE33}" presName="LevelTwoTextNode" presStyleLbl="node2" presStyleIdx="2" presStyleCnt="3">
+        <dgm:presLayoutVars>
+          <dgm:chPref val="3"/>
+        </dgm:presLayoutVars>
+      </dgm:prSet>
+      <dgm:spPr/>
+      <dgm:t>
+        <a:bodyPr/>
+        <a:lstStyle/>
+        <a:p>
+          <a:endParaRPr lang="en-US"/>
+        </a:p>
+      </dgm:t>
+    </dgm:pt>
+    <dgm:pt modelId="{72B3F84D-4B02-6B45-9108-D66A4038B491}" type="pres">
+      <dgm:prSet presAssocID="{836F51A9-FDF8-CE42-864A-84F74DAECE33}" presName="level3hierChild" presStyleCnt="0"/>
+      <dgm:spPr/>
+    </dgm:pt>
+    <dgm:pt modelId="{751ACA4A-DE6D-9A4E-B64E-6D4E2FC03EDD}" type="pres">
+      <dgm:prSet presAssocID="{50E35D7F-6229-C54F-AA56-6940C7C3B6CD}" presName="conn2-1" presStyleLbl="parChTrans1D3" presStyleIdx="3" presStyleCnt="4"/>
+      <dgm:spPr/>
+      <dgm:t>
+        <a:bodyPr/>
+        <a:lstStyle/>
+        <a:p>
+          <a:endParaRPr lang="en-US"/>
+        </a:p>
+      </dgm:t>
+    </dgm:pt>
+    <dgm:pt modelId="{E380DA1A-168D-C141-9526-309B096E44F4}" type="pres">
+      <dgm:prSet presAssocID="{50E35D7F-6229-C54F-AA56-6940C7C3B6CD}" presName="connTx" presStyleLbl="parChTrans1D3" presStyleIdx="3" presStyleCnt="4"/>
+      <dgm:spPr/>
+      <dgm:t>
+        <a:bodyPr/>
+        <a:lstStyle/>
+        <a:p>
+          <a:endParaRPr lang="en-US"/>
+        </a:p>
+      </dgm:t>
+    </dgm:pt>
+    <dgm:pt modelId="{2AD1C582-1D51-8C46-AA1A-66303A120F00}" type="pres">
+      <dgm:prSet presAssocID="{EE64837A-0261-1544-A6B1-92F0CB3EF91A}" presName="root2" presStyleCnt="0"/>
+      <dgm:spPr/>
+    </dgm:pt>
+    <dgm:pt modelId="{463E4E44-8642-C048-909F-1593637B9C20}" type="pres">
+      <dgm:prSet presAssocID="{EE64837A-0261-1544-A6B1-92F0CB3EF91A}" presName="LevelTwoTextNode" presStyleLbl="node3" presStyleIdx="3" presStyleCnt="4">
+        <dgm:presLayoutVars>
+          <dgm:chPref val="3"/>
+        </dgm:presLayoutVars>
+      </dgm:prSet>
+      <dgm:spPr/>
+      <dgm:t>
+        <a:bodyPr/>
+        <a:lstStyle/>
+        <a:p>
+          <a:endParaRPr lang="en-US"/>
+        </a:p>
+      </dgm:t>
+    </dgm:pt>
+    <dgm:pt modelId="{77BB6D4E-459A-714F-A670-0B910FDECE66}" type="pres">
+      <dgm:prSet presAssocID="{EE64837A-0261-1544-A6B1-92F0CB3EF91A}" presName="level3hierChild" presStyleCnt="0"/>
+      <dgm:spPr/>
+    </dgm:pt>
+  </dgm:ptLst>
+  <dgm:cxnLst>
+    <dgm:cxn modelId="{D84EECB3-A224-E947-9514-97D714F99A7D}" type="presOf" srcId="{50E35D7F-6229-C54F-AA56-6940C7C3B6CD}" destId="{E380DA1A-168D-C141-9526-309B096E44F4}" srcOrd="1" destOrd="0" presId="urn:microsoft.com/office/officeart/2005/8/layout/hierarchy2"/>
+    <dgm:cxn modelId="{2BCEF8D1-6003-0846-8F0F-02577BC88CD9}" srcId="{D32E186F-F900-D543-9689-00BED3E0FC85}" destId="{4E3CA060-BD40-FC4E-88F4-D0F38DBC257D}" srcOrd="0" destOrd="0" parTransId="{9C99B116-BD21-C847-B705-74D7AEB66C23}" sibTransId="{605E2842-0744-AD4F-BCCC-7B93BF1A4C1D}"/>
+    <dgm:cxn modelId="{D5604A5B-D974-E54B-AD8D-0D292F5C6F77}" type="presOf" srcId="{4E3CA060-BD40-FC4E-88F4-D0F38DBC257D}" destId="{FB3D1869-FDC3-8941-AD3E-189D80064941}" srcOrd="0" destOrd="0" presId="urn:microsoft.com/office/officeart/2005/8/layout/hierarchy2"/>
+    <dgm:cxn modelId="{686DBA9A-AE03-FE4F-B124-0C809B46FF0A}" type="presOf" srcId="{635C4335-5832-1745-8881-AE79C6F2BD4B}" destId="{76E780EE-D419-B448-9EA2-8FC285CA32FC}" srcOrd="0" destOrd="0" presId="urn:microsoft.com/office/officeart/2005/8/layout/hierarchy2"/>
+    <dgm:cxn modelId="{DC0C6F8F-927C-BA4F-A18D-0831B289E802}" type="presOf" srcId="{AA1541EA-894D-ED4E-A8A0-B85EA0D5D017}" destId="{624D9768-E6BA-1248-B45E-F75B9EA90663}" srcOrd="1" destOrd="0" presId="urn:microsoft.com/office/officeart/2005/8/layout/hierarchy2"/>
+    <dgm:cxn modelId="{32D3F48F-20F0-7E4A-B390-50CB1B557CF1}" srcId="{836F51A9-FDF8-CE42-864A-84F74DAECE33}" destId="{EE64837A-0261-1544-A6B1-92F0CB3EF91A}" srcOrd="0" destOrd="0" parTransId="{50E35D7F-6229-C54F-AA56-6940C7C3B6CD}" sibTransId="{0783DB35-0E61-0B4D-B323-9ECBE4D0E55D}"/>
+    <dgm:cxn modelId="{E468A796-609C-A84B-B883-BD93E1639B56}" srcId="{635C4335-5832-1745-8881-AE79C6F2BD4B}" destId="{24B83393-93F7-AA47-9E37-835415A2D47F}" srcOrd="1" destOrd="0" parTransId="{DA681B52-23FB-9749-BA61-98D6ADAE31D3}" sibTransId="{ABB49947-01FB-9F4D-BF29-6E44D65D3E72}"/>
+    <dgm:cxn modelId="{4C92EA16-DE62-6047-8A62-136D55E5A15F}" type="presOf" srcId="{9C99B116-BD21-C847-B705-74D7AEB66C23}" destId="{A5617D7B-B82D-D644-AC4C-9AA163B45BF5}" srcOrd="1" destOrd="0" presId="urn:microsoft.com/office/officeart/2005/8/layout/hierarchy2"/>
+    <dgm:cxn modelId="{04D34ADF-F6CD-8542-A17E-A4393ABD940F}" srcId="{635C4335-5832-1745-8881-AE79C6F2BD4B}" destId="{424DB0AE-C7D3-3646-9C88-5DDB1282FA36}" srcOrd="0" destOrd="0" parTransId="{B4426B6D-C58F-7D4E-9861-767A3F26E54C}" sibTransId="{586CCDA3-D477-D140-A974-8F3770AFB201}"/>
+    <dgm:cxn modelId="{9992D849-A8D3-3840-B16E-4B516384E564}" type="presOf" srcId="{AA1541EA-894D-ED4E-A8A0-B85EA0D5D017}" destId="{54B60A1D-CD6B-AE46-AC8A-2F8A51C49868}" srcOrd="0" destOrd="0" presId="urn:microsoft.com/office/officeart/2005/8/layout/hierarchy2"/>
+    <dgm:cxn modelId="{A12D3CBA-12B3-524D-8876-84C2F6F2B0C3}" type="presOf" srcId="{DA681B52-23FB-9749-BA61-98D6ADAE31D3}" destId="{E14D251C-00CF-7747-9B2F-6CF23CA9C272}" srcOrd="0" destOrd="0" presId="urn:microsoft.com/office/officeart/2005/8/layout/hierarchy2"/>
+    <dgm:cxn modelId="{E2DEE61C-FA83-4A40-9CF1-2E4079581CE3}" type="presOf" srcId="{F2795A48-49C2-FA49-9C65-F7D847B6634E}" destId="{D16F5D25-2B91-C143-8EB3-50EE502CF83A}" srcOrd="0" destOrd="0" presId="urn:microsoft.com/office/officeart/2005/8/layout/hierarchy2"/>
+    <dgm:cxn modelId="{033DC51C-6DDC-4D4B-8C5E-26F8E209FD25}" type="presOf" srcId="{24B83393-93F7-AA47-9E37-835415A2D47F}" destId="{E3D88725-216C-5D4A-AACA-BB024DCF16BF}" srcOrd="0" destOrd="0" presId="urn:microsoft.com/office/officeart/2005/8/layout/hierarchy2"/>
+    <dgm:cxn modelId="{E22BA48D-8EC6-564A-90E0-2A5ED09466EB}" type="presOf" srcId="{424DB0AE-C7D3-3646-9C88-5DDB1282FA36}" destId="{C2545384-7025-5A46-99D9-A83C55A9095D}" srcOrd="0" destOrd="0" presId="urn:microsoft.com/office/officeart/2005/8/layout/hierarchy2"/>
+    <dgm:cxn modelId="{2CDC1523-FB98-D149-B12D-EB41AEAE172E}" type="presOf" srcId="{409365A8-695F-0E4E-BBF5-D2D6499E733E}" destId="{2D54AD62-7317-9C47-AA61-3B7E904A7679}" srcOrd="0" destOrd="0" presId="urn:microsoft.com/office/officeart/2005/8/layout/hierarchy2"/>
+    <dgm:cxn modelId="{AFFE3E5A-1F40-7945-AE0E-1F02172FE746}" type="presOf" srcId="{DA681B52-23FB-9749-BA61-98D6ADAE31D3}" destId="{C052BFAB-195E-7247-9F9A-2E3D60142921}" srcOrd="1" destOrd="0" presId="urn:microsoft.com/office/officeart/2005/8/layout/hierarchy2"/>
+    <dgm:cxn modelId="{7D5BEEA8-B6E3-364F-B262-36B0EBC2554F}" srcId="{409365A8-695F-0E4E-BBF5-D2D6499E733E}" destId="{D32E186F-F900-D543-9689-00BED3E0FC85}" srcOrd="1" destOrd="0" parTransId="{AA1541EA-894D-ED4E-A8A0-B85EA0D5D017}" sibTransId="{A958D6B6-D83F-8E49-A912-6B70075E8291}"/>
+    <dgm:cxn modelId="{466A65B4-0ED3-AD40-8B1F-52D7E592B74F}" type="presOf" srcId="{EE64837A-0261-1544-A6B1-92F0CB3EF91A}" destId="{463E4E44-8642-C048-909F-1593637B9C20}" srcOrd="0" destOrd="0" presId="urn:microsoft.com/office/officeart/2005/8/layout/hierarchy2"/>
+    <dgm:cxn modelId="{E5ECA21A-702B-0141-BD9C-FD541007D7FB}" srcId="{8E2808F8-53B3-1B48-8CE3-5FF4DFFCF08B}" destId="{409365A8-695F-0E4E-BBF5-D2D6499E733E}" srcOrd="0" destOrd="0" parTransId="{9D5F828E-CB12-554D-BCBE-4880497C81B4}" sibTransId="{A874E2A3-B47D-4743-8068-A2D4C9730E93}"/>
+    <dgm:cxn modelId="{9E2B8D34-F532-B843-B342-BBB649E31FCC}" type="presOf" srcId="{9C99B116-BD21-C847-B705-74D7AEB66C23}" destId="{DA11DCD8-3760-204E-811D-797971806BC2}" srcOrd="0" destOrd="0" presId="urn:microsoft.com/office/officeart/2005/8/layout/hierarchy2"/>
+    <dgm:cxn modelId="{F6142088-8148-424D-95FB-3F243765CD73}" type="presOf" srcId="{B4426B6D-C58F-7D4E-9861-767A3F26E54C}" destId="{7CFF9D29-A0FD-EE4E-97AB-7323C374BF49}" srcOrd="0" destOrd="0" presId="urn:microsoft.com/office/officeart/2005/8/layout/hierarchy2"/>
+    <dgm:cxn modelId="{37B04AA3-3737-A947-8D9D-DA520D130C48}" type="presOf" srcId="{F2795A48-49C2-FA49-9C65-F7D847B6634E}" destId="{F2F6D7B7-2C8C-A548-B930-B4B8B442F810}" srcOrd="1" destOrd="0" presId="urn:microsoft.com/office/officeart/2005/8/layout/hierarchy2"/>
+    <dgm:cxn modelId="{B848E5EC-3ED1-8F48-9E5B-0B5BD468B61C}" type="presOf" srcId="{D32E186F-F900-D543-9689-00BED3E0FC85}" destId="{BE645681-3098-CF47-B3B8-7136AC50305E}" srcOrd="0" destOrd="0" presId="urn:microsoft.com/office/officeart/2005/8/layout/hierarchy2"/>
+    <dgm:cxn modelId="{8EA2EE18-3C19-A344-BE82-3F7107B05C26}" srcId="{409365A8-695F-0E4E-BBF5-D2D6499E733E}" destId="{836F51A9-FDF8-CE42-864A-84F74DAECE33}" srcOrd="2" destOrd="0" parTransId="{F2795A48-49C2-FA49-9C65-F7D847B6634E}" sibTransId="{3DDC879E-76AD-BC4C-A56A-960BCFD69339}"/>
+    <dgm:cxn modelId="{44B5DF90-FEE8-814A-8773-C7A61915D9D9}" type="presOf" srcId="{EC4EEB7A-2CDD-BA40-814F-F2C427A5A153}" destId="{8C6BB07E-CBD1-8B45-8459-ACA9FAF25BD1}" srcOrd="0" destOrd="0" presId="urn:microsoft.com/office/officeart/2005/8/layout/hierarchy2"/>
+    <dgm:cxn modelId="{27880915-C455-D640-9300-3A75B27ADF94}" srcId="{409365A8-695F-0E4E-BBF5-D2D6499E733E}" destId="{635C4335-5832-1745-8881-AE79C6F2BD4B}" srcOrd="0" destOrd="0" parTransId="{EC4EEB7A-2CDD-BA40-814F-F2C427A5A153}" sibTransId="{F51F2EAE-BA36-DC42-ACFE-19AD4A6B0FCA}"/>
+    <dgm:cxn modelId="{8322ABFC-7A65-8B4C-A5F9-3C809D821DDF}" type="presOf" srcId="{EC4EEB7A-2CDD-BA40-814F-F2C427A5A153}" destId="{0DF0FFEF-5ADE-CE4D-AFD8-50C89461A4B0}" srcOrd="1" destOrd="0" presId="urn:microsoft.com/office/officeart/2005/8/layout/hierarchy2"/>
+    <dgm:cxn modelId="{3E457F00-6924-ED49-BC0C-B4A618B5EFAF}" type="presOf" srcId="{836F51A9-FDF8-CE42-864A-84F74DAECE33}" destId="{9056B607-8920-4540-993D-CC823FF954D7}" srcOrd="0" destOrd="0" presId="urn:microsoft.com/office/officeart/2005/8/layout/hierarchy2"/>
+    <dgm:cxn modelId="{248FD92B-2576-C34F-98DB-E357C6E831BB}" type="presOf" srcId="{8E2808F8-53B3-1B48-8CE3-5FF4DFFCF08B}" destId="{D8A3BB1E-ABB9-C348-B370-9921D6DE89B9}" srcOrd="0" destOrd="0" presId="urn:microsoft.com/office/officeart/2005/8/layout/hierarchy2"/>
+    <dgm:cxn modelId="{E8A5EDFD-F760-7E40-B247-89653DB55791}" type="presOf" srcId="{50E35D7F-6229-C54F-AA56-6940C7C3B6CD}" destId="{751ACA4A-DE6D-9A4E-B64E-6D4E2FC03EDD}" srcOrd="0" destOrd="0" presId="urn:microsoft.com/office/officeart/2005/8/layout/hierarchy2"/>
+    <dgm:cxn modelId="{A169F5AA-384F-5C47-B7BE-D0DB09C94721}" type="presOf" srcId="{B4426B6D-C58F-7D4E-9861-767A3F26E54C}" destId="{8ECAE464-7D15-AB49-949B-F5857C01F6A5}" srcOrd="1" destOrd="0" presId="urn:microsoft.com/office/officeart/2005/8/layout/hierarchy2"/>
+    <dgm:cxn modelId="{3DDDE2F2-C871-964B-A676-4C5B5B10D40F}" type="presParOf" srcId="{D8A3BB1E-ABB9-C348-B370-9921D6DE89B9}" destId="{F82A1451-ADAF-1A4F-BE8C-1F41998F6001}" srcOrd="0" destOrd="0" presId="urn:microsoft.com/office/officeart/2005/8/layout/hierarchy2"/>
+    <dgm:cxn modelId="{D4FC801A-1CF9-3849-9A2B-B8E96322A7F7}" type="presParOf" srcId="{F82A1451-ADAF-1A4F-BE8C-1F41998F6001}" destId="{2D54AD62-7317-9C47-AA61-3B7E904A7679}" srcOrd="0" destOrd="0" presId="urn:microsoft.com/office/officeart/2005/8/layout/hierarchy2"/>
+    <dgm:cxn modelId="{75E45F38-2D4B-9946-96C7-3CCFEE8BBDCB}" type="presParOf" srcId="{F82A1451-ADAF-1A4F-BE8C-1F41998F6001}" destId="{3BFA27DE-D977-F348-B8D9-32FE203B738E}" srcOrd="1" destOrd="0" presId="urn:microsoft.com/office/officeart/2005/8/layout/hierarchy2"/>
+    <dgm:cxn modelId="{3E550F86-3978-314C-AC3C-A881E4588F37}" type="presParOf" srcId="{3BFA27DE-D977-F348-B8D9-32FE203B738E}" destId="{8C6BB07E-CBD1-8B45-8459-ACA9FAF25BD1}" srcOrd="0" destOrd="0" presId="urn:microsoft.com/office/officeart/2005/8/layout/hierarchy2"/>
+    <dgm:cxn modelId="{91B47BD1-9380-9241-9B0E-A19EDD5199D8}" type="presParOf" srcId="{8C6BB07E-CBD1-8B45-8459-ACA9FAF25BD1}" destId="{0DF0FFEF-5ADE-CE4D-AFD8-50C89461A4B0}" srcOrd="0" destOrd="0" presId="urn:microsoft.com/office/officeart/2005/8/layout/hierarchy2"/>
+    <dgm:cxn modelId="{7073562B-DFC2-7442-AAB6-EF6BA21BB74F}" type="presParOf" srcId="{3BFA27DE-D977-F348-B8D9-32FE203B738E}" destId="{339FF5C7-A7C3-A343-8A43-781F1A0A5D2E}" srcOrd="1" destOrd="0" presId="urn:microsoft.com/office/officeart/2005/8/layout/hierarchy2"/>
+    <dgm:cxn modelId="{7BA56226-F86C-F44C-BE25-EEB80AC8DE31}" type="presParOf" srcId="{339FF5C7-A7C3-A343-8A43-781F1A0A5D2E}" destId="{76E780EE-D419-B448-9EA2-8FC285CA32FC}" srcOrd="0" destOrd="0" presId="urn:microsoft.com/office/officeart/2005/8/layout/hierarchy2"/>
+    <dgm:cxn modelId="{FA36468F-3420-ED4C-856E-3087E8C87869}" type="presParOf" srcId="{339FF5C7-A7C3-A343-8A43-781F1A0A5D2E}" destId="{8D7D10C1-2F64-1C40-B7DA-58DF7A478013}" srcOrd="1" destOrd="0" presId="urn:microsoft.com/office/officeart/2005/8/layout/hierarchy2"/>
+    <dgm:cxn modelId="{BC649157-4776-B146-B4FA-6E7FF07E8C80}" type="presParOf" srcId="{8D7D10C1-2F64-1C40-B7DA-58DF7A478013}" destId="{7CFF9D29-A0FD-EE4E-97AB-7323C374BF49}" srcOrd="0" destOrd="0" presId="urn:microsoft.com/office/officeart/2005/8/layout/hierarchy2"/>
+    <dgm:cxn modelId="{EE6C0F97-1D1F-4B4F-A980-010C85A91FE5}" type="presParOf" srcId="{7CFF9D29-A0FD-EE4E-97AB-7323C374BF49}" destId="{8ECAE464-7D15-AB49-949B-F5857C01F6A5}" srcOrd="0" destOrd="0" presId="urn:microsoft.com/office/officeart/2005/8/layout/hierarchy2"/>
+    <dgm:cxn modelId="{474EE203-9CE4-B046-AB1E-89C9B1395581}" type="presParOf" srcId="{8D7D10C1-2F64-1C40-B7DA-58DF7A478013}" destId="{44448877-4F0D-D042-858A-A98F27174013}" srcOrd="1" destOrd="0" presId="urn:microsoft.com/office/officeart/2005/8/layout/hierarchy2"/>
+    <dgm:cxn modelId="{33B9B28A-FFE8-7E4C-8353-F2369402D586}" type="presParOf" srcId="{44448877-4F0D-D042-858A-A98F27174013}" destId="{C2545384-7025-5A46-99D9-A83C55A9095D}" srcOrd="0" destOrd="0" presId="urn:microsoft.com/office/officeart/2005/8/layout/hierarchy2"/>
+    <dgm:cxn modelId="{54C600ED-3C53-5F47-BC78-B0A148542659}" type="presParOf" srcId="{44448877-4F0D-D042-858A-A98F27174013}" destId="{E85203D7-DD35-194A-B500-6B88F79A1C91}" srcOrd="1" destOrd="0" presId="urn:microsoft.com/office/officeart/2005/8/layout/hierarchy2"/>
+    <dgm:cxn modelId="{451BE29B-804D-FA4E-90A7-97A65C3E985F}" type="presParOf" srcId="{8D7D10C1-2F64-1C40-B7DA-58DF7A478013}" destId="{E14D251C-00CF-7747-9B2F-6CF23CA9C272}" srcOrd="2" destOrd="0" presId="urn:microsoft.com/office/officeart/2005/8/layout/hierarchy2"/>
+    <dgm:cxn modelId="{1C27EA9E-7309-704A-9599-E1BEDD2AF7B3}" type="presParOf" srcId="{E14D251C-00CF-7747-9B2F-6CF23CA9C272}" destId="{C052BFAB-195E-7247-9F9A-2E3D60142921}" srcOrd="0" destOrd="0" presId="urn:microsoft.com/office/officeart/2005/8/layout/hierarchy2"/>
+    <dgm:cxn modelId="{DCA43C0E-9829-B145-A885-79A7E8122065}" type="presParOf" srcId="{8D7D10C1-2F64-1C40-B7DA-58DF7A478013}" destId="{72DBD9ED-9955-C54F-B8CB-9C9D8955398E}" srcOrd="3" destOrd="0" presId="urn:microsoft.com/office/officeart/2005/8/layout/hierarchy2"/>
+    <dgm:cxn modelId="{0FAF0903-6929-6A49-8833-5D7BAECAC32E}" type="presParOf" srcId="{72DBD9ED-9955-C54F-B8CB-9C9D8955398E}" destId="{E3D88725-216C-5D4A-AACA-BB024DCF16BF}" srcOrd="0" destOrd="0" presId="urn:microsoft.com/office/officeart/2005/8/layout/hierarchy2"/>
+    <dgm:cxn modelId="{CFFA20F7-7F65-A747-8D99-DCA405669DF7}" type="presParOf" srcId="{72DBD9ED-9955-C54F-B8CB-9C9D8955398E}" destId="{29AB69A3-5237-A847-810D-D156C6C4C2FA}" srcOrd="1" destOrd="0" presId="urn:microsoft.com/office/officeart/2005/8/layout/hierarchy2"/>
+    <dgm:cxn modelId="{EDC1C3EE-6743-F740-AEE5-3257F39698FD}" type="presParOf" srcId="{3BFA27DE-D977-F348-B8D9-32FE203B738E}" destId="{54B60A1D-CD6B-AE46-AC8A-2F8A51C49868}" srcOrd="2" destOrd="0" presId="urn:microsoft.com/office/officeart/2005/8/layout/hierarchy2"/>
+    <dgm:cxn modelId="{2FA4F039-36D5-F84E-9F90-E1F78B0083A3}" type="presParOf" srcId="{54B60A1D-CD6B-AE46-AC8A-2F8A51C49868}" destId="{624D9768-E6BA-1248-B45E-F75B9EA90663}" srcOrd="0" destOrd="0" presId="urn:microsoft.com/office/officeart/2005/8/layout/hierarchy2"/>
+    <dgm:cxn modelId="{0638C2CA-5197-7140-8D94-4999B615D436}" type="presParOf" srcId="{3BFA27DE-D977-F348-B8D9-32FE203B738E}" destId="{8C93DC5B-6401-0648-9153-DCE2FA46CE1F}" srcOrd="3" destOrd="0" presId="urn:microsoft.com/office/officeart/2005/8/layout/hierarchy2"/>
+    <dgm:cxn modelId="{BC27CF9A-7393-F34D-BADB-73F29AA5A75E}" type="presParOf" srcId="{8C93DC5B-6401-0648-9153-DCE2FA46CE1F}" destId="{BE645681-3098-CF47-B3B8-7136AC50305E}" srcOrd="0" destOrd="0" presId="urn:microsoft.com/office/officeart/2005/8/layout/hierarchy2"/>
+    <dgm:cxn modelId="{986E45AC-E6AA-9045-AD27-B06F44C0A905}" type="presParOf" srcId="{8C93DC5B-6401-0648-9153-DCE2FA46CE1F}" destId="{7DE5D8FE-EC1B-7A45-BA58-1A5AFAE27D84}" srcOrd="1" destOrd="0" presId="urn:microsoft.com/office/officeart/2005/8/layout/hierarchy2"/>
+    <dgm:cxn modelId="{BC628018-7E5F-E045-982F-BA1AF76389D9}" type="presParOf" srcId="{7DE5D8FE-EC1B-7A45-BA58-1A5AFAE27D84}" destId="{DA11DCD8-3760-204E-811D-797971806BC2}" srcOrd="0" destOrd="0" presId="urn:microsoft.com/office/officeart/2005/8/layout/hierarchy2"/>
+    <dgm:cxn modelId="{78F13CDD-474B-D04D-8DCB-84BFF7F6C26C}" type="presParOf" srcId="{DA11DCD8-3760-204E-811D-797971806BC2}" destId="{A5617D7B-B82D-D644-AC4C-9AA163B45BF5}" srcOrd="0" destOrd="0" presId="urn:microsoft.com/office/officeart/2005/8/layout/hierarchy2"/>
+    <dgm:cxn modelId="{DD3DD13E-CDE5-C54B-85C5-224E5EE54C42}" type="presParOf" srcId="{7DE5D8FE-EC1B-7A45-BA58-1A5AFAE27D84}" destId="{C2AF5D93-5C8A-4745-8812-C55E36C90DB5}" srcOrd="1" destOrd="0" presId="urn:microsoft.com/office/officeart/2005/8/layout/hierarchy2"/>
+    <dgm:cxn modelId="{C3AB562C-DCA6-3A4F-9DDE-79E969152F9F}" type="presParOf" srcId="{C2AF5D93-5C8A-4745-8812-C55E36C90DB5}" destId="{FB3D1869-FDC3-8941-AD3E-189D80064941}" srcOrd="0" destOrd="0" presId="urn:microsoft.com/office/officeart/2005/8/layout/hierarchy2"/>
+    <dgm:cxn modelId="{68F905EC-BEC7-434A-B233-E8C422D9E832}" type="presParOf" srcId="{C2AF5D93-5C8A-4745-8812-C55E36C90DB5}" destId="{9D5F8F99-BC4F-AF42-B298-1C244533674C}" srcOrd="1" destOrd="0" presId="urn:microsoft.com/office/officeart/2005/8/layout/hierarchy2"/>
+    <dgm:cxn modelId="{CBD73396-A04A-D345-8AAF-41F8FA948A89}" type="presParOf" srcId="{3BFA27DE-D977-F348-B8D9-32FE203B738E}" destId="{D16F5D25-2B91-C143-8EB3-50EE502CF83A}" srcOrd="4" destOrd="0" presId="urn:microsoft.com/office/officeart/2005/8/layout/hierarchy2"/>
+    <dgm:cxn modelId="{75115314-5A2D-8545-9FB4-8E5A370C079C}" type="presParOf" srcId="{D16F5D25-2B91-C143-8EB3-50EE502CF83A}" destId="{F2F6D7B7-2C8C-A548-B930-B4B8B442F810}" srcOrd="0" destOrd="0" presId="urn:microsoft.com/office/officeart/2005/8/layout/hierarchy2"/>
+    <dgm:cxn modelId="{A3077485-6EE1-1246-9754-CFB8B70DBC5C}" type="presParOf" srcId="{3BFA27DE-D977-F348-B8D9-32FE203B738E}" destId="{41773B5C-EE3B-7E4C-A29A-76E67D14F3E9}" srcOrd="5" destOrd="0" presId="urn:microsoft.com/office/officeart/2005/8/layout/hierarchy2"/>
+    <dgm:cxn modelId="{051F4E7D-EDE9-3B48-B857-68E2A5610D78}" type="presParOf" srcId="{41773B5C-EE3B-7E4C-A29A-76E67D14F3E9}" destId="{9056B607-8920-4540-993D-CC823FF954D7}" srcOrd="0" destOrd="0" presId="urn:microsoft.com/office/officeart/2005/8/layout/hierarchy2"/>
+    <dgm:cxn modelId="{A5C7B4DA-3E53-764B-B558-396E18BB0F81}" type="presParOf" srcId="{41773B5C-EE3B-7E4C-A29A-76E67D14F3E9}" destId="{72B3F84D-4B02-6B45-9108-D66A4038B491}" srcOrd="1" destOrd="0" presId="urn:microsoft.com/office/officeart/2005/8/layout/hierarchy2"/>
+    <dgm:cxn modelId="{F99CD257-C99B-3942-9AD1-8FEBE5C37113}" type="presParOf" srcId="{72B3F84D-4B02-6B45-9108-D66A4038B491}" destId="{751ACA4A-DE6D-9A4E-B64E-6D4E2FC03EDD}" srcOrd="0" destOrd="0" presId="urn:microsoft.com/office/officeart/2005/8/layout/hierarchy2"/>
+    <dgm:cxn modelId="{F2BC6CB3-6E2E-954F-B799-2F667AF49DD0}" type="presParOf" srcId="{751ACA4A-DE6D-9A4E-B64E-6D4E2FC03EDD}" destId="{E380DA1A-168D-C141-9526-309B096E44F4}" srcOrd="0" destOrd="0" presId="urn:microsoft.com/office/officeart/2005/8/layout/hierarchy2"/>
+    <dgm:cxn modelId="{57741C1A-CC83-3844-9C75-430848B1D32D}" type="presParOf" srcId="{72B3F84D-4B02-6B45-9108-D66A4038B491}" destId="{2AD1C582-1D51-8C46-AA1A-66303A120F00}" srcOrd="1" destOrd="0" presId="urn:microsoft.com/office/officeart/2005/8/layout/hierarchy2"/>
+    <dgm:cxn modelId="{97D083A2-3F93-AB4D-844D-F49CE7C5CC93}" type="presParOf" srcId="{2AD1C582-1D51-8C46-AA1A-66303A120F00}" destId="{463E4E44-8642-C048-909F-1593637B9C20}" srcOrd="0" destOrd="0" presId="urn:microsoft.com/office/officeart/2005/8/layout/hierarchy2"/>
+    <dgm:cxn modelId="{169FDA1C-E42C-CD45-8A0E-4CE4779EAD07}" type="presParOf" srcId="{2AD1C582-1D51-8C46-AA1A-66303A120F00}" destId="{77BB6D4E-459A-714F-A670-0B910FDECE66}" srcOrd="1" destOrd="0" presId="urn:microsoft.com/office/officeart/2005/8/layout/hierarchy2"/>
+  </dgm:cxnLst>
+  <dgm:bg/>
+  <dgm:whole/>
+  <dgm:extLst>
+    <a:ext uri="http://schemas.microsoft.com/office/drawing/2008/diagram">
+      <dsp:dataModelExt xmlns:dsp="http://schemas.microsoft.com/office/drawing/2008/diagram" relId="rId6" minVer="http://schemas.openxmlformats.org/drawingml/2006/diagram"/>
+    </a:ext>
+  </dgm:extLst>
+</dgm:dataModel>
+</file>
+
+<file path=ppt/diagrams/drawing1.xml><?xml version="1.0" encoding="utf-8"?>
+<dsp:drawing xmlns:dgm="http://schemas.openxmlformats.org/drawingml/2006/diagram" xmlns:dsp="http://schemas.microsoft.com/office/drawing/2008/diagram" xmlns:a="http://schemas.openxmlformats.org/drawingml/2006/main">
+  <dsp:spTree>
+    <dsp:nvGrpSpPr>
+      <dsp:cNvPr id="0" name=""/>
+      <dsp:cNvGrpSpPr/>
+    </dsp:nvGrpSpPr>
+    <dsp:grpSpPr/>
+    <dsp:sp modelId="{2D54AD62-7317-9C47-AA61-3B7E904A7679}">
+      <dsp:nvSpPr>
+        <dsp:cNvPr id="0" name=""/>
+        <dsp:cNvSpPr/>
+      </dsp:nvSpPr>
+      <dsp:spPr>
+        <a:xfrm>
+          <a:off x="907085" y="2426919"/>
+          <a:ext cx="2410543" cy="1205271"/>
+        </a:xfrm>
+        <a:prstGeom prst="roundRect">
+          <a:avLst>
+            <a:gd name="adj" fmla="val 10000"/>
+          </a:avLst>
+        </a:prstGeom>
+        <a:gradFill rotWithShape="0">
+          <a:gsLst>
+            <a:gs pos="0">
+              <a:schemeClr val="dk2">
+                <a:hueOff val="0"/>
+                <a:satOff val="0"/>
+                <a:lumOff val="0"/>
+                <a:alphaOff val="0"/>
+                <a:satMod val="103000"/>
+                <a:lumMod val="102000"/>
+                <a:tint val="94000"/>
+              </a:schemeClr>
+            </a:gs>
+            <a:gs pos="50000">
+              <a:schemeClr val="dk2">
+                <a:hueOff val="0"/>
+                <a:satOff val="0"/>
+                <a:lumOff val="0"/>
+                <a:alphaOff val="0"/>
+                <a:satMod val="110000"/>
+                <a:lumMod val="100000"/>
+                <a:shade val="100000"/>
+              </a:schemeClr>
+            </a:gs>
+            <a:gs pos="100000">
+              <a:schemeClr val="dk2">
+                <a:hueOff val="0"/>
+                <a:satOff val="0"/>
+                <a:lumOff val="0"/>
+                <a:alphaOff val="0"/>
+                <a:lumMod val="99000"/>
+                <a:satMod val="120000"/>
+                <a:shade val="78000"/>
+              </a:schemeClr>
+            </a:gs>
+          </a:gsLst>
+          <a:lin ang="5400000" scaled="0"/>
+        </a:gradFill>
+        <a:ln>
+          <a:noFill/>
+        </a:ln>
+        <a:effectLst/>
+      </dsp:spPr>
+      <dsp:style>
+        <a:lnRef idx="0">
+          <a:scrgbClr r="0" g="0" b="0"/>
+        </a:lnRef>
+        <a:fillRef idx="3">
+          <a:scrgbClr r="0" g="0" b="0"/>
+        </a:fillRef>
+        <a:effectRef idx="2">
+          <a:scrgbClr r="0" g="0" b="0"/>
+        </a:effectRef>
+        <a:fontRef idx="minor">
+          <a:schemeClr val="lt1"/>
+        </a:fontRef>
+      </dsp:style>
+      <dsp:txBody>
+        <a:bodyPr spcFirstLastPara="0" vert="horz" wrap="square" lIns="15875" tIns="15875" rIns="15875" bIns="15875" numCol="1" spcCol="1270" anchor="ctr" anchorCtr="0">
+          <a:noAutofit/>
+        </a:bodyPr>
+        <a:lstStyle/>
+        <a:p>
+          <a:pPr lvl="0" algn="ctr" defTabSz="1111250">
+            <a:lnSpc>
+              <a:spcPct val="90000"/>
+            </a:lnSpc>
+            <a:spcBef>
+              <a:spcPct val="0"/>
+            </a:spcBef>
+            <a:spcAft>
+              <a:spcPct val="35000"/>
+            </a:spcAft>
+          </a:pPr>
+          <a:r>
+            <a:rPr lang="en-US" sz="2500" kern="1200" dirty="0" smtClean="0"/>
+            <a:t>[Begin Turn]</a:t>
+          </a:r>
+          <a:endParaRPr lang="en-US" sz="2500" kern="1200" dirty="0"/>
+        </a:p>
+      </dsp:txBody>
+      <dsp:txXfrm>
+        <a:off x="942386" y="2462220"/>
+        <a:ext cx="2339941" cy="1134669"/>
+      </dsp:txXfrm>
+    </dsp:sp>
+    <dsp:sp modelId="{8C6BB07E-CBD1-8B45-8459-ACA9FAF25BD1}">
+      <dsp:nvSpPr>
+        <dsp:cNvPr id="0" name=""/>
+        <dsp:cNvSpPr/>
+      </dsp:nvSpPr>
+      <dsp:spPr>
+        <a:xfrm rot="17945813">
+          <a:off x="2808332" y="2143051"/>
+          <a:ext cx="1982811" cy="40429"/>
+        </a:xfrm>
+        <a:custGeom>
+          <a:avLst/>
+          <a:gdLst/>
+          <a:ahLst/>
+          <a:cxnLst/>
+          <a:rect l="0" t="0" r="0" b="0"/>
+          <a:pathLst>
+            <a:path>
+              <a:moveTo>
+                <a:pt x="0" y="20214"/>
+              </a:moveTo>
+              <a:lnTo>
+                <a:pt x="1982811" y="20214"/>
+              </a:lnTo>
+            </a:path>
+          </a:pathLst>
+        </a:custGeom>
+        <a:noFill/>
+        <a:ln w="6350" cap="flat" cmpd="sng" algn="ctr">
+          <a:solidFill>
+            <a:schemeClr val="dk2">
+              <a:shade val="60000"/>
+              <a:hueOff val="0"/>
+              <a:satOff val="0"/>
+              <a:lumOff val="0"/>
+              <a:alphaOff val="0"/>
+            </a:schemeClr>
+          </a:solidFill>
+          <a:prstDash val="solid"/>
+          <a:miter lim="800000"/>
+        </a:ln>
+        <a:effectLst/>
+      </dsp:spPr>
+      <dsp:style>
+        <a:lnRef idx="1">
+          <a:scrgbClr r="0" g="0" b="0"/>
+        </a:lnRef>
+        <a:fillRef idx="0">
+          <a:scrgbClr r="0" g="0" b="0"/>
+        </a:fillRef>
+        <a:effectRef idx="0">
+          <a:scrgbClr r="0" g="0" b="0"/>
+        </a:effectRef>
+        <a:fontRef idx="minor"/>
+      </dsp:style>
+      <dsp:txBody>
+        <a:bodyPr spcFirstLastPara="0" vert="horz" wrap="square" lIns="12700" tIns="0" rIns="12700" bIns="0" numCol="1" spcCol="1270" anchor="ctr" anchorCtr="0">
+          <a:noAutofit/>
+        </a:bodyPr>
+        <a:lstStyle/>
+        <a:p>
+          <a:pPr lvl="0" algn="ctr" defTabSz="311150">
+            <a:lnSpc>
+              <a:spcPct val="90000"/>
+            </a:lnSpc>
+            <a:spcBef>
+              <a:spcPct val="0"/>
+            </a:spcBef>
+            <a:spcAft>
+              <a:spcPct val="35000"/>
+            </a:spcAft>
+          </a:pPr>
+          <a:endParaRPr lang="en-US" sz="700" kern="1200"/>
+        </a:p>
+      </dsp:txBody>
+      <dsp:txXfrm>
+        <a:off x="3750168" y="2113696"/>
+        <a:ext cx="99140" cy="99140"/>
+      </dsp:txXfrm>
+    </dsp:sp>
+    <dsp:sp modelId="{76E780EE-D419-B448-9EA2-8FC285CA32FC}">
+      <dsp:nvSpPr>
+        <dsp:cNvPr id="0" name=""/>
+        <dsp:cNvSpPr/>
+      </dsp:nvSpPr>
+      <dsp:spPr>
+        <a:xfrm>
+          <a:off x="4281847" y="694341"/>
+          <a:ext cx="2410543" cy="1205271"/>
+        </a:xfrm>
+        <a:prstGeom prst="roundRect">
+          <a:avLst>
+            <a:gd name="adj" fmla="val 10000"/>
+          </a:avLst>
+        </a:prstGeom>
+        <a:solidFill>
+          <a:srgbClr val="92D050"/>
+        </a:solidFill>
+        <a:ln>
+          <a:noFill/>
+        </a:ln>
+        <a:effectLst/>
+      </dsp:spPr>
+      <dsp:style>
+        <a:lnRef idx="0">
+          <a:scrgbClr r="0" g="0" b="0"/>
+        </a:lnRef>
+        <a:fillRef idx="3">
+          <a:scrgbClr r="0" g="0" b="0"/>
+        </a:fillRef>
+        <a:effectRef idx="2">
+          <a:scrgbClr r="0" g="0" b="0"/>
+        </a:effectRef>
+        <a:fontRef idx="minor">
+          <a:schemeClr val="lt1"/>
+        </a:fontRef>
+      </dsp:style>
+      <dsp:txBody>
+        <a:bodyPr spcFirstLastPara="0" vert="horz" wrap="square" lIns="15875" tIns="15875" rIns="15875" bIns="15875" numCol="1" spcCol="1270" anchor="ctr" anchorCtr="0">
+          <a:noAutofit/>
+        </a:bodyPr>
+        <a:lstStyle/>
+        <a:p>
+          <a:pPr lvl="0" algn="ctr" defTabSz="1111250">
+            <a:lnSpc>
+              <a:spcPct val="90000"/>
+            </a:lnSpc>
+            <a:spcBef>
+              <a:spcPct val="0"/>
+            </a:spcBef>
+            <a:spcAft>
+              <a:spcPct val="35000"/>
+            </a:spcAft>
+          </a:pPr>
+          <a:r>
+            <a:rPr lang="en-US" sz="2500" kern="1200" dirty="0" smtClean="0"/>
+            <a:t>Space: play attempted</a:t>
+          </a:r>
+          <a:endParaRPr lang="en-US" sz="2500" kern="1200" dirty="0"/>
+        </a:p>
+      </dsp:txBody>
+      <dsp:txXfrm>
+        <a:off x="4317148" y="729642"/>
+        <a:ext cx="2339941" cy="1134669"/>
+      </dsp:txXfrm>
+    </dsp:sp>
+    <dsp:sp modelId="{7CFF9D29-A0FD-EE4E-97AB-7323C374BF49}">
+      <dsp:nvSpPr>
+        <dsp:cNvPr id="0" name=""/>
+        <dsp:cNvSpPr/>
+      </dsp:nvSpPr>
+      <dsp:spPr>
+        <a:xfrm rot="19457599">
+          <a:off x="6580780" y="930246"/>
+          <a:ext cx="1187437" cy="40429"/>
+        </a:xfrm>
+        <a:custGeom>
+          <a:avLst/>
+          <a:gdLst/>
+          <a:ahLst/>
+          <a:cxnLst/>
+          <a:rect l="0" t="0" r="0" b="0"/>
+          <a:pathLst>
+            <a:path>
+              <a:moveTo>
+                <a:pt x="0" y="20214"/>
+              </a:moveTo>
+              <a:lnTo>
+                <a:pt x="1187437" y="20214"/>
+              </a:lnTo>
+            </a:path>
+          </a:pathLst>
+        </a:custGeom>
+        <a:noFill/>
+        <a:ln w="6350" cap="flat" cmpd="sng" algn="ctr">
+          <a:solidFill>
+            <a:schemeClr val="dk2">
+              <a:shade val="80000"/>
+              <a:hueOff val="0"/>
+              <a:satOff val="0"/>
+              <a:lumOff val="0"/>
+              <a:alphaOff val="0"/>
+            </a:schemeClr>
+          </a:solidFill>
+          <a:prstDash val="solid"/>
+          <a:miter lim="800000"/>
+        </a:ln>
+        <a:effectLst/>
+      </dsp:spPr>
+      <dsp:style>
+        <a:lnRef idx="1">
+          <a:scrgbClr r="0" g="0" b="0"/>
+        </a:lnRef>
+        <a:fillRef idx="0">
+          <a:scrgbClr r="0" g="0" b="0"/>
+        </a:fillRef>
+        <a:effectRef idx="0">
+          <a:scrgbClr r="0" g="0" b="0"/>
+        </a:effectRef>
+        <a:fontRef idx="minor"/>
+      </dsp:style>
+      <dsp:txBody>
+        <a:bodyPr spcFirstLastPara="0" vert="horz" wrap="square" lIns="12700" tIns="0" rIns="12700" bIns="0" numCol="1" spcCol="1270" anchor="ctr" anchorCtr="0">
+          <a:noAutofit/>
+        </a:bodyPr>
+        <a:lstStyle/>
+        <a:p>
+          <a:pPr lvl="0" algn="ctr" defTabSz="222250">
+            <a:lnSpc>
+              <a:spcPct val="90000"/>
+            </a:lnSpc>
+            <a:spcBef>
+              <a:spcPct val="0"/>
+            </a:spcBef>
+            <a:spcAft>
+              <a:spcPct val="35000"/>
+            </a:spcAft>
+          </a:pPr>
+          <a:endParaRPr lang="en-US" sz="500" kern="1200"/>
+        </a:p>
+      </dsp:txBody>
+      <dsp:txXfrm>
+        <a:off x="7144813" y="920775"/>
+        <a:ext cx="59371" cy="59371"/>
+      </dsp:txXfrm>
+    </dsp:sp>
+    <dsp:sp modelId="{C2545384-7025-5A46-99D9-A83C55A9095D}">
+      <dsp:nvSpPr>
+        <dsp:cNvPr id="0" name=""/>
+        <dsp:cNvSpPr/>
+      </dsp:nvSpPr>
+      <dsp:spPr>
+        <a:xfrm>
+          <a:off x="7656608" y="1310"/>
+          <a:ext cx="2410543" cy="1205271"/>
+        </a:xfrm>
+        <a:prstGeom prst="roundRect">
+          <a:avLst>
+            <a:gd name="adj" fmla="val 10000"/>
+          </a:avLst>
+        </a:prstGeom>
+        <a:solidFill>
+          <a:srgbClr val="92D050"/>
+        </a:solidFill>
+        <a:ln>
+          <a:noFill/>
+        </a:ln>
+        <a:effectLst/>
+      </dsp:spPr>
+      <dsp:style>
+        <a:lnRef idx="0">
+          <a:scrgbClr r="0" g="0" b="0"/>
+        </a:lnRef>
+        <a:fillRef idx="3">
+          <a:scrgbClr r="0" g="0" b="0"/>
+        </a:fillRef>
+        <a:effectRef idx="2">
+          <a:scrgbClr r="0" g="0" b="0"/>
+        </a:effectRef>
+        <a:fontRef idx="minor">
+          <a:schemeClr val="lt1"/>
+        </a:fontRef>
+      </dsp:style>
+      <dsp:txBody>
+        <a:bodyPr spcFirstLastPara="0" vert="horz" wrap="square" lIns="15875" tIns="15875" rIns="15875" bIns="15875" numCol="1" spcCol="1270" anchor="ctr" anchorCtr="0">
+          <a:noAutofit/>
+        </a:bodyPr>
+        <a:lstStyle/>
+        <a:p>
+          <a:pPr lvl="0" algn="ctr" defTabSz="1111250">
+            <a:lnSpc>
+              <a:spcPct val="90000"/>
+            </a:lnSpc>
+            <a:spcBef>
+              <a:spcPct val="0"/>
+            </a:spcBef>
+            <a:spcAft>
+              <a:spcPct val="35000"/>
+            </a:spcAft>
+          </a:pPr>
+          <a:r>
+            <a:rPr lang="en-US" sz="2500" kern="1200" dirty="0" smtClean="0"/>
+            <a:t>Valid?</a:t>
+          </a:r>
+        </a:p>
+        <a:p>
+          <a:pPr lvl="0" algn="ctr" defTabSz="1111250">
+            <a:lnSpc>
+              <a:spcPct val="90000"/>
+            </a:lnSpc>
+            <a:spcBef>
+              <a:spcPct val="0"/>
+            </a:spcBef>
+            <a:spcAft>
+              <a:spcPct val="35000"/>
+            </a:spcAft>
+          </a:pPr>
+          <a:r>
+            <a:rPr lang="en-US" sz="2500" kern="1200" dirty="0" smtClean="0"/>
+            <a:t>SCOR</a:t>
+          </a:r>
+          <a:r>
+            <a:rPr lang="en-US" sz="2500" kern="1200" baseline="0" dirty="0" smtClean="0"/>
+            <a:t>E, ADVANCE</a:t>
+          </a:r>
+          <a:r>
+            <a:rPr lang="en-US" sz="2500" kern="1200" dirty="0" smtClean="0"/>
+            <a:t> </a:t>
+          </a:r>
+          <a:endParaRPr lang="en-US" sz="2500" kern="1200" dirty="0"/>
+        </a:p>
+      </dsp:txBody>
+      <dsp:txXfrm>
+        <a:off x="7691909" y="36611"/>
+        <a:ext cx="2339941" cy="1134669"/>
+      </dsp:txXfrm>
+    </dsp:sp>
+    <dsp:sp modelId="{E14D251C-00CF-7747-9B2F-6CF23CA9C272}">
+      <dsp:nvSpPr>
+        <dsp:cNvPr id="0" name=""/>
+        <dsp:cNvSpPr/>
+      </dsp:nvSpPr>
+      <dsp:spPr>
+        <a:xfrm rot="2142401">
+          <a:off x="6580780" y="1623278"/>
+          <a:ext cx="1187437" cy="40429"/>
+        </a:xfrm>
+        <a:custGeom>
+          <a:avLst/>
+          <a:gdLst/>
+          <a:ahLst/>
+          <a:cxnLst/>
+          <a:rect l="0" t="0" r="0" b="0"/>
+          <a:pathLst>
+            <a:path>
+              <a:moveTo>
+                <a:pt x="0" y="20214"/>
+              </a:moveTo>
+              <a:lnTo>
+                <a:pt x="1187437" y="20214"/>
+              </a:lnTo>
+            </a:path>
+          </a:pathLst>
+        </a:custGeom>
+        <a:noFill/>
+        <a:ln w="6350" cap="flat" cmpd="sng" algn="ctr">
+          <a:solidFill>
+            <a:schemeClr val="dk2">
+              <a:shade val="80000"/>
+              <a:hueOff val="0"/>
+              <a:satOff val="0"/>
+              <a:lumOff val="0"/>
+              <a:alphaOff val="0"/>
+            </a:schemeClr>
+          </a:solidFill>
+          <a:prstDash val="solid"/>
+          <a:miter lim="800000"/>
+        </a:ln>
+        <a:effectLst/>
+      </dsp:spPr>
+      <dsp:style>
+        <a:lnRef idx="1">
+          <a:scrgbClr r="0" g="0" b="0"/>
+        </a:lnRef>
+        <a:fillRef idx="0">
+          <a:scrgbClr r="0" g="0" b="0"/>
+        </a:fillRef>
+        <a:effectRef idx="0">
+          <a:scrgbClr r="0" g="0" b="0"/>
+        </a:effectRef>
+        <a:fontRef idx="minor"/>
+      </dsp:style>
+      <dsp:txBody>
+        <a:bodyPr spcFirstLastPara="0" vert="horz" wrap="square" lIns="12700" tIns="0" rIns="12700" bIns="0" numCol="1" spcCol="1270" anchor="ctr" anchorCtr="0">
+          <a:noAutofit/>
+        </a:bodyPr>
+        <a:lstStyle/>
+        <a:p>
+          <a:pPr lvl="0" algn="ctr" defTabSz="222250">
+            <a:lnSpc>
+              <a:spcPct val="90000"/>
+            </a:lnSpc>
+            <a:spcBef>
+              <a:spcPct val="0"/>
+            </a:spcBef>
+            <a:spcAft>
+              <a:spcPct val="35000"/>
+            </a:spcAft>
+          </a:pPr>
+          <a:endParaRPr lang="en-US" sz="500" kern="1200"/>
+        </a:p>
+      </dsp:txBody>
+      <dsp:txXfrm>
+        <a:off x="7144813" y="1613807"/>
+        <a:ext cx="59371" cy="59371"/>
+      </dsp:txXfrm>
+    </dsp:sp>
+    <dsp:sp modelId="{E3D88725-216C-5D4A-AACA-BB024DCF16BF}">
+      <dsp:nvSpPr>
+        <dsp:cNvPr id="0" name=""/>
+        <dsp:cNvSpPr/>
+      </dsp:nvSpPr>
+      <dsp:spPr>
+        <a:xfrm>
+          <a:off x="7656608" y="1387372"/>
+          <a:ext cx="2410543" cy="1205271"/>
+        </a:xfrm>
+        <a:prstGeom prst="roundRect">
+          <a:avLst>
+            <a:gd name="adj" fmla="val 10000"/>
+          </a:avLst>
+        </a:prstGeom>
+        <a:gradFill rotWithShape="0">
+          <a:gsLst>
+            <a:gs pos="0">
+              <a:schemeClr val="dk2">
+                <a:hueOff val="0"/>
+                <a:satOff val="0"/>
+                <a:lumOff val="0"/>
+                <a:alphaOff val="0"/>
+                <a:satMod val="103000"/>
+                <a:lumMod val="102000"/>
+                <a:tint val="94000"/>
+              </a:schemeClr>
+            </a:gs>
+            <a:gs pos="50000">
+              <a:schemeClr val="dk2">
+                <a:hueOff val="0"/>
+                <a:satOff val="0"/>
+                <a:lumOff val="0"/>
+                <a:alphaOff val="0"/>
+                <a:satMod val="110000"/>
+                <a:lumMod val="100000"/>
+                <a:shade val="100000"/>
+              </a:schemeClr>
+            </a:gs>
+            <a:gs pos="100000">
+              <a:schemeClr val="dk2">
+                <a:hueOff val="0"/>
+                <a:satOff val="0"/>
+                <a:lumOff val="0"/>
+                <a:alphaOff val="0"/>
+                <a:lumMod val="99000"/>
+                <a:satMod val="120000"/>
+                <a:shade val="78000"/>
+              </a:schemeClr>
+            </a:gs>
+          </a:gsLst>
+          <a:lin ang="5400000" scaled="0"/>
+        </a:gradFill>
+        <a:ln>
+          <a:noFill/>
+        </a:ln>
+        <a:effectLst/>
+      </dsp:spPr>
+      <dsp:style>
+        <a:lnRef idx="0">
+          <a:scrgbClr r="0" g="0" b="0"/>
+        </a:lnRef>
+        <a:fillRef idx="3">
+          <a:scrgbClr r="0" g="0" b="0"/>
+        </a:fillRef>
+        <a:effectRef idx="2">
+          <a:scrgbClr r="0" g="0" b="0"/>
+        </a:effectRef>
+        <a:fontRef idx="minor">
+          <a:schemeClr val="lt1"/>
+        </a:fontRef>
+      </dsp:style>
+      <dsp:txBody>
+        <a:bodyPr spcFirstLastPara="0" vert="horz" wrap="square" lIns="15875" tIns="15875" rIns="15875" bIns="15875" numCol="1" spcCol="1270" anchor="ctr" anchorCtr="0">
+          <a:noAutofit/>
+        </a:bodyPr>
+        <a:lstStyle/>
+        <a:p>
+          <a:pPr lvl="0" algn="ctr" defTabSz="1111250">
+            <a:lnSpc>
+              <a:spcPct val="90000"/>
+            </a:lnSpc>
+            <a:spcBef>
+              <a:spcPct val="0"/>
+            </a:spcBef>
+            <a:spcAft>
+              <a:spcPct val="35000"/>
+            </a:spcAft>
+          </a:pPr>
+          <a:r>
+            <a:rPr lang="en-US" sz="2500" kern="1200" dirty="0" smtClean="0"/>
+            <a:t>ELSE, reset</a:t>
+          </a:r>
+          <a:endParaRPr lang="en-US" sz="2500" kern="1200" dirty="0"/>
+        </a:p>
+      </dsp:txBody>
+      <dsp:txXfrm>
+        <a:off x="7691909" y="1422673"/>
+        <a:ext cx="2339941" cy="1134669"/>
+      </dsp:txXfrm>
+    </dsp:sp>
+    <dsp:sp modelId="{54B60A1D-CD6B-AE46-AC8A-2F8A51C49868}">
+      <dsp:nvSpPr>
+        <dsp:cNvPr id="0" name=""/>
+        <dsp:cNvSpPr/>
+      </dsp:nvSpPr>
+      <dsp:spPr>
+        <a:xfrm rot="1186030">
+          <a:off x="3287442" y="3182598"/>
+          <a:ext cx="1024591" cy="40429"/>
+        </a:xfrm>
+        <a:custGeom>
+          <a:avLst/>
+          <a:gdLst/>
+          <a:ahLst/>
+          <a:cxnLst/>
+          <a:rect l="0" t="0" r="0" b="0"/>
+          <a:pathLst>
+            <a:path>
+              <a:moveTo>
+                <a:pt x="0" y="20214"/>
+              </a:moveTo>
+              <a:lnTo>
+                <a:pt x="1024591" y="20214"/>
+              </a:lnTo>
+            </a:path>
+          </a:pathLst>
+        </a:custGeom>
+        <a:noFill/>
+        <a:ln w="6350" cap="flat" cmpd="sng" algn="ctr">
+          <a:solidFill>
+            <a:schemeClr val="dk2">
+              <a:shade val="60000"/>
+              <a:hueOff val="0"/>
+              <a:satOff val="0"/>
+              <a:lumOff val="0"/>
+              <a:alphaOff val="0"/>
+            </a:schemeClr>
+          </a:solidFill>
+          <a:prstDash val="solid"/>
+          <a:miter lim="800000"/>
+        </a:ln>
+        <a:effectLst/>
+      </dsp:spPr>
+      <dsp:style>
+        <a:lnRef idx="1">
+          <a:scrgbClr r="0" g="0" b="0"/>
+        </a:lnRef>
+        <a:fillRef idx="0">
+          <a:scrgbClr r="0" g="0" b="0"/>
+        </a:fillRef>
+        <a:effectRef idx="0">
+          <a:scrgbClr r="0" g="0" b="0"/>
+        </a:effectRef>
+        <a:fontRef idx="minor"/>
+      </dsp:style>
+      <dsp:txBody>
+        <a:bodyPr spcFirstLastPara="0" vert="horz" wrap="square" lIns="12700" tIns="0" rIns="12700" bIns="0" numCol="1" spcCol="1270" anchor="ctr" anchorCtr="0">
+          <a:noAutofit/>
+        </a:bodyPr>
+        <a:lstStyle/>
+        <a:p>
+          <a:pPr lvl="0" algn="ctr" defTabSz="222250">
+            <a:lnSpc>
+              <a:spcPct val="90000"/>
+            </a:lnSpc>
+            <a:spcBef>
+              <a:spcPct val="0"/>
+            </a:spcBef>
+            <a:spcAft>
+              <a:spcPct val="35000"/>
+            </a:spcAft>
+          </a:pPr>
+          <a:endParaRPr lang="en-US" sz="500" kern="1200"/>
+        </a:p>
+      </dsp:txBody>
+      <dsp:txXfrm>
+        <a:off x="3774123" y="3177198"/>
+        <a:ext cx="51229" cy="51229"/>
+      </dsp:txXfrm>
+    </dsp:sp>
+    <dsp:sp modelId="{BE645681-3098-CF47-B3B8-7136AC50305E}">
+      <dsp:nvSpPr>
+        <dsp:cNvPr id="0" name=""/>
+        <dsp:cNvSpPr/>
+      </dsp:nvSpPr>
+      <dsp:spPr>
+        <a:xfrm>
+          <a:off x="4281847" y="2773435"/>
+          <a:ext cx="2410543" cy="1205271"/>
+        </a:xfrm>
+        <a:prstGeom prst="roundRect">
+          <a:avLst>
+            <a:gd name="adj" fmla="val 10000"/>
+          </a:avLst>
+        </a:prstGeom>
+        <a:gradFill rotWithShape="0">
+          <a:gsLst>
+            <a:gs pos="0">
+              <a:schemeClr val="dk2">
+                <a:hueOff val="0"/>
+                <a:satOff val="0"/>
+                <a:lumOff val="0"/>
+                <a:alphaOff val="0"/>
+                <a:satMod val="103000"/>
+                <a:lumMod val="102000"/>
+                <a:tint val="94000"/>
+              </a:schemeClr>
+            </a:gs>
+            <a:gs pos="50000">
+              <a:schemeClr val="dk2">
+                <a:hueOff val="0"/>
+                <a:satOff val="0"/>
+                <a:lumOff val="0"/>
+                <a:alphaOff val="0"/>
+                <a:satMod val="110000"/>
+                <a:lumMod val="100000"/>
+                <a:shade val="100000"/>
+              </a:schemeClr>
+            </a:gs>
+            <a:gs pos="100000">
+              <a:schemeClr val="dk2">
+                <a:hueOff val="0"/>
+                <a:satOff val="0"/>
+                <a:lumOff val="0"/>
+                <a:alphaOff val="0"/>
+                <a:lumMod val="99000"/>
+                <a:satMod val="120000"/>
+                <a:shade val="78000"/>
+              </a:schemeClr>
+            </a:gs>
+          </a:gsLst>
+          <a:lin ang="5400000" scaled="0"/>
+        </a:gradFill>
+        <a:ln>
+          <a:noFill/>
+        </a:ln>
+        <a:effectLst/>
+      </dsp:spPr>
+      <dsp:style>
+        <a:lnRef idx="0">
+          <a:scrgbClr r="0" g="0" b="0"/>
+        </a:lnRef>
+        <a:fillRef idx="3">
+          <a:scrgbClr r="0" g="0" b="0"/>
+        </a:fillRef>
+        <a:effectRef idx="2">
+          <a:scrgbClr r="0" g="0" b="0"/>
+        </a:effectRef>
+        <a:fontRef idx="minor">
+          <a:schemeClr val="lt1"/>
+        </a:fontRef>
+      </dsp:style>
+      <dsp:txBody>
+        <a:bodyPr spcFirstLastPara="0" vert="horz" wrap="square" lIns="15875" tIns="15875" rIns="15875" bIns="15875" numCol="1" spcCol="1270" anchor="ctr" anchorCtr="0">
+          <a:noAutofit/>
+        </a:bodyPr>
+        <a:lstStyle/>
+        <a:p>
+          <a:pPr lvl="0" algn="ctr" defTabSz="1111250">
+            <a:lnSpc>
+              <a:spcPct val="90000"/>
+            </a:lnSpc>
+            <a:spcBef>
+              <a:spcPct val="0"/>
+            </a:spcBef>
+            <a:spcAft>
+              <a:spcPct val="35000"/>
+            </a:spcAft>
+          </a:pPr>
+          <a:r>
+            <a:rPr lang="en-US" sz="2500" kern="1200" dirty="0" smtClean="0"/>
+            <a:t>'d': dumping</a:t>
+          </a:r>
+          <a:endParaRPr lang="en-US" sz="2500" kern="1200" dirty="0"/>
+        </a:p>
+      </dsp:txBody>
+      <dsp:txXfrm>
+        <a:off x="4317148" y="2808736"/>
+        <a:ext cx="2339941" cy="1134669"/>
+      </dsp:txXfrm>
+    </dsp:sp>
+    <dsp:sp modelId="{DA11DCD8-3760-204E-811D-797971806BC2}">
+      <dsp:nvSpPr>
+        <dsp:cNvPr id="0" name=""/>
+        <dsp:cNvSpPr/>
+      </dsp:nvSpPr>
+      <dsp:spPr>
+        <a:xfrm>
+          <a:off x="6692390" y="3355856"/>
+          <a:ext cx="964217" cy="40429"/>
+        </a:xfrm>
+        <a:custGeom>
+          <a:avLst/>
+          <a:gdLst/>
+          <a:ahLst/>
+          <a:cxnLst/>
+          <a:rect l="0" t="0" r="0" b="0"/>
+          <a:pathLst>
+            <a:path>
+              <a:moveTo>
+                <a:pt x="0" y="20214"/>
+              </a:moveTo>
+              <a:lnTo>
+                <a:pt x="964217" y="20214"/>
+              </a:lnTo>
+            </a:path>
+          </a:pathLst>
+        </a:custGeom>
+        <a:noFill/>
+        <a:ln w="6350" cap="flat" cmpd="sng" algn="ctr">
+          <a:solidFill>
+            <a:schemeClr val="dk2">
+              <a:shade val="80000"/>
+              <a:hueOff val="0"/>
+              <a:satOff val="0"/>
+              <a:lumOff val="0"/>
+              <a:alphaOff val="0"/>
+            </a:schemeClr>
+          </a:solidFill>
+          <a:prstDash val="solid"/>
+          <a:miter lim="800000"/>
+        </a:ln>
+        <a:effectLst/>
+      </dsp:spPr>
+      <dsp:style>
+        <a:lnRef idx="1">
+          <a:scrgbClr r="0" g="0" b="0"/>
+        </a:lnRef>
+        <a:fillRef idx="0">
+          <a:scrgbClr r="0" g="0" b="0"/>
+        </a:fillRef>
+        <a:effectRef idx="0">
+          <a:scrgbClr r="0" g="0" b="0"/>
+        </a:effectRef>
+        <a:fontRef idx="minor"/>
+      </dsp:style>
+      <dsp:txBody>
+        <a:bodyPr spcFirstLastPara="0" vert="horz" wrap="square" lIns="12700" tIns="0" rIns="12700" bIns="0" numCol="1" spcCol="1270" anchor="ctr" anchorCtr="0">
+          <a:noAutofit/>
+        </a:bodyPr>
+        <a:lstStyle/>
+        <a:p>
+          <a:pPr lvl="0" algn="ctr" defTabSz="222250">
+            <a:lnSpc>
+              <a:spcPct val="90000"/>
+            </a:lnSpc>
+            <a:spcBef>
+              <a:spcPct val="0"/>
+            </a:spcBef>
+            <a:spcAft>
+              <a:spcPct val="35000"/>
+            </a:spcAft>
+          </a:pPr>
+          <a:endParaRPr lang="en-US" sz="500" kern="1200"/>
+        </a:p>
+      </dsp:txBody>
+      <dsp:txXfrm>
+        <a:off x="7150394" y="3351965"/>
+        <a:ext cx="48210" cy="48210"/>
+      </dsp:txXfrm>
+    </dsp:sp>
+    <dsp:sp modelId="{FB3D1869-FDC3-8941-AD3E-189D80064941}">
+      <dsp:nvSpPr>
+        <dsp:cNvPr id="0" name=""/>
+        <dsp:cNvSpPr/>
+      </dsp:nvSpPr>
+      <dsp:spPr>
+        <a:xfrm>
+          <a:off x="7656608" y="2773435"/>
+          <a:ext cx="2410543" cy="1205271"/>
+        </a:xfrm>
+        <a:prstGeom prst="roundRect">
+          <a:avLst>
+            <a:gd name="adj" fmla="val 10000"/>
+          </a:avLst>
+        </a:prstGeom>
+        <a:gradFill rotWithShape="0">
+          <a:gsLst>
+            <a:gs pos="0">
+              <a:schemeClr val="dk2">
+                <a:hueOff val="0"/>
+                <a:satOff val="0"/>
+                <a:lumOff val="0"/>
+                <a:alphaOff val="0"/>
+                <a:satMod val="103000"/>
+                <a:lumMod val="102000"/>
+                <a:tint val="94000"/>
+              </a:schemeClr>
+            </a:gs>
+            <a:gs pos="50000">
+              <a:schemeClr val="dk2">
+                <a:hueOff val="0"/>
+                <a:satOff val="0"/>
+                <a:lumOff val="0"/>
+                <a:alphaOff val="0"/>
+                <a:satMod val="110000"/>
+                <a:lumMod val="100000"/>
+                <a:shade val="100000"/>
+              </a:schemeClr>
+            </a:gs>
+            <a:gs pos="100000">
+              <a:schemeClr val="dk2">
+                <a:hueOff val="0"/>
+                <a:satOff val="0"/>
+                <a:lumOff val="0"/>
+                <a:alphaOff val="0"/>
+                <a:lumMod val="99000"/>
+                <a:satMod val="120000"/>
+                <a:shade val="78000"/>
+              </a:schemeClr>
+            </a:gs>
+          </a:gsLst>
+          <a:lin ang="5400000" scaled="0"/>
+        </a:gradFill>
+        <a:ln>
+          <a:noFill/>
+        </a:ln>
+        <a:effectLst/>
+      </dsp:spPr>
+      <dsp:style>
+        <a:lnRef idx="0">
+          <a:scrgbClr r="0" g="0" b="0"/>
+        </a:lnRef>
+        <a:fillRef idx="3">
+          <a:scrgbClr r="0" g="0" b="0"/>
+        </a:fillRef>
+        <a:effectRef idx="2">
+          <a:scrgbClr r="0" g="0" b="0"/>
+        </a:effectRef>
+        <a:fontRef idx="minor">
+          <a:schemeClr val="lt1"/>
+        </a:fontRef>
+      </dsp:style>
+      <dsp:txBody>
+        <a:bodyPr spcFirstLastPara="0" vert="horz" wrap="square" lIns="15875" tIns="15875" rIns="15875" bIns="15875" numCol="1" spcCol="1270" anchor="ctr" anchorCtr="0">
+          <a:noAutofit/>
+        </a:bodyPr>
+        <a:lstStyle/>
+        <a:p>
+          <a:pPr lvl="0" algn="ctr" defTabSz="1111250">
+            <a:lnSpc>
+              <a:spcPct val="90000"/>
+            </a:lnSpc>
+            <a:spcBef>
+              <a:spcPct val="0"/>
+            </a:spcBef>
+            <a:spcAft>
+              <a:spcPct val="35000"/>
+            </a:spcAft>
+          </a:pPr>
+          <a:r>
+            <a:rPr lang="en-US" sz="2500" kern="1200" dirty="0" smtClean="0"/>
+            <a:t>ADVANCE</a:t>
+          </a:r>
+          <a:endParaRPr lang="en-US" sz="2500" kern="1200" dirty="0"/>
+        </a:p>
+      </dsp:txBody>
+      <dsp:txXfrm>
+        <a:off x="7691909" y="2808736"/>
+        <a:ext cx="2339941" cy="1134669"/>
+      </dsp:txXfrm>
+    </dsp:sp>
+    <dsp:sp modelId="{D16F5D25-2B91-C143-8EB3-50EE502CF83A}">
+      <dsp:nvSpPr>
+        <dsp:cNvPr id="0" name=""/>
+        <dsp:cNvSpPr/>
+      </dsp:nvSpPr>
+      <dsp:spPr>
+        <a:xfrm rot="3654187">
+          <a:off x="2808332" y="3875629"/>
+          <a:ext cx="1982811" cy="40429"/>
+        </a:xfrm>
+        <a:custGeom>
+          <a:avLst/>
+          <a:gdLst/>
+          <a:ahLst/>
+          <a:cxnLst/>
+          <a:rect l="0" t="0" r="0" b="0"/>
+          <a:pathLst>
+            <a:path>
+              <a:moveTo>
+                <a:pt x="0" y="20214"/>
+              </a:moveTo>
+              <a:lnTo>
+                <a:pt x="1982811" y="20214"/>
+              </a:lnTo>
+            </a:path>
+          </a:pathLst>
+        </a:custGeom>
+        <a:noFill/>
+        <a:ln w="6350" cap="flat" cmpd="sng" algn="ctr">
+          <a:solidFill>
+            <a:schemeClr val="dk2">
+              <a:shade val="60000"/>
+              <a:hueOff val="0"/>
+              <a:satOff val="0"/>
+              <a:lumOff val="0"/>
+              <a:alphaOff val="0"/>
+            </a:schemeClr>
+          </a:solidFill>
+          <a:prstDash val="solid"/>
+          <a:miter lim="800000"/>
+        </a:ln>
+        <a:effectLst/>
+      </dsp:spPr>
+      <dsp:style>
+        <a:lnRef idx="1">
+          <a:scrgbClr r="0" g="0" b="0"/>
+        </a:lnRef>
+        <a:fillRef idx="0">
+          <a:scrgbClr r="0" g="0" b="0"/>
+        </a:fillRef>
+        <a:effectRef idx="0">
+          <a:scrgbClr r="0" g="0" b="0"/>
+        </a:effectRef>
+        <a:fontRef idx="minor"/>
+      </dsp:style>
+      <dsp:txBody>
+        <a:bodyPr spcFirstLastPara="0" vert="horz" wrap="square" lIns="12700" tIns="0" rIns="12700" bIns="0" numCol="1" spcCol="1270" anchor="ctr" anchorCtr="0">
+          <a:noAutofit/>
+        </a:bodyPr>
+        <a:lstStyle/>
+        <a:p>
+          <a:pPr lvl="0" algn="ctr" defTabSz="311150">
+            <a:lnSpc>
+              <a:spcPct val="90000"/>
+            </a:lnSpc>
+            <a:spcBef>
+              <a:spcPct val="0"/>
+            </a:spcBef>
+            <a:spcAft>
+              <a:spcPct val="35000"/>
+            </a:spcAft>
+          </a:pPr>
+          <a:endParaRPr lang="en-US" sz="700" kern="1200"/>
+        </a:p>
+      </dsp:txBody>
+      <dsp:txXfrm>
+        <a:off x="3750168" y="3846274"/>
+        <a:ext cx="99140" cy="99140"/>
+      </dsp:txXfrm>
+    </dsp:sp>
+    <dsp:sp modelId="{9056B607-8920-4540-993D-CC823FF954D7}">
+      <dsp:nvSpPr>
+        <dsp:cNvPr id="0" name=""/>
+        <dsp:cNvSpPr/>
+      </dsp:nvSpPr>
+      <dsp:spPr>
+        <a:xfrm>
+          <a:off x="4281847" y="4159498"/>
+          <a:ext cx="2410543" cy="1205271"/>
+        </a:xfrm>
+        <a:prstGeom prst="roundRect">
+          <a:avLst>
+            <a:gd name="adj" fmla="val 10000"/>
+          </a:avLst>
+        </a:prstGeom>
+        <a:gradFill rotWithShape="0">
+          <a:gsLst>
+            <a:gs pos="0">
+              <a:schemeClr val="dk2">
+                <a:hueOff val="0"/>
+                <a:satOff val="0"/>
+                <a:lumOff val="0"/>
+                <a:alphaOff val="0"/>
+                <a:satMod val="103000"/>
+                <a:lumMod val="102000"/>
+                <a:tint val="94000"/>
+              </a:schemeClr>
+            </a:gs>
+            <a:gs pos="50000">
+              <a:schemeClr val="dk2">
+                <a:hueOff val="0"/>
+                <a:satOff val="0"/>
+                <a:lumOff val="0"/>
+                <a:alphaOff val="0"/>
+                <a:satMod val="110000"/>
+                <a:lumMod val="100000"/>
+                <a:shade val="100000"/>
+              </a:schemeClr>
+            </a:gs>
+            <a:gs pos="100000">
+              <a:schemeClr val="dk2">
+                <a:hueOff val="0"/>
+                <a:satOff val="0"/>
+                <a:lumOff val="0"/>
+                <a:alphaOff val="0"/>
+                <a:lumMod val="99000"/>
+                <a:satMod val="120000"/>
+                <a:shade val="78000"/>
+              </a:schemeClr>
+            </a:gs>
+          </a:gsLst>
+          <a:lin ang="5400000" scaled="0"/>
+        </a:gradFill>
+        <a:ln>
+          <a:noFill/>
+        </a:ln>
+        <a:effectLst/>
+      </dsp:spPr>
+      <dsp:style>
+        <a:lnRef idx="0">
+          <a:scrgbClr r="0" g="0" b="0"/>
+        </a:lnRef>
+        <a:fillRef idx="3">
+          <a:scrgbClr r="0" g="0" b="0"/>
+        </a:fillRef>
+        <a:effectRef idx="2">
+          <a:scrgbClr r="0" g="0" b="0"/>
+        </a:effectRef>
+        <a:fontRef idx="minor">
+          <a:schemeClr val="lt1"/>
+        </a:fontRef>
+      </dsp:style>
+      <dsp:txBody>
+        <a:bodyPr spcFirstLastPara="0" vert="horz" wrap="square" lIns="15875" tIns="15875" rIns="15875" bIns="15875" numCol="1" spcCol="1270" anchor="ctr" anchorCtr="0">
+          <a:noAutofit/>
+        </a:bodyPr>
+        <a:lstStyle/>
+        <a:p>
+          <a:pPr lvl="0" algn="ctr" defTabSz="1111250">
+            <a:lnSpc>
+              <a:spcPct val="90000"/>
+            </a:lnSpc>
+            <a:spcBef>
+              <a:spcPct val="0"/>
+            </a:spcBef>
+            <a:spcAft>
+              <a:spcPct val="35000"/>
+            </a:spcAft>
+          </a:pPr>
+          <a:r>
+            <a:rPr lang="en-US" sz="2500" kern="1200" dirty="0" smtClean="0"/>
+            <a:t>'p': pass</a:t>
+          </a:r>
+          <a:endParaRPr lang="en-US" sz="2500" kern="1200" dirty="0"/>
+        </a:p>
+      </dsp:txBody>
+      <dsp:txXfrm>
+        <a:off x="4317148" y="4194799"/>
+        <a:ext cx="2339941" cy="1134669"/>
+      </dsp:txXfrm>
+    </dsp:sp>
+    <dsp:sp modelId="{751ACA4A-DE6D-9A4E-B64E-6D4E2FC03EDD}">
+      <dsp:nvSpPr>
+        <dsp:cNvPr id="0" name=""/>
+        <dsp:cNvSpPr/>
+      </dsp:nvSpPr>
+      <dsp:spPr>
+        <a:xfrm>
+          <a:off x="6692390" y="4741919"/>
+          <a:ext cx="964217" cy="40429"/>
+        </a:xfrm>
+        <a:custGeom>
+          <a:avLst/>
+          <a:gdLst/>
+          <a:ahLst/>
+          <a:cxnLst/>
+          <a:rect l="0" t="0" r="0" b="0"/>
+          <a:pathLst>
+            <a:path>
+              <a:moveTo>
+                <a:pt x="0" y="20214"/>
+              </a:moveTo>
+              <a:lnTo>
+                <a:pt x="964217" y="20214"/>
+              </a:lnTo>
+            </a:path>
+          </a:pathLst>
+        </a:custGeom>
+        <a:noFill/>
+        <a:ln w="6350" cap="flat" cmpd="sng" algn="ctr">
+          <a:solidFill>
+            <a:schemeClr val="dk2">
+              <a:shade val="80000"/>
+              <a:hueOff val="0"/>
+              <a:satOff val="0"/>
+              <a:lumOff val="0"/>
+              <a:alphaOff val="0"/>
+            </a:schemeClr>
+          </a:solidFill>
+          <a:prstDash val="solid"/>
+          <a:miter lim="800000"/>
+        </a:ln>
+        <a:effectLst/>
+      </dsp:spPr>
+      <dsp:style>
+        <a:lnRef idx="1">
+          <a:scrgbClr r="0" g="0" b="0"/>
+        </a:lnRef>
+        <a:fillRef idx="0">
+          <a:scrgbClr r="0" g="0" b="0"/>
+        </a:fillRef>
+        <a:effectRef idx="0">
+          <a:scrgbClr r="0" g="0" b="0"/>
+        </a:effectRef>
+        <a:fontRef idx="minor"/>
+      </dsp:style>
+      <dsp:txBody>
+        <a:bodyPr spcFirstLastPara="0" vert="horz" wrap="square" lIns="12700" tIns="0" rIns="12700" bIns="0" numCol="1" spcCol="1270" anchor="ctr" anchorCtr="0">
+          <a:noAutofit/>
+        </a:bodyPr>
+        <a:lstStyle/>
+        <a:p>
+          <a:pPr lvl="0" algn="ctr" defTabSz="222250">
+            <a:lnSpc>
+              <a:spcPct val="90000"/>
+            </a:lnSpc>
+            <a:spcBef>
+              <a:spcPct val="0"/>
+            </a:spcBef>
+            <a:spcAft>
+              <a:spcPct val="35000"/>
+            </a:spcAft>
+          </a:pPr>
+          <a:endParaRPr lang="en-US" sz="500" kern="1200"/>
+        </a:p>
+      </dsp:txBody>
+      <dsp:txXfrm>
+        <a:off x="7150394" y="4738028"/>
+        <a:ext cx="48210" cy="48210"/>
+      </dsp:txXfrm>
+    </dsp:sp>
+    <dsp:sp modelId="{463E4E44-8642-C048-909F-1593637B9C20}">
+      <dsp:nvSpPr>
+        <dsp:cNvPr id="0" name=""/>
+        <dsp:cNvSpPr/>
+      </dsp:nvSpPr>
+      <dsp:spPr>
+        <a:xfrm>
+          <a:off x="7656608" y="4159498"/>
+          <a:ext cx="2410543" cy="1205271"/>
+        </a:xfrm>
+        <a:prstGeom prst="roundRect">
+          <a:avLst>
+            <a:gd name="adj" fmla="val 10000"/>
+          </a:avLst>
+        </a:prstGeom>
+        <a:gradFill rotWithShape="0">
+          <a:gsLst>
+            <a:gs pos="0">
+              <a:schemeClr val="dk2">
+                <a:hueOff val="0"/>
+                <a:satOff val="0"/>
+                <a:lumOff val="0"/>
+                <a:alphaOff val="0"/>
+                <a:satMod val="103000"/>
+                <a:lumMod val="102000"/>
+                <a:tint val="94000"/>
+              </a:schemeClr>
+            </a:gs>
+            <a:gs pos="50000">
+              <a:schemeClr val="dk2">
+                <a:hueOff val="0"/>
+                <a:satOff val="0"/>
+                <a:lumOff val="0"/>
+                <a:alphaOff val="0"/>
+                <a:satMod val="110000"/>
+                <a:lumMod val="100000"/>
+                <a:shade val="100000"/>
+              </a:schemeClr>
+            </a:gs>
+            <a:gs pos="100000">
+              <a:schemeClr val="dk2">
+                <a:hueOff val="0"/>
+                <a:satOff val="0"/>
+                <a:lumOff val="0"/>
+                <a:alphaOff val="0"/>
+                <a:lumMod val="99000"/>
+                <a:satMod val="120000"/>
+                <a:shade val="78000"/>
+              </a:schemeClr>
+            </a:gs>
+          </a:gsLst>
+          <a:lin ang="5400000" scaled="0"/>
+        </a:gradFill>
+        <a:ln>
+          <a:noFill/>
+        </a:ln>
+        <a:effectLst/>
+      </dsp:spPr>
+      <dsp:style>
+        <a:lnRef idx="0">
+          <a:scrgbClr r="0" g="0" b="0"/>
+        </a:lnRef>
+        <a:fillRef idx="3">
+          <a:scrgbClr r="0" g="0" b="0"/>
+        </a:fillRef>
+        <a:effectRef idx="2">
+          <a:scrgbClr r="0" g="0" b="0"/>
+        </a:effectRef>
+        <a:fontRef idx="minor">
+          <a:schemeClr val="lt1"/>
+        </a:fontRef>
+      </dsp:style>
+      <dsp:txBody>
+        <a:bodyPr spcFirstLastPara="0" vert="horz" wrap="square" lIns="15875" tIns="15875" rIns="15875" bIns="15875" numCol="1" spcCol="1270" anchor="ctr" anchorCtr="0">
+          <a:noAutofit/>
+        </a:bodyPr>
+        <a:lstStyle/>
+        <a:p>
+          <a:pPr lvl="0" algn="ctr" defTabSz="1111250">
+            <a:lnSpc>
+              <a:spcPct val="90000"/>
+            </a:lnSpc>
+            <a:spcBef>
+              <a:spcPct val="0"/>
+            </a:spcBef>
+            <a:spcAft>
+              <a:spcPct val="35000"/>
+            </a:spcAft>
+          </a:pPr>
+          <a:r>
+            <a:rPr lang="en-US" sz="2500" kern="1200" dirty="0" smtClean="0"/>
+            <a:t>ADVANCE</a:t>
+          </a:r>
+          <a:endParaRPr lang="en-US" sz="2500" kern="1200" dirty="0"/>
+        </a:p>
+      </dsp:txBody>
+      <dsp:txXfrm>
+        <a:off x="7691909" y="4194799"/>
+        <a:ext cx="2339941" cy="1134669"/>
+      </dsp:txXfrm>
+    </dsp:sp>
+  </dsp:spTree>
+</dsp:drawing>
+</file>
+
+<file path=ppt/diagrams/layout1.xml><?xml version="1.0" encoding="utf-8"?>
+<dgm:layoutDef xmlns:dgm="http://schemas.openxmlformats.org/drawingml/2006/diagram" xmlns:a="http://schemas.openxmlformats.org/drawingml/2006/main" uniqueId="urn:microsoft.com/office/officeart/2005/8/layout/hierarchy2">
+  <dgm:title val=""/>
+  <dgm:desc val=""/>
+  <dgm:catLst>
+    <dgm:cat type="hierarchy" pri="5000"/>
+  </dgm:catLst>
+  <dgm:sampData>
+    <dgm:dataModel>
+      <dgm:ptLst>
+        <dgm:pt modelId="0" type="doc"/>
+        <dgm:pt modelId="1">
+          <dgm:prSet phldr="1"/>
+        </dgm:pt>
+        <dgm:pt modelId="2">
+          <dgm:prSet phldr="1"/>
+        </dgm:pt>
+        <dgm:pt modelId="21">
+          <dgm:prSet phldr="1"/>
+        </dgm:pt>
+        <dgm:pt modelId="22">
+          <dgm:prSet phldr="1"/>
+        </dgm:pt>
+        <dgm:pt modelId="3">
+          <dgm:prSet phldr="1"/>
+        </dgm:pt>
+        <dgm:pt modelId="31">
+          <dgm:prSet phldr="1"/>
+        </dgm:pt>
+      </dgm:ptLst>
+      <dgm:cxnLst>
+        <dgm:cxn modelId="4" srcId="0" destId="1" srcOrd="0" destOrd="0"/>
+        <dgm:cxn modelId="5" srcId="1" destId="2" srcOrd="0" destOrd="0"/>
+        <dgm:cxn modelId="6" srcId="1" destId="3" srcOrd="1" destOrd="0"/>
+        <dgm:cxn modelId="23" srcId="2" destId="21" srcOrd="0" destOrd="0"/>
+        <dgm:cxn modelId="24" srcId="2" destId="22" srcOrd="1" destOrd="0"/>
+        <dgm:cxn modelId="33" srcId="3" destId="31" srcOrd="0" destOrd="0"/>
+      </dgm:cxnLst>
+      <dgm:bg/>
+      <dgm:whole/>
+    </dgm:dataModel>
+  </dgm:sampData>
+  <dgm:styleData>
+    <dgm:dataModel>
+      <dgm:ptLst>
+        <dgm:pt modelId="0" type="doc"/>
+        <dgm:pt modelId="1"/>
+        <dgm:pt modelId="11"/>
+        <dgm:pt modelId="12"/>
+      </dgm:ptLst>
+      <dgm:cxnLst>
+        <dgm:cxn modelId="2" srcId="0" destId="1" srcOrd="0" destOrd="0"/>
+        <dgm:cxn modelId="13" srcId="1" destId="11" srcOrd="0" destOrd="0"/>
+        <dgm:cxn modelId="14" srcId="1" destId="12" srcOrd="1" destOrd="0"/>
+      </dgm:cxnLst>
+      <dgm:bg/>
+      <dgm:whole/>
+    </dgm:dataModel>
+  </dgm:styleData>
+  <dgm:clrData>
+    <dgm:dataModel>
+      <dgm:ptLst>
+        <dgm:pt modelId="0" type="doc"/>
+        <dgm:pt modelId="1"/>
+        <dgm:pt modelId="2"/>
+        <dgm:pt modelId="21"/>
+        <dgm:pt modelId="211"/>
+        <dgm:pt modelId="3"/>
+        <dgm:pt modelId="31"/>
+        <dgm:pt modelId="311"/>
+      </dgm:ptLst>
+      <dgm:cxnLst>
+        <dgm:cxn modelId="4" srcId="0" destId="1" srcOrd="0" destOrd="0"/>
+        <dgm:cxn modelId="5" srcId="1" destId="2" srcOrd="0" destOrd="0"/>
+        <dgm:cxn modelId="6" srcId="1" destId="3" srcOrd="1" destOrd="0"/>
+        <dgm:cxn modelId="23" srcId="2" destId="21" srcOrd="0" destOrd="0"/>
+        <dgm:cxn modelId="24" srcId="21" destId="211" srcOrd="0" destOrd="0"/>
+        <dgm:cxn modelId="33" srcId="3" destId="31" srcOrd="0" destOrd="0"/>
+        <dgm:cxn modelId="34" srcId="31" destId="311" srcOrd="0" destOrd="0"/>
+      </dgm:cxnLst>
+      <dgm:bg/>
+      <dgm:whole/>
+    </dgm:dataModel>
+  </dgm:clrData>
+  <dgm:layoutNode name="diagram">
+    <dgm:varLst>
+      <dgm:chPref val="1"/>
+      <dgm:dir/>
+      <dgm:animOne val="branch"/>
+      <dgm:animLvl val="lvl"/>
+      <dgm:resizeHandles val="exact"/>
+    </dgm:varLst>
+    <dgm:choose name="Name0">
+      <dgm:if name="Name1" func="var" arg="dir" op="equ" val="norm">
+        <dgm:alg type="hierChild">
+          <dgm:param type="linDir" val="fromT"/>
+          <dgm:param type="chAlign" val="l"/>
+        </dgm:alg>
+      </dgm:if>
+      <dgm:else name="Name2">
+        <dgm:alg type="hierChild">
+          <dgm:param type="linDir" val="fromT"/>
+          <dgm:param type="chAlign" val="r"/>
+        </dgm:alg>
+      </dgm:else>
+    </dgm:choose>
+    <dgm:shape xmlns:r="http://schemas.openxmlformats.org/officeDocument/2006/relationships" r:blip="">
+      <dgm:adjLst/>
+    </dgm:shape>
+    <dgm:presOf/>
+    <dgm:constrLst>
+      <dgm:constr type="h" for="des" ptType="node" refType="h"/>
+      <dgm:constr type="w" for="des" ptType="node" refType="h" refFor="des" refPtType="node" fact="2"/>
+      <dgm:constr type="sibSp" refType="h" refFor="des" refPtType="node" op="equ" fact="0.15"/>
+      <dgm:constr type="sibSp" for="des" forName="level2hierChild" refType="h" refFor="des" refPtType="node" op="equ" fact="0.15"/>
+      <dgm:constr type="sibSp" for="des" forName="level3hierChild" refType="h" refFor="des" refPtType="node" op="equ" fact="0.15"/>
+      <dgm:constr type="sp" for="des" forName="root1" refType="w" refFor="des" refPtType="node" fact="0.4"/>
+      <dgm:constr type="sp" for="des" forName="root2" refType="sp" refFor="des" refForName="root1" op="equ"/>
+      <dgm:constr type="primFontSz" for="des" ptType="node" op="equ" val="65"/>
+      <dgm:constr type="primFontSz" for="des" forName="connTx" op="equ" val="55"/>
+      <dgm:constr type="primFontSz" for="des" forName="connTx" refType="primFontSz" refFor="des" refPtType="node" op="lte" fact="0.8"/>
+    </dgm:constrLst>
+    <dgm:ruleLst/>
+    <dgm:forEach name="Name3" axis="ch">
+      <dgm:forEach name="Name4" axis="self" ptType="node">
+        <dgm:layoutNode name="root1">
+          <dgm:choose name="Name5">
+            <dgm:if name="Name6" func="var" arg="dir" op="equ" val="norm">
+              <dgm:alg type="hierRoot">
+                <dgm:param type="hierAlign" val="lCtrCh"/>
+              </dgm:alg>
+            </dgm:if>
+            <dgm:else name="Name7">
+              <dgm:alg type="hierRoot">
+                <dgm:param type="hierAlign" val="rCtrCh"/>
+              </dgm:alg>
+            </dgm:else>
+          </dgm:choose>
+          <dgm:shape xmlns:r="http://schemas.openxmlformats.org/officeDocument/2006/relationships" r:blip="">
+            <dgm:adjLst/>
+          </dgm:shape>
+          <dgm:presOf/>
+          <dgm:constrLst/>
+          <dgm:ruleLst/>
+          <dgm:layoutNode name="LevelOneTextNode" styleLbl="node0">
+            <dgm:varLst>
+              <dgm:chPref val="3"/>
+            </dgm:varLst>
+            <dgm:alg type="tx"/>
+            <dgm:shape xmlns:r="http://schemas.openxmlformats.org/officeDocument/2006/relationships" type="roundRect" r:blip="">
+              <dgm:adjLst>
+                <dgm:adj idx="1" val="0.1"/>
+              </dgm:adjLst>
+            </dgm:shape>
+            <dgm:presOf axis="self"/>
+            <dgm:constrLst>
+              <dgm:constr type="tMarg" refType="primFontSz" fact="0.05"/>
+              <dgm:constr type="bMarg" refType="primFontSz" fact="0.05"/>
+              <dgm:constr type="lMarg" refType="primFontSz" fact="0.05"/>
+              <dgm:constr type="rMarg" refType="primFontSz" fact="0.05"/>
+            </dgm:constrLst>
+            <dgm:ruleLst>
+              <dgm:rule type="primFontSz" val="5" fact="NaN" max="NaN"/>
+            </dgm:ruleLst>
+          </dgm:layoutNode>
+          <dgm:layoutNode name="level2hierChild">
+            <dgm:choose name="Name8">
+              <dgm:if name="Name9" func="var" arg="dir" op="equ" val="norm">
+                <dgm:alg type="hierChild">
+                  <dgm:param type="linDir" val="fromT"/>
+                  <dgm:param type="chAlign" val="l"/>
+                </dgm:alg>
+              </dgm:if>
+              <dgm:else name="Name10">
+                <dgm:alg type="hierChild">
+                  <dgm:param type="linDir" val="fromT"/>
+                  <dgm:param type="chAlign" val="r"/>
+                </dgm:alg>
+              </dgm:else>
+            </dgm:choose>
+            <dgm:shape xmlns:r="http://schemas.openxmlformats.org/officeDocument/2006/relationships" r:blip="">
+              <dgm:adjLst/>
+            </dgm:shape>
+            <dgm:presOf/>
+            <dgm:constrLst/>
+            <dgm:ruleLst/>
+            <dgm:forEach name="repeat" axis="ch">
+              <dgm:forEach name="Name11" axis="self" ptType="parTrans" cnt="1">
+                <dgm:layoutNode name="conn2-1">
+                  <dgm:choose name="Name12">
+                    <dgm:if name="Name13" func="var" arg="dir" op="equ" val="norm">
+                      <dgm:alg type="conn">
+                        <dgm:param type="dim" val="1D"/>
+                        <dgm:param type="begPts" val="midR"/>
+                        <dgm:param type="endPts" val="midL"/>
+                        <dgm:param type="endSty" val="noArr"/>
+                      </dgm:alg>
+                    </dgm:if>
+                    <dgm:else name="Name14">
+                      <dgm:alg type="conn">
+                        <dgm:param type="dim" val="1D"/>
+                        <dgm:param type="begPts" val="midL"/>
+                        <dgm:param type="endPts" val="midR"/>
+                        <dgm:param type="endSty" val="noArr"/>
+                      </dgm:alg>
+                    </dgm:else>
+                  </dgm:choose>
+                  <dgm:shape xmlns:r="http://schemas.openxmlformats.org/officeDocument/2006/relationships" type="conn" r:blip="">
+                    <dgm:adjLst/>
+                  </dgm:shape>
+                  <dgm:presOf axis="self"/>
+                  <dgm:constrLst>
+                    <dgm:constr type="w" val="1"/>
+                    <dgm:constr type="h" val="5"/>
+                    <dgm:constr type="connDist"/>
+                    <dgm:constr type="begPad"/>
+                    <dgm:constr type="endPad"/>
+                    <dgm:constr type="userA" for="ch" refType="connDist"/>
+                  </dgm:constrLst>
+                  <dgm:ruleLst/>
+                  <dgm:layoutNode name="connTx">
+                    <dgm:alg type="tx">
+                      <dgm:param type="autoTxRot" val="grav"/>
+                    </dgm:alg>
+                    <dgm:shape xmlns:r="http://schemas.openxmlformats.org/officeDocument/2006/relationships" type="rect" r:blip="" hideGeom="1">
+                      <dgm:adjLst/>
+                    </dgm:shape>
+                    <dgm:presOf axis="self"/>
+                    <dgm:constrLst>
+                      <dgm:constr type="userA"/>
+                      <dgm:constr type="w" refType="userA" fact="0.05"/>
+                      <dgm:constr type="h" refType="userA" fact="0.05"/>
+                      <dgm:constr type="lMarg" val="1"/>
+                      <dgm:constr type="rMarg" val="1"/>
+                      <dgm:constr type="tMarg"/>
+                      <dgm:constr type="bMarg"/>
+                    </dgm:constrLst>
+                    <dgm:ruleLst>
+                      <dgm:rule type="h" val="NaN" fact="0.25" max="NaN"/>
+                      <dgm:rule type="w" val="NaN" fact="0.8" max="NaN"/>
+                      <dgm:rule type="primFontSz" val="5" fact="NaN" max="NaN"/>
+                    </dgm:ruleLst>
+                  </dgm:layoutNode>
+                </dgm:layoutNode>
+              </dgm:forEach>
+              <dgm:forEach name="Name15" axis="self" ptType="node">
+                <dgm:layoutNode name="root2">
+                  <dgm:choose name="Name16">
+                    <dgm:if name="Name17" func="var" arg="dir" op="equ" val="norm">
+                      <dgm:alg type="hierRoot">
+                        <dgm:param type="hierAlign" val="lCtrCh"/>
+                      </dgm:alg>
+                    </dgm:if>
+                    <dgm:else name="Name18">
+                      <dgm:alg type="hierRoot">
+                        <dgm:param type="hierAlign" val="rCtrCh"/>
+                      </dgm:alg>
+                    </dgm:else>
+                  </dgm:choose>
+                  <dgm:shape xmlns:r="http://schemas.openxmlformats.org/officeDocument/2006/relationships" r:blip="">
+                    <dgm:adjLst/>
+                  </dgm:shape>
+                  <dgm:presOf/>
+                  <dgm:constrLst/>
+                  <dgm:ruleLst/>
+                  <dgm:layoutNode name="LevelTwoTextNode">
+                    <dgm:varLst>
+                      <dgm:chPref val="3"/>
+                    </dgm:varLst>
+                    <dgm:alg type="tx"/>
+                    <dgm:shape xmlns:r="http://schemas.openxmlformats.org/officeDocument/2006/relationships" type="roundRect" r:blip="">
+                      <dgm:adjLst>
+                        <dgm:adj idx="1" val="0.1"/>
+                      </dgm:adjLst>
+                    </dgm:shape>
+                    <dgm:presOf axis="self"/>
+                    <dgm:constrLst>
+                      <dgm:constr type="tMarg" refType="primFontSz" fact="0.05"/>
+                      <dgm:constr type="bMarg" refType="primFontSz" fact="0.05"/>
+                      <dgm:constr type="lMarg" refType="primFontSz" fact="0.05"/>
+                      <dgm:constr type="rMarg" refType="primFontSz" fact="0.05"/>
+                    </dgm:constrLst>
+                    <dgm:ruleLst>
+                      <dgm:rule type="primFontSz" val="5" fact="NaN" max="NaN"/>
+                    </dgm:ruleLst>
+                  </dgm:layoutNode>
+                  <dgm:layoutNode name="level3hierChild">
+                    <dgm:choose name="Name19">
+                      <dgm:if name="Name20" func="var" arg="dir" op="equ" val="norm">
+                        <dgm:alg type="hierChild">
+                          <dgm:param type="linDir" val="fromT"/>
+                          <dgm:param type="chAlign" val="l"/>
+                        </dgm:alg>
+                      </dgm:if>
+                      <dgm:else name="Name21">
+                        <dgm:alg type="hierChild">
+                          <dgm:param type="linDir" val="fromT"/>
+                          <dgm:param type="chAlign" val="r"/>
+                        </dgm:alg>
+                      </dgm:else>
+                    </dgm:choose>
+                    <dgm:shape xmlns:r="http://schemas.openxmlformats.org/officeDocument/2006/relationships" r:blip="">
+                      <dgm:adjLst/>
+                    </dgm:shape>
+                    <dgm:presOf/>
+                    <dgm:constrLst/>
+                    <dgm:ruleLst/>
+                    <dgm:forEach name="Name22" ref="repeat"/>
+                  </dgm:layoutNode>
+                </dgm:layoutNode>
+              </dgm:forEach>
+            </dgm:forEach>
+          </dgm:layoutNode>
+        </dgm:layoutNode>
+      </dgm:forEach>
+    </dgm:forEach>
+  </dgm:layoutNode>
+</dgm:layoutDef>
+</file>
+
+<file path=ppt/diagrams/quickStyle1.xml><?xml version="1.0" encoding="utf-8"?>
+<dgm:styleDef xmlns:dgm="http://schemas.openxmlformats.org/drawingml/2006/diagram" xmlns:a="http://schemas.openxmlformats.org/drawingml/2006/main" uniqueId="urn:microsoft.com/office/officeart/2005/8/quickstyle/simple4">
+  <dgm:title val=""/>
+  <dgm:desc val=""/>
+  <dgm:catLst>
+    <dgm:cat type="simple" pri="10400"/>
+  </dgm:catLst>
+  <dgm:scene3d>
+    <a:camera prst="orthographicFront"/>
+    <a:lightRig rig="threePt" dir="t"/>
+  </dgm:scene3d>
+  <dgm:styleLbl name="node0">
+    <dgm:scene3d>
+      <a:camera prst="orthographicFront"/>
+      <a:lightRig rig="threePt" dir="t"/>
+    </dgm:scene3d>
+    <dgm:sp3d/>
+    <dgm:txPr/>
+    <dgm:style>
+      <a:lnRef idx="0">
+        <a:scrgbClr r="0" g="0" b="0"/>
+      </a:lnRef>
+      <a:fillRef idx="3">
+        <a:scrgbClr r="0" g="0" b="0"/>
+      </a:fillRef>
+      <a:effectRef idx="2">
+        <a:scrgbClr r="0" g="0" b="0"/>
+      </a:effectRef>
+      <a:fontRef idx="minor">
+        <a:schemeClr val="lt1"/>
+      </a:fontRef>
+    </dgm:style>
+  </dgm:styleLbl>
+  <dgm:styleLbl name="lnNode1">
+    <dgm:scene3d>
+      <a:camera prst="orthographicFront"/>
+      <a:lightRig rig="threePt" dir="t"/>
+    </dgm:scene3d>
+    <dgm:sp3d/>
+    <dgm:txPr/>
+    <dgm:style>
+      <a:lnRef idx="1">
+        <a:scrgbClr r="0" g="0" b="0"/>
+      </a:lnRef>
+      <a:fillRef idx="3">
+        <a:scrgbClr r="0" g="0" b="0"/>
+      </a:fillRef>
+      <a:effectRef idx="2">
+        <a:scrgbClr r="0" g="0" b="0"/>
+      </a:effectRef>
+      <a:fontRef idx="minor">
+        <a:schemeClr val="lt1"/>
+      </a:fontRef>
+    </dgm:style>
+  </dgm:styleLbl>
+  <dgm:styleLbl name="vennNode1">
+    <dgm:scene3d>
+      <a:camera prst="orthographicFront"/>
+      <a:lightRig rig="threePt" dir="t"/>
+    </dgm:scene3d>
+    <dgm:sp3d/>
+    <dgm:txPr/>
+    <dgm:style>
+      <a:lnRef idx="0">
+        <a:scrgbClr r="0" g="0" b="0"/>
+      </a:lnRef>
+      <a:fillRef idx="3">
+        <a:scrgbClr r="0" g="0" b="0"/>
+      </a:fillRef>
+      <a:effectRef idx="0">
+        <a:scrgbClr r="0" g="0" b="0"/>
+      </a:effectRef>
+      <a:fontRef idx="minor">
+        <a:schemeClr val="tx1"/>
+      </a:fontRef>
+    </dgm:style>
+  </dgm:styleLbl>
+  <dgm:styleLbl name="alignNode1">
+    <dgm:scene3d>
+      <a:camera prst="orthographicFront"/>
+      <a:lightRig rig="threePt" dir="t"/>
+    </dgm:scene3d>
+    <dgm:sp3d/>
+    <dgm:txPr/>
+    <dgm:style>
+      <a:lnRef idx="1">
+        <a:scrgbClr r="0" g="0" b="0"/>
+      </a:lnRef>
+      <a:fillRef idx="3">
+        <a:scrgbClr r="0" g="0" b="0"/>
+      </a:fillRef>
+      <a:effectRef idx="2">
+        <a:scrgbClr r="0" g="0" b="0"/>
+      </a:effectRef>
+      <a:fontRef idx="minor">
+        <a:schemeClr val="lt1"/>
+      </a:fontRef>
+    </dgm:style>
+  </dgm:styleLbl>
+  <dgm:styleLbl name="node1">
+    <dgm:scene3d>
+      <a:camera prst="orthographicFront"/>
+      <a:lightRig rig="threePt" dir="t"/>
+    </dgm:scene3d>
+    <dgm:sp3d/>
+    <dgm:txPr/>
+    <dgm:style>
+      <a:lnRef idx="0">
+        <a:scrgbClr r="0" g="0" b="0"/>
+      </a:lnRef>
+      <a:fillRef idx="3">
+        <a:scrgbClr r="0" g="0" b="0"/>
+      </a:fillRef>
+      <a:effectRef idx="2">
+        <a:scrgbClr r="0" g="0" b="0"/>
+      </a:effectRef>
+      <a:fontRef idx="minor">
+        <a:schemeClr val="lt1"/>
+      </a:fontRef>
+    </dgm:style>
+  </dgm:styleLbl>
+  <dgm:styleLbl name="node2">
+    <dgm:scene3d>
+      <a:camera prst="orthographicFront"/>
+      <a:lightRig rig="threePt" dir="t"/>
+    </dgm:scene3d>
+    <dgm:sp3d/>
+    <dgm:txPr/>
+    <dgm:style>
+      <a:lnRef idx="0">
+        <a:scrgbClr r="0" g="0" b="0"/>
+      </a:lnRef>
+      <a:fillRef idx="3">
+        <a:scrgbClr r="0" g="0" b="0"/>
+      </a:fillRef>
+      <a:effectRef idx="2">
+        <a:scrgbClr r="0" g="0" b="0"/>
+      </a:effectRef>
+      <a:fontRef idx="minor">
+        <a:schemeClr val="lt1"/>
+      </a:fontRef>
+    </dgm:style>
+  </dgm:styleLbl>
+  <dgm:styleLbl name="node3">
+    <dgm:scene3d>
+      <a:camera prst="orthographicFront"/>
+      <a:lightRig rig="threePt" dir="t"/>
+    </dgm:scene3d>
+    <dgm:sp3d/>
+    <dgm:txPr/>
+    <dgm:style>
+      <a:lnRef idx="0">
+        <a:scrgbClr r="0" g="0" b="0"/>
+      </a:lnRef>
+      <a:fillRef idx="3">
+        <a:scrgbClr r="0" g="0" b="0"/>
+      </a:fillRef>
+      <a:effectRef idx="2">
+        <a:scrgbClr r="0" g="0" b="0"/>
+      </a:effectRef>
+      <a:fontRef idx="minor">
+        <a:schemeClr val="lt1"/>
+      </a:fontRef>
+    </dgm:style>
+  </dgm:styleLbl>
+  <dgm:styleLbl name="node4">
+    <dgm:scene3d>
+      <a:camera prst="orthographicFront"/>
+      <a:lightRig rig="threePt" dir="t"/>
+    </dgm:scene3d>
+    <dgm:sp3d/>
+    <dgm:txPr/>
+    <dgm:style>
+      <a:lnRef idx="0">
+        <a:scrgbClr r="0" g="0" b="0"/>
+      </a:lnRef>
+      <a:fillRef idx="3">
+        <a:scrgbClr r="0" g="0" b="0"/>
+      </a:fillRef>
+      <a:effectRef idx="2">
+        <a:scrgbClr r="0" g="0" b="0"/>
+      </a:effectRef>
+      <a:fontRef idx="minor">
+        <a:schemeClr val="lt1"/>
+      </a:fontRef>
+    </dgm:style>
+  </dgm:styleLbl>
+  <dgm:styleLbl name="fgImgPlace1">
+    <dgm:scene3d>
+      <a:camera prst="orthographicFront"/>
+      <a:lightRig rig="threePt" dir="t"/>
+    </dgm:scene3d>
+    <dgm:sp3d/>
+    <dgm:txPr/>
+    <dgm:style>
+      <a:lnRef idx="0">
+        <a:scrgbClr r="0" g="0" b="0"/>
+      </a:lnRef>
+      <a:fillRef idx="1">
+        <a:scrgbClr r="0" g="0" b="0"/>
+      </a:fillRef>
+      <a:effectRef idx="2">
+        <a:scrgbClr r="0" g="0" b="0"/>
+      </a:effectRef>
+      <a:fontRef idx="minor"/>
+    </dgm:style>
+  </dgm:styleLbl>
+  <dgm:styleLbl name="alignImgPlace1">
+    <dgm:scene3d>
+      <a:camera prst="orthographicFront"/>
+      <a:lightRig rig="threePt" dir="t"/>
+    </dgm:scene3d>
+    <dgm:sp3d/>
+    <dgm:txPr/>
+    <dgm:style>
+      <a:lnRef idx="0">
+        <a:scrgbClr r="0" g="0" b="0"/>
+      </a:lnRef>
+      <a:fillRef idx="1">
+        <a:scrgbClr r="0" g="0" b="0"/>
+      </a:fillRef>
+      <a:effectRef idx="2">
+        <a:scrgbClr r="0" g="0" b="0"/>
+      </a:effectRef>
+      <a:fontRef idx="minor"/>
+    </dgm:style>
+  </dgm:styleLbl>
+  <dgm:styleLbl name="bgImgPlace1">
+    <dgm:scene3d>
+      <a:camera prst="orthographicFront"/>
+      <a:lightRig rig="threePt" dir="t"/>
+    </dgm:scene3d>
+    <dgm:sp3d/>
+    <dgm:txPr/>
+    <dgm:style>
+      <a:lnRef idx="0">
+        <a:scrgbClr r="0" g="0" b="0"/>
+      </a:lnRef>
+      <a:fillRef idx="1">
+        <a:scrgbClr r="0" g="0" b="0"/>
+      </a:fillRef>
+      <a:effectRef idx="2">
+        <a:scrgbClr r="0" g="0" b="0"/>
+      </a:effectRef>
+      <a:fontRef idx="minor"/>
+    </dgm:style>
+  </dgm:styleLbl>
+  <dgm:styleLbl name="sibTrans2D1">
+    <dgm:scene3d>
+      <a:camera prst="orthographicFront"/>
+      <a:lightRig rig="threePt" dir="t"/>
+    </dgm:scene3d>
+    <dgm:sp3d/>
+    <dgm:txPr/>
+    <dgm:style>
+      <a:lnRef idx="0">
+        <a:scrgbClr r="0" g="0" b="0"/>
+      </a:lnRef>
+      <a:fillRef idx="3">
+        <a:scrgbClr r="0" g="0" b="0"/>
+      </a:fillRef>
+      <a:effectRef idx="2">
+        <a:scrgbClr r="0" g="0" b="0"/>
+      </a:effectRef>
+      <a:fontRef idx="minor">
+        <a:schemeClr val="lt1"/>
+      </a:fontRef>
+    </dgm:style>
+  </dgm:styleLbl>
+  <dgm:styleLbl name="fgSibTrans2D1">
+    <dgm:scene3d>
+      <a:camera prst="orthographicFront"/>
+      <a:lightRig rig="threePt" dir="t"/>
+    </dgm:scene3d>
+    <dgm:sp3d/>
+    <dgm:txPr/>
+    <dgm:style>
+      <a:lnRef idx="0">
+        <a:scrgbClr r="0" g="0" b="0"/>
+      </a:lnRef>
+      <a:fillRef idx="3">
+        <a:scrgbClr r="0" g="0" b="0"/>
+      </a:fillRef>
+      <a:effectRef idx="2">
+        <a:scrgbClr r="0" g="0" b="0"/>
+      </a:effectRef>
+      <a:fontRef idx="minor">
+        <a:schemeClr val="lt1"/>
+      </a:fontRef>
+    </dgm:style>
+  </dgm:styleLbl>
+  <dgm:styleLbl name="bgSibTrans2D1">
+    <dgm:scene3d>
+      <a:camera prst="orthographicFront"/>
+      <a:lightRig rig="threePt" dir="t"/>
+    </dgm:scene3d>
+    <dgm:sp3d/>
+    <dgm:txPr/>
+    <dgm:style>
+      <a:lnRef idx="0">
+        <a:scrgbClr r="0" g="0" b="0"/>
+      </a:lnRef>
+      <a:fillRef idx="3">
+        <a:scrgbClr r="0" g="0" b="0"/>
+      </a:fillRef>
+      <a:effectRef idx="2">
+        <a:scrgbClr r="0" g="0" b="0"/>
+      </a:effectRef>
+      <a:fontRef idx="minor">
+        <a:schemeClr val="lt1"/>
+      </a:fontRef>
+    </dgm:style>
+  </dgm:styleLbl>
+  <dgm:styleLbl name="sibTrans1D1">
+    <dgm:scene3d>
+      <a:camera prst="orthographicFront"/>
+      <a:lightRig rig="threePt" dir="t"/>
+    </dgm:scene3d>
+    <dgm:sp3d/>
+    <dgm:txPr/>
+    <dgm:style>
+      <a:lnRef idx="1">
+        <a:scrgbClr r="0" g="0" b="0"/>
+      </a:lnRef>
+      <a:fillRef idx="0">
+        <a:scrgbClr r="0" g="0" b="0"/>
+      </a:fillRef>
+      <a:effectRef idx="0">
+        <a:scrgbClr r="0" g="0" b="0"/>
+      </a:effectRef>
+      <a:fontRef idx="minor"/>
+    </dgm:style>
+  </dgm:styleLbl>
+  <dgm:styleLbl name="callout">
+    <dgm:scene3d>
+      <a:camera prst="orthographicFront"/>
+      <a:lightRig rig="threePt" dir="t"/>
+    </dgm:scene3d>
+    <dgm:sp3d/>
+    <dgm:txPr/>
+    <dgm:style>
+      <a:lnRef idx="2">
+        <a:scrgbClr r="0" g="0" b="0"/>
+      </a:lnRef>
+      <a:fillRef idx="1">
+        <a:scrgbClr r="0" g="0" b="0"/>
+      </a:fillRef>
+      <a:effectRef idx="1">
+        <a:scrgbClr r="0" g="0" b="0"/>
+      </a:effectRef>
+      <a:fontRef idx="minor"/>
+    </dgm:style>
+  </dgm:styleLbl>
+  <dgm:styleLbl name="asst0">
+    <dgm:scene3d>
+      <a:camera prst="orthographicFront"/>
+      <a:lightRig rig="threePt" dir="t"/>
+    </dgm:scene3d>
+    <dgm:sp3d/>
+    <dgm:txPr/>
+    <dgm:style>
+      <a:lnRef idx="0">
+        <a:scrgbClr r="0" g="0" b="0"/>
+      </a:lnRef>
+      <a:fillRef idx="3">
+        <a:scrgbClr r="0" g="0" b="0"/>
+      </a:fillRef>
+      <a:effectRef idx="2">
+        <a:scrgbClr r="0" g="0" b="0"/>
+      </a:effectRef>
+      <a:fontRef idx="minor">
+        <a:schemeClr val="lt1"/>
+      </a:fontRef>
+    </dgm:style>
+  </dgm:styleLbl>
+  <dgm:styleLbl name="asst1">
+    <dgm:scene3d>
+      <a:camera prst="orthographicFront"/>
+      <a:lightRig rig="threePt" dir="t"/>
+    </dgm:scene3d>
+    <dgm:sp3d/>
+    <dgm:txPr/>
+    <dgm:style>
+      <a:lnRef idx="0">
+        <a:scrgbClr r="0" g="0" b="0"/>
+      </a:lnRef>
+      <a:fillRef idx="3">
+        <a:scrgbClr r="0" g="0" b="0"/>
+      </a:fillRef>
+      <a:effectRef idx="2">
+        <a:scrgbClr r="0" g="0" b="0"/>
+      </a:effectRef>
+      <a:fontRef idx="minor">
+        <a:schemeClr val="lt1"/>
+      </a:fontRef>
+    </dgm:style>
+  </dgm:styleLbl>
+  <dgm:styleLbl name="asst2">
+    <dgm:scene3d>
+      <a:camera prst="orthographicFront"/>
+      <a:lightRig rig="threePt" dir="t"/>
+    </dgm:scene3d>
+    <dgm:sp3d/>
+    <dgm:txPr/>
+    <dgm:style>
+      <a:lnRef idx="0">
+        <a:scrgbClr r="0" g="0" b="0"/>
+      </a:lnRef>
+      <a:fillRef idx="3">
+        <a:scrgbClr r="0" g="0" b="0"/>
+      </a:fillRef>
+      <a:effectRef idx="2">
+        <a:scrgbClr r="0" g="0" b="0"/>
+      </a:effectRef>
+      <a:fontRef idx="minor">
+        <a:schemeClr val="lt1"/>
+      </a:fontRef>
+    </dgm:style>
+  </dgm:styleLbl>
+  <dgm:styleLbl name="asst3">
+    <dgm:scene3d>
+      <a:camera prst="orthographicFront"/>
+      <a:lightRig rig="threePt" dir="t"/>
+    </dgm:scene3d>
+    <dgm:sp3d/>
+    <dgm:txPr/>
+    <dgm:style>
+      <a:lnRef idx="0">
+        <a:scrgbClr r="0" g="0" b="0"/>
+      </a:lnRef>
+      <a:fillRef idx="3">
+        <a:scrgbClr r="0" g="0" b="0"/>
+      </a:fillRef>
+      <a:effectRef idx="2">
+        <a:scrgbClr r="0" g="0" b="0"/>
+      </a:effectRef>
+      <a:fontRef idx="minor">
+        <a:schemeClr val="lt1"/>
+      </a:fontRef>
+    </dgm:style>
+  </dgm:styleLbl>
+  <dgm:styleLbl name="asst4">
+    <dgm:scene3d>
+      <a:camera prst="orthographicFront"/>
+      <a:lightRig rig="threePt" dir="t"/>
+    </dgm:scene3d>
+    <dgm:sp3d/>
+    <dgm:txPr/>
+    <dgm:style>
+      <a:lnRef idx="0">
+        <a:scrgbClr r="0" g="0" b="0"/>
+      </a:lnRef>
+      <a:fillRef idx="3">
+        <a:scrgbClr r="0" g="0" b="0"/>
+      </a:fillRef>
+      <a:effectRef idx="2">
+        <a:scrgbClr r="0" g="0" b="0"/>
+      </a:effectRef>
+      <a:fontRef idx="minor">
+        <a:schemeClr val="lt1"/>
+      </a:fontRef>
+    </dgm:style>
+  </dgm:styleLbl>
+  <dgm:styleLbl name="parChTrans2D1">
+    <dgm:scene3d>
+      <a:camera prst="orthographicFront"/>
+      <a:lightRig rig="threePt" dir="t"/>
+    </dgm:scene3d>
+    <dgm:sp3d/>
+    <dgm:txPr/>
+    <dgm:style>
+      <a:lnRef idx="0">
+        <a:scrgbClr r="0" g="0" b="0"/>
+      </a:lnRef>
+      <a:fillRef idx="3">
+        <a:scrgbClr r="0" g="0" b="0"/>
+      </a:fillRef>
+      <a:effectRef idx="2">
+        <a:scrgbClr r="0" g="0" b="0"/>
+      </a:effectRef>
+      <a:fontRef idx="minor">
+        <a:schemeClr val="lt1"/>
+      </a:fontRef>
+    </dgm:style>
+  </dgm:styleLbl>
+  <dgm:styleLbl name="parChTrans2D2">
+    <dgm:scene3d>
+      <a:camera prst="orthographicFront"/>
+      <a:lightRig rig="threePt" dir="t"/>
+    </dgm:scene3d>
+    <dgm:sp3d/>
+    <dgm:txPr/>
+    <dgm:style>
+      <a:lnRef idx="0">
+        <a:scrgbClr r="0" g="0" b="0"/>
+      </a:lnRef>
+      <a:fillRef idx="3">
+        <a:scrgbClr r="0" g="0" b="0"/>
+      </a:fillRef>
+      <a:effectRef idx="2">
+        <a:scrgbClr r="0" g="0" b="0"/>
+      </a:effectRef>
+      <a:fontRef idx="minor">
+        <a:schemeClr val="lt1"/>
+      </a:fontRef>
+    </dgm:style>
+  </dgm:styleLbl>
+  <dgm:styleLbl name="parChTrans2D3">
+    <dgm:scene3d>
+      <a:camera prst="orthographicFront"/>
+      <a:lightRig rig="threePt" dir="t"/>
+    </dgm:scene3d>
+    <dgm:sp3d/>
+    <dgm:txPr/>
+    <dgm:style>
+      <a:lnRef idx="1">
+        <a:scrgbClr r="0" g="0" b="0"/>
+      </a:lnRef>
+      <a:fillRef idx="3">
+        <a:scrgbClr r="0" g="0" b="0"/>
+      </a:fillRef>
+      <a:effectRef idx="2">
+        <a:scrgbClr r="0" g="0" b="0"/>
+      </a:effectRef>
+      <a:fontRef idx="minor">
+        <a:schemeClr val="lt1"/>
+      </a:fontRef>
+    </dgm:style>
+  </dgm:styleLbl>
+  <dgm:styleLbl name="parChTrans2D4">
+    <dgm:scene3d>
+      <a:camera prst="orthographicFront"/>
+      <a:lightRig rig="threePt" dir="t"/>
+    </dgm:scene3d>
+    <dgm:sp3d/>
+    <dgm:txPr/>
+    <dgm:style>
+      <a:lnRef idx="1">
+        <a:scrgbClr r="0" g="0" b="0"/>
+      </a:lnRef>
+      <a:fillRef idx="3">
+        <a:scrgbClr r="0" g="0" b="0"/>
+      </a:fillRef>
+      <a:effectRef idx="2">
+        <a:scrgbClr r="0" g="0" b="0"/>
+      </a:effectRef>
+      <a:fontRef idx="minor">
+        <a:schemeClr val="lt1"/>
+      </a:fontRef>
+    </dgm:style>
+  </dgm:styleLbl>
+  <dgm:styleLbl name="parChTrans1D1">
+    <dgm:scene3d>
+      <a:camera prst="orthographicFront"/>
+      <a:lightRig rig="threePt" dir="t"/>
+    </dgm:scene3d>
+    <dgm:sp3d/>
+    <dgm:txPr/>
+    <dgm:style>
+      <a:lnRef idx="1">
+        <a:scrgbClr r="0" g="0" b="0"/>
+      </a:lnRef>
+      <a:fillRef idx="0">
+        <a:scrgbClr r="0" g="0" b="0"/>
+      </a:fillRef>
+      <a:effectRef idx="0">
+        <a:scrgbClr r="0" g="0" b="0"/>
+      </a:effectRef>
+      <a:fontRef idx="minor"/>
+    </dgm:style>
+  </dgm:styleLbl>
+  <dgm:styleLbl name="parChTrans1D2">
+    <dgm:scene3d>
+      <a:camera prst="orthographicFront"/>
+      <a:lightRig rig="threePt" dir="t"/>
+    </dgm:scene3d>
+    <dgm:sp3d/>
+    <dgm:txPr/>
+    <dgm:style>
+      <a:lnRef idx="1">
+        <a:scrgbClr r="0" g="0" b="0"/>
+      </a:lnRef>
+      <a:fillRef idx="0">
+        <a:scrgbClr r="0" g="0" b="0"/>
+      </a:fillRef>
+      <a:effectRef idx="0">
+        <a:scrgbClr r="0" g="0" b="0"/>
+      </a:effectRef>
+      <a:fontRef idx="minor"/>
+    </dgm:style>
+  </dgm:styleLbl>
+  <dgm:styleLbl name="parChTrans1D3">
+    <dgm:scene3d>
+      <a:camera prst="orthographicFront"/>
+      <a:lightRig rig="threePt" dir="t"/>
+    </dgm:scene3d>
+    <dgm:sp3d/>
+    <dgm:txPr/>
+    <dgm:style>
+      <a:lnRef idx="1">
+        <a:scrgbClr r="0" g="0" b="0"/>
+      </a:lnRef>
+      <a:fillRef idx="0">
+        <a:scrgbClr r="0" g="0" b="0"/>
+      </a:fillRef>
+      <a:effectRef idx="0">
+        <a:scrgbClr r="0" g="0" b="0"/>
+      </a:effectRef>
+      <a:fontRef idx="minor"/>
+    </dgm:style>
+  </dgm:styleLbl>
+  <dgm:styleLbl name="parChTrans1D4">
+    <dgm:scene3d>
+      <a:camera prst="orthographicFront"/>
+      <a:lightRig rig="threePt" dir="t"/>
+    </dgm:scene3d>
+    <dgm:sp3d/>
+    <dgm:txPr/>
+    <dgm:style>
+      <a:lnRef idx="1">
+        <a:scrgbClr r="0" g="0" b="0"/>
+      </a:lnRef>
+      <a:fillRef idx="0">
+        <a:scrgbClr r="0" g="0" b="0"/>
+      </a:fillRef>
+      <a:effectRef idx="0">
+        <a:scrgbClr r="0" g="0" b="0"/>
+      </a:effectRef>
+      <a:fontRef idx="minor"/>
+    </dgm:style>
+  </dgm:styleLbl>
+  <dgm:styleLbl name="fgAcc1">
+    <dgm:scene3d>
+      <a:camera prst="orthographicFront"/>
+      <a:lightRig rig="threePt" dir="t"/>
+    </dgm:scene3d>
+    <dgm:sp3d/>
+    <dgm:txPr/>
+    <dgm:style>
+      <a:lnRef idx="1">
+        <a:scrgbClr r="0" g="0" b="0"/>
+      </a:lnRef>
+      <a:fillRef idx="1">
+        <a:scrgbClr r="0" g="0" b="0"/>
+      </a:fillRef>
+      <a:effectRef idx="0">
+        <a:scrgbClr r="0" g="0" b="0"/>
+      </a:effectRef>
+      <a:fontRef idx="minor"/>
+    </dgm:style>
+  </dgm:styleLbl>
+  <dgm:styleLbl name="conFgAcc1">
+    <dgm:scene3d>
+      <a:camera prst="orthographicFront"/>
+      <a:lightRig rig="threePt" dir="t"/>
+    </dgm:scene3d>
+    <dgm:sp3d/>
+    <dgm:txPr/>
+    <dgm:style>
+      <a:lnRef idx="1">
+        <a:scrgbClr r="0" g="0" b="0"/>
+      </a:lnRef>
+      <a:fillRef idx="1">
+        <a:scrgbClr r="0" g="0" b="0"/>
+      </a:fillRef>
+      <a:effectRef idx="0">
+        <a:scrgbClr r="0" g="0" b="0"/>
+      </a:effectRef>
+      <a:fontRef idx="minor"/>
+    </dgm:style>
+  </dgm:styleLbl>
+  <dgm:styleLbl name="alignAcc1">
+    <dgm:scene3d>
+      <a:camera prst="orthographicFront"/>
+      <a:lightRig rig="threePt" dir="t"/>
+    </dgm:scene3d>
+    <dgm:sp3d/>
+    <dgm:txPr/>
+    <dgm:style>
+      <a:lnRef idx="1">
+        <a:scrgbClr r="0" g="0" b="0"/>
+      </a:lnRef>
+      <a:fillRef idx="1">
+        <a:scrgbClr r="0" g="0" b="0"/>
+      </a:fillRef>
+      <a:effectRef idx="0">
+        <a:scrgbClr r="0" g="0" b="0"/>
+      </a:effectRef>
+      <a:fontRef idx="minor"/>
+    </dgm:style>
+  </dgm:styleLbl>
+  <dgm:styleLbl name="trAlignAcc1">
+    <dgm:scene3d>
+      <a:camera prst="orthographicFront"/>
+      <a:lightRig rig="threePt" dir="t"/>
+    </dgm:scene3d>
+    <dgm:sp3d/>
+    <dgm:txPr/>
+    <dgm:style>
+      <a:lnRef idx="1">
+        <a:scrgbClr r="0" g="0" b="0"/>
+      </a:lnRef>
+      <a:fillRef idx="1">
+        <a:scrgbClr r="0" g="0" b="0"/>
+      </a:fillRef>
+      <a:effectRef idx="0">
+        <a:scrgbClr r="0" g="0" b="0"/>
+      </a:effectRef>
+      <a:fontRef idx="minor"/>
+    </dgm:style>
+  </dgm:styleLbl>
+  <dgm:styleLbl name="bgAcc1">
+    <dgm:scene3d>
+      <a:camera prst="orthographicFront"/>
+      <a:lightRig rig="threePt" dir="t"/>
+    </dgm:scene3d>
+    <dgm:sp3d/>
+    <dgm:txPr/>
+    <dgm:style>
+      <a:lnRef idx="1">
+        <a:scrgbClr r="0" g="0" b="0"/>
+      </a:lnRef>
+      <a:fillRef idx="1">
+        <a:scrgbClr r="0" g="0" b="0"/>
+      </a:fillRef>
+      <a:effectRef idx="0">
+        <a:scrgbClr r="0" g="0" b="0"/>
+      </a:effectRef>
+      <a:fontRef idx="minor"/>
+    </dgm:style>
+  </dgm:styleLbl>
+  <dgm:styleLbl name="solidFgAcc1">
+    <dgm:scene3d>
+      <a:camera prst="orthographicFront"/>
+      <a:lightRig rig="threePt" dir="t"/>
+    </dgm:scene3d>
+    <dgm:sp3d/>
+    <dgm:txPr/>
+    <dgm:style>
+      <a:lnRef idx="1">
+        <a:scrgbClr r="0" g="0" b="0"/>
+      </a:lnRef>
+      <a:fillRef idx="1">
+        <a:scrgbClr r="0" g="0" b="0"/>
+      </a:fillRef>
+      <a:effectRef idx="0">
+        <a:scrgbClr r="0" g="0" b="0"/>
+      </a:effectRef>
+      <a:fontRef idx="minor"/>
+    </dgm:style>
+  </dgm:styleLbl>
+  <dgm:styleLbl name="solidAlignAcc1">
+    <dgm:scene3d>
+      <a:camera prst="orthographicFront"/>
+      <a:lightRig rig="threePt" dir="t"/>
+    </dgm:scene3d>
+    <dgm:sp3d/>
+    <dgm:txPr/>
+    <dgm:style>
+      <a:lnRef idx="1">
+        <a:scrgbClr r="0" g="0" b="0"/>
+      </a:lnRef>
+      <a:fillRef idx="1">
+        <a:scrgbClr r="0" g="0" b="0"/>
+      </a:fillRef>
+      <a:effectRef idx="0">
+        <a:scrgbClr r="0" g="0" b="0"/>
+      </a:effectRef>
+      <a:fontRef idx="minor"/>
+    </dgm:style>
+  </dgm:styleLbl>
+  <dgm:styleLbl name="solidBgAcc1">
+    <dgm:scene3d>
+      <a:camera prst="orthographicFront"/>
+      <a:lightRig rig="threePt" dir="t"/>
+    </dgm:scene3d>
+    <dgm:sp3d/>
+    <dgm:txPr/>
+    <dgm:style>
+      <a:lnRef idx="1">
+        <a:scrgbClr r="0" g="0" b="0"/>
+      </a:lnRef>
+      <a:fillRef idx="1">
+        <a:scrgbClr r="0" g="0" b="0"/>
+      </a:fillRef>
+      <a:effectRef idx="0">
+        <a:scrgbClr r="0" g="0" b="0"/>
+      </a:effectRef>
+      <a:fontRef idx="minor"/>
+    </dgm:style>
+  </dgm:styleLbl>
+  <dgm:styleLbl name="fgAccFollowNode1">
+    <dgm:scene3d>
+      <a:camera prst="orthographicFront"/>
+      <a:lightRig rig="threePt" dir="t"/>
+    </dgm:scene3d>
+    <dgm:sp3d/>
+    <dgm:txPr/>
+    <dgm:style>
+      <a:lnRef idx="1">
+        <a:scrgbClr r="0" g="0" b="0"/>
+      </a:lnRef>
+      <a:fillRef idx="1">
+        <a:scrgbClr r="0" g="0" b="0"/>
+      </a:fillRef>
+      <a:effectRef idx="0">
+        <a:scrgbClr r="0" g="0" b="0"/>
+      </a:effectRef>
+      <a:fontRef idx="minor"/>
+    </dgm:style>
+  </dgm:styleLbl>
+  <dgm:styleLbl name="alignAccFollowNode1">
+    <dgm:scene3d>
+      <a:camera prst="orthographicFront"/>
+      <a:lightRig rig="threePt" dir="t"/>
+    </dgm:scene3d>
+    <dgm:sp3d/>
+    <dgm:txPr/>
+    <dgm:style>
+      <a:lnRef idx="1">
+        <a:scrgbClr r="0" g="0" b="0"/>
+      </a:lnRef>
+      <a:fillRef idx="1">
+        <a:scrgbClr r="0" g="0" b="0"/>
+      </a:fillRef>
+      <a:effectRef idx="0">
+        <a:scrgbClr r="0" g="0" b="0"/>
+      </a:effectRef>
+      <a:fontRef idx="minor"/>
+    </dgm:style>
+  </dgm:styleLbl>
+  <dgm:styleLbl name="bgAccFollowNode1">
+    <dgm:scene3d>
+      <a:camera prst="orthographicFront"/>
+      <a:lightRig rig="threePt" dir="t"/>
+    </dgm:scene3d>
+    <dgm:sp3d/>
+    <dgm:txPr/>
+    <dgm:style>
+      <a:lnRef idx="1">
+        <a:scrgbClr r="0" g="0" b="0"/>
+      </a:lnRef>
+      <a:fillRef idx="1">
+        <a:scrgbClr r="0" g="0" b="0"/>
+      </a:fillRef>
+      <a:effectRef idx="0">
+        <a:scrgbClr r="0" g="0" b="0"/>
+      </a:effectRef>
+      <a:fontRef idx="minor"/>
+    </dgm:style>
+  </dgm:styleLbl>
+  <dgm:styleLbl name="fgAcc0">
+    <dgm:scene3d>
+      <a:camera prst="orthographicFront"/>
+      <a:lightRig rig="threePt" dir="t"/>
+    </dgm:scene3d>
+    <dgm:sp3d/>
+    <dgm:txPr/>
+    <dgm:style>
+      <a:lnRef idx="1">
+        <a:scrgbClr r="0" g="0" b="0"/>
+      </a:lnRef>
+      <a:fillRef idx="1">
+        <a:scrgbClr r="0" g="0" b="0"/>
+      </a:fillRef>
+      <a:effectRef idx="0">
+        <a:scrgbClr r="0" g="0" b="0"/>
+      </a:effectRef>
+      <a:fontRef idx="minor"/>
+    </dgm:style>
+  </dgm:styleLbl>
+  <dgm:styleLbl name="fgAcc2">
+    <dgm:scene3d>
+      <a:camera prst="orthographicFront"/>
+      <a:lightRig rig="threePt" dir="t"/>
+    </dgm:scene3d>
+    <dgm:sp3d/>
+    <dgm:txPr/>
+    <dgm:style>
+      <a:lnRef idx="1">
+        <a:scrgbClr r="0" g="0" b="0"/>
+      </a:lnRef>
+      <a:fillRef idx="1">
+        <a:scrgbClr r="0" g="0" b="0"/>
+      </a:fillRef>
+      <a:effectRef idx="0">
+        <a:scrgbClr r="0" g="0" b="0"/>
+      </a:effectRef>
+      <a:fontRef idx="minor"/>
+    </dgm:style>
+  </dgm:styleLbl>
+  <dgm:styleLbl name="fgAcc3">
+    <dgm:scene3d>
+      <a:camera prst="orthographicFront"/>
+      <a:lightRig rig="threePt" dir="t"/>
+    </dgm:scene3d>
+    <dgm:sp3d/>
+    <dgm:txPr/>
+    <dgm:style>
+      <a:lnRef idx="1">
+        <a:scrgbClr r="0" g="0" b="0"/>
+      </a:lnRef>
+      <a:fillRef idx="1">
+        <a:scrgbClr r="0" g="0" b="0"/>
+      </a:fillRef>
+      <a:effectRef idx="0">
+        <a:scrgbClr r="0" g="0" b="0"/>
+      </a:effectRef>
+      <a:fontRef idx="minor"/>
+    </dgm:style>
+  </dgm:styleLbl>
+  <dgm:styleLbl name="fgAcc4">
+    <dgm:scene3d>
+      <a:camera prst="orthographicFront"/>
+      <a:lightRig rig="threePt" dir="t"/>
+    </dgm:scene3d>
+    <dgm:sp3d/>
+    <dgm:txPr/>
+    <dgm:style>
+      <a:lnRef idx="1">
+        <a:scrgbClr r="0" g="0" b="0"/>
+      </a:lnRef>
+      <a:fillRef idx="1">
+        <a:scrgbClr r="0" g="0" b="0"/>
+      </a:fillRef>
+      <a:effectRef idx="0">
+        <a:scrgbClr r="0" g="0" b="0"/>
+      </a:effectRef>
+      <a:fontRef idx="minor"/>
+    </dgm:style>
+  </dgm:styleLbl>
+  <dgm:styleLbl name="bgShp">
+    <dgm:scene3d>
+      <a:camera prst="orthographicFront"/>
+      <a:lightRig rig="threePt" dir="t"/>
+    </dgm:scene3d>
+    <dgm:sp3d/>
+    <dgm:txPr/>
+    <dgm:style>
+      <a:lnRef idx="0">
+        <a:scrgbClr r="0" g="0" b="0"/>
+      </a:lnRef>
+      <a:fillRef idx="1">
+        <a:scrgbClr r="0" g="0" b="0"/>
+      </a:fillRef>
+      <a:effectRef idx="2">
+        <a:scrgbClr r="0" g="0" b="0"/>
+      </a:effectRef>
+      <a:fontRef idx="minor"/>
+    </dgm:style>
+  </dgm:styleLbl>
+  <dgm:styleLbl name="dkBgShp">
+    <dgm:scene3d>
+      <a:camera prst="orthographicFront"/>
+      <a:lightRig rig="threePt" dir="t"/>
+    </dgm:scene3d>
+    <dgm:sp3d/>
+    <dgm:txPr/>
+    <dgm:style>
+      <a:lnRef idx="0">
+        <a:scrgbClr r="0" g="0" b="0"/>
+      </a:lnRef>
+      <a:fillRef idx="1">
+        <a:scrgbClr r="0" g="0" b="0"/>
+      </a:fillRef>
+      <a:effectRef idx="2">
+        <a:scrgbClr r="0" g="0" b="0"/>
+      </a:effectRef>
+      <a:fontRef idx="minor"/>
+    </dgm:style>
+  </dgm:styleLbl>
+  <dgm:styleLbl name="trBgShp">
+    <dgm:scene3d>
+      <a:camera prst="orthographicFront"/>
+      <a:lightRig rig="threePt" dir="t"/>
+    </dgm:scene3d>
+    <dgm:sp3d/>
+    <dgm:txPr/>
+    <dgm:style>
+      <a:lnRef idx="0">
+        <a:scrgbClr r="0" g="0" b="0"/>
+      </a:lnRef>
+      <a:fillRef idx="1">
+        <a:scrgbClr r="0" g="0" b="0"/>
+      </a:fillRef>
+      <a:effectRef idx="0">
+        <a:scrgbClr r="0" g="0" b="0"/>
+      </a:effectRef>
+      <a:fontRef idx="minor"/>
+    </dgm:style>
+  </dgm:styleLbl>
+  <dgm:styleLbl name="fgShp">
+    <dgm:scene3d>
+      <a:camera prst="orthographicFront"/>
+      <a:lightRig rig="threePt" dir="t"/>
+    </dgm:scene3d>
+    <dgm:sp3d/>
+    <dgm:txPr/>
+    <dgm:style>
+      <a:lnRef idx="0">
+        <a:scrgbClr r="0" g="0" b="0"/>
+      </a:lnRef>
+      <a:fillRef idx="3">
+        <a:scrgbClr r="0" g="0" b="0"/>
+      </a:fillRef>
+      <a:effectRef idx="2">
+        <a:scrgbClr r="0" g="0" b="0"/>
+      </a:effectRef>
+      <a:fontRef idx="minor"/>
+    </dgm:style>
+  </dgm:styleLbl>
+  <dgm:styleLbl name="revTx">
+    <dgm:scene3d>
+      <a:camera prst="orthographicFront"/>
+      <a:lightRig rig="threePt" dir="t"/>
+    </dgm:scene3d>
+    <dgm:sp3d/>
+    <dgm:txPr/>
+    <dgm:style>
+      <a:lnRef idx="0">
+        <a:scrgbClr r="0" g="0" b="0"/>
+      </a:lnRef>
+      <a:fillRef idx="0">
+        <a:scrgbClr r="0" g="0" b="0"/>
+      </a:fillRef>
+      <a:effectRef idx="0">
+        <a:scrgbClr r="0" g="0" b="0"/>
+      </a:effectRef>
+      <a:fontRef idx="minor"/>
+    </dgm:style>
+  </dgm:styleLbl>
+</dgm:styleDef>
 </file>
 
 <file path=ppt/slideLayouts/slideLayout1.xml><?xml version="1.0" encoding="utf-8"?>
@@ -3030,6 +7246,13 @@
   <p:clrMapOvr>
     <a:masterClrMapping/>
   </p:clrMapOvr>
+  <p:timing>
+    <p:tnLst>
+      <p:par>
+        <p:cTn id="1" dur="indefinite" restart="never" nodeType="tmRoot"/>
+      </p:par>
+    </p:tnLst>
+  </p:timing>
 </p:sld>
 </file>
 
@@ -3540,48 +7763,71 @@
           <a:chExt cx="0" cy="0"/>
         </a:xfrm>
       </p:grpSpPr>
-      <p:sp>
-        <p:nvSpPr>
-          <p:cNvPr id="2" name="Title 1"/>
-          <p:cNvSpPr>
-            <a:spLocks noGrp="1"/>
-          </p:cNvSpPr>
-          <p:nvPr>
-            <p:ph type="title"/>
-          </p:nvPr>
-        </p:nvSpPr>
-        <p:spPr/>
-        <p:txBody>
-          <a:bodyPr/>
-          <a:lstStyle/>
-          <a:p>
-            <a:endParaRPr lang="en-US"/>
-          </a:p>
-        </p:txBody>
-      </p:sp>
-      <p:sp>
-        <p:nvSpPr>
-          <p:cNvPr id="3" name="Content Placeholder 2"/>
-          <p:cNvSpPr>
-            <a:spLocks noGrp="1"/>
-          </p:cNvSpPr>
+      <p:graphicFrame>
+        <p:nvGraphicFramePr>
+          <p:cNvPr id="4" name="Content Placeholder 3"/>
+          <p:cNvGraphicFramePr>
+            <a:graphicFrameLocks noGrp="1"/>
+          </p:cNvGraphicFramePr>
           <p:nvPr>
             <p:ph idx="1"/>
-          </p:nvPr>
-        </p:nvSpPr>
-        <p:spPr/>
-        <p:txBody>
-          <a:bodyPr/>
-          <a:lstStyle/>
-          <a:p>
-            <a:endParaRPr lang="en-US"/>
-          </a:p>
-        </p:txBody>
-      </p:sp>
+            <p:extLst>
+              <p:ext uri="{D42A27DB-BD31-4B8C-83A1-F6EECF244321}">
+                <p14:modId xmlns:p14="http://schemas.microsoft.com/office/powerpoint/2010/main" val="292162696"/>
+              </p:ext>
+            </p:extLst>
+          </p:nvPr>
+        </p:nvGraphicFramePr>
+        <p:xfrm>
+          <a:off x="379562" y="810883"/>
+          <a:ext cx="10974238" cy="5366080"/>
+        </p:xfrm>
+        <a:graphic>
+          <a:graphicData uri="http://schemas.openxmlformats.org/drawingml/2006/diagram">
+            <dgm:relIds xmlns:dgm="http://schemas.openxmlformats.org/drawingml/2006/diagram" xmlns:r="http://schemas.openxmlformats.org/officeDocument/2006/relationships" r:dm="rId2" r:lo="rId3" r:qs="rId4" r:cs="rId5"/>
+          </a:graphicData>
+        </a:graphic>
+      </p:graphicFrame>
+      <p:cxnSp>
+        <p:nvCxnSpPr>
+          <p:cNvPr id="10" name="Straight Arrow Connector 9"/>
+          <p:cNvCxnSpPr/>
+          <p:nvPr/>
+        </p:nvCxnSpPr>
+        <p:spPr>
+          <a:xfrm flipH="1">
+            <a:off x="3881888" y="2812211"/>
+            <a:ext cx="4123425" cy="845389"/>
+          </a:xfrm>
+          <a:prstGeom prst="straightConnector1">
+            <a:avLst/>
+          </a:prstGeom>
+          <a:ln>
+            <a:solidFill>
+              <a:srgbClr val="92D050"/>
+            </a:solidFill>
+            <a:tailEnd type="triangle"/>
+          </a:ln>
+        </p:spPr>
+        <p:style>
+          <a:lnRef idx="1">
+            <a:schemeClr val="accent1"/>
+          </a:lnRef>
+          <a:fillRef idx="0">
+            <a:schemeClr val="accent1"/>
+          </a:fillRef>
+          <a:effectRef idx="0">
+            <a:schemeClr val="accent1"/>
+          </a:effectRef>
+          <a:fontRef idx="minor">
+            <a:schemeClr val="tx1"/>
+          </a:fontRef>
+        </p:style>
+      </p:cxnSp>
     </p:spTree>
     <p:extLst>
       <p:ext uri="{BB962C8B-B14F-4D97-AF65-F5344CB8AC3E}">
-        <p14:creationId xmlns:p14="http://schemas.microsoft.com/office/powerpoint/2010/main" val="1253684776"/>
+        <p14:creationId xmlns:p14="http://schemas.microsoft.com/office/powerpoint/2010/main" val="797312058"/>
       </p:ext>
     </p:extLst>
   </p:cSld>
@@ -3615,48 +7861,67 @@
           <a:chExt cx="0" cy="0"/>
         </a:xfrm>
       </p:grpSpPr>
-      <p:sp>
-        <p:nvSpPr>
-          <p:cNvPr id="2" name="Title 1"/>
-          <p:cNvSpPr>
-            <a:spLocks noGrp="1"/>
-          </p:cNvSpPr>
-          <p:nvPr>
-            <p:ph type="title"/>
-          </p:nvPr>
-        </p:nvSpPr>
-        <p:spPr/>
-        <p:txBody>
-          <a:bodyPr/>
-          <a:lstStyle/>
-          <a:p>
-            <a:endParaRPr lang="en-US"/>
-          </a:p>
-        </p:txBody>
-      </p:sp>
-      <p:sp>
-        <p:nvSpPr>
-          <p:cNvPr id="3" name="Content Placeholder 2"/>
-          <p:cNvSpPr>
-            <a:spLocks noGrp="1"/>
-          </p:cNvSpPr>
+      <p:pic>
+        <p:nvPicPr>
+          <p:cNvPr id="4" name="Content Placeholder 3"/>
+          <p:cNvPicPr>
+            <a:picLocks noGrp="1" noChangeAspect="1"/>
+          </p:cNvPicPr>
           <p:nvPr>
             <p:ph idx="1"/>
           </p:nvPr>
-        </p:nvSpPr>
-        <p:spPr/>
-        <p:txBody>
-          <a:bodyPr/>
-          <a:lstStyle/>
-          <a:p>
-            <a:endParaRPr lang="en-US"/>
-          </a:p>
-        </p:txBody>
-      </p:sp>
+        </p:nvPicPr>
+        <p:blipFill rotWithShape="1">
+          <a:blip r:embed="rId2">
+            <a:extLst>
+              <a:ext uri="{28A0092B-C50C-407E-A947-70E740481C1C}">
+                <a14:useLocalDpi xmlns:a14="http://schemas.microsoft.com/office/drawing/2010/main" val="0"/>
+              </a:ext>
+            </a:extLst>
+          </a:blip>
+          <a:srcRect b="41252"/>
+          <a:stretch/>
+        </p:blipFill>
+        <p:spPr>
+          <a:xfrm>
+            <a:off x="1228078" y="2639684"/>
+            <a:ext cx="9658455" cy="3864634"/>
+          </a:xfrm>
+        </p:spPr>
+      </p:pic>
+      <p:pic>
+        <p:nvPicPr>
+          <p:cNvPr id="5" name="Content Placeholder 3"/>
+          <p:cNvPicPr>
+            <a:picLocks noChangeAspect="1"/>
+          </p:cNvPicPr>
+          <p:nvPr/>
+        </p:nvPicPr>
+        <p:blipFill rotWithShape="1">
+          <a:blip r:embed="rId2">
+            <a:extLst>
+              <a:ext uri="{28A0092B-C50C-407E-A947-70E740481C1C}">
+                <a14:useLocalDpi xmlns:a14="http://schemas.microsoft.com/office/drawing/2010/main" val="0"/>
+              </a:ext>
+            </a:extLst>
+          </a:blip>
+          <a:srcRect t="71117" b="3180"/>
+          <a:stretch/>
+        </p:blipFill>
+        <p:spPr>
+          <a:xfrm>
+            <a:off x="1228077" y="517585"/>
+            <a:ext cx="9658455" cy="1690776"/>
+          </a:xfrm>
+          <a:prstGeom prst="rect">
+            <a:avLst/>
+          </a:prstGeom>
+        </p:spPr>
+      </p:pic>
     </p:spTree>
     <p:extLst>
       <p:ext uri="{BB962C8B-B14F-4D97-AF65-F5344CB8AC3E}">
-        <p14:creationId xmlns:p14="http://schemas.microsoft.com/office/powerpoint/2010/main" val="797312058"/>
+        <p14:creationId xmlns:p14="http://schemas.microsoft.com/office/powerpoint/2010/main" val="1258118004"/>
       </p:ext>
     </p:extLst>
   </p:cSld>
@@ -3690,44 +7955,34 @@
           <a:chExt cx="0" cy="0"/>
         </a:xfrm>
       </p:grpSpPr>
-      <p:sp>
-        <p:nvSpPr>
-          <p:cNvPr id="2" name="Title 1"/>
-          <p:cNvSpPr>
-            <a:spLocks noGrp="1"/>
-          </p:cNvSpPr>
-          <p:nvPr>
-            <p:ph type="title"/>
-          </p:nvPr>
-        </p:nvSpPr>
-        <p:spPr/>
-        <p:txBody>
-          <a:bodyPr/>
-          <a:lstStyle/>
-          <a:p>
-            <a:endParaRPr lang="en-US"/>
-          </a:p>
-        </p:txBody>
-      </p:sp>
-      <p:sp>
-        <p:nvSpPr>
-          <p:cNvPr id="3" name="Content Placeholder 2"/>
-          <p:cNvSpPr>
-            <a:spLocks noGrp="1"/>
-          </p:cNvSpPr>
+      <p:pic>
+        <p:nvPicPr>
+          <p:cNvPr id="4" name="Content Placeholder 3"/>
+          <p:cNvPicPr>
+            <a:picLocks noGrp="1" noChangeAspect="1"/>
+          </p:cNvPicPr>
           <p:nvPr>
             <p:ph idx="1"/>
           </p:nvPr>
-        </p:nvSpPr>
-        <p:spPr/>
-        <p:txBody>
-          <a:bodyPr/>
-          <a:lstStyle/>
-          <a:p>
-            <a:endParaRPr lang="en-US"/>
-          </a:p>
-        </p:txBody>
-      </p:sp>
+        </p:nvPicPr>
+        <p:blipFill rotWithShape="1">
+          <a:blip r:embed="rId2">
+            <a:extLst>
+              <a:ext uri="{28A0092B-C50C-407E-A947-70E740481C1C}">
+                <a14:useLocalDpi xmlns:a14="http://schemas.microsoft.com/office/drawing/2010/main" val="0"/>
+              </a:ext>
+            </a:extLst>
+          </a:blip>
+          <a:srcRect t="3050"/>
+          <a:stretch/>
+        </p:blipFill>
+        <p:spPr>
+          <a:xfrm>
+            <a:off x="910818" y="207030"/>
+            <a:ext cx="10594346" cy="6426681"/>
+          </a:xfrm>
+        </p:spPr>
+      </p:pic>
     </p:spTree>
     <p:extLst>
       <p:ext uri="{BB962C8B-B14F-4D97-AF65-F5344CB8AC3E}">
@@ -3738,6 +7993,13 @@
   <p:clrMapOvr>
     <a:masterClrMapping/>
   </p:clrMapOvr>
+  <p:timing>
+    <p:tnLst>
+      <p:par>
+        <p:cTn id="1" dur="indefinite" restart="never" nodeType="tmRoot"/>
+      </p:par>
+    </p:tnLst>
+  </p:timing>
 </p:sld>
 </file>
 
@@ -3758,48 +8020,70 @@
           <a:chExt cx="0" cy="0"/>
         </a:xfrm>
       </p:grpSpPr>
-      <p:sp>
-        <p:nvSpPr>
-          <p:cNvPr id="2" name="Title 1"/>
-          <p:cNvSpPr>
-            <a:spLocks noGrp="1"/>
-          </p:cNvSpPr>
-          <p:nvPr>
-            <p:ph type="title"/>
-          </p:nvPr>
-        </p:nvSpPr>
-        <p:spPr/>
-        <p:txBody>
-          <a:bodyPr/>
-          <a:lstStyle/>
-          <a:p>
-            <a:endParaRPr lang="en-US"/>
-          </a:p>
-        </p:txBody>
-      </p:sp>
-      <p:sp>
-        <p:nvSpPr>
-          <p:cNvPr id="3" name="Content Placeholder 2"/>
-          <p:cNvSpPr>
-            <a:spLocks noGrp="1"/>
-          </p:cNvSpPr>
-          <p:nvPr>
-            <p:ph idx="1"/>
-          </p:nvPr>
-        </p:nvSpPr>
-        <p:spPr/>
-        <p:txBody>
-          <a:bodyPr/>
-          <a:lstStyle/>
-          <a:p>
-            <a:endParaRPr lang="en-US"/>
-          </a:p>
-        </p:txBody>
-      </p:sp>
+      <p:pic>
+        <p:nvPicPr>
+          <p:cNvPr id="4" name="Picture 3"/>
+          <p:cNvPicPr>
+            <a:picLocks noChangeAspect="1"/>
+          </p:cNvPicPr>
+          <p:nvPr/>
+        </p:nvPicPr>
+        <p:blipFill>
+          <a:blip r:embed="rId2">
+            <a:extLst>
+              <a:ext uri="{28A0092B-C50C-407E-A947-70E740481C1C}">
+                <a14:useLocalDpi xmlns:a14="http://schemas.microsoft.com/office/drawing/2010/main" val="0"/>
+              </a:ext>
+            </a:extLst>
+          </a:blip>
+          <a:stretch>
+            <a:fillRect/>
+          </a:stretch>
+        </p:blipFill>
+        <p:spPr>
+          <a:xfrm>
+            <a:off x="76200" y="1747927"/>
+            <a:ext cx="5981056" cy="3355226"/>
+          </a:xfrm>
+          <a:prstGeom prst="rect">
+            <a:avLst/>
+          </a:prstGeom>
+        </p:spPr>
+      </p:pic>
+      <p:pic>
+        <p:nvPicPr>
+          <p:cNvPr id="5" name="Picture 4"/>
+          <p:cNvPicPr>
+            <a:picLocks noChangeAspect="1"/>
+          </p:cNvPicPr>
+          <p:nvPr/>
+        </p:nvPicPr>
+        <p:blipFill>
+          <a:blip r:embed="rId3">
+            <a:extLst>
+              <a:ext uri="{28A0092B-C50C-407E-A947-70E740481C1C}">
+                <a14:useLocalDpi xmlns:a14="http://schemas.microsoft.com/office/drawing/2010/main" val="0"/>
+              </a:ext>
+            </a:extLst>
+          </a:blip>
+          <a:stretch>
+            <a:fillRect/>
+          </a:stretch>
+        </p:blipFill>
+        <p:spPr>
+          <a:xfrm>
+            <a:off x="5520906" y="1747927"/>
+            <a:ext cx="6671094" cy="3355226"/>
+          </a:xfrm>
+          <a:prstGeom prst="rect">
+            <a:avLst/>
+          </a:prstGeom>
+        </p:spPr>
+      </p:pic>
     </p:spTree>
     <p:extLst>
       <p:ext uri="{BB962C8B-B14F-4D97-AF65-F5344CB8AC3E}">
-        <p14:creationId xmlns:p14="http://schemas.microsoft.com/office/powerpoint/2010/main" val="1258118004"/>
+        <p14:creationId xmlns:p14="http://schemas.microsoft.com/office/powerpoint/2010/main" val="1007717823"/>
       </p:ext>
     </p:extLst>
   </p:cSld>
@@ -3848,7 +8132,27 @@
           <a:bodyPr/>
           <a:lstStyle/>
           <a:p>
-            <a:endParaRPr lang="en-US"/>
+            <a:r>
+              <a:rPr lang="en-US" b="1" dirty="0" err="1" smtClean="0">
+                <a:solidFill>
+                  <a:schemeClr val="bg1"/>
+                </a:solidFill>
+              </a:rPr>
+              <a:t>is_valid</a:t>
+            </a:r>
+            <a:r>
+              <a:rPr lang="en-US" b="1" dirty="0" smtClean="0">
+                <a:solidFill>
+                  <a:schemeClr val="bg1"/>
+                </a:solidFill>
+              </a:rPr>
+              <a:t> ()</a:t>
+            </a:r>
+            <a:endParaRPr lang="en-US" b="1" dirty="0">
+              <a:solidFill>
+                <a:schemeClr val="bg1"/>
+              </a:solidFill>
+            </a:endParaRPr>
           </a:p>
         </p:txBody>
       </p:sp>
@@ -3867,20 +8171,125 @@
           <a:bodyPr/>
           <a:lstStyle/>
           <a:p>
-            <a:endParaRPr lang="en-US"/>
+            <a:r>
+              <a:rPr lang="en-US" dirty="0" smtClean="0">
+                <a:solidFill>
+                  <a:schemeClr val="bg1"/>
+                </a:solidFill>
+              </a:rPr>
+              <a:t>Main word </a:t>
+            </a:r>
+            <a:r>
+              <a:rPr lang="en-US" dirty="0" smtClean="0">
+                <a:solidFill>
+                  <a:schemeClr val="bg1"/>
+                </a:solidFill>
+              </a:rPr>
+              <a:t>valid (including adjacent tiles)?</a:t>
+            </a:r>
+            <a:endParaRPr lang="en-US" dirty="0" smtClean="0">
+              <a:solidFill>
+                <a:schemeClr val="bg1"/>
+              </a:solidFill>
+            </a:endParaRPr>
+          </a:p>
+          <a:p>
+            <a:r>
+              <a:rPr lang="en-US" dirty="0" smtClean="0">
+                <a:solidFill>
+                  <a:schemeClr val="bg1"/>
+                </a:solidFill>
+              </a:rPr>
+              <a:t>Each played tile has legal perpendicular word (or empty)?</a:t>
+            </a:r>
+          </a:p>
+          <a:p>
+            <a:r>
+              <a:rPr lang="en-US" dirty="0" smtClean="0">
+                <a:solidFill>
+                  <a:schemeClr val="bg1"/>
+                </a:solidFill>
+              </a:rPr>
+              <a:t>Valid position for word? </a:t>
+            </a:r>
+            <a:endParaRPr lang="en-US" dirty="0" smtClean="0">
+              <a:solidFill>
+                <a:schemeClr val="bg1"/>
+              </a:solidFill>
+            </a:endParaRPr>
+          </a:p>
+          <a:p>
+            <a:endParaRPr lang="en-US" dirty="0">
+              <a:solidFill>
+                <a:schemeClr val="bg1"/>
+              </a:solidFill>
+            </a:endParaRPr>
+          </a:p>
+          <a:p>
+            <a:r>
+              <a:rPr lang="en-US" dirty="0" smtClean="0">
+                <a:solidFill>
+                  <a:schemeClr val="bg1"/>
+                </a:solidFill>
+              </a:rPr>
+              <a:t>SCORING: takes place as each condition checked</a:t>
+            </a:r>
+          </a:p>
+          <a:p>
+            <a:endParaRPr lang="en-US" dirty="0">
+              <a:solidFill>
+                <a:schemeClr val="bg1"/>
+              </a:solidFill>
+            </a:endParaRPr>
+          </a:p>
+          <a:p>
+            <a:r>
+              <a:rPr lang="en-US" dirty="0" smtClean="0">
+                <a:solidFill>
+                  <a:schemeClr val="bg1"/>
+                </a:solidFill>
+              </a:rPr>
+              <a:t>Includes special cases to handle 0-, 1-tile plays</a:t>
+            </a:r>
+            <a:endParaRPr lang="en-US" dirty="0" smtClean="0">
+              <a:solidFill>
+                <a:schemeClr val="bg1"/>
+              </a:solidFill>
+            </a:endParaRPr>
+          </a:p>
+          <a:p>
+            <a:endParaRPr lang="en-US" dirty="0" smtClean="0">
+              <a:solidFill>
+                <a:schemeClr val="bg1"/>
+              </a:solidFill>
+            </a:endParaRPr>
+          </a:p>
+          <a:p>
+            <a:endParaRPr lang="en-US" dirty="0">
+              <a:solidFill>
+                <a:schemeClr val="bg1"/>
+              </a:solidFill>
+            </a:endParaRPr>
           </a:p>
         </p:txBody>
       </p:sp>
     </p:spTree>
     <p:extLst>
       <p:ext uri="{BB962C8B-B14F-4D97-AF65-F5344CB8AC3E}">
-        <p14:creationId xmlns:p14="http://schemas.microsoft.com/office/powerpoint/2010/main" val="1007717823"/>
+        <p14:creationId xmlns:p14="http://schemas.microsoft.com/office/powerpoint/2010/main" val="1253684776"/>
       </p:ext>
     </p:extLst>
   </p:cSld>
   <p:clrMapOvr>
     <a:masterClrMapping/>
   </p:clrMapOvr>
+  <p:timing>
+    <p:tnLst>
+      <p:par>
+        <p:cTn id="1" dur="indefinite" restart="never" nodeType="tmRoot"/>
+      </p:par>
+    </p:tnLst>
+  </p:timing>
 </p:sld>
 </file>
 

--- a/pres.pptx
+++ b/pres.pptx
@@ -6,21 +6,25 @@
   </p:sldMasterIdLst>
   <p:sldIdLst>
     <p:sldId id="256" r:id="rId2"/>
-    <p:sldId id="257" r:id="rId3"/>
-    <p:sldId id="258" r:id="rId4"/>
+    <p:sldId id="258" r:id="rId3"/>
+    <p:sldId id="260" r:id="rId4"/>
     <p:sldId id="259" r:id="rId5"/>
-    <p:sldId id="260" r:id="rId6"/>
-    <p:sldId id="261" r:id="rId7"/>
-    <p:sldId id="262" r:id="rId8"/>
-    <p:sldId id="263" r:id="rId9"/>
-    <p:sldId id="264" r:id="rId10"/>
-    <p:sldId id="265" r:id="rId11"/>
-    <p:sldId id="266" r:id="rId12"/>
-    <p:sldId id="267" r:id="rId13"/>
-    <p:sldId id="268" r:id="rId14"/>
-    <p:sldId id="269" r:id="rId15"/>
-    <p:sldId id="270" r:id="rId16"/>
-    <p:sldId id="271" r:id="rId17"/>
+    <p:sldId id="261" r:id="rId6"/>
+    <p:sldId id="257" r:id="rId7"/>
+    <p:sldId id="272" r:id="rId8"/>
+    <p:sldId id="273" r:id="rId9"/>
+    <p:sldId id="274" r:id="rId10"/>
+    <p:sldId id="275" r:id="rId11"/>
+    <p:sldId id="262" r:id="rId12"/>
+    <p:sldId id="263" r:id="rId13"/>
+    <p:sldId id="264" r:id="rId14"/>
+    <p:sldId id="265" r:id="rId15"/>
+    <p:sldId id="266" r:id="rId16"/>
+    <p:sldId id="267" r:id="rId17"/>
+    <p:sldId id="268" r:id="rId18"/>
+    <p:sldId id="269" r:id="rId19"/>
+    <p:sldId id="270" r:id="rId20"/>
+    <p:sldId id="271" r:id="rId21"/>
   </p:sldIdLst>
   <p:sldSz cx="12192000" cy="6858000"/>
   <p:notesSz cx="6858000" cy="9144000"/>
@@ -125,6 +129,4217 @@
     </p:ext>
   </p:extLst>
 </p:presentation>
+</file>
+
+<file path=ppt/diagrams/colors1.xml><?xml version="1.0" encoding="utf-8"?>
+<dgm:colorsDef xmlns:dgm="http://schemas.openxmlformats.org/drawingml/2006/diagram" xmlns:a="http://schemas.openxmlformats.org/drawingml/2006/main" uniqueId="urn:microsoft.com/office/officeart/2005/8/colors/accent0_3">
+  <dgm:title val=""/>
+  <dgm:desc val=""/>
+  <dgm:catLst>
+    <dgm:cat type="mainScheme" pri="10300"/>
+  </dgm:catLst>
+  <dgm:styleLbl name="node0">
+    <dgm:fillClrLst meth="repeat">
+      <a:schemeClr val="dk2"/>
+    </dgm:fillClrLst>
+    <dgm:linClrLst meth="repeat">
+      <a:schemeClr val="lt2"/>
+    </dgm:linClrLst>
+    <dgm:effectClrLst/>
+    <dgm:txLinClrLst/>
+    <dgm:txFillClrLst/>
+    <dgm:txEffectClrLst/>
+  </dgm:styleLbl>
+  <dgm:styleLbl name="alignNode1">
+    <dgm:fillClrLst meth="repeat">
+      <a:schemeClr val="dk2"/>
+    </dgm:fillClrLst>
+    <dgm:linClrLst meth="repeat">
+      <a:schemeClr val="dk2"/>
+    </dgm:linClrLst>
+    <dgm:effectClrLst/>
+    <dgm:txLinClrLst/>
+    <dgm:txFillClrLst/>
+    <dgm:txEffectClrLst/>
+  </dgm:styleLbl>
+  <dgm:styleLbl name="node1">
+    <dgm:fillClrLst meth="repeat">
+      <a:schemeClr val="dk2"/>
+    </dgm:fillClrLst>
+    <dgm:linClrLst meth="repeat">
+      <a:schemeClr val="lt2"/>
+    </dgm:linClrLst>
+    <dgm:effectClrLst/>
+    <dgm:txLinClrLst/>
+    <dgm:txFillClrLst/>
+    <dgm:txEffectClrLst/>
+  </dgm:styleLbl>
+  <dgm:styleLbl name="lnNode1">
+    <dgm:fillClrLst meth="repeat">
+      <a:schemeClr val="dk2"/>
+    </dgm:fillClrLst>
+    <dgm:linClrLst meth="repeat">
+      <a:schemeClr val="lt2"/>
+    </dgm:linClrLst>
+    <dgm:effectClrLst/>
+    <dgm:txLinClrLst/>
+    <dgm:txFillClrLst/>
+    <dgm:txEffectClrLst/>
+  </dgm:styleLbl>
+  <dgm:styleLbl name="vennNode1">
+    <dgm:fillClrLst meth="repeat">
+      <a:schemeClr val="dk2">
+        <a:alpha val="50000"/>
+      </a:schemeClr>
+    </dgm:fillClrLst>
+    <dgm:linClrLst meth="repeat">
+      <a:schemeClr val="lt2"/>
+    </dgm:linClrLst>
+    <dgm:effectClrLst/>
+    <dgm:txLinClrLst/>
+    <dgm:txFillClrLst/>
+    <dgm:txEffectClrLst/>
+  </dgm:styleLbl>
+  <dgm:styleLbl name="node2">
+    <dgm:fillClrLst meth="repeat">
+      <a:schemeClr val="dk2"/>
+    </dgm:fillClrLst>
+    <dgm:linClrLst meth="repeat">
+      <a:schemeClr val="lt2"/>
+    </dgm:linClrLst>
+    <dgm:effectClrLst/>
+    <dgm:txLinClrLst/>
+    <dgm:txFillClrLst/>
+    <dgm:txEffectClrLst/>
+  </dgm:styleLbl>
+  <dgm:styleLbl name="node3">
+    <dgm:fillClrLst meth="repeat">
+      <a:schemeClr val="dk2"/>
+    </dgm:fillClrLst>
+    <dgm:linClrLst meth="repeat">
+      <a:schemeClr val="lt2"/>
+    </dgm:linClrLst>
+    <dgm:effectClrLst/>
+    <dgm:txLinClrLst/>
+    <dgm:txFillClrLst/>
+    <dgm:txEffectClrLst/>
+  </dgm:styleLbl>
+  <dgm:styleLbl name="node4">
+    <dgm:fillClrLst meth="repeat">
+      <a:schemeClr val="dk2"/>
+    </dgm:fillClrLst>
+    <dgm:linClrLst meth="repeat">
+      <a:schemeClr val="lt2"/>
+    </dgm:linClrLst>
+    <dgm:effectClrLst/>
+    <dgm:txLinClrLst/>
+    <dgm:txFillClrLst/>
+    <dgm:txEffectClrLst/>
+  </dgm:styleLbl>
+  <dgm:styleLbl name="fgImgPlace1">
+    <dgm:fillClrLst meth="repeat">
+      <a:schemeClr val="dk2">
+        <a:tint val="50000"/>
+      </a:schemeClr>
+    </dgm:fillClrLst>
+    <dgm:linClrLst meth="repeat">
+      <a:schemeClr val="lt2"/>
+    </dgm:linClrLst>
+    <dgm:effectClrLst/>
+    <dgm:txLinClrLst/>
+    <dgm:txFillClrLst meth="repeat">
+      <a:schemeClr val="lt2"/>
+    </dgm:txFillClrLst>
+    <dgm:txEffectClrLst/>
+  </dgm:styleLbl>
+  <dgm:styleLbl name="alignImgPlace1">
+    <dgm:fillClrLst meth="repeat">
+      <a:schemeClr val="dk2">
+        <a:tint val="50000"/>
+      </a:schemeClr>
+    </dgm:fillClrLst>
+    <dgm:linClrLst meth="repeat">
+      <a:schemeClr val="dk2">
+        <a:shade val="80000"/>
+      </a:schemeClr>
+    </dgm:linClrLst>
+    <dgm:effectClrLst/>
+    <dgm:txLinClrLst/>
+    <dgm:txFillClrLst meth="repeat">
+      <a:schemeClr val="lt2"/>
+    </dgm:txFillClrLst>
+    <dgm:txEffectClrLst/>
+  </dgm:styleLbl>
+  <dgm:styleLbl name="bgImgPlace1">
+    <dgm:fillClrLst meth="repeat">
+      <a:schemeClr val="dk2">
+        <a:tint val="50000"/>
+      </a:schemeClr>
+    </dgm:fillClrLst>
+    <dgm:linClrLst meth="repeat">
+      <a:schemeClr val="dk2">
+        <a:shade val="80000"/>
+      </a:schemeClr>
+    </dgm:linClrLst>
+    <dgm:effectClrLst/>
+    <dgm:txLinClrLst/>
+    <dgm:txFillClrLst meth="repeat">
+      <a:schemeClr val="lt2"/>
+    </dgm:txFillClrLst>
+    <dgm:txEffectClrLst/>
+  </dgm:styleLbl>
+  <dgm:styleLbl name="sibTrans2D1">
+    <dgm:fillClrLst meth="repeat">
+      <a:schemeClr val="dk2">
+        <a:tint val="60000"/>
+      </a:schemeClr>
+    </dgm:fillClrLst>
+    <dgm:linClrLst meth="repeat">
+      <a:schemeClr val="dk2">
+        <a:tint val="60000"/>
+      </a:schemeClr>
+    </dgm:linClrLst>
+    <dgm:effectClrLst/>
+    <dgm:txLinClrLst/>
+    <dgm:txFillClrLst/>
+    <dgm:txEffectClrLst/>
+  </dgm:styleLbl>
+  <dgm:styleLbl name="fgSibTrans2D1">
+    <dgm:fillClrLst meth="repeat">
+      <a:schemeClr val="dk2">
+        <a:tint val="60000"/>
+      </a:schemeClr>
+    </dgm:fillClrLst>
+    <dgm:linClrLst meth="repeat">
+      <a:schemeClr val="dk2">
+        <a:tint val="60000"/>
+      </a:schemeClr>
+    </dgm:linClrLst>
+    <dgm:effectClrLst/>
+    <dgm:txLinClrLst/>
+    <dgm:txFillClrLst/>
+    <dgm:txEffectClrLst/>
+  </dgm:styleLbl>
+  <dgm:styleLbl name="bgSibTrans2D1">
+    <dgm:fillClrLst meth="repeat">
+      <a:schemeClr val="dk2">
+        <a:tint val="60000"/>
+      </a:schemeClr>
+    </dgm:fillClrLst>
+    <dgm:linClrLst meth="repeat">
+      <a:schemeClr val="dk2">
+        <a:tint val="60000"/>
+      </a:schemeClr>
+    </dgm:linClrLst>
+    <dgm:effectClrLst/>
+    <dgm:txLinClrLst/>
+    <dgm:txFillClrLst/>
+    <dgm:txEffectClrLst/>
+  </dgm:styleLbl>
+  <dgm:styleLbl name="sibTrans1D1">
+    <dgm:fillClrLst meth="repeat">
+      <a:schemeClr val="dk2"/>
+    </dgm:fillClrLst>
+    <dgm:linClrLst meth="repeat">
+      <a:schemeClr val="dk2"/>
+    </dgm:linClrLst>
+    <dgm:effectClrLst/>
+    <dgm:txLinClrLst/>
+    <dgm:txFillClrLst meth="repeat">
+      <a:schemeClr val="lt2"/>
+    </dgm:txFillClrLst>
+    <dgm:txEffectClrLst/>
+  </dgm:styleLbl>
+  <dgm:styleLbl name="callout">
+    <dgm:fillClrLst meth="repeat">
+      <a:schemeClr val="dk2"/>
+    </dgm:fillClrLst>
+    <dgm:linClrLst meth="repeat">
+      <a:schemeClr val="dk2">
+        <a:tint val="50000"/>
+      </a:schemeClr>
+    </dgm:linClrLst>
+    <dgm:effectClrLst/>
+    <dgm:txLinClrLst/>
+    <dgm:txFillClrLst meth="repeat">
+      <a:schemeClr val="lt2"/>
+    </dgm:txFillClrLst>
+    <dgm:txEffectClrLst/>
+  </dgm:styleLbl>
+  <dgm:styleLbl name="asst0">
+    <dgm:fillClrLst meth="repeat">
+      <a:schemeClr val="dk2"/>
+    </dgm:fillClrLst>
+    <dgm:linClrLst meth="repeat">
+      <a:schemeClr val="lt2"/>
+    </dgm:linClrLst>
+    <dgm:effectClrLst/>
+    <dgm:txLinClrLst/>
+    <dgm:txFillClrLst/>
+    <dgm:txEffectClrLst/>
+  </dgm:styleLbl>
+  <dgm:styleLbl name="asst1">
+    <dgm:fillClrLst meth="repeat">
+      <a:schemeClr val="dk2"/>
+    </dgm:fillClrLst>
+    <dgm:linClrLst meth="repeat">
+      <a:schemeClr val="lt2"/>
+    </dgm:linClrLst>
+    <dgm:effectClrLst/>
+    <dgm:txLinClrLst/>
+    <dgm:txFillClrLst/>
+    <dgm:txEffectClrLst/>
+  </dgm:styleLbl>
+  <dgm:styleLbl name="asst2">
+    <dgm:fillClrLst meth="repeat">
+      <a:schemeClr val="dk2"/>
+    </dgm:fillClrLst>
+    <dgm:linClrLst meth="repeat">
+      <a:schemeClr val="lt2"/>
+    </dgm:linClrLst>
+    <dgm:effectClrLst/>
+    <dgm:txLinClrLst/>
+    <dgm:txFillClrLst/>
+    <dgm:txEffectClrLst/>
+  </dgm:styleLbl>
+  <dgm:styleLbl name="asst3">
+    <dgm:fillClrLst meth="repeat">
+      <a:schemeClr val="dk2"/>
+    </dgm:fillClrLst>
+    <dgm:linClrLst meth="repeat">
+      <a:schemeClr val="lt2"/>
+    </dgm:linClrLst>
+    <dgm:effectClrLst/>
+    <dgm:txLinClrLst/>
+    <dgm:txFillClrLst/>
+    <dgm:txEffectClrLst/>
+  </dgm:styleLbl>
+  <dgm:styleLbl name="asst4">
+    <dgm:fillClrLst meth="repeat">
+      <a:schemeClr val="dk2"/>
+    </dgm:fillClrLst>
+    <dgm:linClrLst meth="repeat">
+      <a:schemeClr val="lt2"/>
+    </dgm:linClrLst>
+    <dgm:effectClrLst/>
+    <dgm:txLinClrLst/>
+    <dgm:txFillClrLst/>
+    <dgm:txEffectClrLst/>
+  </dgm:styleLbl>
+  <dgm:styleLbl name="parChTrans2D1">
+    <dgm:fillClrLst meth="repeat">
+      <a:schemeClr val="dk2">
+        <a:tint val="60000"/>
+      </a:schemeClr>
+    </dgm:fillClrLst>
+    <dgm:linClrLst meth="repeat">
+      <a:schemeClr val="dk2">
+        <a:tint val="60000"/>
+      </a:schemeClr>
+    </dgm:linClrLst>
+    <dgm:effectClrLst/>
+    <dgm:txLinClrLst/>
+    <dgm:txFillClrLst meth="repeat">
+      <a:schemeClr val="lt2"/>
+    </dgm:txFillClrLst>
+    <dgm:txEffectClrLst/>
+  </dgm:styleLbl>
+  <dgm:styleLbl name="parChTrans2D2">
+    <dgm:fillClrLst meth="repeat">
+      <a:schemeClr val="dk2"/>
+    </dgm:fillClrLst>
+    <dgm:linClrLst meth="repeat">
+      <a:schemeClr val="dk2"/>
+    </dgm:linClrLst>
+    <dgm:effectClrLst/>
+    <dgm:txLinClrLst/>
+    <dgm:txFillClrLst meth="repeat">
+      <a:schemeClr val="lt2"/>
+    </dgm:txFillClrLst>
+    <dgm:txEffectClrLst/>
+  </dgm:styleLbl>
+  <dgm:styleLbl name="parChTrans2D3">
+    <dgm:fillClrLst meth="repeat">
+      <a:schemeClr val="dk2"/>
+    </dgm:fillClrLst>
+    <dgm:linClrLst meth="repeat">
+      <a:schemeClr val="dk2"/>
+    </dgm:linClrLst>
+    <dgm:effectClrLst/>
+    <dgm:txLinClrLst/>
+    <dgm:txFillClrLst meth="repeat">
+      <a:schemeClr val="lt2"/>
+    </dgm:txFillClrLst>
+    <dgm:txEffectClrLst/>
+  </dgm:styleLbl>
+  <dgm:styleLbl name="parChTrans2D4">
+    <dgm:fillClrLst meth="repeat">
+      <a:schemeClr val="dk2"/>
+    </dgm:fillClrLst>
+    <dgm:linClrLst meth="repeat">
+      <a:schemeClr val="dk2"/>
+    </dgm:linClrLst>
+    <dgm:effectClrLst/>
+    <dgm:txLinClrLst/>
+    <dgm:txFillClrLst meth="repeat">
+      <a:schemeClr val="lt2"/>
+    </dgm:txFillClrLst>
+    <dgm:txEffectClrLst/>
+  </dgm:styleLbl>
+  <dgm:styleLbl name="parChTrans1D1">
+    <dgm:fillClrLst meth="repeat">
+      <a:schemeClr val="dk2"/>
+    </dgm:fillClrLst>
+    <dgm:linClrLst meth="repeat">
+      <a:schemeClr val="dk2">
+        <a:shade val="60000"/>
+      </a:schemeClr>
+    </dgm:linClrLst>
+    <dgm:effectClrLst/>
+    <dgm:txLinClrLst/>
+    <dgm:txFillClrLst meth="repeat">
+      <a:schemeClr val="tx1"/>
+    </dgm:txFillClrLst>
+    <dgm:txEffectClrLst/>
+  </dgm:styleLbl>
+  <dgm:styleLbl name="parChTrans1D2">
+    <dgm:fillClrLst meth="repeat">
+      <a:schemeClr val="dk2"/>
+    </dgm:fillClrLst>
+    <dgm:linClrLst meth="repeat">
+      <a:schemeClr val="dk2">
+        <a:shade val="60000"/>
+      </a:schemeClr>
+    </dgm:linClrLst>
+    <dgm:effectClrLst/>
+    <dgm:txLinClrLst/>
+    <dgm:txFillClrLst meth="repeat">
+      <a:schemeClr val="tx1"/>
+    </dgm:txFillClrLst>
+    <dgm:txEffectClrLst/>
+  </dgm:styleLbl>
+  <dgm:styleLbl name="parChTrans1D3">
+    <dgm:fillClrLst meth="repeat">
+      <a:schemeClr val="dk2"/>
+    </dgm:fillClrLst>
+    <dgm:linClrLst meth="repeat">
+      <a:schemeClr val="dk2">
+        <a:shade val="80000"/>
+      </a:schemeClr>
+    </dgm:linClrLst>
+    <dgm:effectClrLst/>
+    <dgm:txLinClrLst/>
+    <dgm:txFillClrLst meth="repeat">
+      <a:schemeClr val="tx1"/>
+    </dgm:txFillClrLst>
+    <dgm:txEffectClrLst/>
+  </dgm:styleLbl>
+  <dgm:styleLbl name="parChTrans1D4">
+    <dgm:fillClrLst meth="repeat">
+      <a:schemeClr val="dk2"/>
+    </dgm:fillClrLst>
+    <dgm:linClrLst meth="repeat">
+      <a:schemeClr val="dk2">
+        <a:shade val="80000"/>
+      </a:schemeClr>
+    </dgm:linClrLst>
+    <dgm:effectClrLst/>
+    <dgm:txLinClrLst/>
+    <dgm:txFillClrLst meth="repeat">
+      <a:schemeClr val="tx1"/>
+    </dgm:txFillClrLst>
+    <dgm:txEffectClrLst/>
+  </dgm:styleLbl>
+  <dgm:styleLbl name="fgAcc1">
+    <dgm:fillClrLst meth="repeat">
+      <a:schemeClr val="lt2">
+        <a:alpha val="90000"/>
+      </a:schemeClr>
+    </dgm:fillClrLst>
+    <dgm:linClrLst meth="repeat">
+      <a:schemeClr val="dk2"/>
+    </dgm:linClrLst>
+    <dgm:effectClrLst/>
+    <dgm:txLinClrLst/>
+    <dgm:txFillClrLst meth="repeat">
+      <a:schemeClr val="dk1"/>
+    </dgm:txFillClrLst>
+    <dgm:txEffectClrLst/>
+  </dgm:styleLbl>
+  <dgm:styleLbl name="conFgAcc1">
+    <dgm:fillClrLst meth="repeat">
+      <a:schemeClr val="lt2">
+        <a:alpha val="90000"/>
+      </a:schemeClr>
+    </dgm:fillClrLst>
+    <dgm:linClrLst meth="repeat">
+      <a:schemeClr val="dk2"/>
+    </dgm:linClrLst>
+    <dgm:effectClrLst/>
+    <dgm:txLinClrLst/>
+    <dgm:txFillClrLst meth="repeat">
+      <a:schemeClr val="dk1"/>
+    </dgm:txFillClrLst>
+    <dgm:txEffectClrLst/>
+  </dgm:styleLbl>
+  <dgm:styleLbl name="alignAcc1">
+    <dgm:fillClrLst meth="repeat">
+      <a:schemeClr val="lt2">
+        <a:alpha val="90000"/>
+      </a:schemeClr>
+    </dgm:fillClrLst>
+    <dgm:linClrLst meth="repeat">
+      <a:schemeClr val="dk2"/>
+    </dgm:linClrLst>
+    <dgm:effectClrLst/>
+    <dgm:txLinClrLst/>
+    <dgm:txFillClrLst meth="repeat">
+      <a:schemeClr val="dk1"/>
+    </dgm:txFillClrLst>
+    <dgm:txEffectClrLst/>
+  </dgm:styleLbl>
+  <dgm:styleLbl name="trAlignAcc1">
+    <dgm:fillClrLst meth="repeat">
+      <a:schemeClr val="lt2">
+        <a:alpha val="40000"/>
+      </a:schemeClr>
+    </dgm:fillClrLst>
+    <dgm:linClrLst meth="repeat">
+      <a:schemeClr val="dk2"/>
+    </dgm:linClrLst>
+    <dgm:effectClrLst/>
+    <dgm:txLinClrLst/>
+    <dgm:txFillClrLst meth="repeat">
+      <a:schemeClr val="dk1"/>
+    </dgm:txFillClrLst>
+    <dgm:txEffectClrLst/>
+  </dgm:styleLbl>
+  <dgm:styleLbl name="bgAcc1">
+    <dgm:fillClrLst meth="repeat">
+      <a:schemeClr val="lt2">
+        <a:alpha val="90000"/>
+      </a:schemeClr>
+    </dgm:fillClrLst>
+    <dgm:linClrLst meth="repeat">
+      <a:schemeClr val="dk2"/>
+    </dgm:linClrLst>
+    <dgm:effectClrLst/>
+    <dgm:txLinClrLst/>
+    <dgm:txFillClrLst meth="repeat">
+      <a:schemeClr val="dk1"/>
+    </dgm:txFillClrLst>
+    <dgm:txEffectClrLst/>
+  </dgm:styleLbl>
+  <dgm:styleLbl name="solidFgAcc1">
+    <dgm:fillClrLst meth="repeat">
+      <a:schemeClr val="lt2"/>
+    </dgm:fillClrLst>
+    <dgm:linClrLst meth="repeat">
+      <a:schemeClr val="dk2"/>
+    </dgm:linClrLst>
+    <dgm:effectClrLst/>
+    <dgm:txLinClrLst/>
+    <dgm:txFillClrLst meth="repeat">
+      <a:schemeClr val="dk1"/>
+    </dgm:txFillClrLst>
+    <dgm:txEffectClrLst/>
+  </dgm:styleLbl>
+  <dgm:styleLbl name="solidAlignAcc1">
+    <dgm:fillClrLst meth="repeat">
+      <a:schemeClr val="lt2"/>
+    </dgm:fillClrLst>
+    <dgm:linClrLst meth="repeat">
+      <a:schemeClr val="dk2"/>
+    </dgm:linClrLst>
+    <dgm:effectClrLst/>
+    <dgm:txLinClrLst/>
+    <dgm:txFillClrLst meth="repeat">
+      <a:schemeClr val="dk1"/>
+    </dgm:txFillClrLst>
+    <dgm:txEffectClrLst/>
+  </dgm:styleLbl>
+  <dgm:styleLbl name="solidBgAcc1">
+    <dgm:fillClrLst meth="repeat">
+      <a:schemeClr val="lt2"/>
+    </dgm:fillClrLst>
+    <dgm:linClrLst meth="repeat">
+      <a:schemeClr val="dk2"/>
+    </dgm:linClrLst>
+    <dgm:effectClrLst/>
+    <dgm:txLinClrLst/>
+    <dgm:txFillClrLst meth="repeat">
+      <a:schemeClr val="dk1"/>
+    </dgm:txFillClrLst>
+    <dgm:txEffectClrLst/>
+  </dgm:styleLbl>
+  <dgm:styleLbl name="fgAccFollowNode1">
+    <dgm:fillClrLst meth="repeat">
+      <a:schemeClr val="dk2">
+        <a:alpha val="90000"/>
+        <a:tint val="40000"/>
+      </a:schemeClr>
+    </dgm:fillClrLst>
+    <dgm:linClrLst meth="repeat">
+      <a:schemeClr val="dk2">
+        <a:alpha val="90000"/>
+        <a:tint val="40000"/>
+      </a:schemeClr>
+    </dgm:linClrLst>
+    <dgm:effectClrLst/>
+    <dgm:txLinClrLst/>
+    <dgm:txFillClrLst meth="repeat">
+      <a:schemeClr val="dk1"/>
+    </dgm:txFillClrLst>
+    <dgm:txEffectClrLst/>
+  </dgm:styleLbl>
+  <dgm:styleLbl name="alignAccFollowNode1">
+    <dgm:fillClrLst meth="repeat">
+      <a:schemeClr val="dk2">
+        <a:alpha val="90000"/>
+        <a:tint val="40000"/>
+      </a:schemeClr>
+    </dgm:fillClrLst>
+    <dgm:linClrLst meth="repeat">
+      <a:schemeClr val="dk2">
+        <a:alpha val="90000"/>
+        <a:tint val="40000"/>
+      </a:schemeClr>
+    </dgm:linClrLst>
+    <dgm:effectClrLst/>
+    <dgm:txLinClrLst/>
+    <dgm:txFillClrLst meth="repeat">
+      <a:schemeClr val="dk1"/>
+    </dgm:txFillClrLst>
+    <dgm:txEffectClrLst/>
+  </dgm:styleLbl>
+  <dgm:styleLbl name="bgAccFollowNode1">
+    <dgm:fillClrLst meth="repeat">
+      <a:schemeClr val="dk2">
+        <a:alpha val="90000"/>
+        <a:tint val="40000"/>
+      </a:schemeClr>
+    </dgm:fillClrLst>
+    <dgm:linClrLst meth="repeat">
+      <a:schemeClr val="dk2">
+        <a:alpha val="90000"/>
+        <a:tint val="40000"/>
+      </a:schemeClr>
+    </dgm:linClrLst>
+    <dgm:effectClrLst/>
+    <dgm:txLinClrLst/>
+    <dgm:txFillClrLst meth="repeat">
+      <a:schemeClr val="dk1"/>
+    </dgm:txFillClrLst>
+    <dgm:txEffectClrLst/>
+  </dgm:styleLbl>
+  <dgm:styleLbl name="fgAcc0">
+    <dgm:fillClrLst meth="repeat">
+      <a:schemeClr val="lt2">
+        <a:alpha val="90000"/>
+      </a:schemeClr>
+    </dgm:fillClrLst>
+    <dgm:linClrLst meth="repeat">
+      <a:schemeClr val="dk2"/>
+    </dgm:linClrLst>
+    <dgm:effectClrLst/>
+    <dgm:txLinClrLst/>
+    <dgm:txFillClrLst meth="repeat">
+      <a:schemeClr val="dk1"/>
+    </dgm:txFillClrLst>
+    <dgm:txEffectClrLst/>
+  </dgm:styleLbl>
+  <dgm:styleLbl name="fgAcc2">
+    <dgm:fillClrLst meth="repeat">
+      <a:schemeClr val="lt2">
+        <a:alpha val="90000"/>
+      </a:schemeClr>
+    </dgm:fillClrLst>
+    <dgm:linClrLst meth="repeat">
+      <a:schemeClr val="dk2"/>
+    </dgm:linClrLst>
+    <dgm:effectClrLst/>
+    <dgm:txLinClrLst/>
+    <dgm:txFillClrLst meth="repeat">
+      <a:schemeClr val="dk1"/>
+    </dgm:txFillClrLst>
+    <dgm:txEffectClrLst/>
+  </dgm:styleLbl>
+  <dgm:styleLbl name="fgAcc3">
+    <dgm:fillClrLst meth="repeat">
+      <a:schemeClr val="lt2">
+        <a:alpha val="90000"/>
+      </a:schemeClr>
+    </dgm:fillClrLst>
+    <dgm:linClrLst meth="repeat">
+      <a:schemeClr val="dk2"/>
+    </dgm:linClrLst>
+    <dgm:effectClrLst/>
+    <dgm:txLinClrLst/>
+    <dgm:txFillClrLst meth="repeat">
+      <a:schemeClr val="dk1"/>
+    </dgm:txFillClrLst>
+    <dgm:txEffectClrLst/>
+  </dgm:styleLbl>
+  <dgm:styleLbl name="fgAcc4">
+    <dgm:fillClrLst meth="repeat">
+      <a:schemeClr val="lt2">
+        <a:alpha val="90000"/>
+      </a:schemeClr>
+    </dgm:fillClrLst>
+    <dgm:linClrLst meth="repeat">
+      <a:schemeClr val="dk2"/>
+    </dgm:linClrLst>
+    <dgm:effectClrLst/>
+    <dgm:txLinClrLst/>
+    <dgm:txFillClrLst meth="repeat">
+      <a:schemeClr val="dk1"/>
+    </dgm:txFillClrLst>
+    <dgm:txEffectClrLst/>
+  </dgm:styleLbl>
+  <dgm:styleLbl name="bgShp">
+    <dgm:fillClrLst meth="repeat">
+      <a:schemeClr val="dk2">
+        <a:tint val="40000"/>
+      </a:schemeClr>
+    </dgm:fillClrLst>
+    <dgm:linClrLst meth="repeat">
+      <a:schemeClr val="dk2"/>
+    </dgm:linClrLst>
+    <dgm:effectClrLst/>
+    <dgm:txLinClrLst/>
+    <dgm:txFillClrLst meth="repeat">
+      <a:schemeClr val="dk1"/>
+    </dgm:txFillClrLst>
+    <dgm:txEffectClrLst/>
+  </dgm:styleLbl>
+  <dgm:styleLbl name="dkBgShp">
+    <dgm:fillClrLst meth="repeat">
+      <a:schemeClr val="dk2">
+        <a:shade val="80000"/>
+      </a:schemeClr>
+    </dgm:fillClrLst>
+    <dgm:linClrLst meth="repeat">
+      <a:schemeClr val="dk2"/>
+    </dgm:linClrLst>
+    <dgm:effectClrLst/>
+    <dgm:txLinClrLst/>
+    <dgm:txFillClrLst meth="repeat">
+      <a:schemeClr val="lt1"/>
+    </dgm:txFillClrLst>
+    <dgm:txEffectClrLst/>
+  </dgm:styleLbl>
+  <dgm:styleLbl name="trBgShp">
+    <dgm:fillClrLst meth="repeat">
+      <a:schemeClr val="dk2">
+        <a:tint val="50000"/>
+        <a:alpha val="40000"/>
+      </a:schemeClr>
+    </dgm:fillClrLst>
+    <dgm:linClrLst meth="repeat">
+      <a:schemeClr val="dk2"/>
+    </dgm:linClrLst>
+    <dgm:effectClrLst/>
+    <dgm:txLinClrLst/>
+    <dgm:txFillClrLst meth="repeat">
+      <a:schemeClr val="lt1"/>
+    </dgm:txFillClrLst>
+    <dgm:txEffectClrLst/>
+  </dgm:styleLbl>
+  <dgm:styleLbl name="fgShp">
+    <dgm:fillClrLst meth="repeat">
+      <a:schemeClr val="dk2">
+        <a:tint val="60000"/>
+      </a:schemeClr>
+    </dgm:fillClrLst>
+    <dgm:linClrLst meth="repeat">
+      <a:schemeClr val="lt2"/>
+    </dgm:linClrLst>
+    <dgm:effectClrLst/>
+    <dgm:txLinClrLst/>
+    <dgm:txFillClrLst meth="repeat">
+      <a:schemeClr val="dk1"/>
+    </dgm:txFillClrLst>
+    <dgm:txEffectClrLst/>
+  </dgm:styleLbl>
+  <dgm:styleLbl name="revTx">
+    <dgm:fillClrLst meth="repeat">
+      <a:schemeClr val="lt2">
+        <a:alpha val="0"/>
+      </a:schemeClr>
+    </dgm:fillClrLst>
+    <dgm:linClrLst meth="repeat">
+      <a:schemeClr val="dk1">
+        <a:alpha val="0"/>
+      </a:schemeClr>
+    </dgm:linClrLst>
+    <dgm:effectClrLst/>
+    <dgm:txLinClrLst/>
+    <dgm:txFillClrLst meth="repeat">
+      <a:schemeClr val="tx1"/>
+    </dgm:txFillClrLst>
+    <dgm:txEffectClrLst/>
+  </dgm:styleLbl>
+</dgm:colorsDef>
+</file>
+
+<file path=ppt/diagrams/data1.xml><?xml version="1.0" encoding="utf-8"?>
+<dgm:dataModel xmlns:dgm="http://schemas.openxmlformats.org/drawingml/2006/diagram" xmlns:a="http://schemas.openxmlformats.org/drawingml/2006/main">
+  <dgm:ptLst>
+    <dgm:pt modelId="{8E2808F8-53B3-1B48-8CE3-5FF4DFFCF08B}" type="doc">
+      <dgm:prSet loTypeId="urn:microsoft.com/office/officeart/2005/8/layout/hierarchy2" loCatId="" qsTypeId="urn:microsoft.com/office/officeart/2005/8/quickstyle/simple4" qsCatId="simple" csTypeId="urn:microsoft.com/office/officeart/2005/8/colors/accent0_3" csCatId="mainScheme" phldr="1"/>
+      <dgm:spPr/>
+      <dgm:t>
+        <a:bodyPr/>
+        <a:lstStyle/>
+        <a:p>
+          <a:endParaRPr lang="en-US"/>
+        </a:p>
+      </dgm:t>
+    </dgm:pt>
+    <dgm:pt modelId="{409365A8-695F-0E4E-BBF5-D2D6499E733E}">
+      <dgm:prSet phldrT="[Text]"/>
+      <dgm:spPr/>
+      <dgm:t>
+        <a:bodyPr/>
+        <a:lstStyle/>
+        <a:p>
+          <a:r>
+            <a:rPr lang="en-US" dirty="0" smtClean="0"/>
+            <a:t>[Begin Turn]</a:t>
+          </a:r>
+          <a:endParaRPr lang="en-US" dirty="0"/>
+        </a:p>
+      </dgm:t>
+    </dgm:pt>
+    <dgm:pt modelId="{9D5F828E-CB12-554D-BCBE-4880497C81B4}" type="parTrans" cxnId="{E5ECA21A-702B-0141-BD9C-FD541007D7FB}">
+      <dgm:prSet/>
+      <dgm:spPr/>
+      <dgm:t>
+        <a:bodyPr/>
+        <a:lstStyle/>
+        <a:p>
+          <a:endParaRPr lang="en-US"/>
+        </a:p>
+      </dgm:t>
+    </dgm:pt>
+    <dgm:pt modelId="{A874E2A3-B47D-4743-8068-A2D4C9730E93}" type="sibTrans" cxnId="{E5ECA21A-702B-0141-BD9C-FD541007D7FB}">
+      <dgm:prSet/>
+      <dgm:spPr/>
+      <dgm:t>
+        <a:bodyPr/>
+        <a:lstStyle/>
+        <a:p>
+          <a:endParaRPr lang="en-US"/>
+        </a:p>
+      </dgm:t>
+    </dgm:pt>
+    <dgm:pt modelId="{635C4335-5832-1745-8881-AE79C6F2BD4B}">
+      <dgm:prSet phldrT="[Text]"/>
+      <dgm:spPr>
+        <a:solidFill>
+          <a:srgbClr val="92D050"/>
+        </a:solidFill>
+      </dgm:spPr>
+      <dgm:t>
+        <a:bodyPr/>
+        <a:lstStyle/>
+        <a:p>
+          <a:r>
+            <a:rPr lang="en-US" dirty="0" smtClean="0"/>
+            <a:t>Space: play attempted</a:t>
+          </a:r>
+          <a:endParaRPr lang="en-US" dirty="0"/>
+        </a:p>
+      </dgm:t>
+    </dgm:pt>
+    <dgm:pt modelId="{EC4EEB7A-2CDD-BA40-814F-F2C427A5A153}" type="parTrans" cxnId="{27880915-C455-D640-9300-3A75B27ADF94}">
+      <dgm:prSet/>
+      <dgm:spPr/>
+      <dgm:t>
+        <a:bodyPr/>
+        <a:lstStyle/>
+        <a:p>
+          <a:endParaRPr lang="en-US"/>
+        </a:p>
+      </dgm:t>
+    </dgm:pt>
+    <dgm:pt modelId="{F51F2EAE-BA36-DC42-ACFE-19AD4A6B0FCA}" type="sibTrans" cxnId="{27880915-C455-D640-9300-3A75B27ADF94}">
+      <dgm:prSet/>
+      <dgm:spPr/>
+      <dgm:t>
+        <a:bodyPr/>
+        <a:lstStyle/>
+        <a:p>
+          <a:endParaRPr lang="en-US"/>
+        </a:p>
+      </dgm:t>
+    </dgm:pt>
+    <dgm:pt modelId="{D32E186F-F900-D543-9689-00BED3E0FC85}">
+      <dgm:prSet phldrT="[Text]"/>
+      <dgm:spPr/>
+      <dgm:t>
+        <a:bodyPr/>
+        <a:lstStyle/>
+        <a:p>
+          <a:r>
+            <a:rPr lang="en-US" dirty="0" smtClean="0"/>
+            <a:t>'d': dumping</a:t>
+          </a:r>
+          <a:endParaRPr lang="en-US" dirty="0"/>
+        </a:p>
+      </dgm:t>
+    </dgm:pt>
+    <dgm:pt modelId="{AA1541EA-894D-ED4E-A8A0-B85EA0D5D017}" type="parTrans" cxnId="{7D5BEEA8-B6E3-364F-B262-36B0EBC2554F}">
+      <dgm:prSet/>
+      <dgm:spPr/>
+      <dgm:t>
+        <a:bodyPr/>
+        <a:lstStyle/>
+        <a:p>
+          <a:endParaRPr lang="en-US"/>
+        </a:p>
+      </dgm:t>
+    </dgm:pt>
+    <dgm:pt modelId="{A958D6B6-D83F-8E49-A912-6B70075E8291}" type="sibTrans" cxnId="{7D5BEEA8-B6E3-364F-B262-36B0EBC2554F}">
+      <dgm:prSet/>
+      <dgm:spPr/>
+      <dgm:t>
+        <a:bodyPr/>
+        <a:lstStyle/>
+        <a:p>
+          <a:endParaRPr lang="en-US"/>
+        </a:p>
+      </dgm:t>
+    </dgm:pt>
+    <dgm:pt modelId="{4E3CA060-BD40-FC4E-88F4-D0F38DBC257D}">
+      <dgm:prSet phldrT="[Text]"/>
+      <dgm:spPr/>
+      <dgm:t>
+        <a:bodyPr/>
+        <a:lstStyle/>
+        <a:p>
+          <a:r>
+            <a:rPr lang="en-US" dirty="0" smtClean="0"/>
+            <a:t>ADVANCE</a:t>
+          </a:r>
+          <a:endParaRPr lang="en-US" dirty="0"/>
+        </a:p>
+      </dgm:t>
+    </dgm:pt>
+    <dgm:pt modelId="{9C99B116-BD21-C847-B705-74D7AEB66C23}" type="parTrans" cxnId="{2BCEF8D1-6003-0846-8F0F-02577BC88CD9}">
+      <dgm:prSet/>
+      <dgm:spPr/>
+      <dgm:t>
+        <a:bodyPr/>
+        <a:lstStyle/>
+        <a:p>
+          <a:endParaRPr lang="en-US"/>
+        </a:p>
+      </dgm:t>
+    </dgm:pt>
+    <dgm:pt modelId="{605E2842-0744-AD4F-BCCC-7B93BF1A4C1D}" type="sibTrans" cxnId="{2BCEF8D1-6003-0846-8F0F-02577BC88CD9}">
+      <dgm:prSet/>
+      <dgm:spPr/>
+      <dgm:t>
+        <a:bodyPr/>
+        <a:lstStyle/>
+        <a:p>
+          <a:endParaRPr lang="en-US"/>
+        </a:p>
+      </dgm:t>
+    </dgm:pt>
+    <dgm:pt modelId="{836F51A9-FDF8-CE42-864A-84F74DAECE33}">
+      <dgm:prSet phldrT="[Text]"/>
+      <dgm:spPr/>
+      <dgm:t>
+        <a:bodyPr/>
+        <a:lstStyle/>
+        <a:p>
+          <a:r>
+            <a:rPr lang="en-US" dirty="0" smtClean="0"/>
+            <a:t>'p': pass</a:t>
+          </a:r>
+          <a:endParaRPr lang="en-US" dirty="0"/>
+        </a:p>
+      </dgm:t>
+    </dgm:pt>
+    <dgm:pt modelId="{F2795A48-49C2-FA49-9C65-F7D847B6634E}" type="parTrans" cxnId="{8EA2EE18-3C19-A344-BE82-3F7107B05C26}">
+      <dgm:prSet/>
+      <dgm:spPr/>
+      <dgm:t>
+        <a:bodyPr/>
+        <a:lstStyle/>
+        <a:p>
+          <a:endParaRPr lang="en-US"/>
+        </a:p>
+      </dgm:t>
+    </dgm:pt>
+    <dgm:pt modelId="{3DDC879E-76AD-BC4C-A56A-960BCFD69339}" type="sibTrans" cxnId="{8EA2EE18-3C19-A344-BE82-3F7107B05C26}">
+      <dgm:prSet/>
+      <dgm:spPr/>
+      <dgm:t>
+        <a:bodyPr/>
+        <a:lstStyle/>
+        <a:p>
+          <a:endParaRPr lang="en-US"/>
+        </a:p>
+      </dgm:t>
+    </dgm:pt>
+    <dgm:pt modelId="{EE64837A-0261-1544-A6B1-92F0CB3EF91A}">
+      <dgm:prSet phldrT="[Text]"/>
+      <dgm:spPr/>
+      <dgm:t>
+        <a:bodyPr/>
+        <a:lstStyle/>
+        <a:p>
+          <a:r>
+            <a:rPr lang="en-US" dirty="0" smtClean="0"/>
+            <a:t>ADVANCE</a:t>
+          </a:r>
+          <a:endParaRPr lang="en-US" dirty="0"/>
+        </a:p>
+      </dgm:t>
+    </dgm:pt>
+    <dgm:pt modelId="{50E35D7F-6229-C54F-AA56-6940C7C3B6CD}" type="parTrans" cxnId="{32D3F48F-20F0-7E4A-B390-50CB1B557CF1}">
+      <dgm:prSet/>
+      <dgm:spPr/>
+      <dgm:t>
+        <a:bodyPr/>
+        <a:lstStyle/>
+        <a:p>
+          <a:endParaRPr lang="en-US"/>
+        </a:p>
+      </dgm:t>
+    </dgm:pt>
+    <dgm:pt modelId="{0783DB35-0E61-0B4D-B323-9ECBE4D0E55D}" type="sibTrans" cxnId="{32D3F48F-20F0-7E4A-B390-50CB1B557CF1}">
+      <dgm:prSet/>
+      <dgm:spPr/>
+      <dgm:t>
+        <a:bodyPr/>
+        <a:lstStyle/>
+        <a:p>
+          <a:endParaRPr lang="en-US"/>
+        </a:p>
+      </dgm:t>
+    </dgm:pt>
+    <dgm:pt modelId="{424DB0AE-C7D3-3646-9C88-5DDB1282FA36}">
+      <dgm:prSet/>
+      <dgm:spPr>
+        <a:solidFill>
+          <a:srgbClr val="92D050"/>
+        </a:solidFill>
+      </dgm:spPr>
+      <dgm:t>
+        <a:bodyPr/>
+        <a:lstStyle/>
+        <a:p>
+          <a:r>
+            <a:rPr lang="en-US" dirty="0" smtClean="0"/>
+            <a:t>Valid?</a:t>
+          </a:r>
+        </a:p>
+        <a:p>
+          <a:r>
+            <a:rPr lang="en-US" dirty="0" smtClean="0"/>
+            <a:t>SCOR</a:t>
+          </a:r>
+          <a:r>
+            <a:rPr lang="en-US" baseline="0" dirty="0" smtClean="0"/>
+            <a:t>E, ADVANCE</a:t>
+          </a:r>
+          <a:r>
+            <a:rPr lang="en-US" dirty="0" smtClean="0"/>
+            <a:t> </a:t>
+          </a:r>
+          <a:endParaRPr lang="en-US" dirty="0"/>
+        </a:p>
+      </dgm:t>
+    </dgm:pt>
+    <dgm:pt modelId="{B4426B6D-C58F-7D4E-9861-767A3F26E54C}" type="parTrans" cxnId="{04D34ADF-F6CD-8542-A17E-A4393ABD940F}">
+      <dgm:prSet/>
+      <dgm:spPr/>
+      <dgm:t>
+        <a:bodyPr/>
+        <a:lstStyle/>
+        <a:p>
+          <a:endParaRPr lang="en-US"/>
+        </a:p>
+      </dgm:t>
+    </dgm:pt>
+    <dgm:pt modelId="{586CCDA3-D477-D140-A974-8F3770AFB201}" type="sibTrans" cxnId="{04D34ADF-F6CD-8542-A17E-A4393ABD940F}">
+      <dgm:prSet/>
+      <dgm:spPr/>
+      <dgm:t>
+        <a:bodyPr/>
+        <a:lstStyle/>
+        <a:p>
+          <a:endParaRPr lang="en-US"/>
+        </a:p>
+      </dgm:t>
+    </dgm:pt>
+    <dgm:pt modelId="{24B83393-93F7-AA47-9E37-835415A2D47F}">
+      <dgm:prSet/>
+      <dgm:spPr/>
+      <dgm:t>
+        <a:bodyPr/>
+        <a:lstStyle/>
+        <a:p>
+          <a:r>
+            <a:rPr lang="en-US" dirty="0" smtClean="0"/>
+            <a:t>ELSE, reset</a:t>
+          </a:r>
+          <a:endParaRPr lang="en-US" dirty="0"/>
+        </a:p>
+      </dgm:t>
+    </dgm:pt>
+    <dgm:pt modelId="{DA681B52-23FB-9749-BA61-98D6ADAE31D3}" type="parTrans" cxnId="{E468A796-609C-A84B-B883-BD93E1639B56}">
+      <dgm:prSet/>
+      <dgm:spPr/>
+      <dgm:t>
+        <a:bodyPr/>
+        <a:lstStyle/>
+        <a:p>
+          <a:endParaRPr lang="en-US"/>
+        </a:p>
+      </dgm:t>
+    </dgm:pt>
+    <dgm:pt modelId="{ABB49947-01FB-9F4D-BF29-6E44D65D3E72}" type="sibTrans" cxnId="{E468A796-609C-A84B-B883-BD93E1639B56}">
+      <dgm:prSet/>
+      <dgm:spPr/>
+      <dgm:t>
+        <a:bodyPr/>
+        <a:lstStyle/>
+        <a:p>
+          <a:endParaRPr lang="en-US"/>
+        </a:p>
+      </dgm:t>
+    </dgm:pt>
+    <dgm:pt modelId="{D8A3BB1E-ABB9-C348-B370-9921D6DE89B9}" type="pres">
+      <dgm:prSet presAssocID="{8E2808F8-53B3-1B48-8CE3-5FF4DFFCF08B}" presName="diagram" presStyleCnt="0">
+        <dgm:presLayoutVars>
+          <dgm:chPref val="1"/>
+          <dgm:dir/>
+          <dgm:animOne val="branch"/>
+          <dgm:animLvl val="lvl"/>
+          <dgm:resizeHandles val="exact"/>
+        </dgm:presLayoutVars>
+      </dgm:prSet>
+      <dgm:spPr/>
+      <dgm:t>
+        <a:bodyPr/>
+        <a:lstStyle/>
+        <a:p>
+          <a:endParaRPr lang="en-US"/>
+        </a:p>
+      </dgm:t>
+    </dgm:pt>
+    <dgm:pt modelId="{F82A1451-ADAF-1A4F-BE8C-1F41998F6001}" type="pres">
+      <dgm:prSet presAssocID="{409365A8-695F-0E4E-BBF5-D2D6499E733E}" presName="root1" presStyleCnt="0"/>
+      <dgm:spPr/>
+    </dgm:pt>
+    <dgm:pt modelId="{2D54AD62-7317-9C47-AA61-3B7E904A7679}" type="pres">
+      <dgm:prSet presAssocID="{409365A8-695F-0E4E-BBF5-D2D6499E733E}" presName="LevelOneTextNode" presStyleLbl="node0" presStyleIdx="0" presStyleCnt="1">
+        <dgm:presLayoutVars>
+          <dgm:chPref val="3"/>
+        </dgm:presLayoutVars>
+      </dgm:prSet>
+      <dgm:spPr/>
+      <dgm:t>
+        <a:bodyPr/>
+        <a:lstStyle/>
+        <a:p>
+          <a:endParaRPr lang="en-US"/>
+        </a:p>
+      </dgm:t>
+    </dgm:pt>
+    <dgm:pt modelId="{3BFA27DE-D977-F348-B8D9-32FE203B738E}" type="pres">
+      <dgm:prSet presAssocID="{409365A8-695F-0E4E-BBF5-D2D6499E733E}" presName="level2hierChild" presStyleCnt="0"/>
+      <dgm:spPr/>
+    </dgm:pt>
+    <dgm:pt modelId="{8C6BB07E-CBD1-8B45-8459-ACA9FAF25BD1}" type="pres">
+      <dgm:prSet presAssocID="{EC4EEB7A-2CDD-BA40-814F-F2C427A5A153}" presName="conn2-1" presStyleLbl="parChTrans1D2" presStyleIdx="0" presStyleCnt="3"/>
+      <dgm:spPr/>
+      <dgm:t>
+        <a:bodyPr/>
+        <a:lstStyle/>
+        <a:p>
+          <a:endParaRPr lang="en-US"/>
+        </a:p>
+      </dgm:t>
+    </dgm:pt>
+    <dgm:pt modelId="{0DF0FFEF-5ADE-CE4D-AFD8-50C89461A4B0}" type="pres">
+      <dgm:prSet presAssocID="{EC4EEB7A-2CDD-BA40-814F-F2C427A5A153}" presName="connTx" presStyleLbl="parChTrans1D2" presStyleIdx="0" presStyleCnt="3"/>
+      <dgm:spPr/>
+      <dgm:t>
+        <a:bodyPr/>
+        <a:lstStyle/>
+        <a:p>
+          <a:endParaRPr lang="en-US"/>
+        </a:p>
+      </dgm:t>
+    </dgm:pt>
+    <dgm:pt modelId="{339FF5C7-A7C3-A343-8A43-781F1A0A5D2E}" type="pres">
+      <dgm:prSet presAssocID="{635C4335-5832-1745-8881-AE79C6F2BD4B}" presName="root2" presStyleCnt="0"/>
+      <dgm:spPr/>
+    </dgm:pt>
+    <dgm:pt modelId="{76E780EE-D419-B448-9EA2-8FC285CA32FC}" type="pres">
+      <dgm:prSet presAssocID="{635C4335-5832-1745-8881-AE79C6F2BD4B}" presName="LevelTwoTextNode" presStyleLbl="node2" presStyleIdx="0" presStyleCnt="3">
+        <dgm:presLayoutVars>
+          <dgm:chPref val="3"/>
+        </dgm:presLayoutVars>
+      </dgm:prSet>
+      <dgm:spPr/>
+      <dgm:t>
+        <a:bodyPr/>
+        <a:lstStyle/>
+        <a:p>
+          <a:endParaRPr lang="en-US"/>
+        </a:p>
+      </dgm:t>
+    </dgm:pt>
+    <dgm:pt modelId="{8D7D10C1-2F64-1C40-B7DA-58DF7A478013}" type="pres">
+      <dgm:prSet presAssocID="{635C4335-5832-1745-8881-AE79C6F2BD4B}" presName="level3hierChild" presStyleCnt="0"/>
+      <dgm:spPr/>
+    </dgm:pt>
+    <dgm:pt modelId="{7CFF9D29-A0FD-EE4E-97AB-7323C374BF49}" type="pres">
+      <dgm:prSet presAssocID="{B4426B6D-C58F-7D4E-9861-767A3F26E54C}" presName="conn2-1" presStyleLbl="parChTrans1D3" presStyleIdx="0" presStyleCnt="4"/>
+      <dgm:spPr/>
+      <dgm:t>
+        <a:bodyPr/>
+        <a:lstStyle/>
+        <a:p>
+          <a:endParaRPr lang="en-US"/>
+        </a:p>
+      </dgm:t>
+    </dgm:pt>
+    <dgm:pt modelId="{8ECAE464-7D15-AB49-949B-F5857C01F6A5}" type="pres">
+      <dgm:prSet presAssocID="{B4426B6D-C58F-7D4E-9861-767A3F26E54C}" presName="connTx" presStyleLbl="parChTrans1D3" presStyleIdx="0" presStyleCnt="4"/>
+      <dgm:spPr/>
+      <dgm:t>
+        <a:bodyPr/>
+        <a:lstStyle/>
+        <a:p>
+          <a:endParaRPr lang="en-US"/>
+        </a:p>
+      </dgm:t>
+    </dgm:pt>
+    <dgm:pt modelId="{44448877-4F0D-D042-858A-A98F27174013}" type="pres">
+      <dgm:prSet presAssocID="{424DB0AE-C7D3-3646-9C88-5DDB1282FA36}" presName="root2" presStyleCnt="0"/>
+      <dgm:spPr/>
+    </dgm:pt>
+    <dgm:pt modelId="{C2545384-7025-5A46-99D9-A83C55A9095D}" type="pres">
+      <dgm:prSet presAssocID="{424DB0AE-C7D3-3646-9C88-5DDB1282FA36}" presName="LevelTwoTextNode" presStyleLbl="node3" presStyleIdx="0" presStyleCnt="4">
+        <dgm:presLayoutVars>
+          <dgm:chPref val="3"/>
+        </dgm:presLayoutVars>
+      </dgm:prSet>
+      <dgm:spPr/>
+      <dgm:t>
+        <a:bodyPr/>
+        <a:lstStyle/>
+        <a:p>
+          <a:endParaRPr lang="en-US"/>
+        </a:p>
+      </dgm:t>
+    </dgm:pt>
+    <dgm:pt modelId="{E85203D7-DD35-194A-B500-6B88F79A1C91}" type="pres">
+      <dgm:prSet presAssocID="{424DB0AE-C7D3-3646-9C88-5DDB1282FA36}" presName="level3hierChild" presStyleCnt="0"/>
+      <dgm:spPr/>
+    </dgm:pt>
+    <dgm:pt modelId="{E14D251C-00CF-7747-9B2F-6CF23CA9C272}" type="pres">
+      <dgm:prSet presAssocID="{DA681B52-23FB-9749-BA61-98D6ADAE31D3}" presName="conn2-1" presStyleLbl="parChTrans1D3" presStyleIdx="1" presStyleCnt="4"/>
+      <dgm:spPr/>
+      <dgm:t>
+        <a:bodyPr/>
+        <a:lstStyle/>
+        <a:p>
+          <a:endParaRPr lang="en-US"/>
+        </a:p>
+      </dgm:t>
+    </dgm:pt>
+    <dgm:pt modelId="{C052BFAB-195E-7247-9F9A-2E3D60142921}" type="pres">
+      <dgm:prSet presAssocID="{DA681B52-23FB-9749-BA61-98D6ADAE31D3}" presName="connTx" presStyleLbl="parChTrans1D3" presStyleIdx="1" presStyleCnt="4"/>
+      <dgm:spPr/>
+      <dgm:t>
+        <a:bodyPr/>
+        <a:lstStyle/>
+        <a:p>
+          <a:endParaRPr lang="en-US"/>
+        </a:p>
+      </dgm:t>
+    </dgm:pt>
+    <dgm:pt modelId="{72DBD9ED-9955-C54F-B8CB-9C9D8955398E}" type="pres">
+      <dgm:prSet presAssocID="{24B83393-93F7-AA47-9E37-835415A2D47F}" presName="root2" presStyleCnt="0"/>
+      <dgm:spPr/>
+    </dgm:pt>
+    <dgm:pt modelId="{E3D88725-216C-5D4A-AACA-BB024DCF16BF}" type="pres">
+      <dgm:prSet presAssocID="{24B83393-93F7-AA47-9E37-835415A2D47F}" presName="LevelTwoTextNode" presStyleLbl="node3" presStyleIdx="1" presStyleCnt="4">
+        <dgm:presLayoutVars>
+          <dgm:chPref val="3"/>
+        </dgm:presLayoutVars>
+      </dgm:prSet>
+      <dgm:spPr/>
+      <dgm:t>
+        <a:bodyPr/>
+        <a:lstStyle/>
+        <a:p>
+          <a:endParaRPr lang="en-US"/>
+        </a:p>
+      </dgm:t>
+    </dgm:pt>
+    <dgm:pt modelId="{29AB69A3-5237-A847-810D-D156C6C4C2FA}" type="pres">
+      <dgm:prSet presAssocID="{24B83393-93F7-AA47-9E37-835415A2D47F}" presName="level3hierChild" presStyleCnt="0"/>
+      <dgm:spPr/>
+    </dgm:pt>
+    <dgm:pt modelId="{54B60A1D-CD6B-AE46-AC8A-2F8A51C49868}" type="pres">
+      <dgm:prSet presAssocID="{AA1541EA-894D-ED4E-A8A0-B85EA0D5D017}" presName="conn2-1" presStyleLbl="parChTrans1D2" presStyleIdx="1" presStyleCnt="3"/>
+      <dgm:spPr/>
+      <dgm:t>
+        <a:bodyPr/>
+        <a:lstStyle/>
+        <a:p>
+          <a:endParaRPr lang="en-US"/>
+        </a:p>
+      </dgm:t>
+    </dgm:pt>
+    <dgm:pt modelId="{624D9768-E6BA-1248-B45E-F75B9EA90663}" type="pres">
+      <dgm:prSet presAssocID="{AA1541EA-894D-ED4E-A8A0-B85EA0D5D017}" presName="connTx" presStyleLbl="parChTrans1D2" presStyleIdx="1" presStyleCnt="3"/>
+      <dgm:spPr/>
+      <dgm:t>
+        <a:bodyPr/>
+        <a:lstStyle/>
+        <a:p>
+          <a:endParaRPr lang="en-US"/>
+        </a:p>
+      </dgm:t>
+    </dgm:pt>
+    <dgm:pt modelId="{8C93DC5B-6401-0648-9153-DCE2FA46CE1F}" type="pres">
+      <dgm:prSet presAssocID="{D32E186F-F900-D543-9689-00BED3E0FC85}" presName="root2" presStyleCnt="0"/>
+      <dgm:spPr/>
+    </dgm:pt>
+    <dgm:pt modelId="{BE645681-3098-CF47-B3B8-7136AC50305E}" type="pres">
+      <dgm:prSet presAssocID="{D32E186F-F900-D543-9689-00BED3E0FC85}" presName="LevelTwoTextNode" presStyleLbl="node2" presStyleIdx="1" presStyleCnt="3">
+        <dgm:presLayoutVars>
+          <dgm:chPref val="3"/>
+        </dgm:presLayoutVars>
+      </dgm:prSet>
+      <dgm:spPr/>
+      <dgm:t>
+        <a:bodyPr/>
+        <a:lstStyle/>
+        <a:p>
+          <a:endParaRPr lang="en-US"/>
+        </a:p>
+      </dgm:t>
+    </dgm:pt>
+    <dgm:pt modelId="{7DE5D8FE-EC1B-7A45-BA58-1A5AFAE27D84}" type="pres">
+      <dgm:prSet presAssocID="{D32E186F-F900-D543-9689-00BED3E0FC85}" presName="level3hierChild" presStyleCnt="0"/>
+      <dgm:spPr/>
+    </dgm:pt>
+    <dgm:pt modelId="{DA11DCD8-3760-204E-811D-797971806BC2}" type="pres">
+      <dgm:prSet presAssocID="{9C99B116-BD21-C847-B705-74D7AEB66C23}" presName="conn2-1" presStyleLbl="parChTrans1D3" presStyleIdx="2" presStyleCnt="4"/>
+      <dgm:spPr/>
+      <dgm:t>
+        <a:bodyPr/>
+        <a:lstStyle/>
+        <a:p>
+          <a:endParaRPr lang="en-US"/>
+        </a:p>
+      </dgm:t>
+    </dgm:pt>
+    <dgm:pt modelId="{A5617D7B-B82D-D644-AC4C-9AA163B45BF5}" type="pres">
+      <dgm:prSet presAssocID="{9C99B116-BD21-C847-B705-74D7AEB66C23}" presName="connTx" presStyleLbl="parChTrans1D3" presStyleIdx="2" presStyleCnt="4"/>
+      <dgm:spPr/>
+      <dgm:t>
+        <a:bodyPr/>
+        <a:lstStyle/>
+        <a:p>
+          <a:endParaRPr lang="en-US"/>
+        </a:p>
+      </dgm:t>
+    </dgm:pt>
+    <dgm:pt modelId="{C2AF5D93-5C8A-4745-8812-C55E36C90DB5}" type="pres">
+      <dgm:prSet presAssocID="{4E3CA060-BD40-FC4E-88F4-D0F38DBC257D}" presName="root2" presStyleCnt="0"/>
+      <dgm:spPr/>
+    </dgm:pt>
+    <dgm:pt modelId="{FB3D1869-FDC3-8941-AD3E-189D80064941}" type="pres">
+      <dgm:prSet presAssocID="{4E3CA060-BD40-FC4E-88F4-D0F38DBC257D}" presName="LevelTwoTextNode" presStyleLbl="node3" presStyleIdx="2" presStyleCnt="4">
+        <dgm:presLayoutVars>
+          <dgm:chPref val="3"/>
+        </dgm:presLayoutVars>
+      </dgm:prSet>
+      <dgm:spPr/>
+      <dgm:t>
+        <a:bodyPr/>
+        <a:lstStyle/>
+        <a:p>
+          <a:endParaRPr lang="en-US"/>
+        </a:p>
+      </dgm:t>
+    </dgm:pt>
+    <dgm:pt modelId="{9D5F8F99-BC4F-AF42-B298-1C244533674C}" type="pres">
+      <dgm:prSet presAssocID="{4E3CA060-BD40-FC4E-88F4-D0F38DBC257D}" presName="level3hierChild" presStyleCnt="0"/>
+      <dgm:spPr/>
+    </dgm:pt>
+    <dgm:pt modelId="{D16F5D25-2B91-C143-8EB3-50EE502CF83A}" type="pres">
+      <dgm:prSet presAssocID="{F2795A48-49C2-FA49-9C65-F7D847B6634E}" presName="conn2-1" presStyleLbl="parChTrans1D2" presStyleIdx="2" presStyleCnt="3"/>
+      <dgm:spPr/>
+      <dgm:t>
+        <a:bodyPr/>
+        <a:lstStyle/>
+        <a:p>
+          <a:endParaRPr lang="en-US"/>
+        </a:p>
+      </dgm:t>
+    </dgm:pt>
+    <dgm:pt modelId="{F2F6D7B7-2C8C-A548-B930-B4B8B442F810}" type="pres">
+      <dgm:prSet presAssocID="{F2795A48-49C2-FA49-9C65-F7D847B6634E}" presName="connTx" presStyleLbl="parChTrans1D2" presStyleIdx="2" presStyleCnt="3"/>
+      <dgm:spPr/>
+      <dgm:t>
+        <a:bodyPr/>
+        <a:lstStyle/>
+        <a:p>
+          <a:endParaRPr lang="en-US"/>
+        </a:p>
+      </dgm:t>
+    </dgm:pt>
+    <dgm:pt modelId="{41773B5C-EE3B-7E4C-A29A-76E67D14F3E9}" type="pres">
+      <dgm:prSet presAssocID="{836F51A9-FDF8-CE42-864A-84F74DAECE33}" presName="root2" presStyleCnt="0"/>
+      <dgm:spPr/>
+    </dgm:pt>
+    <dgm:pt modelId="{9056B607-8920-4540-993D-CC823FF954D7}" type="pres">
+      <dgm:prSet presAssocID="{836F51A9-FDF8-CE42-864A-84F74DAECE33}" presName="LevelTwoTextNode" presStyleLbl="node2" presStyleIdx="2" presStyleCnt="3">
+        <dgm:presLayoutVars>
+          <dgm:chPref val="3"/>
+        </dgm:presLayoutVars>
+      </dgm:prSet>
+      <dgm:spPr/>
+      <dgm:t>
+        <a:bodyPr/>
+        <a:lstStyle/>
+        <a:p>
+          <a:endParaRPr lang="en-US"/>
+        </a:p>
+      </dgm:t>
+    </dgm:pt>
+    <dgm:pt modelId="{72B3F84D-4B02-6B45-9108-D66A4038B491}" type="pres">
+      <dgm:prSet presAssocID="{836F51A9-FDF8-CE42-864A-84F74DAECE33}" presName="level3hierChild" presStyleCnt="0"/>
+      <dgm:spPr/>
+    </dgm:pt>
+    <dgm:pt modelId="{751ACA4A-DE6D-9A4E-B64E-6D4E2FC03EDD}" type="pres">
+      <dgm:prSet presAssocID="{50E35D7F-6229-C54F-AA56-6940C7C3B6CD}" presName="conn2-1" presStyleLbl="parChTrans1D3" presStyleIdx="3" presStyleCnt="4"/>
+      <dgm:spPr/>
+      <dgm:t>
+        <a:bodyPr/>
+        <a:lstStyle/>
+        <a:p>
+          <a:endParaRPr lang="en-US"/>
+        </a:p>
+      </dgm:t>
+    </dgm:pt>
+    <dgm:pt modelId="{E380DA1A-168D-C141-9526-309B096E44F4}" type="pres">
+      <dgm:prSet presAssocID="{50E35D7F-6229-C54F-AA56-6940C7C3B6CD}" presName="connTx" presStyleLbl="parChTrans1D3" presStyleIdx="3" presStyleCnt="4"/>
+      <dgm:spPr/>
+      <dgm:t>
+        <a:bodyPr/>
+        <a:lstStyle/>
+        <a:p>
+          <a:endParaRPr lang="en-US"/>
+        </a:p>
+      </dgm:t>
+    </dgm:pt>
+    <dgm:pt modelId="{2AD1C582-1D51-8C46-AA1A-66303A120F00}" type="pres">
+      <dgm:prSet presAssocID="{EE64837A-0261-1544-A6B1-92F0CB3EF91A}" presName="root2" presStyleCnt="0"/>
+      <dgm:spPr/>
+    </dgm:pt>
+    <dgm:pt modelId="{463E4E44-8642-C048-909F-1593637B9C20}" type="pres">
+      <dgm:prSet presAssocID="{EE64837A-0261-1544-A6B1-92F0CB3EF91A}" presName="LevelTwoTextNode" presStyleLbl="node3" presStyleIdx="3" presStyleCnt="4">
+        <dgm:presLayoutVars>
+          <dgm:chPref val="3"/>
+        </dgm:presLayoutVars>
+      </dgm:prSet>
+      <dgm:spPr/>
+      <dgm:t>
+        <a:bodyPr/>
+        <a:lstStyle/>
+        <a:p>
+          <a:endParaRPr lang="en-US"/>
+        </a:p>
+      </dgm:t>
+    </dgm:pt>
+    <dgm:pt modelId="{77BB6D4E-459A-714F-A670-0B910FDECE66}" type="pres">
+      <dgm:prSet presAssocID="{EE64837A-0261-1544-A6B1-92F0CB3EF91A}" presName="level3hierChild" presStyleCnt="0"/>
+      <dgm:spPr/>
+    </dgm:pt>
+  </dgm:ptLst>
+  <dgm:cxnLst>
+    <dgm:cxn modelId="{D84EECB3-A224-E947-9514-97D714F99A7D}" type="presOf" srcId="{50E35D7F-6229-C54F-AA56-6940C7C3B6CD}" destId="{E380DA1A-168D-C141-9526-309B096E44F4}" srcOrd="1" destOrd="0" presId="urn:microsoft.com/office/officeart/2005/8/layout/hierarchy2"/>
+    <dgm:cxn modelId="{2BCEF8D1-6003-0846-8F0F-02577BC88CD9}" srcId="{D32E186F-F900-D543-9689-00BED3E0FC85}" destId="{4E3CA060-BD40-FC4E-88F4-D0F38DBC257D}" srcOrd="0" destOrd="0" parTransId="{9C99B116-BD21-C847-B705-74D7AEB66C23}" sibTransId="{605E2842-0744-AD4F-BCCC-7B93BF1A4C1D}"/>
+    <dgm:cxn modelId="{D5604A5B-D974-E54B-AD8D-0D292F5C6F77}" type="presOf" srcId="{4E3CA060-BD40-FC4E-88F4-D0F38DBC257D}" destId="{FB3D1869-FDC3-8941-AD3E-189D80064941}" srcOrd="0" destOrd="0" presId="urn:microsoft.com/office/officeart/2005/8/layout/hierarchy2"/>
+    <dgm:cxn modelId="{686DBA9A-AE03-FE4F-B124-0C809B46FF0A}" type="presOf" srcId="{635C4335-5832-1745-8881-AE79C6F2BD4B}" destId="{76E780EE-D419-B448-9EA2-8FC285CA32FC}" srcOrd="0" destOrd="0" presId="urn:microsoft.com/office/officeart/2005/8/layout/hierarchy2"/>
+    <dgm:cxn modelId="{DC0C6F8F-927C-BA4F-A18D-0831B289E802}" type="presOf" srcId="{AA1541EA-894D-ED4E-A8A0-B85EA0D5D017}" destId="{624D9768-E6BA-1248-B45E-F75B9EA90663}" srcOrd="1" destOrd="0" presId="urn:microsoft.com/office/officeart/2005/8/layout/hierarchy2"/>
+    <dgm:cxn modelId="{32D3F48F-20F0-7E4A-B390-50CB1B557CF1}" srcId="{836F51A9-FDF8-CE42-864A-84F74DAECE33}" destId="{EE64837A-0261-1544-A6B1-92F0CB3EF91A}" srcOrd="0" destOrd="0" parTransId="{50E35D7F-6229-C54F-AA56-6940C7C3B6CD}" sibTransId="{0783DB35-0E61-0B4D-B323-9ECBE4D0E55D}"/>
+    <dgm:cxn modelId="{E468A796-609C-A84B-B883-BD93E1639B56}" srcId="{635C4335-5832-1745-8881-AE79C6F2BD4B}" destId="{24B83393-93F7-AA47-9E37-835415A2D47F}" srcOrd="1" destOrd="0" parTransId="{DA681B52-23FB-9749-BA61-98D6ADAE31D3}" sibTransId="{ABB49947-01FB-9F4D-BF29-6E44D65D3E72}"/>
+    <dgm:cxn modelId="{4C92EA16-DE62-6047-8A62-136D55E5A15F}" type="presOf" srcId="{9C99B116-BD21-C847-B705-74D7AEB66C23}" destId="{A5617D7B-B82D-D644-AC4C-9AA163B45BF5}" srcOrd="1" destOrd="0" presId="urn:microsoft.com/office/officeart/2005/8/layout/hierarchy2"/>
+    <dgm:cxn modelId="{04D34ADF-F6CD-8542-A17E-A4393ABD940F}" srcId="{635C4335-5832-1745-8881-AE79C6F2BD4B}" destId="{424DB0AE-C7D3-3646-9C88-5DDB1282FA36}" srcOrd="0" destOrd="0" parTransId="{B4426B6D-C58F-7D4E-9861-767A3F26E54C}" sibTransId="{586CCDA3-D477-D140-A974-8F3770AFB201}"/>
+    <dgm:cxn modelId="{9992D849-A8D3-3840-B16E-4B516384E564}" type="presOf" srcId="{AA1541EA-894D-ED4E-A8A0-B85EA0D5D017}" destId="{54B60A1D-CD6B-AE46-AC8A-2F8A51C49868}" srcOrd="0" destOrd="0" presId="urn:microsoft.com/office/officeart/2005/8/layout/hierarchy2"/>
+    <dgm:cxn modelId="{A12D3CBA-12B3-524D-8876-84C2F6F2B0C3}" type="presOf" srcId="{DA681B52-23FB-9749-BA61-98D6ADAE31D3}" destId="{E14D251C-00CF-7747-9B2F-6CF23CA9C272}" srcOrd="0" destOrd="0" presId="urn:microsoft.com/office/officeart/2005/8/layout/hierarchy2"/>
+    <dgm:cxn modelId="{E2DEE61C-FA83-4A40-9CF1-2E4079581CE3}" type="presOf" srcId="{F2795A48-49C2-FA49-9C65-F7D847B6634E}" destId="{D16F5D25-2B91-C143-8EB3-50EE502CF83A}" srcOrd="0" destOrd="0" presId="urn:microsoft.com/office/officeart/2005/8/layout/hierarchy2"/>
+    <dgm:cxn modelId="{033DC51C-6DDC-4D4B-8C5E-26F8E209FD25}" type="presOf" srcId="{24B83393-93F7-AA47-9E37-835415A2D47F}" destId="{E3D88725-216C-5D4A-AACA-BB024DCF16BF}" srcOrd="0" destOrd="0" presId="urn:microsoft.com/office/officeart/2005/8/layout/hierarchy2"/>
+    <dgm:cxn modelId="{E22BA48D-8EC6-564A-90E0-2A5ED09466EB}" type="presOf" srcId="{424DB0AE-C7D3-3646-9C88-5DDB1282FA36}" destId="{C2545384-7025-5A46-99D9-A83C55A9095D}" srcOrd="0" destOrd="0" presId="urn:microsoft.com/office/officeart/2005/8/layout/hierarchy2"/>
+    <dgm:cxn modelId="{2CDC1523-FB98-D149-B12D-EB41AEAE172E}" type="presOf" srcId="{409365A8-695F-0E4E-BBF5-D2D6499E733E}" destId="{2D54AD62-7317-9C47-AA61-3B7E904A7679}" srcOrd="0" destOrd="0" presId="urn:microsoft.com/office/officeart/2005/8/layout/hierarchy2"/>
+    <dgm:cxn modelId="{AFFE3E5A-1F40-7945-AE0E-1F02172FE746}" type="presOf" srcId="{DA681B52-23FB-9749-BA61-98D6ADAE31D3}" destId="{C052BFAB-195E-7247-9F9A-2E3D60142921}" srcOrd="1" destOrd="0" presId="urn:microsoft.com/office/officeart/2005/8/layout/hierarchy2"/>
+    <dgm:cxn modelId="{7D5BEEA8-B6E3-364F-B262-36B0EBC2554F}" srcId="{409365A8-695F-0E4E-BBF5-D2D6499E733E}" destId="{D32E186F-F900-D543-9689-00BED3E0FC85}" srcOrd="1" destOrd="0" parTransId="{AA1541EA-894D-ED4E-A8A0-B85EA0D5D017}" sibTransId="{A958D6B6-D83F-8E49-A912-6B70075E8291}"/>
+    <dgm:cxn modelId="{466A65B4-0ED3-AD40-8B1F-52D7E592B74F}" type="presOf" srcId="{EE64837A-0261-1544-A6B1-92F0CB3EF91A}" destId="{463E4E44-8642-C048-909F-1593637B9C20}" srcOrd="0" destOrd="0" presId="urn:microsoft.com/office/officeart/2005/8/layout/hierarchy2"/>
+    <dgm:cxn modelId="{E5ECA21A-702B-0141-BD9C-FD541007D7FB}" srcId="{8E2808F8-53B3-1B48-8CE3-5FF4DFFCF08B}" destId="{409365A8-695F-0E4E-BBF5-D2D6499E733E}" srcOrd="0" destOrd="0" parTransId="{9D5F828E-CB12-554D-BCBE-4880497C81B4}" sibTransId="{A874E2A3-B47D-4743-8068-A2D4C9730E93}"/>
+    <dgm:cxn modelId="{9E2B8D34-F532-B843-B342-BBB649E31FCC}" type="presOf" srcId="{9C99B116-BD21-C847-B705-74D7AEB66C23}" destId="{DA11DCD8-3760-204E-811D-797971806BC2}" srcOrd="0" destOrd="0" presId="urn:microsoft.com/office/officeart/2005/8/layout/hierarchy2"/>
+    <dgm:cxn modelId="{F6142088-8148-424D-95FB-3F243765CD73}" type="presOf" srcId="{B4426B6D-C58F-7D4E-9861-767A3F26E54C}" destId="{7CFF9D29-A0FD-EE4E-97AB-7323C374BF49}" srcOrd="0" destOrd="0" presId="urn:microsoft.com/office/officeart/2005/8/layout/hierarchy2"/>
+    <dgm:cxn modelId="{37B04AA3-3737-A947-8D9D-DA520D130C48}" type="presOf" srcId="{F2795A48-49C2-FA49-9C65-F7D847B6634E}" destId="{F2F6D7B7-2C8C-A548-B930-B4B8B442F810}" srcOrd="1" destOrd="0" presId="urn:microsoft.com/office/officeart/2005/8/layout/hierarchy2"/>
+    <dgm:cxn modelId="{B848E5EC-3ED1-8F48-9E5B-0B5BD468B61C}" type="presOf" srcId="{D32E186F-F900-D543-9689-00BED3E0FC85}" destId="{BE645681-3098-CF47-B3B8-7136AC50305E}" srcOrd="0" destOrd="0" presId="urn:microsoft.com/office/officeart/2005/8/layout/hierarchy2"/>
+    <dgm:cxn modelId="{8EA2EE18-3C19-A344-BE82-3F7107B05C26}" srcId="{409365A8-695F-0E4E-BBF5-D2D6499E733E}" destId="{836F51A9-FDF8-CE42-864A-84F74DAECE33}" srcOrd="2" destOrd="0" parTransId="{F2795A48-49C2-FA49-9C65-F7D847B6634E}" sibTransId="{3DDC879E-76AD-BC4C-A56A-960BCFD69339}"/>
+    <dgm:cxn modelId="{44B5DF90-FEE8-814A-8773-C7A61915D9D9}" type="presOf" srcId="{EC4EEB7A-2CDD-BA40-814F-F2C427A5A153}" destId="{8C6BB07E-CBD1-8B45-8459-ACA9FAF25BD1}" srcOrd="0" destOrd="0" presId="urn:microsoft.com/office/officeart/2005/8/layout/hierarchy2"/>
+    <dgm:cxn modelId="{27880915-C455-D640-9300-3A75B27ADF94}" srcId="{409365A8-695F-0E4E-BBF5-D2D6499E733E}" destId="{635C4335-5832-1745-8881-AE79C6F2BD4B}" srcOrd="0" destOrd="0" parTransId="{EC4EEB7A-2CDD-BA40-814F-F2C427A5A153}" sibTransId="{F51F2EAE-BA36-DC42-ACFE-19AD4A6B0FCA}"/>
+    <dgm:cxn modelId="{8322ABFC-7A65-8B4C-A5F9-3C809D821DDF}" type="presOf" srcId="{EC4EEB7A-2CDD-BA40-814F-F2C427A5A153}" destId="{0DF0FFEF-5ADE-CE4D-AFD8-50C89461A4B0}" srcOrd="1" destOrd="0" presId="urn:microsoft.com/office/officeart/2005/8/layout/hierarchy2"/>
+    <dgm:cxn modelId="{3E457F00-6924-ED49-BC0C-B4A618B5EFAF}" type="presOf" srcId="{836F51A9-FDF8-CE42-864A-84F74DAECE33}" destId="{9056B607-8920-4540-993D-CC823FF954D7}" srcOrd="0" destOrd="0" presId="urn:microsoft.com/office/officeart/2005/8/layout/hierarchy2"/>
+    <dgm:cxn modelId="{248FD92B-2576-C34F-98DB-E357C6E831BB}" type="presOf" srcId="{8E2808F8-53B3-1B48-8CE3-5FF4DFFCF08B}" destId="{D8A3BB1E-ABB9-C348-B370-9921D6DE89B9}" srcOrd="0" destOrd="0" presId="urn:microsoft.com/office/officeart/2005/8/layout/hierarchy2"/>
+    <dgm:cxn modelId="{E8A5EDFD-F760-7E40-B247-89653DB55791}" type="presOf" srcId="{50E35D7F-6229-C54F-AA56-6940C7C3B6CD}" destId="{751ACA4A-DE6D-9A4E-B64E-6D4E2FC03EDD}" srcOrd="0" destOrd="0" presId="urn:microsoft.com/office/officeart/2005/8/layout/hierarchy2"/>
+    <dgm:cxn modelId="{A169F5AA-384F-5C47-B7BE-D0DB09C94721}" type="presOf" srcId="{B4426B6D-C58F-7D4E-9861-767A3F26E54C}" destId="{8ECAE464-7D15-AB49-949B-F5857C01F6A5}" srcOrd="1" destOrd="0" presId="urn:microsoft.com/office/officeart/2005/8/layout/hierarchy2"/>
+    <dgm:cxn modelId="{3DDDE2F2-C871-964B-A676-4C5B5B10D40F}" type="presParOf" srcId="{D8A3BB1E-ABB9-C348-B370-9921D6DE89B9}" destId="{F82A1451-ADAF-1A4F-BE8C-1F41998F6001}" srcOrd="0" destOrd="0" presId="urn:microsoft.com/office/officeart/2005/8/layout/hierarchy2"/>
+    <dgm:cxn modelId="{D4FC801A-1CF9-3849-9A2B-B8E96322A7F7}" type="presParOf" srcId="{F82A1451-ADAF-1A4F-BE8C-1F41998F6001}" destId="{2D54AD62-7317-9C47-AA61-3B7E904A7679}" srcOrd="0" destOrd="0" presId="urn:microsoft.com/office/officeart/2005/8/layout/hierarchy2"/>
+    <dgm:cxn modelId="{75E45F38-2D4B-9946-96C7-3CCFEE8BBDCB}" type="presParOf" srcId="{F82A1451-ADAF-1A4F-BE8C-1F41998F6001}" destId="{3BFA27DE-D977-F348-B8D9-32FE203B738E}" srcOrd="1" destOrd="0" presId="urn:microsoft.com/office/officeart/2005/8/layout/hierarchy2"/>
+    <dgm:cxn modelId="{3E550F86-3978-314C-AC3C-A881E4588F37}" type="presParOf" srcId="{3BFA27DE-D977-F348-B8D9-32FE203B738E}" destId="{8C6BB07E-CBD1-8B45-8459-ACA9FAF25BD1}" srcOrd="0" destOrd="0" presId="urn:microsoft.com/office/officeart/2005/8/layout/hierarchy2"/>
+    <dgm:cxn modelId="{91B47BD1-9380-9241-9B0E-A19EDD5199D8}" type="presParOf" srcId="{8C6BB07E-CBD1-8B45-8459-ACA9FAF25BD1}" destId="{0DF0FFEF-5ADE-CE4D-AFD8-50C89461A4B0}" srcOrd="0" destOrd="0" presId="urn:microsoft.com/office/officeart/2005/8/layout/hierarchy2"/>
+    <dgm:cxn modelId="{7073562B-DFC2-7442-AAB6-EF6BA21BB74F}" type="presParOf" srcId="{3BFA27DE-D977-F348-B8D9-32FE203B738E}" destId="{339FF5C7-A7C3-A343-8A43-781F1A0A5D2E}" srcOrd="1" destOrd="0" presId="urn:microsoft.com/office/officeart/2005/8/layout/hierarchy2"/>
+    <dgm:cxn modelId="{7BA56226-F86C-F44C-BE25-EEB80AC8DE31}" type="presParOf" srcId="{339FF5C7-A7C3-A343-8A43-781F1A0A5D2E}" destId="{76E780EE-D419-B448-9EA2-8FC285CA32FC}" srcOrd="0" destOrd="0" presId="urn:microsoft.com/office/officeart/2005/8/layout/hierarchy2"/>
+    <dgm:cxn modelId="{FA36468F-3420-ED4C-856E-3087E8C87869}" type="presParOf" srcId="{339FF5C7-A7C3-A343-8A43-781F1A0A5D2E}" destId="{8D7D10C1-2F64-1C40-B7DA-58DF7A478013}" srcOrd="1" destOrd="0" presId="urn:microsoft.com/office/officeart/2005/8/layout/hierarchy2"/>
+    <dgm:cxn modelId="{BC649157-4776-B146-B4FA-6E7FF07E8C80}" type="presParOf" srcId="{8D7D10C1-2F64-1C40-B7DA-58DF7A478013}" destId="{7CFF9D29-A0FD-EE4E-97AB-7323C374BF49}" srcOrd="0" destOrd="0" presId="urn:microsoft.com/office/officeart/2005/8/layout/hierarchy2"/>
+    <dgm:cxn modelId="{EE6C0F97-1D1F-4B4F-A980-010C85A91FE5}" type="presParOf" srcId="{7CFF9D29-A0FD-EE4E-97AB-7323C374BF49}" destId="{8ECAE464-7D15-AB49-949B-F5857C01F6A5}" srcOrd="0" destOrd="0" presId="urn:microsoft.com/office/officeart/2005/8/layout/hierarchy2"/>
+    <dgm:cxn modelId="{474EE203-9CE4-B046-AB1E-89C9B1395581}" type="presParOf" srcId="{8D7D10C1-2F64-1C40-B7DA-58DF7A478013}" destId="{44448877-4F0D-D042-858A-A98F27174013}" srcOrd="1" destOrd="0" presId="urn:microsoft.com/office/officeart/2005/8/layout/hierarchy2"/>
+    <dgm:cxn modelId="{33B9B28A-FFE8-7E4C-8353-F2369402D586}" type="presParOf" srcId="{44448877-4F0D-D042-858A-A98F27174013}" destId="{C2545384-7025-5A46-99D9-A83C55A9095D}" srcOrd="0" destOrd="0" presId="urn:microsoft.com/office/officeart/2005/8/layout/hierarchy2"/>
+    <dgm:cxn modelId="{54C600ED-3C53-5F47-BC78-B0A148542659}" type="presParOf" srcId="{44448877-4F0D-D042-858A-A98F27174013}" destId="{E85203D7-DD35-194A-B500-6B88F79A1C91}" srcOrd="1" destOrd="0" presId="urn:microsoft.com/office/officeart/2005/8/layout/hierarchy2"/>
+    <dgm:cxn modelId="{451BE29B-804D-FA4E-90A7-97A65C3E985F}" type="presParOf" srcId="{8D7D10C1-2F64-1C40-B7DA-58DF7A478013}" destId="{E14D251C-00CF-7747-9B2F-6CF23CA9C272}" srcOrd="2" destOrd="0" presId="urn:microsoft.com/office/officeart/2005/8/layout/hierarchy2"/>
+    <dgm:cxn modelId="{1C27EA9E-7309-704A-9599-E1BEDD2AF7B3}" type="presParOf" srcId="{E14D251C-00CF-7747-9B2F-6CF23CA9C272}" destId="{C052BFAB-195E-7247-9F9A-2E3D60142921}" srcOrd="0" destOrd="0" presId="urn:microsoft.com/office/officeart/2005/8/layout/hierarchy2"/>
+    <dgm:cxn modelId="{DCA43C0E-9829-B145-A885-79A7E8122065}" type="presParOf" srcId="{8D7D10C1-2F64-1C40-B7DA-58DF7A478013}" destId="{72DBD9ED-9955-C54F-B8CB-9C9D8955398E}" srcOrd="3" destOrd="0" presId="urn:microsoft.com/office/officeart/2005/8/layout/hierarchy2"/>
+    <dgm:cxn modelId="{0FAF0903-6929-6A49-8833-5D7BAECAC32E}" type="presParOf" srcId="{72DBD9ED-9955-C54F-B8CB-9C9D8955398E}" destId="{E3D88725-216C-5D4A-AACA-BB024DCF16BF}" srcOrd="0" destOrd="0" presId="urn:microsoft.com/office/officeart/2005/8/layout/hierarchy2"/>
+    <dgm:cxn modelId="{CFFA20F7-7F65-A747-8D99-DCA405669DF7}" type="presParOf" srcId="{72DBD9ED-9955-C54F-B8CB-9C9D8955398E}" destId="{29AB69A3-5237-A847-810D-D156C6C4C2FA}" srcOrd="1" destOrd="0" presId="urn:microsoft.com/office/officeart/2005/8/layout/hierarchy2"/>
+    <dgm:cxn modelId="{EDC1C3EE-6743-F740-AEE5-3257F39698FD}" type="presParOf" srcId="{3BFA27DE-D977-F348-B8D9-32FE203B738E}" destId="{54B60A1D-CD6B-AE46-AC8A-2F8A51C49868}" srcOrd="2" destOrd="0" presId="urn:microsoft.com/office/officeart/2005/8/layout/hierarchy2"/>
+    <dgm:cxn modelId="{2FA4F039-36D5-F84E-9F90-E1F78B0083A3}" type="presParOf" srcId="{54B60A1D-CD6B-AE46-AC8A-2F8A51C49868}" destId="{624D9768-E6BA-1248-B45E-F75B9EA90663}" srcOrd="0" destOrd="0" presId="urn:microsoft.com/office/officeart/2005/8/layout/hierarchy2"/>
+    <dgm:cxn modelId="{0638C2CA-5197-7140-8D94-4999B615D436}" type="presParOf" srcId="{3BFA27DE-D977-F348-B8D9-32FE203B738E}" destId="{8C93DC5B-6401-0648-9153-DCE2FA46CE1F}" srcOrd="3" destOrd="0" presId="urn:microsoft.com/office/officeart/2005/8/layout/hierarchy2"/>
+    <dgm:cxn modelId="{BC27CF9A-7393-F34D-BADB-73F29AA5A75E}" type="presParOf" srcId="{8C93DC5B-6401-0648-9153-DCE2FA46CE1F}" destId="{BE645681-3098-CF47-B3B8-7136AC50305E}" srcOrd="0" destOrd="0" presId="urn:microsoft.com/office/officeart/2005/8/layout/hierarchy2"/>
+    <dgm:cxn modelId="{986E45AC-E6AA-9045-AD27-B06F44C0A905}" type="presParOf" srcId="{8C93DC5B-6401-0648-9153-DCE2FA46CE1F}" destId="{7DE5D8FE-EC1B-7A45-BA58-1A5AFAE27D84}" srcOrd="1" destOrd="0" presId="urn:microsoft.com/office/officeart/2005/8/layout/hierarchy2"/>
+    <dgm:cxn modelId="{BC628018-7E5F-E045-982F-BA1AF76389D9}" type="presParOf" srcId="{7DE5D8FE-EC1B-7A45-BA58-1A5AFAE27D84}" destId="{DA11DCD8-3760-204E-811D-797971806BC2}" srcOrd="0" destOrd="0" presId="urn:microsoft.com/office/officeart/2005/8/layout/hierarchy2"/>
+    <dgm:cxn modelId="{78F13CDD-474B-D04D-8DCB-84BFF7F6C26C}" type="presParOf" srcId="{DA11DCD8-3760-204E-811D-797971806BC2}" destId="{A5617D7B-B82D-D644-AC4C-9AA163B45BF5}" srcOrd="0" destOrd="0" presId="urn:microsoft.com/office/officeart/2005/8/layout/hierarchy2"/>
+    <dgm:cxn modelId="{DD3DD13E-CDE5-C54B-85C5-224E5EE54C42}" type="presParOf" srcId="{7DE5D8FE-EC1B-7A45-BA58-1A5AFAE27D84}" destId="{C2AF5D93-5C8A-4745-8812-C55E36C90DB5}" srcOrd="1" destOrd="0" presId="urn:microsoft.com/office/officeart/2005/8/layout/hierarchy2"/>
+    <dgm:cxn modelId="{C3AB562C-DCA6-3A4F-9DDE-79E969152F9F}" type="presParOf" srcId="{C2AF5D93-5C8A-4745-8812-C55E36C90DB5}" destId="{FB3D1869-FDC3-8941-AD3E-189D80064941}" srcOrd="0" destOrd="0" presId="urn:microsoft.com/office/officeart/2005/8/layout/hierarchy2"/>
+    <dgm:cxn modelId="{68F905EC-BEC7-434A-B233-E8C422D9E832}" type="presParOf" srcId="{C2AF5D93-5C8A-4745-8812-C55E36C90DB5}" destId="{9D5F8F99-BC4F-AF42-B298-1C244533674C}" srcOrd="1" destOrd="0" presId="urn:microsoft.com/office/officeart/2005/8/layout/hierarchy2"/>
+    <dgm:cxn modelId="{CBD73396-A04A-D345-8AAF-41F8FA948A89}" type="presParOf" srcId="{3BFA27DE-D977-F348-B8D9-32FE203B738E}" destId="{D16F5D25-2B91-C143-8EB3-50EE502CF83A}" srcOrd="4" destOrd="0" presId="urn:microsoft.com/office/officeart/2005/8/layout/hierarchy2"/>
+    <dgm:cxn modelId="{75115314-5A2D-8545-9FB4-8E5A370C079C}" type="presParOf" srcId="{D16F5D25-2B91-C143-8EB3-50EE502CF83A}" destId="{F2F6D7B7-2C8C-A548-B930-B4B8B442F810}" srcOrd="0" destOrd="0" presId="urn:microsoft.com/office/officeart/2005/8/layout/hierarchy2"/>
+    <dgm:cxn modelId="{A3077485-6EE1-1246-9754-CFB8B70DBC5C}" type="presParOf" srcId="{3BFA27DE-D977-F348-B8D9-32FE203B738E}" destId="{41773B5C-EE3B-7E4C-A29A-76E67D14F3E9}" srcOrd="5" destOrd="0" presId="urn:microsoft.com/office/officeart/2005/8/layout/hierarchy2"/>
+    <dgm:cxn modelId="{051F4E7D-EDE9-3B48-B857-68E2A5610D78}" type="presParOf" srcId="{41773B5C-EE3B-7E4C-A29A-76E67D14F3E9}" destId="{9056B607-8920-4540-993D-CC823FF954D7}" srcOrd="0" destOrd="0" presId="urn:microsoft.com/office/officeart/2005/8/layout/hierarchy2"/>
+    <dgm:cxn modelId="{A5C7B4DA-3E53-764B-B558-396E18BB0F81}" type="presParOf" srcId="{41773B5C-EE3B-7E4C-A29A-76E67D14F3E9}" destId="{72B3F84D-4B02-6B45-9108-D66A4038B491}" srcOrd="1" destOrd="0" presId="urn:microsoft.com/office/officeart/2005/8/layout/hierarchy2"/>
+    <dgm:cxn modelId="{F99CD257-C99B-3942-9AD1-8FEBE5C37113}" type="presParOf" srcId="{72B3F84D-4B02-6B45-9108-D66A4038B491}" destId="{751ACA4A-DE6D-9A4E-B64E-6D4E2FC03EDD}" srcOrd="0" destOrd="0" presId="urn:microsoft.com/office/officeart/2005/8/layout/hierarchy2"/>
+    <dgm:cxn modelId="{F2BC6CB3-6E2E-954F-B799-2F667AF49DD0}" type="presParOf" srcId="{751ACA4A-DE6D-9A4E-B64E-6D4E2FC03EDD}" destId="{E380DA1A-168D-C141-9526-309B096E44F4}" srcOrd="0" destOrd="0" presId="urn:microsoft.com/office/officeart/2005/8/layout/hierarchy2"/>
+    <dgm:cxn modelId="{57741C1A-CC83-3844-9C75-430848B1D32D}" type="presParOf" srcId="{72B3F84D-4B02-6B45-9108-D66A4038B491}" destId="{2AD1C582-1D51-8C46-AA1A-66303A120F00}" srcOrd="1" destOrd="0" presId="urn:microsoft.com/office/officeart/2005/8/layout/hierarchy2"/>
+    <dgm:cxn modelId="{97D083A2-3F93-AB4D-844D-F49CE7C5CC93}" type="presParOf" srcId="{2AD1C582-1D51-8C46-AA1A-66303A120F00}" destId="{463E4E44-8642-C048-909F-1593637B9C20}" srcOrd="0" destOrd="0" presId="urn:microsoft.com/office/officeart/2005/8/layout/hierarchy2"/>
+    <dgm:cxn modelId="{169FDA1C-E42C-CD45-8A0E-4CE4779EAD07}" type="presParOf" srcId="{2AD1C582-1D51-8C46-AA1A-66303A120F00}" destId="{77BB6D4E-459A-714F-A670-0B910FDECE66}" srcOrd="1" destOrd="0" presId="urn:microsoft.com/office/officeart/2005/8/layout/hierarchy2"/>
+  </dgm:cxnLst>
+  <dgm:bg/>
+  <dgm:whole/>
+  <dgm:extLst>
+    <a:ext uri="http://schemas.microsoft.com/office/drawing/2008/diagram">
+      <dsp:dataModelExt xmlns:dsp="http://schemas.microsoft.com/office/drawing/2008/diagram" relId="rId6" minVer="http://schemas.openxmlformats.org/drawingml/2006/diagram"/>
+    </a:ext>
+  </dgm:extLst>
+</dgm:dataModel>
+</file>
+
+<file path=ppt/diagrams/drawing1.xml><?xml version="1.0" encoding="utf-8"?>
+<dsp:drawing xmlns:dgm="http://schemas.openxmlformats.org/drawingml/2006/diagram" xmlns:dsp="http://schemas.microsoft.com/office/drawing/2008/diagram" xmlns:a="http://schemas.openxmlformats.org/drawingml/2006/main">
+  <dsp:spTree>
+    <dsp:nvGrpSpPr>
+      <dsp:cNvPr id="0" name=""/>
+      <dsp:cNvGrpSpPr/>
+    </dsp:nvGrpSpPr>
+    <dsp:grpSpPr/>
+    <dsp:sp modelId="{2D54AD62-7317-9C47-AA61-3B7E904A7679}">
+      <dsp:nvSpPr>
+        <dsp:cNvPr id="0" name=""/>
+        <dsp:cNvSpPr/>
+      </dsp:nvSpPr>
+      <dsp:spPr>
+        <a:xfrm>
+          <a:off x="907085" y="2426919"/>
+          <a:ext cx="2410543" cy="1205271"/>
+        </a:xfrm>
+        <a:prstGeom prst="roundRect">
+          <a:avLst>
+            <a:gd name="adj" fmla="val 10000"/>
+          </a:avLst>
+        </a:prstGeom>
+        <a:gradFill rotWithShape="0">
+          <a:gsLst>
+            <a:gs pos="0">
+              <a:schemeClr val="dk2">
+                <a:hueOff val="0"/>
+                <a:satOff val="0"/>
+                <a:lumOff val="0"/>
+                <a:alphaOff val="0"/>
+                <a:satMod val="103000"/>
+                <a:lumMod val="102000"/>
+                <a:tint val="94000"/>
+              </a:schemeClr>
+            </a:gs>
+            <a:gs pos="50000">
+              <a:schemeClr val="dk2">
+                <a:hueOff val="0"/>
+                <a:satOff val="0"/>
+                <a:lumOff val="0"/>
+                <a:alphaOff val="0"/>
+                <a:satMod val="110000"/>
+                <a:lumMod val="100000"/>
+                <a:shade val="100000"/>
+              </a:schemeClr>
+            </a:gs>
+            <a:gs pos="100000">
+              <a:schemeClr val="dk2">
+                <a:hueOff val="0"/>
+                <a:satOff val="0"/>
+                <a:lumOff val="0"/>
+                <a:alphaOff val="0"/>
+                <a:lumMod val="99000"/>
+                <a:satMod val="120000"/>
+                <a:shade val="78000"/>
+              </a:schemeClr>
+            </a:gs>
+          </a:gsLst>
+          <a:lin ang="5400000" scaled="0"/>
+        </a:gradFill>
+        <a:ln>
+          <a:noFill/>
+        </a:ln>
+        <a:effectLst/>
+      </dsp:spPr>
+      <dsp:style>
+        <a:lnRef idx="0">
+          <a:scrgbClr r="0" g="0" b="0"/>
+        </a:lnRef>
+        <a:fillRef idx="3">
+          <a:scrgbClr r="0" g="0" b="0"/>
+        </a:fillRef>
+        <a:effectRef idx="2">
+          <a:scrgbClr r="0" g="0" b="0"/>
+        </a:effectRef>
+        <a:fontRef idx="minor">
+          <a:schemeClr val="lt1"/>
+        </a:fontRef>
+      </dsp:style>
+      <dsp:txBody>
+        <a:bodyPr spcFirstLastPara="0" vert="horz" wrap="square" lIns="15875" tIns="15875" rIns="15875" bIns="15875" numCol="1" spcCol="1270" anchor="ctr" anchorCtr="0">
+          <a:noAutofit/>
+        </a:bodyPr>
+        <a:lstStyle/>
+        <a:p>
+          <a:pPr lvl="0" algn="ctr" defTabSz="1111250">
+            <a:lnSpc>
+              <a:spcPct val="90000"/>
+            </a:lnSpc>
+            <a:spcBef>
+              <a:spcPct val="0"/>
+            </a:spcBef>
+            <a:spcAft>
+              <a:spcPct val="35000"/>
+            </a:spcAft>
+          </a:pPr>
+          <a:r>
+            <a:rPr lang="en-US" sz="2500" kern="1200" dirty="0" smtClean="0"/>
+            <a:t>[Begin Turn]</a:t>
+          </a:r>
+          <a:endParaRPr lang="en-US" sz="2500" kern="1200" dirty="0"/>
+        </a:p>
+      </dsp:txBody>
+      <dsp:txXfrm>
+        <a:off x="942386" y="2462220"/>
+        <a:ext cx="2339941" cy="1134669"/>
+      </dsp:txXfrm>
+    </dsp:sp>
+    <dsp:sp modelId="{8C6BB07E-CBD1-8B45-8459-ACA9FAF25BD1}">
+      <dsp:nvSpPr>
+        <dsp:cNvPr id="0" name=""/>
+        <dsp:cNvSpPr/>
+      </dsp:nvSpPr>
+      <dsp:spPr>
+        <a:xfrm rot="17945813">
+          <a:off x="2808332" y="2143051"/>
+          <a:ext cx="1982811" cy="40429"/>
+        </a:xfrm>
+        <a:custGeom>
+          <a:avLst/>
+          <a:gdLst/>
+          <a:ahLst/>
+          <a:cxnLst/>
+          <a:rect l="0" t="0" r="0" b="0"/>
+          <a:pathLst>
+            <a:path>
+              <a:moveTo>
+                <a:pt x="0" y="20214"/>
+              </a:moveTo>
+              <a:lnTo>
+                <a:pt x="1982811" y="20214"/>
+              </a:lnTo>
+            </a:path>
+          </a:pathLst>
+        </a:custGeom>
+        <a:noFill/>
+        <a:ln w="6350" cap="flat" cmpd="sng" algn="ctr">
+          <a:solidFill>
+            <a:schemeClr val="dk2">
+              <a:shade val="60000"/>
+              <a:hueOff val="0"/>
+              <a:satOff val="0"/>
+              <a:lumOff val="0"/>
+              <a:alphaOff val="0"/>
+            </a:schemeClr>
+          </a:solidFill>
+          <a:prstDash val="solid"/>
+          <a:miter lim="800000"/>
+        </a:ln>
+        <a:effectLst/>
+      </dsp:spPr>
+      <dsp:style>
+        <a:lnRef idx="1">
+          <a:scrgbClr r="0" g="0" b="0"/>
+        </a:lnRef>
+        <a:fillRef idx="0">
+          <a:scrgbClr r="0" g="0" b="0"/>
+        </a:fillRef>
+        <a:effectRef idx="0">
+          <a:scrgbClr r="0" g="0" b="0"/>
+        </a:effectRef>
+        <a:fontRef idx="minor"/>
+      </dsp:style>
+      <dsp:txBody>
+        <a:bodyPr spcFirstLastPara="0" vert="horz" wrap="square" lIns="12700" tIns="0" rIns="12700" bIns="0" numCol="1" spcCol="1270" anchor="ctr" anchorCtr="0">
+          <a:noAutofit/>
+        </a:bodyPr>
+        <a:lstStyle/>
+        <a:p>
+          <a:pPr lvl="0" algn="ctr" defTabSz="311150">
+            <a:lnSpc>
+              <a:spcPct val="90000"/>
+            </a:lnSpc>
+            <a:spcBef>
+              <a:spcPct val="0"/>
+            </a:spcBef>
+            <a:spcAft>
+              <a:spcPct val="35000"/>
+            </a:spcAft>
+          </a:pPr>
+          <a:endParaRPr lang="en-US" sz="700" kern="1200"/>
+        </a:p>
+      </dsp:txBody>
+      <dsp:txXfrm>
+        <a:off x="3750168" y="2113696"/>
+        <a:ext cx="99140" cy="99140"/>
+      </dsp:txXfrm>
+    </dsp:sp>
+    <dsp:sp modelId="{76E780EE-D419-B448-9EA2-8FC285CA32FC}">
+      <dsp:nvSpPr>
+        <dsp:cNvPr id="0" name=""/>
+        <dsp:cNvSpPr/>
+      </dsp:nvSpPr>
+      <dsp:spPr>
+        <a:xfrm>
+          <a:off x="4281847" y="694341"/>
+          <a:ext cx="2410543" cy="1205271"/>
+        </a:xfrm>
+        <a:prstGeom prst="roundRect">
+          <a:avLst>
+            <a:gd name="adj" fmla="val 10000"/>
+          </a:avLst>
+        </a:prstGeom>
+        <a:solidFill>
+          <a:srgbClr val="92D050"/>
+        </a:solidFill>
+        <a:ln>
+          <a:noFill/>
+        </a:ln>
+        <a:effectLst/>
+      </dsp:spPr>
+      <dsp:style>
+        <a:lnRef idx="0">
+          <a:scrgbClr r="0" g="0" b="0"/>
+        </a:lnRef>
+        <a:fillRef idx="3">
+          <a:scrgbClr r="0" g="0" b="0"/>
+        </a:fillRef>
+        <a:effectRef idx="2">
+          <a:scrgbClr r="0" g="0" b="0"/>
+        </a:effectRef>
+        <a:fontRef idx="minor">
+          <a:schemeClr val="lt1"/>
+        </a:fontRef>
+      </dsp:style>
+      <dsp:txBody>
+        <a:bodyPr spcFirstLastPara="0" vert="horz" wrap="square" lIns="15875" tIns="15875" rIns="15875" bIns="15875" numCol="1" spcCol="1270" anchor="ctr" anchorCtr="0">
+          <a:noAutofit/>
+        </a:bodyPr>
+        <a:lstStyle/>
+        <a:p>
+          <a:pPr lvl="0" algn="ctr" defTabSz="1111250">
+            <a:lnSpc>
+              <a:spcPct val="90000"/>
+            </a:lnSpc>
+            <a:spcBef>
+              <a:spcPct val="0"/>
+            </a:spcBef>
+            <a:spcAft>
+              <a:spcPct val="35000"/>
+            </a:spcAft>
+          </a:pPr>
+          <a:r>
+            <a:rPr lang="en-US" sz="2500" kern="1200" dirty="0" smtClean="0"/>
+            <a:t>Space: play attempted</a:t>
+          </a:r>
+          <a:endParaRPr lang="en-US" sz="2500" kern="1200" dirty="0"/>
+        </a:p>
+      </dsp:txBody>
+      <dsp:txXfrm>
+        <a:off x="4317148" y="729642"/>
+        <a:ext cx="2339941" cy="1134669"/>
+      </dsp:txXfrm>
+    </dsp:sp>
+    <dsp:sp modelId="{7CFF9D29-A0FD-EE4E-97AB-7323C374BF49}">
+      <dsp:nvSpPr>
+        <dsp:cNvPr id="0" name=""/>
+        <dsp:cNvSpPr/>
+      </dsp:nvSpPr>
+      <dsp:spPr>
+        <a:xfrm rot="19457599">
+          <a:off x="6580780" y="930246"/>
+          <a:ext cx="1187437" cy="40429"/>
+        </a:xfrm>
+        <a:custGeom>
+          <a:avLst/>
+          <a:gdLst/>
+          <a:ahLst/>
+          <a:cxnLst/>
+          <a:rect l="0" t="0" r="0" b="0"/>
+          <a:pathLst>
+            <a:path>
+              <a:moveTo>
+                <a:pt x="0" y="20214"/>
+              </a:moveTo>
+              <a:lnTo>
+                <a:pt x="1187437" y="20214"/>
+              </a:lnTo>
+            </a:path>
+          </a:pathLst>
+        </a:custGeom>
+        <a:noFill/>
+        <a:ln w="6350" cap="flat" cmpd="sng" algn="ctr">
+          <a:solidFill>
+            <a:schemeClr val="dk2">
+              <a:shade val="80000"/>
+              <a:hueOff val="0"/>
+              <a:satOff val="0"/>
+              <a:lumOff val="0"/>
+              <a:alphaOff val="0"/>
+            </a:schemeClr>
+          </a:solidFill>
+          <a:prstDash val="solid"/>
+          <a:miter lim="800000"/>
+        </a:ln>
+        <a:effectLst/>
+      </dsp:spPr>
+      <dsp:style>
+        <a:lnRef idx="1">
+          <a:scrgbClr r="0" g="0" b="0"/>
+        </a:lnRef>
+        <a:fillRef idx="0">
+          <a:scrgbClr r="0" g="0" b="0"/>
+        </a:fillRef>
+        <a:effectRef idx="0">
+          <a:scrgbClr r="0" g="0" b="0"/>
+        </a:effectRef>
+        <a:fontRef idx="minor"/>
+      </dsp:style>
+      <dsp:txBody>
+        <a:bodyPr spcFirstLastPara="0" vert="horz" wrap="square" lIns="12700" tIns="0" rIns="12700" bIns="0" numCol="1" spcCol="1270" anchor="ctr" anchorCtr="0">
+          <a:noAutofit/>
+        </a:bodyPr>
+        <a:lstStyle/>
+        <a:p>
+          <a:pPr lvl="0" algn="ctr" defTabSz="222250">
+            <a:lnSpc>
+              <a:spcPct val="90000"/>
+            </a:lnSpc>
+            <a:spcBef>
+              <a:spcPct val="0"/>
+            </a:spcBef>
+            <a:spcAft>
+              <a:spcPct val="35000"/>
+            </a:spcAft>
+          </a:pPr>
+          <a:endParaRPr lang="en-US" sz="500" kern="1200"/>
+        </a:p>
+      </dsp:txBody>
+      <dsp:txXfrm>
+        <a:off x="7144813" y="920775"/>
+        <a:ext cx="59371" cy="59371"/>
+      </dsp:txXfrm>
+    </dsp:sp>
+    <dsp:sp modelId="{C2545384-7025-5A46-99D9-A83C55A9095D}">
+      <dsp:nvSpPr>
+        <dsp:cNvPr id="0" name=""/>
+        <dsp:cNvSpPr/>
+      </dsp:nvSpPr>
+      <dsp:spPr>
+        <a:xfrm>
+          <a:off x="7656608" y="1310"/>
+          <a:ext cx="2410543" cy="1205271"/>
+        </a:xfrm>
+        <a:prstGeom prst="roundRect">
+          <a:avLst>
+            <a:gd name="adj" fmla="val 10000"/>
+          </a:avLst>
+        </a:prstGeom>
+        <a:solidFill>
+          <a:srgbClr val="92D050"/>
+        </a:solidFill>
+        <a:ln>
+          <a:noFill/>
+        </a:ln>
+        <a:effectLst/>
+      </dsp:spPr>
+      <dsp:style>
+        <a:lnRef idx="0">
+          <a:scrgbClr r="0" g="0" b="0"/>
+        </a:lnRef>
+        <a:fillRef idx="3">
+          <a:scrgbClr r="0" g="0" b="0"/>
+        </a:fillRef>
+        <a:effectRef idx="2">
+          <a:scrgbClr r="0" g="0" b="0"/>
+        </a:effectRef>
+        <a:fontRef idx="minor">
+          <a:schemeClr val="lt1"/>
+        </a:fontRef>
+      </dsp:style>
+      <dsp:txBody>
+        <a:bodyPr spcFirstLastPara="0" vert="horz" wrap="square" lIns="15875" tIns="15875" rIns="15875" bIns="15875" numCol="1" spcCol="1270" anchor="ctr" anchorCtr="0">
+          <a:noAutofit/>
+        </a:bodyPr>
+        <a:lstStyle/>
+        <a:p>
+          <a:pPr lvl="0" algn="ctr" defTabSz="1111250">
+            <a:lnSpc>
+              <a:spcPct val="90000"/>
+            </a:lnSpc>
+            <a:spcBef>
+              <a:spcPct val="0"/>
+            </a:spcBef>
+            <a:spcAft>
+              <a:spcPct val="35000"/>
+            </a:spcAft>
+          </a:pPr>
+          <a:r>
+            <a:rPr lang="en-US" sz="2500" kern="1200" dirty="0" smtClean="0"/>
+            <a:t>Valid?</a:t>
+          </a:r>
+        </a:p>
+        <a:p>
+          <a:pPr lvl="0" algn="ctr" defTabSz="1111250">
+            <a:lnSpc>
+              <a:spcPct val="90000"/>
+            </a:lnSpc>
+            <a:spcBef>
+              <a:spcPct val="0"/>
+            </a:spcBef>
+            <a:spcAft>
+              <a:spcPct val="35000"/>
+            </a:spcAft>
+          </a:pPr>
+          <a:r>
+            <a:rPr lang="en-US" sz="2500" kern="1200" dirty="0" smtClean="0"/>
+            <a:t>SCOR</a:t>
+          </a:r>
+          <a:r>
+            <a:rPr lang="en-US" sz="2500" kern="1200" baseline="0" dirty="0" smtClean="0"/>
+            <a:t>E, ADVANCE</a:t>
+          </a:r>
+          <a:r>
+            <a:rPr lang="en-US" sz="2500" kern="1200" dirty="0" smtClean="0"/>
+            <a:t> </a:t>
+          </a:r>
+          <a:endParaRPr lang="en-US" sz="2500" kern="1200" dirty="0"/>
+        </a:p>
+      </dsp:txBody>
+      <dsp:txXfrm>
+        <a:off x="7691909" y="36611"/>
+        <a:ext cx="2339941" cy="1134669"/>
+      </dsp:txXfrm>
+    </dsp:sp>
+    <dsp:sp modelId="{E14D251C-00CF-7747-9B2F-6CF23CA9C272}">
+      <dsp:nvSpPr>
+        <dsp:cNvPr id="0" name=""/>
+        <dsp:cNvSpPr/>
+      </dsp:nvSpPr>
+      <dsp:spPr>
+        <a:xfrm rot="2142401">
+          <a:off x="6580780" y="1623278"/>
+          <a:ext cx="1187437" cy="40429"/>
+        </a:xfrm>
+        <a:custGeom>
+          <a:avLst/>
+          <a:gdLst/>
+          <a:ahLst/>
+          <a:cxnLst/>
+          <a:rect l="0" t="0" r="0" b="0"/>
+          <a:pathLst>
+            <a:path>
+              <a:moveTo>
+                <a:pt x="0" y="20214"/>
+              </a:moveTo>
+              <a:lnTo>
+                <a:pt x="1187437" y="20214"/>
+              </a:lnTo>
+            </a:path>
+          </a:pathLst>
+        </a:custGeom>
+        <a:noFill/>
+        <a:ln w="6350" cap="flat" cmpd="sng" algn="ctr">
+          <a:solidFill>
+            <a:schemeClr val="dk2">
+              <a:shade val="80000"/>
+              <a:hueOff val="0"/>
+              <a:satOff val="0"/>
+              <a:lumOff val="0"/>
+              <a:alphaOff val="0"/>
+            </a:schemeClr>
+          </a:solidFill>
+          <a:prstDash val="solid"/>
+          <a:miter lim="800000"/>
+        </a:ln>
+        <a:effectLst/>
+      </dsp:spPr>
+      <dsp:style>
+        <a:lnRef idx="1">
+          <a:scrgbClr r="0" g="0" b="0"/>
+        </a:lnRef>
+        <a:fillRef idx="0">
+          <a:scrgbClr r="0" g="0" b="0"/>
+        </a:fillRef>
+        <a:effectRef idx="0">
+          <a:scrgbClr r="0" g="0" b="0"/>
+        </a:effectRef>
+        <a:fontRef idx="minor"/>
+      </dsp:style>
+      <dsp:txBody>
+        <a:bodyPr spcFirstLastPara="0" vert="horz" wrap="square" lIns="12700" tIns="0" rIns="12700" bIns="0" numCol="1" spcCol="1270" anchor="ctr" anchorCtr="0">
+          <a:noAutofit/>
+        </a:bodyPr>
+        <a:lstStyle/>
+        <a:p>
+          <a:pPr lvl="0" algn="ctr" defTabSz="222250">
+            <a:lnSpc>
+              <a:spcPct val="90000"/>
+            </a:lnSpc>
+            <a:spcBef>
+              <a:spcPct val="0"/>
+            </a:spcBef>
+            <a:spcAft>
+              <a:spcPct val="35000"/>
+            </a:spcAft>
+          </a:pPr>
+          <a:endParaRPr lang="en-US" sz="500" kern="1200"/>
+        </a:p>
+      </dsp:txBody>
+      <dsp:txXfrm>
+        <a:off x="7144813" y="1613807"/>
+        <a:ext cx="59371" cy="59371"/>
+      </dsp:txXfrm>
+    </dsp:sp>
+    <dsp:sp modelId="{E3D88725-216C-5D4A-AACA-BB024DCF16BF}">
+      <dsp:nvSpPr>
+        <dsp:cNvPr id="0" name=""/>
+        <dsp:cNvSpPr/>
+      </dsp:nvSpPr>
+      <dsp:spPr>
+        <a:xfrm>
+          <a:off x="7656608" y="1387372"/>
+          <a:ext cx="2410543" cy="1205271"/>
+        </a:xfrm>
+        <a:prstGeom prst="roundRect">
+          <a:avLst>
+            <a:gd name="adj" fmla="val 10000"/>
+          </a:avLst>
+        </a:prstGeom>
+        <a:gradFill rotWithShape="0">
+          <a:gsLst>
+            <a:gs pos="0">
+              <a:schemeClr val="dk2">
+                <a:hueOff val="0"/>
+                <a:satOff val="0"/>
+                <a:lumOff val="0"/>
+                <a:alphaOff val="0"/>
+                <a:satMod val="103000"/>
+                <a:lumMod val="102000"/>
+                <a:tint val="94000"/>
+              </a:schemeClr>
+            </a:gs>
+            <a:gs pos="50000">
+              <a:schemeClr val="dk2">
+                <a:hueOff val="0"/>
+                <a:satOff val="0"/>
+                <a:lumOff val="0"/>
+                <a:alphaOff val="0"/>
+                <a:satMod val="110000"/>
+                <a:lumMod val="100000"/>
+                <a:shade val="100000"/>
+              </a:schemeClr>
+            </a:gs>
+            <a:gs pos="100000">
+              <a:schemeClr val="dk2">
+                <a:hueOff val="0"/>
+                <a:satOff val="0"/>
+                <a:lumOff val="0"/>
+                <a:alphaOff val="0"/>
+                <a:lumMod val="99000"/>
+                <a:satMod val="120000"/>
+                <a:shade val="78000"/>
+              </a:schemeClr>
+            </a:gs>
+          </a:gsLst>
+          <a:lin ang="5400000" scaled="0"/>
+        </a:gradFill>
+        <a:ln>
+          <a:noFill/>
+        </a:ln>
+        <a:effectLst/>
+      </dsp:spPr>
+      <dsp:style>
+        <a:lnRef idx="0">
+          <a:scrgbClr r="0" g="0" b="0"/>
+        </a:lnRef>
+        <a:fillRef idx="3">
+          <a:scrgbClr r="0" g="0" b="0"/>
+        </a:fillRef>
+        <a:effectRef idx="2">
+          <a:scrgbClr r="0" g="0" b="0"/>
+        </a:effectRef>
+        <a:fontRef idx="minor">
+          <a:schemeClr val="lt1"/>
+        </a:fontRef>
+      </dsp:style>
+      <dsp:txBody>
+        <a:bodyPr spcFirstLastPara="0" vert="horz" wrap="square" lIns="15875" tIns="15875" rIns="15875" bIns="15875" numCol="1" spcCol="1270" anchor="ctr" anchorCtr="0">
+          <a:noAutofit/>
+        </a:bodyPr>
+        <a:lstStyle/>
+        <a:p>
+          <a:pPr lvl="0" algn="ctr" defTabSz="1111250">
+            <a:lnSpc>
+              <a:spcPct val="90000"/>
+            </a:lnSpc>
+            <a:spcBef>
+              <a:spcPct val="0"/>
+            </a:spcBef>
+            <a:spcAft>
+              <a:spcPct val="35000"/>
+            </a:spcAft>
+          </a:pPr>
+          <a:r>
+            <a:rPr lang="en-US" sz="2500" kern="1200" dirty="0" smtClean="0"/>
+            <a:t>ELSE, reset</a:t>
+          </a:r>
+          <a:endParaRPr lang="en-US" sz="2500" kern="1200" dirty="0"/>
+        </a:p>
+      </dsp:txBody>
+      <dsp:txXfrm>
+        <a:off x="7691909" y="1422673"/>
+        <a:ext cx="2339941" cy="1134669"/>
+      </dsp:txXfrm>
+    </dsp:sp>
+    <dsp:sp modelId="{54B60A1D-CD6B-AE46-AC8A-2F8A51C49868}">
+      <dsp:nvSpPr>
+        <dsp:cNvPr id="0" name=""/>
+        <dsp:cNvSpPr/>
+      </dsp:nvSpPr>
+      <dsp:spPr>
+        <a:xfrm rot="1186030">
+          <a:off x="3287442" y="3182598"/>
+          <a:ext cx="1024591" cy="40429"/>
+        </a:xfrm>
+        <a:custGeom>
+          <a:avLst/>
+          <a:gdLst/>
+          <a:ahLst/>
+          <a:cxnLst/>
+          <a:rect l="0" t="0" r="0" b="0"/>
+          <a:pathLst>
+            <a:path>
+              <a:moveTo>
+                <a:pt x="0" y="20214"/>
+              </a:moveTo>
+              <a:lnTo>
+                <a:pt x="1024591" y="20214"/>
+              </a:lnTo>
+            </a:path>
+          </a:pathLst>
+        </a:custGeom>
+        <a:noFill/>
+        <a:ln w="6350" cap="flat" cmpd="sng" algn="ctr">
+          <a:solidFill>
+            <a:schemeClr val="dk2">
+              <a:shade val="60000"/>
+              <a:hueOff val="0"/>
+              <a:satOff val="0"/>
+              <a:lumOff val="0"/>
+              <a:alphaOff val="0"/>
+            </a:schemeClr>
+          </a:solidFill>
+          <a:prstDash val="solid"/>
+          <a:miter lim="800000"/>
+        </a:ln>
+        <a:effectLst/>
+      </dsp:spPr>
+      <dsp:style>
+        <a:lnRef idx="1">
+          <a:scrgbClr r="0" g="0" b="0"/>
+        </a:lnRef>
+        <a:fillRef idx="0">
+          <a:scrgbClr r="0" g="0" b="0"/>
+        </a:fillRef>
+        <a:effectRef idx="0">
+          <a:scrgbClr r="0" g="0" b="0"/>
+        </a:effectRef>
+        <a:fontRef idx="minor"/>
+      </dsp:style>
+      <dsp:txBody>
+        <a:bodyPr spcFirstLastPara="0" vert="horz" wrap="square" lIns="12700" tIns="0" rIns="12700" bIns="0" numCol="1" spcCol="1270" anchor="ctr" anchorCtr="0">
+          <a:noAutofit/>
+        </a:bodyPr>
+        <a:lstStyle/>
+        <a:p>
+          <a:pPr lvl="0" algn="ctr" defTabSz="222250">
+            <a:lnSpc>
+              <a:spcPct val="90000"/>
+            </a:lnSpc>
+            <a:spcBef>
+              <a:spcPct val="0"/>
+            </a:spcBef>
+            <a:spcAft>
+              <a:spcPct val="35000"/>
+            </a:spcAft>
+          </a:pPr>
+          <a:endParaRPr lang="en-US" sz="500" kern="1200"/>
+        </a:p>
+      </dsp:txBody>
+      <dsp:txXfrm>
+        <a:off x="3774123" y="3177198"/>
+        <a:ext cx="51229" cy="51229"/>
+      </dsp:txXfrm>
+    </dsp:sp>
+    <dsp:sp modelId="{BE645681-3098-CF47-B3B8-7136AC50305E}">
+      <dsp:nvSpPr>
+        <dsp:cNvPr id="0" name=""/>
+        <dsp:cNvSpPr/>
+      </dsp:nvSpPr>
+      <dsp:spPr>
+        <a:xfrm>
+          <a:off x="4281847" y="2773435"/>
+          <a:ext cx="2410543" cy="1205271"/>
+        </a:xfrm>
+        <a:prstGeom prst="roundRect">
+          <a:avLst>
+            <a:gd name="adj" fmla="val 10000"/>
+          </a:avLst>
+        </a:prstGeom>
+        <a:gradFill rotWithShape="0">
+          <a:gsLst>
+            <a:gs pos="0">
+              <a:schemeClr val="dk2">
+                <a:hueOff val="0"/>
+                <a:satOff val="0"/>
+                <a:lumOff val="0"/>
+                <a:alphaOff val="0"/>
+                <a:satMod val="103000"/>
+                <a:lumMod val="102000"/>
+                <a:tint val="94000"/>
+              </a:schemeClr>
+            </a:gs>
+            <a:gs pos="50000">
+              <a:schemeClr val="dk2">
+                <a:hueOff val="0"/>
+                <a:satOff val="0"/>
+                <a:lumOff val="0"/>
+                <a:alphaOff val="0"/>
+                <a:satMod val="110000"/>
+                <a:lumMod val="100000"/>
+                <a:shade val="100000"/>
+              </a:schemeClr>
+            </a:gs>
+            <a:gs pos="100000">
+              <a:schemeClr val="dk2">
+                <a:hueOff val="0"/>
+                <a:satOff val="0"/>
+                <a:lumOff val="0"/>
+                <a:alphaOff val="0"/>
+                <a:lumMod val="99000"/>
+                <a:satMod val="120000"/>
+                <a:shade val="78000"/>
+              </a:schemeClr>
+            </a:gs>
+          </a:gsLst>
+          <a:lin ang="5400000" scaled="0"/>
+        </a:gradFill>
+        <a:ln>
+          <a:noFill/>
+        </a:ln>
+        <a:effectLst/>
+      </dsp:spPr>
+      <dsp:style>
+        <a:lnRef idx="0">
+          <a:scrgbClr r="0" g="0" b="0"/>
+        </a:lnRef>
+        <a:fillRef idx="3">
+          <a:scrgbClr r="0" g="0" b="0"/>
+        </a:fillRef>
+        <a:effectRef idx="2">
+          <a:scrgbClr r="0" g="0" b="0"/>
+        </a:effectRef>
+        <a:fontRef idx="minor">
+          <a:schemeClr val="lt1"/>
+        </a:fontRef>
+      </dsp:style>
+      <dsp:txBody>
+        <a:bodyPr spcFirstLastPara="0" vert="horz" wrap="square" lIns="15875" tIns="15875" rIns="15875" bIns="15875" numCol="1" spcCol="1270" anchor="ctr" anchorCtr="0">
+          <a:noAutofit/>
+        </a:bodyPr>
+        <a:lstStyle/>
+        <a:p>
+          <a:pPr lvl="0" algn="ctr" defTabSz="1111250">
+            <a:lnSpc>
+              <a:spcPct val="90000"/>
+            </a:lnSpc>
+            <a:spcBef>
+              <a:spcPct val="0"/>
+            </a:spcBef>
+            <a:spcAft>
+              <a:spcPct val="35000"/>
+            </a:spcAft>
+          </a:pPr>
+          <a:r>
+            <a:rPr lang="en-US" sz="2500" kern="1200" dirty="0" smtClean="0"/>
+            <a:t>'d': dumping</a:t>
+          </a:r>
+          <a:endParaRPr lang="en-US" sz="2500" kern="1200" dirty="0"/>
+        </a:p>
+      </dsp:txBody>
+      <dsp:txXfrm>
+        <a:off x="4317148" y="2808736"/>
+        <a:ext cx="2339941" cy="1134669"/>
+      </dsp:txXfrm>
+    </dsp:sp>
+    <dsp:sp modelId="{DA11DCD8-3760-204E-811D-797971806BC2}">
+      <dsp:nvSpPr>
+        <dsp:cNvPr id="0" name=""/>
+        <dsp:cNvSpPr/>
+      </dsp:nvSpPr>
+      <dsp:spPr>
+        <a:xfrm>
+          <a:off x="6692390" y="3355856"/>
+          <a:ext cx="964217" cy="40429"/>
+        </a:xfrm>
+        <a:custGeom>
+          <a:avLst/>
+          <a:gdLst/>
+          <a:ahLst/>
+          <a:cxnLst/>
+          <a:rect l="0" t="0" r="0" b="0"/>
+          <a:pathLst>
+            <a:path>
+              <a:moveTo>
+                <a:pt x="0" y="20214"/>
+              </a:moveTo>
+              <a:lnTo>
+                <a:pt x="964217" y="20214"/>
+              </a:lnTo>
+            </a:path>
+          </a:pathLst>
+        </a:custGeom>
+        <a:noFill/>
+        <a:ln w="6350" cap="flat" cmpd="sng" algn="ctr">
+          <a:solidFill>
+            <a:schemeClr val="dk2">
+              <a:shade val="80000"/>
+              <a:hueOff val="0"/>
+              <a:satOff val="0"/>
+              <a:lumOff val="0"/>
+              <a:alphaOff val="0"/>
+            </a:schemeClr>
+          </a:solidFill>
+          <a:prstDash val="solid"/>
+          <a:miter lim="800000"/>
+        </a:ln>
+        <a:effectLst/>
+      </dsp:spPr>
+      <dsp:style>
+        <a:lnRef idx="1">
+          <a:scrgbClr r="0" g="0" b="0"/>
+        </a:lnRef>
+        <a:fillRef idx="0">
+          <a:scrgbClr r="0" g="0" b="0"/>
+        </a:fillRef>
+        <a:effectRef idx="0">
+          <a:scrgbClr r="0" g="0" b="0"/>
+        </a:effectRef>
+        <a:fontRef idx="minor"/>
+      </dsp:style>
+      <dsp:txBody>
+        <a:bodyPr spcFirstLastPara="0" vert="horz" wrap="square" lIns="12700" tIns="0" rIns="12700" bIns="0" numCol="1" spcCol="1270" anchor="ctr" anchorCtr="0">
+          <a:noAutofit/>
+        </a:bodyPr>
+        <a:lstStyle/>
+        <a:p>
+          <a:pPr lvl="0" algn="ctr" defTabSz="222250">
+            <a:lnSpc>
+              <a:spcPct val="90000"/>
+            </a:lnSpc>
+            <a:spcBef>
+              <a:spcPct val="0"/>
+            </a:spcBef>
+            <a:spcAft>
+              <a:spcPct val="35000"/>
+            </a:spcAft>
+          </a:pPr>
+          <a:endParaRPr lang="en-US" sz="500" kern="1200"/>
+        </a:p>
+      </dsp:txBody>
+      <dsp:txXfrm>
+        <a:off x="7150394" y="3351965"/>
+        <a:ext cx="48210" cy="48210"/>
+      </dsp:txXfrm>
+    </dsp:sp>
+    <dsp:sp modelId="{FB3D1869-FDC3-8941-AD3E-189D80064941}">
+      <dsp:nvSpPr>
+        <dsp:cNvPr id="0" name=""/>
+        <dsp:cNvSpPr/>
+      </dsp:nvSpPr>
+      <dsp:spPr>
+        <a:xfrm>
+          <a:off x="7656608" y="2773435"/>
+          <a:ext cx="2410543" cy="1205271"/>
+        </a:xfrm>
+        <a:prstGeom prst="roundRect">
+          <a:avLst>
+            <a:gd name="adj" fmla="val 10000"/>
+          </a:avLst>
+        </a:prstGeom>
+        <a:gradFill rotWithShape="0">
+          <a:gsLst>
+            <a:gs pos="0">
+              <a:schemeClr val="dk2">
+                <a:hueOff val="0"/>
+                <a:satOff val="0"/>
+                <a:lumOff val="0"/>
+                <a:alphaOff val="0"/>
+                <a:satMod val="103000"/>
+                <a:lumMod val="102000"/>
+                <a:tint val="94000"/>
+              </a:schemeClr>
+            </a:gs>
+            <a:gs pos="50000">
+              <a:schemeClr val="dk2">
+                <a:hueOff val="0"/>
+                <a:satOff val="0"/>
+                <a:lumOff val="0"/>
+                <a:alphaOff val="0"/>
+                <a:satMod val="110000"/>
+                <a:lumMod val="100000"/>
+                <a:shade val="100000"/>
+              </a:schemeClr>
+            </a:gs>
+            <a:gs pos="100000">
+              <a:schemeClr val="dk2">
+                <a:hueOff val="0"/>
+                <a:satOff val="0"/>
+                <a:lumOff val="0"/>
+                <a:alphaOff val="0"/>
+                <a:lumMod val="99000"/>
+                <a:satMod val="120000"/>
+                <a:shade val="78000"/>
+              </a:schemeClr>
+            </a:gs>
+          </a:gsLst>
+          <a:lin ang="5400000" scaled="0"/>
+        </a:gradFill>
+        <a:ln>
+          <a:noFill/>
+        </a:ln>
+        <a:effectLst/>
+      </dsp:spPr>
+      <dsp:style>
+        <a:lnRef idx="0">
+          <a:scrgbClr r="0" g="0" b="0"/>
+        </a:lnRef>
+        <a:fillRef idx="3">
+          <a:scrgbClr r="0" g="0" b="0"/>
+        </a:fillRef>
+        <a:effectRef idx="2">
+          <a:scrgbClr r="0" g="0" b="0"/>
+        </a:effectRef>
+        <a:fontRef idx="minor">
+          <a:schemeClr val="lt1"/>
+        </a:fontRef>
+      </dsp:style>
+      <dsp:txBody>
+        <a:bodyPr spcFirstLastPara="0" vert="horz" wrap="square" lIns="15875" tIns="15875" rIns="15875" bIns="15875" numCol="1" spcCol="1270" anchor="ctr" anchorCtr="0">
+          <a:noAutofit/>
+        </a:bodyPr>
+        <a:lstStyle/>
+        <a:p>
+          <a:pPr lvl="0" algn="ctr" defTabSz="1111250">
+            <a:lnSpc>
+              <a:spcPct val="90000"/>
+            </a:lnSpc>
+            <a:spcBef>
+              <a:spcPct val="0"/>
+            </a:spcBef>
+            <a:spcAft>
+              <a:spcPct val="35000"/>
+            </a:spcAft>
+          </a:pPr>
+          <a:r>
+            <a:rPr lang="en-US" sz="2500" kern="1200" dirty="0" smtClean="0"/>
+            <a:t>ADVANCE</a:t>
+          </a:r>
+          <a:endParaRPr lang="en-US" sz="2500" kern="1200" dirty="0"/>
+        </a:p>
+      </dsp:txBody>
+      <dsp:txXfrm>
+        <a:off x="7691909" y="2808736"/>
+        <a:ext cx="2339941" cy="1134669"/>
+      </dsp:txXfrm>
+    </dsp:sp>
+    <dsp:sp modelId="{D16F5D25-2B91-C143-8EB3-50EE502CF83A}">
+      <dsp:nvSpPr>
+        <dsp:cNvPr id="0" name=""/>
+        <dsp:cNvSpPr/>
+      </dsp:nvSpPr>
+      <dsp:spPr>
+        <a:xfrm rot="3654187">
+          <a:off x="2808332" y="3875629"/>
+          <a:ext cx="1982811" cy="40429"/>
+        </a:xfrm>
+        <a:custGeom>
+          <a:avLst/>
+          <a:gdLst/>
+          <a:ahLst/>
+          <a:cxnLst/>
+          <a:rect l="0" t="0" r="0" b="0"/>
+          <a:pathLst>
+            <a:path>
+              <a:moveTo>
+                <a:pt x="0" y="20214"/>
+              </a:moveTo>
+              <a:lnTo>
+                <a:pt x="1982811" y="20214"/>
+              </a:lnTo>
+            </a:path>
+          </a:pathLst>
+        </a:custGeom>
+        <a:noFill/>
+        <a:ln w="6350" cap="flat" cmpd="sng" algn="ctr">
+          <a:solidFill>
+            <a:schemeClr val="dk2">
+              <a:shade val="60000"/>
+              <a:hueOff val="0"/>
+              <a:satOff val="0"/>
+              <a:lumOff val="0"/>
+              <a:alphaOff val="0"/>
+            </a:schemeClr>
+          </a:solidFill>
+          <a:prstDash val="solid"/>
+          <a:miter lim="800000"/>
+        </a:ln>
+        <a:effectLst/>
+      </dsp:spPr>
+      <dsp:style>
+        <a:lnRef idx="1">
+          <a:scrgbClr r="0" g="0" b="0"/>
+        </a:lnRef>
+        <a:fillRef idx="0">
+          <a:scrgbClr r="0" g="0" b="0"/>
+        </a:fillRef>
+        <a:effectRef idx="0">
+          <a:scrgbClr r="0" g="0" b="0"/>
+        </a:effectRef>
+        <a:fontRef idx="minor"/>
+      </dsp:style>
+      <dsp:txBody>
+        <a:bodyPr spcFirstLastPara="0" vert="horz" wrap="square" lIns="12700" tIns="0" rIns="12700" bIns="0" numCol="1" spcCol="1270" anchor="ctr" anchorCtr="0">
+          <a:noAutofit/>
+        </a:bodyPr>
+        <a:lstStyle/>
+        <a:p>
+          <a:pPr lvl="0" algn="ctr" defTabSz="311150">
+            <a:lnSpc>
+              <a:spcPct val="90000"/>
+            </a:lnSpc>
+            <a:spcBef>
+              <a:spcPct val="0"/>
+            </a:spcBef>
+            <a:spcAft>
+              <a:spcPct val="35000"/>
+            </a:spcAft>
+          </a:pPr>
+          <a:endParaRPr lang="en-US" sz="700" kern="1200"/>
+        </a:p>
+      </dsp:txBody>
+      <dsp:txXfrm>
+        <a:off x="3750168" y="3846274"/>
+        <a:ext cx="99140" cy="99140"/>
+      </dsp:txXfrm>
+    </dsp:sp>
+    <dsp:sp modelId="{9056B607-8920-4540-993D-CC823FF954D7}">
+      <dsp:nvSpPr>
+        <dsp:cNvPr id="0" name=""/>
+        <dsp:cNvSpPr/>
+      </dsp:nvSpPr>
+      <dsp:spPr>
+        <a:xfrm>
+          <a:off x="4281847" y="4159498"/>
+          <a:ext cx="2410543" cy="1205271"/>
+        </a:xfrm>
+        <a:prstGeom prst="roundRect">
+          <a:avLst>
+            <a:gd name="adj" fmla="val 10000"/>
+          </a:avLst>
+        </a:prstGeom>
+        <a:gradFill rotWithShape="0">
+          <a:gsLst>
+            <a:gs pos="0">
+              <a:schemeClr val="dk2">
+                <a:hueOff val="0"/>
+                <a:satOff val="0"/>
+                <a:lumOff val="0"/>
+                <a:alphaOff val="0"/>
+                <a:satMod val="103000"/>
+                <a:lumMod val="102000"/>
+                <a:tint val="94000"/>
+              </a:schemeClr>
+            </a:gs>
+            <a:gs pos="50000">
+              <a:schemeClr val="dk2">
+                <a:hueOff val="0"/>
+                <a:satOff val="0"/>
+                <a:lumOff val="0"/>
+                <a:alphaOff val="0"/>
+                <a:satMod val="110000"/>
+                <a:lumMod val="100000"/>
+                <a:shade val="100000"/>
+              </a:schemeClr>
+            </a:gs>
+            <a:gs pos="100000">
+              <a:schemeClr val="dk2">
+                <a:hueOff val="0"/>
+                <a:satOff val="0"/>
+                <a:lumOff val="0"/>
+                <a:alphaOff val="0"/>
+                <a:lumMod val="99000"/>
+                <a:satMod val="120000"/>
+                <a:shade val="78000"/>
+              </a:schemeClr>
+            </a:gs>
+          </a:gsLst>
+          <a:lin ang="5400000" scaled="0"/>
+        </a:gradFill>
+        <a:ln>
+          <a:noFill/>
+        </a:ln>
+        <a:effectLst/>
+      </dsp:spPr>
+      <dsp:style>
+        <a:lnRef idx="0">
+          <a:scrgbClr r="0" g="0" b="0"/>
+        </a:lnRef>
+        <a:fillRef idx="3">
+          <a:scrgbClr r="0" g="0" b="0"/>
+        </a:fillRef>
+        <a:effectRef idx="2">
+          <a:scrgbClr r="0" g="0" b="0"/>
+        </a:effectRef>
+        <a:fontRef idx="minor">
+          <a:schemeClr val="lt1"/>
+        </a:fontRef>
+      </dsp:style>
+      <dsp:txBody>
+        <a:bodyPr spcFirstLastPara="0" vert="horz" wrap="square" lIns="15875" tIns="15875" rIns="15875" bIns="15875" numCol="1" spcCol="1270" anchor="ctr" anchorCtr="0">
+          <a:noAutofit/>
+        </a:bodyPr>
+        <a:lstStyle/>
+        <a:p>
+          <a:pPr lvl="0" algn="ctr" defTabSz="1111250">
+            <a:lnSpc>
+              <a:spcPct val="90000"/>
+            </a:lnSpc>
+            <a:spcBef>
+              <a:spcPct val="0"/>
+            </a:spcBef>
+            <a:spcAft>
+              <a:spcPct val="35000"/>
+            </a:spcAft>
+          </a:pPr>
+          <a:r>
+            <a:rPr lang="en-US" sz="2500" kern="1200" dirty="0" smtClean="0"/>
+            <a:t>'p': pass</a:t>
+          </a:r>
+          <a:endParaRPr lang="en-US" sz="2500" kern="1200" dirty="0"/>
+        </a:p>
+      </dsp:txBody>
+      <dsp:txXfrm>
+        <a:off x="4317148" y="4194799"/>
+        <a:ext cx="2339941" cy="1134669"/>
+      </dsp:txXfrm>
+    </dsp:sp>
+    <dsp:sp modelId="{751ACA4A-DE6D-9A4E-B64E-6D4E2FC03EDD}">
+      <dsp:nvSpPr>
+        <dsp:cNvPr id="0" name=""/>
+        <dsp:cNvSpPr/>
+      </dsp:nvSpPr>
+      <dsp:spPr>
+        <a:xfrm>
+          <a:off x="6692390" y="4741919"/>
+          <a:ext cx="964217" cy="40429"/>
+        </a:xfrm>
+        <a:custGeom>
+          <a:avLst/>
+          <a:gdLst/>
+          <a:ahLst/>
+          <a:cxnLst/>
+          <a:rect l="0" t="0" r="0" b="0"/>
+          <a:pathLst>
+            <a:path>
+              <a:moveTo>
+                <a:pt x="0" y="20214"/>
+              </a:moveTo>
+              <a:lnTo>
+                <a:pt x="964217" y="20214"/>
+              </a:lnTo>
+            </a:path>
+          </a:pathLst>
+        </a:custGeom>
+        <a:noFill/>
+        <a:ln w="6350" cap="flat" cmpd="sng" algn="ctr">
+          <a:solidFill>
+            <a:schemeClr val="dk2">
+              <a:shade val="80000"/>
+              <a:hueOff val="0"/>
+              <a:satOff val="0"/>
+              <a:lumOff val="0"/>
+              <a:alphaOff val="0"/>
+            </a:schemeClr>
+          </a:solidFill>
+          <a:prstDash val="solid"/>
+          <a:miter lim="800000"/>
+        </a:ln>
+        <a:effectLst/>
+      </dsp:spPr>
+      <dsp:style>
+        <a:lnRef idx="1">
+          <a:scrgbClr r="0" g="0" b="0"/>
+        </a:lnRef>
+        <a:fillRef idx="0">
+          <a:scrgbClr r="0" g="0" b="0"/>
+        </a:fillRef>
+        <a:effectRef idx="0">
+          <a:scrgbClr r="0" g="0" b="0"/>
+        </a:effectRef>
+        <a:fontRef idx="minor"/>
+      </dsp:style>
+      <dsp:txBody>
+        <a:bodyPr spcFirstLastPara="0" vert="horz" wrap="square" lIns="12700" tIns="0" rIns="12700" bIns="0" numCol="1" spcCol="1270" anchor="ctr" anchorCtr="0">
+          <a:noAutofit/>
+        </a:bodyPr>
+        <a:lstStyle/>
+        <a:p>
+          <a:pPr lvl="0" algn="ctr" defTabSz="222250">
+            <a:lnSpc>
+              <a:spcPct val="90000"/>
+            </a:lnSpc>
+            <a:spcBef>
+              <a:spcPct val="0"/>
+            </a:spcBef>
+            <a:spcAft>
+              <a:spcPct val="35000"/>
+            </a:spcAft>
+          </a:pPr>
+          <a:endParaRPr lang="en-US" sz="500" kern="1200"/>
+        </a:p>
+      </dsp:txBody>
+      <dsp:txXfrm>
+        <a:off x="7150394" y="4738028"/>
+        <a:ext cx="48210" cy="48210"/>
+      </dsp:txXfrm>
+    </dsp:sp>
+    <dsp:sp modelId="{463E4E44-8642-C048-909F-1593637B9C20}">
+      <dsp:nvSpPr>
+        <dsp:cNvPr id="0" name=""/>
+        <dsp:cNvSpPr/>
+      </dsp:nvSpPr>
+      <dsp:spPr>
+        <a:xfrm>
+          <a:off x="7656608" y="4159498"/>
+          <a:ext cx="2410543" cy="1205271"/>
+        </a:xfrm>
+        <a:prstGeom prst="roundRect">
+          <a:avLst>
+            <a:gd name="adj" fmla="val 10000"/>
+          </a:avLst>
+        </a:prstGeom>
+        <a:gradFill rotWithShape="0">
+          <a:gsLst>
+            <a:gs pos="0">
+              <a:schemeClr val="dk2">
+                <a:hueOff val="0"/>
+                <a:satOff val="0"/>
+                <a:lumOff val="0"/>
+                <a:alphaOff val="0"/>
+                <a:satMod val="103000"/>
+                <a:lumMod val="102000"/>
+                <a:tint val="94000"/>
+              </a:schemeClr>
+            </a:gs>
+            <a:gs pos="50000">
+              <a:schemeClr val="dk2">
+                <a:hueOff val="0"/>
+                <a:satOff val="0"/>
+                <a:lumOff val="0"/>
+                <a:alphaOff val="0"/>
+                <a:satMod val="110000"/>
+                <a:lumMod val="100000"/>
+                <a:shade val="100000"/>
+              </a:schemeClr>
+            </a:gs>
+            <a:gs pos="100000">
+              <a:schemeClr val="dk2">
+                <a:hueOff val="0"/>
+                <a:satOff val="0"/>
+                <a:lumOff val="0"/>
+                <a:alphaOff val="0"/>
+                <a:lumMod val="99000"/>
+                <a:satMod val="120000"/>
+                <a:shade val="78000"/>
+              </a:schemeClr>
+            </a:gs>
+          </a:gsLst>
+          <a:lin ang="5400000" scaled="0"/>
+        </a:gradFill>
+        <a:ln>
+          <a:noFill/>
+        </a:ln>
+        <a:effectLst/>
+      </dsp:spPr>
+      <dsp:style>
+        <a:lnRef idx="0">
+          <a:scrgbClr r="0" g="0" b="0"/>
+        </a:lnRef>
+        <a:fillRef idx="3">
+          <a:scrgbClr r="0" g="0" b="0"/>
+        </a:fillRef>
+        <a:effectRef idx="2">
+          <a:scrgbClr r="0" g="0" b="0"/>
+        </a:effectRef>
+        <a:fontRef idx="minor">
+          <a:schemeClr val="lt1"/>
+        </a:fontRef>
+      </dsp:style>
+      <dsp:txBody>
+        <a:bodyPr spcFirstLastPara="0" vert="horz" wrap="square" lIns="15875" tIns="15875" rIns="15875" bIns="15875" numCol="1" spcCol="1270" anchor="ctr" anchorCtr="0">
+          <a:noAutofit/>
+        </a:bodyPr>
+        <a:lstStyle/>
+        <a:p>
+          <a:pPr lvl="0" algn="ctr" defTabSz="1111250">
+            <a:lnSpc>
+              <a:spcPct val="90000"/>
+            </a:lnSpc>
+            <a:spcBef>
+              <a:spcPct val="0"/>
+            </a:spcBef>
+            <a:spcAft>
+              <a:spcPct val="35000"/>
+            </a:spcAft>
+          </a:pPr>
+          <a:r>
+            <a:rPr lang="en-US" sz="2500" kern="1200" dirty="0" smtClean="0"/>
+            <a:t>ADVANCE</a:t>
+          </a:r>
+          <a:endParaRPr lang="en-US" sz="2500" kern="1200" dirty="0"/>
+        </a:p>
+      </dsp:txBody>
+      <dsp:txXfrm>
+        <a:off x="7691909" y="4194799"/>
+        <a:ext cx="2339941" cy="1134669"/>
+      </dsp:txXfrm>
+    </dsp:sp>
+  </dsp:spTree>
+</dsp:drawing>
+</file>
+
+<file path=ppt/diagrams/layout1.xml><?xml version="1.0" encoding="utf-8"?>
+<dgm:layoutDef xmlns:dgm="http://schemas.openxmlformats.org/drawingml/2006/diagram" xmlns:a="http://schemas.openxmlformats.org/drawingml/2006/main" uniqueId="urn:microsoft.com/office/officeart/2005/8/layout/hierarchy2">
+  <dgm:title val=""/>
+  <dgm:desc val=""/>
+  <dgm:catLst>
+    <dgm:cat type="hierarchy" pri="5000"/>
+  </dgm:catLst>
+  <dgm:sampData>
+    <dgm:dataModel>
+      <dgm:ptLst>
+        <dgm:pt modelId="0" type="doc"/>
+        <dgm:pt modelId="1">
+          <dgm:prSet phldr="1"/>
+        </dgm:pt>
+        <dgm:pt modelId="2">
+          <dgm:prSet phldr="1"/>
+        </dgm:pt>
+        <dgm:pt modelId="21">
+          <dgm:prSet phldr="1"/>
+        </dgm:pt>
+        <dgm:pt modelId="22">
+          <dgm:prSet phldr="1"/>
+        </dgm:pt>
+        <dgm:pt modelId="3">
+          <dgm:prSet phldr="1"/>
+        </dgm:pt>
+        <dgm:pt modelId="31">
+          <dgm:prSet phldr="1"/>
+        </dgm:pt>
+      </dgm:ptLst>
+      <dgm:cxnLst>
+        <dgm:cxn modelId="4" srcId="0" destId="1" srcOrd="0" destOrd="0"/>
+        <dgm:cxn modelId="5" srcId="1" destId="2" srcOrd="0" destOrd="0"/>
+        <dgm:cxn modelId="6" srcId="1" destId="3" srcOrd="1" destOrd="0"/>
+        <dgm:cxn modelId="23" srcId="2" destId="21" srcOrd="0" destOrd="0"/>
+        <dgm:cxn modelId="24" srcId="2" destId="22" srcOrd="1" destOrd="0"/>
+        <dgm:cxn modelId="33" srcId="3" destId="31" srcOrd="0" destOrd="0"/>
+      </dgm:cxnLst>
+      <dgm:bg/>
+      <dgm:whole/>
+    </dgm:dataModel>
+  </dgm:sampData>
+  <dgm:styleData>
+    <dgm:dataModel>
+      <dgm:ptLst>
+        <dgm:pt modelId="0" type="doc"/>
+        <dgm:pt modelId="1"/>
+        <dgm:pt modelId="11"/>
+        <dgm:pt modelId="12"/>
+      </dgm:ptLst>
+      <dgm:cxnLst>
+        <dgm:cxn modelId="2" srcId="0" destId="1" srcOrd="0" destOrd="0"/>
+        <dgm:cxn modelId="13" srcId="1" destId="11" srcOrd="0" destOrd="0"/>
+        <dgm:cxn modelId="14" srcId="1" destId="12" srcOrd="1" destOrd="0"/>
+      </dgm:cxnLst>
+      <dgm:bg/>
+      <dgm:whole/>
+    </dgm:dataModel>
+  </dgm:styleData>
+  <dgm:clrData>
+    <dgm:dataModel>
+      <dgm:ptLst>
+        <dgm:pt modelId="0" type="doc"/>
+        <dgm:pt modelId="1"/>
+        <dgm:pt modelId="2"/>
+        <dgm:pt modelId="21"/>
+        <dgm:pt modelId="211"/>
+        <dgm:pt modelId="3"/>
+        <dgm:pt modelId="31"/>
+        <dgm:pt modelId="311"/>
+      </dgm:ptLst>
+      <dgm:cxnLst>
+        <dgm:cxn modelId="4" srcId="0" destId="1" srcOrd="0" destOrd="0"/>
+        <dgm:cxn modelId="5" srcId="1" destId="2" srcOrd="0" destOrd="0"/>
+        <dgm:cxn modelId="6" srcId="1" destId="3" srcOrd="1" destOrd="0"/>
+        <dgm:cxn modelId="23" srcId="2" destId="21" srcOrd="0" destOrd="0"/>
+        <dgm:cxn modelId="24" srcId="21" destId="211" srcOrd="0" destOrd="0"/>
+        <dgm:cxn modelId="33" srcId="3" destId="31" srcOrd="0" destOrd="0"/>
+        <dgm:cxn modelId="34" srcId="31" destId="311" srcOrd="0" destOrd="0"/>
+      </dgm:cxnLst>
+      <dgm:bg/>
+      <dgm:whole/>
+    </dgm:dataModel>
+  </dgm:clrData>
+  <dgm:layoutNode name="diagram">
+    <dgm:varLst>
+      <dgm:chPref val="1"/>
+      <dgm:dir/>
+      <dgm:animOne val="branch"/>
+      <dgm:animLvl val="lvl"/>
+      <dgm:resizeHandles val="exact"/>
+    </dgm:varLst>
+    <dgm:choose name="Name0">
+      <dgm:if name="Name1" func="var" arg="dir" op="equ" val="norm">
+        <dgm:alg type="hierChild">
+          <dgm:param type="linDir" val="fromT"/>
+          <dgm:param type="chAlign" val="l"/>
+        </dgm:alg>
+      </dgm:if>
+      <dgm:else name="Name2">
+        <dgm:alg type="hierChild">
+          <dgm:param type="linDir" val="fromT"/>
+          <dgm:param type="chAlign" val="r"/>
+        </dgm:alg>
+      </dgm:else>
+    </dgm:choose>
+    <dgm:shape xmlns:r="http://schemas.openxmlformats.org/officeDocument/2006/relationships" r:blip="">
+      <dgm:adjLst/>
+    </dgm:shape>
+    <dgm:presOf/>
+    <dgm:constrLst>
+      <dgm:constr type="h" for="des" ptType="node" refType="h"/>
+      <dgm:constr type="w" for="des" ptType="node" refType="h" refFor="des" refPtType="node" fact="2"/>
+      <dgm:constr type="sibSp" refType="h" refFor="des" refPtType="node" op="equ" fact="0.15"/>
+      <dgm:constr type="sibSp" for="des" forName="level2hierChild" refType="h" refFor="des" refPtType="node" op="equ" fact="0.15"/>
+      <dgm:constr type="sibSp" for="des" forName="level3hierChild" refType="h" refFor="des" refPtType="node" op="equ" fact="0.15"/>
+      <dgm:constr type="sp" for="des" forName="root1" refType="w" refFor="des" refPtType="node" fact="0.4"/>
+      <dgm:constr type="sp" for="des" forName="root2" refType="sp" refFor="des" refForName="root1" op="equ"/>
+      <dgm:constr type="primFontSz" for="des" ptType="node" op="equ" val="65"/>
+      <dgm:constr type="primFontSz" for="des" forName="connTx" op="equ" val="55"/>
+      <dgm:constr type="primFontSz" for="des" forName="connTx" refType="primFontSz" refFor="des" refPtType="node" op="lte" fact="0.8"/>
+    </dgm:constrLst>
+    <dgm:ruleLst/>
+    <dgm:forEach name="Name3" axis="ch">
+      <dgm:forEach name="Name4" axis="self" ptType="node">
+        <dgm:layoutNode name="root1">
+          <dgm:choose name="Name5">
+            <dgm:if name="Name6" func="var" arg="dir" op="equ" val="norm">
+              <dgm:alg type="hierRoot">
+                <dgm:param type="hierAlign" val="lCtrCh"/>
+              </dgm:alg>
+            </dgm:if>
+            <dgm:else name="Name7">
+              <dgm:alg type="hierRoot">
+                <dgm:param type="hierAlign" val="rCtrCh"/>
+              </dgm:alg>
+            </dgm:else>
+          </dgm:choose>
+          <dgm:shape xmlns:r="http://schemas.openxmlformats.org/officeDocument/2006/relationships" r:blip="">
+            <dgm:adjLst/>
+          </dgm:shape>
+          <dgm:presOf/>
+          <dgm:constrLst/>
+          <dgm:ruleLst/>
+          <dgm:layoutNode name="LevelOneTextNode" styleLbl="node0">
+            <dgm:varLst>
+              <dgm:chPref val="3"/>
+            </dgm:varLst>
+            <dgm:alg type="tx"/>
+            <dgm:shape xmlns:r="http://schemas.openxmlformats.org/officeDocument/2006/relationships" type="roundRect" r:blip="">
+              <dgm:adjLst>
+                <dgm:adj idx="1" val="0.1"/>
+              </dgm:adjLst>
+            </dgm:shape>
+            <dgm:presOf axis="self"/>
+            <dgm:constrLst>
+              <dgm:constr type="tMarg" refType="primFontSz" fact="0.05"/>
+              <dgm:constr type="bMarg" refType="primFontSz" fact="0.05"/>
+              <dgm:constr type="lMarg" refType="primFontSz" fact="0.05"/>
+              <dgm:constr type="rMarg" refType="primFontSz" fact="0.05"/>
+            </dgm:constrLst>
+            <dgm:ruleLst>
+              <dgm:rule type="primFontSz" val="5" fact="NaN" max="NaN"/>
+            </dgm:ruleLst>
+          </dgm:layoutNode>
+          <dgm:layoutNode name="level2hierChild">
+            <dgm:choose name="Name8">
+              <dgm:if name="Name9" func="var" arg="dir" op="equ" val="norm">
+                <dgm:alg type="hierChild">
+                  <dgm:param type="linDir" val="fromT"/>
+                  <dgm:param type="chAlign" val="l"/>
+                </dgm:alg>
+              </dgm:if>
+              <dgm:else name="Name10">
+                <dgm:alg type="hierChild">
+                  <dgm:param type="linDir" val="fromT"/>
+                  <dgm:param type="chAlign" val="r"/>
+                </dgm:alg>
+              </dgm:else>
+            </dgm:choose>
+            <dgm:shape xmlns:r="http://schemas.openxmlformats.org/officeDocument/2006/relationships" r:blip="">
+              <dgm:adjLst/>
+            </dgm:shape>
+            <dgm:presOf/>
+            <dgm:constrLst/>
+            <dgm:ruleLst/>
+            <dgm:forEach name="repeat" axis="ch">
+              <dgm:forEach name="Name11" axis="self" ptType="parTrans" cnt="1">
+                <dgm:layoutNode name="conn2-1">
+                  <dgm:choose name="Name12">
+                    <dgm:if name="Name13" func="var" arg="dir" op="equ" val="norm">
+                      <dgm:alg type="conn">
+                        <dgm:param type="dim" val="1D"/>
+                        <dgm:param type="begPts" val="midR"/>
+                        <dgm:param type="endPts" val="midL"/>
+                        <dgm:param type="endSty" val="noArr"/>
+                      </dgm:alg>
+                    </dgm:if>
+                    <dgm:else name="Name14">
+                      <dgm:alg type="conn">
+                        <dgm:param type="dim" val="1D"/>
+                        <dgm:param type="begPts" val="midL"/>
+                        <dgm:param type="endPts" val="midR"/>
+                        <dgm:param type="endSty" val="noArr"/>
+                      </dgm:alg>
+                    </dgm:else>
+                  </dgm:choose>
+                  <dgm:shape xmlns:r="http://schemas.openxmlformats.org/officeDocument/2006/relationships" type="conn" r:blip="">
+                    <dgm:adjLst/>
+                  </dgm:shape>
+                  <dgm:presOf axis="self"/>
+                  <dgm:constrLst>
+                    <dgm:constr type="w" val="1"/>
+                    <dgm:constr type="h" val="5"/>
+                    <dgm:constr type="connDist"/>
+                    <dgm:constr type="begPad"/>
+                    <dgm:constr type="endPad"/>
+                    <dgm:constr type="userA" for="ch" refType="connDist"/>
+                  </dgm:constrLst>
+                  <dgm:ruleLst/>
+                  <dgm:layoutNode name="connTx">
+                    <dgm:alg type="tx">
+                      <dgm:param type="autoTxRot" val="grav"/>
+                    </dgm:alg>
+                    <dgm:shape xmlns:r="http://schemas.openxmlformats.org/officeDocument/2006/relationships" type="rect" r:blip="" hideGeom="1">
+                      <dgm:adjLst/>
+                    </dgm:shape>
+                    <dgm:presOf axis="self"/>
+                    <dgm:constrLst>
+                      <dgm:constr type="userA"/>
+                      <dgm:constr type="w" refType="userA" fact="0.05"/>
+                      <dgm:constr type="h" refType="userA" fact="0.05"/>
+                      <dgm:constr type="lMarg" val="1"/>
+                      <dgm:constr type="rMarg" val="1"/>
+                      <dgm:constr type="tMarg"/>
+                      <dgm:constr type="bMarg"/>
+                    </dgm:constrLst>
+                    <dgm:ruleLst>
+                      <dgm:rule type="h" val="NaN" fact="0.25" max="NaN"/>
+                      <dgm:rule type="w" val="NaN" fact="0.8" max="NaN"/>
+                      <dgm:rule type="primFontSz" val="5" fact="NaN" max="NaN"/>
+                    </dgm:ruleLst>
+                  </dgm:layoutNode>
+                </dgm:layoutNode>
+              </dgm:forEach>
+              <dgm:forEach name="Name15" axis="self" ptType="node">
+                <dgm:layoutNode name="root2">
+                  <dgm:choose name="Name16">
+                    <dgm:if name="Name17" func="var" arg="dir" op="equ" val="norm">
+                      <dgm:alg type="hierRoot">
+                        <dgm:param type="hierAlign" val="lCtrCh"/>
+                      </dgm:alg>
+                    </dgm:if>
+                    <dgm:else name="Name18">
+                      <dgm:alg type="hierRoot">
+                        <dgm:param type="hierAlign" val="rCtrCh"/>
+                      </dgm:alg>
+                    </dgm:else>
+                  </dgm:choose>
+                  <dgm:shape xmlns:r="http://schemas.openxmlformats.org/officeDocument/2006/relationships" r:blip="">
+                    <dgm:adjLst/>
+                  </dgm:shape>
+                  <dgm:presOf/>
+                  <dgm:constrLst/>
+                  <dgm:ruleLst/>
+                  <dgm:layoutNode name="LevelTwoTextNode">
+                    <dgm:varLst>
+                      <dgm:chPref val="3"/>
+                    </dgm:varLst>
+                    <dgm:alg type="tx"/>
+                    <dgm:shape xmlns:r="http://schemas.openxmlformats.org/officeDocument/2006/relationships" type="roundRect" r:blip="">
+                      <dgm:adjLst>
+                        <dgm:adj idx="1" val="0.1"/>
+                      </dgm:adjLst>
+                    </dgm:shape>
+                    <dgm:presOf axis="self"/>
+                    <dgm:constrLst>
+                      <dgm:constr type="tMarg" refType="primFontSz" fact="0.05"/>
+                      <dgm:constr type="bMarg" refType="primFontSz" fact="0.05"/>
+                      <dgm:constr type="lMarg" refType="primFontSz" fact="0.05"/>
+                      <dgm:constr type="rMarg" refType="primFontSz" fact="0.05"/>
+                    </dgm:constrLst>
+                    <dgm:ruleLst>
+                      <dgm:rule type="primFontSz" val="5" fact="NaN" max="NaN"/>
+                    </dgm:ruleLst>
+                  </dgm:layoutNode>
+                  <dgm:layoutNode name="level3hierChild">
+                    <dgm:choose name="Name19">
+                      <dgm:if name="Name20" func="var" arg="dir" op="equ" val="norm">
+                        <dgm:alg type="hierChild">
+                          <dgm:param type="linDir" val="fromT"/>
+                          <dgm:param type="chAlign" val="l"/>
+                        </dgm:alg>
+                      </dgm:if>
+                      <dgm:else name="Name21">
+                        <dgm:alg type="hierChild">
+                          <dgm:param type="linDir" val="fromT"/>
+                          <dgm:param type="chAlign" val="r"/>
+                        </dgm:alg>
+                      </dgm:else>
+                    </dgm:choose>
+                    <dgm:shape xmlns:r="http://schemas.openxmlformats.org/officeDocument/2006/relationships" r:blip="">
+                      <dgm:adjLst/>
+                    </dgm:shape>
+                    <dgm:presOf/>
+                    <dgm:constrLst/>
+                    <dgm:ruleLst/>
+                    <dgm:forEach name="Name22" ref="repeat"/>
+                  </dgm:layoutNode>
+                </dgm:layoutNode>
+              </dgm:forEach>
+            </dgm:forEach>
+          </dgm:layoutNode>
+        </dgm:layoutNode>
+      </dgm:forEach>
+    </dgm:forEach>
+  </dgm:layoutNode>
+</dgm:layoutDef>
+</file>
+
+<file path=ppt/diagrams/quickStyle1.xml><?xml version="1.0" encoding="utf-8"?>
+<dgm:styleDef xmlns:dgm="http://schemas.openxmlformats.org/drawingml/2006/diagram" xmlns:a="http://schemas.openxmlformats.org/drawingml/2006/main" uniqueId="urn:microsoft.com/office/officeart/2005/8/quickstyle/simple4">
+  <dgm:title val=""/>
+  <dgm:desc val=""/>
+  <dgm:catLst>
+    <dgm:cat type="simple" pri="10400"/>
+  </dgm:catLst>
+  <dgm:scene3d>
+    <a:camera prst="orthographicFront"/>
+    <a:lightRig rig="threePt" dir="t"/>
+  </dgm:scene3d>
+  <dgm:styleLbl name="node0">
+    <dgm:scene3d>
+      <a:camera prst="orthographicFront"/>
+      <a:lightRig rig="threePt" dir="t"/>
+    </dgm:scene3d>
+    <dgm:sp3d/>
+    <dgm:txPr/>
+    <dgm:style>
+      <a:lnRef idx="0">
+        <a:scrgbClr r="0" g="0" b="0"/>
+      </a:lnRef>
+      <a:fillRef idx="3">
+        <a:scrgbClr r="0" g="0" b="0"/>
+      </a:fillRef>
+      <a:effectRef idx="2">
+        <a:scrgbClr r="0" g="0" b="0"/>
+      </a:effectRef>
+      <a:fontRef idx="minor">
+        <a:schemeClr val="lt1"/>
+      </a:fontRef>
+    </dgm:style>
+  </dgm:styleLbl>
+  <dgm:styleLbl name="lnNode1">
+    <dgm:scene3d>
+      <a:camera prst="orthographicFront"/>
+      <a:lightRig rig="threePt" dir="t"/>
+    </dgm:scene3d>
+    <dgm:sp3d/>
+    <dgm:txPr/>
+    <dgm:style>
+      <a:lnRef idx="1">
+        <a:scrgbClr r="0" g="0" b="0"/>
+      </a:lnRef>
+      <a:fillRef idx="3">
+        <a:scrgbClr r="0" g="0" b="0"/>
+      </a:fillRef>
+      <a:effectRef idx="2">
+        <a:scrgbClr r="0" g="0" b="0"/>
+      </a:effectRef>
+      <a:fontRef idx="minor">
+        <a:schemeClr val="lt1"/>
+      </a:fontRef>
+    </dgm:style>
+  </dgm:styleLbl>
+  <dgm:styleLbl name="vennNode1">
+    <dgm:scene3d>
+      <a:camera prst="orthographicFront"/>
+      <a:lightRig rig="threePt" dir="t"/>
+    </dgm:scene3d>
+    <dgm:sp3d/>
+    <dgm:txPr/>
+    <dgm:style>
+      <a:lnRef idx="0">
+        <a:scrgbClr r="0" g="0" b="0"/>
+      </a:lnRef>
+      <a:fillRef idx="3">
+        <a:scrgbClr r="0" g="0" b="0"/>
+      </a:fillRef>
+      <a:effectRef idx="0">
+        <a:scrgbClr r="0" g="0" b="0"/>
+      </a:effectRef>
+      <a:fontRef idx="minor">
+        <a:schemeClr val="tx1"/>
+      </a:fontRef>
+    </dgm:style>
+  </dgm:styleLbl>
+  <dgm:styleLbl name="alignNode1">
+    <dgm:scene3d>
+      <a:camera prst="orthographicFront"/>
+      <a:lightRig rig="threePt" dir="t"/>
+    </dgm:scene3d>
+    <dgm:sp3d/>
+    <dgm:txPr/>
+    <dgm:style>
+      <a:lnRef idx="1">
+        <a:scrgbClr r="0" g="0" b="0"/>
+      </a:lnRef>
+      <a:fillRef idx="3">
+        <a:scrgbClr r="0" g="0" b="0"/>
+      </a:fillRef>
+      <a:effectRef idx="2">
+        <a:scrgbClr r="0" g="0" b="0"/>
+      </a:effectRef>
+      <a:fontRef idx="minor">
+        <a:schemeClr val="lt1"/>
+      </a:fontRef>
+    </dgm:style>
+  </dgm:styleLbl>
+  <dgm:styleLbl name="node1">
+    <dgm:scene3d>
+      <a:camera prst="orthographicFront"/>
+      <a:lightRig rig="threePt" dir="t"/>
+    </dgm:scene3d>
+    <dgm:sp3d/>
+    <dgm:txPr/>
+    <dgm:style>
+      <a:lnRef idx="0">
+        <a:scrgbClr r="0" g="0" b="0"/>
+      </a:lnRef>
+      <a:fillRef idx="3">
+        <a:scrgbClr r="0" g="0" b="0"/>
+      </a:fillRef>
+      <a:effectRef idx="2">
+        <a:scrgbClr r="0" g="0" b="0"/>
+      </a:effectRef>
+      <a:fontRef idx="minor">
+        <a:schemeClr val="lt1"/>
+      </a:fontRef>
+    </dgm:style>
+  </dgm:styleLbl>
+  <dgm:styleLbl name="node2">
+    <dgm:scene3d>
+      <a:camera prst="orthographicFront"/>
+      <a:lightRig rig="threePt" dir="t"/>
+    </dgm:scene3d>
+    <dgm:sp3d/>
+    <dgm:txPr/>
+    <dgm:style>
+      <a:lnRef idx="0">
+        <a:scrgbClr r="0" g="0" b="0"/>
+      </a:lnRef>
+      <a:fillRef idx="3">
+        <a:scrgbClr r="0" g="0" b="0"/>
+      </a:fillRef>
+      <a:effectRef idx="2">
+        <a:scrgbClr r="0" g="0" b="0"/>
+      </a:effectRef>
+      <a:fontRef idx="minor">
+        <a:schemeClr val="lt1"/>
+      </a:fontRef>
+    </dgm:style>
+  </dgm:styleLbl>
+  <dgm:styleLbl name="node3">
+    <dgm:scene3d>
+      <a:camera prst="orthographicFront"/>
+      <a:lightRig rig="threePt" dir="t"/>
+    </dgm:scene3d>
+    <dgm:sp3d/>
+    <dgm:txPr/>
+    <dgm:style>
+      <a:lnRef idx="0">
+        <a:scrgbClr r="0" g="0" b="0"/>
+      </a:lnRef>
+      <a:fillRef idx="3">
+        <a:scrgbClr r="0" g="0" b="0"/>
+      </a:fillRef>
+      <a:effectRef idx="2">
+        <a:scrgbClr r="0" g="0" b="0"/>
+      </a:effectRef>
+      <a:fontRef idx="minor">
+        <a:schemeClr val="lt1"/>
+      </a:fontRef>
+    </dgm:style>
+  </dgm:styleLbl>
+  <dgm:styleLbl name="node4">
+    <dgm:scene3d>
+      <a:camera prst="orthographicFront"/>
+      <a:lightRig rig="threePt" dir="t"/>
+    </dgm:scene3d>
+    <dgm:sp3d/>
+    <dgm:txPr/>
+    <dgm:style>
+      <a:lnRef idx="0">
+        <a:scrgbClr r="0" g="0" b="0"/>
+      </a:lnRef>
+      <a:fillRef idx="3">
+        <a:scrgbClr r="0" g="0" b="0"/>
+      </a:fillRef>
+      <a:effectRef idx="2">
+        <a:scrgbClr r="0" g="0" b="0"/>
+      </a:effectRef>
+      <a:fontRef idx="minor">
+        <a:schemeClr val="lt1"/>
+      </a:fontRef>
+    </dgm:style>
+  </dgm:styleLbl>
+  <dgm:styleLbl name="fgImgPlace1">
+    <dgm:scene3d>
+      <a:camera prst="orthographicFront"/>
+      <a:lightRig rig="threePt" dir="t"/>
+    </dgm:scene3d>
+    <dgm:sp3d/>
+    <dgm:txPr/>
+    <dgm:style>
+      <a:lnRef idx="0">
+        <a:scrgbClr r="0" g="0" b="0"/>
+      </a:lnRef>
+      <a:fillRef idx="1">
+        <a:scrgbClr r="0" g="0" b="0"/>
+      </a:fillRef>
+      <a:effectRef idx="2">
+        <a:scrgbClr r="0" g="0" b="0"/>
+      </a:effectRef>
+      <a:fontRef idx="minor"/>
+    </dgm:style>
+  </dgm:styleLbl>
+  <dgm:styleLbl name="alignImgPlace1">
+    <dgm:scene3d>
+      <a:camera prst="orthographicFront"/>
+      <a:lightRig rig="threePt" dir="t"/>
+    </dgm:scene3d>
+    <dgm:sp3d/>
+    <dgm:txPr/>
+    <dgm:style>
+      <a:lnRef idx="0">
+        <a:scrgbClr r="0" g="0" b="0"/>
+      </a:lnRef>
+      <a:fillRef idx="1">
+        <a:scrgbClr r="0" g="0" b="0"/>
+      </a:fillRef>
+      <a:effectRef idx="2">
+        <a:scrgbClr r="0" g="0" b="0"/>
+      </a:effectRef>
+      <a:fontRef idx="minor"/>
+    </dgm:style>
+  </dgm:styleLbl>
+  <dgm:styleLbl name="bgImgPlace1">
+    <dgm:scene3d>
+      <a:camera prst="orthographicFront"/>
+      <a:lightRig rig="threePt" dir="t"/>
+    </dgm:scene3d>
+    <dgm:sp3d/>
+    <dgm:txPr/>
+    <dgm:style>
+      <a:lnRef idx="0">
+        <a:scrgbClr r="0" g="0" b="0"/>
+      </a:lnRef>
+      <a:fillRef idx="1">
+        <a:scrgbClr r="0" g="0" b="0"/>
+      </a:fillRef>
+      <a:effectRef idx="2">
+        <a:scrgbClr r="0" g="0" b="0"/>
+      </a:effectRef>
+      <a:fontRef idx="minor"/>
+    </dgm:style>
+  </dgm:styleLbl>
+  <dgm:styleLbl name="sibTrans2D1">
+    <dgm:scene3d>
+      <a:camera prst="orthographicFront"/>
+      <a:lightRig rig="threePt" dir="t"/>
+    </dgm:scene3d>
+    <dgm:sp3d/>
+    <dgm:txPr/>
+    <dgm:style>
+      <a:lnRef idx="0">
+        <a:scrgbClr r="0" g="0" b="0"/>
+      </a:lnRef>
+      <a:fillRef idx="3">
+        <a:scrgbClr r="0" g="0" b="0"/>
+      </a:fillRef>
+      <a:effectRef idx="2">
+        <a:scrgbClr r="0" g="0" b="0"/>
+      </a:effectRef>
+      <a:fontRef idx="minor">
+        <a:schemeClr val="lt1"/>
+      </a:fontRef>
+    </dgm:style>
+  </dgm:styleLbl>
+  <dgm:styleLbl name="fgSibTrans2D1">
+    <dgm:scene3d>
+      <a:camera prst="orthographicFront"/>
+      <a:lightRig rig="threePt" dir="t"/>
+    </dgm:scene3d>
+    <dgm:sp3d/>
+    <dgm:txPr/>
+    <dgm:style>
+      <a:lnRef idx="0">
+        <a:scrgbClr r="0" g="0" b="0"/>
+      </a:lnRef>
+      <a:fillRef idx="3">
+        <a:scrgbClr r="0" g="0" b="0"/>
+      </a:fillRef>
+      <a:effectRef idx="2">
+        <a:scrgbClr r="0" g="0" b="0"/>
+      </a:effectRef>
+      <a:fontRef idx="minor">
+        <a:schemeClr val="lt1"/>
+      </a:fontRef>
+    </dgm:style>
+  </dgm:styleLbl>
+  <dgm:styleLbl name="bgSibTrans2D1">
+    <dgm:scene3d>
+      <a:camera prst="orthographicFront"/>
+      <a:lightRig rig="threePt" dir="t"/>
+    </dgm:scene3d>
+    <dgm:sp3d/>
+    <dgm:txPr/>
+    <dgm:style>
+      <a:lnRef idx="0">
+        <a:scrgbClr r="0" g="0" b="0"/>
+      </a:lnRef>
+      <a:fillRef idx="3">
+        <a:scrgbClr r="0" g="0" b="0"/>
+      </a:fillRef>
+      <a:effectRef idx="2">
+        <a:scrgbClr r="0" g="0" b="0"/>
+      </a:effectRef>
+      <a:fontRef idx="minor">
+        <a:schemeClr val="lt1"/>
+      </a:fontRef>
+    </dgm:style>
+  </dgm:styleLbl>
+  <dgm:styleLbl name="sibTrans1D1">
+    <dgm:scene3d>
+      <a:camera prst="orthographicFront"/>
+      <a:lightRig rig="threePt" dir="t"/>
+    </dgm:scene3d>
+    <dgm:sp3d/>
+    <dgm:txPr/>
+    <dgm:style>
+      <a:lnRef idx="1">
+        <a:scrgbClr r="0" g="0" b="0"/>
+      </a:lnRef>
+      <a:fillRef idx="0">
+        <a:scrgbClr r="0" g="0" b="0"/>
+      </a:fillRef>
+      <a:effectRef idx="0">
+        <a:scrgbClr r="0" g="0" b="0"/>
+      </a:effectRef>
+      <a:fontRef idx="minor"/>
+    </dgm:style>
+  </dgm:styleLbl>
+  <dgm:styleLbl name="callout">
+    <dgm:scene3d>
+      <a:camera prst="orthographicFront"/>
+      <a:lightRig rig="threePt" dir="t"/>
+    </dgm:scene3d>
+    <dgm:sp3d/>
+    <dgm:txPr/>
+    <dgm:style>
+      <a:lnRef idx="2">
+        <a:scrgbClr r="0" g="0" b="0"/>
+      </a:lnRef>
+      <a:fillRef idx="1">
+        <a:scrgbClr r="0" g="0" b="0"/>
+      </a:fillRef>
+      <a:effectRef idx="1">
+        <a:scrgbClr r="0" g="0" b="0"/>
+      </a:effectRef>
+      <a:fontRef idx="minor"/>
+    </dgm:style>
+  </dgm:styleLbl>
+  <dgm:styleLbl name="asst0">
+    <dgm:scene3d>
+      <a:camera prst="orthographicFront"/>
+      <a:lightRig rig="threePt" dir="t"/>
+    </dgm:scene3d>
+    <dgm:sp3d/>
+    <dgm:txPr/>
+    <dgm:style>
+      <a:lnRef idx="0">
+        <a:scrgbClr r="0" g="0" b="0"/>
+      </a:lnRef>
+      <a:fillRef idx="3">
+        <a:scrgbClr r="0" g="0" b="0"/>
+      </a:fillRef>
+      <a:effectRef idx="2">
+        <a:scrgbClr r="0" g="0" b="0"/>
+      </a:effectRef>
+      <a:fontRef idx="minor">
+        <a:schemeClr val="lt1"/>
+      </a:fontRef>
+    </dgm:style>
+  </dgm:styleLbl>
+  <dgm:styleLbl name="asst1">
+    <dgm:scene3d>
+      <a:camera prst="orthographicFront"/>
+      <a:lightRig rig="threePt" dir="t"/>
+    </dgm:scene3d>
+    <dgm:sp3d/>
+    <dgm:txPr/>
+    <dgm:style>
+      <a:lnRef idx="0">
+        <a:scrgbClr r="0" g="0" b="0"/>
+      </a:lnRef>
+      <a:fillRef idx="3">
+        <a:scrgbClr r="0" g="0" b="0"/>
+      </a:fillRef>
+      <a:effectRef idx="2">
+        <a:scrgbClr r="0" g="0" b="0"/>
+      </a:effectRef>
+      <a:fontRef idx="minor">
+        <a:schemeClr val="lt1"/>
+      </a:fontRef>
+    </dgm:style>
+  </dgm:styleLbl>
+  <dgm:styleLbl name="asst2">
+    <dgm:scene3d>
+      <a:camera prst="orthographicFront"/>
+      <a:lightRig rig="threePt" dir="t"/>
+    </dgm:scene3d>
+    <dgm:sp3d/>
+    <dgm:txPr/>
+    <dgm:style>
+      <a:lnRef idx="0">
+        <a:scrgbClr r="0" g="0" b="0"/>
+      </a:lnRef>
+      <a:fillRef idx="3">
+        <a:scrgbClr r="0" g="0" b="0"/>
+      </a:fillRef>
+      <a:effectRef idx="2">
+        <a:scrgbClr r="0" g="0" b="0"/>
+      </a:effectRef>
+      <a:fontRef idx="minor">
+        <a:schemeClr val="lt1"/>
+      </a:fontRef>
+    </dgm:style>
+  </dgm:styleLbl>
+  <dgm:styleLbl name="asst3">
+    <dgm:scene3d>
+      <a:camera prst="orthographicFront"/>
+      <a:lightRig rig="threePt" dir="t"/>
+    </dgm:scene3d>
+    <dgm:sp3d/>
+    <dgm:txPr/>
+    <dgm:style>
+      <a:lnRef idx="0">
+        <a:scrgbClr r="0" g="0" b="0"/>
+      </a:lnRef>
+      <a:fillRef idx="3">
+        <a:scrgbClr r="0" g="0" b="0"/>
+      </a:fillRef>
+      <a:effectRef idx="2">
+        <a:scrgbClr r="0" g="0" b="0"/>
+      </a:effectRef>
+      <a:fontRef idx="minor">
+        <a:schemeClr val="lt1"/>
+      </a:fontRef>
+    </dgm:style>
+  </dgm:styleLbl>
+  <dgm:styleLbl name="asst4">
+    <dgm:scene3d>
+      <a:camera prst="orthographicFront"/>
+      <a:lightRig rig="threePt" dir="t"/>
+    </dgm:scene3d>
+    <dgm:sp3d/>
+    <dgm:txPr/>
+    <dgm:style>
+      <a:lnRef idx="0">
+        <a:scrgbClr r="0" g="0" b="0"/>
+      </a:lnRef>
+      <a:fillRef idx="3">
+        <a:scrgbClr r="0" g="0" b="0"/>
+      </a:fillRef>
+      <a:effectRef idx="2">
+        <a:scrgbClr r="0" g="0" b="0"/>
+      </a:effectRef>
+      <a:fontRef idx="minor">
+        <a:schemeClr val="lt1"/>
+      </a:fontRef>
+    </dgm:style>
+  </dgm:styleLbl>
+  <dgm:styleLbl name="parChTrans2D1">
+    <dgm:scene3d>
+      <a:camera prst="orthographicFront"/>
+      <a:lightRig rig="threePt" dir="t"/>
+    </dgm:scene3d>
+    <dgm:sp3d/>
+    <dgm:txPr/>
+    <dgm:style>
+      <a:lnRef idx="0">
+        <a:scrgbClr r="0" g="0" b="0"/>
+      </a:lnRef>
+      <a:fillRef idx="3">
+        <a:scrgbClr r="0" g="0" b="0"/>
+      </a:fillRef>
+      <a:effectRef idx="2">
+        <a:scrgbClr r="0" g="0" b="0"/>
+      </a:effectRef>
+      <a:fontRef idx="minor">
+        <a:schemeClr val="lt1"/>
+      </a:fontRef>
+    </dgm:style>
+  </dgm:styleLbl>
+  <dgm:styleLbl name="parChTrans2D2">
+    <dgm:scene3d>
+      <a:camera prst="orthographicFront"/>
+      <a:lightRig rig="threePt" dir="t"/>
+    </dgm:scene3d>
+    <dgm:sp3d/>
+    <dgm:txPr/>
+    <dgm:style>
+      <a:lnRef idx="0">
+        <a:scrgbClr r="0" g="0" b="0"/>
+      </a:lnRef>
+      <a:fillRef idx="3">
+        <a:scrgbClr r="0" g="0" b="0"/>
+      </a:fillRef>
+      <a:effectRef idx="2">
+        <a:scrgbClr r="0" g="0" b="0"/>
+      </a:effectRef>
+      <a:fontRef idx="minor">
+        <a:schemeClr val="lt1"/>
+      </a:fontRef>
+    </dgm:style>
+  </dgm:styleLbl>
+  <dgm:styleLbl name="parChTrans2D3">
+    <dgm:scene3d>
+      <a:camera prst="orthographicFront"/>
+      <a:lightRig rig="threePt" dir="t"/>
+    </dgm:scene3d>
+    <dgm:sp3d/>
+    <dgm:txPr/>
+    <dgm:style>
+      <a:lnRef idx="1">
+        <a:scrgbClr r="0" g="0" b="0"/>
+      </a:lnRef>
+      <a:fillRef idx="3">
+        <a:scrgbClr r="0" g="0" b="0"/>
+      </a:fillRef>
+      <a:effectRef idx="2">
+        <a:scrgbClr r="0" g="0" b="0"/>
+      </a:effectRef>
+      <a:fontRef idx="minor">
+        <a:schemeClr val="lt1"/>
+      </a:fontRef>
+    </dgm:style>
+  </dgm:styleLbl>
+  <dgm:styleLbl name="parChTrans2D4">
+    <dgm:scene3d>
+      <a:camera prst="orthographicFront"/>
+      <a:lightRig rig="threePt" dir="t"/>
+    </dgm:scene3d>
+    <dgm:sp3d/>
+    <dgm:txPr/>
+    <dgm:style>
+      <a:lnRef idx="1">
+        <a:scrgbClr r="0" g="0" b="0"/>
+      </a:lnRef>
+      <a:fillRef idx="3">
+        <a:scrgbClr r="0" g="0" b="0"/>
+      </a:fillRef>
+      <a:effectRef idx="2">
+        <a:scrgbClr r="0" g="0" b="0"/>
+      </a:effectRef>
+      <a:fontRef idx="minor">
+        <a:schemeClr val="lt1"/>
+      </a:fontRef>
+    </dgm:style>
+  </dgm:styleLbl>
+  <dgm:styleLbl name="parChTrans1D1">
+    <dgm:scene3d>
+      <a:camera prst="orthographicFront"/>
+      <a:lightRig rig="threePt" dir="t"/>
+    </dgm:scene3d>
+    <dgm:sp3d/>
+    <dgm:txPr/>
+    <dgm:style>
+      <a:lnRef idx="1">
+        <a:scrgbClr r="0" g="0" b="0"/>
+      </a:lnRef>
+      <a:fillRef idx="0">
+        <a:scrgbClr r="0" g="0" b="0"/>
+      </a:fillRef>
+      <a:effectRef idx="0">
+        <a:scrgbClr r="0" g="0" b="0"/>
+      </a:effectRef>
+      <a:fontRef idx="minor"/>
+    </dgm:style>
+  </dgm:styleLbl>
+  <dgm:styleLbl name="parChTrans1D2">
+    <dgm:scene3d>
+      <a:camera prst="orthographicFront"/>
+      <a:lightRig rig="threePt" dir="t"/>
+    </dgm:scene3d>
+    <dgm:sp3d/>
+    <dgm:txPr/>
+    <dgm:style>
+      <a:lnRef idx="1">
+        <a:scrgbClr r="0" g="0" b="0"/>
+      </a:lnRef>
+      <a:fillRef idx="0">
+        <a:scrgbClr r="0" g="0" b="0"/>
+      </a:fillRef>
+      <a:effectRef idx="0">
+        <a:scrgbClr r="0" g="0" b="0"/>
+      </a:effectRef>
+      <a:fontRef idx="minor"/>
+    </dgm:style>
+  </dgm:styleLbl>
+  <dgm:styleLbl name="parChTrans1D3">
+    <dgm:scene3d>
+      <a:camera prst="orthographicFront"/>
+      <a:lightRig rig="threePt" dir="t"/>
+    </dgm:scene3d>
+    <dgm:sp3d/>
+    <dgm:txPr/>
+    <dgm:style>
+      <a:lnRef idx="1">
+        <a:scrgbClr r="0" g="0" b="0"/>
+      </a:lnRef>
+      <a:fillRef idx="0">
+        <a:scrgbClr r="0" g="0" b="0"/>
+      </a:fillRef>
+      <a:effectRef idx="0">
+        <a:scrgbClr r="0" g="0" b="0"/>
+      </a:effectRef>
+      <a:fontRef idx="minor"/>
+    </dgm:style>
+  </dgm:styleLbl>
+  <dgm:styleLbl name="parChTrans1D4">
+    <dgm:scene3d>
+      <a:camera prst="orthographicFront"/>
+      <a:lightRig rig="threePt" dir="t"/>
+    </dgm:scene3d>
+    <dgm:sp3d/>
+    <dgm:txPr/>
+    <dgm:style>
+      <a:lnRef idx="1">
+        <a:scrgbClr r="0" g="0" b="0"/>
+      </a:lnRef>
+      <a:fillRef idx="0">
+        <a:scrgbClr r="0" g="0" b="0"/>
+      </a:fillRef>
+      <a:effectRef idx="0">
+        <a:scrgbClr r="0" g="0" b="0"/>
+      </a:effectRef>
+      <a:fontRef idx="minor"/>
+    </dgm:style>
+  </dgm:styleLbl>
+  <dgm:styleLbl name="fgAcc1">
+    <dgm:scene3d>
+      <a:camera prst="orthographicFront"/>
+      <a:lightRig rig="threePt" dir="t"/>
+    </dgm:scene3d>
+    <dgm:sp3d/>
+    <dgm:txPr/>
+    <dgm:style>
+      <a:lnRef idx="1">
+        <a:scrgbClr r="0" g="0" b="0"/>
+      </a:lnRef>
+      <a:fillRef idx="1">
+        <a:scrgbClr r="0" g="0" b="0"/>
+      </a:fillRef>
+      <a:effectRef idx="0">
+        <a:scrgbClr r="0" g="0" b="0"/>
+      </a:effectRef>
+      <a:fontRef idx="minor"/>
+    </dgm:style>
+  </dgm:styleLbl>
+  <dgm:styleLbl name="conFgAcc1">
+    <dgm:scene3d>
+      <a:camera prst="orthographicFront"/>
+      <a:lightRig rig="threePt" dir="t"/>
+    </dgm:scene3d>
+    <dgm:sp3d/>
+    <dgm:txPr/>
+    <dgm:style>
+      <a:lnRef idx="1">
+        <a:scrgbClr r="0" g="0" b="0"/>
+      </a:lnRef>
+      <a:fillRef idx="1">
+        <a:scrgbClr r="0" g="0" b="0"/>
+      </a:fillRef>
+      <a:effectRef idx="0">
+        <a:scrgbClr r="0" g="0" b="0"/>
+      </a:effectRef>
+      <a:fontRef idx="minor"/>
+    </dgm:style>
+  </dgm:styleLbl>
+  <dgm:styleLbl name="alignAcc1">
+    <dgm:scene3d>
+      <a:camera prst="orthographicFront"/>
+      <a:lightRig rig="threePt" dir="t"/>
+    </dgm:scene3d>
+    <dgm:sp3d/>
+    <dgm:txPr/>
+    <dgm:style>
+      <a:lnRef idx="1">
+        <a:scrgbClr r="0" g="0" b="0"/>
+      </a:lnRef>
+      <a:fillRef idx="1">
+        <a:scrgbClr r="0" g="0" b="0"/>
+      </a:fillRef>
+      <a:effectRef idx="0">
+        <a:scrgbClr r="0" g="0" b="0"/>
+      </a:effectRef>
+      <a:fontRef idx="minor"/>
+    </dgm:style>
+  </dgm:styleLbl>
+  <dgm:styleLbl name="trAlignAcc1">
+    <dgm:scene3d>
+      <a:camera prst="orthographicFront"/>
+      <a:lightRig rig="threePt" dir="t"/>
+    </dgm:scene3d>
+    <dgm:sp3d/>
+    <dgm:txPr/>
+    <dgm:style>
+      <a:lnRef idx="1">
+        <a:scrgbClr r="0" g="0" b="0"/>
+      </a:lnRef>
+      <a:fillRef idx="1">
+        <a:scrgbClr r="0" g="0" b="0"/>
+      </a:fillRef>
+      <a:effectRef idx="0">
+        <a:scrgbClr r="0" g="0" b="0"/>
+      </a:effectRef>
+      <a:fontRef idx="minor"/>
+    </dgm:style>
+  </dgm:styleLbl>
+  <dgm:styleLbl name="bgAcc1">
+    <dgm:scene3d>
+      <a:camera prst="orthographicFront"/>
+      <a:lightRig rig="threePt" dir="t"/>
+    </dgm:scene3d>
+    <dgm:sp3d/>
+    <dgm:txPr/>
+    <dgm:style>
+      <a:lnRef idx="1">
+        <a:scrgbClr r="0" g="0" b="0"/>
+      </a:lnRef>
+      <a:fillRef idx="1">
+        <a:scrgbClr r="0" g="0" b="0"/>
+      </a:fillRef>
+      <a:effectRef idx="0">
+        <a:scrgbClr r="0" g="0" b="0"/>
+      </a:effectRef>
+      <a:fontRef idx="minor"/>
+    </dgm:style>
+  </dgm:styleLbl>
+  <dgm:styleLbl name="solidFgAcc1">
+    <dgm:scene3d>
+      <a:camera prst="orthographicFront"/>
+      <a:lightRig rig="threePt" dir="t"/>
+    </dgm:scene3d>
+    <dgm:sp3d/>
+    <dgm:txPr/>
+    <dgm:style>
+      <a:lnRef idx="1">
+        <a:scrgbClr r="0" g="0" b="0"/>
+      </a:lnRef>
+      <a:fillRef idx="1">
+        <a:scrgbClr r="0" g="0" b="0"/>
+      </a:fillRef>
+      <a:effectRef idx="0">
+        <a:scrgbClr r="0" g="0" b="0"/>
+      </a:effectRef>
+      <a:fontRef idx="minor"/>
+    </dgm:style>
+  </dgm:styleLbl>
+  <dgm:styleLbl name="solidAlignAcc1">
+    <dgm:scene3d>
+      <a:camera prst="orthographicFront"/>
+      <a:lightRig rig="threePt" dir="t"/>
+    </dgm:scene3d>
+    <dgm:sp3d/>
+    <dgm:txPr/>
+    <dgm:style>
+      <a:lnRef idx="1">
+        <a:scrgbClr r="0" g="0" b="0"/>
+      </a:lnRef>
+      <a:fillRef idx="1">
+        <a:scrgbClr r="0" g="0" b="0"/>
+      </a:fillRef>
+      <a:effectRef idx="0">
+        <a:scrgbClr r="0" g="0" b="0"/>
+      </a:effectRef>
+      <a:fontRef idx="minor"/>
+    </dgm:style>
+  </dgm:styleLbl>
+  <dgm:styleLbl name="solidBgAcc1">
+    <dgm:scene3d>
+      <a:camera prst="orthographicFront"/>
+      <a:lightRig rig="threePt" dir="t"/>
+    </dgm:scene3d>
+    <dgm:sp3d/>
+    <dgm:txPr/>
+    <dgm:style>
+      <a:lnRef idx="1">
+        <a:scrgbClr r="0" g="0" b="0"/>
+      </a:lnRef>
+      <a:fillRef idx="1">
+        <a:scrgbClr r="0" g="0" b="0"/>
+      </a:fillRef>
+      <a:effectRef idx="0">
+        <a:scrgbClr r="0" g="0" b="0"/>
+      </a:effectRef>
+      <a:fontRef idx="minor"/>
+    </dgm:style>
+  </dgm:styleLbl>
+  <dgm:styleLbl name="fgAccFollowNode1">
+    <dgm:scene3d>
+      <a:camera prst="orthographicFront"/>
+      <a:lightRig rig="threePt" dir="t"/>
+    </dgm:scene3d>
+    <dgm:sp3d/>
+    <dgm:txPr/>
+    <dgm:style>
+      <a:lnRef idx="1">
+        <a:scrgbClr r="0" g="0" b="0"/>
+      </a:lnRef>
+      <a:fillRef idx="1">
+        <a:scrgbClr r="0" g="0" b="0"/>
+      </a:fillRef>
+      <a:effectRef idx="0">
+        <a:scrgbClr r="0" g="0" b="0"/>
+      </a:effectRef>
+      <a:fontRef idx="minor"/>
+    </dgm:style>
+  </dgm:styleLbl>
+  <dgm:styleLbl name="alignAccFollowNode1">
+    <dgm:scene3d>
+      <a:camera prst="orthographicFront"/>
+      <a:lightRig rig="threePt" dir="t"/>
+    </dgm:scene3d>
+    <dgm:sp3d/>
+    <dgm:txPr/>
+    <dgm:style>
+      <a:lnRef idx="1">
+        <a:scrgbClr r="0" g="0" b="0"/>
+      </a:lnRef>
+      <a:fillRef idx="1">
+        <a:scrgbClr r="0" g="0" b="0"/>
+      </a:fillRef>
+      <a:effectRef idx="0">
+        <a:scrgbClr r="0" g="0" b="0"/>
+      </a:effectRef>
+      <a:fontRef idx="minor"/>
+    </dgm:style>
+  </dgm:styleLbl>
+  <dgm:styleLbl name="bgAccFollowNode1">
+    <dgm:scene3d>
+      <a:camera prst="orthographicFront"/>
+      <a:lightRig rig="threePt" dir="t"/>
+    </dgm:scene3d>
+    <dgm:sp3d/>
+    <dgm:txPr/>
+    <dgm:style>
+      <a:lnRef idx="1">
+        <a:scrgbClr r="0" g="0" b="0"/>
+      </a:lnRef>
+      <a:fillRef idx="1">
+        <a:scrgbClr r="0" g="0" b="0"/>
+      </a:fillRef>
+      <a:effectRef idx="0">
+        <a:scrgbClr r="0" g="0" b="0"/>
+      </a:effectRef>
+      <a:fontRef idx="minor"/>
+    </dgm:style>
+  </dgm:styleLbl>
+  <dgm:styleLbl name="fgAcc0">
+    <dgm:scene3d>
+      <a:camera prst="orthographicFront"/>
+      <a:lightRig rig="threePt" dir="t"/>
+    </dgm:scene3d>
+    <dgm:sp3d/>
+    <dgm:txPr/>
+    <dgm:style>
+      <a:lnRef idx="1">
+        <a:scrgbClr r="0" g="0" b="0"/>
+      </a:lnRef>
+      <a:fillRef idx="1">
+        <a:scrgbClr r="0" g="0" b="0"/>
+      </a:fillRef>
+      <a:effectRef idx="0">
+        <a:scrgbClr r="0" g="0" b="0"/>
+      </a:effectRef>
+      <a:fontRef idx="minor"/>
+    </dgm:style>
+  </dgm:styleLbl>
+  <dgm:styleLbl name="fgAcc2">
+    <dgm:scene3d>
+      <a:camera prst="orthographicFront"/>
+      <a:lightRig rig="threePt" dir="t"/>
+    </dgm:scene3d>
+    <dgm:sp3d/>
+    <dgm:txPr/>
+    <dgm:style>
+      <a:lnRef idx="1">
+        <a:scrgbClr r="0" g="0" b="0"/>
+      </a:lnRef>
+      <a:fillRef idx="1">
+        <a:scrgbClr r="0" g="0" b="0"/>
+      </a:fillRef>
+      <a:effectRef idx="0">
+        <a:scrgbClr r="0" g="0" b="0"/>
+      </a:effectRef>
+      <a:fontRef idx="minor"/>
+    </dgm:style>
+  </dgm:styleLbl>
+  <dgm:styleLbl name="fgAcc3">
+    <dgm:scene3d>
+      <a:camera prst="orthographicFront"/>
+      <a:lightRig rig="threePt" dir="t"/>
+    </dgm:scene3d>
+    <dgm:sp3d/>
+    <dgm:txPr/>
+    <dgm:style>
+      <a:lnRef idx="1">
+        <a:scrgbClr r="0" g="0" b="0"/>
+      </a:lnRef>
+      <a:fillRef idx="1">
+        <a:scrgbClr r="0" g="0" b="0"/>
+      </a:fillRef>
+      <a:effectRef idx="0">
+        <a:scrgbClr r="0" g="0" b="0"/>
+      </a:effectRef>
+      <a:fontRef idx="minor"/>
+    </dgm:style>
+  </dgm:styleLbl>
+  <dgm:styleLbl name="fgAcc4">
+    <dgm:scene3d>
+      <a:camera prst="orthographicFront"/>
+      <a:lightRig rig="threePt" dir="t"/>
+    </dgm:scene3d>
+    <dgm:sp3d/>
+    <dgm:txPr/>
+    <dgm:style>
+      <a:lnRef idx="1">
+        <a:scrgbClr r="0" g="0" b="0"/>
+      </a:lnRef>
+      <a:fillRef idx="1">
+        <a:scrgbClr r="0" g="0" b="0"/>
+      </a:fillRef>
+      <a:effectRef idx="0">
+        <a:scrgbClr r="0" g="0" b="0"/>
+      </a:effectRef>
+      <a:fontRef idx="minor"/>
+    </dgm:style>
+  </dgm:styleLbl>
+  <dgm:styleLbl name="bgShp">
+    <dgm:scene3d>
+      <a:camera prst="orthographicFront"/>
+      <a:lightRig rig="threePt" dir="t"/>
+    </dgm:scene3d>
+    <dgm:sp3d/>
+    <dgm:txPr/>
+    <dgm:style>
+      <a:lnRef idx="0">
+        <a:scrgbClr r="0" g="0" b="0"/>
+      </a:lnRef>
+      <a:fillRef idx="1">
+        <a:scrgbClr r="0" g="0" b="0"/>
+      </a:fillRef>
+      <a:effectRef idx="2">
+        <a:scrgbClr r="0" g="0" b="0"/>
+      </a:effectRef>
+      <a:fontRef idx="minor"/>
+    </dgm:style>
+  </dgm:styleLbl>
+  <dgm:styleLbl name="dkBgShp">
+    <dgm:scene3d>
+      <a:camera prst="orthographicFront"/>
+      <a:lightRig rig="threePt" dir="t"/>
+    </dgm:scene3d>
+    <dgm:sp3d/>
+    <dgm:txPr/>
+    <dgm:style>
+      <a:lnRef idx="0">
+        <a:scrgbClr r="0" g="0" b="0"/>
+      </a:lnRef>
+      <a:fillRef idx="1">
+        <a:scrgbClr r="0" g="0" b="0"/>
+      </a:fillRef>
+      <a:effectRef idx="2">
+        <a:scrgbClr r="0" g="0" b="0"/>
+      </a:effectRef>
+      <a:fontRef idx="minor"/>
+    </dgm:style>
+  </dgm:styleLbl>
+  <dgm:styleLbl name="trBgShp">
+    <dgm:scene3d>
+      <a:camera prst="orthographicFront"/>
+      <a:lightRig rig="threePt" dir="t"/>
+    </dgm:scene3d>
+    <dgm:sp3d/>
+    <dgm:txPr/>
+    <dgm:style>
+      <a:lnRef idx="0">
+        <a:scrgbClr r="0" g="0" b="0"/>
+      </a:lnRef>
+      <a:fillRef idx="1">
+        <a:scrgbClr r="0" g="0" b="0"/>
+      </a:fillRef>
+      <a:effectRef idx="0">
+        <a:scrgbClr r="0" g="0" b="0"/>
+      </a:effectRef>
+      <a:fontRef idx="minor"/>
+    </dgm:style>
+  </dgm:styleLbl>
+  <dgm:styleLbl name="fgShp">
+    <dgm:scene3d>
+      <a:camera prst="orthographicFront"/>
+      <a:lightRig rig="threePt" dir="t"/>
+    </dgm:scene3d>
+    <dgm:sp3d/>
+    <dgm:txPr/>
+    <dgm:style>
+      <a:lnRef idx="0">
+        <a:scrgbClr r="0" g="0" b="0"/>
+      </a:lnRef>
+      <a:fillRef idx="3">
+        <a:scrgbClr r="0" g="0" b="0"/>
+      </a:fillRef>
+      <a:effectRef idx="2">
+        <a:scrgbClr r="0" g="0" b="0"/>
+      </a:effectRef>
+      <a:fontRef idx="minor"/>
+    </dgm:style>
+  </dgm:styleLbl>
+  <dgm:styleLbl name="revTx">
+    <dgm:scene3d>
+      <a:camera prst="orthographicFront"/>
+      <a:lightRig rig="threePt" dir="t"/>
+    </dgm:scene3d>
+    <dgm:sp3d/>
+    <dgm:txPr/>
+    <dgm:style>
+      <a:lnRef idx="0">
+        <a:scrgbClr r="0" g="0" b="0"/>
+      </a:lnRef>
+      <a:fillRef idx="0">
+        <a:scrgbClr r="0" g="0" b="0"/>
+      </a:fillRef>
+      <a:effectRef idx="0">
+        <a:scrgbClr r="0" g="0" b="0"/>
+      </a:effectRef>
+      <a:fontRef idx="minor"/>
+    </dgm:style>
+  </dgm:styleLbl>
+</dgm:styleDef>
 </file>
 
 <file path=ppt/slideLayouts/slideLayout1.xml><?xml version="1.0" encoding="utf-8"?>
@@ -3035,6 +7250,13 @@
   <p:clrMapOvr>
     <a:masterClrMapping/>
   </p:clrMapOvr>
+  <p:timing>
+    <p:tnLst>
+      <p:par>
+        <p:cTn id="1" dur="indefinite" restart="never" nodeType="tmRoot"/>
+      </p:par>
+    </p:tnLst>
+  </p:timing>
 </p:sld>
 </file>
 
@@ -3057,7 +7279,1322 @@
       </p:grpSpPr>
       <p:sp>
         <p:nvSpPr>
-          <p:cNvPr id="2" name="Title 1"/>
+          <p:cNvPr id="4" name="Rectangle 3"/>
+          <p:cNvSpPr/>
+          <p:nvPr/>
+        </p:nvSpPr>
+        <p:spPr>
+          <a:xfrm>
+            <a:off x="2570628" y="3818965"/>
+            <a:ext cx="789460" cy="770964"/>
+          </a:xfrm>
+          <a:prstGeom prst="rect">
+            <a:avLst/>
+          </a:prstGeom>
+        </p:spPr>
+        <p:style>
+          <a:lnRef idx="2">
+            <a:schemeClr val="accent6"/>
+          </a:lnRef>
+          <a:fillRef idx="1">
+            <a:schemeClr val="lt1"/>
+          </a:fillRef>
+          <a:effectRef idx="0">
+            <a:schemeClr val="accent6"/>
+          </a:effectRef>
+          <a:fontRef idx="minor">
+            <a:schemeClr val="dk1"/>
+          </a:fontRef>
+        </p:style>
+        <p:txBody>
+          <a:bodyPr rtlCol="0" anchor="ctr"/>
+          <a:lstStyle/>
+          <a:p>
+            <a:pPr algn="ctr"/>
+            <a:endParaRPr lang="en-US"/>
+          </a:p>
+        </p:txBody>
+      </p:sp>
+      <p:sp>
+        <p:nvSpPr>
+          <p:cNvPr id="17" name="TextBox 16"/>
+          <p:cNvSpPr txBox="1"/>
+          <p:nvPr/>
+        </p:nvSpPr>
+        <p:spPr>
+          <a:xfrm>
+            <a:off x="2651079" y="3986027"/>
+            <a:ext cx="860291" cy="400110"/>
+          </a:xfrm>
+          <a:prstGeom prst="rect">
+            <a:avLst/>
+          </a:prstGeom>
+          <a:noFill/>
+        </p:spPr>
+        <p:txBody>
+          <a:bodyPr wrap="square" rtlCol="0">
+            <a:spAutoFit/>
+          </a:bodyPr>
+          <a:lstStyle/>
+          <a:p>
+            <a:r>
+              <a:rPr lang="en-US" sz="3000" baseline="-25000" dirty="0"/>
+              <a:t>H</a:t>
+            </a:r>
+            <a:r>
+              <a:rPr lang="en-US" sz="3000" baseline="-25000" dirty="0" smtClean="0"/>
+              <a:t>𝛔(3)</a:t>
+            </a:r>
+            <a:endParaRPr lang="en-US" sz="3000" baseline="-25000" dirty="0"/>
+          </a:p>
+        </p:txBody>
+      </p:sp>
+      <p:sp>
+        <p:nvSpPr>
+          <p:cNvPr id="35" name="Rectangle 34"/>
+          <p:cNvSpPr/>
+          <p:nvPr/>
+        </p:nvSpPr>
+        <p:spPr>
+          <a:xfrm>
+            <a:off x="3367094" y="3824663"/>
+            <a:ext cx="789460" cy="770964"/>
+          </a:xfrm>
+          <a:prstGeom prst="rect">
+            <a:avLst/>
+          </a:prstGeom>
+        </p:spPr>
+        <p:style>
+          <a:lnRef idx="2">
+            <a:schemeClr val="accent6"/>
+          </a:lnRef>
+          <a:fillRef idx="1">
+            <a:schemeClr val="lt1"/>
+          </a:fillRef>
+          <a:effectRef idx="0">
+            <a:schemeClr val="accent6"/>
+          </a:effectRef>
+          <a:fontRef idx="minor">
+            <a:schemeClr val="dk1"/>
+          </a:fontRef>
+        </p:style>
+        <p:txBody>
+          <a:bodyPr rtlCol="0" anchor="ctr"/>
+          <a:lstStyle/>
+          <a:p>
+            <a:pPr algn="ctr"/>
+            <a:endParaRPr lang="en-US"/>
+          </a:p>
+        </p:txBody>
+      </p:sp>
+      <p:sp>
+        <p:nvSpPr>
+          <p:cNvPr id="36" name="TextBox 35"/>
+          <p:cNvSpPr txBox="1"/>
+          <p:nvPr/>
+        </p:nvSpPr>
+        <p:spPr>
+          <a:xfrm>
+            <a:off x="3447545" y="3991725"/>
+            <a:ext cx="860291" cy="400110"/>
+          </a:xfrm>
+          <a:prstGeom prst="rect">
+            <a:avLst/>
+          </a:prstGeom>
+          <a:noFill/>
+        </p:spPr>
+        <p:txBody>
+          <a:bodyPr wrap="square" rtlCol="0">
+            <a:spAutoFit/>
+          </a:bodyPr>
+          <a:lstStyle/>
+          <a:p>
+            <a:r>
+              <a:rPr lang="en-US" sz="3000" baseline="-25000" dirty="0"/>
+              <a:t>H</a:t>
+            </a:r>
+            <a:r>
+              <a:rPr lang="en-US" sz="3000" baseline="-25000" dirty="0" smtClean="0"/>
+              <a:t>𝛔(2)</a:t>
+            </a:r>
+            <a:endParaRPr lang="en-US" sz="3000" baseline="-25000" dirty="0"/>
+          </a:p>
+        </p:txBody>
+      </p:sp>
+      <p:sp>
+        <p:nvSpPr>
+          <p:cNvPr id="37" name="Rectangle 36"/>
+          <p:cNvSpPr/>
+          <p:nvPr/>
+        </p:nvSpPr>
+        <p:spPr>
+          <a:xfrm>
+            <a:off x="4156554" y="3818965"/>
+            <a:ext cx="789460" cy="770964"/>
+          </a:xfrm>
+          <a:prstGeom prst="rect">
+            <a:avLst/>
+          </a:prstGeom>
+        </p:spPr>
+        <p:style>
+          <a:lnRef idx="2">
+            <a:schemeClr val="accent6"/>
+          </a:lnRef>
+          <a:fillRef idx="1">
+            <a:schemeClr val="lt1"/>
+          </a:fillRef>
+          <a:effectRef idx="0">
+            <a:schemeClr val="accent6"/>
+          </a:effectRef>
+          <a:fontRef idx="minor">
+            <a:schemeClr val="dk1"/>
+          </a:fontRef>
+        </p:style>
+        <p:txBody>
+          <a:bodyPr rtlCol="0" anchor="ctr"/>
+          <a:lstStyle/>
+          <a:p>
+            <a:pPr algn="ctr"/>
+            <a:endParaRPr lang="en-US"/>
+          </a:p>
+        </p:txBody>
+      </p:sp>
+      <p:sp>
+        <p:nvSpPr>
+          <p:cNvPr id="38" name="TextBox 37"/>
+          <p:cNvSpPr txBox="1"/>
+          <p:nvPr/>
+        </p:nvSpPr>
+        <p:spPr>
+          <a:xfrm>
+            <a:off x="4237005" y="3986027"/>
+            <a:ext cx="860291" cy="400110"/>
+          </a:xfrm>
+          <a:prstGeom prst="rect">
+            <a:avLst/>
+          </a:prstGeom>
+          <a:noFill/>
+        </p:spPr>
+        <p:txBody>
+          <a:bodyPr wrap="square" rtlCol="0">
+            <a:spAutoFit/>
+          </a:bodyPr>
+          <a:lstStyle/>
+          <a:p>
+            <a:r>
+              <a:rPr lang="en-US" sz="3000" baseline="-25000" dirty="0"/>
+              <a:t>H</a:t>
+            </a:r>
+            <a:r>
+              <a:rPr lang="en-US" sz="3000" baseline="-25000" dirty="0" smtClean="0"/>
+              <a:t>𝛔(1)</a:t>
+            </a:r>
+            <a:endParaRPr lang="en-US" sz="3000" baseline="-25000" dirty="0"/>
+          </a:p>
+        </p:txBody>
+      </p:sp>
+      <p:sp>
+        <p:nvSpPr>
+          <p:cNvPr id="39" name="Rectangle 38"/>
+          <p:cNvSpPr/>
+          <p:nvPr/>
+        </p:nvSpPr>
+        <p:spPr>
+          <a:xfrm>
+            <a:off x="4946014" y="3813267"/>
+            <a:ext cx="789460" cy="770964"/>
+          </a:xfrm>
+          <a:prstGeom prst="rect">
+            <a:avLst/>
+          </a:prstGeom>
+        </p:spPr>
+        <p:style>
+          <a:lnRef idx="2">
+            <a:schemeClr val="accent6"/>
+          </a:lnRef>
+          <a:fillRef idx="1">
+            <a:schemeClr val="lt1"/>
+          </a:fillRef>
+          <a:effectRef idx="0">
+            <a:schemeClr val="accent6"/>
+          </a:effectRef>
+          <a:fontRef idx="minor">
+            <a:schemeClr val="dk1"/>
+          </a:fontRef>
+        </p:style>
+        <p:txBody>
+          <a:bodyPr rtlCol="0" anchor="ctr"/>
+          <a:lstStyle/>
+          <a:p>
+            <a:pPr algn="ctr"/>
+            <a:endParaRPr lang="en-US"/>
+          </a:p>
+        </p:txBody>
+      </p:sp>
+      <p:sp>
+        <p:nvSpPr>
+          <p:cNvPr id="40" name="TextBox 39"/>
+          <p:cNvSpPr txBox="1"/>
+          <p:nvPr/>
+        </p:nvSpPr>
+        <p:spPr>
+          <a:xfrm>
+            <a:off x="5026465" y="3980329"/>
+            <a:ext cx="860291" cy="400110"/>
+          </a:xfrm>
+          <a:prstGeom prst="rect">
+            <a:avLst/>
+          </a:prstGeom>
+          <a:noFill/>
+        </p:spPr>
+        <p:txBody>
+          <a:bodyPr wrap="square" rtlCol="0">
+            <a:spAutoFit/>
+          </a:bodyPr>
+          <a:lstStyle/>
+          <a:p>
+            <a:r>
+              <a:rPr lang="en-US" sz="3000" baseline="-25000" dirty="0"/>
+              <a:t>H</a:t>
+            </a:r>
+            <a:r>
+              <a:rPr lang="en-US" sz="3000" baseline="-25000" dirty="0" smtClean="0"/>
+              <a:t>𝛔(4)</a:t>
+            </a:r>
+            <a:endParaRPr lang="en-US" sz="3000" baseline="-25000" dirty="0"/>
+          </a:p>
+        </p:txBody>
+      </p:sp>
+      <p:sp>
+        <p:nvSpPr>
+          <p:cNvPr id="41" name="Rectangle 40"/>
+          <p:cNvSpPr/>
+          <p:nvPr/>
+        </p:nvSpPr>
+        <p:spPr>
+          <a:xfrm>
+            <a:off x="6581812" y="3824663"/>
+            <a:ext cx="789460" cy="770964"/>
+          </a:xfrm>
+          <a:prstGeom prst="rect">
+            <a:avLst/>
+          </a:prstGeom>
+        </p:spPr>
+        <p:style>
+          <a:lnRef idx="2">
+            <a:schemeClr val="accent6"/>
+          </a:lnRef>
+          <a:fillRef idx="1">
+            <a:schemeClr val="lt1"/>
+          </a:fillRef>
+          <a:effectRef idx="0">
+            <a:schemeClr val="accent6"/>
+          </a:effectRef>
+          <a:fontRef idx="minor">
+            <a:schemeClr val="dk1"/>
+          </a:fontRef>
+        </p:style>
+        <p:txBody>
+          <a:bodyPr rtlCol="0" anchor="ctr"/>
+          <a:lstStyle/>
+          <a:p>
+            <a:pPr algn="ctr"/>
+            <a:endParaRPr lang="en-US"/>
+          </a:p>
+        </p:txBody>
+      </p:sp>
+      <p:sp>
+        <p:nvSpPr>
+          <p:cNvPr id="42" name="TextBox 41"/>
+          <p:cNvSpPr txBox="1"/>
+          <p:nvPr/>
+        </p:nvSpPr>
+        <p:spPr>
+          <a:xfrm>
+            <a:off x="6766240" y="3955866"/>
+            <a:ext cx="860291" cy="400110"/>
+          </a:xfrm>
+          <a:prstGeom prst="rect">
+            <a:avLst/>
+          </a:prstGeom>
+          <a:noFill/>
+        </p:spPr>
+        <p:txBody>
+          <a:bodyPr wrap="square" rtlCol="0">
+            <a:spAutoFit/>
+          </a:bodyPr>
+          <a:lstStyle/>
+          <a:p>
+            <a:r>
+              <a:rPr lang="en-US" sz="3000" baseline="-25000" dirty="0" smtClean="0"/>
+              <a:t>C</a:t>
+            </a:r>
+            <a:endParaRPr lang="en-US" sz="3000" baseline="-25000" dirty="0"/>
+          </a:p>
+        </p:txBody>
+      </p:sp>
+      <p:sp>
+        <p:nvSpPr>
+          <p:cNvPr id="43" name="Rectangle 42"/>
+          <p:cNvSpPr/>
+          <p:nvPr/>
+        </p:nvSpPr>
+        <p:spPr>
+          <a:xfrm>
+            <a:off x="8171584" y="3824663"/>
+            <a:ext cx="789460" cy="770964"/>
+          </a:xfrm>
+          <a:prstGeom prst="rect">
+            <a:avLst/>
+          </a:prstGeom>
+        </p:spPr>
+        <p:style>
+          <a:lnRef idx="2">
+            <a:schemeClr val="accent6"/>
+          </a:lnRef>
+          <a:fillRef idx="1">
+            <a:schemeClr val="lt1"/>
+          </a:fillRef>
+          <a:effectRef idx="0">
+            <a:schemeClr val="accent6"/>
+          </a:effectRef>
+          <a:fontRef idx="minor">
+            <a:schemeClr val="dk1"/>
+          </a:fontRef>
+        </p:style>
+        <p:txBody>
+          <a:bodyPr rtlCol="0" anchor="ctr"/>
+          <a:lstStyle/>
+          <a:p>
+            <a:pPr algn="ctr"/>
+            <a:endParaRPr lang="en-US"/>
+          </a:p>
+        </p:txBody>
+      </p:sp>
+      <p:sp>
+        <p:nvSpPr>
+          <p:cNvPr id="44" name="TextBox 43"/>
+          <p:cNvSpPr txBox="1"/>
+          <p:nvPr/>
+        </p:nvSpPr>
+        <p:spPr>
+          <a:xfrm>
+            <a:off x="8358682" y="3967262"/>
+            <a:ext cx="860291" cy="400110"/>
+          </a:xfrm>
+          <a:prstGeom prst="rect">
+            <a:avLst/>
+          </a:prstGeom>
+          <a:noFill/>
+        </p:spPr>
+        <p:txBody>
+          <a:bodyPr wrap="square" rtlCol="0">
+            <a:spAutoFit/>
+          </a:bodyPr>
+          <a:lstStyle/>
+          <a:p>
+            <a:r>
+              <a:rPr lang="en-US" sz="3000" baseline="-25000"/>
+              <a:t>B</a:t>
+            </a:r>
+            <a:endParaRPr lang="en-US" sz="3000" baseline="-25000" dirty="0"/>
+          </a:p>
+        </p:txBody>
+      </p:sp>
+      <p:sp>
+        <p:nvSpPr>
+          <p:cNvPr id="45" name="Rectangle 44"/>
+          <p:cNvSpPr/>
+          <p:nvPr/>
+        </p:nvSpPr>
+        <p:spPr>
+          <a:xfrm>
+            <a:off x="5777896" y="3824663"/>
+            <a:ext cx="789460" cy="770964"/>
+          </a:xfrm>
+          <a:prstGeom prst="rect">
+            <a:avLst/>
+          </a:prstGeom>
+        </p:spPr>
+        <p:style>
+          <a:lnRef idx="2">
+            <a:schemeClr val="accent6"/>
+          </a:lnRef>
+          <a:fillRef idx="1">
+            <a:schemeClr val="lt1"/>
+          </a:fillRef>
+          <a:effectRef idx="0">
+            <a:schemeClr val="accent6"/>
+          </a:effectRef>
+          <a:fontRef idx="minor">
+            <a:schemeClr val="dk1"/>
+          </a:fontRef>
+        </p:style>
+        <p:txBody>
+          <a:bodyPr rtlCol="0" anchor="ctr"/>
+          <a:lstStyle/>
+          <a:p>
+            <a:pPr algn="ctr"/>
+            <a:endParaRPr lang="en-US"/>
+          </a:p>
+        </p:txBody>
+      </p:sp>
+      <p:sp>
+        <p:nvSpPr>
+          <p:cNvPr id="46" name="TextBox 45"/>
+          <p:cNvSpPr txBox="1"/>
+          <p:nvPr/>
+        </p:nvSpPr>
+        <p:spPr>
+          <a:xfrm>
+            <a:off x="5858347" y="3991725"/>
+            <a:ext cx="860291" cy="400110"/>
+          </a:xfrm>
+          <a:prstGeom prst="rect">
+            <a:avLst/>
+          </a:prstGeom>
+          <a:noFill/>
+        </p:spPr>
+        <p:txBody>
+          <a:bodyPr wrap="square" rtlCol="0">
+            <a:spAutoFit/>
+          </a:bodyPr>
+          <a:lstStyle/>
+          <a:p>
+            <a:r>
+              <a:rPr lang="en-US" sz="3000" baseline="-25000" dirty="0"/>
+              <a:t>H</a:t>
+            </a:r>
+            <a:r>
+              <a:rPr lang="en-US" sz="3000" baseline="-25000" dirty="0" smtClean="0"/>
+              <a:t>𝛔(5)</a:t>
+            </a:r>
+            <a:endParaRPr lang="en-US" sz="3000" baseline="-25000" dirty="0"/>
+          </a:p>
+        </p:txBody>
+      </p:sp>
+      <p:sp>
+        <p:nvSpPr>
+          <p:cNvPr id="47" name="Rectangle 46"/>
+          <p:cNvSpPr/>
+          <p:nvPr/>
+        </p:nvSpPr>
+        <p:spPr>
+          <a:xfrm>
+            <a:off x="7364920" y="3824663"/>
+            <a:ext cx="789460" cy="770964"/>
+          </a:xfrm>
+          <a:prstGeom prst="rect">
+            <a:avLst/>
+          </a:prstGeom>
+        </p:spPr>
+        <p:style>
+          <a:lnRef idx="2">
+            <a:schemeClr val="accent6"/>
+          </a:lnRef>
+          <a:fillRef idx="1">
+            <a:schemeClr val="lt1"/>
+          </a:fillRef>
+          <a:effectRef idx="0">
+            <a:schemeClr val="accent6"/>
+          </a:effectRef>
+          <a:fontRef idx="minor">
+            <a:schemeClr val="dk1"/>
+          </a:fontRef>
+        </p:style>
+        <p:txBody>
+          <a:bodyPr rtlCol="0" anchor="ctr"/>
+          <a:lstStyle/>
+          <a:p>
+            <a:pPr algn="ctr"/>
+            <a:endParaRPr lang="en-US"/>
+          </a:p>
+        </p:txBody>
+      </p:sp>
+      <p:sp>
+        <p:nvSpPr>
+          <p:cNvPr id="48" name="TextBox 47"/>
+          <p:cNvSpPr txBox="1"/>
+          <p:nvPr/>
+        </p:nvSpPr>
+        <p:spPr>
+          <a:xfrm>
+            <a:off x="7418874" y="3991725"/>
+            <a:ext cx="860291" cy="400110"/>
+          </a:xfrm>
+          <a:prstGeom prst="rect">
+            <a:avLst/>
+          </a:prstGeom>
+          <a:noFill/>
+        </p:spPr>
+        <p:txBody>
+          <a:bodyPr wrap="square" rtlCol="0">
+            <a:spAutoFit/>
+          </a:bodyPr>
+          <a:lstStyle/>
+          <a:p>
+            <a:r>
+              <a:rPr lang="en-US" sz="3000" baseline="-25000" dirty="0"/>
+              <a:t>H</a:t>
+            </a:r>
+            <a:r>
+              <a:rPr lang="en-US" sz="3000" baseline="-25000" dirty="0" smtClean="0"/>
+              <a:t>𝛔(6)</a:t>
+            </a:r>
+            <a:endParaRPr lang="en-US" sz="3000" baseline="-25000" dirty="0"/>
+          </a:p>
+        </p:txBody>
+      </p:sp>
+      <p:sp>
+        <p:nvSpPr>
+          <p:cNvPr id="49" name="Rectangle 48"/>
+          <p:cNvSpPr/>
+          <p:nvPr/>
+        </p:nvSpPr>
+        <p:spPr>
+          <a:xfrm>
+            <a:off x="4151778" y="3048001"/>
+            <a:ext cx="789460" cy="770964"/>
+          </a:xfrm>
+          <a:prstGeom prst="rect">
+            <a:avLst/>
+          </a:prstGeom>
+        </p:spPr>
+        <p:style>
+          <a:lnRef idx="2">
+            <a:schemeClr val="accent6"/>
+          </a:lnRef>
+          <a:fillRef idx="1">
+            <a:schemeClr val="lt1"/>
+          </a:fillRef>
+          <a:effectRef idx="0">
+            <a:schemeClr val="accent6"/>
+          </a:effectRef>
+          <a:fontRef idx="minor">
+            <a:schemeClr val="dk1"/>
+          </a:fontRef>
+        </p:style>
+        <p:txBody>
+          <a:bodyPr rtlCol="0" anchor="ctr"/>
+          <a:lstStyle/>
+          <a:p>
+            <a:pPr algn="ctr"/>
+            <a:endParaRPr lang="en-US"/>
+          </a:p>
+        </p:txBody>
+      </p:sp>
+      <p:sp>
+        <p:nvSpPr>
+          <p:cNvPr id="50" name="TextBox 49"/>
+          <p:cNvSpPr txBox="1"/>
+          <p:nvPr/>
+        </p:nvSpPr>
+        <p:spPr>
+          <a:xfrm>
+            <a:off x="4325765" y="3197969"/>
+            <a:ext cx="860291" cy="400110"/>
+          </a:xfrm>
+          <a:prstGeom prst="rect">
+            <a:avLst/>
+          </a:prstGeom>
+          <a:noFill/>
+        </p:spPr>
+        <p:txBody>
+          <a:bodyPr wrap="square" rtlCol="0">
+            <a:spAutoFit/>
+          </a:bodyPr>
+          <a:lstStyle/>
+          <a:p>
+            <a:r>
+              <a:rPr lang="en-US" sz="3000" baseline="-25000" dirty="0"/>
+              <a:t>H</a:t>
+            </a:r>
+          </a:p>
+        </p:txBody>
+      </p:sp>
+      <p:sp>
+        <p:nvSpPr>
+          <p:cNvPr id="51" name="TextBox 50"/>
+          <p:cNvSpPr txBox="1"/>
+          <p:nvPr/>
+        </p:nvSpPr>
+        <p:spPr>
+          <a:xfrm>
+            <a:off x="2860509" y="3099430"/>
+            <a:ext cx="1185349" cy="400110"/>
+          </a:xfrm>
+          <a:prstGeom prst="rect">
+            <a:avLst/>
+          </a:prstGeom>
+          <a:noFill/>
+        </p:spPr>
+        <p:txBody>
+          <a:bodyPr wrap="square" rtlCol="0">
+            <a:spAutoFit/>
+          </a:bodyPr>
+          <a:lstStyle/>
+          <a:p>
+            <a:r>
+              <a:rPr lang="en-US" sz="3000" baseline="-25000" dirty="0">
+                <a:solidFill>
+                  <a:schemeClr val="bg1"/>
+                </a:solidFill>
+              </a:rPr>
+              <a:t>?</a:t>
+            </a:r>
+          </a:p>
+        </p:txBody>
+      </p:sp>
+      <p:sp>
+        <p:nvSpPr>
+          <p:cNvPr id="52" name="TextBox 51"/>
+          <p:cNvSpPr txBox="1"/>
+          <p:nvPr/>
+        </p:nvSpPr>
+        <p:spPr>
+          <a:xfrm>
+            <a:off x="5186056" y="3140967"/>
+            <a:ext cx="1185349" cy="400110"/>
+          </a:xfrm>
+          <a:prstGeom prst="rect">
+            <a:avLst/>
+          </a:prstGeom>
+          <a:noFill/>
+        </p:spPr>
+        <p:txBody>
+          <a:bodyPr wrap="square" rtlCol="0">
+            <a:spAutoFit/>
+          </a:bodyPr>
+          <a:lstStyle/>
+          <a:p>
+            <a:r>
+              <a:rPr lang="en-US" sz="3000" baseline="-25000" dirty="0">
+                <a:solidFill>
+                  <a:schemeClr val="bg1"/>
+                </a:solidFill>
+              </a:rPr>
+              <a:t>?</a:t>
+            </a:r>
+          </a:p>
+        </p:txBody>
+      </p:sp>
+      <p:sp>
+        <p:nvSpPr>
+          <p:cNvPr id="53" name="TextBox 52"/>
+          <p:cNvSpPr txBox="1"/>
+          <p:nvPr/>
+        </p:nvSpPr>
+        <p:spPr>
+          <a:xfrm>
+            <a:off x="6016685" y="3181291"/>
+            <a:ext cx="1185349" cy="400110"/>
+          </a:xfrm>
+          <a:prstGeom prst="rect">
+            <a:avLst/>
+          </a:prstGeom>
+          <a:noFill/>
+        </p:spPr>
+        <p:txBody>
+          <a:bodyPr wrap="square" rtlCol="0">
+            <a:spAutoFit/>
+          </a:bodyPr>
+          <a:lstStyle/>
+          <a:p>
+            <a:r>
+              <a:rPr lang="en-US" sz="3000" baseline="-25000" dirty="0">
+                <a:solidFill>
+                  <a:schemeClr val="bg1"/>
+                </a:solidFill>
+              </a:rPr>
+              <a:t>?</a:t>
+            </a:r>
+          </a:p>
+        </p:txBody>
+      </p:sp>
+      <p:sp>
+        <p:nvSpPr>
+          <p:cNvPr id="54" name="TextBox 53"/>
+          <p:cNvSpPr txBox="1"/>
+          <p:nvPr/>
+        </p:nvSpPr>
+        <p:spPr>
+          <a:xfrm>
+            <a:off x="1330950" y="3980329"/>
+            <a:ext cx="1185349" cy="400110"/>
+          </a:xfrm>
+          <a:prstGeom prst="rect">
+            <a:avLst/>
+          </a:prstGeom>
+          <a:noFill/>
+        </p:spPr>
+        <p:txBody>
+          <a:bodyPr wrap="square" rtlCol="0">
+            <a:spAutoFit/>
+          </a:bodyPr>
+          <a:lstStyle/>
+          <a:p>
+            <a:r>
+              <a:rPr lang="en-US" sz="3000" baseline="-25000" dirty="0">
+                <a:solidFill>
+                  <a:schemeClr val="bg1"/>
+                </a:solidFill>
+              </a:rPr>
+              <a:t>?</a:t>
+            </a:r>
+          </a:p>
+        </p:txBody>
+      </p:sp>
+      <p:sp>
+        <p:nvSpPr>
+          <p:cNvPr id="55" name="TextBox 54"/>
+          <p:cNvSpPr txBox="1"/>
+          <p:nvPr/>
+        </p:nvSpPr>
+        <p:spPr>
+          <a:xfrm>
+            <a:off x="4433790" y="1794239"/>
+            <a:ext cx="1185349" cy="400110"/>
+          </a:xfrm>
+          <a:prstGeom prst="rect">
+            <a:avLst/>
+          </a:prstGeom>
+          <a:noFill/>
+        </p:spPr>
+        <p:txBody>
+          <a:bodyPr wrap="square" rtlCol="0">
+            <a:spAutoFit/>
+          </a:bodyPr>
+          <a:lstStyle/>
+          <a:p>
+            <a:r>
+              <a:rPr lang="en-US" sz="3000" baseline="-25000" dirty="0">
+                <a:solidFill>
+                  <a:schemeClr val="bg1"/>
+                </a:solidFill>
+              </a:rPr>
+              <a:t>?</a:t>
+            </a:r>
+          </a:p>
+        </p:txBody>
+      </p:sp>
+      <p:sp>
+        <p:nvSpPr>
+          <p:cNvPr id="56" name="TextBox 55"/>
+          <p:cNvSpPr txBox="1"/>
+          <p:nvPr/>
+        </p:nvSpPr>
+        <p:spPr>
+          <a:xfrm>
+            <a:off x="7480638" y="3409891"/>
+            <a:ext cx="1185349" cy="400110"/>
+          </a:xfrm>
+          <a:prstGeom prst="rect">
+            <a:avLst/>
+          </a:prstGeom>
+          <a:noFill/>
+        </p:spPr>
+        <p:txBody>
+          <a:bodyPr wrap="square" rtlCol="0">
+            <a:spAutoFit/>
+          </a:bodyPr>
+          <a:lstStyle/>
+          <a:p>
+            <a:r>
+              <a:rPr lang="en-US" sz="3000" baseline="-25000" dirty="0">
+                <a:solidFill>
+                  <a:schemeClr val="bg1"/>
+                </a:solidFill>
+              </a:rPr>
+              <a:t>?</a:t>
+            </a:r>
+          </a:p>
+        </p:txBody>
+      </p:sp>
+      <p:sp>
+        <p:nvSpPr>
+          <p:cNvPr id="57" name="TextBox 56"/>
+          <p:cNvSpPr txBox="1"/>
+          <p:nvPr/>
+        </p:nvSpPr>
+        <p:spPr>
+          <a:xfrm>
+            <a:off x="8403685" y="3310594"/>
+            <a:ext cx="1185349" cy="400110"/>
+          </a:xfrm>
+          <a:prstGeom prst="rect">
+            <a:avLst/>
+          </a:prstGeom>
+          <a:noFill/>
+        </p:spPr>
+        <p:txBody>
+          <a:bodyPr wrap="square" rtlCol="0">
+            <a:spAutoFit/>
+          </a:bodyPr>
+          <a:lstStyle/>
+          <a:p>
+            <a:r>
+              <a:rPr lang="en-US" sz="3000" baseline="-25000" dirty="0">
+                <a:solidFill>
+                  <a:schemeClr val="bg1"/>
+                </a:solidFill>
+              </a:rPr>
+              <a:t>?</a:t>
+            </a:r>
+          </a:p>
+        </p:txBody>
+      </p:sp>
+      <p:sp>
+        <p:nvSpPr>
+          <p:cNvPr id="58" name="TextBox 57"/>
+          <p:cNvSpPr txBox="1"/>
+          <p:nvPr/>
+        </p:nvSpPr>
+        <p:spPr>
+          <a:xfrm>
+            <a:off x="7785438" y="3714691"/>
+            <a:ext cx="1185349" cy="400110"/>
+          </a:xfrm>
+          <a:prstGeom prst="rect">
+            <a:avLst/>
+          </a:prstGeom>
+          <a:noFill/>
+        </p:spPr>
+        <p:txBody>
+          <a:bodyPr wrap="square" rtlCol="0">
+            <a:spAutoFit/>
+          </a:bodyPr>
+          <a:lstStyle/>
+          <a:p>
+            <a:r>
+              <a:rPr lang="en-US" sz="3000" baseline="-25000" dirty="0">
+                <a:solidFill>
+                  <a:schemeClr val="bg1"/>
+                </a:solidFill>
+              </a:rPr>
+              <a:t>?</a:t>
+            </a:r>
+          </a:p>
+        </p:txBody>
+      </p:sp>
+      <p:sp>
+        <p:nvSpPr>
+          <p:cNvPr id="59" name="TextBox 58"/>
+          <p:cNvSpPr txBox="1"/>
+          <p:nvPr/>
+        </p:nvSpPr>
+        <p:spPr>
+          <a:xfrm>
+            <a:off x="7937838" y="3867091"/>
+            <a:ext cx="1185349" cy="400110"/>
+          </a:xfrm>
+          <a:prstGeom prst="rect">
+            <a:avLst/>
+          </a:prstGeom>
+          <a:noFill/>
+        </p:spPr>
+        <p:txBody>
+          <a:bodyPr wrap="square" rtlCol="0">
+            <a:spAutoFit/>
+          </a:bodyPr>
+          <a:lstStyle/>
+          <a:p>
+            <a:r>
+              <a:rPr lang="en-US" sz="3000" baseline="-25000" dirty="0">
+                <a:solidFill>
+                  <a:schemeClr val="bg1"/>
+                </a:solidFill>
+              </a:rPr>
+              <a:t>?</a:t>
+            </a:r>
+          </a:p>
+        </p:txBody>
+      </p:sp>
+      <p:sp>
+        <p:nvSpPr>
+          <p:cNvPr id="60" name="TextBox 59"/>
+          <p:cNvSpPr txBox="1"/>
+          <p:nvPr/>
+        </p:nvSpPr>
+        <p:spPr>
+          <a:xfrm>
+            <a:off x="8090238" y="4019491"/>
+            <a:ext cx="1185349" cy="400110"/>
+          </a:xfrm>
+          <a:prstGeom prst="rect">
+            <a:avLst/>
+          </a:prstGeom>
+          <a:noFill/>
+        </p:spPr>
+        <p:txBody>
+          <a:bodyPr wrap="square" rtlCol="0">
+            <a:spAutoFit/>
+          </a:bodyPr>
+          <a:lstStyle/>
+          <a:p>
+            <a:r>
+              <a:rPr lang="en-US" sz="3000" baseline="-25000" dirty="0">
+                <a:solidFill>
+                  <a:schemeClr val="bg1"/>
+                </a:solidFill>
+              </a:rPr>
+              <a:t>?</a:t>
+            </a:r>
+          </a:p>
+        </p:txBody>
+      </p:sp>
+      <p:sp>
+        <p:nvSpPr>
+          <p:cNvPr id="61" name="TextBox 60"/>
+          <p:cNvSpPr txBox="1"/>
+          <p:nvPr/>
+        </p:nvSpPr>
+        <p:spPr>
+          <a:xfrm>
+            <a:off x="8242638" y="4171891"/>
+            <a:ext cx="1185349" cy="400110"/>
+          </a:xfrm>
+          <a:prstGeom prst="rect">
+            <a:avLst/>
+          </a:prstGeom>
+          <a:noFill/>
+        </p:spPr>
+        <p:txBody>
+          <a:bodyPr wrap="square" rtlCol="0">
+            <a:spAutoFit/>
+          </a:bodyPr>
+          <a:lstStyle/>
+          <a:p>
+            <a:r>
+              <a:rPr lang="en-US" sz="3000" baseline="-25000" dirty="0">
+                <a:solidFill>
+                  <a:schemeClr val="bg1"/>
+                </a:solidFill>
+              </a:rPr>
+              <a:t>?</a:t>
+            </a:r>
+          </a:p>
+        </p:txBody>
+      </p:sp>
+      <p:sp>
+        <p:nvSpPr>
+          <p:cNvPr id="62" name="TextBox 61"/>
+          <p:cNvSpPr txBox="1"/>
+          <p:nvPr/>
+        </p:nvSpPr>
+        <p:spPr>
+          <a:xfrm>
+            <a:off x="8300266" y="4736631"/>
+            <a:ext cx="1185349" cy="400110"/>
+          </a:xfrm>
+          <a:prstGeom prst="rect">
+            <a:avLst/>
+          </a:prstGeom>
+          <a:noFill/>
+        </p:spPr>
+        <p:txBody>
+          <a:bodyPr wrap="square" rtlCol="0">
+            <a:spAutoFit/>
+          </a:bodyPr>
+          <a:lstStyle/>
+          <a:p>
+            <a:r>
+              <a:rPr lang="en-US" sz="3000" baseline="-25000" dirty="0">
+                <a:solidFill>
+                  <a:schemeClr val="bg1"/>
+                </a:solidFill>
+              </a:rPr>
+              <a:t>?</a:t>
+            </a:r>
+          </a:p>
+        </p:txBody>
+      </p:sp>
+      <p:sp>
+        <p:nvSpPr>
+          <p:cNvPr id="63" name="TextBox 62"/>
+          <p:cNvSpPr txBox="1"/>
+          <p:nvPr/>
+        </p:nvSpPr>
+        <p:spPr>
+          <a:xfrm>
+            <a:off x="9854531" y="4019491"/>
+            <a:ext cx="1185349" cy="400110"/>
+          </a:xfrm>
+          <a:prstGeom prst="rect">
+            <a:avLst/>
+          </a:prstGeom>
+          <a:noFill/>
+        </p:spPr>
+        <p:txBody>
+          <a:bodyPr wrap="square" rtlCol="0">
+            <a:spAutoFit/>
+          </a:bodyPr>
+          <a:lstStyle/>
+          <a:p>
+            <a:r>
+              <a:rPr lang="en-US" sz="3000" baseline="-25000" dirty="0">
+                <a:solidFill>
+                  <a:schemeClr val="bg1"/>
+                </a:solidFill>
+              </a:rPr>
+              <a:t>?</a:t>
+            </a:r>
+          </a:p>
+        </p:txBody>
+      </p:sp>
+      <p:sp>
+        <p:nvSpPr>
+          <p:cNvPr id="64" name="TextBox 63"/>
+          <p:cNvSpPr txBox="1"/>
+          <p:nvPr/>
+        </p:nvSpPr>
+        <p:spPr>
+          <a:xfrm>
+            <a:off x="6954446" y="4674351"/>
+            <a:ext cx="1185349" cy="400110"/>
+          </a:xfrm>
+          <a:prstGeom prst="rect">
+            <a:avLst/>
+          </a:prstGeom>
+          <a:noFill/>
+        </p:spPr>
+        <p:txBody>
+          <a:bodyPr wrap="square" rtlCol="0">
+            <a:spAutoFit/>
+          </a:bodyPr>
+          <a:lstStyle/>
+          <a:p>
+            <a:r>
+              <a:rPr lang="en-US" sz="3000" baseline="-25000" dirty="0">
+                <a:solidFill>
+                  <a:schemeClr val="bg1"/>
+                </a:solidFill>
+              </a:rPr>
+              <a:t>?</a:t>
+            </a:r>
+          </a:p>
+        </p:txBody>
+      </p:sp>
+      <p:sp>
+        <p:nvSpPr>
+          <p:cNvPr id="65" name="TextBox 64"/>
+          <p:cNvSpPr txBox="1"/>
+          <p:nvPr/>
+        </p:nvSpPr>
+        <p:spPr>
+          <a:xfrm>
+            <a:off x="6029083" y="4715034"/>
+            <a:ext cx="1185349" cy="400110"/>
+          </a:xfrm>
+          <a:prstGeom prst="rect">
+            <a:avLst/>
+          </a:prstGeom>
+          <a:noFill/>
+        </p:spPr>
+        <p:txBody>
+          <a:bodyPr wrap="square" rtlCol="0">
+            <a:spAutoFit/>
+          </a:bodyPr>
+          <a:lstStyle/>
+          <a:p>
+            <a:r>
+              <a:rPr lang="en-US" sz="3000" baseline="-25000" dirty="0">
+                <a:solidFill>
+                  <a:schemeClr val="bg1"/>
+                </a:solidFill>
+              </a:rPr>
+              <a:t>?</a:t>
+            </a:r>
+          </a:p>
+        </p:txBody>
+      </p:sp>
+      <p:sp>
+        <p:nvSpPr>
+          <p:cNvPr id="66" name="TextBox 65"/>
+          <p:cNvSpPr txBox="1"/>
+          <p:nvPr/>
+        </p:nvSpPr>
+        <p:spPr>
+          <a:xfrm>
+            <a:off x="5103143" y="4839763"/>
+            <a:ext cx="1185349" cy="400110"/>
+          </a:xfrm>
+          <a:prstGeom prst="rect">
+            <a:avLst/>
+          </a:prstGeom>
+          <a:noFill/>
+        </p:spPr>
+        <p:txBody>
+          <a:bodyPr wrap="square" rtlCol="0">
+            <a:spAutoFit/>
+          </a:bodyPr>
+          <a:lstStyle/>
+          <a:p>
+            <a:r>
+              <a:rPr lang="en-US" sz="3000" baseline="-25000" dirty="0">
+                <a:solidFill>
+                  <a:schemeClr val="bg1"/>
+                </a:solidFill>
+              </a:rPr>
+              <a:t>?</a:t>
+            </a:r>
+          </a:p>
+        </p:txBody>
+      </p:sp>
+      <p:sp>
+        <p:nvSpPr>
+          <p:cNvPr id="67" name="Rectangle 66"/>
+          <p:cNvSpPr/>
+          <p:nvPr/>
+        </p:nvSpPr>
+        <p:spPr>
+          <a:xfrm>
+            <a:off x="8957057" y="3813267"/>
+            <a:ext cx="789460" cy="770964"/>
+          </a:xfrm>
+          <a:prstGeom prst="rect">
+            <a:avLst/>
+          </a:prstGeom>
+        </p:spPr>
+        <p:style>
+          <a:lnRef idx="2">
+            <a:schemeClr val="accent6"/>
+          </a:lnRef>
+          <a:fillRef idx="1">
+            <a:schemeClr val="lt1"/>
+          </a:fillRef>
+          <a:effectRef idx="0">
+            <a:schemeClr val="accent6"/>
+          </a:effectRef>
+          <a:fontRef idx="minor">
+            <a:schemeClr val="dk1"/>
+          </a:fontRef>
+        </p:style>
+        <p:txBody>
+          <a:bodyPr rtlCol="0" anchor="ctr"/>
+          <a:lstStyle/>
+          <a:p>
+            <a:pPr algn="ctr"/>
+            <a:endParaRPr lang="en-US"/>
+          </a:p>
+        </p:txBody>
+      </p:sp>
+      <p:sp>
+        <p:nvSpPr>
+          <p:cNvPr id="68" name="Rectangle 67"/>
+          <p:cNvSpPr/>
+          <p:nvPr/>
+        </p:nvSpPr>
+        <p:spPr>
+          <a:xfrm>
+            <a:off x="1766963" y="3813269"/>
+            <a:ext cx="789460" cy="770964"/>
+          </a:xfrm>
+          <a:prstGeom prst="rect">
+            <a:avLst/>
+          </a:prstGeom>
+        </p:spPr>
+        <p:style>
+          <a:lnRef idx="2">
+            <a:schemeClr val="accent6"/>
+          </a:lnRef>
+          <a:fillRef idx="1">
+            <a:schemeClr val="lt1"/>
+          </a:fillRef>
+          <a:effectRef idx="0">
+            <a:schemeClr val="accent6"/>
+          </a:effectRef>
+          <a:fontRef idx="minor">
+            <a:schemeClr val="dk1"/>
+          </a:fontRef>
+        </p:style>
+        <p:txBody>
+          <a:bodyPr rtlCol="0" anchor="ctr"/>
+          <a:lstStyle/>
+          <a:p>
+            <a:pPr algn="ctr"/>
+            <a:endParaRPr lang="en-US"/>
+          </a:p>
+        </p:txBody>
+      </p:sp>
+      <p:sp>
+        <p:nvSpPr>
+          <p:cNvPr id="69" name="Rectangle 68"/>
+          <p:cNvSpPr/>
+          <p:nvPr/>
+        </p:nvSpPr>
+        <p:spPr>
+          <a:xfrm>
+            <a:off x="4151778" y="2256713"/>
+            <a:ext cx="789460" cy="770964"/>
+          </a:xfrm>
+          <a:prstGeom prst="rect">
+            <a:avLst/>
+          </a:prstGeom>
+        </p:spPr>
+        <p:style>
+          <a:lnRef idx="2">
+            <a:schemeClr val="accent6"/>
+          </a:lnRef>
+          <a:fillRef idx="1">
+            <a:schemeClr val="lt1"/>
+          </a:fillRef>
+          <a:effectRef idx="0">
+            <a:schemeClr val="accent6"/>
+          </a:effectRef>
+          <a:fontRef idx="minor">
+            <a:schemeClr val="dk1"/>
+          </a:fontRef>
+        </p:style>
+        <p:txBody>
+          <a:bodyPr rtlCol="0" anchor="ctr"/>
+          <a:lstStyle/>
+          <a:p>
+            <a:pPr algn="ctr"/>
+            <a:endParaRPr lang="en-US"/>
+          </a:p>
+        </p:txBody>
+      </p:sp>
+      <p:sp>
+        <p:nvSpPr>
+          <p:cNvPr id="70" name="Rectangle 69"/>
+          <p:cNvSpPr/>
+          <p:nvPr/>
+        </p:nvSpPr>
+        <p:spPr>
+          <a:xfrm>
+            <a:off x="4153212" y="4606987"/>
+            <a:ext cx="789460" cy="770964"/>
+          </a:xfrm>
+          <a:prstGeom prst="rect">
+            <a:avLst/>
+          </a:prstGeom>
+        </p:spPr>
+        <p:style>
+          <a:lnRef idx="2">
+            <a:schemeClr val="accent6"/>
+          </a:lnRef>
+          <a:fillRef idx="1">
+            <a:schemeClr val="lt1"/>
+          </a:fillRef>
+          <a:effectRef idx="0">
+            <a:schemeClr val="accent6"/>
+          </a:effectRef>
+          <a:fontRef idx="minor">
+            <a:schemeClr val="dk1"/>
+          </a:fontRef>
+        </p:style>
+        <p:txBody>
+          <a:bodyPr rtlCol="0" anchor="ctr"/>
+          <a:lstStyle/>
+          <a:p>
+            <a:pPr algn="ctr"/>
+            <a:endParaRPr lang="en-US"/>
+          </a:p>
+        </p:txBody>
+      </p:sp>
+      <p:sp>
+        <p:nvSpPr>
+          <p:cNvPr id="72" name="Title 1"/>
           <p:cNvSpPr>
             <a:spLocks noGrp="1"/>
           </p:cNvSpPr>
@@ -3065,7 +8602,12 @@
             <p:ph type="title"/>
           </p:nvPr>
         </p:nvSpPr>
-        <p:spPr/>
+        <p:spPr>
+          <a:xfrm>
+            <a:off x="438017" y="440910"/>
+            <a:ext cx="10515600" cy="1325563"/>
+          </a:xfrm>
+        </p:spPr>
         <p:txBody>
           <a:bodyPr/>
           <a:lstStyle/>
@@ -3077,7 +8619,7 @@
                   <a:schemeClr val="bg1"/>
                 </a:solidFill>
               </a:rPr>
-              <a:t>AI Core Loop</a:t>
+              <a:t>Visual Intuition</a:t>
             </a:r>
             <a:endParaRPr lang="en-US" dirty="0">
               <a:solidFill>
@@ -3087,39 +8629,10 @@
           </a:p>
         </p:txBody>
       </p:sp>
-      <p:pic>
-        <p:nvPicPr>
-          <p:cNvPr id="6" name="Content Placeholder 5"/>
-          <p:cNvPicPr>
-            <a:picLocks noGrp="1" noChangeAspect="1"/>
-          </p:cNvPicPr>
-          <p:nvPr>
-            <p:ph idx="1"/>
-          </p:nvPr>
-        </p:nvPicPr>
-        <p:blipFill>
-          <a:blip r:embed="rId2">
-            <a:extLst>
-              <a:ext uri="{28A0092B-C50C-407E-A947-70E740481C1C}">
-                <a14:useLocalDpi xmlns:a14="http://schemas.microsoft.com/office/drawing/2010/main" val="0"/>
-              </a:ext>
-            </a:extLst>
-          </a:blip>
-          <a:stretch>
-            <a:fillRect/>
-          </a:stretch>
-        </p:blipFill>
-        <p:spPr>
-          <a:xfrm>
-            <a:off x="1612007" y="2599766"/>
-            <a:ext cx="8662667" cy="2081726"/>
-          </a:xfrm>
-        </p:spPr>
-      </p:pic>
     </p:spTree>
     <p:extLst>
       <p:ext uri="{BB962C8B-B14F-4D97-AF65-F5344CB8AC3E}">
-        <p14:creationId xmlns:p14="http://schemas.microsoft.com/office/powerpoint/2010/main" val="1229207978"/>
+        <p14:creationId xmlns:p14="http://schemas.microsoft.com/office/powerpoint/2010/main" val="1178529299"/>
       </p:ext>
     </p:extLst>
   </p:cSld>
@@ -3161,56 +8674,33 @@
           <a:bodyPr/>
           <a:lstStyle/>
           <a:p>
-            <a:pPr algn="ctr"/>
-            <a:r>
-              <a:rPr lang="en-US" dirty="0" smtClean="0">
-                <a:solidFill>
-                  <a:schemeClr val="bg1"/>
-                </a:solidFill>
-              </a:rPr>
-              <a:t>AI Board Loop</a:t>
-            </a:r>
-            <a:endParaRPr lang="en-US" dirty="0">
-              <a:solidFill>
-                <a:schemeClr val="bg1"/>
-              </a:solidFill>
-            </a:endParaRPr>
-          </a:p>
-        </p:txBody>
-      </p:sp>
-      <p:pic>
-        <p:nvPicPr>
-          <p:cNvPr id="4" name="Content Placeholder 3"/>
-          <p:cNvPicPr>
-            <a:picLocks noGrp="1" noChangeAspect="1"/>
-          </p:cNvPicPr>
+            <a:endParaRPr lang="en-US"/>
+          </a:p>
+        </p:txBody>
+      </p:sp>
+      <p:sp>
+        <p:nvSpPr>
+          <p:cNvPr id="3" name="Content Placeholder 2"/>
+          <p:cNvSpPr>
+            <a:spLocks noGrp="1"/>
+          </p:cNvSpPr>
           <p:nvPr>
             <p:ph idx="1"/>
           </p:nvPr>
-        </p:nvPicPr>
-        <p:blipFill>
-          <a:blip r:embed="rId2">
-            <a:extLst>
-              <a:ext uri="{28A0092B-C50C-407E-A947-70E740481C1C}">
-                <a14:useLocalDpi xmlns:a14="http://schemas.microsoft.com/office/drawing/2010/main" val="0"/>
-              </a:ext>
-            </a:extLst>
-          </a:blip>
-          <a:stretch>
-            <a:fillRect/>
-          </a:stretch>
-        </p:blipFill>
-        <p:spPr>
-          <a:xfrm>
-            <a:off x="1986854" y="1219200"/>
-            <a:ext cx="7322603" cy="4957763"/>
-          </a:xfrm>
-        </p:spPr>
-      </p:pic>
+        </p:nvSpPr>
+        <p:spPr/>
+        <p:txBody>
+          <a:bodyPr/>
+          <a:lstStyle/>
+          <a:p>
+            <a:endParaRPr lang="en-US"/>
+          </a:p>
+        </p:txBody>
+      </p:sp>
     </p:spTree>
     <p:extLst>
       <p:ext uri="{BB962C8B-B14F-4D97-AF65-F5344CB8AC3E}">
-        <p14:creationId xmlns:p14="http://schemas.microsoft.com/office/powerpoint/2010/main" val="505802106"/>
+        <p14:creationId xmlns:p14="http://schemas.microsoft.com/office/powerpoint/2010/main" val="1094930396"/>
       </p:ext>
     </p:extLst>
   </p:cSld>
@@ -3252,56 +8742,33 @@
           <a:bodyPr/>
           <a:lstStyle/>
           <a:p>
-            <a:pPr algn="ctr"/>
-            <a:r>
-              <a:rPr lang="en-US" dirty="0" smtClean="0">
-                <a:solidFill>
-                  <a:schemeClr val="bg1"/>
-                </a:solidFill>
-              </a:rPr>
-              <a:t>Incident word compiler</a:t>
-            </a:r>
-            <a:endParaRPr lang="en-US" dirty="0">
-              <a:solidFill>
-                <a:schemeClr val="bg1"/>
-              </a:solidFill>
-            </a:endParaRPr>
-          </a:p>
-        </p:txBody>
-      </p:sp>
-      <p:pic>
-        <p:nvPicPr>
-          <p:cNvPr id="4" name="Content Placeholder 3"/>
-          <p:cNvPicPr>
-            <a:picLocks noGrp="1" noChangeAspect="1"/>
-          </p:cNvPicPr>
+            <a:endParaRPr lang="en-US"/>
+          </a:p>
+        </p:txBody>
+      </p:sp>
+      <p:sp>
+        <p:nvSpPr>
+          <p:cNvPr id="3" name="Content Placeholder 2"/>
+          <p:cNvSpPr>
+            <a:spLocks noGrp="1"/>
+          </p:cNvSpPr>
           <p:nvPr>
             <p:ph idx="1"/>
           </p:nvPr>
-        </p:nvPicPr>
-        <p:blipFill>
-          <a:blip r:embed="rId2">
-            <a:extLst>
-              <a:ext uri="{28A0092B-C50C-407E-A947-70E740481C1C}">
-                <a14:useLocalDpi xmlns:a14="http://schemas.microsoft.com/office/drawing/2010/main" val="0"/>
-              </a:ext>
-            </a:extLst>
-          </a:blip>
-          <a:stretch>
-            <a:fillRect/>
-          </a:stretch>
-        </p:blipFill>
-        <p:spPr>
-          <a:xfrm>
-            <a:off x="600217" y="1972236"/>
-            <a:ext cx="10495737" cy="3118643"/>
-          </a:xfrm>
-        </p:spPr>
-      </p:pic>
+        </p:nvSpPr>
+        <p:spPr/>
+        <p:txBody>
+          <a:bodyPr/>
+          <a:lstStyle/>
+          <a:p>
+            <a:endParaRPr lang="en-US"/>
+          </a:p>
+        </p:txBody>
+      </p:sp>
     </p:spTree>
     <p:extLst>
       <p:ext uri="{BB962C8B-B14F-4D97-AF65-F5344CB8AC3E}">
-        <p14:creationId xmlns:p14="http://schemas.microsoft.com/office/powerpoint/2010/main" val="1275720716"/>
+        <p14:creationId xmlns:p14="http://schemas.microsoft.com/office/powerpoint/2010/main" val="989047470"/>
       </p:ext>
     </p:extLst>
   </p:cSld>
@@ -3330,1403 +8797,7 @@
       </p:grpSpPr>
       <p:sp>
         <p:nvSpPr>
-          <p:cNvPr id="4" name="Rectangle 3"/>
-          <p:cNvSpPr/>
-          <p:nvPr/>
-        </p:nvSpPr>
-        <p:spPr>
-          <a:xfrm>
-            <a:off x="2570628" y="3818965"/>
-            <a:ext cx="789460" cy="770964"/>
-          </a:xfrm>
-          <a:prstGeom prst="rect">
-            <a:avLst/>
-          </a:prstGeom>
-        </p:spPr>
-        <p:style>
-          <a:lnRef idx="2">
-            <a:schemeClr val="accent6"/>
-          </a:lnRef>
-          <a:fillRef idx="1">
-            <a:schemeClr val="lt1"/>
-          </a:fillRef>
-          <a:effectRef idx="0">
-            <a:schemeClr val="accent6"/>
-          </a:effectRef>
-          <a:fontRef idx="minor">
-            <a:schemeClr val="dk1"/>
-          </a:fontRef>
-        </p:style>
-        <p:txBody>
-          <a:bodyPr rtlCol="0" anchor="ctr"/>
-          <a:lstStyle/>
-          <a:p>
-            <a:pPr algn="ctr"/>
-            <a:endParaRPr lang="en-US"/>
-          </a:p>
-        </p:txBody>
-      </p:sp>
-      <p:sp>
-        <p:nvSpPr>
-          <p:cNvPr id="17" name="TextBox 16"/>
-          <p:cNvSpPr txBox="1"/>
-          <p:nvPr/>
-        </p:nvSpPr>
-        <p:spPr>
-          <a:xfrm>
-            <a:off x="2651079" y="3986027"/>
-            <a:ext cx="860291" cy="400110"/>
-          </a:xfrm>
-          <a:prstGeom prst="rect">
-            <a:avLst/>
-          </a:prstGeom>
-          <a:noFill/>
-        </p:spPr>
-        <p:txBody>
-          <a:bodyPr wrap="square" rtlCol="0">
-            <a:spAutoFit/>
-          </a:bodyPr>
-          <a:lstStyle/>
-          <a:p>
-            <a:r>
-              <a:rPr lang="en-US" sz="3000" baseline="-25000" dirty="0"/>
-              <a:t>H</a:t>
-            </a:r>
-            <a:r>
-              <a:rPr lang="en-US" sz="3000" baseline="-25000" dirty="0" smtClean="0"/>
-              <a:t>𝛔(3)</a:t>
-            </a:r>
-            <a:endParaRPr lang="en-US" sz="3000" baseline="-25000" dirty="0"/>
-          </a:p>
-        </p:txBody>
-      </p:sp>
-      <p:sp>
-        <p:nvSpPr>
-          <p:cNvPr id="35" name="Rectangle 34"/>
-          <p:cNvSpPr/>
-          <p:nvPr/>
-        </p:nvSpPr>
-        <p:spPr>
-          <a:xfrm>
-            <a:off x="3367094" y="3824663"/>
-            <a:ext cx="789460" cy="770964"/>
-          </a:xfrm>
-          <a:prstGeom prst="rect">
-            <a:avLst/>
-          </a:prstGeom>
-        </p:spPr>
-        <p:style>
-          <a:lnRef idx="2">
-            <a:schemeClr val="accent6"/>
-          </a:lnRef>
-          <a:fillRef idx="1">
-            <a:schemeClr val="lt1"/>
-          </a:fillRef>
-          <a:effectRef idx="0">
-            <a:schemeClr val="accent6"/>
-          </a:effectRef>
-          <a:fontRef idx="minor">
-            <a:schemeClr val="dk1"/>
-          </a:fontRef>
-        </p:style>
-        <p:txBody>
-          <a:bodyPr rtlCol="0" anchor="ctr"/>
-          <a:lstStyle/>
-          <a:p>
-            <a:pPr algn="ctr"/>
-            <a:endParaRPr lang="en-US"/>
-          </a:p>
-        </p:txBody>
-      </p:sp>
-      <p:sp>
-        <p:nvSpPr>
-          <p:cNvPr id="36" name="TextBox 35"/>
-          <p:cNvSpPr txBox="1"/>
-          <p:nvPr/>
-        </p:nvSpPr>
-        <p:spPr>
-          <a:xfrm>
-            <a:off x="3447545" y="3991725"/>
-            <a:ext cx="860291" cy="400110"/>
-          </a:xfrm>
-          <a:prstGeom prst="rect">
-            <a:avLst/>
-          </a:prstGeom>
-          <a:noFill/>
-        </p:spPr>
-        <p:txBody>
-          <a:bodyPr wrap="square" rtlCol="0">
-            <a:spAutoFit/>
-          </a:bodyPr>
-          <a:lstStyle/>
-          <a:p>
-            <a:r>
-              <a:rPr lang="en-US" sz="3000" baseline="-25000" dirty="0"/>
-              <a:t>H</a:t>
-            </a:r>
-            <a:r>
-              <a:rPr lang="en-US" sz="3000" baseline="-25000" dirty="0" smtClean="0"/>
-              <a:t>𝛔(2)</a:t>
-            </a:r>
-            <a:endParaRPr lang="en-US" sz="3000" baseline="-25000" dirty="0"/>
-          </a:p>
-        </p:txBody>
-      </p:sp>
-      <p:sp>
-        <p:nvSpPr>
-          <p:cNvPr id="37" name="Rectangle 36"/>
-          <p:cNvSpPr/>
-          <p:nvPr/>
-        </p:nvSpPr>
-        <p:spPr>
-          <a:xfrm>
-            <a:off x="4156554" y="3818965"/>
-            <a:ext cx="789460" cy="770964"/>
-          </a:xfrm>
-          <a:prstGeom prst="rect">
-            <a:avLst/>
-          </a:prstGeom>
-        </p:spPr>
-        <p:style>
-          <a:lnRef idx="2">
-            <a:schemeClr val="accent6"/>
-          </a:lnRef>
-          <a:fillRef idx="1">
-            <a:schemeClr val="lt1"/>
-          </a:fillRef>
-          <a:effectRef idx="0">
-            <a:schemeClr val="accent6"/>
-          </a:effectRef>
-          <a:fontRef idx="minor">
-            <a:schemeClr val="dk1"/>
-          </a:fontRef>
-        </p:style>
-        <p:txBody>
-          <a:bodyPr rtlCol="0" anchor="ctr"/>
-          <a:lstStyle/>
-          <a:p>
-            <a:pPr algn="ctr"/>
-            <a:endParaRPr lang="en-US"/>
-          </a:p>
-        </p:txBody>
-      </p:sp>
-      <p:sp>
-        <p:nvSpPr>
-          <p:cNvPr id="38" name="TextBox 37"/>
-          <p:cNvSpPr txBox="1"/>
-          <p:nvPr/>
-        </p:nvSpPr>
-        <p:spPr>
-          <a:xfrm>
-            <a:off x="4237005" y="3986027"/>
-            <a:ext cx="860291" cy="400110"/>
-          </a:xfrm>
-          <a:prstGeom prst="rect">
-            <a:avLst/>
-          </a:prstGeom>
-          <a:noFill/>
-        </p:spPr>
-        <p:txBody>
-          <a:bodyPr wrap="square" rtlCol="0">
-            <a:spAutoFit/>
-          </a:bodyPr>
-          <a:lstStyle/>
-          <a:p>
-            <a:r>
-              <a:rPr lang="en-US" sz="3000" baseline="-25000" dirty="0"/>
-              <a:t>H</a:t>
-            </a:r>
-            <a:r>
-              <a:rPr lang="en-US" sz="3000" baseline="-25000" dirty="0" smtClean="0"/>
-              <a:t>𝛔(1)</a:t>
-            </a:r>
-            <a:endParaRPr lang="en-US" sz="3000" baseline="-25000" dirty="0"/>
-          </a:p>
-        </p:txBody>
-      </p:sp>
-      <p:sp>
-        <p:nvSpPr>
-          <p:cNvPr id="39" name="Rectangle 38"/>
-          <p:cNvSpPr/>
-          <p:nvPr/>
-        </p:nvSpPr>
-        <p:spPr>
-          <a:xfrm>
-            <a:off x="4946014" y="3813267"/>
-            <a:ext cx="789460" cy="770964"/>
-          </a:xfrm>
-          <a:prstGeom prst="rect">
-            <a:avLst/>
-          </a:prstGeom>
-        </p:spPr>
-        <p:style>
-          <a:lnRef idx="2">
-            <a:schemeClr val="accent6"/>
-          </a:lnRef>
-          <a:fillRef idx="1">
-            <a:schemeClr val="lt1"/>
-          </a:fillRef>
-          <a:effectRef idx="0">
-            <a:schemeClr val="accent6"/>
-          </a:effectRef>
-          <a:fontRef idx="minor">
-            <a:schemeClr val="dk1"/>
-          </a:fontRef>
-        </p:style>
-        <p:txBody>
-          <a:bodyPr rtlCol="0" anchor="ctr"/>
-          <a:lstStyle/>
-          <a:p>
-            <a:pPr algn="ctr"/>
-            <a:endParaRPr lang="en-US"/>
-          </a:p>
-        </p:txBody>
-      </p:sp>
-      <p:sp>
-        <p:nvSpPr>
-          <p:cNvPr id="40" name="TextBox 39"/>
-          <p:cNvSpPr txBox="1"/>
-          <p:nvPr/>
-        </p:nvSpPr>
-        <p:spPr>
-          <a:xfrm>
-            <a:off x="5026465" y="3980329"/>
-            <a:ext cx="860291" cy="400110"/>
-          </a:xfrm>
-          <a:prstGeom prst="rect">
-            <a:avLst/>
-          </a:prstGeom>
-          <a:noFill/>
-        </p:spPr>
-        <p:txBody>
-          <a:bodyPr wrap="square" rtlCol="0">
-            <a:spAutoFit/>
-          </a:bodyPr>
-          <a:lstStyle/>
-          <a:p>
-            <a:r>
-              <a:rPr lang="en-US" sz="3000" baseline="-25000" dirty="0"/>
-              <a:t>H</a:t>
-            </a:r>
-            <a:r>
-              <a:rPr lang="en-US" sz="3000" baseline="-25000" dirty="0" smtClean="0"/>
-              <a:t>𝛔(4)</a:t>
-            </a:r>
-            <a:endParaRPr lang="en-US" sz="3000" baseline="-25000" dirty="0"/>
-          </a:p>
-        </p:txBody>
-      </p:sp>
-      <p:sp>
-        <p:nvSpPr>
-          <p:cNvPr id="41" name="Rectangle 40"/>
-          <p:cNvSpPr/>
-          <p:nvPr/>
-        </p:nvSpPr>
-        <p:spPr>
-          <a:xfrm>
-            <a:off x="6581812" y="3824663"/>
-            <a:ext cx="789460" cy="770964"/>
-          </a:xfrm>
-          <a:prstGeom prst="rect">
-            <a:avLst/>
-          </a:prstGeom>
-        </p:spPr>
-        <p:style>
-          <a:lnRef idx="2">
-            <a:schemeClr val="accent6"/>
-          </a:lnRef>
-          <a:fillRef idx="1">
-            <a:schemeClr val="lt1"/>
-          </a:fillRef>
-          <a:effectRef idx="0">
-            <a:schemeClr val="accent6"/>
-          </a:effectRef>
-          <a:fontRef idx="minor">
-            <a:schemeClr val="dk1"/>
-          </a:fontRef>
-        </p:style>
-        <p:txBody>
-          <a:bodyPr rtlCol="0" anchor="ctr"/>
-          <a:lstStyle/>
-          <a:p>
-            <a:pPr algn="ctr"/>
-            <a:endParaRPr lang="en-US"/>
-          </a:p>
-        </p:txBody>
-      </p:sp>
-      <p:sp>
-        <p:nvSpPr>
-          <p:cNvPr id="42" name="TextBox 41"/>
-          <p:cNvSpPr txBox="1"/>
-          <p:nvPr/>
-        </p:nvSpPr>
-        <p:spPr>
-          <a:xfrm>
-            <a:off x="6766240" y="3955866"/>
-            <a:ext cx="860291" cy="400110"/>
-          </a:xfrm>
-          <a:prstGeom prst="rect">
-            <a:avLst/>
-          </a:prstGeom>
-          <a:noFill/>
-        </p:spPr>
-        <p:txBody>
-          <a:bodyPr wrap="square" rtlCol="0">
-            <a:spAutoFit/>
-          </a:bodyPr>
-          <a:lstStyle/>
-          <a:p>
-            <a:r>
-              <a:rPr lang="en-US" sz="3000" baseline="-25000" dirty="0" smtClean="0"/>
-              <a:t>C</a:t>
-            </a:r>
-            <a:endParaRPr lang="en-US" sz="3000" baseline="-25000" dirty="0"/>
-          </a:p>
-        </p:txBody>
-      </p:sp>
-      <p:sp>
-        <p:nvSpPr>
-          <p:cNvPr id="43" name="Rectangle 42"/>
-          <p:cNvSpPr/>
-          <p:nvPr/>
-        </p:nvSpPr>
-        <p:spPr>
-          <a:xfrm>
-            <a:off x="8171584" y="3824663"/>
-            <a:ext cx="789460" cy="770964"/>
-          </a:xfrm>
-          <a:prstGeom prst="rect">
-            <a:avLst/>
-          </a:prstGeom>
-        </p:spPr>
-        <p:style>
-          <a:lnRef idx="2">
-            <a:schemeClr val="accent6"/>
-          </a:lnRef>
-          <a:fillRef idx="1">
-            <a:schemeClr val="lt1"/>
-          </a:fillRef>
-          <a:effectRef idx="0">
-            <a:schemeClr val="accent6"/>
-          </a:effectRef>
-          <a:fontRef idx="minor">
-            <a:schemeClr val="dk1"/>
-          </a:fontRef>
-        </p:style>
-        <p:txBody>
-          <a:bodyPr rtlCol="0" anchor="ctr"/>
-          <a:lstStyle/>
-          <a:p>
-            <a:pPr algn="ctr"/>
-            <a:endParaRPr lang="en-US"/>
-          </a:p>
-        </p:txBody>
-      </p:sp>
-      <p:sp>
-        <p:nvSpPr>
-          <p:cNvPr id="44" name="TextBox 43"/>
-          <p:cNvSpPr txBox="1"/>
-          <p:nvPr/>
-        </p:nvSpPr>
-        <p:spPr>
-          <a:xfrm>
-            <a:off x="8358682" y="3967262"/>
-            <a:ext cx="860291" cy="400110"/>
-          </a:xfrm>
-          <a:prstGeom prst="rect">
-            <a:avLst/>
-          </a:prstGeom>
-          <a:noFill/>
-        </p:spPr>
-        <p:txBody>
-          <a:bodyPr wrap="square" rtlCol="0">
-            <a:spAutoFit/>
-          </a:bodyPr>
-          <a:lstStyle/>
-          <a:p>
-            <a:r>
-              <a:rPr lang="en-US" sz="3000" baseline="-25000"/>
-              <a:t>B</a:t>
-            </a:r>
-            <a:endParaRPr lang="en-US" sz="3000" baseline="-25000" dirty="0"/>
-          </a:p>
-        </p:txBody>
-      </p:sp>
-      <p:sp>
-        <p:nvSpPr>
-          <p:cNvPr id="45" name="Rectangle 44"/>
-          <p:cNvSpPr/>
-          <p:nvPr/>
-        </p:nvSpPr>
-        <p:spPr>
-          <a:xfrm>
-            <a:off x="5777896" y="3824663"/>
-            <a:ext cx="789460" cy="770964"/>
-          </a:xfrm>
-          <a:prstGeom prst="rect">
-            <a:avLst/>
-          </a:prstGeom>
-        </p:spPr>
-        <p:style>
-          <a:lnRef idx="2">
-            <a:schemeClr val="accent6"/>
-          </a:lnRef>
-          <a:fillRef idx="1">
-            <a:schemeClr val="lt1"/>
-          </a:fillRef>
-          <a:effectRef idx="0">
-            <a:schemeClr val="accent6"/>
-          </a:effectRef>
-          <a:fontRef idx="minor">
-            <a:schemeClr val="dk1"/>
-          </a:fontRef>
-        </p:style>
-        <p:txBody>
-          <a:bodyPr rtlCol="0" anchor="ctr"/>
-          <a:lstStyle/>
-          <a:p>
-            <a:pPr algn="ctr"/>
-            <a:endParaRPr lang="en-US"/>
-          </a:p>
-        </p:txBody>
-      </p:sp>
-      <p:sp>
-        <p:nvSpPr>
-          <p:cNvPr id="46" name="TextBox 45"/>
-          <p:cNvSpPr txBox="1"/>
-          <p:nvPr/>
-        </p:nvSpPr>
-        <p:spPr>
-          <a:xfrm>
-            <a:off x="5858347" y="3991725"/>
-            <a:ext cx="860291" cy="400110"/>
-          </a:xfrm>
-          <a:prstGeom prst="rect">
-            <a:avLst/>
-          </a:prstGeom>
-          <a:noFill/>
-        </p:spPr>
-        <p:txBody>
-          <a:bodyPr wrap="square" rtlCol="0">
-            <a:spAutoFit/>
-          </a:bodyPr>
-          <a:lstStyle/>
-          <a:p>
-            <a:r>
-              <a:rPr lang="en-US" sz="3000" baseline="-25000" dirty="0"/>
-              <a:t>H</a:t>
-            </a:r>
-            <a:r>
-              <a:rPr lang="en-US" sz="3000" baseline="-25000" dirty="0" smtClean="0"/>
-              <a:t>𝛔(5)</a:t>
-            </a:r>
-            <a:endParaRPr lang="en-US" sz="3000" baseline="-25000" dirty="0"/>
-          </a:p>
-        </p:txBody>
-      </p:sp>
-      <p:sp>
-        <p:nvSpPr>
-          <p:cNvPr id="47" name="Rectangle 46"/>
-          <p:cNvSpPr/>
-          <p:nvPr/>
-        </p:nvSpPr>
-        <p:spPr>
-          <a:xfrm>
-            <a:off x="7364920" y="3824663"/>
-            <a:ext cx="789460" cy="770964"/>
-          </a:xfrm>
-          <a:prstGeom prst="rect">
-            <a:avLst/>
-          </a:prstGeom>
-        </p:spPr>
-        <p:style>
-          <a:lnRef idx="2">
-            <a:schemeClr val="accent6"/>
-          </a:lnRef>
-          <a:fillRef idx="1">
-            <a:schemeClr val="lt1"/>
-          </a:fillRef>
-          <a:effectRef idx="0">
-            <a:schemeClr val="accent6"/>
-          </a:effectRef>
-          <a:fontRef idx="minor">
-            <a:schemeClr val="dk1"/>
-          </a:fontRef>
-        </p:style>
-        <p:txBody>
-          <a:bodyPr rtlCol="0" anchor="ctr"/>
-          <a:lstStyle/>
-          <a:p>
-            <a:pPr algn="ctr"/>
-            <a:endParaRPr lang="en-US"/>
-          </a:p>
-        </p:txBody>
-      </p:sp>
-      <p:sp>
-        <p:nvSpPr>
-          <p:cNvPr id="48" name="TextBox 47"/>
-          <p:cNvSpPr txBox="1"/>
-          <p:nvPr/>
-        </p:nvSpPr>
-        <p:spPr>
-          <a:xfrm>
-            <a:off x="7418874" y="3991725"/>
-            <a:ext cx="860291" cy="400110"/>
-          </a:xfrm>
-          <a:prstGeom prst="rect">
-            <a:avLst/>
-          </a:prstGeom>
-          <a:noFill/>
-        </p:spPr>
-        <p:txBody>
-          <a:bodyPr wrap="square" rtlCol="0">
-            <a:spAutoFit/>
-          </a:bodyPr>
-          <a:lstStyle/>
-          <a:p>
-            <a:r>
-              <a:rPr lang="en-US" sz="3000" baseline="-25000" dirty="0"/>
-              <a:t>H</a:t>
-            </a:r>
-            <a:r>
-              <a:rPr lang="en-US" sz="3000" baseline="-25000" dirty="0" smtClean="0"/>
-              <a:t>𝛔(6)</a:t>
-            </a:r>
-            <a:endParaRPr lang="en-US" sz="3000" baseline="-25000" dirty="0"/>
-          </a:p>
-        </p:txBody>
-      </p:sp>
-      <p:sp>
-        <p:nvSpPr>
-          <p:cNvPr id="49" name="Rectangle 48"/>
-          <p:cNvSpPr/>
-          <p:nvPr/>
-        </p:nvSpPr>
-        <p:spPr>
-          <a:xfrm>
-            <a:off x="4151778" y="3048001"/>
-            <a:ext cx="789460" cy="770964"/>
-          </a:xfrm>
-          <a:prstGeom prst="rect">
-            <a:avLst/>
-          </a:prstGeom>
-        </p:spPr>
-        <p:style>
-          <a:lnRef idx="2">
-            <a:schemeClr val="accent6"/>
-          </a:lnRef>
-          <a:fillRef idx="1">
-            <a:schemeClr val="lt1"/>
-          </a:fillRef>
-          <a:effectRef idx="0">
-            <a:schemeClr val="accent6"/>
-          </a:effectRef>
-          <a:fontRef idx="minor">
-            <a:schemeClr val="dk1"/>
-          </a:fontRef>
-        </p:style>
-        <p:txBody>
-          <a:bodyPr rtlCol="0" anchor="ctr"/>
-          <a:lstStyle/>
-          <a:p>
-            <a:pPr algn="ctr"/>
-            <a:endParaRPr lang="en-US"/>
-          </a:p>
-        </p:txBody>
-      </p:sp>
-      <p:sp>
-        <p:nvSpPr>
-          <p:cNvPr id="50" name="TextBox 49"/>
-          <p:cNvSpPr txBox="1"/>
-          <p:nvPr/>
-        </p:nvSpPr>
-        <p:spPr>
-          <a:xfrm>
-            <a:off x="4325765" y="3197969"/>
-            <a:ext cx="860291" cy="400110"/>
-          </a:xfrm>
-          <a:prstGeom prst="rect">
-            <a:avLst/>
-          </a:prstGeom>
-          <a:noFill/>
-        </p:spPr>
-        <p:txBody>
-          <a:bodyPr wrap="square" rtlCol="0">
-            <a:spAutoFit/>
-          </a:bodyPr>
-          <a:lstStyle/>
-          <a:p>
-            <a:r>
-              <a:rPr lang="en-US" sz="3000" baseline="-25000" dirty="0"/>
-              <a:t>H</a:t>
-            </a:r>
-            <a:endParaRPr lang="en-US" sz="3000" baseline="-25000" dirty="0"/>
-          </a:p>
-        </p:txBody>
-      </p:sp>
-      <p:sp>
-        <p:nvSpPr>
-          <p:cNvPr id="51" name="TextBox 50"/>
-          <p:cNvSpPr txBox="1"/>
-          <p:nvPr/>
-        </p:nvSpPr>
-        <p:spPr>
-          <a:xfrm>
-            <a:off x="2860509" y="3099430"/>
-            <a:ext cx="1185349" cy="400110"/>
-          </a:xfrm>
-          <a:prstGeom prst="rect">
-            <a:avLst/>
-          </a:prstGeom>
-          <a:noFill/>
-        </p:spPr>
-        <p:txBody>
-          <a:bodyPr wrap="square" rtlCol="0">
-            <a:spAutoFit/>
-          </a:bodyPr>
-          <a:lstStyle/>
-          <a:p>
-            <a:r>
-              <a:rPr lang="en-US" sz="3000" baseline="-25000" dirty="0">
-                <a:solidFill>
-                  <a:schemeClr val="bg1"/>
-                </a:solidFill>
-              </a:rPr>
-              <a:t>?</a:t>
-            </a:r>
-            <a:endParaRPr lang="en-US" sz="3000" baseline="-25000" dirty="0">
-              <a:solidFill>
-                <a:schemeClr val="bg1"/>
-              </a:solidFill>
-            </a:endParaRPr>
-          </a:p>
-        </p:txBody>
-      </p:sp>
-      <p:sp>
-        <p:nvSpPr>
-          <p:cNvPr id="52" name="TextBox 51"/>
-          <p:cNvSpPr txBox="1"/>
-          <p:nvPr/>
-        </p:nvSpPr>
-        <p:spPr>
-          <a:xfrm>
-            <a:off x="5186056" y="3140967"/>
-            <a:ext cx="1185349" cy="400110"/>
-          </a:xfrm>
-          <a:prstGeom prst="rect">
-            <a:avLst/>
-          </a:prstGeom>
-          <a:noFill/>
-        </p:spPr>
-        <p:txBody>
-          <a:bodyPr wrap="square" rtlCol="0">
-            <a:spAutoFit/>
-          </a:bodyPr>
-          <a:lstStyle/>
-          <a:p>
-            <a:r>
-              <a:rPr lang="en-US" sz="3000" baseline="-25000" dirty="0">
-                <a:solidFill>
-                  <a:schemeClr val="bg1"/>
-                </a:solidFill>
-              </a:rPr>
-              <a:t>?</a:t>
-            </a:r>
-            <a:endParaRPr lang="en-US" sz="3000" baseline="-25000" dirty="0">
-              <a:solidFill>
-                <a:schemeClr val="bg1"/>
-              </a:solidFill>
-            </a:endParaRPr>
-          </a:p>
-        </p:txBody>
-      </p:sp>
-      <p:sp>
-        <p:nvSpPr>
-          <p:cNvPr id="53" name="TextBox 52"/>
-          <p:cNvSpPr txBox="1"/>
-          <p:nvPr/>
-        </p:nvSpPr>
-        <p:spPr>
-          <a:xfrm>
-            <a:off x="6016685" y="3181291"/>
-            <a:ext cx="1185349" cy="400110"/>
-          </a:xfrm>
-          <a:prstGeom prst="rect">
-            <a:avLst/>
-          </a:prstGeom>
-          <a:noFill/>
-        </p:spPr>
-        <p:txBody>
-          <a:bodyPr wrap="square" rtlCol="0">
-            <a:spAutoFit/>
-          </a:bodyPr>
-          <a:lstStyle/>
-          <a:p>
-            <a:r>
-              <a:rPr lang="en-US" sz="3000" baseline="-25000" dirty="0">
-                <a:solidFill>
-                  <a:schemeClr val="bg1"/>
-                </a:solidFill>
-              </a:rPr>
-              <a:t>?</a:t>
-            </a:r>
-            <a:endParaRPr lang="en-US" sz="3000" baseline="-25000" dirty="0">
-              <a:solidFill>
-                <a:schemeClr val="bg1"/>
-              </a:solidFill>
-            </a:endParaRPr>
-          </a:p>
-        </p:txBody>
-      </p:sp>
-      <p:sp>
-        <p:nvSpPr>
-          <p:cNvPr id="54" name="TextBox 53"/>
-          <p:cNvSpPr txBox="1"/>
-          <p:nvPr/>
-        </p:nvSpPr>
-        <p:spPr>
-          <a:xfrm>
-            <a:off x="1330950" y="3980329"/>
-            <a:ext cx="1185349" cy="400110"/>
-          </a:xfrm>
-          <a:prstGeom prst="rect">
-            <a:avLst/>
-          </a:prstGeom>
-          <a:noFill/>
-        </p:spPr>
-        <p:txBody>
-          <a:bodyPr wrap="square" rtlCol="0">
-            <a:spAutoFit/>
-          </a:bodyPr>
-          <a:lstStyle/>
-          <a:p>
-            <a:r>
-              <a:rPr lang="en-US" sz="3000" baseline="-25000" dirty="0">
-                <a:solidFill>
-                  <a:schemeClr val="bg1"/>
-                </a:solidFill>
-              </a:rPr>
-              <a:t>?</a:t>
-            </a:r>
-            <a:endParaRPr lang="en-US" sz="3000" baseline="-25000" dirty="0">
-              <a:solidFill>
-                <a:schemeClr val="bg1"/>
-              </a:solidFill>
-            </a:endParaRPr>
-          </a:p>
-        </p:txBody>
-      </p:sp>
-      <p:sp>
-        <p:nvSpPr>
-          <p:cNvPr id="55" name="TextBox 54"/>
-          <p:cNvSpPr txBox="1"/>
-          <p:nvPr/>
-        </p:nvSpPr>
-        <p:spPr>
-          <a:xfrm>
-            <a:off x="4433790" y="1794239"/>
-            <a:ext cx="1185349" cy="400110"/>
-          </a:xfrm>
-          <a:prstGeom prst="rect">
-            <a:avLst/>
-          </a:prstGeom>
-          <a:noFill/>
-        </p:spPr>
-        <p:txBody>
-          <a:bodyPr wrap="square" rtlCol="0">
-            <a:spAutoFit/>
-          </a:bodyPr>
-          <a:lstStyle/>
-          <a:p>
-            <a:r>
-              <a:rPr lang="en-US" sz="3000" baseline="-25000" dirty="0">
-                <a:solidFill>
-                  <a:schemeClr val="bg1"/>
-                </a:solidFill>
-              </a:rPr>
-              <a:t>?</a:t>
-            </a:r>
-            <a:endParaRPr lang="en-US" sz="3000" baseline="-25000" dirty="0">
-              <a:solidFill>
-                <a:schemeClr val="bg1"/>
-              </a:solidFill>
-            </a:endParaRPr>
-          </a:p>
-        </p:txBody>
-      </p:sp>
-      <p:sp>
-        <p:nvSpPr>
-          <p:cNvPr id="56" name="TextBox 55"/>
-          <p:cNvSpPr txBox="1"/>
-          <p:nvPr/>
-        </p:nvSpPr>
-        <p:spPr>
-          <a:xfrm>
-            <a:off x="7480638" y="3409891"/>
-            <a:ext cx="1185349" cy="400110"/>
-          </a:xfrm>
-          <a:prstGeom prst="rect">
-            <a:avLst/>
-          </a:prstGeom>
-          <a:noFill/>
-        </p:spPr>
-        <p:txBody>
-          <a:bodyPr wrap="square" rtlCol="0">
-            <a:spAutoFit/>
-          </a:bodyPr>
-          <a:lstStyle/>
-          <a:p>
-            <a:r>
-              <a:rPr lang="en-US" sz="3000" baseline="-25000" dirty="0">
-                <a:solidFill>
-                  <a:schemeClr val="bg1"/>
-                </a:solidFill>
-              </a:rPr>
-              <a:t>?</a:t>
-            </a:r>
-            <a:endParaRPr lang="en-US" sz="3000" baseline="-25000" dirty="0">
-              <a:solidFill>
-                <a:schemeClr val="bg1"/>
-              </a:solidFill>
-            </a:endParaRPr>
-          </a:p>
-        </p:txBody>
-      </p:sp>
-      <p:sp>
-        <p:nvSpPr>
-          <p:cNvPr id="57" name="TextBox 56"/>
-          <p:cNvSpPr txBox="1"/>
-          <p:nvPr/>
-        </p:nvSpPr>
-        <p:spPr>
-          <a:xfrm>
-            <a:off x="8403685" y="3310594"/>
-            <a:ext cx="1185349" cy="400110"/>
-          </a:xfrm>
-          <a:prstGeom prst="rect">
-            <a:avLst/>
-          </a:prstGeom>
-          <a:noFill/>
-        </p:spPr>
-        <p:txBody>
-          <a:bodyPr wrap="square" rtlCol="0">
-            <a:spAutoFit/>
-          </a:bodyPr>
-          <a:lstStyle/>
-          <a:p>
-            <a:r>
-              <a:rPr lang="en-US" sz="3000" baseline="-25000" dirty="0">
-                <a:solidFill>
-                  <a:schemeClr val="bg1"/>
-                </a:solidFill>
-              </a:rPr>
-              <a:t>?</a:t>
-            </a:r>
-            <a:endParaRPr lang="en-US" sz="3000" baseline="-25000" dirty="0">
-              <a:solidFill>
-                <a:schemeClr val="bg1"/>
-              </a:solidFill>
-            </a:endParaRPr>
-          </a:p>
-        </p:txBody>
-      </p:sp>
-      <p:sp>
-        <p:nvSpPr>
-          <p:cNvPr id="58" name="TextBox 57"/>
-          <p:cNvSpPr txBox="1"/>
-          <p:nvPr/>
-        </p:nvSpPr>
-        <p:spPr>
-          <a:xfrm>
-            <a:off x="7785438" y="3714691"/>
-            <a:ext cx="1185349" cy="400110"/>
-          </a:xfrm>
-          <a:prstGeom prst="rect">
-            <a:avLst/>
-          </a:prstGeom>
-          <a:noFill/>
-        </p:spPr>
-        <p:txBody>
-          <a:bodyPr wrap="square" rtlCol="0">
-            <a:spAutoFit/>
-          </a:bodyPr>
-          <a:lstStyle/>
-          <a:p>
-            <a:r>
-              <a:rPr lang="en-US" sz="3000" baseline="-25000" dirty="0">
-                <a:solidFill>
-                  <a:schemeClr val="bg1"/>
-                </a:solidFill>
-              </a:rPr>
-              <a:t>?</a:t>
-            </a:r>
-            <a:endParaRPr lang="en-US" sz="3000" baseline="-25000" dirty="0">
-              <a:solidFill>
-                <a:schemeClr val="bg1"/>
-              </a:solidFill>
-            </a:endParaRPr>
-          </a:p>
-        </p:txBody>
-      </p:sp>
-      <p:sp>
-        <p:nvSpPr>
-          <p:cNvPr id="59" name="TextBox 58"/>
-          <p:cNvSpPr txBox="1"/>
-          <p:nvPr/>
-        </p:nvSpPr>
-        <p:spPr>
-          <a:xfrm>
-            <a:off x="7937838" y="3867091"/>
-            <a:ext cx="1185349" cy="400110"/>
-          </a:xfrm>
-          <a:prstGeom prst="rect">
-            <a:avLst/>
-          </a:prstGeom>
-          <a:noFill/>
-        </p:spPr>
-        <p:txBody>
-          <a:bodyPr wrap="square" rtlCol="0">
-            <a:spAutoFit/>
-          </a:bodyPr>
-          <a:lstStyle/>
-          <a:p>
-            <a:r>
-              <a:rPr lang="en-US" sz="3000" baseline="-25000" dirty="0">
-                <a:solidFill>
-                  <a:schemeClr val="bg1"/>
-                </a:solidFill>
-              </a:rPr>
-              <a:t>?</a:t>
-            </a:r>
-            <a:endParaRPr lang="en-US" sz="3000" baseline="-25000" dirty="0">
-              <a:solidFill>
-                <a:schemeClr val="bg1"/>
-              </a:solidFill>
-            </a:endParaRPr>
-          </a:p>
-        </p:txBody>
-      </p:sp>
-      <p:sp>
-        <p:nvSpPr>
-          <p:cNvPr id="60" name="TextBox 59"/>
-          <p:cNvSpPr txBox="1"/>
-          <p:nvPr/>
-        </p:nvSpPr>
-        <p:spPr>
-          <a:xfrm>
-            <a:off x="8090238" y="4019491"/>
-            <a:ext cx="1185349" cy="400110"/>
-          </a:xfrm>
-          <a:prstGeom prst="rect">
-            <a:avLst/>
-          </a:prstGeom>
-          <a:noFill/>
-        </p:spPr>
-        <p:txBody>
-          <a:bodyPr wrap="square" rtlCol="0">
-            <a:spAutoFit/>
-          </a:bodyPr>
-          <a:lstStyle/>
-          <a:p>
-            <a:r>
-              <a:rPr lang="en-US" sz="3000" baseline="-25000" dirty="0">
-                <a:solidFill>
-                  <a:schemeClr val="bg1"/>
-                </a:solidFill>
-              </a:rPr>
-              <a:t>?</a:t>
-            </a:r>
-            <a:endParaRPr lang="en-US" sz="3000" baseline="-25000" dirty="0">
-              <a:solidFill>
-                <a:schemeClr val="bg1"/>
-              </a:solidFill>
-            </a:endParaRPr>
-          </a:p>
-        </p:txBody>
-      </p:sp>
-      <p:sp>
-        <p:nvSpPr>
-          <p:cNvPr id="61" name="TextBox 60"/>
-          <p:cNvSpPr txBox="1"/>
-          <p:nvPr/>
-        </p:nvSpPr>
-        <p:spPr>
-          <a:xfrm>
-            <a:off x="8242638" y="4171891"/>
-            <a:ext cx="1185349" cy="400110"/>
-          </a:xfrm>
-          <a:prstGeom prst="rect">
-            <a:avLst/>
-          </a:prstGeom>
-          <a:noFill/>
-        </p:spPr>
-        <p:txBody>
-          <a:bodyPr wrap="square" rtlCol="0">
-            <a:spAutoFit/>
-          </a:bodyPr>
-          <a:lstStyle/>
-          <a:p>
-            <a:r>
-              <a:rPr lang="en-US" sz="3000" baseline="-25000" dirty="0">
-                <a:solidFill>
-                  <a:schemeClr val="bg1"/>
-                </a:solidFill>
-              </a:rPr>
-              <a:t>?</a:t>
-            </a:r>
-            <a:endParaRPr lang="en-US" sz="3000" baseline="-25000" dirty="0">
-              <a:solidFill>
-                <a:schemeClr val="bg1"/>
-              </a:solidFill>
-            </a:endParaRPr>
-          </a:p>
-        </p:txBody>
-      </p:sp>
-      <p:sp>
-        <p:nvSpPr>
-          <p:cNvPr id="62" name="TextBox 61"/>
-          <p:cNvSpPr txBox="1"/>
-          <p:nvPr/>
-        </p:nvSpPr>
-        <p:spPr>
-          <a:xfrm>
-            <a:off x="8300266" y="4736631"/>
-            <a:ext cx="1185349" cy="400110"/>
-          </a:xfrm>
-          <a:prstGeom prst="rect">
-            <a:avLst/>
-          </a:prstGeom>
-          <a:noFill/>
-        </p:spPr>
-        <p:txBody>
-          <a:bodyPr wrap="square" rtlCol="0">
-            <a:spAutoFit/>
-          </a:bodyPr>
-          <a:lstStyle/>
-          <a:p>
-            <a:r>
-              <a:rPr lang="en-US" sz="3000" baseline="-25000" dirty="0">
-                <a:solidFill>
-                  <a:schemeClr val="bg1"/>
-                </a:solidFill>
-              </a:rPr>
-              <a:t>?</a:t>
-            </a:r>
-            <a:endParaRPr lang="en-US" sz="3000" baseline="-25000" dirty="0">
-              <a:solidFill>
-                <a:schemeClr val="bg1"/>
-              </a:solidFill>
-            </a:endParaRPr>
-          </a:p>
-        </p:txBody>
-      </p:sp>
-      <p:sp>
-        <p:nvSpPr>
-          <p:cNvPr id="63" name="TextBox 62"/>
-          <p:cNvSpPr txBox="1"/>
-          <p:nvPr/>
-        </p:nvSpPr>
-        <p:spPr>
-          <a:xfrm>
-            <a:off x="9854531" y="4019491"/>
-            <a:ext cx="1185349" cy="400110"/>
-          </a:xfrm>
-          <a:prstGeom prst="rect">
-            <a:avLst/>
-          </a:prstGeom>
-          <a:noFill/>
-        </p:spPr>
-        <p:txBody>
-          <a:bodyPr wrap="square" rtlCol="0">
-            <a:spAutoFit/>
-          </a:bodyPr>
-          <a:lstStyle/>
-          <a:p>
-            <a:r>
-              <a:rPr lang="en-US" sz="3000" baseline="-25000" dirty="0">
-                <a:solidFill>
-                  <a:schemeClr val="bg1"/>
-                </a:solidFill>
-              </a:rPr>
-              <a:t>?</a:t>
-            </a:r>
-            <a:endParaRPr lang="en-US" sz="3000" baseline="-25000" dirty="0">
-              <a:solidFill>
-                <a:schemeClr val="bg1"/>
-              </a:solidFill>
-            </a:endParaRPr>
-          </a:p>
-        </p:txBody>
-      </p:sp>
-      <p:sp>
-        <p:nvSpPr>
-          <p:cNvPr id="64" name="TextBox 63"/>
-          <p:cNvSpPr txBox="1"/>
-          <p:nvPr/>
-        </p:nvSpPr>
-        <p:spPr>
-          <a:xfrm>
-            <a:off x="6954446" y="4674351"/>
-            <a:ext cx="1185349" cy="400110"/>
-          </a:xfrm>
-          <a:prstGeom prst="rect">
-            <a:avLst/>
-          </a:prstGeom>
-          <a:noFill/>
-        </p:spPr>
-        <p:txBody>
-          <a:bodyPr wrap="square" rtlCol="0">
-            <a:spAutoFit/>
-          </a:bodyPr>
-          <a:lstStyle/>
-          <a:p>
-            <a:r>
-              <a:rPr lang="en-US" sz="3000" baseline="-25000" dirty="0">
-                <a:solidFill>
-                  <a:schemeClr val="bg1"/>
-                </a:solidFill>
-              </a:rPr>
-              <a:t>?</a:t>
-            </a:r>
-            <a:endParaRPr lang="en-US" sz="3000" baseline="-25000" dirty="0">
-              <a:solidFill>
-                <a:schemeClr val="bg1"/>
-              </a:solidFill>
-            </a:endParaRPr>
-          </a:p>
-        </p:txBody>
-      </p:sp>
-      <p:sp>
-        <p:nvSpPr>
-          <p:cNvPr id="65" name="TextBox 64"/>
-          <p:cNvSpPr txBox="1"/>
-          <p:nvPr/>
-        </p:nvSpPr>
-        <p:spPr>
-          <a:xfrm>
-            <a:off x="6029083" y="4715034"/>
-            <a:ext cx="1185349" cy="400110"/>
-          </a:xfrm>
-          <a:prstGeom prst="rect">
-            <a:avLst/>
-          </a:prstGeom>
-          <a:noFill/>
-        </p:spPr>
-        <p:txBody>
-          <a:bodyPr wrap="square" rtlCol="0">
-            <a:spAutoFit/>
-          </a:bodyPr>
-          <a:lstStyle/>
-          <a:p>
-            <a:r>
-              <a:rPr lang="en-US" sz="3000" baseline="-25000" dirty="0">
-                <a:solidFill>
-                  <a:schemeClr val="bg1"/>
-                </a:solidFill>
-              </a:rPr>
-              <a:t>?</a:t>
-            </a:r>
-            <a:endParaRPr lang="en-US" sz="3000" baseline="-25000" dirty="0">
-              <a:solidFill>
-                <a:schemeClr val="bg1"/>
-              </a:solidFill>
-            </a:endParaRPr>
-          </a:p>
-        </p:txBody>
-      </p:sp>
-      <p:sp>
-        <p:nvSpPr>
-          <p:cNvPr id="66" name="TextBox 65"/>
-          <p:cNvSpPr txBox="1"/>
-          <p:nvPr/>
-        </p:nvSpPr>
-        <p:spPr>
-          <a:xfrm>
-            <a:off x="5103143" y="4839763"/>
-            <a:ext cx="1185349" cy="400110"/>
-          </a:xfrm>
-          <a:prstGeom prst="rect">
-            <a:avLst/>
-          </a:prstGeom>
-          <a:noFill/>
-        </p:spPr>
-        <p:txBody>
-          <a:bodyPr wrap="square" rtlCol="0">
-            <a:spAutoFit/>
-          </a:bodyPr>
-          <a:lstStyle/>
-          <a:p>
-            <a:r>
-              <a:rPr lang="en-US" sz="3000" baseline="-25000" dirty="0">
-                <a:solidFill>
-                  <a:schemeClr val="bg1"/>
-                </a:solidFill>
-              </a:rPr>
-              <a:t>?</a:t>
-            </a:r>
-            <a:endParaRPr lang="en-US" sz="3000" baseline="-25000" dirty="0">
-              <a:solidFill>
-                <a:schemeClr val="bg1"/>
-              </a:solidFill>
-            </a:endParaRPr>
-          </a:p>
-        </p:txBody>
-      </p:sp>
-      <p:sp>
-        <p:nvSpPr>
-          <p:cNvPr id="67" name="Rectangle 66"/>
-          <p:cNvSpPr/>
-          <p:nvPr/>
-        </p:nvSpPr>
-        <p:spPr>
-          <a:xfrm>
-            <a:off x="8957057" y="3813267"/>
-            <a:ext cx="789460" cy="770964"/>
-          </a:xfrm>
-          <a:prstGeom prst="rect">
-            <a:avLst/>
-          </a:prstGeom>
-        </p:spPr>
-        <p:style>
-          <a:lnRef idx="2">
-            <a:schemeClr val="accent6"/>
-          </a:lnRef>
-          <a:fillRef idx="1">
-            <a:schemeClr val="lt1"/>
-          </a:fillRef>
-          <a:effectRef idx="0">
-            <a:schemeClr val="accent6"/>
-          </a:effectRef>
-          <a:fontRef idx="minor">
-            <a:schemeClr val="dk1"/>
-          </a:fontRef>
-        </p:style>
-        <p:txBody>
-          <a:bodyPr rtlCol="0" anchor="ctr"/>
-          <a:lstStyle/>
-          <a:p>
-            <a:pPr algn="ctr"/>
-            <a:endParaRPr lang="en-US"/>
-          </a:p>
-        </p:txBody>
-      </p:sp>
-      <p:sp>
-        <p:nvSpPr>
-          <p:cNvPr id="68" name="Rectangle 67"/>
-          <p:cNvSpPr/>
-          <p:nvPr/>
-        </p:nvSpPr>
-        <p:spPr>
-          <a:xfrm>
-            <a:off x="1766963" y="3813269"/>
-            <a:ext cx="789460" cy="770964"/>
-          </a:xfrm>
-          <a:prstGeom prst="rect">
-            <a:avLst/>
-          </a:prstGeom>
-        </p:spPr>
-        <p:style>
-          <a:lnRef idx="2">
-            <a:schemeClr val="accent6"/>
-          </a:lnRef>
-          <a:fillRef idx="1">
-            <a:schemeClr val="lt1"/>
-          </a:fillRef>
-          <a:effectRef idx="0">
-            <a:schemeClr val="accent6"/>
-          </a:effectRef>
-          <a:fontRef idx="minor">
-            <a:schemeClr val="dk1"/>
-          </a:fontRef>
-        </p:style>
-        <p:txBody>
-          <a:bodyPr rtlCol="0" anchor="ctr"/>
-          <a:lstStyle/>
-          <a:p>
-            <a:pPr algn="ctr"/>
-            <a:endParaRPr lang="en-US"/>
-          </a:p>
-        </p:txBody>
-      </p:sp>
-      <p:sp>
-        <p:nvSpPr>
-          <p:cNvPr id="69" name="Rectangle 68"/>
-          <p:cNvSpPr/>
-          <p:nvPr/>
-        </p:nvSpPr>
-        <p:spPr>
-          <a:xfrm>
-            <a:off x="4151778" y="2256713"/>
-            <a:ext cx="789460" cy="770964"/>
-          </a:xfrm>
-          <a:prstGeom prst="rect">
-            <a:avLst/>
-          </a:prstGeom>
-        </p:spPr>
-        <p:style>
-          <a:lnRef idx="2">
-            <a:schemeClr val="accent6"/>
-          </a:lnRef>
-          <a:fillRef idx="1">
-            <a:schemeClr val="lt1"/>
-          </a:fillRef>
-          <a:effectRef idx="0">
-            <a:schemeClr val="accent6"/>
-          </a:effectRef>
-          <a:fontRef idx="minor">
-            <a:schemeClr val="dk1"/>
-          </a:fontRef>
-        </p:style>
-        <p:txBody>
-          <a:bodyPr rtlCol="0" anchor="ctr"/>
-          <a:lstStyle/>
-          <a:p>
-            <a:pPr algn="ctr"/>
-            <a:endParaRPr lang="en-US"/>
-          </a:p>
-        </p:txBody>
-      </p:sp>
-      <p:sp>
-        <p:nvSpPr>
-          <p:cNvPr id="70" name="Rectangle 69"/>
-          <p:cNvSpPr/>
-          <p:nvPr/>
-        </p:nvSpPr>
-        <p:spPr>
-          <a:xfrm>
-            <a:off x="4153212" y="4606987"/>
-            <a:ext cx="789460" cy="770964"/>
-          </a:xfrm>
-          <a:prstGeom prst="rect">
-            <a:avLst/>
-          </a:prstGeom>
-        </p:spPr>
-        <p:style>
-          <a:lnRef idx="2">
-            <a:schemeClr val="accent6"/>
-          </a:lnRef>
-          <a:fillRef idx="1">
-            <a:schemeClr val="lt1"/>
-          </a:fillRef>
-          <a:effectRef idx="0">
-            <a:schemeClr val="accent6"/>
-          </a:effectRef>
-          <a:fontRef idx="minor">
-            <a:schemeClr val="dk1"/>
-          </a:fontRef>
-        </p:style>
-        <p:txBody>
-          <a:bodyPr rtlCol="0" anchor="ctr"/>
-          <a:lstStyle/>
-          <a:p>
-            <a:pPr algn="ctr"/>
-            <a:endParaRPr lang="en-US"/>
-          </a:p>
-        </p:txBody>
-      </p:sp>
-      <p:sp>
-        <p:nvSpPr>
-          <p:cNvPr id="72" name="Title 1"/>
+          <p:cNvPr id="2" name="Title 1"/>
           <p:cNvSpPr>
             <a:spLocks noGrp="1"/>
           </p:cNvSpPr>
@@ -4734,37 +8805,38 @@
             <p:ph type="title"/>
           </p:nvPr>
         </p:nvSpPr>
-        <p:spPr>
-          <a:xfrm>
-            <a:off x="438017" y="440910"/>
-            <a:ext cx="10515600" cy="1325563"/>
-          </a:xfrm>
-        </p:spPr>
+        <p:spPr/>
         <p:txBody>
           <a:bodyPr/>
           <a:lstStyle/>
           <a:p>
-            <a:pPr algn="ctr"/>
-            <a:r>
-              <a:rPr lang="en-US" dirty="0" smtClean="0">
-                <a:solidFill>
-                  <a:schemeClr val="bg1"/>
-                </a:solidFill>
-              </a:rPr>
-              <a:t>Visual Intuition</a:t>
-            </a:r>
-            <a:endParaRPr lang="en-US" dirty="0">
-              <a:solidFill>
-                <a:schemeClr val="bg1"/>
-              </a:solidFill>
-            </a:endParaRPr>
+            <a:endParaRPr lang="en-US"/>
+          </a:p>
+        </p:txBody>
+      </p:sp>
+      <p:sp>
+        <p:nvSpPr>
+          <p:cNvPr id="3" name="Content Placeholder 2"/>
+          <p:cNvSpPr>
+            <a:spLocks noGrp="1"/>
+          </p:cNvSpPr>
+          <p:nvPr>
+            <p:ph idx="1"/>
+          </p:nvPr>
+        </p:nvSpPr>
+        <p:spPr/>
+        <p:txBody>
+          <a:bodyPr/>
+          <a:lstStyle/>
+          <a:p>
+            <a:endParaRPr lang="en-US"/>
           </a:p>
         </p:txBody>
       </p:sp>
     </p:spTree>
     <p:extLst>
       <p:ext uri="{BB962C8B-B14F-4D97-AF65-F5344CB8AC3E}">
-        <p14:creationId xmlns:p14="http://schemas.microsoft.com/office/powerpoint/2010/main" val="1383105054"/>
+        <p14:creationId xmlns:p14="http://schemas.microsoft.com/office/powerpoint/2010/main" val="1397400510"/>
       </p:ext>
     </p:extLst>
   </p:cSld>
@@ -4832,7 +8904,7 @@
     </p:spTree>
     <p:extLst>
       <p:ext uri="{BB962C8B-B14F-4D97-AF65-F5344CB8AC3E}">
-        <p14:creationId xmlns:p14="http://schemas.microsoft.com/office/powerpoint/2010/main" val="1483647450"/>
+        <p14:creationId xmlns:p14="http://schemas.microsoft.com/office/powerpoint/2010/main" val="1229207978"/>
       </p:ext>
     </p:extLst>
   </p:cSld>
@@ -4900,20 +8972,13 @@
     </p:spTree>
     <p:extLst>
       <p:ext uri="{BB962C8B-B14F-4D97-AF65-F5344CB8AC3E}">
-        <p14:creationId xmlns:p14="http://schemas.microsoft.com/office/powerpoint/2010/main" val="1230066833"/>
+        <p14:creationId xmlns:p14="http://schemas.microsoft.com/office/powerpoint/2010/main" val="505802106"/>
       </p:ext>
     </p:extLst>
   </p:cSld>
   <p:clrMapOvr>
     <a:masterClrMapping/>
   </p:clrMapOvr>
-  <p:timing>
-    <p:tnLst>
-      <p:par>
-        <p:cTn id="1" dur="indefinite" restart="never" nodeType="tmRoot"/>
-      </p:par>
-    </p:tnLst>
-  </p:timing>
 </p:sld>
 </file>
 
@@ -4975,7 +9040,211 @@
     </p:spTree>
     <p:extLst>
       <p:ext uri="{BB962C8B-B14F-4D97-AF65-F5344CB8AC3E}">
-        <p14:creationId xmlns:p14="http://schemas.microsoft.com/office/powerpoint/2010/main" val="164611918"/>
+        <p14:creationId xmlns:p14="http://schemas.microsoft.com/office/powerpoint/2010/main" val="1275720716"/>
+      </p:ext>
+    </p:extLst>
+  </p:cSld>
+  <p:clrMapOvr>
+    <a:masterClrMapping/>
+  </p:clrMapOvr>
+</p:sld>
+</file>
+
+<file path=ppt/slides/slide17.xml><?xml version="1.0" encoding="utf-8"?>
+<p:sld xmlns:a="http://schemas.openxmlformats.org/drawingml/2006/main" xmlns:r="http://schemas.openxmlformats.org/officeDocument/2006/relationships" xmlns:p="http://schemas.openxmlformats.org/presentationml/2006/main">
+  <p:cSld>
+    <p:spTree>
+      <p:nvGrpSpPr>
+        <p:cNvPr id="1" name=""/>
+        <p:cNvGrpSpPr/>
+        <p:nvPr/>
+      </p:nvGrpSpPr>
+      <p:grpSpPr>
+        <a:xfrm>
+          <a:off x="0" y="0"/>
+          <a:ext cx="0" cy="0"/>
+          <a:chOff x="0" y="0"/>
+          <a:chExt cx="0" cy="0"/>
+        </a:xfrm>
+      </p:grpSpPr>
+      <p:sp>
+        <p:nvSpPr>
+          <p:cNvPr id="2" name="Title 1"/>
+          <p:cNvSpPr>
+            <a:spLocks noGrp="1"/>
+          </p:cNvSpPr>
+          <p:nvPr>
+            <p:ph type="title"/>
+          </p:nvPr>
+        </p:nvSpPr>
+        <p:spPr/>
+        <p:txBody>
+          <a:bodyPr/>
+          <a:lstStyle/>
+          <a:p>
+            <a:endParaRPr lang="en-US"/>
+          </a:p>
+        </p:txBody>
+      </p:sp>
+      <p:sp>
+        <p:nvSpPr>
+          <p:cNvPr id="3" name="Content Placeholder 2"/>
+          <p:cNvSpPr>
+            <a:spLocks noGrp="1"/>
+          </p:cNvSpPr>
+          <p:nvPr>
+            <p:ph idx="1"/>
+          </p:nvPr>
+        </p:nvSpPr>
+        <p:spPr/>
+        <p:txBody>
+          <a:bodyPr/>
+          <a:lstStyle/>
+          <a:p>
+            <a:endParaRPr lang="en-US"/>
+          </a:p>
+        </p:txBody>
+      </p:sp>
+    </p:spTree>
+    <p:extLst>
+      <p:ext uri="{BB962C8B-B14F-4D97-AF65-F5344CB8AC3E}">
+        <p14:creationId xmlns:p14="http://schemas.microsoft.com/office/powerpoint/2010/main" val="1383105054"/>
+      </p:ext>
+    </p:extLst>
+  </p:cSld>
+  <p:clrMapOvr>
+    <a:masterClrMapping/>
+  </p:clrMapOvr>
+</p:sld>
+</file>
+
+<file path=ppt/slides/slide18.xml><?xml version="1.0" encoding="utf-8"?>
+<p:sld xmlns:a="http://schemas.openxmlformats.org/drawingml/2006/main" xmlns:r="http://schemas.openxmlformats.org/officeDocument/2006/relationships" xmlns:p="http://schemas.openxmlformats.org/presentationml/2006/main">
+  <p:cSld>
+    <p:spTree>
+      <p:nvGrpSpPr>
+        <p:cNvPr id="1" name=""/>
+        <p:cNvGrpSpPr/>
+        <p:nvPr/>
+      </p:nvGrpSpPr>
+      <p:grpSpPr>
+        <a:xfrm>
+          <a:off x="0" y="0"/>
+          <a:ext cx="0" cy="0"/>
+          <a:chOff x="0" y="0"/>
+          <a:chExt cx="0" cy="0"/>
+        </a:xfrm>
+      </p:grpSpPr>
+      <p:sp>
+        <p:nvSpPr>
+          <p:cNvPr id="2" name="Title 1"/>
+          <p:cNvSpPr>
+            <a:spLocks noGrp="1"/>
+          </p:cNvSpPr>
+          <p:nvPr>
+            <p:ph type="title"/>
+          </p:nvPr>
+        </p:nvSpPr>
+        <p:spPr/>
+        <p:txBody>
+          <a:bodyPr/>
+          <a:lstStyle/>
+          <a:p>
+            <a:endParaRPr lang="en-US"/>
+          </a:p>
+        </p:txBody>
+      </p:sp>
+      <p:sp>
+        <p:nvSpPr>
+          <p:cNvPr id="3" name="Content Placeholder 2"/>
+          <p:cNvSpPr>
+            <a:spLocks noGrp="1"/>
+          </p:cNvSpPr>
+          <p:nvPr>
+            <p:ph idx="1"/>
+          </p:nvPr>
+        </p:nvSpPr>
+        <p:spPr/>
+        <p:txBody>
+          <a:bodyPr/>
+          <a:lstStyle/>
+          <a:p>
+            <a:endParaRPr lang="en-US"/>
+          </a:p>
+        </p:txBody>
+      </p:sp>
+    </p:spTree>
+    <p:extLst>
+      <p:ext uri="{BB962C8B-B14F-4D97-AF65-F5344CB8AC3E}">
+        <p14:creationId xmlns:p14="http://schemas.microsoft.com/office/powerpoint/2010/main" val="1483647450"/>
+      </p:ext>
+    </p:extLst>
+  </p:cSld>
+  <p:clrMapOvr>
+    <a:masterClrMapping/>
+  </p:clrMapOvr>
+</p:sld>
+</file>
+
+<file path=ppt/slides/slide19.xml><?xml version="1.0" encoding="utf-8"?>
+<p:sld xmlns:a="http://schemas.openxmlformats.org/drawingml/2006/main" xmlns:r="http://schemas.openxmlformats.org/officeDocument/2006/relationships" xmlns:p="http://schemas.openxmlformats.org/presentationml/2006/main">
+  <p:cSld>
+    <p:spTree>
+      <p:nvGrpSpPr>
+        <p:cNvPr id="1" name=""/>
+        <p:cNvGrpSpPr/>
+        <p:nvPr/>
+      </p:nvGrpSpPr>
+      <p:grpSpPr>
+        <a:xfrm>
+          <a:off x="0" y="0"/>
+          <a:ext cx="0" cy="0"/>
+          <a:chOff x="0" y="0"/>
+          <a:chExt cx="0" cy="0"/>
+        </a:xfrm>
+      </p:grpSpPr>
+      <p:sp>
+        <p:nvSpPr>
+          <p:cNvPr id="2" name="Title 1"/>
+          <p:cNvSpPr>
+            <a:spLocks noGrp="1"/>
+          </p:cNvSpPr>
+          <p:nvPr>
+            <p:ph type="title"/>
+          </p:nvPr>
+        </p:nvSpPr>
+        <p:spPr/>
+        <p:txBody>
+          <a:bodyPr/>
+          <a:lstStyle/>
+          <a:p>
+            <a:endParaRPr lang="en-US"/>
+          </a:p>
+        </p:txBody>
+      </p:sp>
+      <p:sp>
+        <p:nvSpPr>
+          <p:cNvPr id="3" name="Content Placeholder 2"/>
+          <p:cNvSpPr>
+            <a:spLocks noGrp="1"/>
+          </p:cNvSpPr>
+          <p:nvPr>
+            <p:ph idx="1"/>
+          </p:nvPr>
+        </p:nvSpPr>
+        <p:spPr/>
+        <p:txBody>
+          <a:bodyPr/>
+          <a:lstStyle/>
+          <a:p>
+            <a:endParaRPr lang="en-US"/>
+          </a:p>
+        </p:txBody>
+      </p:sp>
+    </p:spTree>
+    <p:extLst>
+      <p:ext uri="{BB962C8B-B14F-4D97-AF65-F5344CB8AC3E}">
+        <p14:creationId xmlns:p14="http://schemas.microsoft.com/office/powerpoint/2010/main" val="1230066833"/>
       </p:ext>
     </p:extLst>
   </p:cSld>
@@ -5009,6 +9278,104 @@
           <a:chExt cx="0" cy="0"/>
         </a:xfrm>
       </p:grpSpPr>
+      <p:graphicFrame>
+        <p:nvGraphicFramePr>
+          <p:cNvPr id="4" name="Content Placeholder 3"/>
+          <p:cNvGraphicFramePr>
+            <a:graphicFrameLocks noGrp="1"/>
+          </p:cNvGraphicFramePr>
+          <p:nvPr>
+            <p:ph idx="1"/>
+            <p:extLst>
+              <p:ext uri="{D42A27DB-BD31-4B8C-83A1-F6EECF244321}">
+                <p14:modId xmlns:p14="http://schemas.microsoft.com/office/powerpoint/2010/main" val="292162696"/>
+              </p:ext>
+            </p:extLst>
+          </p:nvPr>
+        </p:nvGraphicFramePr>
+        <p:xfrm>
+          <a:off x="379562" y="810883"/>
+          <a:ext cx="10974238" cy="5366080"/>
+        </p:xfrm>
+        <a:graphic>
+          <a:graphicData uri="http://schemas.openxmlformats.org/drawingml/2006/diagram">
+            <dgm:relIds xmlns:dgm="http://schemas.openxmlformats.org/drawingml/2006/diagram" xmlns:r="http://schemas.openxmlformats.org/officeDocument/2006/relationships" r:dm="rId2" r:lo="rId3" r:qs="rId4" r:cs="rId5"/>
+          </a:graphicData>
+        </a:graphic>
+      </p:graphicFrame>
+      <p:cxnSp>
+        <p:nvCxnSpPr>
+          <p:cNvPr id="10" name="Straight Arrow Connector 9"/>
+          <p:cNvCxnSpPr/>
+          <p:nvPr/>
+        </p:nvCxnSpPr>
+        <p:spPr>
+          <a:xfrm flipH="1">
+            <a:off x="3881888" y="2812211"/>
+            <a:ext cx="4123425" cy="845389"/>
+          </a:xfrm>
+          <a:prstGeom prst="straightConnector1">
+            <a:avLst/>
+          </a:prstGeom>
+          <a:ln>
+            <a:solidFill>
+              <a:srgbClr val="92D050"/>
+            </a:solidFill>
+            <a:tailEnd type="triangle"/>
+          </a:ln>
+        </p:spPr>
+        <p:style>
+          <a:lnRef idx="1">
+            <a:schemeClr val="accent1"/>
+          </a:lnRef>
+          <a:fillRef idx="0">
+            <a:schemeClr val="accent1"/>
+          </a:fillRef>
+          <a:effectRef idx="0">
+            <a:schemeClr val="accent1"/>
+          </a:effectRef>
+          <a:fontRef idx="minor">
+            <a:schemeClr val="tx1"/>
+          </a:fontRef>
+        </p:style>
+      </p:cxnSp>
+    </p:spTree>
+    <p:extLst>
+      <p:ext uri="{BB962C8B-B14F-4D97-AF65-F5344CB8AC3E}">
+        <p14:creationId xmlns:p14="http://schemas.microsoft.com/office/powerpoint/2010/main" val="797312058"/>
+      </p:ext>
+    </p:extLst>
+  </p:cSld>
+  <p:clrMapOvr>
+    <a:masterClrMapping/>
+  </p:clrMapOvr>
+  <p:timing>
+    <p:tnLst>
+      <p:par>
+        <p:cTn id="1" dur="indefinite" restart="never" nodeType="tmRoot"/>
+      </p:par>
+    </p:tnLst>
+  </p:timing>
+</p:sld>
+</file>
+
+<file path=ppt/slides/slide20.xml><?xml version="1.0" encoding="utf-8"?>
+<p:sld xmlns:a="http://schemas.openxmlformats.org/drawingml/2006/main" xmlns:r="http://schemas.openxmlformats.org/officeDocument/2006/relationships" xmlns:p="http://schemas.openxmlformats.org/presentationml/2006/main">
+  <p:cSld>
+    <p:spTree>
+      <p:nvGrpSpPr>
+        <p:cNvPr id="1" name=""/>
+        <p:cNvGrpSpPr/>
+        <p:nvPr/>
+      </p:nvGrpSpPr>
+      <p:grpSpPr>
+        <a:xfrm>
+          <a:off x="0" y="0"/>
+          <a:ext cx="0" cy="0"/>
+          <a:chOff x="0" y="0"/>
+          <a:chExt cx="0" cy="0"/>
+        </a:xfrm>
+      </p:grpSpPr>
       <p:sp>
         <p:nvSpPr>
           <p:cNvPr id="2" name="Title 1"/>
@@ -5050,7 +9417,7 @@
     </p:spTree>
     <p:extLst>
       <p:ext uri="{BB962C8B-B14F-4D97-AF65-F5344CB8AC3E}">
-        <p14:creationId xmlns:p14="http://schemas.microsoft.com/office/powerpoint/2010/main" val="1253684776"/>
+        <p14:creationId xmlns:p14="http://schemas.microsoft.com/office/powerpoint/2010/main" val="164611918"/>
       </p:ext>
     </p:extLst>
   </p:cSld>
@@ -5084,48 +9451,67 @@
           <a:chExt cx="0" cy="0"/>
         </a:xfrm>
       </p:grpSpPr>
-      <p:sp>
-        <p:nvSpPr>
-          <p:cNvPr id="2" name="Title 1"/>
-          <p:cNvSpPr>
-            <a:spLocks noGrp="1"/>
-          </p:cNvSpPr>
-          <p:nvPr>
-            <p:ph type="title"/>
-          </p:nvPr>
-        </p:nvSpPr>
-        <p:spPr/>
-        <p:txBody>
-          <a:bodyPr/>
-          <a:lstStyle/>
-          <a:p>
-            <a:endParaRPr lang="en-US"/>
-          </a:p>
-        </p:txBody>
-      </p:sp>
-      <p:sp>
-        <p:nvSpPr>
-          <p:cNvPr id="3" name="Content Placeholder 2"/>
-          <p:cNvSpPr>
-            <a:spLocks noGrp="1"/>
-          </p:cNvSpPr>
+      <p:pic>
+        <p:nvPicPr>
+          <p:cNvPr id="4" name="Content Placeholder 3"/>
+          <p:cNvPicPr>
+            <a:picLocks noGrp="1" noChangeAspect="1"/>
+          </p:cNvPicPr>
           <p:nvPr>
             <p:ph idx="1"/>
           </p:nvPr>
-        </p:nvSpPr>
-        <p:spPr/>
-        <p:txBody>
-          <a:bodyPr/>
-          <a:lstStyle/>
-          <a:p>
-            <a:endParaRPr lang="en-US"/>
-          </a:p>
-        </p:txBody>
-      </p:sp>
+        </p:nvPicPr>
+        <p:blipFill rotWithShape="1">
+          <a:blip r:embed="rId2">
+            <a:extLst>
+              <a:ext uri="{28A0092B-C50C-407E-A947-70E740481C1C}">
+                <a14:useLocalDpi xmlns:a14="http://schemas.microsoft.com/office/drawing/2010/main" val="0"/>
+              </a:ext>
+            </a:extLst>
+          </a:blip>
+          <a:srcRect b="41252"/>
+          <a:stretch/>
+        </p:blipFill>
+        <p:spPr>
+          <a:xfrm>
+            <a:off x="1228078" y="2639684"/>
+            <a:ext cx="9658455" cy="3864634"/>
+          </a:xfrm>
+        </p:spPr>
+      </p:pic>
+      <p:pic>
+        <p:nvPicPr>
+          <p:cNvPr id="5" name="Content Placeholder 3"/>
+          <p:cNvPicPr>
+            <a:picLocks noChangeAspect="1"/>
+          </p:cNvPicPr>
+          <p:nvPr/>
+        </p:nvPicPr>
+        <p:blipFill rotWithShape="1">
+          <a:blip r:embed="rId2">
+            <a:extLst>
+              <a:ext uri="{28A0092B-C50C-407E-A947-70E740481C1C}">
+                <a14:useLocalDpi xmlns:a14="http://schemas.microsoft.com/office/drawing/2010/main" val="0"/>
+              </a:ext>
+            </a:extLst>
+          </a:blip>
+          <a:srcRect t="71117" b="3180"/>
+          <a:stretch/>
+        </p:blipFill>
+        <p:spPr>
+          <a:xfrm>
+            <a:off x="1228077" y="517585"/>
+            <a:ext cx="9658455" cy="1690776"/>
+          </a:xfrm>
+          <a:prstGeom prst="rect">
+            <a:avLst/>
+          </a:prstGeom>
+        </p:spPr>
+      </p:pic>
     </p:spTree>
     <p:extLst>
       <p:ext uri="{BB962C8B-B14F-4D97-AF65-F5344CB8AC3E}">
-        <p14:creationId xmlns:p14="http://schemas.microsoft.com/office/powerpoint/2010/main" val="797312058"/>
+        <p14:creationId xmlns:p14="http://schemas.microsoft.com/office/powerpoint/2010/main" val="1258118004"/>
       </p:ext>
     </p:extLst>
   </p:cSld>
@@ -5159,44 +9545,34 @@
           <a:chExt cx="0" cy="0"/>
         </a:xfrm>
       </p:grpSpPr>
-      <p:sp>
-        <p:nvSpPr>
-          <p:cNvPr id="2" name="Title 1"/>
-          <p:cNvSpPr>
-            <a:spLocks noGrp="1"/>
-          </p:cNvSpPr>
-          <p:nvPr>
-            <p:ph type="title"/>
-          </p:nvPr>
-        </p:nvSpPr>
-        <p:spPr/>
-        <p:txBody>
-          <a:bodyPr/>
-          <a:lstStyle/>
-          <a:p>
-            <a:endParaRPr lang="en-US"/>
-          </a:p>
-        </p:txBody>
-      </p:sp>
-      <p:sp>
-        <p:nvSpPr>
-          <p:cNvPr id="3" name="Content Placeholder 2"/>
-          <p:cNvSpPr>
-            <a:spLocks noGrp="1"/>
-          </p:cNvSpPr>
+      <p:pic>
+        <p:nvPicPr>
+          <p:cNvPr id="4" name="Content Placeholder 3"/>
+          <p:cNvPicPr>
+            <a:picLocks noGrp="1" noChangeAspect="1"/>
+          </p:cNvPicPr>
           <p:nvPr>
             <p:ph idx="1"/>
           </p:nvPr>
-        </p:nvSpPr>
-        <p:spPr/>
-        <p:txBody>
-          <a:bodyPr/>
-          <a:lstStyle/>
-          <a:p>
-            <a:endParaRPr lang="en-US"/>
-          </a:p>
-        </p:txBody>
-      </p:sp>
+        </p:nvPicPr>
+        <p:blipFill rotWithShape="1">
+          <a:blip r:embed="rId2">
+            <a:extLst>
+              <a:ext uri="{28A0092B-C50C-407E-A947-70E740481C1C}">
+                <a14:useLocalDpi xmlns:a14="http://schemas.microsoft.com/office/drawing/2010/main" val="0"/>
+              </a:ext>
+            </a:extLst>
+          </a:blip>
+          <a:srcRect t="3050"/>
+          <a:stretch/>
+        </p:blipFill>
+        <p:spPr>
+          <a:xfrm>
+            <a:off x="910818" y="207030"/>
+            <a:ext cx="10594346" cy="6426681"/>
+          </a:xfrm>
+        </p:spPr>
+      </p:pic>
     </p:spTree>
     <p:extLst>
       <p:ext uri="{BB962C8B-B14F-4D97-AF65-F5344CB8AC3E}">
@@ -5207,6 +9583,13 @@
   <p:clrMapOvr>
     <a:masterClrMapping/>
   </p:clrMapOvr>
+  <p:timing>
+    <p:tnLst>
+      <p:par>
+        <p:cTn id="1" dur="indefinite" restart="never" nodeType="tmRoot"/>
+      </p:par>
+    </p:tnLst>
+  </p:timing>
 </p:sld>
 </file>
 
@@ -5227,48 +9610,70 @@
           <a:chExt cx="0" cy="0"/>
         </a:xfrm>
       </p:grpSpPr>
-      <p:sp>
-        <p:nvSpPr>
-          <p:cNvPr id="2" name="Title 1"/>
-          <p:cNvSpPr>
-            <a:spLocks noGrp="1"/>
-          </p:cNvSpPr>
-          <p:nvPr>
-            <p:ph type="title"/>
-          </p:nvPr>
-        </p:nvSpPr>
-        <p:spPr/>
-        <p:txBody>
-          <a:bodyPr/>
-          <a:lstStyle/>
-          <a:p>
-            <a:endParaRPr lang="en-US"/>
-          </a:p>
-        </p:txBody>
-      </p:sp>
-      <p:sp>
-        <p:nvSpPr>
-          <p:cNvPr id="3" name="Content Placeholder 2"/>
-          <p:cNvSpPr>
-            <a:spLocks noGrp="1"/>
-          </p:cNvSpPr>
-          <p:nvPr>
-            <p:ph idx="1"/>
-          </p:nvPr>
-        </p:nvSpPr>
-        <p:spPr/>
-        <p:txBody>
-          <a:bodyPr/>
-          <a:lstStyle/>
-          <a:p>
-            <a:endParaRPr lang="en-US"/>
-          </a:p>
-        </p:txBody>
-      </p:sp>
+      <p:pic>
+        <p:nvPicPr>
+          <p:cNvPr id="4" name="Picture 3"/>
+          <p:cNvPicPr>
+            <a:picLocks noChangeAspect="1"/>
+          </p:cNvPicPr>
+          <p:nvPr/>
+        </p:nvPicPr>
+        <p:blipFill>
+          <a:blip r:embed="rId2">
+            <a:extLst>
+              <a:ext uri="{28A0092B-C50C-407E-A947-70E740481C1C}">
+                <a14:useLocalDpi xmlns:a14="http://schemas.microsoft.com/office/drawing/2010/main" val="0"/>
+              </a:ext>
+            </a:extLst>
+          </a:blip>
+          <a:stretch>
+            <a:fillRect/>
+          </a:stretch>
+        </p:blipFill>
+        <p:spPr>
+          <a:xfrm>
+            <a:off x="76200" y="1747927"/>
+            <a:ext cx="5981056" cy="3355226"/>
+          </a:xfrm>
+          <a:prstGeom prst="rect">
+            <a:avLst/>
+          </a:prstGeom>
+        </p:spPr>
+      </p:pic>
+      <p:pic>
+        <p:nvPicPr>
+          <p:cNvPr id="5" name="Picture 4"/>
+          <p:cNvPicPr>
+            <a:picLocks noChangeAspect="1"/>
+          </p:cNvPicPr>
+          <p:nvPr/>
+        </p:nvPicPr>
+        <p:blipFill>
+          <a:blip r:embed="rId3">
+            <a:extLst>
+              <a:ext uri="{28A0092B-C50C-407E-A947-70E740481C1C}">
+                <a14:useLocalDpi xmlns:a14="http://schemas.microsoft.com/office/drawing/2010/main" val="0"/>
+              </a:ext>
+            </a:extLst>
+          </a:blip>
+          <a:stretch>
+            <a:fillRect/>
+          </a:stretch>
+        </p:blipFill>
+        <p:spPr>
+          <a:xfrm>
+            <a:off x="5520906" y="1747927"/>
+            <a:ext cx="6671094" cy="3355226"/>
+          </a:xfrm>
+          <a:prstGeom prst="rect">
+            <a:avLst/>
+          </a:prstGeom>
+        </p:spPr>
+      </p:pic>
     </p:spTree>
     <p:extLst>
       <p:ext uri="{BB962C8B-B14F-4D97-AF65-F5344CB8AC3E}">
-        <p14:creationId xmlns:p14="http://schemas.microsoft.com/office/powerpoint/2010/main" val="1258118004"/>
+        <p14:creationId xmlns:p14="http://schemas.microsoft.com/office/powerpoint/2010/main" val="1007717823"/>
       </p:ext>
     </p:extLst>
   </p:cSld>
@@ -5317,7 +9722,27 @@
           <a:bodyPr/>
           <a:lstStyle/>
           <a:p>
-            <a:endParaRPr lang="en-US"/>
+            <a:r>
+              <a:rPr lang="en-US" b="1" dirty="0" err="1" smtClean="0">
+                <a:solidFill>
+                  <a:schemeClr val="bg1"/>
+                </a:solidFill>
+              </a:rPr>
+              <a:t>is_valid</a:t>
+            </a:r>
+            <a:r>
+              <a:rPr lang="en-US" b="1" dirty="0" smtClean="0">
+                <a:solidFill>
+                  <a:schemeClr val="bg1"/>
+                </a:solidFill>
+              </a:rPr>
+              <a:t> ()</a:t>
+            </a:r>
+            <a:endParaRPr lang="en-US" b="1" dirty="0">
+              <a:solidFill>
+                <a:schemeClr val="bg1"/>
+              </a:solidFill>
+            </a:endParaRPr>
           </a:p>
         </p:txBody>
       </p:sp>
@@ -5336,20 +9761,102 @@
           <a:bodyPr/>
           <a:lstStyle/>
           <a:p>
-            <a:endParaRPr lang="en-US"/>
+            <a:r>
+              <a:rPr lang="en-US" dirty="0" smtClean="0">
+                <a:solidFill>
+                  <a:schemeClr val="bg1"/>
+                </a:solidFill>
+              </a:rPr>
+              <a:t>Main word valid (including adjacent tiles)?</a:t>
+            </a:r>
+          </a:p>
+          <a:p>
+            <a:r>
+              <a:rPr lang="en-US" dirty="0" smtClean="0">
+                <a:solidFill>
+                  <a:schemeClr val="bg1"/>
+                </a:solidFill>
+              </a:rPr>
+              <a:t>Each played tile has legal perpendicular word (or empty)?</a:t>
+            </a:r>
+          </a:p>
+          <a:p>
+            <a:r>
+              <a:rPr lang="en-US" dirty="0" smtClean="0">
+                <a:solidFill>
+                  <a:schemeClr val="bg1"/>
+                </a:solidFill>
+              </a:rPr>
+              <a:t>Valid position for word? </a:t>
+            </a:r>
+          </a:p>
+          <a:p>
+            <a:endParaRPr lang="en-US" dirty="0">
+              <a:solidFill>
+                <a:schemeClr val="bg1"/>
+              </a:solidFill>
+            </a:endParaRPr>
+          </a:p>
+          <a:p>
+            <a:r>
+              <a:rPr lang="en-US" dirty="0" smtClean="0">
+                <a:solidFill>
+                  <a:schemeClr val="bg1"/>
+                </a:solidFill>
+              </a:rPr>
+              <a:t>SCORING: takes place as each condition checked</a:t>
+            </a:r>
+          </a:p>
+          <a:p>
+            <a:endParaRPr lang="en-US" dirty="0">
+              <a:solidFill>
+                <a:schemeClr val="bg1"/>
+              </a:solidFill>
+            </a:endParaRPr>
+          </a:p>
+          <a:p>
+            <a:r>
+              <a:rPr lang="en-US" dirty="0" smtClean="0">
+                <a:solidFill>
+                  <a:schemeClr val="bg1"/>
+                </a:solidFill>
+              </a:rPr>
+              <a:t>Includes special cases to handle 0-, 1-tile plays</a:t>
+            </a:r>
+          </a:p>
+          <a:p>
+            <a:endParaRPr lang="en-US" dirty="0" smtClean="0">
+              <a:solidFill>
+                <a:schemeClr val="bg1"/>
+              </a:solidFill>
+            </a:endParaRPr>
+          </a:p>
+          <a:p>
+            <a:endParaRPr lang="en-US" dirty="0">
+              <a:solidFill>
+                <a:schemeClr val="bg1"/>
+              </a:solidFill>
+            </a:endParaRPr>
           </a:p>
         </p:txBody>
       </p:sp>
     </p:spTree>
     <p:extLst>
       <p:ext uri="{BB962C8B-B14F-4D97-AF65-F5344CB8AC3E}">
-        <p14:creationId xmlns:p14="http://schemas.microsoft.com/office/powerpoint/2010/main" val="1007717823"/>
+        <p14:creationId xmlns:p14="http://schemas.microsoft.com/office/powerpoint/2010/main" val="1253684776"/>
       </p:ext>
     </p:extLst>
   </p:cSld>
   <p:clrMapOvr>
     <a:masterClrMapping/>
   </p:clrMapOvr>
+  <p:timing>
+    <p:tnLst>
+      <p:par>
+        <p:cTn id="1" dur="indefinite" restart="never" nodeType="tmRoot"/>
+      </p:par>
+    </p:tnLst>
+  </p:timing>
 </p:sld>
 </file>
 
@@ -5385,33 +9892,56 @@
           <a:bodyPr/>
           <a:lstStyle/>
           <a:p>
-            <a:endParaRPr lang="en-US"/>
-          </a:p>
-        </p:txBody>
-      </p:sp>
-      <p:sp>
-        <p:nvSpPr>
-          <p:cNvPr id="3" name="Content Placeholder 2"/>
-          <p:cNvSpPr>
-            <a:spLocks noGrp="1"/>
-          </p:cNvSpPr>
+            <a:pPr algn="ctr"/>
+            <a:r>
+              <a:rPr lang="en-US" dirty="0" smtClean="0">
+                <a:solidFill>
+                  <a:schemeClr val="bg1"/>
+                </a:solidFill>
+              </a:rPr>
+              <a:t>AI Core Loop</a:t>
+            </a:r>
+            <a:endParaRPr lang="en-US" dirty="0">
+              <a:solidFill>
+                <a:schemeClr val="bg1"/>
+              </a:solidFill>
+            </a:endParaRPr>
+          </a:p>
+        </p:txBody>
+      </p:sp>
+      <p:pic>
+        <p:nvPicPr>
+          <p:cNvPr id="6" name="Content Placeholder 5"/>
+          <p:cNvPicPr>
+            <a:picLocks noGrp="1" noChangeAspect="1"/>
+          </p:cNvPicPr>
           <p:nvPr>
             <p:ph idx="1"/>
           </p:nvPr>
-        </p:nvSpPr>
-        <p:spPr/>
-        <p:txBody>
-          <a:bodyPr/>
-          <a:lstStyle/>
-          <a:p>
-            <a:endParaRPr lang="en-US"/>
-          </a:p>
-        </p:txBody>
-      </p:sp>
+        </p:nvPicPr>
+        <p:blipFill>
+          <a:blip r:embed="rId2">
+            <a:extLst>
+              <a:ext uri="{28A0092B-C50C-407E-A947-70E740481C1C}">
+                <a14:useLocalDpi xmlns:a14="http://schemas.microsoft.com/office/drawing/2010/main" val="0"/>
+              </a:ext>
+            </a:extLst>
+          </a:blip>
+          <a:stretch>
+            <a:fillRect/>
+          </a:stretch>
+        </p:blipFill>
+        <p:spPr>
+          <a:xfrm>
+            <a:off x="1612007" y="2599766"/>
+            <a:ext cx="8662667" cy="2081726"/>
+          </a:xfrm>
+        </p:spPr>
+      </p:pic>
     </p:spTree>
     <p:extLst>
       <p:ext uri="{BB962C8B-B14F-4D97-AF65-F5344CB8AC3E}">
-        <p14:creationId xmlns:p14="http://schemas.microsoft.com/office/powerpoint/2010/main" val="1094930396"/>
+        <p14:creationId xmlns:p14="http://schemas.microsoft.com/office/powerpoint/2010/main" val="2132284128"/>
       </p:ext>
     </p:extLst>
   </p:cSld>
@@ -5453,33 +9983,56 @@
           <a:bodyPr/>
           <a:lstStyle/>
           <a:p>
-            <a:endParaRPr lang="en-US"/>
-          </a:p>
-        </p:txBody>
-      </p:sp>
-      <p:sp>
-        <p:nvSpPr>
-          <p:cNvPr id="3" name="Content Placeholder 2"/>
-          <p:cNvSpPr>
-            <a:spLocks noGrp="1"/>
-          </p:cNvSpPr>
+            <a:pPr algn="ctr"/>
+            <a:r>
+              <a:rPr lang="en-US" dirty="0" smtClean="0">
+                <a:solidFill>
+                  <a:schemeClr val="bg1"/>
+                </a:solidFill>
+              </a:rPr>
+              <a:t>AI Board Loop</a:t>
+            </a:r>
+            <a:endParaRPr lang="en-US" dirty="0">
+              <a:solidFill>
+                <a:schemeClr val="bg1"/>
+              </a:solidFill>
+            </a:endParaRPr>
+          </a:p>
+        </p:txBody>
+      </p:sp>
+      <p:pic>
+        <p:nvPicPr>
+          <p:cNvPr id="4" name="Content Placeholder 3"/>
+          <p:cNvPicPr>
+            <a:picLocks noGrp="1" noChangeAspect="1"/>
+          </p:cNvPicPr>
           <p:nvPr>
             <p:ph idx="1"/>
           </p:nvPr>
-        </p:nvSpPr>
-        <p:spPr/>
-        <p:txBody>
-          <a:bodyPr/>
-          <a:lstStyle/>
-          <a:p>
-            <a:endParaRPr lang="en-US"/>
-          </a:p>
-        </p:txBody>
-      </p:sp>
+        </p:nvPicPr>
+        <p:blipFill>
+          <a:blip r:embed="rId2">
+            <a:extLst>
+              <a:ext uri="{28A0092B-C50C-407E-A947-70E740481C1C}">
+                <a14:useLocalDpi xmlns:a14="http://schemas.microsoft.com/office/drawing/2010/main" val="0"/>
+              </a:ext>
+            </a:extLst>
+          </a:blip>
+          <a:stretch>
+            <a:fillRect/>
+          </a:stretch>
+        </p:blipFill>
+        <p:spPr>
+          <a:xfrm>
+            <a:off x="1986854" y="1219200"/>
+            <a:ext cx="7322603" cy="4957763"/>
+          </a:xfrm>
+        </p:spPr>
+      </p:pic>
     </p:spTree>
     <p:extLst>
       <p:ext uri="{BB962C8B-B14F-4D97-AF65-F5344CB8AC3E}">
-        <p14:creationId xmlns:p14="http://schemas.microsoft.com/office/powerpoint/2010/main" val="989047470"/>
+        <p14:creationId xmlns:p14="http://schemas.microsoft.com/office/powerpoint/2010/main" val="92238160"/>
       </p:ext>
     </p:extLst>
   </p:cSld>
@@ -5521,33 +10074,56 @@
           <a:bodyPr/>
           <a:lstStyle/>
           <a:p>
-            <a:endParaRPr lang="en-US"/>
-          </a:p>
-        </p:txBody>
-      </p:sp>
-      <p:sp>
-        <p:nvSpPr>
-          <p:cNvPr id="3" name="Content Placeholder 2"/>
-          <p:cNvSpPr>
-            <a:spLocks noGrp="1"/>
-          </p:cNvSpPr>
+            <a:pPr algn="ctr"/>
+            <a:r>
+              <a:rPr lang="en-US" dirty="0" smtClean="0">
+                <a:solidFill>
+                  <a:schemeClr val="bg1"/>
+                </a:solidFill>
+              </a:rPr>
+              <a:t>Incident word compiler</a:t>
+            </a:r>
+            <a:endParaRPr lang="en-US" dirty="0">
+              <a:solidFill>
+                <a:schemeClr val="bg1"/>
+              </a:solidFill>
+            </a:endParaRPr>
+          </a:p>
+        </p:txBody>
+      </p:sp>
+      <p:pic>
+        <p:nvPicPr>
+          <p:cNvPr id="4" name="Content Placeholder 3"/>
+          <p:cNvPicPr>
+            <a:picLocks noGrp="1" noChangeAspect="1"/>
+          </p:cNvPicPr>
           <p:nvPr>
             <p:ph idx="1"/>
           </p:nvPr>
-        </p:nvSpPr>
-        <p:spPr/>
-        <p:txBody>
-          <a:bodyPr/>
-          <a:lstStyle/>
-          <a:p>
-            <a:endParaRPr lang="en-US"/>
-          </a:p>
-        </p:txBody>
-      </p:sp>
+        </p:nvPicPr>
+        <p:blipFill>
+          <a:blip r:embed="rId2">
+            <a:extLst>
+              <a:ext uri="{28A0092B-C50C-407E-A947-70E740481C1C}">
+                <a14:useLocalDpi xmlns:a14="http://schemas.microsoft.com/office/drawing/2010/main" val="0"/>
+              </a:ext>
+            </a:extLst>
+          </a:blip>
+          <a:stretch>
+            <a:fillRect/>
+          </a:stretch>
+        </p:blipFill>
+        <p:spPr>
+          <a:xfrm>
+            <a:off x="600217" y="1972236"/>
+            <a:ext cx="10495737" cy="3118643"/>
+          </a:xfrm>
+        </p:spPr>
+      </p:pic>
     </p:spTree>
     <p:extLst>
       <p:ext uri="{BB962C8B-B14F-4D97-AF65-F5344CB8AC3E}">
-        <p14:creationId xmlns:p14="http://schemas.microsoft.com/office/powerpoint/2010/main" val="1397400510"/>
+        <p14:creationId xmlns:p14="http://schemas.microsoft.com/office/powerpoint/2010/main" val="1911045633"/>
       </p:ext>
     </p:extLst>
   </p:cSld>

--- a/pres.pptx
+++ b/pres.pptx
@@ -5,26 +5,15 @@
     <p:sldMasterId id="2147483648" r:id="rId1"/>
   </p:sldMasterIdLst>
   <p:sldIdLst>
-    <p:sldId id="256" r:id="rId2"/>
-    <p:sldId id="258" r:id="rId3"/>
-    <p:sldId id="260" r:id="rId4"/>
-    <p:sldId id="259" r:id="rId5"/>
-    <p:sldId id="261" r:id="rId6"/>
-    <p:sldId id="257" r:id="rId7"/>
+    <p:sldId id="258" r:id="rId2"/>
+    <p:sldId id="260" r:id="rId3"/>
+    <p:sldId id="259" r:id="rId4"/>
+    <p:sldId id="261" r:id="rId5"/>
+    <p:sldId id="257" r:id="rId6"/>
+    <p:sldId id="275" r:id="rId7"/>
     <p:sldId id="272" r:id="rId8"/>
     <p:sldId id="273" r:id="rId9"/>
     <p:sldId id="274" r:id="rId10"/>
-    <p:sldId id="275" r:id="rId11"/>
-    <p:sldId id="262" r:id="rId12"/>
-    <p:sldId id="263" r:id="rId13"/>
-    <p:sldId id="264" r:id="rId14"/>
-    <p:sldId id="265" r:id="rId15"/>
-    <p:sldId id="266" r:id="rId16"/>
-    <p:sldId id="267" r:id="rId17"/>
-    <p:sldId id="268" r:id="rId18"/>
-    <p:sldId id="269" r:id="rId19"/>
-    <p:sldId id="270" r:id="rId20"/>
-    <p:sldId id="271" r:id="rId21"/>
   </p:sldIdLst>
   <p:sldSz cx="12192000" cy="6858000"/>
   <p:notesSz cx="6858000" cy="9144000"/>
@@ -4473,7 +4462,7 @@
           <a:p>
             <a:fld id="{B580806F-B52F-F142-8E52-A859DDBF7CDE}" type="datetimeFigureOut">
               <a:rPr lang="en-US" smtClean="0"/>
-              <a:t>5/8/17</a:t>
+              <a:t>5/10/17</a:t>
             </a:fld>
             <a:endParaRPr lang="en-US"/>
           </a:p>
@@ -4643,7 +4632,7 @@
           <a:p>
             <a:fld id="{B580806F-B52F-F142-8E52-A859DDBF7CDE}" type="datetimeFigureOut">
               <a:rPr lang="en-US" smtClean="0"/>
-              <a:t>5/8/17</a:t>
+              <a:t>5/10/17</a:t>
             </a:fld>
             <a:endParaRPr lang="en-US"/>
           </a:p>
@@ -4823,7 +4812,7 @@
           <a:p>
             <a:fld id="{B580806F-B52F-F142-8E52-A859DDBF7CDE}" type="datetimeFigureOut">
               <a:rPr lang="en-US" smtClean="0"/>
-              <a:t>5/8/17</a:t>
+              <a:t>5/10/17</a:t>
             </a:fld>
             <a:endParaRPr lang="en-US"/>
           </a:p>
@@ -4993,7 +4982,7 @@
           <a:p>
             <a:fld id="{B580806F-B52F-F142-8E52-A859DDBF7CDE}" type="datetimeFigureOut">
               <a:rPr lang="en-US" smtClean="0"/>
-              <a:t>5/8/17</a:t>
+              <a:t>5/10/17</a:t>
             </a:fld>
             <a:endParaRPr lang="en-US"/>
           </a:p>
@@ -5239,7 +5228,7 @@
           <a:p>
             <a:fld id="{B580806F-B52F-F142-8E52-A859DDBF7CDE}" type="datetimeFigureOut">
               <a:rPr lang="en-US" smtClean="0"/>
-              <a:t>5/8/17</a:t>
+              <a:t>5/10/17</a:t>
             </a:fld>
             <a:endParaRPr lang="en-US"/>
           </a:p>
@@ -5471,7 +5460,7 @@
           <a:p>
             <a:fld id="{B580806F-B52F-F142-8E52-A859DDBF7CDE}" type="datetimeFigureOut">
               <a:rPr lang="en-US" smtClean="0"/>
-              <a:t>5/8/17</a:t>
+              <a:t>5/10/17</a:t>
             </a:fld>
             <a:endParaRPr lang="en-US"/>
           </a:p>
@@ -5838,7 +5827,7 @@
           <a:p>
             <a:fld id="{B580806F-B52F-F142-8E52-A859DDBF7CDE}" type="datetimeFigureOut">
               <a:rPr lang="en-US" smtClean="0"/>
-              <a:t>5/8/17</a:t>
+              <a:t>5/10/17</a:t>
             </a:fld>
             <a:endParaRPr lang="en-US"/>
           </a:p>
@@ -5956,7 +5945,7 @@
           <a:p>
             <a:fld id="{B580806F-B52F-F142-8E52-A859DDBF7CDE}" type="datetimeFigureOut">
               <a:rPr lang="en-US" smtClean="0"/>
-              <a:t>5/8/17</a:t>
+              <a:t>5/10/17</a:t>
             </a:fld>
             <a:endParaRPr lang="en-US"/>
           </a:p>
@@ -6051,7 +6040,7 @@
           <a:p>
             <a:fld id="{B580806F-B52F-F142-8E52-A859DDBF7CDE}" type="datetimeFigureOut">
               <a:rPr lang="en-US" smtClean="0"/>
-              <a:t>5/8/17</a:t>
+              <a:t>5/10/17</a:t>
             </a:fld>
             <a:endParaRPr lang="en-US"/>
           </a:p>
@@ -6328,7 +6317,7 @@
           <a:p>
             <a:fld id="{B580806F-B52F-F142-8E52-A859DDBF7CDE}" type="datetimeFigureOut">
               <a:rPr lang="en-US" smtClean="0"/>
-              <a:t>5/8/17</a:t>
+              <a:t>5/10/17</a:t>
             </a:fld>
             <a:endParaRPr lang="en-US"/>
           </a:p>
@@ -6581,7 +6570,7 @@
           <a:p>
             <a:fld id="{B580806F-B52F-F142-8E52-A859DDBF7CDE}" type="datetimeFigureOut">
               <a:rPr lang="en-US" smtClean="0"/>
-              <a:t>5/8/17</a:t>
+              <a:t>5/10/17</a:t>
             </a:fld>
             <a:endParaRPr lang="en-US"/>
           </a:p>
@@ -6797,7 +6786,7 @@
           <a:p>
             <a:fld id="{B580806F-B52F-F142-8E52-A859DDBF7CDE}" type="datetimeFigureOut">
               <a:rPr lang="en-US" smtClean="0"/>
-              <a:t>5/8/17</a:t>
+              <a:t>5/10/17</a:t>
             </a:fld>
             <a:endParaRPr lang="en-US"/>
           </a:p>
@@ -7202,2082 +7191,6 @@
           <a:chExt cx="0" cy="0"/>
         </a:xfrm>
       </p:grpSpPr>
-      <p:sp>
-        <p:nvSpPr>
-          <p:cNvPr id="2" name="Title 1"/>
-          <p:cNvSpPr>
-            <a:spLocks noGrp="1"/>
-          </p:cNvSpPr>
-          <p:nvPr>
-            <p:ph type="ctrTitle"/>
-          </p:nvPr>
-        </p:nvSpPr>
-        <p:spPr/>
-        <p:txBody>
-          <a:bodyPr/>
-          <a:lstStyle/>
-          <a:p>
-            <a:endParaRPr lang="en-US"/>
-          </a:p>
-        </p:txBody>
-      </p:sp>
-      <p:sp>
-        <p:nvSpPr>
-          <p:cNvPr id="3" name="Subtitle 2"/>
-          <p:cNvSpPr>
-            <a:spLocks noGrp="1"/>
-          </p:cNvSpPr>
-          <p:nvPr>
-            <p:ph type="subTitle" idx="1"/>
-          </p:nvPr>
-        </p:nvSpPr>
-        <p:spPr/>
-        <p:txBody>
-          <a:bodyPr/>
-          <a:lstStyle/>
-          <a:p>
-            <a:endParaRPr lang="en-US"/>
-          </a:p>
-        </p:txBody>
-      </p:sp>
-    </p:spTree>
-    <p:extLst>
-      <p:ext uri="{BB962C8B-B14F-4D97-AF65-F5344CB8AC3E}">
-        <p14:creationId xmlns:p14="http://schemas.microsoft.com/office/powerpoint/2010/main" val="1919455512"/>
-      </p:ext>
-    </p:extLst>
-  </p:cSld>
-  <p:clrMapOvr>
-    <a:masterClrMapping/>
-  </p:clrMapOvr>
-  <p:timing>
-    <p:tnLst>
-      <p:par>
-        <p:cTn id="1" dur="indefinite" restart="never" nodeType="tmRoot"/>
-      </p:par>
-    </p:tnLst>
-  </p:timing>
-</p:sld>
-</file>
-
-<file path=ppt/slides/slide10.xml><?xml version="1.0" encoding="utf-8"?>
-<p:sld xmlns:a="http://schemas.openxmlformats.org/drawingml/2006/main" xmlns:r="http://schemas.openxmlformats.org/officeDocument/2006/relationships" xmlns:p="http://schemas.openxmlformats.org/presentationml/2006/main">
-  <p:cSld>
-    <p:spTree>
-      <p:nvGrpSpPr>
-        <p:cNvPr id="1" name=""/>
-        <p:cNvGrpSpPr/>
-        <p:nvPr/>
-      </p:nvGrpSpPr>
-      <p:grpSpPr>
-        <a:xfrm>
-          <a:off x="0" y="0"/>
-          <a:ext cx="0" cy="0"/>
-          <a:chOff x="0" y="0"/>
-          <a:chExt cx="0" cy="0"/>
-        </a:xfrm>
-      </p:grpSpPr>
-      <p:sp>
-        <p:nvSpPr>
-          <p:cNvPr id="4" name="Rectangle 3"/>
-          <p:cNvSpPr/>
-          <p:nvPr/>
-        </p:nvSpPr>
-        <p:spPr>
-          <a:xfrm>
-            <a:off x="2570628" y="3818965"/>
-            <a:ext cx="789460" cy="770964"/>
-          </a:xfrm>
-          <a:prstGeom prst="rect">
-            <a:avLst/>
-          </a:prstGeom>
-        </p:spPr>
-        <p:style>
-          <a:lnRef idx="2">
-            <a:schemeClr val="accent6"/>
-          </a:lnRef>
-          <a:fillRef idx="1">
-            <a:schemeClr val="lt1"/>
-          </a:fillRef>
-          <a:effectRef idx="0">
-            <a:schemeClr val="accent6"/>
-          </a:effectRef>
-          <a:fontRef idx="minor">
-            <a:schemeClr val="dk1"/>
-          </a:fontRef>
-        </p:style>
-        <p:txBody>
-          <a:bodyPr rtlCol="0" anchor="ctr"/>
-          <a:lstStyle/>
-          <a:p>
-            <a:pPr algn="ctr"/>
-            <a:endParaRPr lang="en-US"/>
-          </a:p>
-        </p:txBody>
-      </p:sp>
-      <p:sp>
-        <p:nvSpPr>
-          <p:cNvPr id="17" name="TextBox 16"/>
-          <p:cNvSpPr txBox="1"/>
-          <p:nvPr/>
-        </p:nvSpPr>
-        <p:spPr>
-          <a:xfrm>
-            <a:off x="2651079" y="3986027"/>
-            <a:ext cx="860291" cy="400110"/>
-          </a:xfrm>
-          <a:prstGeom prst="rect">
-            <a:avLst/>
-          </a:prstGeom>
-          <a:noFill/>
-        </p:spPr>
-        <p:txBody>
-          <a:bodyPr wrap="square" rtlCol="0">
-            <a:spAutoFit/>
-          </a:bodyPr>
-          <a:lstStyle/>
-          <a:p>
-            <a:r>
-              <a:rPr lang="en-US" sz="3000" baseline="-25000" dirty="0"/>
-              <a:t>H</a:t>
-            </a:r>
-            <a:r>
-              <a:rPr lang="en-US" sz="3000" baseline="-25000" dirty="0" smtClean="0"/>
-              <a:t>𝛔(3)</a:t>
-            </a:r>
-            <a:endParaRPr lang="en-US" sz="3000" baseline="-25000" dirty="0"/>
-          </a:p>
-        </p:txBody>
-      </p:sp>
-      <p:sp>
-        <p:nvSpPr>
-          <p:cNvPr id="35" name="Rectangle 34"/>
-          <p:cNvSpPr/>
-          <p:nvPr/>
-        </p:nvSpPr>
-        <p:spPr>
-          <a:xfrm>
-            <a:off x="3367094" y="3824663"/>
-            <a:ext cx="789460" cy="770964"/>
-          </a:xfrm>
-          <a:prstGeom prst="rect">
-            <a:avLst/>
-          </a:prstGeom>
-        </p:spPr>
-        <p:style>
-          <a:lnRef idx="2">
-            <a:schemeClr val="accent6"/>
-          </a:lnRef>
-          <a:fillRef idx="1">
-            <a:schemeClr val="lt1"/>
-          </a:fillRef>
-          <a:effectRef idx="0">
-            <a:schemeClr val="accent6"/>
-          </a:effectRef>
-          <a:fontRef idx="minor">
-            <a:schemeClr val="dk1"/>
-          </a:fontRef>
-        </p:style>
-        <p:txBody>
-          <a:bodyPr rtlCol="0" anchor="ctr"/>
-          <a:lstStyle/>
-          <a:p>
-            <a:pPr algn="ctr"/>
-            <a:endParaRPr lang="en-US"/>
-          </a:p>
-        </p:txBody>
-      </p:sp>
-      <p:sp>
-        <p:nvSpPr>
-          <p:cNvPr id="36" name="TextBox 35"/>
-          <p:cNvSpPr txBox="1"/>
-          <p:nvPr/>
-        </p:nvSpPr>
-        <p:spPr>
-          <a:xfrm>
-            <a:off x="3447545" y="3991725"/>
-            <a:ext cx="860291" cy="400110"/>
-          </a:xfrm>
-          <a:prstGeom prst="rect">
-            <a:avLst/>
-          </a:prstGeom>
-          <a:noFill/>
-        </p:spPr>
-        <p:txBody>
-          <a:bodyPr wrap="square" rtlCol="0">
-            <a:spAutoFit/>
-          </a:bodyPr>
-          <a:lstStyle/>
-          <a:p>
-            <a:r>
-              <a:rPr lang="en-US" sz="3000" baseline="-25000" dirty="0"/>
-              <a:t>H</a:t>
-            </a:r>
-            <a:r>
-              <a:rPr lang="en-US" sz="3000" baseline="-25000" dirty="0" smtClean="0"/>
-              <a:t>𝛔(2)</a:t>
-            </a:r>
-            <a:endParaRPr lang="en-US" sz="3000" baseline="-25000" dirty="0"/>
-          </a:p>
-        </p:txBody>
-      </p:sp>
-      <p:sp>
-        <p:nvSpPr>
-          <p:cNvPr id="37" name="Rectangle 36"/>
-          <p:cNvSpPr/>
-          <p:nvPr/>
-        </p:nvSpPr>
-        <p:spPr>
-          <a:xfrm>
-            <a:off x="4156554" y="3818965"/>
-            <a:ext cx="789460" cy="770964"/>
-          </a:xfrm>
-          <a:prstGeom prst="rect">
-            <a:avLst/>
-          </a:prstGeom>
-        </p:spPr>
-        <p:style>
-          <a:lnRef idx="2">
-            <a:schemeClr val="accent6"/>
-          </a:lnRef>
-          <a:fillRef idx="1">
-            <a:schemeClr val="lt1"/>
-          </a:fillRef>
-          <a:effectRef idx="0">
-            <a:schemeClr val="accent6"/>
-          </a:effectRef>
-          <a:fontRef idx="minor">
-            <a:schemeClr val="dk1"/>
-          </a:fontRef>
-        </p:style>
-        <p:txBody>
-          <a:bodyPr rtlCol="0" anchor="ctr"/>
-          <a:lstStyle/>
-          <a:p>
-            <a:pPr algn="ctr"/>
-            <a:endParaRPr lang="en-US"/>
-          </a:p>
-        </p:txBody>
-      </p:sp>
-      <p:sp>
-        <p:nvSpPr>
-          <p:cNvPr id="38" name="TextBox 37"/>
-          <p:cNvSpPr txBox="1"/>
-          <p:nvPr/>
-        </p:nvSpPr>
-        <p:spPr>
-          <a:xfrm>
-            <a:off x="4237005" y="3986027"/>
-            <a:ext cx="860291" cy="400110"/>
-          </a:xfrm>
-          <a:prstGeom prst="rect">
-            <a:avLst/>
-          </a:prstGeom>
-          <a:noFill/>
-        </p:spPr>
-        <p:txBody>
-          <a:bodyPr wrap="square" rtlCol="0">
-            <a:spAutoFit/>
-          </a:bodyPr>
-          <a:lstStyle/>
-          <a:p>
-            <a:r>
-              <a:rPr lang="en-US" sz="3000" baseline="-25000" dirty="0"/>
-              <a:t>H</a:t>
-            </a:r>
-            <a:r>
-              <a:rPr lang="en-US" sz="3000" baseline="-25000" dirty="0" smtClean="0"/>
-              <a:t>𝛔(1)</a:t>
-            </a:r>
-            <a:endParaRPr lang="en-US" sz="3000" baseline="-25000" dirty="0"/>
-          </a:p>
-        </p:txBody>
-      </p:sp>
-      <p:sp>
-        <p:nvSpPr>
-          <p:cNvPr id="39" name="Rectangle 38"/>
-          <p:cNvSpPr/>
-          <p:nvPr/>
-        </p:nvSpPr>
-        <p:spPr>
-          <a:xfrm>
-            <a:off x="4946014" y="3813267"/>
-            <a:ext cx="789460" cy="770964"/>
-          </a:xfrm>
-          <a:prstGeom prst="rect">
-            <a:avLst/>
-          </a:prstGeom>
-        </p:spPr>
-        <p:style>
-          <a:lnRef idx="2">
-            <a:schemeClr val="accent6"/>
-          </a:lnRef>
-          <a:fillRef idx="1">
-            <a:schemeClr val="lt1"/>
-          </a:fillRef>
-          <a:effectRef idx="0">
-            <a:schemeClr val="accent6"/>
-          </a:effectRef>
-          <a:fontRef idx="minor">
-            <a:schemeClr val="dk1"/>
-          </a:fontRef>
-        </p:style>
-        <p:txBody>
-          <a:bodyPr rtlCol="0" anchor="ctr"/>
-          <a:lstStyle/>
-          <a:p>
-            <a:pPr algn="ctr"/>
-            <a:endParaRPr lang="en-US"/>
-          </a:p>
-        </p:txBody>
-      </p:sp>
-      <p:sp>
-        <p:nvSpPr>
-          <p:cNvPr id="40" name="TextBox 39"/>
-          <p:cNvSpPr txBox="1"/>
-          <p:nvPr/>
-        </p:nvSpPr>
-        <p:spPr>
-          <a:xfrm>
-            <a:off x="5026465" y="3980329"/>
-            <a:ext cx="860291" cy="400110"/>
-          </a:xfrm>
-          <a:prstGeom prst="rect">
-            <a:avLst/>
-          </a:prstGeom>
-          <a:noFill/>
-        </p:spPr>
-        <p:txBody>
-          <a:bodyPr wrap="square" rtlCol="0">
-            <a:spAutoFit/>
-          </a:bodyPr>
-          <a:lstStyle/>
-          <a:p>
-            <a:r>
-              <a:rPr lang="en-US" sz="3000" baseline="-25000" dirty="0"/>
-              <a:t>H</a:t>
-            </a:r>
-            <a:r>
-              <a:rPr lang="en-US" sz="3000" baseline="-25000" dirty="0" smtClean="0"/>
-              <a:t>𝛔(4)</a:t>
-            </a:r>
-            <a:endParaRPr lang="en-US" sz="3000" baseline="-25000" dirty="0"/>
-          </a:p>
-        </p:txBody>
-      </p:sp>
-      <p:sp>
-        <p:nvSpPr>
-          <p:cNvPr id="41" name="Rectangle 40"/>
-          <p:cNvSpPr/>
-          <p:nvPr/>
-        </p:nvSpPr>
-        <p:spPr>
-          <a:xfrm>
-            <a:off x="6581812" y="3824663"/>
-            <a:ext cx="789460" cy="770964"/>
-          </a:xfrm>
-          <a:prstGeom prst="rect">
-            <a:avLst/>
-          </a:prstGeom>
-        </p:spPr>
-        <p:style>
-          <a:lnRef idx="2">
-            <a:schemeClr val="accent6"/>
-          </a:lnRef>
-          <a:fillRef idx="1">
-            <a:schemeClr val="lt1"/>
-          </a:fillRef>
-          <a:effectRef idx="0">
-            <a:schemeClr val="accent6"/>
-          </a:effectRef>
-          <a:fontRef idx="minor">
-            <a:schemeClr val="dk1"/>
-          </a:fontRef>
-        </p:style>
-        <p:txBody>
-          <a:bodyPr rtlCol="0" anchor="ctr"/>
-          <a:lstStyle/>
-          <a:p>
-            <a:pPr algn="ctr"/>
-            <a:endParaRPr lang="en-US"/>
-          </a:p>
-        </p:txBody>
-      </p:sp>
-      <p:sp>
-        <p:nvSpPr>
-          <p:cNvPr id="42" name="TextBox 41"/>
-          <p:cNvSpPr txBox="1"/>
-          <p:nvPr/>
-        </p:nvSpPr>
-        <p:spPr>
-          <a:xfrm>
-            <a:off x="6766240" y="3955866"/>
-            <a:ext cx="860291" cy="400110"/>
-          </a:xfrm>
-          <a:prstGeom prst="rect">
-            <a:avLst/>
-          </a:prstGeom>
-          <a:noFill/>
-        </p:spPr>
-        <p:txBody>
-          <a:bodyPr wrap="square" rtlCol="0">
-            <a:spAutoFit/>
-          </a:bodyPr>
-          <a:lstStyle/>
-          <a:p>
-            <a:r>
-              <a:rPr lang="en-US" sz="3000" baseline="-25000" dirty="0" smtClean="0"/>
-              <a:t>C</a:t>
-            </a:r>
-            <a:endParaRPr lang="en-US" sz="3000" baseline="-25000" dirty="0"/>
-          </a:p>
-        </p:txBody>
-      </p:sp>
-      <p:sp>
-        <p:nvSpPr>
-          <p:cNvPr id="43" name="Rectangle 42"/>
-          <p:cNvSpPr/>
-          <p:nvPr/>
-        </p:nvSpPr>
-        <p:spPr>
-          <a:xfrm>
-            <a:off x="8171584" y="3824663"/>
-            <a:ext cx="789460" cy="770964"/>
-          </a:xfrm>
-          <a:prstGeom prst="rect">
-            <a:avLst/>
-          </a:prstGeom>
-        </p:spPr>
-        <p:style>
-          <a:lnRef idx="2">
-            <a:schemeClr val="accent6"/>
-          </a:lnRef>
-          <a:fillRef idx="1">
-            <a:schemeClr val="lt1"/>
-          </a:fillRef>
-          <a:effectRef idx="0">
-            <a:schemeClr val="accent6"/>
-          </a:effectRef>
-          <a:fontRef idx="minor">
-            <a:schemeClr val="dk1"/>
-          </a:fontRef>
-        </p:style>
-        <p:txBody>
-          <a:bodyPr rtlCol="0" anchor="ctr"/>
-          <a:lstStyle/>
-          <a:p>
-            <a:pPr algn="ctr"/>
-            <a:endParaRPr lang="en-US"/>
-          </a:p>
-        </p:txBody>
-      </p:sp>
-      <p:sp>
-        <p:nvSpPr>
-          <p:cNvPr id="44" name="TextBox 43"/>
-          <p:cNvSpPr txBox="1"/>
-          <p:nvPr/>
-        </p:nvSpPr>
-        <p:spPr>
-          <a:xfrm>
-            <a:off x="8358682" y="3967262"/>
-            <a:ext cx="860291" cy="400110"/>
-          </a:xfrm>
-          <a:prstGeom prst="rect">
-            <a:avLst/>
-          </a:prstGeom>
-          <a:noFill/>
-        </p:spPr>
-        <p:txBody>
-          <a:bodyPr wrap="square" rtlCol="0">
-            <a:spAutoFit/>
-          </a:bodyPr>
-          <a:lstStyle/>
-          <a:p>
-            <a:r>
-              <a:rPr lang="en-US" sz="3000" baseline="-25000"/>
-              <a:t>B</a:t>
-            </a:r>
-            <a:endParaRPr lang="en-US" sz="3000" baseline="-25000" dirty="0"/>
-          </a:p>
-        </p:txBody>
-      </p:sp>
-      <p:sp>
-        <p:nvSpPr>
-          <p:cNvPr id="45" name="Rectangle 44"/>
-          <p:cNvSpPr/>
-          <p:nvPr/>
-        </p:nvSpPr>
-        <p:spPr>
-          <a:xfrm>
-            <a:off x="5777896" y="3824663"/>
-            <a:ext cx="789460" cy="770964"/>
-          </a:xfrm>
-          <a:prstGeom prst="rect">
-            <a:avLst/>
-          </a:prstGeom>
-        </p:spPr>
-        <p:style>
-          <a:lnRef idx="2">
-            <a:schemeClr val="accent6"/>
-          </a:lnRef>
-          <a:fillRef idx="1">
-            <a:schemeClr val="lt1"/>
-          </a:fillRef>
-          <a:effectRef idx="0">
-            <a:schemeClr val="accent6"/>
-          </a:effectRef>
-          <a:fontRef idx="minor">
-            <a:schemeClr val="dk1"/>
-          </a:fontRef>
-        </p:style>
-        <p:txBody>
-          <a:bodyPr rtlCol="0" anchor="ctr"/>
-          <a:lstStyle/>
-          <a:p>
-            <a:pPr algn="ctr"/>
-            <a:endParaRPr lang="en-US"/>
-          </a:p>
-        </p:txBody>
-      </p:sp>
-      <p:sp>
-        <p:nvSpPr>
-          <p:cNvPr id="46" name="TextBox 45"/>
-          <p:cNvSpPr txBox="1"/>
-          <p:nvPr/>
-        </p:nvSpPr>
-        <p:spPr>
-          <a:xfrm>
-            <a:off x="5858347" y="3991725"/>
-            <a:ext cx="860291" cy="400110"/>
-          </a:xfrm>
-          <a:prstGeom prst="rect">
-            <a:avLst/>
-          </a:prstGeom>
-          <a:noFill/>
-        </p:spPr>
-        <p:txBody>
-          <a:bodyPr wrap="square" rtlCol="0">
-            <a:spAutoFit/>
-          </a:bodyPr>
-          <a:lstStyle/>
-          <a:p>
-            <a:r>
-              <a:rPr lang="en-US" sz="3000" baseline="-25000" dirty="0"/>
-              <a:t>H</a:t>
-            </a:r>
-            <a:r>
-              <a:rPr lang="en-US" sz="3000" baseline="-25000" dirty="0" smtClean="0"/>
-              <a:t>𝛔(5)</a:t>
-            </a:r>
-            <a:endParaRPr lang="en-US" sz="3000" baseline="-25000" dirty="0"/>
-          </a:p>
-        </p:txBody>
-      </p:sp>
-      <p:sp>
-        <p:nvSpPr>
-          <p:cNvPr id="47" name="Rectangle 46"/>
-          <p:cNvSpPr/>
-          <p:nvPr/>
-        </p:nvSpPr>
-        <p:spPr>
-          <a:xfrm>
-            <a:off x="7364920" y="3824663"/>
-            <a:ext cx="789460" cy="770964"/>
-          </a:xfrm>
-          <a:prstGeom prst="rect">
-            <a:avLst/>
-          </a:prstGeom>
-        </p:spPr>
-        <p:style>
-          <a:lnRef idx="2">
-            <a:schemeClr val="accent6"/>
-          </a:lnRef>
-          <a:fillRef idx="1">
-            <a:schemeClr val="lt1"/>
-          </a:fillRef>
-          <a:effectRef idx="0">
-            <a:schemeClr val="accent6"/>
-          </a:effectRef>
-          <a:fontRef idx="minor">
-            <a:schemeClr val="dk1"/>
-          </a:fontRef>
-        </p:style>
-        <p:txBody>
-          <a:bodyPr rtlCol="0" anchor="ctr"/>
-          <a:lstStyle/>
-          <a:p>
-            <a:pPr algn="ctr"/>
-            <a:endParaRPr lang="en-US"/>
-          </a:p>
-        </p:txBody>
-      </p:sp>
-      <p:sp>
-        <p:nvSpPr>
-          <p:cNvPr id="48" name="TextBox 47"/>
-          <p:cNvSpPr txBox="1"/>
-          <p:nvPr/>
-        </p:nvSpPr>
-        <p:spPr>
-          <a:xfrm>
-            <a:off x="7418874" y="3991725"/>
-            <a:ext cx="860291" cy="400110"/>
-          </a:xfrm>
-          <a:prstGeom prst="rect">
-            <a:avLst/>
-          </a:prstGeom>
-          <a:noFill/>
-        </p:spPr>
-        <p:txBody>
-          <a:bodyPr wrap="square" rtlCol="0">
-            <a:spAutoFit/>
-          </a:bodyPr>
-          <a:lstStyle/>
-          <a:p>
-            <a:r>
-              <a:rPr lang="en-US" sz="3000" baseline="-25000" dirty="0"/>
-              <a:t>H</a:t>
-            </a:r>
-            <a:r>
-              <a:rPr lang="en-US" sz="3000" baseline="-25000" dirty="0" smtClean="0"/>
-              <a:t>𝛔(6)</a:t>
-            </a:r>
-            <a:endParaRPr lang="en-US" sz="3000" baseline="-25000" dirty="0"/>
-          </a:p>
-        </p:txBody>
-      </p:sp>
-      <p:sp>
-        <p:nvSpPr>
-          <p:cNvPr id="49" name="Rectangle 48"/>
-          <p:cNvSpPr/>
-          <p:nvPr/>
-        </p:nvSpPr>
-        <p:spPr>
-          <a:xfrm>
-            <a:off x="4151778" y="3048001"/>
-            <a:ext cx="789460" cy="770964"/>
-          </a:xfrm>
-          <a:prstGeom prst="rect">
-            <a:avLst/>
-          </a:prstGeom>
-        </p:spPr>
-        <p:style>
-          <a:lnRef idx="2">
-            <a:schemeClr val="accent6"/>
-          </a:lnRef>
-          <a:fillRef idx="1">
-            <a:schemeClr val="lt1"/>
-          </a:fillRef>
-          <a:effectRef idx="0">
-            <a:schemeClr val="accent6"/>
-          </a:effectRef>
-          <a:fontRef idx="minor">
-            <a:schemeClr val="dk1"/>
-          </a:fontRef>
-        </p:style>
-        <p:txBody>
-          <a:bodyPr rtlCol="0" anchor="ctr"/>
-          <a:lstStyle/>
-          <a:p>
-            <a:pPr algn="ctr"/>
-            <a:endParaRPr lang="en-US"/>
-          </a:p>
-        </p:txBody>
-      </p:sp>
-      <p:sp>
-        <p:nvSpPr>
-          <p:cNvPr id="50" name="TextBox 49"/>
-          <p:cNvSpPr txBox="1"/>
-          <p:nvPr/>
-        </p:nvSpPr>
-        <p:spPr>
-          <a:xfrm>
-            <a:off x="4325765" y="3197969"/>
-            <a:ext cx="860291" cy="400110"/>
-          </a:xfrm>
-          <a:prstGeom prst="rect">
-            <a:avLst/>
-          </a:prstGeom>
-          <a:noFill/>
-        </p:spPr>
-        <p:txBody>
-          <a:bodyPr wrap="square" rtlCol="0">
-            <a:spAutoFit/>
-          </a:bodyPr>
-          <a:lstStyle/>
-          <a:p>
-            <a:r>
-              <a:rPr lang="en-US" sz="3000" baseline="-25000" dirty="0"/>
-              <a:t>H</a:t>
-            </a:r>
-          </a:p>
-        </p:txBody>
-      </p:sp>
-      <p:sp>
-        <p:nvSpPr>
-          <p:cNvPr id="51" name="TextBox 50"/>
-          <p:cNvSpPr txBox="1"/>
-          <p:nvPr/>
-        </p:nvSpPr>
-        <p:spPr>
-          <a:xfrm>
-            <a:off x="2860509" y="3099430"/>
-            <a:ext cx="1185349" cy="400110"/>
-          </a:xfrm>
-          <a:prstGeom prst="rect">
-            <a:avLst/>
-          </a:prstGeom>
-          <a:noFill/>
-        </p:spPr>
-        <p:txBody>
-          <a:bodyPr wrap="square" rtlCol="0">
-            <a:spAutoFit/>
-          </a:bodyPr>
-          <a:lstStyle/>
-          <a:p>
-            <a:r>
-              <a:rPr lang="en-US" sz="3000" baseline="-25000" dirty="0">
-                <a:solidFill>
-                  <a:schemeClr val="bg1"/>
-                </a:solidFill>
-              </a:rPr>
-              <a:t>?</a:t>
-            </a:r>
-          </a:p>
-        </p:txBody>
-      </p:sp>
-      <p:sp>
-        <p:nvSpPr>
-          <p:cNvPr id="52" name="TextBox 51"/>
-          <p:cNvSpPr txBox="1"/>
-          <p:nvPr/>
-        </p:nvSpPr>
-        <p:spPr>
-          <a:xfrm>
-            <a:off x="5186056" y="3140967"/>
-            <a:ext cx="1185349" cy="400110"/>
-          </a:xfrm>
-          <a:prstGeom prst="rect">
-            <a:avLst/>
-          </a:prstGeom>
-          <a:noFill/>
-        </p:spPr>
-        <p:txBody>
-          <a:bodyPr wrap="square" rtlCol="0">
-            <a:spAutoFit/>
-          </a:bodyPr>
-          <a:lstStyle/>
-          <a:p>
-            <a:r>
-              <a:rPr lang="en-US" sz="3000" baseline="-25000" dirty="0">
-                <a:solidFill>
-                  <a:schemeClr val="bg1"/>
-                </a:solidFill>
-              </a:rPr>
-              <a:t>?</a:t>
-            </a:r>
-          </a:p>
-        </p:txBody>
-      </p:sp>
-      <p:sp>
-        <p:nvSpPr>
-          <p:cNvPr id="53" name="TextBox 52"/>
-          <p:cNvSpPr txBox="1"/>
-          <p:nvPr/>
-        </p:nvSpPr>
-        <p:spPr>
-          <a:xfrm>
-            <a:off x="6016685" y="3181291"/>
-            <a:ext cx="1185349" cy="400110"/>
-          </a:xfrm>
-          <a:prstGeom prst="rect">
-            <a:avLst/>
-          </a:prstGeom>
-          <a:noFill/>
-        </p:spPr>
-        <p:txBody>
-          <a:bodyPr wrap="square" rtlCol="0">
-            <a:spAutoFit/>
-          </a:bodyPr>
-          <a:lstStyle/>
-          <a:p>
-            <a:r>
-              <a:rPr lang="en-US" sz="3000" baseline="-25000" dirty="0">
-                <a:solidFill>
-                  <a:schemeClr val="bg1"/>
-                </a:solidFill>
-              </a:rPr>
-              <a:t>?</a:t>
-            </a:r>
-          </a:p>
-        </p:txBody>
-      </p:sp>
-      <p:sp>
-        <p:nvSpPr>
-          <p:cNvPr id="54" name="TextBox 53"/>
-          <p:cNvSpPr txBox="1"/>
-          <p:nvPr/>
-        </p:nvSpPr>
-        <p:spPr>
-          <a:xfrm>
-            <a:off x="1330950" y="3980329"/>
-            <a:ext cx="1185349" cy="400110"/>
-          </a:xfrm>
-          <a:prstGeom prst="rect">
-            <a:avLst/>
-          </a:prstGeom>
-          <a:noFill/>
-        </p:spPr>
-        <p:txBody>
-          <a:bodyPr wrap="square" rtlCol="0">
-            <a:spAutoFit/>
-          </a:bodyPr>
-          <a:lstStyle/>
-          <a:p>
-            <a:r>
-              <a:rPr lang="en-US" sz="3000" baseline="-25000" dirty="0">
-                <a:solidFill>
-                  <a:schemeClr val="bg1"/>
-                </a:solidFill>
-              </a:rPr>
-              <a:t>?</a:t>
-            </a:r>
-          </a:p>
-        </p:txBody>
-      </p:sp>
-      <p:sp>
-        <p:nvSpPr>
-          <p:cNvPr id="55" name="TextBox 54"/>
-          <p:cNvSpPr txBox="1"/>
-          <p:nvPr/>
-        </p:nvSpPr>
-        <p:spPr>
-          <a:xfrm>
-            <a:off x="4433790" y="1794239"/>
-            <a:ext cx="1185349" cy="400110"/>
-          </a:xfrm>
-          <a:prstGeom prst="rect">
-            <a:avLst/>
-          </a:prstGeom>
-          <a:noFill/>
-        </p:spPr>
-        <p:txBody>
-          <a:bodyPr wrap="square" rtlCol="0">
-            <a:spAutoFit/>
-          </a:bodyPr>
-          <a:lstStyle/>
-          <a:p>
-            <a:r>
-              <a:rPr lang="en-US" sz="3000" baseline="-25000" dirty="0">
-                <a:solidFill>
-                  <a:schemeClr val="bg1"/>
-                </a:solidFill>
-              </a:rPr>
-              <a:t>?</a:t>
-            </a:r>
-          </a:p>
-        </p:txBody>
-      </p:sp>
-      <p:sp>
-        <p:nvSpPr>
-          <p:cNvPr id="56" name="TextBox 55"/>
-          <p:cNvSpPr txBox="1"/>
-          <p:nvPr/>
-        </p:nvSpPr>
-        <p:spPr>
-          <a:xfrm>
-            <a:off x="7480638" y="3409891"/>
-            <a:ext cx="1185349" cy="400110"/>
-          </a:xfrm>
-          <a:prstGeom prst="rect">
-            <a:avLst/>
-          </a:prstGeom>
-          <a:noFill/>
-        </p:spPr>
-        <p:txBody>
-          <a:bodyPr wrap="square" rtlCol="0">
-            <a:spAutoFit/>
-          </a:bodyPr>
-          <a:lstStyle/>
-          <a:p>
-            <a:r>
-              <a:rPr lang="en-US" sz="3000" baseline="-25000" dirty="0">
-                <a:solidFill>
-                  <a:schemeClr val="bg1"/>
-                </a:solidFill>
-              </a:rPr>
-              <a:t>?</a:t>
-            </a:r>
-          </a:p>
-        </p:txBody>
-      </p:sp>
-      <p:sp>
-        <p:nvSpPr>
-          <p:cNvPr id="57" name="TextBox 56"/>
-          <p:cNvSpPr txBox="1"/>
-          <p:nvPr/>
-        </p:nvSpPr>
-        <p:spPr>
-          <a:xfrm>
-            <a:off x="8403685" y="3310594"/>
-            <a:ext cx="1185349" cy="400110"/>
-          </a:xfrm>
-          <a:prstGeom prst="rect">
-            <a:avLst/>
-          </a:prstGeom>
-          <a:noFill/>
-        </p:spPr>
-        <p:txBody>
-          <a:bodyPr wrap="square" rtlCol="0">
-            <a:spAutoFit/>
-          </a:bodyPr>
-          <a:lstStyle/>
-          <a:p>
-            <a:r>
-              <a:rPr lang="en-US" sz="3000" baseline="-25000" dirty="0">
-                <a:solidFill>
-                  <a:schemeClr val="bg1"/>
-                </a:solidFill>
-              </a:rPr>
-              <a:t>?</a:t>
-            </a:r>
-          </a:p>
-        </p:txBody>
-      </p:sp>
-      <p:sp>
-        <p:nvSpPr>
-          <p:cNvPr id="58" name="TextBox 57"/>
-          <p:cNvSpPr txBox="1"/>
-          <p:nvPr/>
-        </p:nvSpPr>
-        <p:spPr>
-          <a:xfrm>
-            <a:off x="7785438" y="3714691"/>
-            <a:ext cx="1185349" cy="400110"/>
-          </a:xfrm>
-          <a:prstGeom prst="rect">
-            <a:avLst/>
-          </a:prstGeom>
-          <a:noFill/>
-        </p:spPr>
-        <p:txBody>
-          <a:bodyPr wrap="square" rtlCol="0">
-            <a:spAutoFit/>
-          </a:bodyPr>
-          <a:lstStyle/>
-          <a:p>
-            <a:r>
-              <a:rPr lang="en-US" sz="3000" baseline="-25000" dirty="0">
-                <a:solidFill>
-                  <a:schemeClr val="bg1"/>
-                </a:solidFill>
-              </a:rPr>
-              <a:t>?</a:t>
-            </a:r>
-          </a:p>
-        </p:txBody>
-      </p:sp>
-      <p:sp>
-        <p:nvSpPr>
-          <p:cNvPr id="59" name="TextBox 58"/>
-          <p:cNvSpPr txBox="1"/>
-          <p:nvPr/>
-        </p:nvSpPr>
-        <p:spPr>
-          <a:xfrm>
-            <a:off x="7937838" y="3867091"/>
-            <a:ext cx="1185349" cy="400110"/>
-          </a:xfrm>
-          <a:prstGeom prst="rect">
-            <a:avLst/>
-          </a:prstGeom>
-          <a:noFill/>
-        </p:spPr>
-        <p:txBody>
-          <a:bodyPr wrap="square" rtlCol="0">
-            <a:spAutoFit/>
-          </a:bodyPr>
-          <a:lstStyle/>
-          <a:p>
-            <a:r>
-              <a:rPr lang="en-US" sz="3000" baseline="-25000" dirty="0">
-                <a:solidFill>
-                  <a:schemeClr val="bg1"/>
-                </a:solidFill>
-              </a:rPr>
-              <a:t>?</a:t>
-            </a:r>
-          </a:p>
-        </p:txBody>
-      </p:sp>
-      <p:sp>
-        <p:nvSpPr>
-          <p:cNvPr id="60" name="TextBox 59"/>
-          <p:cNvSpPr txBox="1"/>
-          <p:nvPr/>
-        </p:nvSpPr>
-        <p:spPr>
-          <a:xfrm>
-            <a:off x="8090238" y="4019491"/>
-            <a:ext cx="1185349" cy="400110"/>
-          </a:xfrm>
-          <a:prstGeom prst="rect">
-            <a:avLst/>
-          </a:prstGeom>
-          <a:noFill/>
-        </p:spPr>
-        <p:txBody>
-          <a:bodyPr wrap="square" rtlCol="0">
-            <a:spAutoFit/>
-          </a:bodyPr>
-          <a:lstStyle/>
-          <a:p>
-            <a:r>
-              <a:rPr lang="en-US" sz="3000" baseline="-25000" dirty="0">
-                <a:solidFill>
-                  <a:schemeClr val="bg1"/>
-                </a:solidFill>
-              </a:rPr>
-              <a:t>?</a:t>
-            </a:r>
-          </a:p>
-        </p:txBody>
-      </p:sp>
-      <p:sp>
-        <p:nvSpPr>
-          <p:cNvPr id="61" name="TextBox 60"/>
-          <p:cNvSpPr txBox="1"/>
-          <p:nvPr/>
-        </p:nvSpPr>
-        <p:spPr>
-          <a:xfrm>
-            <a:off x="8242638" y="4171891"/>
-            <a:ext cx="1185349" cy="400110"/>
-          </a:xfrm>
-          <a:prstGeom prst="rect">
-            <a:avLst/>
-          </a:prstGeom>
-          <a:noFill/>
-        </p:spPr>
-        <p:txBody>
-          <a:bodyPr wrap="square" rtlCol="0">
-            <a:spAutoFit/>
-          </a:bodyPr>
-          <a:lstStyle/>
-          <a:p>
-            <a:r>
-              <a:rPr lang="en-US" sz="3000" baseline="-25000" dirty="0">
-                <a:solidFill>
-                  <a:schemeClr val="bg1"/>
-                </a:solidFill>
-              </a:rPr>
-              <a:t>?</a:t>
-            </a:r>
-          </a:p>
-        </p:txBody>
-      </p:sp>
-      <p:sp>
-        <p:nvSpPr>
-          <p:cNvPr id="62" name="TextBox 61"/>
-          <p:cNvSpPr txBox="1"/>
-          <p:nvPr/>
-        </p:nvSpPr>
-        <p:spPr>
-          <a:xfrm>
-            <a:off x="8300266" y="4736631"/>
-            <a:ext cx="1185349" cy="400110"/>
-          </a:xfrm>
-          <a:prstGeom prst="rect">
-            <a:avLst/>
-          </a:prstGeom>
-          <a:noFill/>
-        </p:spPr>
-        <p:txBody>
-          <a:bodyPr wrap="square" rtlCol="0">
-            <a:spAutoFit/>
-          </a:bodyPr>
-          <a:lstStyle/>
-          <a:p>
-            <a:r>
-              <a:rPr lang="en-US" sz="3000" baseline="-25000" dirty="0">
-                <a:solidFill>
-                  <a:schemeClr val="bg1"/>
-                </a:solidFill>
-              </a:rPr>
-              <a:t>?</a:t>
-            </a:r>
-          </a:p>
-        </p:txBody>
-      </p:sp>
-      <p:sp>
-        <p:nvSpPr>
-          <p:cNvPr id="63" name="TextBox 62"/>
-          <p:cNvSpPr txBox="1"/>
-          <p:nvPr/>
-        </p:nvSpPr>
-        <p:spPr>
-          <a:xfrm>
-            <a:off x="9854531" y="4019491"/>
-            <a:ext cx="1185349" cy="400110"/>
-          </a:xfrm>
-          <a:prstGeom prst="rect">
-            <a:avLst/>
-          </a:prstGeom>
-          <a:noFill/>
-        </p:spPr>
-        <p:txBody>
-          <a:bodyPr wrap="square" rtlCol="0">
-            <a:spAutoFit/>
-          </a:bodyPr>
-          <a:lstStyle/>
-          <a:p>
-            <a:r>
-              <a:rPr lang="en-US" sz="3000" baseline="-25000" dirty="0">
-                <a:solidFill>
-                  <a:schemeClr val="bg1"/>
-                </a:solidFill>
-              </a:rPr>
-              <a:t>?</a:t>
-            </a:r>
-          </a:p>
-        </p:txBody>
-      </p:sp>
-      <p:sp>
-        <p:nvSpPr>
-          <p:cNvPr id="64" name="TextBox 63"/>
-          <p:cNvSpPr txBox="1"/>
-          <p:nvPr/>
-        </p:nvSpPr>
-        <p:spPr>
-          <a:xfrm>
-            <a:off x="6954446" y="4674351"/>
-            <a:ext cx="1185349" cy="400110"/>
-          </a:xfrm>
-          <a:prstGeom prst="rect">
-            <a:avLst/>
-          </a:prstGeom>
-          <a:noFill/>
-        </p:spPr>
-        <p:txBody>
-          <a:bodyPr wrap="square" rtlCol="0">
-            <a:spAutoFit/>
-          </a:bodyPr>
-          <a:lstStyle/>
-          <a:p>
-            <a:r>
-              <a:rPr lang="en-US" sz="3000" baseline="-25000" dirty="0">
-                <a:solidFill>
-                  <a:schemeClr val="bg1"/>
-                </a:solidFill>
-              </a:rPr>
-              <a:t>?</a:t>
-            </a:r>
-          </a:p>
-        </p:txBody>
-      </p:sp>
-      <p:sp>
-        <p:nvSpPr>
-          <p:cNvPr id="65" name="TextBox 64"/>
-          <p:cNvSpPr txBox="1"/>
-          <p:nvPr/>
-        </p:nvSpPr>
-        <p:spPr>
-          <a:xfrm>
-            <a:off x="6029083" y="4715034"/>
-            <a:ext cx="1185349" cy="400110"/>
-          </a:xfrm>
-          <a:prstGeom prst="rect">
-            <a:avLst/>
-          </a:prstGeom>
-          <a:noFill/>
-        </p:spPr>
-        <p:txBody>
-          <a:bodyPr wrap="square" rtlCol="0">
-            <a:spAutoFit/>
-          </a:bodyPr>
-          <a:lstStyle/>
-          <a:p>
-            <a:r>
-              <a:rPr lang="en-US" sz="3000" baseline="-25000" dirty="0">
-                <a:solidFill>
-                  <a:schemeClr val="bg1"/>
-                </a:solidFill>
-              </a:rPr>
-              <a:t>?</a:t>
-            </a:r>
-          </a:p>
-        </p:txBody>
-      </p:sp>
-      <p:sp>
-        <p:nvSpPr>
-          <p:cNvPr id="66" name="TextBox 65"/>
-          <p:cNvSpPr txBox="1"/>
-          <p:nvPr/>
-        </p:nvSpPr>
-        <p:spPr>
-          <a:xfrm>
-            <a:off x="5103143" y="4839763"/>
-            <a:ext cx="1185349" cy="400110"/>
-          </a:xfrm>
-          <a:prstGeom prst="rect">
-            <a:avLst/>
-          </a:prstGeom>
-          <a:noFill/>
-        </p:spPr>
-        <p:txBody>
-          <a:bodyPr wrap="square" rtlCol="0">
-            <a:spAutoFit/>
-          </a:bodyPr>
-          <a:lstStyle/>
-          <a:p>
-            <a:r>
-              <a:rPr lang="en-US" sz="3000" baseline="-25000" dirty="0">
-                <a:solidFill>
-                  <a:schemeClr val="bg1"/>
-                </a:solidFill>
-              </a:rPr>
-              <a:t>?</a:t>
-            </a:r>
-          </a:p>
-        </p:txBody>
-      </p:sp>
-      <p:sp>
-        <p:nvSpPr>
-          <p:cNvPr id="67" name="Rectangle 66"/>
-          <p:cNvSpPr/>
-          <p:nvPr/>
-        </p:nvSpPr>
-        <p:spPr>
-          <a:xfrm>
-            <a:off x="8957057" y="3813267"/>
-            <a:ext cx="789460" cy="770964"/>
-          </a:xfrm>
-          <a:prstGeom prst="rect">
-            <a:avLst/>
-          </a:prstGeom>
-        </p:spPr>
-        <p:style>
-          <a:lnRef idx="2">
-            <a:schemeClr val="accent6"/>
-          </a:lnRef>
-          <a:fillRef idx="1">
-            <a:schemeClr val="lt1"/>
-          </a:fillRef>
-          <a:effectRef idx="0">
-            <a:schemeClr val="accent6"/>
-          </a:effectRef>
-          <a:fontRef idx="minor">
-            <a:schemeClr val="dk1"/>
-          </a:fontRef>
-        </p:style>
-        <p:txBody>
-          <a:bodyPr rtlCol="0" anchor="ctr"/>
-          <a:lstStyle/>
-          <a:p>
-            <a:pPr algn="ctr"/>
-            <a:endParaRPr lang="en-US"/>
-          </a:p>
-        </p:txBody>
-      </p:sp>
-      <p:sp>
-        <p:nvSpPr>
-          <p:cNvPr id="68" name="Rectangle 67"/>
-          <p:cNvSpPr/>
-          <p:nvPr/>
-        </p:nvSpPr>
-        <p:spPr>
-          <a:xfrm>
-            <a:off x="1766963" y="3813269"/>
-            <a:ext cx="789460" cy="770964"/>
-          </a:xfrm>
-          <a:prstGeom prst="rect">
-            <a:avLst/>
-          </a:prstGeom>
-        </p:spPr>
-        <p:style>
-          <a:lnRef idx="2">
-            <a:schemeClr val="accent6"/>
-          </a:lnRef>
-          <a:fillRef idx="1">
-            <a:schemeClr val="lt1"/>
-          </a:fillRef>
-          <a:effectRef idx="0">
-            <a:schemeClr val="accent6"/>
-          </a:effectRef>
-          <a:fontRef idx="minor">
-            <a:schemeClr val="dk1"/>
-          </a:fontRef>
-        </p:style>
-        <p:txBody>
-          <a:bodyPr rtlCol="0" anchor="ctr"/>
-          <a:lstStyle/>
-          <a:p>
-            <a:pPr algn="ctr"/>
-            <a:endParaRPr lang="en-US"/>
-          </a:p>
-        </p:txBody>
-      </p:sp>
-      <p:sp>
-        <p:nvSpPr>
-          <p:cNvPr id="69" name="Rectangle 68"/>
-          <p:cNvSpPr/>
-          <p:nvPr/>
-        </p:nvSpPr>
-        <p:spPr>
-          <a:xfrm>
-            <a:off x="4151778" y="2256713"/>
-            <a:ext cx="789460" cy="770964"/>
-          </a:xfrm>
-          <a:prstGeom prst="rect">
-            <a:avLst/>
-          </a:prstGeom>
-        </p:spPr>
-        <p:style>
-          <a:lnRef idx="2">
-            <a:schemeClr val="accent6"/>
-          </a:lnRef>
-          <a:fillRef idx="1">
-            <a:schemeClr val="lt1"/>
-          </a:fillRef>
-          <a:effectRef idx="0">
-            <a:schemeClr val="accent6"/>
-          </a:effectRef>
-          <a:fontRef idx="minor">
-            <a:schemeClr val="dk1"/>
-          </a:fontRef>
-        </p:style>
-        <p:txBody>
-          <a:bodyPr rtlCol="0" anchor="ctr"/>
-          <a:lstStyle/>
-          <a:p>
-            <a:pPr algn="ctr"/>
-            <a:endParaRPr lang="en-US"/>
-          </a:p>
-        </p:txBody>
-      </p:sp>
-      <p:sp>
-        <p:nvSpPr>
-          <p:cNvPr id="70" name="Rectangle 69"/>
-          <p:cNvSpPr/>
-          <p:nvPr/>
-        </p:nvSpPr>
-        <p:spPr>
-          <a:xfrm>
-            <a:off x="4153212" y="4606987"/>
-            <a:ext cx="789460" cy="770964"/>
-          </a:xfrm>
-          <a:prstGeom prst="rect">
-            <a:avLst/>
-          </a:prstGeom>
-        </p:spPr>
-        <p:style>
-          <a:lnRef idx="2">
-            <a:schemeClr val="accent6"/>
-          </a:lnRef>
-          <a:fillRef idx="1">
-            <a:schemeClr val="lt1"/>
-          </a:fillRef>
-          <a:effectRef idx="0">
-            <a:schemeClr val="accent6"/>
-          </a:effectRef>
-          <a:fontRef idx="minor">
-            <a:schemeClr val="dk1"/>
-          </a:fontRef>
-        </p:style>
-        <p:txBody>
-          <a:bodyPr rtlCol="0" anchor="ctr"/>
-          <a:lstStyle/>
-          <a:p>
-            <a:pPr algn="ctr"/>
-            <a:endParaRPr lang="en-US"/>
-          </a:p>
-        </p:txBody>
-      </p:sp>
-      <p:sp>
-        <p:nvSpPr>
-          <p:cNvPr id="72" name="Title 1"/>
-          <p:cNvSpPr>
-            <a:spLocks noGrp="1"/>
-          </p:cNvSpPr>
-          <p:nvPr>
-            <p:ph type="title"/>
-          </p:nvPr>
-        </p:nvSpPr>
-        <p:spPr>
-          <a:xfrm>
-            <a:off x="438017" y="440910"/>
-            <a:ext cx="10515600" cy="1325563"/>
-          </a:xfrm>
-        </p:spPr>
-        <p:txBody>
-          <a:bodyPr/>
-          <a:lstStyle/>
-          <a:p>
-            <a:pPr algn="ctr"/>
-            <a:r>
-              <a:rPr lang="en-US" dirty="0" smtClean="0">
-                <a:solidFill>
-                  <a:schemeClr val="bg1"/>
-                </a:solidFill>
-              </a:rPr>
-              <a:t>Visual Intuition</a:t>
-            </a:r>
-            <a:endParaRPr lang="en-US" dirty="0">
-              <a:solidFill>
-                <a:schemeClr val="bg1"/>
-              </a:solidFill>
-            </a:endParaRPr>
-          </a:p>
-        </p:txBody>
-      </p:sp>
-    </p:spTree>
-    <p:extLst>
-      <p:ext uri="{BB962C8B-B14F-4D97-AF65-F5344CB8AC3E}">
-        <p14:creationId xmlns:p14="http://schemas.microsoft.com/office/powerpoint/2010/main" val="1178529299"/>
-      </p:ext>
-    </p:extLst>
-  </p:cSld>
-  <p:clrMapOvr>
-    <a:masterClrMapping/>
-  </p:clrMapOvr>
-</p:sld>
-</file>
-
-<file path=ppt/slides/slide11.xml><?xml version="1.0" encoding="utf-8"?>
-<p:sld xmlns:a="http://schemas.openxmlformats.org/drawingml/2006/main" xmlns:r="http://schemas.openxmlformats.org/officeDocument/2006/relationships" xmlns:p="http://schemas.openxmlformats.org/presentationml/2006/main">
-  <p:cSld>
-    <p:spTree>
-      <p:nvGrpSpPr>
-        <p:cNvPr id="1" name=""/>
-        <p:cNvGrpSpPr/>
-        <p:nvPr/>
-      </p:nvGrpSpPr>
-      <p:grpSpPr>
-        <a:xfrm>
-          <a:off x="0" y="0"/>
-          <a:ext cx="0" cy="0"/>
-          <a:chOff x="0" y="0"/>
-          <a:chExt cx="0" cy="0"/>
-        </a:xfrm>
-      </p:grpSpPr>
-      <p:sp>
-        <p:nvSpPr>
-          <p:cNvPr id="2" name="Title 1"/>
-          <p:cNvSpPr>
-            <a:spLocks noGrp="1"/>
-          </p:cNvSpPr>
-          <p:nvPr>
-            <p:ph type="title"/>
-          </p:nvPr>
-        </p:nvSpPr>
-        <p:spPr/>
-        <p:txBody>
-          <a:bodyPr/>
-          <a:lstStyle/>
-          <a:p>
-            <a:endParaRPr lang="en-US"/>
-          </a:p>
-        </p:txBody>
-      </p:sp>
-      <p:sp>
-        <p:nvSpPr>
-          <p:cNvPr id="3" name="Content Placeholder 2"/>
-          <p:cNvSpPr>
-            <a:spLocks noGrp="1"/>
-          </p:cNvSpPr>
-          <p:nvPr>
-            <p:ph idx="1"/>
-          </p:nvPr>
-        </p:nvSpPr>
-        <p:spPr/>
-        <p:txBody>
-          <a:bodyPr/>
-          <a:lstStyle/>
-          <a:p>
-            <a:endParaRPr lang="en-US"/>
-          </a:p>
-        </p:txBody>
-      </p:sp>
-    </p:spTree>
-    <p:extLst>
-      <p:ext uri="{BB962C8B-B14F-4D97-AF65-F5344CB8AC3E}">
-        <p14:creationId xmlns:p14="http://schemas.microsoft.com/office/powerpoint/2010/main" val="1094930396"/>
-      </p:ext>
-    </p:extLst>
-  </p:cSld>
-  <p:clrMapOvr>
-    <a:masterClrMapping/>
-  </p:clrMapOvr>
-</p:sld>
-</file>
-
-<file path=ppt/slides/slide12.xml><?xml version="1.0" encoding="utf-8"?>
-<p:sld xmlns:a="http://schemas.openxmlformats.org/drawingml/2006/main" xmlns:r="http://schemas.openxmlformats.org/officeDocument/2006/relationships" xmlns:p="http://schemas.openxmlformats.org/presentationml/2006/main">
-  <p:cSld>
-    <p:spTree>
-      <p:nvGrpSpPr>
-        <p:cNvPr id="1" name=""/>
-        <p:cNvGrpSpPr/>
-        <p:nvPr/>
-      </p:nvGrpSpPr>
-      <p:grpSpPr>
-        <a:xfrm>
-          <a:off x="0" y="0"/>
-          <a:ext cx="0" cy="0"/>
-          <a:chOff x="0" y="0"/>
-          <a:chExt cx="0" cy="0"/>
-        </a:xfrm>
-      </p:grpSpPr>
-      <p:sp>
-        <p:nvSpPr>
-          <p:cNvPr id="2" name="Title 1"/>
-          <p:cNvSpPr>
-            <a:spLocks noGrp="1"/>
-          </p:cNvSpPr>
-          <p:nvPr>
-            <p:ph type="title"/>
-          </p:nvPr>
-        </p:nvSpPr>
-        <p:spPr/>
-        <p:txBody>
-          <a:bodyPr/>
-          <a:lstStyle/>
-          <a:p>
-            <a:endParaRPr lang="en-US"/>
-          </a:p>
-        </p:txBody>
-      </p:sp>
-      <p:sp>
-        <p:nvSpPr>
-          <p:cNvPr id="3" name="Content Placeholder 2"/>
-          <p:cNvSpPr>
-            <a:spLocks noGrp="1"/>
-          </p:cNvSpPr>
-          <p:nvPr>
-            <p:ph idx="1"/>
-          </p:nvPr>
-        </p:nvSpPr>
-        <p:spPr/>
-        <p:txBody>
-          <a:bodyPr/>
-          <a:lstStyle/>
-          <a:p>
-            <a:endParaRPr lang="en-US"/>
-          </a:p>
-        </p:txBody>
-      </p:sp>
-    </p:spTree>
-    <p:extLst>
-      <p:ext uri="{BB962C8B-B14F-4D97-AF65-F5344CB8AC3E}">
-        <p14:creationId xmlns:p14="http://schemas.microsoft.com/office/powerpoint/2010/main" val="989047470"/>
-      </p:ext>
-    </p:extLst>
-  </p:cSld>
-  <p:clrMapOvr>
-    <a:masterClrMapping/>
-  </p:clrMapOvr>
-</p:sld>
-</file>
-
-<file path=ppt/slides/slide13.xml><?xml version="1.0" encoding="utf-8"?>
-<p:sld xmlns:a="http://schemas.openxmlformats.org/drawingml/2006/main" xmlns:r="http://schemas.openxmlformats.org/officeDocument/2006/relationships" xmlns:p="http://schemas.openxmlformats.org/presentationml/2006/main">
-  <p:cSld>
-    <p:spTree>
-      <p:nvGrpSpPr>
-        <p:cNvPr id="1" name=""/>
-        <p:cNvGrpSpPr/>
-        <p:nvPr/>
-      </p:nvGrpSpPr>
-      <p:grpSpPr>
-        <a:xfrm>
-          <a:off x="0" y="0"/>
-          <a:ext cx="0" cy="0"/>
-          <a:chOff x="0" y="0"/>
-          <a:chExt cx="0" cy="0"/>
-        </a:xfrm>
-      </p:grpSpPr>
-      <p:sp>
-        <p:nvSpPr>
-          <p:cNvPr id="2" name="Title 1"/>
-          <p:cNvSpPr>
-            <a:spLocks noGrp="1"/>
-          </p:cNvSpPr>
-          <p:nvPr>
-            <p:ph type="title"/>
-          </p:nvPr>
-        </p:nvSpPr>
-        <p:spPr/>
-        <p:txBody>
-          <a:bodyPr/>
-          <a:lstStyle/>
-          <a:p>
-            <a:endParaRPr lang="en-US"/>
-          </a:p>
-        </p:txBody>
-      </p:sp>
-      <p:sp>
-        <p:nvSpPr>
-          <p:cNvPr id="3" name="Content Placeholder 2"/>
-          <p:cNvSpPr>
-            <a:spLocks noGrp="1"/>
-          </p:cNvSpPr>
-          <p:nvPr>
-            <p:ph idx="1"/>
-          </p:nvPr>
-        </p:nvSpPr>
-        <p:spPr/>
-        <p:txBody>
-          <a:bodyPr/>
-          <a:lstStyle/>
-          <a:p>
-            <a:endParaRPr lang="en-US"/>
-          </a:p>
-        </p:txBody>
-      </p:sp>
-    </p:spTree>
-    <p:extLst>
-      <p:ext uri="{BB962C8B-B14F-4D97-AF65-F5344CB8AC3E}">
-        <p14:creationId xmlns:p14="http://schemas.microsoft.com/office/powerpoint/2010/main" val="1397400510"/>
-      </p:ext>
-    </p:extLst>
-  </p:cSld>
-  <p:clrMapOvr>
-    <a:masterClrMapping/>
-  </p:clrMapOvr>
-</p:sld>
-</file>
-
-<file path=ppt/slides/slide14.xml><?xml version="1.0" encoding="utf-8"?>
-<p:sld xmlns:a="http://schemas.openxmlformats.org/drawingml/2006/main" xmlns:r="http://schemas.openxmlformats.org/officeDocument/2006/relationships" xmlns:p="http://schemas.openxmlformats.org/presentationml/2006/main">
-  <p:cSld>
-    <p:spTree>
-      <p:nvGrpSpPr>
-        <p:cNvPr id="1" name=""/>
-        <p:cNvGrpSpPr/>
-        <p:nvPr/>
-      </p:nvGrpSpPr>
-      <p:grpSpPr>
-        <a:xfrm>
-          <a:off x="0" y="0"/>
-          <a:ext cx="0" cy="0"/>
-          <a:chOff x="0" y="0"/>
-          <a:chExt cx="0" cy="0"/>
-        </a:xfrm>
-      </p:grpSpPr>
-      <p:sp>
-        <p:nvSpPr>
-          <p:cNvPr id="2" name="Title 1"/>
-          <p:cNvSpPr>
-            <a:spLocks noGrp="1"/>
-          </p:cNvSpPr>
-          <p:nvPr>
-            <p:ph type="title"/>
-          </p:nvPr>
-        </p:nvSpPr>
-        <p:spPr/>
-        <p:txBody>
-          <a:bodyPr/>
-          <a:lstStyle/>
-          <a:p>
-            <a:endParaRPr lang="en-US"/>
-          </a:p>
-        </p:txBody>
-      </p:sp>
-      <p:sp>
-        <p:nvSpPr>
-          <p:cNvPr id="3" name="Content Placeholder 2"/>
-          <p:cNvSpPr>
-            <a:spLocks noGrp="1"/>
-          </p:cNvSpPr>
-          <p:nvPr>
-            <p:ph idx="1"/>
-          </p:nvPr>
-        </p:nvSpPr>
-        <p:spPr/>
-        <p:txBody>
-          <a:bodyPr/>
-          <a:lstStyle/>
-          <a:p>
-            <a:endParaRPr lang="en-US"/>
-          </a:p>
-        </p:txBody>
-      </p:sp>
-    </p:spTree>
-    <p:extLst>
-      <p:ext uri="{BB962C8B-B14F-4D97-AF65-F5344CB8AC3E}">
-        <p14:creationId xmlns:p14="http://schemas.microsoft.com/office/powerpoint/2010/main" val="1229207978"/>
-      </p:ext>
-    </p:extLst>
-  </p:cSld>
-  <p:clrMapOvr>
-    <a:masterClrMapping/>
-  </p:clrMapOvr>
-</p:sld>
-</file>
-
-<file path=ppt/slides/slide15.xml><?xml version="1.0" encoding="utf-8"?>
-<p:sld xmlns:a="http://schemas.openxmlformats.org/drawingml/2006/main" xmlns:r="http://schemas.openxmlformats.org/officeDocument/2006/relationships" xmlns:p="http://schemas.openxmlformats.org/presentationml/2006/main">
-  <p:cSld>
-    <p:spTree>
-      <p:nvGrpSpPr>
-        <p:cNvPr id="1" name=""/>
-        <p:cNvGrpSpPr/>
-        <p:nvPr/>
-      </p:nvGrpSpPr>
-      <p:grpSpPr>
-        <a:xfrm>
-          <a:off x="0" y="0"/>
-          <a:ext cx="0" cy="0"/>
-          <a:chOff x="0" y="0"/>
-          <a:chExt cx="0" cy="0"/>
-        </a:xfrm>
-      </p:grpSpPr>
-      <p:sp>
-        <p:nvSpPr>
-          <p:cNvPr id="2" name="Title 1"/>
-          <p:cNvSpPr>
-            <a:spLocks noGrp="1"/>
-          </p:cNvSpPr>
-          <p:nvPr>
-            <p:ph type="title"/>
-          </p:nvPr>
-        </p:nvSpPr>
-        <p:spPr/>
-        <p:txBody>
-          <a:bodyPr/>
-          <a:lstStyle/>
-          <a:p>
-            <a:endParaRPr lang="en-US"/>
-          </a:p>
-        </p:txBody>
-      </p:sp>
-      <p:sp>
-        <p:nvSpPr>
-          <p:cNvPr id="3" name="Content Placeholder 2"/>
-          <p:cNvSpPr>
-            <a:spLocks noGrp="1"/>
-          </p:cNvSpPr>
-          <p:nvPr>
-            <p:ph idx="1"/>
-          </p:nvPr>
-        </p:nvSpPr>
-        <p:spPr/>
-        <p:txBody>
-          <a:bodyPr/>
-          <a:lstStyle/>
-          <a:p>
-            <a:endParaRPr lang="en-US"/>
-          </a:p>
-        </p:txBody>
-      </p:sp>
-    </p:spTree>
-    <p:extLst>
-      <p:ext uri="{BB962C8B-B14F-4D97-AF65-F5344CB8AC3E}">
-        <p14:creationId xmlns:p14="http://schemas.microsoft.com/office/powerpoint/2010/main" val="505802106"/>
-      </p:ext>
-    </p:extLst>
-  </p:cSld>
-  <p:clrMapOvr>
-    <a:masterClrMapping/>
-  </p:clrMapOvr>
-</p:sld>
-</file>
-
-<file path=ppt/slides/slide16.xml><?xml version="1.0" encoding="utf-8"?>
-<p:sld xmlns:a="http://schemas.openxmlformats.org/drawingml/2006/main" xmlns:r="http://schemas.openxmlformats.org/officeDocument/2006/relationships" xmlns:p="http://schemas.openxmlformats.org/presentationml/2006/main">
-  <p:cSld>
-    <p:spTree>
-      <p:nvGrpSpPr>
-        <p:cNvPr id="1" name=""/>
-        <p:cNvGrpSpPr/>
-        <p:nvPr/>
-      </p:nvGrpSpPr>
-      <p:grpSpPr>
-        <a:xfrm>
-          <a:off x="0" y="0"/>
-          <a:ext cx="0" cy="0"/>
-          <a:chOff x="0" y="0"/>
-          <a:chExt cx="0" cy="0"/>
-        </a:xfrm>
-      </p:grpSpPr>
-      <p:sp>
-        <p:nvSpPr>
-          <p:cNvPr id="2" name="Title 1"/>
-          <p:cNvSpPr>
-            <a:spLocks noGrp="1"/>
-          </p:cNvSpPr>
-          <p:nvPr>
-            <p:ph type="title"/>
-          </p:nvPr>
-        </p:nvSpPr>
-        <p:spPr/>
-        <p:txBody>
-          <a:bodyPr/>
-          <a:lstStyle/>
-          <a:p>
-            <a:endParaRPr lang="en-US"/>
-          </a:p>
-        </p:txBody>
-      </p:sp>
-      <p:sp>
-        <p:nvSpPr>
-          <p:cNvPr id="3" name="Content Placeholder 2"/>
-          <p:cNvSpPr>
-            <a:spLocks noGrp="1"/>
-          </p:cNvSpPr>
-          <p:nvPr>
-            <p:ph idx="1"/>
-          </p:nvPr>
-        </p:nvSpPr>
-        <p:spPr/>
-        <p:txBody>
-          <a:bodyPr/>
-          <a:lstStyle/>
-          <a:p>
-            <a:endParaRPr lang="en-US"/>
-          </a:p>
-        </p:txBody>
-      </p:sp>
-    </p:spTree>
-    <p:extLst>
-      <p:ext uri="{BB962C8B-B14F-4D97-AF65-F5344CB8AC3E}">
-        <p14:creationId xmlns:p14="http://schemas.microsoft.com/office/powerpoint/2010/main" val="1275720716"/>
-      </p:ext>
-    </p:extLst>
-  </p:cSld>
-  <p:clrMapOvr>
-    <a:masterClrMapping/>
-  </p:clrMapOvr>
-</p:sld>
-</file>
-
-<file path=ppt/slides/slide17.xml><?xml version="1.0" encoding="utf-8"?>
-<p:sld xmlns:a="http://schemas.openxmlformats.org/drawingml/2006/main" xmlns:r="http://schemas.openxmlformats.org/officeDocument/2006/relationships" xmlns:p="http://schemas.openxmlformats.org/presentationml/2006/main">
-  <p:cSld>
-    <p:spTree>
-      <p:nvGrpSpPr>
-        <p:cNvPr id="1" name=""/>
-        <p:cNvGrpSpPr/>
-        <p:nvPr/>
-      </p:nvGrpSpPr>
-      <p:grpSpPr>
-        <a:xfrm>
-          <a:off x="0" y="0"/>
-          <a:ext cx="0" cy="0"/>
-          <a:chOff x="0" y="0"/>
-          <a:chExt cx="0" cy="0"/>
-        </a:xfrm>
-      </p:grpSpPr>
-      <p:sp>
-        <p:nvSpPr>
-          <p:cNvPr id="2" name="Title 1"/>
-          <p:cNvSpPr>
-            <a:spLocks noGrp="1"/>
-          </p:cNvSpPr>
-          <p:nvPr>
-            <p:ph type="title"/>
-          </p:nvPr>
-        </p:nvSpPr>
-        <p:spPr/>
-        <p:txBody>
-          <a:bodyPr/>
-          <a:lstStyle/>
-          <a:p>
-            <a:endParaRPr lang="en-US"/>
-          </a:p>
-        </p:txBody>
-      </p:sp>
-      <p:sp>
-        <p:nvSpPr>
-          <p:cNvPr id="3" name="Content Placeholder 2"/>
-          <p:cNvSpPr>
-            <a:spLocks noGrp="1"/>
-          </p:cNvSpPr>
-          <p:nvPr>
-            <p:ph idx="1"/>
-          </p:nvPr>
-        </p:nvSpPr>
-        <p:spPr/>
-        <p:txBody>
-          <a:bodyPr/>
-          <a:lstStyle/>
-          <a:p>
-            <a:endParaRPr lang="en-US"/>
-          </a:p>
-        </p:txBody>
-      </p:sp>
-    </p:spTree>
-    <p:extLst>
-      <p:ext uri="{BB962C8B-B14F-4D97-AF65-F5344CB8AC3E}">
-        <p14:creationId xmlns:p14="http://schemas.microsoft.com/office/powerpoint/2010/main" val="1383105054"/>
-      </p:ext>
-    </p:extLst>
-  </p:cSld>
-  <p:clrMapOvr>
-    <a:masterClrMapping/>
-  </p:clrMapOvr>
-</p:sld>
-</file>
-
-<file path=ppt/slides/slide18.xml><?xml version="1.0" encoding="utf-8"?>
-<p:sld xmlns:a="http://schemas.openxmlformats.org/drawingml/2006/main" xmlns:r="http://schemas.openxmlformats.org/officeDocument/2006/relationships" xmlns:p="http://schemas.openxmlformats.org/presentationml/2006/main">
-  <p:cSld>
-    <p:spTree>
-      <p:nvGrpSpPr>
-        <p:cNvPr id="1" name=""/>
-        <p:cNvGrpSpPr/>
-        <p:nvPr/>
-      </p:nvGrpSpPr>
-      <p:grpSpPr>
-        <a:xfrm>
-          <a:off x="0" y="0"/>
-          <a:ext cx="0" cy="0"/>
-          <a:chOff x="0" y="0"/>
-          <a:chExt cx="0" cy="0"/>
-        </a:xfrm>
-      </p:grpSpPr>
-      <p:sp>
-        <p:nvSpPr>
-          <p:cNvPr id="2" name="Title 1"/>
-          <p:cNvSpPr>
-            <a:spLocks noGrp="1"/>
-          </p:cNvSpPr>
-          <p:nvPr>
-            <p:ph type="title"/>
-          </p:nvPr>
-        </p:nvSpPr>
-        <p:spPr/>
-        <p:txBody>
-          <a:bodyPr/>
-          <a:lstStyle/>
-          <a:p>
-            <a:endParaRPr lang="en-US"/>
-          </a:p>
-        </p:txBody>
-      </p:sp>
-      <p:sp>
-        <p:nvSpPr>
-          <p:cNvPr id="3" name="Content Placeholder 2"/>
-          <p:cNvSpPr>
-            <a:spLocks noGrp="1"/>
-          </p:cNvSpPr>
-          <p:nvPr>
-            <p:ph idx="1"/>
-          </p:nvPr>
-        </p:nvSpPr>
-        <p:spPr/>
-        <p:txBody>
-          <a:bodyPr/>
-          <a:lstStyle/>
-          <a:p>
-            <a:endParaRPr lang="en-US"/>
-          </a:p>
-        </p:txBody>
-      </p:sp>
-    </p:spTree>
-    <p:extLst>
-      <p:ext uri="{BB962C8B-B14F-4D97-AF65-F5344CB8AC3E}">
-        <p14:creationId xmlns:p14="http://schemas.microsoft.com/office/powerpoint/2010/main" val="1483647450"/>
-      </p:ext>
-    </p:extLst>
-  </p:cSld>
-  <p:clrMapOvr>
-    <a:masterClrMapping/>
-  </p:clrMapOvr>
-</p:sld>
-</file>
-
-<file path=ppt/slides/slide19.xml><?xml version="1.0" encoding="utf-8"?>
-<p:sld xmlns:a="http://schemas.openxmlformats.org/drawingml/2006/main" xmlns:r="http://schemas.openxmlformats.org/officeDocument/2006/relationships" xmlns:p="http://schemas.openxmlformats.org/presentationml/2006/main">
-  <p:cSld>
-    <p:spTree>
-      <p:nvGrpSpPr>
-        <p:cNvPr id="1" name=""/>
-        <p:cNvGrpSpPr/>
-        <p:nvPr/>
-      </p:nvGrpSpPr>
-      <p:grpSpPr>
-        <a:xfrm>
-          <a:off x="0" y="0"/>
-          <a:ext cx="0" cy="0"/>
-          <a:chOff x="0" y="0"/>
-          <a:chExt cx="0" cy="0"/>
-        </a:xfrm>
-      </p:grpSpPr>
-      <p:sp>
-        <p:nvSpPr>
-          <p:cNvPr id="2" name="Title 1"/>
-          <p:cNvSpPr>
-            <a:spLocks noGrp="1"/>
-          </p:cNvSpPr>
-          <p:nvPr>
-            <p:ph type="title"/>
-          </p:nvPr>
-        </p:nvSpPr>
-        <p:spPr/>
-        <p:txBody>
-          <a:bodyPr/>
-          <a:lstStyle/>
-          <a:p>
-            <a:endParaRPr lang="en-US"/>
-          </a:p>
-        </p:txBody>
-      </p:sp>
-      <p:sp>
-        <p:nvSpPr>
-          <p:cNvPr id="3" name="Content Placeholder 2"/>
-          <p:cNvSpPr>
-            <a:spLocks noGrp="1"/>
-          </p:cNvSpPr>
-          <p:nvPr>
-            <p:ph idx="1"/>
-          </p:nvPr>
-        </p:nvSpPr>
-        <p:spPr/>
-        <p:txBody>
-          <a:bodyPr/>
-          <a:lstStyle/>
-          <a:p>
-            <a:endParaRPr lang="en-US"/>
-          </a:p>
-        </p:txBody>
-      </p:sp>
-    </p:spTree>
-    <p:extLst>
-      <p:ext uri="{BB962C8B-B14F-4D97-AF65-F5344CB8AC3E}">
-        <p14:creationId xmlns:p14="http://schemas.microsoft.com/office/powerpoint/2010/main" val="1230066833"/>
-      </p:ext>
-    </p:extLst>
-  </p:cSld>
-  <p:clrMapOvr>
-    <a:masterClrMapping/>
-  </p:clrMapOvr>
-  <p:timing>
-    <p:tnLst>
-      <p:par>
-        <p:cTn id="1" dur="indefinite" restart="never" nodeType="tmRoot"/>
-      </p:par>
-    </p:tnLst>
-  </p:timing>
-</p:sld>
-</file>
-
-<file path=ppt/slides/slide2.xml><?xml version="1.0" encoding="utf-8"?>
-<p:sld xmlns:a="http://schemas.openxmlformats.org/drawingml/2006/main" xmlns:r="http://schemas.openxmlformats.org/officeDocument/2006/relationships" xmlns:p="http://schemas.openxmlformats.org/presentationml/2006/main">
-  <p:cSld>
-    <p:spTree>
-      <p:nvGrpSpPr>
-        <p:cNvPr id="1" name=""/>
-        <p:cNvGrpSpPr/>
-        <p:nvPr/>
-      </p:nvGrpSpPr>
-      <p:grpSpPr>
-        <a:xfrm>
-          <a:off x="0" y="0"/>
-          <a:ext cx="0" cy="0"/>
-          <a:chOff x="0" y="0"/>
-          <a:chExt cx="0" cy="0"/>
-        </a:xfrm>
-      </p:grpSpPr>
       <p:graphicFrame>
         <p:nvGraphicFramePr>
           <p:cNvPr id="4" name="Content Placeholder 3"/>
@@ -9359,82 +7272,7 @@
 </p:sld>
 </file>
 
-<file path=ppt/slides/slide20.xml><?xml version="1.0" encoding="utf-8"?>
-<p:sld xmlns:a="http://schemas.openxmlformats.org/drawingml/2006/main" xmlns:r="http://schemas.openxmlformats.org/officeDocument/2006/relationships" xmlns:p="http://schemas.openxmlformats.org/presentationml/2006/main">
-  <p:cSld>
-    <p:spTree>
-      <p:nvGrpSpPr>
-        <p:cNvPr id="1" name=""/>
-        <p:cNvGrpSpPr/>
-        <p:nvPr/>
-      </p:nvGrpSpPr>
-      <p:grpSpPr>
-        <a:xfrm>
-          <a:off x="0" y="0"/>
-          <a:ext cx="0" cy="0"/>
-          <a:chOff x="0" y="0"/>
-          <a:chExt cx="0" cy="0"/>
-        </a:xfrm>
-      </p:grpSpPr>
-      <p:sp>
-        <p:nvSpPr>
-          <p:cNvPr id="2" name="Title 1"/>
-          <p:cNvSpPr>
-            <a:spLocks noGrp="1"/>
-          </p:cNvSpPr>
-          <p:nvPr>
-            <p:ph type="title"/>
-          </p:nvPr>
-        </p:nvSpPr>
-        <p:spPr/>
-        <p:txBody>
-          <a:bodyPr/>
-          <a:lstStyle/>
-          <a:p>
-            <a:endParaRPr lang="en-US"/>
-          </a:p>
-        </p:txBody>
-      </p:sp>
-      <p:sp>
-        <p:nvSpPr>
-          <p:cNvPr id="3" name="Content Placeholder 2"/>
-          <p:cNvSpPr>
-            <a:spLocks noGrp="1"/>
-          </p:cNvSpPr>
-          <p:nvPr>
-            <p:ph idx="1"/>
-          </p:nvPr>
-        </p:nvSpPr>
-        <p:spPr/>
-        <p:txBody>
-          <a:bodyPr/>
-          <a:lstStyle/>
-          <a:p>
-            <a:endParaRPr lang="en-US"/>
-          </a:p>
-        </p:txBody>
-      </p:sp>
-    </p:spTree>
-    <p:extLst>
-      <p:ext uri="{BB962C8B-B14F-4D97-AF65-F5344CB8AC3E}">
-        <p14:creationId xmlns:p14="http://schemas.microsoft.com/office/powerpoint/2010/main" val="164611918"/>
-      </p:ext>
-    </p:extLst>
-  </p:cSld>
-  <p:clrMapOvr>
-    <a:masterClrMapping/>
-  </p:clrMapOvr>
-  <p:timing>
-    <p:tnLst>
-      <p:par>
-        <p:cTn id="1" dur="indefinite" restart="never" nodeType="tmRoot"/>
-      </p:par>
-    </p:tnLst>
-  </p:timing>
-</p:sld>
-</file>
-
-<file path=ppt/slides/slide3.xml><?xml version="1.0" encoding="utf-8"?>
+<file path=ppt/slides/slide2.xml><?xml version="1.0" encoding="utf-8"?>
 <p:sld xmlns:a="http://schemas.openxmlformats.org/drawingml/2006/main" xmlns:r="http://schemas.openxmlformats.org/officeDocument/2006/relationships" xmlns:p="http://schemas.openxmlformats.org/presentationml/2006/main">
   <p:cSld>
     <p:spTree>
@@ -9528,7 +7366,7 @@
 </p:sld>
 </file>
 
-<file path=ppt/slides/slide4.xml><?xml version="1.0" encoding="utf-8"?>
+<file path=ppt/slides/slide3.xml><?xml version="1.0" encoding="utf-8"?>
 <p:sld xmlns:a="http://schemas.openxmlformats.org/drawingml/2006/main" xmlns:r="http://schemas.openxmlformats.org/officeDocument/2006/relationships" xmlns:p="http://schemas.openxmlformats.org/presentationml/2006/main">
   <p:cSld>
     <p:spTree>
@@ -9593,7 +7431,7 @@
 </p:sld>
 </file>
 
-<file path=ppt/slides/slide5.xml><?xml version="1.0" encoding="utf-8"?>
+<file path=ppt/slides/slide4.xml><?xml version="1.0" encoding="utf-8"?>
 <p:sld xmlns:a="http://schemas.openxmlformats.org/drawingml/2006/main" xmlns:r="http://schemas.openxmlformats.org/officeDocument/2006/relationships" xmlns:p="http://schemas.openxmlformats.org/presentationml/2006/main">
   <p:cSld>
     <p:spTree>
@@ -9690,6 +7528,176 @@
 </p:sld>
 </file>
 
+<file path=ppt/slides/slide5.xml><?xml version="1.0" encoding="utf-8"?>
+<p:sld xmlns:a="http://schemas.openxmlformats.org/drawingml/2006/main" xmlns:r="http://schemas.openxmlformats.org/officeDocument/2006/relationships" xmlns:p="http://schemas.openxmlformats.org/presentationml/2006/main">
+  <p:cSld>
+    <p:spTree>
+      <p:nvGrpSpPr>
+        <p:cNvPr id="1" name=""/>
+        <p:cNvGrpSpPr/>
+        <p:nvPr/>
+      </p:nvGrpSpPr>
+      <p:grpSpPr>
+        <a:xfrm>
+          <a:off x="0" y="0"/>
+          <a:ext cx="0" cy="0"/>
+          <a:chOff x="0" y="0"/>
+          <a:chExt cx="0" cy="0"/>
+        </a:xfrm>
+      </p:grpSpPr>
+      <p:sp>
+        <p:nvSpPr>
+          <p:cNvPr id="2" name="Title 1"/>
+          <p:cNvSpPr>
+            <a:spLocks noGrp="1"/>
+          </p:cNvSpPr>
+          <p:nvPr>
+            <p:ph type="title"/>
+          </p:nvPr>
+        </p:nvSpPr>
+        <p:spPr/>
+        <p:txBody>
+          <a:bodyPr/>
+          <a:lstStyle/>
+          <a:p>
+            <a:r>
+              <a:rPr lang="en-US" b="1" dirty="0" err="1" smtClean="0">
+                <a:solidFill>
+                  <a:schemeClr val="bg1"/>
+                </a:solidFill>
+              </a:rPr>
+              <a:t>is_valid</a:t>
+            </a:r>
+            <a:r>
+              <a:rPr lang="en-US" b="1" dirty="0" smtClean="0">
+                <a:solidFill>
+                  <a:schemeClr val="bg1"/>
+                </a:solidFill>
+              </a:rPr>
+              <a:t> ()</a:t>
+            </a:r>
+            <a:endParaRPr lang="en-US" b="1" dirty="0">
+              <a:solidFill>
+                <a:schemeClr val="bg1"/>
+              </a:solidFill>
+            </a:endParaRPr>
+          </a:p>
+        </p:txBody>
+      </p:sp>
+      <p:sp>
+        <p:nvSpPr>
+          <p:cNvPr id="3" name="Content Placeholder 2"/>
+          <p:cNvSpPr>
+            <a:spLocks noGrp="1"/>
+          </p:cNvSpPr>
+          <p:nvPr>
+            <p:ph idx="1"/>
+          </p:nvPr>
+        </p:nvSpPr>
+        <p:spPr/>
+        <p:txBody>
+          <a:bodyPr/>
+          <a:lstStyle/>
+          <a:p>
+            <a:r>
+              <a:rPr lang="en-US" dirty="0" smtClean="0">
+                <a:solidFill>
+                  <a:schemeClr val="bg1"/>
+                </a:solidFill>
+              </a:rPr>
+              <a:t>Main word valid (including adjacent tiles)?</a:t>
+            </a:r>
+          </a:p>
+          <a:p>
+            <a:r>
+              <a:rPr lang="en-US" dirty="0" smtClean="0">
+                <a:solidFill>
+                  <a:schemeClr val="bg1"/>
+                </a:solidFill>
+              </a:rPr>
+              <a:t>Each played tile has legal perpendicular word (or empty)?</a:t>
+            </a:r>
+          </a:p>
+          <a:p>
+            <a:r>
+              <a:rPr lang="en-US" dirty="0" smtClean="0">
+                <a:solidFill>
+                  <a:schemeClr val="bg1"/>
+                </a:solidFill>
+              </a:rPr>
+              <a:t>Valid position for word? </a:t>
+            </a:r>
+          </a:p>
+          <a:p>
+            <a:endParaRPr lang="en-US" dirty="0">
+              <a:solidFill>
+                <a:schemeClr val="bg1"/>
+              </a:solidFill>
+            </a:endParaRPr>
+          </a:p>
+          <a:p>
+            <a:r>
+              <a:rPr lang="en-US" dirty="0" smtClean="0">
+                <a:solidFill>
+                  <a:schemeClr val="bg1"/>
+                </a:solidFill>
+              </a:rPr>
+              <a:t>SCORING: takes place as each condition checked</a:t>
+            </a:r>
+          </a:p>
+          <a:p>
+            <a:endParaRPr lang="en-US" dirty="0">
+              <a:solidFill>
+                <a:schemeClr val="bg1"/>
+              </a:solidFill>
+            </a:endParaRPr>
+          </a:p>
+          <a:p>
+            <a:r>
+              <a:rPr lang="en-US" dirty="0" smtClean="0">
+                <a:solidFill>
+                  <a:schemeClr val="bg1"/>
+                </a:solidFill>
+              </a:rPr>
+              <a:t>Includes special cases to handle 0-, 1-tile plays</a:t>
+            </a:r>
+          </a:p>
+          <a:p>
+            <a:endParaRPr lang="en-US" dirty="0" smtClean="0">
+              <a:solidFill>
+                <a:schemeClr val="bg1"/>
+              </a:solidFill>
+            </a:endParaRPr>
+          </a:p>
+          <a:p>
+            <a:endParaRPr lang="en-US" dirty="0">
+              <a:solidFill>
+                <a:schemeClr val="bg1"/>
+              </a:solidFill>
+            </a:endParaRPr>
+          </a:p>
+        </p:txBody>
+      </p:sp>
+    </p:spTree>
+    <p:extLst>
+      <p:ext uri="{BB962C8B-B14F-4D97-AF65-F5344CB8AC3E}">
+        <p14:creationId xmlns:p14="http://schemas.microsoft.com/office/powerpoint/2010/main" val="1253684776"/>
+      </p:ext>
+    </p:extLst>
+  </p:cSld>
+  <p:clrMapOvr>
+    <a:masterClrMapping/>
+  </p:clrMapOvr>
+  <p:timing>
+    <p:tnLst>
+      <p:par>
+        <p:cTn id="1" dur="indefinite" restart="never" nodeType="tmRoot"/>
+      </p:par>
+    </p:tnLst>
+  </p:timing>
+</p:sld>
+</file>
+
 <file path=ppt/slides/slide6.xml><?xml version="1.0" encoding="utf-8"?>
 <p:sld xmlns:a="http://schemas.openxmlformats.org/drawingml/2006/main" xmlns:r="http://schemas.openxmlformats.org/officeDocument/2006/relationships" xmlns:p="http://schemas.openxmlformats.org/presentationml/2006/main">
   <p:cSld>
@@ -9709,7 +7717,1322 @@
       </p:grpSpPr>
       <p:sp>
         <p:nvSpPr>
-          <p:cNvPr id="2" name="Title 1"/>
+          <p:cNvPr id="4" name="Rectangle 3"/>
+          <p:cNvSpPr/>
+          <p:nvPr/>
+        </p:nvSpPr>
+        <p:spPr>
+          <a:xfrm>
+            <a:off x="2570628" y="3818965"/>
+            <a:ext cx="789460" cy="770964"/>
+          </a:xfrm>
+          <a:prstGeom prst="rect">
+            <a:avLst/>
+          </a:prstGeom>
+        </p:spPr>
+        <p:style>
+          <a:lnRef idx="2">
+            <a:schemeClr val="accent6"/>
+          </a:lnRef>
+          <a:fillRef idx="1">
+            <a:schemeClr val="lt1"/>
+          </a:fillRef>
+          <a:effectRef idx="0">
+            <a:schemeClr val="accent6"/>
+          </a:effectRef>
+          <a:fontRef idx="minor">
+            <a:schemeClr val="dk1"/>
+          </a:fontRef>
+        </p:style>
+        <p:txBody>
+          <a:bodyPr rtlCol="0" anchor="ctr"/>
+          <a:lstStyle/>
+          <a:p>
+            <a:pPr algn="ctr"/>
+            <a:endParaRPr lang="en-US"/>
+          </a:p>
+        </p:txBody>
+      </p:sp>
+      <p:sp>
+        <p:nvSpPr>
+          <p:cNvPr id="17" name="TextBox 16"/>
+          <p:cNvSpPr txBox="1"/>
+          <p:nvPr/>
+        </p:nvSpPr>
+        <p:spPr>
+          <a:xfrm>
+            <a:off x="2651079" y="3986027"/>
+            <a:ext cx="860291" cy="400110"/>
+          </a:xfrm>
+          <a:prstGeom prst="rect">
+            <a:avLst/>
+          </a:prstGeom>
+          <a:noFill/>
+        </p:spPr>
+        <p:txBody>
+          <a:bodyPr wrap="square" rtlCol="0">
+            <a:spAutoFit/>
+          </a:bodyPr>
+          <a:lstStyle/>
+          <a:p>
+            <a:r>
+              <a:rPr lang="en-US" sz="3000" baseline="-25000" dirty="0"/>
+              <a:t>H</a:t>
+            </a:r>
+            <a:r>
+              <a:rPr lang="en-US" sz="3000" baseline="-25000" dirty="0" smtClean="0"/>
+              <a:t>𝛔(3)</a:t>
+            </a:r>
+            <a:endParaRPr lang="en-US" sz="3000" baseline="-25000" dirty="0"/>
+          </a:p>
+        </p:txBody>
+      </p:sp>
+      <p:sp>
+        <p:nvSpPr>
+          <p:cNvPr id="35" name="Rectangle 34"/>
+          <p:cNvSpPr/>
+          <p:nvPr/>
+        </p:nvSpPr>
+        <p:spPr>
+          <a:xfrm>
+            <a:off x="3367094" y="3824663"/>
+            <a:ext cx="789460" cy="770964"/>
+          </a:xfrm>
+          <a:prstGeom prst="rect">
+            <a:avLst/>
+          </a:prstGeom>
+        </p:spPr>
+        <p:style>
+          <a:lnRef idx="2">
+            <a:schemeClr val="accent6"/>
+          </a:lnRef>
+          <a:fillRef idx="1">
+            <a:schemeClr val="lt1"/>
+          </a:fillRef>
+          <a:effectRef idx="0">
+            <a:schemeClr val="accent6"/>
+          </a:effectRef>
+          <a:fontRef idx="minor">
+            <a:schemeClr val="dk1"/>
+          </a:fontRef>
+        </p:style>
+        <p:txBody>
+          <a:bodyPr rtlCol="0" anchor="ctr"/>
+          <a:lstStyle/>
+          <a:p>
+            <a:pPr algn="ctr"/>
+            <a:endParaRPr lang="en-US"/>
+          </a:p>
+        </p:txBody>
+      </p:sp>
+      <p:sp>
+        <p:nvSpPr>
+          <p:cNvPr id="36" name="TextBox 35"/>
+          <p:cNvSpPr txBox="1"/>
+          <p:nvPr/>
+        </p:nvSpPr>
+        <p:spPr>
+          <a:xfrm>
+            <a:off x="3447545" y="3991725"/>
+            <a:ext cx="860291" cy="400110"/>
+          </a:xfrm>
+          <a:prstGeom prst="rect">
+            <a:avLst/>
+          </a:prstGeom>
+          <a:noFill/>
+        </p:spPr>
+        <p:txBody>
+          <a:bodyPr wrap="square" rtlCol="0">
+            <a:spAutoFit/>
+          </a:bodyPr>
+          <a:lstStyle/>
+          <a:p>
+            <a:r>
+              <a:rPr lang="en-US" sz="3000" baseline="-25000" dirty="0"/>
+              <a:t>H</a:t>
+            </a:r>
+            <a:r>
+              <a:rPr lang="en-US" sz="3000" baseline="-25000" dirty="0" smtClean="0"/>
+              <a:t>𝛔(2)</a:t>
+            </a:r>
+            <a:endParaRPr lang="en-US" sz="3000" baseline="-25000" dirty="0"/>
+          </a:p>
+        </p:txBody>
+      </p:sp>
+      <p:sp>
+        <p:nvSpPr>
+          <p:cNvPr id="37" name="Rectangle 36"/>
+          <p:cNvSpPr/>
+          <p:nvPr/>
+        </p:nvSpPr>
+        <p:spPr>
+          <a:xfrm>
+            <a:off x="4156554" y="3818965"/>
+            <a:ext cx="789460" cy="770964"/>
+          </a:xfrm>
+          <a:prstGeom prst="rect">
+            <a:avLst/>
+          </a:prstGeom>
+        </p:spPr>
+        <p:style>
+          <a:lnRef idx="2">
+            <a:schemeClr val="accent6"/>
+          </a:lnRef>
+          <a:fillRef idx="1">
+            <a:schemeClr val="lt1"/>
+          </a:fillRef>
+          <a:effectRef idx="0">
+            <a:schemeClr val="accent6"/>
+          </a:effectRef>
+          <a:fontRef idx="minor">
+            <a:schemeClr val="dk1"/>
+          </a:fontRef>
+        </p:style>
+        <p:txBody>
+          <a:bodyPr rtlCol="0" anchor="ctr"/>
+          <a:lstStyle/>
+          <a:p>
+            <a:pPr algn="ctr"/>
+            <a:endParaRPr lang="en-US"/>
+          </a:p>
+        </p:txBody>
+      </p:sp>
+      <p:sp>
+        <p:nvSpPr>
+          <p:cNvPr id="38" name="TextBox 37"/>
+          <p:cNvSpPr txBox="1"/>
+          <p:nvPr/>
+        </p:nvSpPr>
+        <p:spPr>
+          <a:xfrm>
+            <a:off x="4237005" y="3986027"/>
+            <a:ext cx="860291" cy="400110"/>
+          </a:xfrm>
+          <a:prstGeom prst="rect">
+            <a:avLst/>
+          </a:prstGeom>
+          <a:noFill/>
+        </p:spPr>
+        <p:txBody>
+          <a:bodyPr wrap="square" rtlCol="0">
+            <a:spAutoFit/>
+          </a:bodyPr>
+          <a:lstStyle/>
+          <a:p>
+            <a:r>
+              <a:rPr lang="en-US" sz="3000" baseline="-25000" dirty="0"/>
+              <a:t>H</a:t>
+            </a:r>
+            <a:r>
+              <a:rPr lang="en-US" sz="3000" baseline="-25000" dirty="0" smtClean="0"/>
+              <a:t>𝛔(1)</a:t>
+            </a:r>
+            <a:endParaRPr lang="en-US" sz="3000" baseline="-25000" dirty="0"/>
+          </a:p>
+        </p:txBody>
+      </p:sp>
+      <p:sp>
+        <p:nvSpPr>
+          <p:cNvPr id="39" name="Rectangle 38"/>
+          <p:cNvSpPr/>
+          <p:nvPr/>
+        </p:nvSpPr>
+        <p:spPr>
+          <a:xfrm>
+            <a:off x="4946014" y="3813267"/>
+            <a:ext cx="789460" cy="770964"/>
+          </a:xfrm>
+          <a:prstGeom prst="rect">
+            <a:avLst/>
+          </a:prstGeom>
+        </p:spPr>
+        <p:style>
+          <a:lnRef idx="2">
+            <a:schemeClr val="accent6"/>
+          </a:lnRef>
+          <a:fillRef idx="1">
+            <a:schemeClr val="lt1"/>
+          </a:fillRef>
+          <a:effectRef idx="0">
+            <a:schemeClr val="accent6"/>
+          </a:effectRef>
+          <a:fontRef idx="minor">
+            <a:schemeClr val="dk1"/>
+          </a:fontRef>
+        </p:style>
+        <p:txBody>
+          <a:bodyPr rtlCol="0" anchor="ctr"/>
+          <a:lstStyle/>
+          <a:p>
+            <a:pPr algn="ctr"/>
+            <a:endParaRPr lang="en-US"/>
+          </a:p>
+        </p:txBody>
+      </p:sp>
+      <p:sp>
+        <p:nvSpPr>
+          <p:cNvPr id="40" name="TextBox 39"/>
+          <p:cNvSpPr txBox="1"/>
+          <p:nvPr/>
+        </p:nvSpPr>
+        <p:spPr>
+          <a:xfrm>
+            <a:off x="5026465" y="3980329"/>
+            <a:ext cx="860291" cy="400110"/>
+          </a:xfrm>
+          <a:prstGeom prst="rect">
+            <a:avLst/>
+          </a:prstGeom>
+          <a:noFill/>
+        </p:spPr>
+        <p:txBody>
+          <a:bodyPr wrap="square" rtlCol="0">
+            <a:spAutoFit/>
+          </a:bodyPr>
+          <a:lstStyle/>
+          <a:p>
+            <a:r>
+              <a:rPr lang="en-US" sz="3000" baseline="-25000" dirty="0"/>
+              <a:t>H</a:t>
+            </a:r>
+            <a:r>
+              <a:rPr lang="en-US" sz="3000" baseline="-25000" dirty="0" smtClean="0"/>
+              <a:t>𝛔(4)</a:t>
+            </a:r>
+            <a:endParaRPr lang="en-US" sz="3000" baseline="-25000" dirty="0"/>
+          </a:p>
+        </p:txBody>
+      </p:sp>
+      <p:sp>
+        <p:nvSpPr>
+          <p:cNvPr id="41" name="Rectangle 40"/>
+          <p:cNvSpPr/>
+          <p:nvPr/>
+        </p:nvSpPr>
+        <p:spPr>
+          <a:xfrm>
+            <a:off x="6581812" y="3824663"/>
+            <a:ext cx="789460" cy="770964"/>
+          </a:xfrm>
+          <a:prstGeom prst="rect">
+            <a:avLst/>
+          </a:prstGeom>
+        </p:spPr>
+        <p:style>
+          <a:lnRef idx="2">
+            <a:schemeClr val="accent6"/>
+          </a:lnRef>
+          <a:fillRef idx="1">
+            <a:schemeClr val="lt1"/>
+          </a:fillRef>
+          <a:effectRef idx="0">
+            <a:schemeClr val="accent6"/>
+          </a:effectRef>
+          <a:fontRef idx="minor">
+            <a:schemeClr val="dk1"/>
+          </a:fontRef>
+        </p:style>
+        <p:txBody>
+          <a:bodyPr rtlCol="0" anchor="ctr"/>
+          <a:lstStyle/>
+          <a:p>
+            <a:pPr algn="ctr"/>
+            <a:endParaRPr lang="en-US"/>
+          </a:p>
+        </p:txBody>
+      </p:sp>
+      <p:sp>
+        <p:nvSpPr>
+          <p:cNvPr id="42" name="TextBox 41"/>
+          <p:cNvSpPr txBox="1"/>
+          <p:nvPr/>
+        </p:nvSpPr>
+        <p:spPr>
+          <a:xfrm>
+            <a:off x="6766240" y="3955866"/>
+            <a:ext cx="860291" cy="400110"/>
+          </a:xfrm>
+          <a:prstGeom prst="rect">
+            <a:avLst/>
+          </a:prstGeom>
+          <a:noFill/>
+        </p:spPr>
+        <p:txBody>
+          <a:bodyPr wrap="square" rtlCol="0">
+            <a:spAutoFit/>
+          </a:bodyPr>
+          <a:lstStyle/>
+          <a:p>
+            <a:r>
+              <a:rPr lang="en-US" sz="3000" baseline="-25000" dirty="0" smtClean="0"/>
+              <a:t>C</a:t>
+            </a:r>
+            <a:endParaRPr lang="en-US" sz="3000" baseline="-25000" dirty="0"/>
+          </a:p>
+        </p:txBody>
+      </p:sp>
+      <p:sp>
+        <p:nvSpPr>
+          <p:cNvPr id="43" name="Rectangle 42"/>
+          <p:cNvSpPr/>
+          <p:nvPr/>
+        </p:nvSpPr>
+        <p:spPr>
+          <a:xfrm>
+            <a:off x="8171584" y="3824663"/>
+            <a:ext cx="789460" cy="770964"/>
+          </a:xfrm>
+          <a:prstGeom prst="rect">
+            <a:avLst/>
+          </a:prstGeom>
+        </p:spPr>
+        <p:style>
+          <a:lnRef idx="2">
+            <a:schemeClr val="accent6"/>
+          </a:lnRef>
+          <a:fillRef idx="1">
+            <a:schemeClr val="lt1"/>
+          </a:fillRef>
+          <a:effectRef idx="0">
+            <a:schemeClr val="accent6"/>
+          </a:effectRef>
+          <a:fontRef idx="minor">
+            <a:schemeClr val="dk1"/>
+          </a:fontRef>
+        </p:style>
+        <p:txBody>
+          <a:bodyPr rtlCol="0" anchor="ctr"/>
+          <a:lstStyle/>
+          <a:p>
+            <a:pPr algn="ctr"/>
+            <a:endParaRPr lang="en-US"/>
+          </a:p>
+        </p:txBody>
+      </p:sp>
+      <p:sp>
+        <p:nvSpPr>
+          <p:cNvPr id="44" name="TextBox 43"/>
+          <p:cNvSpPr txBox="1"/>
+          <p:nvPr/>
+        </p:nvSpPr>
+        <p:spPr>
+          <a:xfrm>
+            <a:off x="8358682" y="3967262"/>
+            <a:ext cx="860291" cy="400110"/>
+          </a:xfrm>
+          <a:prstGeom prst="rect">
+            <a:avLst/>
+          </a:prstGeom>
+          <a:noFill/>
+        </p:spPr>
+        <p:txBody>
+          <a:bodyPr wrap="square" rtlCol="0">
+            <a:spAutoFit/>
+          </a:bodyPr>
+          <a:lstStyle/>
+          <a:p>
+            <a:r>
+              <a:rPr lang="en-US" sz="3000" baseline="-25000"/>
+              <a:t>B</a:t>
+            </a:r>
+            <a:endParaRPr lang="en-US" sz="3000" baseline="-25000" dirty="0"/>
+          </a:p>
+        </p:txBody>
+      </p:sp>
+      <p:sp>
+        <p:nvSpPr>
+          <p:cNvPr id="45" name="Rectangle 44"/>
+          <p:cNvSpPr/>
+          <p:nvPr/>
+        </p:nvSpPr>
+        <p:spPr>
+          <a:xfrm>
+            <a:off x="5777896" y="3824663"/>
+            <a:ext cx="789460" cy="770964"/>
+          </a:xfrm>
+          <a:prstGeom prst="rect">
+            <a:avLst/>
+          </a:prstGeom>
+        </p:spPr>
+        <p:style>
+          <a:lnRef idx="2">
+            <a:schemeClr val="accent6"/>
+          </a:lnRef>
+          <a:fillRef idx="1">
+            <a:schemeClr val="lt1"/>
+          </a:fillRef>
+          <a:effectRef idx="0">
+            <a:schemeClr val="accent6"/>
+          </a:effectRef>
+          <a:fontRef idx="minor">
+            <a:schemeClr val="dk1"/>
+          </a:fontRef>
+        </p:style>
+        <p:txBody>
+          <a:bodyPr rtlCol="0" anchor="ctr"/>
+          <a:lstStyle/>
+          <a:p>
+            <a:pPr algn="ctr"/>
+            <a:endParaRPr lang="en-US"/>
+          </a:p>
+        </p:txBody>
+      </p:sp>
+      <p:sp>
+        <p:nvSpPr>
+          <p:cNvPr id="46" name="TextBox 45"/>
+          <p:cNvSpPr txBox="1"/>
+          <p:nvPr/>
+        </p:nvSpPr>
+        <p:spPr>
+          <a:xfrm>
+            <a:off x="5858347" y="3991725"/>
+            <a:ext cx="860291" cy="400110"/>
+          </a:xfrm>
+          <a:prstGeom prst="rect">
+            <a:avLst/>
+          </a:prstGeom>
+          <a:noFill/>
+        </p:spPr>
+        <p:txBody>
+          <a:bodyPr wrap="square" rtlCol="0">
+            <a:spAutoFit/>
+          </a:bodyPr>
+          <a:lstStyle/>
+          <a:p>
+            <a:r>
+              <a:rPr lang="en-US" sz="3000" baseline="-25000" dirty="0"/>
+              <a:t>H</a:t>
+            </a:r>
+            <a:r>
+              <a:rPr lang="en-US" sz="3000" baseline="-25000" dirty="0" smtClean="0"/>
+              <a:t>𝛔(5)</a:t>
+            </a:r>
+            <a:endParaRPr lang="en-US" sz="3000" baseline="-25000" dirty="0"/>
+          </a:p>
+        </p:txBody>
+      </p:sp>
+      <p:sp>
+        <p:nvSpPr>
+          <p:cNvPr id="47" name="Rectangle 46"/>
+          <p:cNvSpPr/>
+          <p:nvPr/>
+        </p:nvSpPr>
+        <p:spPr>
+          <a:xfrm>
+            <a:off x="7364920" y="3824663"/>
+            <a:ext cx="789460" cy="770964"/>
+          </a:xfrm>
+          <a:prstGeom prst="rect">
+            <a:avLst/>
+          </a:prstGeom>
+        </p:spPr>
+        <p:style>
+          <a:lnRef idx="2">
+            <a:schemeClr val="accent6"/>
+          </a:lnRef>
+          <a:fillRef idx="1">
+            <a:schemeClr val="lt1"/>
+          </a:fillRef>
+          <a:effectRef idx="0">
+            <a:schemeClr val="accent6"/>
+          </a:effectRef>
+          <a:fontRef idx="minor">
+            <a:schemeClr val="dk1"/>
+          </a:fontRef>
+        </p:style>
+        <p:txBody>
+          <a:bodyPr rtlCol="0" anchor="ctr"/>
+          <a:lstStyle/>
+          <a:p>
+            <a:pPr algn="ctr"/>
+            <a:endParaRPr lang="en-US"/>
+          </a:p>
+        </p:txBody>
+      </p:sp>
+      <p:sp>
+        <p:nvSpPr>
+          <p:cNvPr id="48" name="TextBox 47"/>
+          <p:cNvSpPr txBox="1"/>
+          <p:nvPr/>
+        </p:nvSpPr>
+        <p:spPr>
+          <a:xfrm>
+            <a:off x="7418874" y="3991725"/>
+            <a:ext cx="860291" cy="400110"/>
+          </a:xfrm>
+          <a:prstGeom prst="rect">
+            <a:avLst/>
+          </a:prstGeom>
+          <a:noFill/>
+        </p:spPr>
+        <p:txBody>
+          <a:bodyPr wrap="square" rtlCol="0">
+            <a:spAutoFit/>
+          </a:bodyPr>
+          <a:lstStyle/>
+          <a:p>
+            <a:r>
+              <a:rPr lang="en-US" sz="3000" baseline="-25000" dirty="0"/>
+              <a:t>H</a:t>
+            </a:r>
+            <a:r>
+              <a:rPr lang="en-US" sz="3000" baseline="-25000" dirty="0" smtClean="0"/>
+              <a:t>𝛔(6)</a:t>
+            </a:r>
+            <a:endParaRPr lang="en-US" sz="3000" baseline="-25000" dirty="0"/>
+          </a:p>
+        </p:txBody>
+      </p:sp>
+      <p:sp>
+        <p:nvSpPr>
+          <p:cNvPr id="49" name="Rectangle 48"/>
+          <p:cNvSpPr/>
+          <p:nvPr/>
+        </p:nvSpPr>
+        <p:spPr>
+          <a:xfrm>
+            <a:off x="4151778" y="3048001"/>
+            <a:ext cx="789460" cy="770964"/>
+          </a:xfrm>
+          <a:prstGeom prst="rect">
+            <a:avLst/>
+          </a:prstGeom>
+        </p:spPr>
+        <p:style>
+          <a:lnRef idx="2">
+            <a:schemeClr val="accent6"/>
+          </a:lnRef>
+          <a:fillRef idx="1">
+            <a:schemeClr val="lt1"/>
+          </a:fillRef>
+          <a:effectRef idx="0">
+            <a:schemeClr val="accent6"/>
+          </a:effectRef>
+          <a:fontRef idx="minor">
+            <a:schemeClr val="dk1"/>
+          </a:fontRef>
+        </p:style>
+        <p:txBody>
+          <a:bodyPr rtlCol="0" anchor="ctr"/>
+          <a:lstStyle/>
+          <a:p>
+            <a:pPr algn="ctr"/>
+            <a:endParaRPr lang="en-US"/>
+          </a:p>
+        </p:txBody>
+      </p:sp>
+      <p:sp>
+        <p:nvSpPr>
+          <p:cNvPr id="50" name="TextBox 49"/>
+          <p:cNvSpPr txBox="1"/>
+          <p:nvPr/>
+        </p:nvSpPr>
+        <p:spPr>
+          <a:xfrm>
+            <a:off x="4325765" y="3197969"/>
+            <a:ext cx="860291" cy="400110"/>
+          </a:xfrm>
+          <a:prstGeom prst="rect">
+            <a:avLst/>
+          </a:prstGeom>
+          <a:noFill/>
+        </p:spPr>
+        <p:txBody>
+          <a:bodyPr wrap="square" rtlCol="0">
+            <a:spAutoFit/>
+          </a:bodyPr>
+          <a:lstStyle/>
+          <a:p>
+            <a:r>
+              <a:rPr lang="en-US" sz="3000" baseline="-25000" dirty="0"/>
+              <a:t>H</a:t>
+            </a:r>
+          </a:p>
+        </p:txBody>
+      </p:sp>
+      <p:sp>
+        <p:nvSpPr>
+          <p:cNvPr id="51" name="TextBox 50"/>
+          <p:cNvSpPr txBox="1"/>
+          <p:nvPr/>
+        </p:nvSpPr>
+        <p:spPr>
+          <a:xfrm>
+            <a:off x="2860509" y="3099430"/>
+            <a:ext cx="1185349" cy="400110"/>
+          </a:xfrm>
+          <a:prstGeom prst="rect">
+            <a:avLst/>
+          </a:prstGeom>
+          <a:noFill/>
+        </p:spPr>
+        <p:txBody>
+          <a:bodyPr wrap="square" rtlCol="0">
+            <a:spAutoFit/>
+          </a:bodyPr>
+          <a:lstStyle/>
+          <a:p>
+            <a:r>
+              <a:rPr lang="en-US" sz="3000" baseline="-25000" dirty="0">
+                <a:solidFill>
+                  <a:schemeClr val="bg1"/>
+                </a:solidFill>
+              </a:rPr>
+              <a:t>?</a:t>
+            </a:r>
+          </a:p>
+        </p:txBody>
+      </p:sp>
+      <p:sp>
+        <p:nvSpPr>
+          <p:cNvPr id="52" name="TextBox 51"/>
+          <p:cNvSpPr txBox="1"/>
+          <p:nvPr/>
+        </p:nvSpPr>
+        <p:spPr>
+          <a:xfrm>
+            <a:off x="5186056" y="3140967"/>
+            <a:ext cx="1185349" cy="400110"/>
+          </a:xfrm>
+          <a:prstGeom prst="rect">
+            <a:avLst/>
+          </a:prstGeom>
+          <a:noFill/>
+        </p:spPr>
+        <p:txBody>
+          <a:bodyPr wrap="square" rtlCol="0">
+            <a:spAutoFit/>
+          </a:bodyPr>
+          <a:lstStyle/>
+          <a:p>
+            <a:r>
+              <a:rPr lang="en-US" sz="3000" baseline="-25000" dirty="0">
+                <a:solidFill>
+                  <a:schemeClr val="bg1"/>
+                </a:solidFill>
+              </a:rPr>
+              <a:t>?</a:t>
+            </a:r>
+          </a:p>
+        </p:txBody>
+      </p:sp>
+      <p:sp>
+        <p:nvSpPr>
+          <p:cNvPr id="53" name="TextBox 52"/>
+          <p:cNvSpPr txBox="1"/>
+          <p:nvPr/>
+        </p:nvSpPr>
+        <p:spPr>
+          <a:xfrm>
+            <a:off x="6016685" y="3181291"/>
+            <a:ext cx="1185349" cy="400110"/>
+          </a:xfrm>
+          <a:prstGeom prst="rect">
+            <a:avLst/>
+          </a:prstGeom>
+          <a:noFill/>
+        </p:spPr>
+        <p:txBody>
+          <a:bodyPr wrap="square" rtlCol="0">
+            <a:spAutoFit/>
+          </a:bodyPr>
+          <a:lstStyle/>
+          <a:p>
+            <a:r>
+              <a:rPr lang="en-US" sz="3000" baseline="-25000" dirty="0">
+                <a:solidFill>
+                  <a:schemeClr val="bg1"/>
+                </a:solidFill>
+              </a:rPr>
+              <a:t>?</a:t>
+            </a:r>
+          </a:p>
+        </p:txBody>
+      </p:sp>
+      <p:sp>
+        <p:nvSpPr>
+          <p:cNvPr id="54" name="TextBox 53"/>
+          <p:cNvSpPr txBox="1"/>
+          <p:nvPr/>
+        </p:nvSpPr>
+        <p:spPr>
+          <a:xfrm>
+            <a:off x="1330950" y="3980329"/>
+            <a:ext cx="1185349" cy="400110"/>
+          </a:xfrm>
+          <a:prstGeom prst="rect">
+            <a:avLst/>
+          </a:prstGeom>
+          <a:noFill/>
+        </p:spPr>
+        <p:txBody>
+          <a:bodyPr wrap="square" rtlCol="0">
+            <a:spAutoFit/>
+          </a:bodyPr>
+          <a:lstStyle/>
+          <a:p>
+            <a:r>
+              <a:rPr lang="en-US" sz="3000" baseline="-25000" dirty="0">
+                <a:solidFill>
+                  <a:schemeClr val="bg1"/>
+                </a:solidFill>
+              </a:rPr>
+              <a:t>?</a:t>
+            </a:r>
+          </a:p>
+        </p:txBody>
+      </p:sp>
+      <p:sp>
+        <p:nvSpPr>
+          <p:cNvPr id="55" name="TextBox 54"/>
+          <p:cNvSpPr txBox="1"/>
+          <p:nvPr/>
+        </p:nvSpPr>
+        <p:spPr>
+          <a:xfrm>
+            <a:off x="4433790" y="1794239"/>
+            <a:ext cx="1185349" cy="400110"/>
+          </a:xfrm>
+          <a:prstGeom prst="rect">
+            <a:avLst/>
+          </a:prstGeom>
+          <a:noFill/>
+        </p:spPr>
+        <p:txBody>
+          <a:bodyPr wrap="square" rtlCol="0">
+            <a:spAutoFit/>
+          </a:bodyPr>
+          <a:lstStyle/>
+          <a:p>
+            <a:r>
+              <a:rPr lang="en-US" sz="3000" baseline="-25000" dirty="0">
+                <a:solidFill>
+                  <a:schemeClr val="bg1"/>
+                </a:solidFill>
+              </a:rPr>
+              <a:t>?</a:t>
+            </a:r>
+          </a:p>
+        </p:txBody>
+      </p:sp>
+      <p:sp>
+        <p:nvSpPr>
+          <p:cNvPr id="56" name="TextBox 55"/>
+          <p:cNvSpPr txBox="1"/>
+          <p:nvPr/>
+        </p:nvSpPr>
+        <p:spPr>
+          <a:xfrm>
+            <a:off x="7480638" y="3409891"/>
+            <a:ext cx="1185349" cy="400110"/>
+          </a:xfrm>
+          <a:prstGeom prst="rect">
+            <a:avLst/>
+          </a:prstGeom>
+          <a:noFill/>
+        </p:spPr>
+        <p:txBody>
+          <a:bodyPr wrap="square" rtlCol="0">
+            <a:spAutoFit/>
+          </a:bodyPr>
+          <a:lstStyle/>
+          <a:p>
+            <a:r>
+              <a:rPr lang="en-US" sz="3000" baseline="-25000" dirty="0">
+                <a:solidFill>
+                  <a:schemeClr val="bg1"/>
+                </a:solidFill>
+              </a:rPr>
+              <a:t>?</a:t>
+            </a:r>
+          </a:p>
+        </p:txBody>
+      </p:sp>
+      <p:sp>
+        <p:nvSpPr>
+          <p:cNvPr id="57" name="TextBox 56"/>
+          <p:cNvSpPr txBox="1"/>
+          <p:nvPr/>
+        </p:nvSpPr>
+        <p:spPr>
+          <a:xfrm>
+            <a:off x="8403685" y="3310594"/>
+            <a:ext cx="1185349" cy="400110"/>
+          </a:xfrm>
+          <a:prstGeom prst="rect">
+            <a:avLst/>
+          </a:prstGeom>
+          <a:noFill/>
+        </p:spPr>
+        <p:txBody>
+          <a:bodyPr wrap="square" rtlCol="0">
+            <a:spAutoFit/>
+          </a:bodyPr>
+          <a:lstStyle/>
+          <a:p>
+            <a:r>
+              <a:rPr lang="en-US" sz="3000" baseline="-25000" dirty="0">
+                <a:solidFill>
+                  <a:schemeClr val="bg1"/>
+                </a:solidFill>
+              </a:rPr>
+              <a:t>?</a:t>
+            </a:r>
+          </a:p>
+        </p:txBody>
+      </p:sp>
+      <p:sp>
+        <p:nvSpPr>
+          <p:cNvPr id="58" name="TextBox 57"/>
+          <p:cNvSpPr txBox="1"/>
+          <p:nvPr/>
+        </p:nvSpPr>
+        <p:spPr>
+          <a:xfrm>
+            <a:off x="7785438" y="3714691"/>
+            <a:ext cx="1185349" cy="400110"/>
+          </a:xfrm>
+          <a:prstGeom prst="rect">
+            <a:avLst/>
+          </a:prstGeom>
+          <a:noFill/>
+        </p:spPr>
+        <p:txBody>
+          <a:bodyPr wrap="square" rtlCol="0">
+            <a:spAutoFit/>
+          </a:bodyPr>
+          <a:lstStyle/>
+          <a:p>
+            <a:r>
+              <a:rPr lang="en-US" sz="3000" baseline="-25000" dirty="0">
+                <a:solidFill>
+                  <a:schemeClr val="bg1"/>
+                </a:solidFill>
+              </a:rPr>
+              <a:t>?</a:t>
+            </a:r>
+          </a:p>
+        </p:txBody>
+      </p:sp>
+      <p:sp>
+        <p:nvSpPr>
+          <p:cNvPr id="59" name="TextBox 58"/>
+          <p:cNvSpPr txBox="1"/>
+          <p:nvPr/>
+        </p:nvSpPr>
+        <p:spPr>
+          <a:xfrm>
+            <a:off x="7937838" y="3867091"/>
+            <a:ext cx="1185349" cy="400110"/>
+          </a:xfrm>
+          <a:prstGeom prst="rect">
+            <a:avLst/>
+          </a:prstGeom>
+          <a:noFill/>
+        </p:spPr>
+        <p:txBody>
+          <a:bodyPr wrap="square" rtlCol="0">
+            <a:spAutoFit/>
+          </a:bodyPr>
+          <a:lstStyle/>
+          <a:p>
+            <a:r>
+              <a:rPr lang="en-US" sz="3000" baseline="-25000" dirty="0">
+                <a:solidFill>
+                  <a:schemeClr val="bg1"/>
+                </a:solidFill>
+              </a:rPr>
+              <a:t>?</a:t>
+            </a:r>
+          </a:p>
+        </p:txBody>
+      </p:sp>
+      <p:sp>
+        <p:nvSpPr>
+          <p:cNvPr id="60" name="TextBox 59"/>
+          <p:cNvSpPr txBox="1"/>
+          <p:nvPr/>
+        </p:nvSpPr>
+        <p:spPr>
+          <a:xfrm>
+            <a:off x="8090238" y="4019491"/>
+            <a:ext cx="1185349" cy="400110"/>
+          </a:xfrm>
+          <a:prstGeom prst="rect">
+            <a:avLst/>
+          </a:prstGeom>
+          <a:noFill/>
+        </p:spPr>
+        <p:txBody>
+          <a:bodyPr wrap="square" rtlCol="0">
+            <a:spAutoFit/>
+          </a:bodyPr>
+          <a:lstStyle/>
+          <a:p>
+            <a:r>
+              <a:rPr lang="en-US" sz="3000" baseline="-25000" dirty="0">
+                <a:solidFill>
+                  <a:schemeClr val="bg1"/>
+                </a:solidFill>
+              </a:rPr>
+              <a:t>?</a:t>
+            </a:r>
+          </a:p>
+        </p:txBody>
+      </p:sp>
+      <p:sp>
+        <p:nvSpPr>
+          <p:cNvPr id="61" name="TextBox 60"/>
+          <p:cNvSpPr txBox="1"/>
+          <p:nvPr/>
+        </p:nvSpPr>
+        <p:spPr>
+          <a:xfrm>
+            <a:off x="8242638" y="4171891"/>
+            <a:ext cx="1185349" cy="400110"/>
+          </a:xfrm>
+          <a:prstGeom prst="rect">
+            <a:avLst/>
+          </a:prstGeom>
+          <a:noFill/>
+        </p:spPr>
+        <p:txBody>
+          <a:bodyPr wrap="square" rtlCol="0">
+            <a:spAutoFit/>
+          </a:bodyPr>
+          <a:lstStyle/>
+          <a:p>
+            <a:r>
+              <a:rPr lang="en-US" sz="3000" baseline="-25000" dirty="0">
+                <a:solidFill>
+                  <a:schemeClr val="bg1"/>
+                </a:solidFill>
+              </a:rPr>
+              <a:t>?</a:t>
+            </a:r>
+          </a:p>
+        </p:txBody>
+      </p:sp>
+      <p:sp>
+        <p:nvSpPr>
+          <p:cNvPr id="62" name="TextBox 61"/>
+          <p:cNvSpPr txBox="1"/>
+          <p:nvPr/>
+        </p:nvSpPr>
+        <p:spPr>
+          <a:xfrm>
+            <a:off x="8300266" y="4736631"/>
+            <a:ext cx="1185349" cy="400110"/>
+          </a:xfrm>
+          <a:prstGeom prst="rect">
+            <a:avLst/>
+          </a:prstGeom>
+          <a:noFill/>
+        </p:spPr>
+        <p:txBody>
+          <a:bodyPr wrap="square" rtlCol="0">
+            <a:spAutoFit/>
+          </a:bodyPr>
+          <a:lstStyle/>
+          <a:p>
+            <a:r>
+              <a:rPr lang="en-US" sz="3000" baseline="-25000" dirty="0">
+                <a:solidFill>
+                  <a:schemeClr val="bg1"/>
+                </a:solidFill>
+              </a:rPr>
+              <a:t>?</a:t>
+            </a:r>
+          </a:p>
+        </p:txBody>
+      </p:sp>
+      <p:sp>
+        <p:nvSpPr>
+          <p:cNvPr id="63" name="TextBox 62"/>
+          <p:cNvSpPr txBox="1"/>
+          <p:nvPr/>
+        </p:nvSpPr>
+        <p:spPr>
+          <a:xfrm>
+            <a:off x="9854531" y="4019491"/>
+            <a:ext cx="1185349" cy="400110"/>
+          </a:xfrm>
+          <a:prstGeom prst="rect">
+            <a:avLst/>
+          </a:prstGeom>
+          <a:noFill/>
+        </p:spPr>
+        <p:txBody>
+          <a:bodyPr wrap="square" rtlCol="0">
+            <a:spAutoFit/>
+          </a:bodyPr>
+          <a:lstStyle/>
+          <a:p>
+            <a:r>
+              <a:rPr lang="en-US" sz="3000" baseline="-25000" dirty="0">
+                <a:solidFill>
+                  <a:schemeClr val="bg1"/>
+                </a:solidFill>
+              </a:rPr>
+              <a:t>?</a:t>
+            </a:r>
+          </a:p>
+        </p:txBody>
+      </p:sp>
+      <p:sp>
+        <p:nvSpPr>
+          <p:cNvPr id="64" name="TextBox 63"/>
+          <p:cNvSpPr txBox="1"/>
+          <p:nvPr/>
+        </p:nvSpPr>
+        <p:spPr>
+          <a:xfrm>
+            <a:off x="6954446" y="4674351"/>
+            <a:ext cx="1185349" cy="400110"/>
+          </a:xfrm>
+          <a:prstGeom prst="rect">
+            <a:avLst/>
+          </a:prstGeom>
+          <a:noFill/>
+        </p:spPr>
+        <p:txBody>
+          <a:bodyPr wrap="square" rtlCol="0">
+            <a:spAutoFit/>
+          </a:bodyPr>
+          <a:lstStyle/>
+          <a:p>
+            <a:r>
+              <a:rPr lang="en-US" sz="3000" baseline="-25000" dirty="0">
+                <a:solidFill>
+                  <a:schemeClr val="bg1"/>
+                </a:solidFill>
+              </a:rPr>
+              <a:t>?</a:t>
+            </a:r>
+          </a:p>
+        </p:txBody>
+      </p:sp>
+      <p:sp>
+        <p:nvSpPr>
+          <p:cNvPr id="65" name="TextBox 64"/>
+          <p:cNvSpPr txBox="1"/>
+          <p:nvPr/>
+        </p:nvSpPr>
+        <p:spPr>
+          <a:xfrm>
+            <a:off x="6029083" y="4715034"/>
+            <a:ext cx="1185349" cy="400110"/>
+          </a:xfrm>
+          <a:prstGeom prst="rect">
+            <a:avLst/>
+          </a:prstGeom>
+          <a:noFill/>
+        </p:spPr>
+        <p:txBody>
+          <a:bodyPr wrap="square" rtlCol="0">
+            <a:spAutoFit/>
+          </a:bodyPr>
+          <a:lstStyle/>
+          <a:p>
+            <a:r>
+              <a:rPr lang="en-US" sz="3000" baseline="-25000" dirty="0">
+                <a:solidFill>
+                  <a:schemeClr val="bg1"/>
+                </a:solidFill>
+              </a:rPr>
+              <a:t>?</a:t>
+            </a:r>
+          </a:p>
+        </p:txBody>
+      </p:sp>
+      <p:sp>
+        <p:nvSpPr>
+          <p:cNvPr id="66" name="TextBox 65"/>
+          <p:cNvSpPr txBox="1"/>
+          <p:nvPr/>
+        </p:nvSpPr>
+        <p:spPr>
+          <a:xfrm>
+            <a:off x="5103143" y="4839763"/>
+            <a:ext cx="1185349" cy="400110"/>
+          </a:xfrm>
+          <a:prstGeom prst="rect">
+            <a:avLst/>
+          </a:prstGeom>
+          <a:noFill/>
+        </p:spPr>
+        <p:txBody>
+          <a:bodyPr wrap="square" rtlCol="0">
+            <a:spAutoFit/>
+          </a:bodyPr>
+          <a:lstStyle/>
+          <a:p>
+            <a:r>
+              <a:rPr lang="en-US" sz="3000" baseline="-25000" dirty="0">
+                <a:solidFill>
+                  <a:schemeClr val="bg1"/>
+                </a:solidFill>
+              </a:rPr>
+              <a:t>?</a:t>
+            </a:r>
+          </a:p>
+        </p:txBody>
+      </p:sp>
+      <p:sp>
+        <p:nvSpPr>
+          <p:cNvPr id="67" name="Rectangle 66"/>
+          <p:cNvSpPr/>
+          <p:nvPr/>
+        </p:nvSpPr>
+        <p:spPr>
+          <a:xfrm>
+            <a:off x="8957057" y="3813267"/>
+            <a:ext cx="789460" cy="770964"/>
+          </a:xfrm>
+          <a:prstGeom prst="rect">
+            <a:avLst/>
+          </a:prstGeom>
+        </p:spPr>
+        <p:style>
+          <a:lnRef idx="2">
+            <a:schemeClr val="accent6"/>
+          </a:lnRef>
+          <a:fillRef idx="1">
+            <a:schemeClr val="lt1"/>
+          </a:fillRef>
+          <a:effectRef idx="0">
+            <a:schemeClr val="accent6"/>
+          </a:effectRef>
+          <a:fontRef idx="minor">
+            <a:schemeClr val="dk1"/>
+          </a:fontRef>
+        </p:style>
+        <p:txBody>
+          <a:bodyPr rtlCol="0" anchor="ctr"/>
+          <a:lstStyle/>
+          <a:p>
+            <a:pPr algn="ctr"/>
+            <a:endParaRPr lang="en-US"/>
+          </a:p>
+        </p:txBody>
+      </p:sp>
+      <p:sp>
+        <p:nvSpPr>
+          <p:cNvPr id="68" name="Rectangle 67"/>
+          <p:cNvSpPr/>
+          <p:nvPr/>
+        </p:nvSpPr>
+        <p:spPr>
+          <a:xfrm>
+            <a:off x="1766963" y="3813269"/>
+            <a:ext cx="789460" cy="770964"/>
+          </a:xfrm>
+          <a:prstGeom prst="rect">
+            <a:avLst/>
+          </a:prstGeom>
+        </p:spPr>
+        <p:style>
+          <a:lnRef idx="2">
+            <a:schemeClr val="accent6"/>
+          </a:lnRef>
+          <a:fillRef idx="1">
+            <a:schemeClr val="lt1"/>
+          </a:fillRef>
+          <a:effectRef idx="0">
+            <a:schemeClr val="accent6"/>
+          </a:effectRef>
+          <a:fontRef idx="minor">
+            <a:schemeClr val="dk1"/>
+          </a:fontRef>
+        </p:style>
+        <p:txBody>
+          <a:bodyPr rtlCol="0" anchor="ctr"/>
+          <a:lstStyle/>
+          <a:p>
+            <a:pPr algn="ctr"/>
+            <a:endParaRPr lang="en-US"/>
+          </a:p>
+        </p:txBody>
+      </p:sp>
+      <p:sp>
+        <p:nvSpPr>
+          <p:cNvPr id="69" name="Rectangle 68"/>
+          <p:cNvSpPr/>
+          <p:nvPr/>
+        </p:nvSpPr>
+        <p:spPr>
+          <a:xfrm>
+            <a:off x="4151778" y="2256713"/>
+            <a:ext cx="789460" cy="770964"/>
+          </a:xfrm>
+          <a:prstGeom prst="rect">
+            <a:avLst/>
+          </a:prstGeom>
+        </p:spPr>
+        <p:style>
+          <a:lnRef idx="2">
+            <a:schemeClr val="accent6"/>
+          </a:lnRef>
+          <a:fillRef idx="1">
+            <a:schemeClr val="lt1"/>
+          </a:fillRef>
+          <a:effectRef idx="0">
+            <a:schemeClr val="accent6"/>
+          </a:effectRef>
+          <a:fontRef idx="minor">
+            <a:schemeClr val="dk1"/>
+          </a:fontRef>
+        </p:style>
+        <p:txBody>
+          <a:bodyPr rtlCol="0" anchor="ctr"/>
+          <a:lstStyle/>
+          <a:p>
+            <a:pPr algn="ctr"/>
+            <a:endParaRPr lang="en-US"/>
+          </a:p>
+        </p:txBody>
+      </p:sp>
+      <p:sp>
+        <p:nvSpPr>
+          <p:cNvPr id="70" name="Rectangle 69"/>
+          <p:cNvSpPr/>
+          <p:nvPr/>
+        </p:nvSpPr>
+        <p:spPr>
+          <a:xfrm>
+            <a:off x="4153212" y="4606987"/>
+            <a:ext cx="789460" cy="770964"/>
+          </a:xfrm>
+          <a:prstGeom prst="rect">
+            <a:avLst/>
+          </a:prstGeom>
+        </p:spPr>
+        <p:style>
+          <a:lnRef idx="2">
+            <a:schemeClr val="accent6"/>
+          </a:lnRef>
+          <a:fillRef idx="1">
+            <a:schemeClr val="lt1"/>
+          </a:fillRef>
+          <a:effectRef idx="0">
+            <a:schemeClr val="accent6"/>
+          </a:effectRef>
+          <a:fontRef idx="minor">
+            <a:schemeClr val="dk1"/>
+          </a:fontRef>
+        </p:style>
+        <p:txBody>
+          <a:bodyPr rtlCol="0" anchor="ctr"/>
+          <a:lstStyle/>
+          <a:p>
+            <a:pPr algn="ctr"/>
+            <a:endParaRPr lang="en-US"/>
+          </a:p>
+        </p:txBody>
+      </p:sp>
+      <p:sp>
+        <p:nvSpPr>
+          <p:cNvPr id="72" name="Title 1"/>
           <p:cNvSpPr>
             <a:spLocks noGrp="1"/>
           </p:cNvSpPr>
@@ -9717,146 +9040,43 @@
             <p:ph type="title"/>
           </p:nvPr>
         </p:nvSpPr>
-        <p:spPr/>
+        <p:spPr>
+          <a:xfrm>
+            <a:off x="438017" y="440910"/>
+            <a:ext cx="10515600" cy="1325563"/>
+          </a:xfrm>
+        </p:spPr>
         <p:txBody>
           <a:bodyPr/>
           <a:lstStyle/>
           <a:p>
-            <a:r>
-              <a:rPr lang="en-US" b="1" dirty="0" err="1" smtClean="0">
-                <a:solidFill>
-                  <a:schemeClr val="bg1"/>
-                </a:solidFill>
-              </a:rPr>
-              <a:t>is_valid</a:t>
-            </a:r>
-            <a:r>
-              <a:rPr lang="en-US" b="1" dirty="0" smtClean="0">
-                <a:solidFill>
-                  <a:schemeClr val="bg1"/>
-                </a:solidFill>
-              </a:rPr>
-              <a:t> ()</a:t>
-            </a:r>
-            <a:endParaRPr lang="en-US" b="1" dirty="0">
-              <a:solidFill>
-                <a:schemeClr val="bg1"/>
-              </a:solidFill>
-            </a:endParaRPr>
-          </a:p>
-        </p:txBody>
-      </p:sp>
-      <p:sp>
-        <p:nvSpPr>
-          <p:cNvPr id="3" name="Content Placeholder 2"/>
-          <p:cNvSpPr>
-            <a:spLocks noGrp="1"/>
-          </p:cNvSpPr>
-          <p:nvPr>
-            <p:ph idx="1"/>
-          </p:nvPr>
-        </p:nvSpPr>
-        <p:spPr/>
-        <p:txBody>
-          <a:bodyPr/>
-          <a:lstStyle/>
-          <a:p>
+            <a:pPr algn="ctr"/>
             <a:r>
               <a:rPr lang="en-US" dirty="0" smtClean="0">
                 <a:solidFill>
                   <a:schemeClr val="bg1"/>
                 </a:solidFill>
               </a:rPr>
-              <a:t>Main word valid (including adjacent tiles)?</a:t>
-            </a:r>
-          </a:p>
-          <a:p>
-            <a:r>
-              <a:rPr lang="en-US" dirty="0" smtClean="0">
-                <a:solidFill>
-                  <a:schemeClr val="bg1"/>
-                </a:solidFill>
-              </a:rPr>
-              <a:t>Each played tile has legal perpendicular word (or empty)?</a:t>
-            </a:r>
-          </a:p>
-          <a:p>
-            <a:r>
-              <a:rPr lang="en-US" dirty="0" smtClean="0">
-                <a:solidFill>
-                  <a:schemeClr val="bg1"/>
-                </a:solidFill>
-              </a:rPr>
-              <a:t>Valid position for word? </a:t>
-            </a:r>
-          </a:p>
-          <a:p>
+              <a:t>Visual Intuition</a:t>
+            </a:r>
             <a:endParaRPr lang="en-US" dirty="0">
               <a:solidFill>
                 <a:schemeClr val="bg1"/>
               </a:solidFill>
             </a:endParaRPr>
           </a:p>
-          <a:p>
-            <a:r>
-              <a:rPr lang="en-US" dirty="0" smtClean="0">
-                <a:solidFill>
-                  <a:schemeClr val="bg1"/>
-                </a:solidFill>
-              </a:rPr>
-              <a:t>SCORING: takes place as each condition checked</a:t>
-            </a:r>
-          </a:p>
-          <a:p>
-            <a:endParaRPr lang="en-US" dirty="0">
-              <a:solidFill>
-                <a:schemeClr val="bg1"/>
-              </a:solidFill>
-            </a:endParaRPr>
-          </a:p>
-          <a:p>
-            <a:r>
-              <a:rPr lang="en-US" dirty="0" smtClean="0">
-                <a:solidFill>
-                  <a:schemeClr val="bg1"/>
-                </a:solidFill>
-              </a:rPr>
-              <a:t>Includes special cases to handle 0-, 1-tile plays</a:t>
-            </a:r>
-          </a:p>
-          <a:p>
-            <a:endParaRPr lang="en-US" dirty="0" smtClean="0">
-              <a:solidFill>
-                <a:schemeClr val="bg1"/>
-              </a:solidFill>
-            </a:endParaRPr>
-          </a:p>
-          <a:p>
-            <a:endParaRPr lang="en-US" dirty="0">
-              <a:solidFill>
-                <a:schemeClr val="bg1"/>
-              </a:solidFill>
-            </a:endParaRPr>
-          </a:p>
         </p:txBody>
       </p:sp>
     </p:spTree>
     <p:extLst>
       <p:ext uri="{BB962C8B-B14F-4D97-AF65-F5344CB8AC3E}">
-        <p14:creationId xmlns:p14="http://schemas.microsoft.com/office/powerpoint/2010/main" val="1253684776"/>
+        <p14:creationId xmlns:p14="http://schemas.microsoft.com/office/powerpoint/2010/main" val="1178529299"/>
       </p:ext>
     </p:extLst>
   </p:cSld>
   <p:clrMapOvr>
     <a:masterClrMapping/>
   </p:clrMapOvr>
-  <p:timing>
-    <p:tnLst>
-      <p:par>
-        <p:cTn id="1" dur="indefinite" restart="never" nodeType="tmRoot"/>
-      </p:par>
-    </p:tnLst>
-  </p:timing>
 </p:sld>
 </file>
 

--- a/pres.pptx
+++ b/pres.pptx
@@ -11,10 +11,10 @@
     <p:sldId id="259" r:id="rId5"/>
     <p:sldId id="261" r:id="rId6"/>
     <p:sldId id="257" r:id="rId7"/>
-    <p:sldId id="272" r:id="rId8"/>
-    <p:sldId id="273" r:id="rId9"/>
-    <p:sldId id="274" r:id="rId10"/>
-    <p:sldId id="275" r:id="rId11"/>
+    <p:sldId id="275" r:id="rId8"/>
+    <p:sldId id="272" r:id="rId9"/>
+    <p:sldId id="273" r:id="rId10"/>
+    <p:sldId id="274" r:id="rId11"/>
     <p:sldId id="262" r:id="rId12"/>
     <p:sldId id="263" r:id="rId13"/>
     <p:sldId id="264" r:id="rId14"/>
@@ -7279,1322 +7279,7 @@
       </p:grpSpPr>
       <p:sp>
         <p:nvSpPr>
-          <p:cNvPr id="4" name="Rectangle 3"/>
-          <p:cNvSpPr/>
-          <p:nvPr/>
-        </p:nvSpPr>
-        <p:spPr>
-          <a:xfrm>
-            <a:off x="2570628" y="3818965"/>
-            <a:ext cx="789460" cy="770964"/>
-          </a:xfrm>
-          <a:prstGeom prst="rect">
-            <a:avLst/>
-          </a:prstGeom>
-        </p:spPr>
-        <p:style>
-          <a:lnRef idx="2">
-            <a:schemeClr val="accent6"/>
-          </a:lnRef>
-          <a:fillRef idx="1">
-            <a:schemeClr val="lt1"/>
-          </a:fillRef>
-          <a:effectRef idx="0">
-            <a:schemeClr val="accent6"/>
-          </a:effectRef>
-          <a:fontRef idx="minor">
-            <a:schemeClr val="dk1"/>
-          </a:fontRef>
-        </p:style>
-        <p:txBody>
-          <a:bodyPr rtlCol="0" anchor="ctr"/>
-          <a:lstStyle/>
-          <a:p>
-            <a:pPr algn="ctr"/>
-            <a:endParaRPr lang="en-US"/>
-          </a:p>
-        </p:txBody>
-      </p:sp>
-      <p:sp>
-        <p:nvSpPr>
-          <p:cNvPr id="17" name="TextBox 16"/>
-          <p:cNvSpPr txBox="1"/>
-          <p:nvPr/>
-        </p:nvSpPr>
-        <p:spPr>
-          <a:xfrm>
-            <a:off x="2651079" y="3986027"/>
-            <a:ext cx="860291" cy="400110"/>
-          </a:xfrm>
-          <a:prstGeom prst="rect">
-            <a:avLst/>
-          </a:prstGeom>
-          <a:noFill/>
-        </p:spPr>
-        <p:txBody>
-          <a:bodyPr wrap="square" rtlCol="0">
-            <a:spAutoFit/>
-          </a:bodyPr>
-          <a:lstStyle/>
-          <a:p>
-            <a:r>
-              <a:rPr lang="en-US" sz="3000" baseline="-25000" dirty="0"/>
-              <a:t>H</a:t>
-            </a:r>
-            <a:r>
-              <a:rPr lang="en-US" sz="3000" baseline="-25000" dirty="0" smtClean="0"/>
-              <a:t>𝛔(3)</a:t>
-            </a:r>
-            <a:endParaRPr lang="en-US" sz="3000" baseline="-25000" dirty="0"/>
-          </a:p>
-        </p:txBody>
-      </p:sp>
-      <p:sp>
-        <p:nvSpPr>
-          <p:cNvPr id="35" name="Rectangle 34"/>
-          <p:cNvSpPr/>
-          <p:nvPr/>
-        </p:nvSpPr>
-        <p:spPr>
-          <a:xfrm>
-            <a:off x="3367094" y="3824663"/>
-            <a:ext cx="789460" cy="770964"/>
-          </a:xfrm>
-          <a:prstGeom prst="rect">
-            <a:avLst/>
-          </a:prstGeom>
-        </p:spPr>
-        <p:style>
-          <a:lnRef idx="2">
-            <a:schemeClr val="accent6"/>
-          </a:lnRef>
-          <a:fillRef idx="1">
-            <a:schemeClr val="lt1"/>
-          </a:fillRef>
-          <a:effectRef idx="0">
-            <a:schemeClr val="accent6"/>
-          </a:effectRef>
-          <a:fontRef idx="minor">
-            <a:schemeClr val="dk1"/>
-          </a:fontRef>
-        </p:style>
-        <p:txBody>
-          <a:bodyPr rtlCol="0" anchor="ctr"/>
-          <a:lstStyle/>
-          <a:p>
-            <a:pPr algn="ctr"/>
-            <a:endParaRPr lang="en-US"/>
-          </a:p>
-        </p:txBody>
-      </p:sp>
-      <p:sp>
-        <p:nvSpPr>
-          <p:cNvPr id="36" name="TextBox 35"/>
-          <p:cNvSpPr txBox="1"/>
-          <p:nvPr/>
-        </p:nvSpPr>
-        <p:spPr>
-          <a:xfrm>
-            <a:off x="3447545" y="3991725"/>
-            <a:ext cx="860291" cy="400110"/>
-          </a:xfrm>
-          <a:prstGeom prst="rect">
-            <a:avLst/>
-          </a:prstGeom>
-          <a:noFill/>
-        </p:spPr>
-        <p:txBody>
-          <a:bodyPr wrap="square" rtlCol="0">
-            <a:spAutoFit/>
-          </a:bodyPr>
-          <a:lstStyle/>
-          <a:p>
-            <a:r>
-              <a:rPr lang="en-US" sz="3000" baseline="-25000" dirty="0"/>
-              <a:t>H</a:t>
-            </a:r>
-            <a:r>
-              <a:rPr lang="en-US" sz="3000" baseline="-25000" dirty="0" smtClean="0"/>
-              <a:t>𝛔(2)</a:t>
-            </a:r>
-            <a:endParaRPr lang="en-US" sz="3000" baseline="-25000" dirty="0"/>
-          </a:p>
-        </p:txBody>
-      </p:sp>
-      <p:sp>
-        <p:nvSpPr>
-          <p:cNvPr id="37" name="Rectangle 36"/>
-          <p:cNvSpPr/>
-          <p:nvPr/>
-        </p:nvSpPr>
-        <p:spPr>
-          <a:xfrm>
-            <a:off x="4156554" y="3818965"/>
-            <a:ext cx="789460" cy="770964"/>
-          </a:xfrm>
-          <a:prstGeom prst="rect">
-            <a:avLst/>
-          </a:prstGeom>
-        </p:spPr>
-        <p:style>
-          <a:lnRef idx="2">
-            <a:schemeClr val="accent6"/>
-          </a:lnRef>
-          <a:fillRef idx="1">
-            <a:schemeClr val="lt1"/>
-          </a:fillRef>
-          <a:effectRef idx="0">
-            <a:schemeClr val="accent6"/>
-          </a:effectRef>
-          <a:fontRef idx="minor">
-            <a:schemeClr val="dk1"/>
-          </a:fontRef>
-        </p:style>
-        <p:txBody>
-          <a:bodyPr rtlCol="0" anchor="ctr"/>
-          <a:lstStyle/>
-          <a:p>
-            <a:pPr algn="ctr"/>
-            <a:endParaRPr lang="en-US"/>
-          </a:p>
-        </p:txBody>
-      </p:sp>
-      <p:sp>
-        <p:nvSpPr>
-          <p:cNvPr id="38" name="TextBox 37"/>
-          <p:cNvSpPr txBox="1"/>
-          <p:nvPr/>
-        </p:nvSpPr>
-        <p:spPr>
-          <a:xfrm>
-            <a:off x="4237005" y="3986027"/>
-            <a:ext cx="860291" cy="400110"/>
-          </a:xfrm>
-          <a:prstGeom prst="rect">
-            <a:avLst/>
-          </a:prstGeom>
-          <a:noFill/>
-        </p:spPr>
-        <p:txBody>
-          <a:bodyPr wrap="square" rtlCol="0">
-            <a:spAutoFit/>
-          </a:bodyPr>
-          <a:lstStyle/>
-          <a:p>
-            <a:r>
-              <a:rPr lang="en-US" sz="3000" baseline="-25000" dirty="0"/>
-              <a:t>H</a:t>
-            </a:r>
-            <a:r>
-              <a:rPr lang="en-US" sz="3000" baseline="-25000" dirty="0" smtClean="0"/>
-              <a:t>𝛔(1)</a:t>
-            </a:r>
-            <a:endParaRPr lang="en-US" sz="3000" baseline="-25000" dirty="0"/>
-          </a:p>
-        </p:txBody>
-      </p:sp>
-      <p:sp>
-        <p:nvSpPr>
-          <p:cNvPr id="39" name="Rectangle 38"/>
-          <p:cNvSpPr/>
-          <p:nvPr/>
-        </p:nvSpPr>
-        <p:spPr>
-          <a:xfrm>
-            <a:off x="4946014" y="3813267"/>
-            <a:ext cx="789460" cy="770964"/>
-          </a:xfrm>
-          <a:prstGeom prst="rect">
-            <a:avLst/>
-          </a:prstGeom>
-        </p:spPr>
-        <p:style>
-          <a:lnRef idx="2">
-            <a:schemeClr val="accent6"/>
-          </a:lnRef>
-          <a:fillRef idx="1">
-            <a:schemeClr val="lt1"/>
-          </a:fillRef>
-          <a:effectRef idx="0">
-            <a:schemeClr val="accent6"/>
-          </a:effectRef>
-          <a:fontRef idx="minor">
-            <a:schemeClr val="dk1"/>
-          </a:fontRef>
-        </p:style>
-        <p:txBody>
-          <a:bodyPr rtlCol="0" anchor="ctr"/>
-          <a:lstStyle/>
-          <a:p>
-            <a:pPr algn="ctr"/>
-            <a:endParaRPr lang="en-US"/>
-          </a:p>
-        </p:txBody>
-      </p:sp>
-      <p:sp>
-        <p:nvSpPr>
-          <p:cNvPr id="40" name="TextBox 39"/>
-          <p:cNvSpPr txBox="1"/>
-          <p:nvPr/>
-        </p:nvSpPr>
-        <p:spPr>
-          <a:xfrm>
-            <a:off x="5026465" y="3980329"/>
-            <a:ext cx="860291" cy="400110"/>
-          </a:xfrm>
-          <a:prstGeom prst="rect">
-            <a:avLst/>
-          </a:prstGeom>
-          <a:noFill/>
-        </p:spPr>
-        <p:txBody>
-          <a:bodyPr wrap="square" rtlCol="0">
-            <a:spAutoFit/>
-          </a:bodyPr>
-          <a:lstStyle/>
-          <a:p>
-            <a:r>
-              <a:rPr lang="en-US" sz="3000" baseline="-25000" dirty="0"/>
-              <a:t>H</a:t>
-            </a:r>
-            <a:r>
-              <a:rPr lang="en-US" sz="3000" baseline="-25000" dirty="0" smtClean="0"/>
-              <a:t>𝛔(4)</a:t>
-            </a:r>
-            <a:endParaRPr lang="en-US" sz="3000" baseline="-25000" dirty="0"/>
-          </a:p>
-        </p:txBody>
-      </p:sp>
-      <p:sp>
-        <p:nvSpPr>
-          <p:cNvPr id="41" name="Rectangle 40"/>
-          <p:cNvSpPr/>
-          <p:nvPr/>
-        </p:nvSpPr>
-        <p:spPr>
-          <a:xfrm>
-            <a:off x="6581812" y="3824663"/>
-            <a:ext cx="789460" cy="770964"/>
-          </a:xfrm>
-          <a:prstGeom prst="rect">
-            <a:avLst/>
-          </a:prstGeom>
-        </p:spPr>
-        <p:style>
-          <a:lnRef idx="2">
-            <a:schemeClr val="accent6"/>
-          </a:lnRef>
-          <a:fillRef idx="1">
-            <a:schemeClr val="lt1"/>
-          </a:fillRef>
-          <a:effectRef idx="0">
-            <a:schemeClr val="accent6"/>
-          </a:effectRef>
-          <a:fontRef idx="minor">
-            <a:schemeClr val="dk1"/>
-          </a:fontRef>
-        </p:style>
-        <p:txBody>
-          <a:bodyPr rtlCol="0" anchor="ctr"/>
-          <a:lstStyle/>
-          <a:p>
-            <a:pPr algn="ctr"/>
-            <a:endParaRPr lang="en-US"/>
-          </a:p>
-        </p:txBody>
-      </p:sp>
-      <p:sp>
-        <p:nvSpPr>
-          <p:cNvPr id="42" name="TextBox 41"/>
-          <p:cNvSpPr txBox="1"/>
-          <p:nvPr/>
-        </p:nvSpPr>
-        <p:spPr>
-          <a:xfrm>
-            <a:off x="6766240" y="3955866"/>
-            <a:ext cx="860291" cy="400110"/>
-          </a:xfrm>
-          <a:prstGeom prst="rect">
-            <a:avLst/>
-          </a:prstGeom>
-          <a:noFill/>
-        </p:spPr>
-        <p:txBody>
-          <a:bodyPr wrap="square" rtlCol="0">
-            <a:spAutoFit/>
-          </a:bodyPr>
-          <a:lstStyle/>
-          <a:p>
-            <a:r>
-              <a:rPr lang="en-US" sz="3000" baseline="-25000" dirty="0" smtClean="0"/>
-              <a:t>C</a:t>
-            </a:r>
-            <a:endParaRPr lang="en-US" sz="3000" baseline="-25000" dirty="0"/>
-          </a:p>
-        </p:txBody>
-      </p:sp>
-      <p:sp>
-        <p:nvSpPr>
-          <p:cNvPr id="43" name="Rectangle 42"/>
-          <p:cNvSpPr/>
-          <p:nvPr/>
-        </p:nvSpPr>
-        <p:spPr>
-          <a:xfrm>
-            <a:off x="8171584" y="3824663"/>
-            <a:ext cx="789460" cy="770964"/>
-          </a:xfrm>
-          <a:prstGeom prst="rect">
-            <a:avLst/>
-          </a:prstGeom>
-        </p:spPr>
-        <p:style>
-          <a:lnRef idx="2">
-            <a:schemeClr val="accent6"/>
-          </a:lnRef>
-          <a:fillRef idx="1">
-            <a:schemeClr val="lt1"/>
-          </a:fillRef>
-          <a:effectRef idx="0">
-            <a:schemeClr val="accent6"/>
-          </a:effectRef>
-          <a:fontRef idx="minor">
-            <a:schemeClr val="dk1"/>
-          </a:fontRef>
-        </p:style>
-        <p:txBody>
-          <a:bodyPr rtlCol="0" anchor="ctr"/>
-          <a:lstStyle/>
-          <a:p>
-            <a:pPr algn="ctr"/>
-            <a:endParaRPr lang="en-US"/>
-          </a:p>
-        </p:txBody>
-      </p:sp>
-      <p:sp>
-        <p:nvSpPr>
-          <p:cNvPr id="44" name="TextBox 43"/>
-          <p:cNvSpPr txBox="1"/>
-          <p:nvPr/>
-        </p:nvSpPr>
-        <p:spPr>
-          <a:xfrm>
-            <a:off x="8358682" y="3967262"/>
-            <a:ext cx="860291" cy="400110"/>
-          </a:xfrm>
-          <a:prstGeom prst="rect">
-            <a:avLst/>
-          </a:prstGeom>
-          <a:noFill/>
-        </p:spPr>
-        <p:txBody>
-          <a:bodyPr wrap="square" rtlCol="0">
-            <a:spAutoFit/>
-          </a:bodyPr>
-          <a:lstStyle/>
-          <a:p>
-            <a:r>
-              <a:rPr lang="en-US" sz="3000" baseline="-25000"/>
-              <a:t>B</a:t>
-            </a:r>
-            <a:endParaRPr lang="en-US" sz="3000" baseline="-25000" dirty="0"/>
-          </a:p>
-        </p:txBody>
-      </p:sp>
-      <p:sp>
-        <p:nvSpPr>
-          <p:cNvPr id="45" name="Rectangle 44"/>
-          <p:cNvSpPr/>
-          <p:nvPr/>
-        </p:nvSpPr>
-        <p:spPr>
-          <a:xfrm>
-            <a:off x="5777896" y="3824663"/>
-            <a:ext cx="789460" cy="770964"/>
-          </a:xfrm>
-          <a:prstGeom prst="rect">
-            <a:avLst/>
-          </a:prstGeom>
-        </p:spPr>
-        <p:style>
-          <a:lnRef idx="2">
-            <a:schemeClr val="accent6"/>
-          </a:lnRef>
-          <a:fillRef idx="1">
-            <a:schemeClr val="lt1"/>
-          </a:fillRef>
-          <a:effectRef idx="0">
-            <a:schemeClr val="accent6"/>
-          </a:effectRef>
-          <a:fontRef idx="minor">
-            <a:schemeClr val="dk1"/>
-          </a:fontRef>
-        </p:style>
-        <p:txBody>
-          <a:bodyPr rtlCol="0" anchor="ctr"/>
-          <a:lstStyle/>
-          <a:p>
-            <a:pPr algn="ctr"/>
-            <a:endParaRPr lang="en-US"/>
-          </a:p>
-        </p:txBody>
-      </p:sp>
-      <p:sp>
-        <p:nvSpPr>
-          <p:cNvPr id="46" name="TextBox 45"/>
-          <p:cNvSpPr txBox="1"/>
-          <p:nvPr/>
-        </p:nvSpPr>
-        <p:spPr>
-          <a:xfrm>
-            <a:off x="5858347" y="3991725"/>
-            <a:ext cx="860291" cy="400110"/>
-          </a:xfrm>
-          <a:prstGeom prst="rect">
-            <a:avLst/>
-          </a:prstGeom>
-          <a:noFill/>
-        </p:spPr>
-        <p:txBody>
-          <a:bodyPr wrap="square" rtlCol="0">
-            <a:spAutoFit/>
-          </a:bodyPr>
-          <a:lstStyle/>
-          <a:p>
-            <a:r>
-              <a:rPr lang="en-US" sz="3000" baseline="-25000" dirty="0"/>
-              <a:t>H</a:t>
-            </a:r>
-            <a:r>
-              <a:rPr lang="en-US" sz="3000" baseline="-25000" dirty="0" smtClean="0"/>
-              <a:t>𝛔(5)</a:t>
-            </a:r>
-            <a:endParaRPr lang="en-US" sz="3000" baseline="-25000" dirty="0"/>
-          </a:p>
-        </p:txBody>
-      </p:sp>
-      <p:sp>
-        <p:nvSpPr>
-          <p:cNvPr id="47" name="Rectangle 46"/>
-          <p:cNvSpPr/>
-          <p:nvPr/>
-        </p:nvSpPr>
-        <p:spPr>
-          <a:xfrm>
-            <a:off x="7364920" y="3824663"/>
-            <a:ext cx="789460" cy="770964"/>
-          </a:xfrm>
-          <a:prstGeom prst="rect">
-            <a:avLst/>
-          </a:prstGeom>
-        </p:spPr>
-        <p:style>
-          <a:lnRef idx="2">
-            <a:schemeClr val="accent6"/>
-          </a:lnRef>
-          <a:fillRef idx="1">
-            <a:schemeClr val="lt1"/>
-          </a:fillRef>
-          <a:effectRef idx="0">
-            <a:schemeClr val="accent6"/>
-          </a:effectRef>
-          <a:fontRef idx="minor">
-            <a:schemeClr val="dk1"/>
-          </a:fontRef>
-        </p:style>
-        <p:txBody>
-          <a:bodyPr rtlCol="0" anchor="ctr"/>
-          <a:lstStyle/>
-          <a:p>
-            <a:pPr algn="ctr"/>
-            <a:endParaRPr lang="en-US"/>
-          </a:p>
-        </p:txBody>
-      </p:sp>
-      <p:sp>
-        <p:nvSpPr>
-          <p:cNvPr id="48" name="TextBox 47"/>
-          <p:cNvSpPr txBox="1"/>
-          <p:nvPr/>
-        </p:nvSpPr>
-        <p:spPr>
-          <a:xfrm>
-            <a:off x="7418874" y="3991725"/>
-            <a:ext cx="860291" cy="400110"/>
-          </a:xfrm>
-          <a:prstGeom prst="rect">
-            <a:avLst/>
-          </a:prstGeom>
-          <a:noFill/>
-        </p:spPr>
-        <p:txBody>
-          <a:bodyPr wrap="square" rtlCol="0">
-            <a:spAutoFit/>
-          </a:bodyPr>
-          <a:lstStyle/>
-          <a:p>
-            <a:r>
-              <a:rPr lang="en-US" sz="3000" baseline="-25000" dirty="0"/>
-              <a:t>H</a:t>
-            </a:r>
-            <a:r>
-              <a:rPr lang="en-US" sz="3000" baseline="-25000" dirty="0" smtClean="0"/>
-              <a:t>𝛔(6)</a:t>
-            </a:r>
-            <a:endParaRPr lang="en-US" sz="3000" baseline="-25000" dirty="0"/>
-          </a:p>
-        </p:txBody>
-      </p:sp>
-      <p:sp>
-        <p:nvSpPr>
-          <p:cNvPr id="49" name="Rectangle 48"/>
-          <p:cNvSpPr/>
-          <p:nvPr/>
-        </p:nvSpPr>
-        <p:spPr>
-          <a:xfrm>
-            <a:off x="4151778" y="3048001"/>
-            <a:ext cx="789460" cy="770964"/>
-          </a:xfrm>
-          <a:prstGeom prst="rect">
-            <a:avLst/>
-          </a:prstGeom>
-        </p:spPr>
-        <p:style>
-          <a:lnRef idx="2">
-            <a:schemeClr val="accent6"/>
-          </a:lnRef>
-          <a:fillRef idx="1">
-            <a:schemeClr val="lt1"/>
-          </a:fillRef>
-          <a:effectRef idx="0">
-            <a:schemeClr val="accent6"/>
-          </a:effectRef>
-          <a:fontRef idx="minor">
-            <a:schemeClr val="dk1"/>
-          </a:fontRef>
-        </p:style>
-        <p:txBody>
-          <a:bodyPr rtlCol="0" anchor="ctr"/>
-          <a:lstStyle/>
-          <a:p>
-            <a:pPr algn="ctr"/>
-            <a:endParaRPr lang="en-US"/>
-          </a:p>
-        </p:txBody>
-      </p:sp>
-      <p:sp>
-        <p:nvSpPr>
-          <p:cNvPr id="50" name="TextBox 49"/>
-          <p:cNvSpPr txBox="1"/>
-          <p:nvPr/>
-        </p:nvSpPr>
-        <p:spPr>
-          <a:xfrm>
-            <a:off x="4325765" y="3197969"/>
-            <a:ext cx="860291" cy="400110"/>
-          </a:xfrm>
-          <a:prstGeom prst="rect">
-            <a:avLst/>
-          </a:prstGeom>
-          <a:noFill/>
-        </p:spPr>
-        <p:txBody>
-          <a:bodyPr wrap="square" rtlCol="0">
-            <a:spAutoFit/>
-          </a:bodyPr>
-          <a:lstStyle/>
-          <a:p>
-            <a:r>
-              <a:rPr lang="en-US" sz="3000" baseline="-25000" dirty="0"/>
-              <a:t>H</a:t>
-            </a:r>
-          </a:p>
-        </p:txBody>
-      </p:sp>
-      <p:sp>
-        <p:nvSpPr>
-          <p:cNvPr id="51" name="TextBox 50"/>
-          <p:cNvSpPr txBox="1"/>
-          <p:nvPr/>
-        </p:nvSpPr>
-        <p:spPr>
-          <a:xfrm>
-            <a:off x="2860509" y="3099430"/>
-            <a:ext cx="1185349" cy="400110"/>
-          </a:xfrm>
-          <a:prstGeom prst="rect">
-            <a:avLst/>
-          </a:prstGeom>
-          <a:noFill/>
-        </p:spPr>
-        <p:txBody>
-          <a:bodyPr wrap="square" rtlCol="0">
-            <a:spAutoFit/>
-          </a:bodyPr>
-          <a:lstStyle/>
-          <a:p>
-            <a:r>
-              <a:rPr lang="en-US" sz="3000" baseline="-25000" dirty="0">
-                <a:solidFill>
-                  <a:schemeClr val="bg1"/>
-                </a:solidFill>
-              </a:rPr>
-              <a:t>?</a:t>
-            </a:r>
-          </a:p>
-        </p:txBody>
-      </p:sp>
-      <p:sp>
-        <p:nvSpPr>
-          <p:cNvPr id="52" name="TextBox 51"/>
-          <p:cNvSpPr txBox="1"/>
-          <p:nvPr/>
-        </p:nvSpPr>
-        <p:spPr>
-          <a:xfrm>
-            <a:off x="5186056" y="3140967"/>
-            <a:ext cx="1185349" cy="400110"/>
-          </a:xfrm>
-          <a:prstGeom prst="rect">
-            <a:avLst/>
-          </a:prstGeom>
-          <a:noFill/>
-        </p:spPr>
-        <p:txBody>
-          <a:bodyPr wrap="square" rtlCol="0">
-            <a:spAutoFit/>
-          </a:bodyPr>
-          <a:lstStyle/>
-          <a:p>
-            <a:r>
-              <a:rPr lang="en-US" sz="3000" baseline="-25000" dirty="0">
-                <a:solidFill>
-                  <a:schemeClr val="bg1"/>
-                </a:solidFill>
-              </a:rPr>
-              <a:t>?</a:t>
-            </a:r>
-          </a:p>
-        </p:txBody>
-      </p:sp>
-      <p:sp>
-        <p:nvSpPr>
-          <p:cNvPr id="53" name="TextBox 52"/>
-          <p:cNvSpPr txBox="1"/>
-          <p:nvPr/>
-        </p:nvSpPr>
-        <p:spPr>
-          <a:xfrm>
-            <a:off x="6016685" y="3181291"/>
-            <a:ext cx="1185349" cy="400110"/>
-          </a:xfrm>
-          <a:prstGeom prst="rect">
-            <a:avLst/>
-          </a:prstGeom>
-          <a:noFill/>
-        </p:spPr>
-        <p:txBody>
-          <a:bodyPr wrap="square" rtlCol="0">
-            <a:spAutoFit/>
-          </a:bodyPr>
-          <a:lstStyle/>
-          <a:p>
-            <a:r>
-              <a:rPr lang="en-US" sz="3000" baseline="-25000" dirty="0">
-                <a:solidFill>
-                  <a:schemeClr val="bg1"/>
-                </a:solidFill>
-              </a:rPr>
-              <a:t>?</a:t>
-            </a:r>
-          </a:p>
-        </p:txBody>
-      </p:sp>
-      <p:sp>
-        <p:nvSpPr>
-          <p:cNvPr id="54" name="TextBox 53"/>
-          <p:cNvSpPr txBox="1"/>
-          <p:nvPr/>
-        </p:nvSpPr>
-        <p:spPr>
-          <a:xfrm>
-            <a:off x="1330950" y="3980329"/>
-            <a:ext cx="1185349" cy="400110"/>
-          </a:xfrm>
-          <a:prstGeom prst="rect">
-            <a:avLst/>
-          </a:prstGeom>
-          <a:noFill/>
-        </p:spPr>
-        <p:txBody>
-          <a:bodyPr wrap="square" rtlCol="0">
-            <a:spAutoFit/>
-          </a:bodyPr>
-          <a:lstStyle/>
-          <a:p>
-            <a:r>
-              <a:rPr lang="en-US" sz="3000" baseline="-25000" dirty="0">
-                <a:solidFill>
-                  <a:schemeClr val="bg1"/>
-                </a:solidFill>
-              </a:rPr>
-              <a:t>?</a:t>
-            </a:r>
-          </a:p>
-        </p:txBody>
-      </p:sp>
-      <p:sp>
-        <p:nvSpPr>
-          <p:cNvPr id="55" name="TextBox 54"/>
-          <p:cNvSpPr txBox="1"/>
-          <p:nvPr/>
-        </p:nvSpPr>
-        <p:spPr>
-          <a:xfrm>
-            <a:off x="4433790" y="1794239"/>
-            <a:ext cx="1185349" cy="400110"/>
-          </a:xfrm>
-          <a:prstGeom prst="rect">
-            <a:avLst/>
-          </a:prstGeom>
-          <a:noFill/>
-        </p:spPr>
-        <p:txBody>
-          <a:bodyPr wrap="square" rtlCol="0">
-            <a:spAutoFit/>
-          </a:bodyPr>
-          <a:lstStyle/>
-          <a:p>
-            <a:r>
-              <a:rPr lang="en-US" sz="3000" baseline="-25000" dirty="0">
-                <a:solidFill>
-                  <a:schemeClr val="bg1"/>
-                </a:solidFill>
-              </a:rPr>
-              <a:t>?</a:t>
-            </a:r>
-          </a:p>
-        </p:txBody>
-      </p:sp>
-      <p:sp>
-        <p:nvSpPr>
-          <p:cNvPr id="56" name="TextBox 55"/>
-          <p:cNvSpPr txBox="1"/>
-          <p:nvPr/>
-        </p:nvSpPr>
-        <p:spPr>
-          <a:xfrm>
-            <a:off x="7480638" y="3409891"/>
-            <a:ext cx="1185349" cy="400110"/>
-          </a:xfrm>
-          <a:prstGeom prst="rect">
-            <a:avLst/>
-          </a:prstGeom>
-          <a:noFill/>
-        </p:spPr>
-        <p:txBody>
-          <a:bodyPr wrap="square" rtlCol="0">
-            <a:spAutoFit/>
-          </a:bodyPr>
-          <a:lstStyle/>
-          <a:p>
-            <a:r>
-              <a:rPr lang="en-US" sz="3000" baseline="-25000" dirty="0">
-                <a:solidFill>
-                  <a:schemeClr val="bg1"/>
-                </a:solidFill>
-              </a:rPr>
-              <a:t>?</a:t>
-            </a:r>
-          </a:p>
-        </p:txBody>
-      </p:sp>
-      <p:sp>
-        <p:nvSpPr>
-          <p:cNvPr id="57" name="TextBox 56"/>
-          <p:cNvSpPr txBox="1"/>
-          <p:nvPr/>
-        </p:nvSpPr>
-        <p:spPr>
-          <a:xfrm>
-            <a:off x="8403685" y="3310594"/>
-            <a:ext cx="1185349" cy="400110"/>
-          </a:xfrm>
-          <a:prstGeom prst="rect">
-            <a:avLst/>
-          </a:prstGeom>
-          <a:noFill/>
-        </p:spPr>
-        <p:txBody>
-          <a:bodyPr wrap="square" rtlCol="0">
-            <a:spAutoFit/>
-          </a:bodyPr>
-          <a:lstStyle/>
-          <a:p>
-            <a:r>
-              <a:rPr lang="en-US" sz="3000" baseline="-25000" dirty="0">
-                <a:solidFill>
-                  <a:schemeClr val="bg1"/>
-                </a:solidFill>
-              </a:rPr>
-              <a:t>?</a:t>
-            </a:r>
-          </a:p>
-        </p:txBody>
-      </p:sp>
-      <p:sp>
-        <p:nvSpPr>
-          <p:cNvPr id="58" name="TextBox 57"/>
-          <p:cNvSpPr txBox="1"/>
-          <p:nvPr/>
-        </p:nvSpPr>
-        <p:spPr>
-          <a:xfrm>
-            <a:off x="7785438" y="3714691"/>
-            <a:ext cx="1185349" cy="400110"/>
-          </a:xfrm>
-          <a:prstGeom prst="rect">
-            <a:avLst/>
-          </a:prstGeom>
-          <a:noFill/>
-        </p:spPr>
-        <p:txBody>
-          <a:bodyPr wrap="square" rtlCol="0">
-            <a:spAutoFit/>
-          </a:bodyPr>
-          <a:lstStyle/>
-          <a:p>
-            <a:r>
-              <a:rPr lang="en-US" sz="3000" baseline="-25000" dirty="0">
-                <a:solidFill>
-                  <a:schemeClr val="bg1"/>
-                </a:solidFill>
-              </a:rPr>
-              <a:t>?</a:t>
-            </a:r>
-          </a:p>
-        </p:txBody>
-      </p:sp>
-      <p:sp>
-        <p:nvSpPr>
-          <p:cNvPr id="59" name="TextBox 58"/>
-          <p:cNvSpPr txBox="1"/>
-          <p:nvPr/>
-        </p:nvSpPr>
-        <p:spPr>
-          <a:xfrm>
-            <a:off x="7937838" y="3867091"/>
-            <a:ext cx="1185349" cy="400110"/>
-          </a:xfrm>
-          <a:prstGeom prst="rect">
-            <a:avLst/>
-          </a:prstGeom>
-          <a:noFill/>
-        </p:spPr>
-        <p:txBody>
-          <a:bodyPr wrap="square" rtlCol="0">
-            <a:spAutoFit/>
-          </a:bodyPr>
-          <a:lstStyle/>
-          <a:p>
-            <a:r>
-              <a:rPr lang="en-US" sz="3000" baseline="-25000" dirty="0">
-                <a:solidFill>
-                  <a:schemeClr val="bg1"/>
-                </a:solidFill>
-              </a:rPr>
-              <a:t>?</a:t>
-            </a:r>
-          </a:p>
-        </p:txBody>
-      </p:sp>
-      <p:sp>
-        <p:nvSpPr>
-          <p:cNvPr id="60" name="TextBox 59"/>
-          <p:cNvSpPr txBox="1"/>
-          <p:nvPr/>
-        </p:nvSpPr>
-        <p:spPr>
-          <a:xfrm>
-            <a:off x="8090238" y="4019491"/>
-            <a:ext cx="1185349" cy="400110"/>
-          </a:xfrm>
-          <a:prstGeom prst="rect">
-            <a:avLst/>
-          </a:prstGeom>
-          <a:noFill/>
-        </p:spPr>
-        <p:txBody>
-          <a:bodyPr wrap="square" rtlCol="0">
-            <a:spAutoFit/>
-          </a:bodyPr>
-          <a:lstStyle/>
-          <a:p>
-            <a:r>
-              <a:rPr lang="en-US" sz="3000" baseline="-25000" dirty="0">
-                <a:solidFill>
-                  <a:schemeClr val="bg1"/>
-                </a:solidFill>
-              </a:rPr>
-              <a:t>?</a:t>
-            </a:r>
-          </a:p>
-        </p:txBody>
-      </p:sp>
-      <p:sp>
-        <p:nvSpPr>
-          <p:cNvPr id="61" name="TextBox 60"/>
-          <p:cNvSpPr txBox="1"/>
-          <p:nvPr/>
-        </p:nvSpPr>
-        <p:spPr>
-          <a:xfrm>
-            <a:off x="8242638" y="4171891"/>
-            <a:ext cx="1185349" cy="400110"/>
-          </a:xfrm>
-          <a:prstGeom prst="rect">
-            <a:avLst/>
-          </a:prstGeom>
-          <a:noFill/>
-        </p:spPr>
-        <p:txBody>
-          <a:bodyPr wrap="square" rtlCol="0">
-            <a:spAutoFit/>
-          </a:bodyPr>
-          <a:lstStyle/>
-          <a:p>
-            <a:r>
-              <a:rPr lang="en-US" sz="3000" baseline="-25000" dirty="0">
-                <a:solidFill>
-                  <a:schemeClr val="bg1"/>
-                </a:solidFill>
-              </a:rPr>
-              <a:t>?</a:t>
-            </a:r>
-          </a:p>
-        </p:txBody>
-      </p:sp>
-      <p:sp>
-        <p:nvSpPr>
-          <p:cNvPr id="62" name="TextBox 61"/>
-          <p:cNvSpPr txBox="1"/>
-          <p:nvPr/>
-        </p:nvSpPr>
-        <p:spPr>
-          <a:xfrm>
-            <a:off x="8300266" y="4736631"/>
-            <a:ext cx="1185349" cy="400110"/>
-          </a:xfrm>
-          <a:prstGeom prst="rect">
-            <a:avLst/>
-          </a:prstGeom>
-          <a:noFill/>
-        </p:spPr>
-        <p:txBody>
-          <a:bodyPr wrap="square" rtlCol="0">
-            <a:spAutoFit/>
-          </a:bodyPr>
-          <a:lstStyle/>
-          <a:p>
-            <a:r>
-              <a:rPr lang="en-US" sz="3000" baseline="-25000" dirty="0">
-                <a:solidFill>
-                  <a:schemeClr val="bg1"/>
-                </a:solidFill>
-              </a:rPr>
-              <a:t>?</a:t>
-            </a:r>
-          </a:p>
-        </p:txBody>
-      </p:sp>
-      <p:sp>
-        <p:nvSpPr>
-          <p:cNvPr id="63" name="TextBox 62"/>
-          <p:cNvSpPr txBox="1"/>
-          <p:nvPr/>
-        </p:nvSpPr>
-        <p:spPr>
-          <a:xfrm>
-            <a:off x="9854531" y="4019491"/>
-            <a:ext cx="1185349" cy="400110"/>
-          </a:xfrm>
-          <a:prstGeom prst="rect">
-            <a:avLst/>
-          </a:prstGeom>
-          <a:noFill/>
-        </p:spPr>
-        <p:txBody>
-          <a:bodyPr wrap="square" rtlCol="0">
-            <a:spAutoFit/>
-          </a:bodyPr>
-          <a:lstStyle/>
-          <a:p>
-            <a:r>
-              <a:rPr lang="en-US" sz="3000" baseline="-25000" dirty="0">
-                <a:solidFill>
-                  <a:schemeClr val="bg1"/>
-                </a:solidFill>
-              </a:rPr>
-              <a:t>?</a:t>
-            </a:r>
-          </a:p>
-        </p:txBody>
-      </p:sp>
-      <p:sp>
-        <p:nvSpPr>
-          <p:cNvPr id="64" name="TextBox 63"/>
-          <p:cNvSpPr txBox="1"/>
-          <p:nvPr/>
-        </p:nvSpPr>
-        <p:spPr>
-          <a:xfrm>
-            <a:off x="6954446" y="4674351"/>
-            <a:ext cx="1185349" cy="400110"/>
-          </a:xfrm>
-          <a:prstGeom prst="rect">
-            <a:avLst/>
-          </a:prstGeom>
-          <a:noFill/>
-        </p:spPr>
-        <p:txBody>
-          <a:bodyPr wrap="square" rtlCol="0">
-            <a:spAutoFit/>
-          </a:bodyPr>
-          <a:lstStyle/>
-          <a:p>
-            <a:r>
-              <a:rPr lang="en-US" sz="3000" baseline="-25000" dirty="0">
-                <a:solidFill>
-                  <a:schemeClr val="bg1"/>
-                </a:solidFill>
-              </a:rPr>
-              <a:t>?</a:t>
-            </a:r>
-          </a:p>
-        </p:txBody>
-      </p:sp>
-      <p:sp>
-        <p:nvSpPr>
-          <p:cNvPr id="65" name="TextBox 64"/>
-          <p:cNvSpPr txBox="1"/>
-          <p:nvPr/>
-        </p:nvSpPr>
-        <p:spPr>
-          <a:xfrm>
-            <a:off x="6029083" y="4715034"/>
-            <a:ext cx="1185349" cy="400110"/>
-          </a:xfrm>
-          <a:prstGeom prst="rect">
-            <a:avLst/>
-          </a:prstGeom>
-          <a:noFill/>
-        </p:spPr>
-        <p:txBody>
-          <a:bodyPr wrap="square" rtlCol="0">
-            <a:spAutoFit/>
-          </a:bodyPr>
-          <a:lstStyle/>
-          <a:p>
-            <a:r>
-              <a:rPr lang="en-US" sz="3000" baseline="-25000" dirty="0">
-                <a:solidFill>
-                  <a:schemeClr val="bg1"/>
-                </a:solidFill>
-              </a:rPr>
-              <a:t>?</a:t>
-            </a:r>
-          </a:p>
-        </p:txBody>
-      </p:sp>
-      <p:sp>
-        <p:nvSpPr>
-          <p:cNvPr id="66" name="TextBox 65"/>
-          <p:cNvSpPr txBox="1"/>
-          <p:nvPr/>
-        </p:nvSpPr>
-        <p:spPr>
-          <a:xfrm>
-            <a:off x="5103143" y="4839763"/>
-            <a:ext cx="1185349" cy="400110"/>
-          </a:xfrm>
-          <a:prstGeom prst="rect">
-            <a:avLst/>
-          </a:prstGeom>
-          <a:noFill/>
-        </p:spPr>
-        <p:txBody>
-          <a:bodyPr wrap="square" rtlCol="0">
-            <a:spAutoFit/>
-          </a:bodyPr>
-          <a:lstStyle/>
-          <a:p>
-            <a:r>
-              <a:rPr lang="en-US" sz="3000" baseline="-25000" dirty="0">
-                <a:solidFill>
-                  <a:schemeClr val="bg1"/>
-                </a:solidFill>
-              </a:rPr>
-              <a:t>?</a:t>
-            </a:r>
-          </a:p>
-        </p:txBody>
-      </p:sp>
-      <p:sp>
-        <p:nvSpPr>
-          <p:cNvPr id="67" name="Rectangle 66"/>
-          <p:cNvSpPr/>
-          <p:nvPr/>
-        </p:nvSpPr>
-        <p:spPr>
-          <a:xfrm>
-            <a:off x="8957057" y="3813267"/>
-            <a:ext cx="789460" cy="770964"/>
-          </a:xfrm>
-          <a:prstGeom prst="rect">
-            <a:avLst/>
-          </a:prstGeom>
-        </p:spPr>
-        <p:style>
-          <a:lnRef idx="2">
-            <a:schemeClr val="accent6"/>
-          </a:lnRef>
-          <a:fillRef idx="1">
-            <a:schemeClr val="lt1"/>
-          </a:fillRef>
-          <a:effectRef idx="0">
-            <a:schemeClr val="accent6"/>
-          </a:effectRef>
-          <a:fontRef idx="minor">
-            <a:schemeClr val="dk1"/>
-          </a:fontRef>
-        </p:style>
-        <p:txBody>
-          <a:bodyPr rtlCol="0" anchor="ctr"/>
-          <a:lstStyle/>
-          <a:p>
-            <a:pPr algn="ctr"/>
-            <a:endParaRPr lang="en-US"/>
-          </a:p>
-        </p:txBody>
-      </p:sp>
-      <p:sp>
-        <p:nvSpPr>
-          <p:cNvPr id="68" name="Rectangle 67"/>
-          <p:cNvSpPr/>
-          <p:nvPr/>
-        </p:nvSpPr>
-        <p:spPr>
-          <a:xfrm>
-            <a:off x="1766963" y="3813269"/>
-            <a:ext cx="789460" cy="770964"/>
-          </a:xfrm>
-          <a:prstGeom prst="rect">
-            <a:avLst/>
-          </a:prstGeom>
-        </p:spPr>
-        <p:style>
-          <a:lnRef idx="2">
-            <a:schemeClr val="accent6"/>
-          </a:lnRef>
-          <a:fillRef idx="1">
-            <a:schemeClr val="lt1"/>
-          </a:fillRef>
-          <a:effectRef idx="0">
-            <a:schemeClr val="accent6"/>
-          </a:effectRef>
-          <a:fontRef idx="minor">
-            <a:schemeClr val="dk1"/>
-          </a:fontRef>
-        </p:style>
-        <p:txBody>
-          <a:bodyPr rtlCol="0" anchor="ctr"/>
-          <a:lstStyle/>
-          <a:p>
-            <a:pPr algn="ctr"/>
-            <a:endParaRPr lang="en-US"/>
-          </a:p>
-        </p:txBody>
-      </p:sp>
-      <p:sp>
-        <p:nvSpPr>
-          <p:cNvPr id="69" name="Rectangle 68"/>
-          <p:cNvSpPr/>
-          <p:nvPr/>
-        </p:nvSpPr>
-        <p:spPr>
-          <a:xfrm>
-            <a:off x="4151778" y="2256713"/>
-            <a:ext cx="789460" cy="770964"/>
-          </a:xfrm>
-          <a:prstGeom prst="rect">
-            <a:avLst/>
-          </a:prstGeom>
-        </p:spPr>
-        <p:style>
-          <a:lnRef idx="2">
-            <a:schemeClr val="accent6"/>
-          </a:lnRef>
-          <a:fillRef idx="1">
-            <a:schemeClr val="lt1"/>
-          </a:fillRef>
-          <a:effectRef idx="0">
-            <a:schemeClr val="accent6"/>
-          </a:effectRef>
-          <a:fontRef idx="minor">
-            <a:schemeClr val="dk1"/>
-          </a:fontRef>
-        </p:style>
-        <p:txBody>
-          <a:bodyPr rtlCol="0" anchor="ctr"/>
-          <a:lstStyle/>
-          <a:p>
-            <a:pPr algn="ctr"/>
-            <a:endParaRPr lang="en-US"/>
-          </a:p>
-        </p:txBody>
-      </p:sp>
-      <p:sp>
-        <p:nvSpPr>
-          <p:cNvPr id="70" name="Rectangle 69"/>
-          <p:cNvSpPr/>
-          <p:nvPr/>
-        </p:nvSpPr>
-        <p:spPr>
-          <a:xfrm>
-            <a:off x="4153212" y="4606987"/>
-            <a:ext cx="789460" cy="770964"/>
-          </a:xfrm>
-          <a:prstGeom prst="rect">
-            <a:avLst/>
-          </a:prstGeom>
-        </p:spPr>
-        <p:style>
-          <a:lnRef idx="2">
-            <a:schemeClr val="accent6"/>
-          </a:lnRef>
-          <a:fillRef idx="1">
-            <a:schemeClr val="lt1"/>
-          </a:fillRef>
-          <a:effectRef idx="0">
-            <a:schemeClr val="accent6"/>
-          </a:effectRef>
-          <a:fontRef idx="minor">
-            <a:schemeClr val="dk1"/>
-          </a:fontRef>
-        </p:style>
-        <p:txBody>
-          <a:bodyPr rtlCol="0" anchor="ctr"/>
-          <a:lstStyle/>
-          <a:p>
-            <a:pPr algn="ctr"/>
-            <a:endParaRPr lang="en-US"/>
-          </a:p>
-        </p:txBody>
-      </p:sp>
-      <p:sp>
-        <p:nvSpPr>
-          <p:cNvPr id="72" name="Title 1"/>
+          <p:cNvPr id="2" name="Title 1"/>
           <p:cNvSpPr>
             <a:spLocks noGrp="1"/>
           </p:cNvSpPr>
@@ -8602,12 +7287,7 @@
             <p:ph type="title"/>
           </p:nvPr>
         </p:nvSpPr>
-        <p:spPr>
-          <a:xfrm>
-            <a:off x="438017" y="440910"/>
-            <a:ext cx="10515600" cy="1325563"/>
-          </a:xfrm>
-        </p:spPr>
+        <p:spPr/>
         <p:txBody>
           <a:bodyPr/>
           <a:lstStyle/>
@@ -8619,7 +7299,7 @@
                   <a:schemeClr val="bg1"/>
                 </a:solidFill>
               </a:rPr>
-              <a:t>Visual Intuition</a:t>
+              <a:t>Incident word compiler</a:t>
             </a:r>
             <a:endParaRPr lang="en-US" dirty="0">
               <a:solidFill>
@@ -8629,10 +7309,39 @@
           </a:p>
         </p:txBody>
       </p:sp>
+      <p:pic>
+        <p:nvPicPr>
+          <p:cNvPr id="4" name="Content Placeholder 3"/>
+          <p:cNvPicPr>
+            <a:picLocks noGrp="1" noChangeAspect="1"/>
+          </p:cNvPicPr>
+          <p:nvPr>
+            <p:ph idx="1"/>
+          </p:nvPr>
+        </p:nvPicPr>
+        <p:blipFill>
+          <a:blip r:embed="rId2">
+            <a:extLst>
+              <a:ext uri="{28A0092B-C50C-407E-A947-70E740481C1C}">
+                <a14:useLocalDpi xmlns:a14="http://schemas.microsoft.com/office/drawing/2010/main" val="0"/>
+              </a:ext>
+            </a:extLst>
+          </a:blip>
+          <a:stretch>
+            <a:fillRect/>
+          </a:stretch>
+        </p:blipFill>
+        <p:spPr>
+          <a:xfrm>
+            <a:off x="600217" y="1972236"/>
+            <a:ext cx="10495737" cy="3118643"/>
+          </a:xfrm>
+        </p:spPr>
+      </p:pic>
     </p:spTree>
     <p:extLst>
       <p:ext uri="{BB962C8B-B14F-4D97-AF65-F5344CB8AC3E}">
-        <p14:creationId xmlns:p14="http://schemas.microsoft.com/office/powerpoint/2010/main" val="1178529299"/>
+        <p14:creationId xmlns:p14="http://schemas.microsoft.com/office/powerpoint/2010/main" val="1911045633"/>
       </p:ext>
     </p:extLst>
   </p:cSld>
@@ -9879,6 +8588,1388 @@
       </p:grpSpPr>
       <p:sp>
         <p:nvSpPr>
+          <p:cNvPr id="4" name="Rectangle 3"/>
+          <p:cNvSpPr/>
+          <p:nvPr/>
+        </p:nvSpPr>
+        <p:spPr>
+          <a:xfrm>
+            <a:off x="2570628" y="3818965"/>
+            <a:ext cx="789460" cy="770964"/>
+          </a:xfrm>
+          <a:prstGeom prst="rect">
+            <a:avLst/>
+          </a:prstGeom>
+        </p:spPr>
+        <p:style>
+          <a:lnRef idx="2">
+            <a:schemeClr val="accent6"/>
+          </a:lnRef>
+          <a:fillRef idx="1">
+            <a:schemeClr val="lt1"/>
+          </a:fillRef>
+          <a:effectRef idx="0">
+            <a:schemeClr val="accent6"/>
+          </a:effectRef>
+          <a:fontRef idx="minor">
+            <a:schemeClr val="dk1"/>
+          </a:fontRef>
+        </p:style>
+        <p:txBody>
+          <a:bodyPr rtlCol="0" anchor="ctr"/>
+          <a:lstStyle/>
+          <a:p>
+            <a:pPr algn="ctr"/>
+            <a:endParaRPr lang="en-US"/>
+          </a:p>
+        </p:txBody>
+      </p:sp>
+      <p:sp>
+        <p:nvSpPr>
+          <p:cNvPr id="17" name="TextBox 16"/>
+          <p:cNvSpPr txBox="1"/>
+          <p:nvPr/>
+        </p:nvSpPr>
+        <p:spPr>
+          <a:xfrm>
+            <a:off x="2651079" y="3986027"/>
+            <a:ext cx="860291" cy="400110"/>
+          </a:xfrm>
+          <a:prstGeom prst="rect">
+            <a:avLst/>
+          </a:prstGeom>
+          <a:noFill/>
+        </p:spPr>
+        <p:txBody>
+          <a:bodyPr wrap="square" rtlCol="0">
+            <a:spAutoFit/>
+          </a:bodyPr>
+          <a:lstStyle/>
+          <a:p>
+            <a:r>
+              <a:rPr lang="en-US" sz="3000" baseline="-25000" dirty="0"/>
+              <a:t>H</a:t>
+            </a:r>
+            <a:r>
+              <a:rPr lang="en-US" sz="3000" baseline="-25000" dirty="0" smtClean="0"/>
+              <a:t>𝛔(3)</a:t>
+            </a:r>
+            <a:endParaRPr lang="en-US" sz="3000" baseline="-25000" dirty="0"/>
+          </a:p>
+        </p:txBody>
+      </p:sp>
+      <p:sp>
+        <p:nvSpPr>
+          <p:cNvPr id="35" name="Rectangle 34"/>
+          <p:cNvSpPr/>
+          <p:nvPr/>
+        </p:nvSpPr>
+        <p:spPr>
+          <a:xfrm>
+            <a:off x="3367094" y="3824663"/>
+            <a:ext cx="789460" cy="770964"/>
+          </a:xfrm>
+          <a:prstGeom prst="rect">
+            <a:avLst/>
+          </a:prstGeom>
+        </p:spPr>
+        <p:style>
+          <a:lnRef idx="2">
+            <a:schemeClr val="accent6"/>
+          </a:lnRef>
+          <a:fillRef idx="1">
+            <a:schemeClr val="lt1"/>
+          </a:fillRef>
+          <a:effectRef idx="0">
+            <a:schemeClr val="accent6"/>
+          </a:effectRef>
+          <a:fontRef idx="minor">
+            <a:schemeClr val="dk1"/>
+          </a:fontRef>
+        </p:style>
+        <p:txBody>
+          <a:bodyPr rtlCol="0" anchor="ctr"/>
+          <a:lstStyle/>
+          <a:p>
+            <a:pPr algn="ctr"/>
+            <a:endParaRPr lang="en-US"/>
+          </a:p>
+        </p:txBody>
+      </p:sp>
+      <p:sp>
+        <p:nvSpPr>
+          <p:cNvPr id="36" name="TextBox 35"/>
+          <p:cNvSpPr txBox="1"/>
+          <p:nvPr/>
+        </p:nvSpPr>
+        <p:spPr>
+          <a:xfrm>
+            <a:off x="3447545" y="3991725"/>
+            <a:ext cx="860291" cy="400110"/>
+          </a:xfrm>
+          <a:prstGeom prst="rect">
+            <a:avLst/>
+          </a:prstGeom>
+          <a:noFill/>
+        </p:spPr>
+        <p:txBody>
+          <a:bodyPr wrap="square" rtlCol="0">
+            <a:spAutoFit/>
+          </a:bodyPr>
+          <a:lstStyle/>
+          <a:p>
+            <a:r>
+              <a:rPr lang="en-US" sz="3000" baseline="-25000" dirty="0"/>
+              <a:t>H</a:t>
+            </a:r>
+            <a:r>
+              <a:rPr lang="en-US" sz="3000" baseline="-25000" dirty="0" smtClean="0"/>
+              <a:t>𝛔(2)</a:t>
+            </a:r>
+            <a:endParaRPr lang="en-US" sz="3000" baseline="-25000" dirty="0"/>
+          </a:p>
+        </p:txBody>
+      </p:sp>
+      <p:sp>
+        <p:nvSpPr>
+          <p:cNvPr id="37" name="Rectangle 36"/>
+          <p:cNvSpPr/>
+          <p:nvPr/>
+        </p:nvSpPr>
+        <p:spPr>
+          <a:xfrm>
+            <a:off x="4156554" y="3818965"/>
+            <a:ext cx="789460" cy="770964"/>
+          </a:xfrm>
+          <a:prstGeom prst="rect">
+            <a:avLst/>
+          </a:prstGeom>
+        </p:spPr>
+        <p:style>
+          <a:lnRef idx="2">
+            <a:schemeClr val="accent6"/>
+          </a:lnRef>
+          <a:fillRef idx="1">
+            <a:schemeClr val="lt1"/>
+          </a:fillRef>
+          <a:effectRef idx="0">
+            <a:schemeClr val="accent6"/>
+          </a:effectRef>
+          <a:fontRef idx="minor">
+            <a:schemeClr val="dk1"/>
+          </a:fontRef>
+        </p:style>
+        <p:txBody>
+          <a:bodyPr rtlCol="0" anchor="ctr"/>
+          <a:lstStyle/>
+          <a:p>
+            <a:pPr algn="ctr"/>
+            <a:endParaRPr lang="en-US"/>
+          </a:p>
+        </p:txBody>
+      </p:sp>
+      <p:sp>
+        <p:nvSpPr>
+          <p:cNvPr id="38" name="TextBox 37"/>
+          <p:cNvSpPr txBox="1"/>
+          <p:nvPr/>
+        </p:nvSpPr>
+        <p:spPr>
+          <a:xfrm>
+            <a:off x="4237005" y="3986027"/>
+            <a:ext cx="860291" cy="400110"/>
+          </a:xfrm>
+          <a:prstGeom prst="rect">
+            <a:avLst/>
+          </a:prstGeom>
+          <a:noFill/>
+        </p:spPr>
+        <p:txBody>
+          <a:bodyPr wrap="square" rtlCol="0">
+            <a:spAutoFit/>
+          </a:bodyPr>
+          <a:lstStyle/>
+          <a:p>
+            <a:r>
+              <a:rPr lang="en-US" sz="3000" baseline="-25000" dirty="0"/>
+              <a:t>H</a:t>
+            </a:r>
+            <a:r>
+              <a:rPr lang="en-US" sz="3000" baseline="-25000" dirty="0" smtClean="0"/>
+              <a:t>𝛔(1)</a:t>
+            </a:r>
+            <a:endParaRPr lang="en-US" sz="3000" baseline="-25000" dirty="0"/>
+          </a:p>
+        </p:txBody>
+      </p:sp>
+      <p:sp>
+        <p:nvSpPr>
+          <p:cNvPr id="39" name="Rectangle 38"/>
+          <p:cNvSpPr/>
+          <p:nvPr/>
+        </p:nvSpPr>
+        <p:spPr>
+          <a:xfrm>
+            <a:off x="4946014" y="3813267"/>
+            <a:ext cx="789460" cy="770964"/>
+          </a:xfrm>
+          <a:prstGeom prst="rect">
+            <a:avLst/>
+          </a:prstGeom>
+        </p:spPr>
+        <p:style>
+          <a:lnRef idx="2">
+            <a:schemeClr val="accent6"/>
+          </a:lnRef>
+          <a:fillRef idx="1">
+            <a:schemeClr val="lt1"/>
+          </a:fillRef>
+          <a:effectRef idx="0">
+            <a:schemeClr val="accent6"/>
+          </a:effectRef>
+          <a:fontRef idx="minor">
+            <a:schemeClr val="dk1"/>
+          </a:fontRef>
+        </p:style>
+        <p:txBody>
+          <a:bodyPr rtlCol="0" anchor="ctr"/>
+          <a:lstStyle/>
+          <a:p>
+            <a:pPr algn="ctr"/>
+            <a:endParaRPr lang="en-US"/>
+          </a:p>
+        </p:txBody>
+      </p:sp>
+      <p:sp>
+        <p:nvSpPr>
+          <p:cNvPr id="40" name="TextBox 39"/>
+          <p:cNvSpPr txBox="1"/>
+          <p:nvPr/>
+        </p:nvSpPr>
+        <p:spPr>
+          <a:xfrm>
+            <a:off x="5026465" y="3980329"/>
+            <a:ext cx="860291" cy="400110"/>
+          </a:xfrm>
+          <a:prstGeom prst="rect">
+            <a:avLst/>
+          </a:prstGeom>
+          <a:noFill/>
+        </p:spPr>
+        <p:txBody>
+          <a:bodyPr wrap="square" rtlCol="0">
+            <a:spAutoFit/>
+          </a:bodyPr>
+          <a:lstStyle/>
+          <a:p>
+            <a:r>
+              <a:rPr lang="en-US" sz="3000" baseline="-25000" dirty="0"/>
+              <a:t>H</a:t>
+            </a:r>
+            <a:r>
+              <a:rPr lang="en-US" sz="3000" baseline="-25000" dirty="0" smtClean="0"/>
+              <a:t>𝛔(4)</a:t>
+            </a:r>
+            <a:endParaRPr lang="en-US" sz="3000" baseline="-25000" dirty="0"/>
+          </a:p>
+        </p:txBody>
+      </p:sp>
+      <p:sp>
+        <p:nvSpPr>
+          <p:cNvPr id="41" name="Rectangle 40"/>
+          <p:cNvSpPr/>
+          <p:nvPr/>
+        </p:nvSpPr>
+        <p:spPr>
+          <a:xfrm>
+            <a:off x="6581812" y="3824663"/>
+            <a:ext cx="789460" cy="770964"/>
+          </a:xfrm>
+          <a:prstGeom prst="rect">
+            <a:avLst/>
+          </a:prstGeom>
+        </p:spPr>
+        <p:style>
+          <a:lnRef idx="2">
+            <a:schemeClr val="accent6"/>
+          </a:lnRef>
+          <a:fillRef idx="1">
+            <a:schemeClr val="lt1"/>
+          </a:fillRef>
+          <a:effectRef idx="0">
+            <a:schemeClr val="accent6"/>
+          </a:effectRef>
+          <a:fontRef idx="minor">
+            <a:schemeClr val="dk1"/>
+          </a:fontRef>
+        </p:style>
+        <p:txBody>
+          <a:bodyPr rtlCol="0" anchor="ctr"/>
+          <a:lstStyle/>
+          <a:p>
+            <a:pPr algn="ctr"/>
+            <a:endParaRPr lang="en-US"/>
+          </a:p>
+        </p:txBody>
+      </p:sp>
+      <p:sp>
+        <p:nvSpPr>
+          <p:cNvPr id="42" name="TextBox 41"/>
+          <p:cNvSpPr txBox="1"/>
+          <p:nvPr/>
+        </p:nvSpPr>
+        <p:spPr>
+          <a:xfrm>
+            <a:off x="6766240" y="3955866"/>
+            <a:ext cx="860291" cy="400110"/>
+          </a:xfrm>
+          <a:prstGeom prst="rect">
+            <a:avLst/>
+          </a:prstGeom>
+          <a:noFill/>
+        </p:spPr>
+        <p:txBody>
+          <a:bodyPr wrap="square" rtlCol="0">
+            <a:spAutoFit/>
+          </a:bodyPr>
+          <a:lstStyle/>
+          <a:p>
+            <a:r>
+              <a:rPr lang="en-US" sz="3000" baseline="-25000" dirty="0" smtClean="0"/>
+              <a:t>C</a:t>
+            </a:r>
+            <a:endParaRPr lang="en-US" sz="3000" baseline="-25000" dirty="0"/>
+          </a:p>
+        </p:txBody>
+      </p:sp>
+      <p:sp>
+        <p:nvSpPr>
+          <p:cNvPr id="43" name="Rectangle 42"/>
+          <p:cNvSpPr/>
+          <p:nvPr/>
+        </p:nvSpPr>
+        <p:spPr>
+          <a:xfrm>
+            <a:off x="8171584" y="3824663"/>
+            <a:ext cx="789460" cy="770964"/>
+          </a:xfrm>
+          <a:prstGeom prst="rect">
+            <a:avLst/>
+          </a:prstGeom>
+        </p:spPr>
+        <p:style>
+          <a:lnRef idx="2">
+            <a:schemeClr val="accent6"/>
+          </a:lnRef>
+          <a:fillRef idx="1">
+            <a:schemeClr val="lt1"/>
+          </a:fillRef>
+          <a:effectRef idx="0">
+            <a:schemeClr val="accent6"/>
+          </a:effectRef>
+          <a:fontRef idx="minor">
+            <a:schemeClr val="dk1"/>
+          </a:fontRef>
+        </p:style>
+        <p:txBody>
+          <a:bodyPr rtlCol="0" anchor="ctr"/>
+          <a:lstStyle/>
+          <a:p>
+            <a:pPr algn="ctr"/>
+            <a:endParaRPr lang="en-US"/>
+          </a:p>
+        </p:txBody>
+      </p:sp>
+      <p:sp>
+        <p:nvSpPr>
+          <p:cNvPr id="44" name="TextBox 43"/>
+          <p:cNvSpPr txBox="1"/>
+          <p:nvPr/>
+        </p:nvSpPr>
+        <p:spPr>
+          <a:xfrm>
+            <a:off x="8358682" y="3967262"/>
+            <a:ext cx="860291" cy="400110"/>
+          </a:xfrm>
+          <a:prstGeom prst="rect">
+            <a:avLst/>
+          </a:prstGeom>
+          <a:noFill/>
+        </p:spPr>
+        <p:txBody>
+          <a:bodyPr wrap="square" rtlCol="0">
+            <a:spAutoFit/>
+          </a:bodyPr>
+          <a:lstStyle/>
+          <a:p>
+            <a:r>
+              <a:rPr lang="en-US" sz="3000" baseline="-25000"/>
+              <a:t>B</a:t>
+            </a:r>
+            <a:endParaRPr lang="en-US" sz="3000" baseline="-25000" dirty="0"/>
+          </a:p>
+        </p:txBody>
+      </p:sp>
+      <p:sp>
+        <p:nvSpPr>
+          <p:cNvPr id="45" name="Rectangle 44"/>
+          <p:cNvSpPr/>
+          <p:nvPr/>
+        </p:nvSpPr>
+        <p:spPr>
+          <a:xfrm>
+            <a:off x="5777896" y="3824663"/>
+            <a:ext cx="789460" cy="770964"/>
+          </a:xfrm>
+          <a:prstGeom prst="rect">
+            <a:avLst/>
+          </a:prstGeom>
+        </p:spPr>
+        <p:style>
+          <a:lnRef idx="2">
+            <a:schemeClr val="accent6"/>
+          </a:lnRef>
+          <a:fillRef idx="1">
+            <a:schemeClr val="lt1"/>
+          </a:fillRef>
+          <a:effectRef idx="0">
+            <a:schemeClr val="accent6"/>
+          </a:effectRef>
+          <a:fontRef idx="minor">
+            <a:schemeClr val="dk1"/>
+          </a:fontRef>
+        </p:style>
+        <p:txBody>
+          <a:bodyPr rtlCol="0" anchor="ctr"/>
+          <a:lstStyle/>
+          <a:p>
+            <a:pPr algn="ctr"/>
+            <a:endParaRPr lang="en-US"/>
+          </a:p>
+        </p:txBody>
+      </p:sp>
+      <p:sp>
+        <p:nvSpPr>
+          <p:cNvPr id="46" name="TextBox 45"/>
+          <p:cNvSpPr txBox="1"/>
+          <p:nvPr/>
+        </p:nvSpPr>
+        <p:spPr>
+          <a:xfrm>
+            <a:off x="5858347" y="3991725"/>
+            <a:ext cx="860291" cy="400110"/>
+          </a:xfrm>
+          <a:prstGeom prst="rect">
+            <a:avLst/>
+          </a:prstGeom>
+          <a:noFill/>
+        </p:spPr>
+        <p:txBody>
+          <a:bodyPr wrap="square" rtlCol="0">
+            <a:spAutoFit/>
+          </a:bodyPr>
+          <a:lstStyle/>
+          <a:p>
+            <a:r>
+              <a:rPr lang="en-US" sz="3000" baseline="-25000" dirty="0"/>
+              <a:t>H</a:t>
+            </a:r>
+            <a:r>
+              <a:rPr lang="en-US" sz="3000" baseline="-25000" dirty="0" smtClean="0"/>
+              <a:t>𝛔(5)</a:t>
+            </a:r>
+            <a:endParaRPr lang="en-US" sz="3000" baseline="-25000" dirty="0"/>
+          </a:p>
+        </p:txBody>
+      </p:sp>
+      <p:sp>
+        <p:nvSpPr>
+          <p:cNvPr id="47" name="Rectangle 46"/>
+          <p:cNvSpPr/>
+          <p:nvPr/>
+        </p:nvSpPr>
+        <p:spPr>
+          <a:xfrm>
+            <a:off x="7364920" y="3824663"/>
+            <a:ext cx="789460" cy="770964"/>
+          </a:xfrm>
+          <a:prstGeom prst="rect">
+            <a:avLst/>
+          </a:prstGeom>
+        </p:spPr>
+        <p:style>
+          <a:lnRef idx="2">
+            <a:schemeClr val="accent6"/>
+          </a:lnRef>
+          <a:fillRef idx="1">
+            <a:schemeClr val="lt1"/>
+          </a:fillRef>
+          <a:effectRef idx="0">
+            <a:schemeClr val="accent6"/>
+          </a:effectRef>
+          <a:fontRef idx="minor">
+            <a:schemeClr val="dk1"/>
+          </a:fontRef>
+        </p:style>
+        <p:txBody>
+          <a:bodyPr rtlCol="0" anchor="ctr"/>
+          <a:lstStyle/>
+          <a:p>
+            <a:pPr algn="ctr"/>
+            <a:endParaRPr lang="en-US"/>
+          </a:p>
+        </p:txBody>
+      </p:sp>
+      <p:sp>
+        <p:nvSpPr>
+          <p:cNvPr id="48" name="TextBox 47"/>
+          <p:cNvSpPr txBox="1"/>
+          <p:nvPr/>
+        </p:nvSpPr>
+        <p:spPr>
+          <a:xfrm>
+            <a:off x="7418874" y="3991725"/>
+            <a:ext cx="860291" cy="400110"/>
+          </a:xfrm>
+          <a:prstGeom prst="rect">
+            <a:avLst/>
+          </a:prstGeom>
+          <a:noFill/>
+        </p:spPr>
+        <p:txBody>
+          <a:bodyPr wrap="square" rtlCol="0">
+            <a:spAutoFit/>
+          </a:bodyPr>
+          <a:lstStyle/>
+          <a:p>
+            <a:r>
+              <a:rPr lang="en-US" sz="3000" baseline="-25000" dirty="0"/>
+              <a:t>H</a:t>
+            </a:r>
+            <a:r>
+              <a:rPr lang="en-US" sz="3000" baseline="-25000" dirty="0" smtClean="0"/>
+              <a:t>𝛔(6)</a:t>
+            </a:r>
+            <a:endParaRPr lang="en-US" sz="3000" baseline="-25000" dirty="0"/>
+          </a:p>
+        </p:txBody>
+      </p:sp>
+      <p:sp>
+        <p:nvSpPr>
+          <p:cNvPr id="49" name="Rectangle 48"/>
+          <p:cNvSpPr/>
+          <p:nvPr/>
+        </p:nvSpPr>
+        <p:spPr>
+          <a:xfrm>
+            <a:off x="4151778" y="3048001"/>
+            <a:ext cx="789460" cy="770964"/>
+          </a:xfrm>
+          <a:prstGeom prst="rect">
+            <a:avLst/>
+          </a:prstGeom>
+        </p:spPr>
+        <p:style>
+          <a:lnRef idx="2">
+            <a:schemeClr val="accent6"/>
+          </a:lnRef>
+          <a:fillRef idx="1">
+            <a:schemeClr val="lt1"/>
+          </a:fillRef>
+          <a:effectRef idx="0">
+            <a:schemeClr val="accent6"/>
+          </a:effectRef>
+          <a:fontRef idx="minor">
+            <a:schemeClr val="dk1"/>
+          </a:fontRef>
+        </p:style>
+        <p:txBody>
+          <a:bodyPr rtlCol="0" anchor="ctr"/>
+          <a:lstStyle/>
+          <a:p>
+            <a:pPr algn="ctr"/>
+            <a:endParaRPr lang="en-US"/>
+          </a:p>
+        </p:txBody>
+      </p:sp>
+      <p:sp>
+        <p:nvSpPr>
+          <p:cNvPr id="50" name="TextBox 49"/>
+          <p:cNvSpPr txBox="1"/>
+          <p:nvPr/>
+        </p:nvSpPr>
+        <p:spPr>
+          <a:xfrm>
+            <a:off x="4325765" y="3197969"/>
+            <a:ext cx="860291" cy="400110"/>
+          </a:xfrm>
+          <a:prstGeom prst="rect">
+            <a:avLst/>
+          </a:prstGeom>
+          <a:noFill/>
+        </p:spPr>
+        <p:txBody>
+          <a:bodyPr wrap="square" rtlCol="0">
+            <a:spAutoFit/>
+          </a:bodyPr>
+          <a:lstStyle/>
+          <a:p>
+            <a:r>
+              <a:rPr lang="en-US" sz="3000" baseline="-25000" dirty="0"/>
+              <a:t>H</a:t>
+            </a:r>
+          </a:p>
+        </p:txBody>
+      </p:sp>
+      <p:sp>
+        <p:nvSpPr>
+          <p:cNvPr id="51" name="TextBox 50"/>
+          <p:cNvSpPr txBox="1"/>
+          <p:nvPr/>
+        </p:nvSpPr>
+        <p:spPr>
+          <a:xfrm>
+            <a:off x="2860509" y="3099430"/>
+            <a:ext cx="1185349" cy="400110"/>
+          </a:xfrm>
+          <a:prstGeom prst="rect">
+            <a:avLst/>
+          </a:prstGeom>
+          <a:noFill/>
+        </p:spPr>
+        <p:txBody>
+          <a:bodyPr wrap="square" rtlCol="0">
+            <a:spAutoFit/>
+          </a:bodyPr>
+          <a:lstStyle/>
+          <a:p>
+            <a:r>
+              <a:rPr lang="en-US" sz="3000" baseline="-25000" dirty="0">
+                <a:solidFill>
+                  <a:schemeClr val="bg1"/>
+                </a:solidFill>
+              </a:rPr>
+              <a:t>?</a:t>
+            </a:r>
+          </a:p>
+        </p:txBody>
+      </p:sp>
+      <p:sp>
+        <p:nvSpPr>
+          <p:cNvPr id="52" name="TextBox 51"/>
+          <p:cNvSpPr txBox="1"/>
+          <p:nvPr/>
+        </p:nvSpPr>
+        <p:spPr>
+          <a:xfrm>
+            <a:off x="5186056" y="3140967"/>
+            <a:ext cx="1185349" cy="400110"/>
+          </a:xfrm>
+          <a:prstGeom prst="rect">
+            <a:avLst/>
+          </a:prstGeom>
+          <a:noFill/>
+        </p:spPr>
+        <p:txBody>
+          <a:bodyPr wrap="square" rtlCol="0">
+            <a:spAutoFit/>
+          </a:bodyPr>
+          <a:lstStyle/>
+          <a:p>
+            <a:r>
+              <a:rPr lang="en-US" sz="3000" baseline="-25000" dirty="0">
+                <a:solidFill>
+                  <a:schemeClr val="bg1"/>
+                </a:solidFill>
+              </a:rPr>
+              <a:t>?</a:t>
+            </a:r>
+          </a:p>
+        </p:txBody>
+      </p:sp>
+      <p:sp>
+        <p:nvSpPr>
+          <p:cNvPr id="53" name="TextBox 52"/>
+          <p:cNvSpPr txBox="1"/>
+          <p:nvPr/>
+        </p:nvSpPr>
+        <p:spPr>
+          <a:xfrm>
+            <a:off x="6016685" y="3181291"/>
+            <a:ext cx="1185349" cy="400110"/>
+          </a:xfrm>
+          <a:prstGeom prst="rect">
+            <a:avLst/>
+          </a:prstGeom>
+          <a:noFill/>
+        </p:spPr>
+        <p:txBody>
+          <a:bodyPr wrap="square" rtlCol="0">
+            <a:spAutoFit/>
+          </a:bodyPr>
+          <a:lstStyle/>
+          <a:p>
+            <a:r>
+              <a:rPr lang="en-US" sz="3000" baseline="-25000" dirty="0">
+                <a:solidFill>
+                  <a:schemeClr val="bg1"/>
+                </a:solidFill>
+              </a:rPr>
+              <a:t>?</a:t>
+            </a:r>
+          </a:p>
+        </p:txBody>
+      </p:sp>
+      <p:sp>
+        <p:nvSpPr>
+          <p:cNvPr id="54" name="TextBox 53"/>
+          <p:cNvSpPr txBox="1"/>
+          <p:nvPr/>
+        </p:nvSpPr>
+        <p:spPr>
+          <a:xfrm>
+            <a:off x="1330950" y="3980329"/>
+            <a:ext cx="1185349" cy="400110"/>
+          </a:xfrm>
+          <a:prstGeom prst="rect">
+            <a:avLst/>
+          </a:prstGeom>
+          <a:noFill/>
+        </p:spPr>
+        <p:txBody>
+          <a:bodyPr wrap="square" rtlCol="0">
+            <a:spAutoFit/>
+          </a:bodyPr>
+          <a:lstStyle/>
+          <a:p>
+            <a:r>
+              <a:rPr lang="en-US" sz="3000" baseline="-25000" dirty="0">
+                <a:solidFill>
+                  <a:schemeClr val="bg1"/>
+                </a:solidFill>
+              </a:rPr>
+              <a:t>?</a:t>
+            </a:r>
+          </a:p>
+        </p:txBody>
+      </p:sp>
+      <p:sp>
+        <p:nvSpPr>
+          <p:cNvPr id="55" name="TextBox 54"/>
+          <p:cNvSpPr txBox="1"/>
+          <p:nvPr/>
+        </p:nvSpPr>
+        <p:spPr>
+          <a:xfrm>
+            <a:off x="4433790" y="1794239"/>
+            <a:ext cx="1185349" cy="400110"/>
+          </a:xfrm>
+          <a:prstGeom prst="rect">
+            <a:avLst/>
+          </a:prstGeom>
+          <a:noFill/>
+        </p:spPr>
+        <p:txBody>
+          <a:bodyPr wrap="square" rtlCol="0">
+            <a:spAutoFit/>
+          </a:bodyPr>
+          <a:lstStyle/>
+          <a:p>
+            <a:r>
+              <a:rPr lang="en-US" sz="3000" baseline="-25000" dirty="0">
+                <a:solidFill>
+                  <a:schemeClr val="bg1"/>
+                </a:solidFill>
+              </a:rPr>
+              <a:t>?</a:t>
+            </a:r>
+          </a:p>
+        </p:txBody>
+      </p:sp>
+      <p:sp>
+        <p:nvSpPr>
+          <p:cNvPr id="56" name="TextBox 55"/>
+          <p:cNvSpPr txBox="1"/>
+          <p:nvPr/>
+        </p:nvSpPr>
+        <p:spPr>
+          <a:xfrm>
+            <a:off x="7480638" y="3409891"/>
+            <a:ext cx="1185349" cy="400110"/>
+          </a:xfrm>
+          <a:prstGeom prst="rect">
+            <a:avLst/>
+          </a:prstGeom>
+          <a:noFill/>
+        </p:spPr>
+        <p:txBody>
+          <a:bodyPr wrap="square" rtlCol="0">
+            <a:spAutoFit/>
+          </a:bodyPr>
+          <a:lstStyle/>
+          <a:p>
+            <a:r>
+              <a:rPr lang="en-US" sz="3000" baseline="-25000" dirty="0">
+                <a:solidFill>
+                  <a:schemeClr val="bg1"/>
+                </a:solidFill>
+              </a:rPr>
+              <a:t>?</a:t>
+            </a:r>
+          </a:p>
+        </p:txBody>
+      </p:sp>
+      <p:sp>
+        <p:nvSpPr>
+          <p:cNvPr id="57" name="TextBox 56"/>
+          <p:cNvSpPr txBox="1"/>
+          <p:nvPr/>
+        </p:nvSpPr>
+        <p:spPr>
+          <a:xfrm>
+            <a:off x="8403685" y="3310594"/>
+            <a:ext cx="1185349" cy="400110"/>
+          </a:xfrm>
+          <a:prstGeom prst="rect">
+            <a:avLst/>
+          </a:prstGeom>
+          <a:noFill/>
+        </p:spPr>
+        <p:txBody>
+          <a:bodyPr wrap="square" rtlCol="0">
+            <a:spAutoFit/>
+          </a:bodyPr>
+          <a:lstStyle/>
+          <a:p>
+            <a:r>
+              <a:rPr lang="en-US" sz="3000" baseline="-25000" dirty="0">
+                <a:solidFill>
+                  <a:schemeClr val="bg1"/>
+                </a:solidFill>
+              </a:rPr>
+              <a:t>?</a:t>
+            </a:r>
+          </a:p>
+        </p:txBody>
+      </p:sp>
+      <p:sp>
+        <p:nvSpPr>
+          <p:cNvPr id="58" name="TextBox 57"/>
+          <p:cNvSpPr txBox="1"/>
+          <p:nvPr/>
+        </p:nvSpPr>
+        <p:spPr>
+          <a:xfrm>
+            <a:off x="7785438" y="3714691"/>
+            <a:ext cx="1185349" cy="400110"/>
+          </a:xfrm>
+          <a:prstGeom prst="rect">
+            <a:avLst/>
+          </a:prstGeom>
+          <a:noFill/>
+        </p:spPr>
+        <p:txBody>
+          <a:bodyPr wrap="square" rtlCol="0">
+            <a:spAutoFit/>
+          </a:bodyPr>
+          <a:lstStyle/>
+          <a:p>
+            <a:r>
+              <a:rPr lang="en-US" sz="3000" baseline="-25000" dirty="0">
+                <a:solidFill>
+                  <a:schemeClr val="bg1"/>
+                </a:solidFill>
+              </a:rPr>
+              <a:t>?</a:t>
+            </a:r>
+          </a:p>
+        </p:txBody>
+      </p:sp>
+      <p:sp>
+        <p:nvSpPr>
+          <p:cNvPr id="59" name="TextBox 58"/>
+          <p:cNvSpPr txBox="1"/>
+          <p:nvPr/>
+        </p:nvSpPr>
+        <p:spPr>
+          <a:xfrm>
+            <a:off x="7937838" y="3867091"/>
+            <a:ext cx="1185349" cy="400110"/>
+          </a:xfrm>
+          <a:prstGeom prst="rect">
+            <a:avLst/>
+          </a:prstGeom>
+          <a:noFill/>
+        </p:spPr>
+        <p:txBody>
+          <a:bodyPr wrap="square" rtlCol="0">
+            <a:spAutoFit/>
+          </a:bodyPr>
+          <a:lstStyle/>
+          <a:p>
+            <a:r>
+              <a:rPr lang="en-US" sz="3000" baseline="-25000" dirty="0">
+                <a:solidFill>
+                  <a:schemeClr val="bg1"/>
+                </a:solidFill>
+              </a:rPr>
+              <a:t>?</a:t>
+            </a:r>
+          </a:p>
+        </p:txBody>
+      </p:sp>
+      <p:sp>
+        <p:nvSpPr>
+          <p:cNvPr id="60" name="TextBox 59"/>
+          <p:cNvSpPr txBox="1"/>
+          <p:nvPr/>
+        </p:nvSpPr>
+        <p:spPr>
+          <a:xfrm>
+            <a:off x="8090238" y="4019491"/>
+            <a:ext cx="1185349" cy="400110"/>
+          </a:xfrm>
+          <a:prstGeom prst="rect">
+            <a:avLst/>
+          </a:prstGeom>
+          <a:noFill/>
+        </p:spPr>
+        <p:txBody>
+          <a:bodyPr wrap="square" rtlCol="0">
+            <a:spAutoFit/>
+          </a:bodyPr>
+          <a:lstStyle/>
+          <a:p>
+            <a:r>
+              <a:rPr lang="en-US" sz="3000" baseline="-25000" dirty="0">
+                <a:solidFill>
+                  <a:schemeClr val="bg1"/>
+                </a:solidFill>
+              </a:rPr>
+              <a:t>?</a:t>
+            </a:r>
+          </a:p>
+        </p:txBody>
+      </p:sp>
+      <p:sp>
+        <p:nvSpPr>
+          <p:cNvPr id="61" name="TextBox 60"/>
+          <p:cNvSpPr txBox="1"/>
+          <p:nvPr/>
+        </p:nvSpPr>
+        <p:spPr>
+          <a:xfrm>
+            <a:off x="8242638" y="4171891"/>
+            <a:ext cx="1185349" cy="400110"/>
+          </a:xfrm>
+          <a:prstGeom prst="rect">
+            <a:avLst/>
+          </a:prstGeom>
+          <a:noFill/>
+        </p:spPr>
+        <p:txBody>
+          <a:bodyPr wrap="square" rtlCol="0">
+            <a:spAutoFit/>
+          </a:bodyPr>
+          <a:lstStyle/>
+          <a:p>
+            <a:r>
+              <a:rPr lang="en-US" sz="3000" baseline="-25000" dirty="0">
+                <a:solidFill>
+                  <a:schemeClr val="bg1"/>
+                </a:solidFill>
+              </a:rPr>
+              <a:t>?</a:t>
+            </a:r>
+          </a:p>
+        </p:txBody>
+      </p:sp>
+      <p:sp>
+        <p:nvSpPr>
+          <p:cNvPr id="62" name="TextBox 61"/>
+          <p:cNvSpPr txBox="1"/>
+          <p:nvPr/>
+        </p:nvSpPr>
+        <p:spPr>
+          <a:xfrm>
+            <a:off x="8300266" y="4736631"/>
+            <a:ext cx="1185349" cy="400110"/>
+          </a:xfrm>
+          <a:prstGeom prst="rect">
+            <a:avLst/>
+          </a:prstGeom>
+          <a:noFill/>
+        </p:spPr>
+        <p:txBody>
+          <a:bodyPr wrap="square" rtlCol="0">
+            <a:spAutoFit/>
+          </a:bodyPr>
+          <a:lstStyle/>
+          <a:p>
+            <a:r>
+              <a:rPr lang="en-US" sz="3000" baseline="-25000" dirty="0">
+                <a:solidFill>
+                  <a:schemeClr val="bg1"/>
+                </a:solidFill>
+              </a:rPr>
+              <a:t>?</a:t>
+            </a:r>
+          </a:p>
+        </p:txBody>
+      </p:sp>
+      <p:sp>
+        <p:nvSpPr>
+          <p:cNvPr id="63" name="TextBox 62"/>
+          <p:cNvSpPr txBox="1"/>
+          <p:nvPr/>
+        </p:nvSpPr>
+        <p:spPr>
+          <a:xfrm>
+            <a:off x="9854531" y="4019491"/>
+            <a:ext cx="1185349" cy="400110"/>
+          </a:xfrm>
+          <a:prstGeom prst="rect">
+            <a:avLst/>
+          </a:prstGeom>
+          <a:noFill/>
+        </p:spPr>
+        <p:txBody>
+          <a:bodyPr wrap="square" rtlCol="0">
+            <a:spAutoFit/>
+          </a:bodyPr>
+          <a:lstStyle/>
+          <a:p>
+            <a:r>
+              <a:rPr lang="en-US" sz="3000" baseline="-25000" dirty="0">
+                <a:solidFill>
+                  <a:schemeClr val="bg1"/>
+                </a:solidFill>
+              </a:rPr>
+              <a:t>?</a:t>
+            </a:r>
+          </a:p>
+        </p:txBody>
+      </p:sp>
+      <p:sp>
+        <p:nvSpPr>
+          <p:cNvPr id="64" name="TextBox 63"/>
+          <p:cNvSpPr txBox="1"/>
+          <p:nvPr/>
+        </p:nvSpPr>
+        <p:spPr>
+          <a:xfrm>
+            <a:off x="6954446" y="4674351"/>
+            <a:ext cx="1185349" cy="400110"/>
+          </a:xfrm>
+          <a:prstGeom prst="rect">
+            <a:avLst/>
+          </a:prstGeom>
+          <a:noFill/>
+        </p:spPr>
+        <p:txBody>
+          <a:bodyPr wrap="square" rtlCol="0">
+            <a:spAutoFit/>
+          </a:bodyPr>
+          <a:lstStyle/>
+          <a:p>
+            <a:r>
+              <a:rPr lang="en-US" sz="3000" baseline="-25000" dirty="0">
+                <a:solidFill>
+                  <a:schemeClr val="bg1"/>
+                </a:solidFill>
+              </a:rPr>
+              <a:t>?</a:t>
+            </a:r>
+          </a:p>
+        </p:txBody>
+      </p:sp>
+      <p:sp>
+        <p:nvSpPr>
+          <p:cNvPr id="65" name="TextBox 64"/>
+          <p:cNvSpPr txBox="1"/>
+          <p:nvPr/>
+        </p:nvSpPr>
+        <p:spPr>
+          <a:xfrm>
+            <a:off x="6029083" y="4715034"/>
+            <a:ext cx="1185349" cy="400110"/>
+          </a:xfrm>
+          <a:prstGeom prst="rect">
+            <a:avLst/>
+          </a:prstGeom>
+          <a:noFill/>
+        </p:spPr>
+        <p:txBody>
+          <a:bodyPr wrap="square" rtlCol="0">
+            <a:spAutoFit/>
+          </a:bodyPr>
+          <a:lstStyle/>
+          <a:p>
+            <a:r>
+              <a:rPr lang="en-US" sz="3000" baseline="-25000" dirty="0">
+                <a:solidFill>
+                  <a:schemeClr val="bg1"/>
+                </a:solidFill>
+              </a:rPr>
+              <a:t>?</a:t>
+            </a:r>
+          </a:p>
+        </p:txBody>
+      </p:sp>
+      <p:sp>
+        <p:nvSpPr>
+          <p:cNvPr id="66" name="TextBox 65"/>
+          <p:cNvSpPr txBox="1"/>
+          <p:nvPr/>
+        </p:nvSpPr>
+        <p:spPr>
+          <a:xfrm>
+            <a:off x="5103143" y="4839763"/>
+            <a:ext cx="1185349" cy="400110"/>
+          </a:xfrm>
+          <a:prstGeom prst="rect">
+            <a:avLst/>
+          </a:prstGeom>
+          <a:noFill/>
+        </p:spPr>
+        <p:txBody>
+          <a:bodyPr wrap="square" rtlCol="0">
+            <a:spAutoFit/>
+          </a:bodyPr>
+          <a:lstStyle/>
+          <a:p>
+            <a:r>
+              <a:rPr lang="en-US" sz="3000" baseline="-25000" dirty="0">
+                <a:solidFill>
+                  <a:schemeClr val="bg1"/>
+                </a:solidFill>
+              </a:rPr>
+              <a:t>?</a:t>
+            </a:r>
+          </a:p>
+        </p:txBody>
+      </p:sp>
+      <p:sp>
+        <p:nvSpPr>
+          <p:cNvPr id="67" name="Rectangle 66"/>
+          <p:cNvSpPr/>
+          <p:nvPr/>
+        </p:nvSpPr>
+        <p:spPr>
+          <a:xfrm>
+            <a:off x="8957057" y="3813267"/>
+            <a:ext cx="789460" cy="770964"/>
+          </a:xfrm>
+          <a:prstGeom prst="rect">
+            <a:avLst/>
+          </a:prstGeom>
+        </p:spPr>
+        <p:style>
+          <a:lnRef idx="2">
+            <a:schemeClr val="accent6"/>
+          </a:lnRef>
+          <a:fillRef idx="1">
+            <a:schemeClr val="lt1"/>
+          </a:fillRef>
+          <a:effectRef idx="0">
+            <a:schemeClr val="accent6"/>
+          </a:effectRef>
+          <a:fontRef idx="minor">
+            <a:schemeClr val="dk1"/>
+          </a:fontRef>
+        </p:style>
+        <p:txBody>
+          <a:bodyPr rtlCol="0" anchor="ctr"/>
+          <a:lstStyle/>
+          <a:p>
+            <a:pPr algn="ctr"/>
+            <a:endParaRPr lang="en-US"/>
+          </a:p>
+        </p:txBody>
+      </p:sp>
+      <p:sp>
+        <p:nvSpPr>
+          <p:cNvPr id="68" name="Rectangle 67"/>
+          <p:cNvSpPr/>
+          <p:nvPr/>
+        </p:nvSpPr>
+        <p:spPr>
+          <a:xfrm>
+            <a:off x="1766963" y="3813269"/>
+            <a:ext cx="789460" cy="770964"/>
+          </a:xfrm>
+          <a:prstGeom prst="rect">
+            <a:avLst/>
+          </a:prstGeom>
+        </p:spPr>
+        <p:style>
+          <a:lnRef idx="2">
+            <a:schemeClr val="accent6"/>
+          </a:lnRef>
+          <a:fillRef idx="1">
+            <a:schemeClr val="lt1"/>
+          </a:fillRef>
+          <a:effectRef idx="0">
+            <a:schemeClr val="accent6"/>
+          </a:effectRef>
+          <a:fontRef idx="minor">
+            <a:schemeClr val="dk1"/>
+          </a:fontRef>
+        </p:style>
+        <p:txBody>
+          <a:bodyPr rtlCol="0" anchor="ctr"/>
+          <a:lstStyle/>
+          <a:p>
+            <a:pPr algn="ctr"/>
+            <a:endParaRPr lang="en-US"/>
+          </a:p>
+        </p:txBody>
+      </p:sp>
+      <p:sp>
+        <p:nvSpPr>
+          <p:cNvPr id="69" name="Rectangle 68"/>
+          <p:cNvSpPr/>
+          <p:nvPr/>
+        </p:nvSpPr>
+        <p:spPr>
+          <a:xfrm>
+            <a:off x="4151778" y="2256713"/>
+            <a:ext cx="789460" cy="770964"/>
+          </a:xfrm>
+          <a:prstGeom prst="rect">
+            <a:avLst/>
+          </a:prstGeom>
+        </p:spPr>
+        <p:style>
+          <a:lnRef idx="2">
+            <a:schemeClr val="accent6"/>
+          </a:lnRef>
+          <a:fillRef idx="1">
+            <a:schemeClr val="lt1"/>
+          </a:fillRef>
+          <a:effectRef idx="0">
+            <a:schemeClr val="accent6"/>
+          </a:effectRef>
+          <a:fontRef idx="minor">
+            <a:schemeClr val="dk1"/>
+          </a:fontRef>
+        </p:style>
+        <p:txBody>
+          <a:bodyPr rtlCol="0" anchor="ctr"/>
+          <a:lstStyle/>
+          <a:p>
+            <a:pPr algn="ctr"/>
+            <a:endParaRPr lang="en-US"/>
+          </a:p>
+        </p:txBody>
+      </p:sp>
+      <p:sp>
+        <p:nvSpPr>
+          <p:cNvPr id="70" name="Rectangle 69"/>
+          <p:cNvSpPr/>
+          <p:nvPr/>
+        </p:nvSpPr>
+        <p:spPr>
+          <a:xfrm>
+            <a:off x="4153212" y="4606987"/>
+            <a:ext cx="789460" cy="770964"/>
+          </a:xfrm>
+          <a:prstGeom prst="rect">
+            <a:avLst/>
+          </a:prstGeom>
+        </p:spPr>
+        <p:style>
+          <a:lnRef idx="2">
+            <a:schemeClr val="accent6"/>
+          </a:lnRef>
+          <a:fillRef idx="1">
+            <a:schemeClr val="lt1"/>
+          </a:fillRef>
+          <a:effectRef idx="0">
+            <a:schemeClr val="accent6"/>
+          </a:effectRef>
+          <a:fontRef idx="minor">
+            <a:schemeClr val="dk1"/>
+          </a:fontRef>
+        </p:style>
+        <p:txBody>
+          <a:bodyPr rtlCol="0" anchor="ctr"/>
+          <a:lstStyle/>
+          <a:p>
+            <a:pPr algn="ctr"/>
+            <a:endParaRPr lang="en-US"/>
+          </a:p>
+        </p:txBody>
+      </p:sp>
+      <p:sp>
+        <p:nvSpPr>
+          <p:cNvPr id="72" name="Title 1"/>
+          <p:cNvSpPr>
+            <a:spLocks noGrp="1"/>
+          </p:cNvSpPr>
+          <p:nvPr>
+            <p:ph type="title"/>
+          </p:nvPr>
+        </p:nvSpPr>
+        <p:spPr>
+          <a:xfrm>
+            <a:off x="438017" y="440910"/>
+            <a:ext cx="10515600" cy="1325563"/>
+          </a:xfrm>
+        </p:spPr>
+        <p:txBody>
+          <a:bodyPr/>
+          <a:lstStyle/>
+          <a:p>
+            <a:pPr algn="ctr"/>
+            <a:r>
+              <a:rPr lang="en-US" dirty="0" smtClean="0">
+                <a:solidFill>
+                  <a:schemeClr val="bg1"/>
+                </a:solidFill>
+              </a:rPr>
+              <a:t>Visual Intuition</a:t>
+            </a:r>
+            <a:endParaRPr lang="en-US" dirty="0">
+              <a:solidFill>
+                <a:schemeClr val="bg1"/>
+              </a:solidFill>
+            </a:endParaRPr>
+          </a:p>
+        </p:txBody>
+      </p:sp>
+    </p:spTree>
+    <p:extLst>
+      <p:ext uri="{BB962C8B-B14F-4D97-AF65-F5344CB8AC3E}">
+        <p14:creationId xmlns:p14="http://schemas.microsoft.com/office/powerpoint/2010/main" val="1178529299"/>
+      </p:ext>
+    </p:extLst>
+  </p:cSld>
+  <p:clrMapOvr>
+    <a:masterClrMapping/>
+  </p:clrMapOvr>
+</p:sld>
+</file>
+
+<file path=ppt/slides/slide8.xml><?xml version="1.0" encoding="utf-8"?>
+<p:sld xmlns:a="http://schemas.openxmlformats.org/drawingml/2006/main" xmlns:r="http://schemas.openxmlformats.org/officeDocument/2006/relationships" xmlns:p="http://schemas.openxmlformats.org/presentationml/2006/main">
+  <p:cSld>
+    <p:spTree>
+      <p:nvGrpSpPr>
+        <p:cNvPr id="1" name=""/>
+        <p:cNvGrpSpPr/>
+        <p:nvPr/>
+      </p:nvGrpSpPr>
+      <p:grpSpPr>
+        <a:xfrm>
+          <a:off x="0" y="0"/>
+          <a:ext cx="0" cy="0"/>
+          <a:chOff x="0" y="0"/>
+          <a:chExt cx="0" cy="0"/>
+        </a:xfrm>
+      </p:grpSpPr>
+      <p:sp>
+        <p:nvSpPr>
           <p:cNvPr id="2" name="Title 1"/>
           <p:cNvSpPr>
             <a:spLocks noGrp="1"/>
@@ -9951,7 +10042,7 @@
 </p:sld>
 </file>
 
-<file path=ppt/slides/slide8.xml><?xml version="1.0" encoding="utf-8"?>
+<file path=ppt/slides/slide9.xml><?xml version="1.0" encoding="utf-8"?>
 <p:sld xmlns:a="http://schemas.openxmlformats.org/drawingml/2006/main" xmlns:r="http://schemas.openxmlformats.org/officeDocument/2006/relationships" xmlns:p="http://schemas.openxmlformats.org/presentationml/2006/main">
   <p:cSld>
     <p:spTree>
@@ -10033,97 +10124,6 @@
     <p:extLst>
       <p:ext uri="{BB962C8B-B14F-4D97-AF65-F5344CB8AC3E}">
         <p14:creationId xmlns:p14="http://schemas.microsoft.com/office/powerpoint/2010/main" val="92238160"/>
-      </p:ext>
-    </p:extLst>
-  </p:cSld>
-  <p:clrMapOvr>
-    <a:masterClrMapping/>
-  </p:clrMapOvr>
-</p:sld>
-</file>
-
-<file path=ppt/slides/slide9.xml><?xml version="1.0" encoding="utf-8"?>
-<p:sld xmlns:a="http://schemas.openxmlformats.org/drawingml/2006/main" xmlns:r="http://schemas.openxmlformats.org/officeDocument/2006/relationships" xmlns:p="http://schemas.openxmlformats.org/presentationml/2006/main">
-  <p:cSld>
-    <p:spTree>
-      <p:nvGrpSpPr>
-        <p:cNvPr id="1" name=""/>
-        <p:cNvGrpSpPr/>
-        <p:nvPr/>
-      </p:nvGrpSpPr>
-      <p:grpSpPr>
-        <a:xfrm>
-          <a:off x="0" y="0"/>
-          <a:ext cx="0" cy="0"/>
-          <a:chOff x="0" y="0"/>
-          <a:chExt cx="0" cy="0"/>
-        </a:xfrm>
-      </p:grpSpPr>
-      <p:sp>
-        <p:nvSpPr>
-          <p:cNvPr id="2" name="Title 1"/>
-          <p:cNvSpPr>
-            <a:spLocks noGrp="1"/>
-          </p:cNvSpPr>
-          <p:nvPr>
-            <p:ph type="title"/>
-          </p:nvPr>
-        </p:nvSpPr>
-        <p:spPr/>
-        <p:txBody>
-          <a:bodyPr/>
-          <a:lstStyle/>
-          <a:p>
-            <a:pPr algn="ctr"/>
-            <a:r>
-              <a:rPr lang="en-US" dirty="0" smtClean="0">
-                <a:solidFill>
-                  <a:schemeClr val="bg1"/>
-                </a:solidFill>
-              </a:rPr>
-              <a:t>Incident word compiler</a:t>
-            </a:r>
-            <a:endParaRPr lang="en-US" dirty="0">
-              <a:solidFill>
-                <a:schemeClr val="bg1"/>
-              </a:solidFill>
-            </a:endParaRPr>
-          </a:p>
-        </p:txBody>
-      </p:sp>
-      <p:pic>
-        <p:nvPicPr>
-          <p:cNvPr id="4" name="Content Placeholder 3"/>
-          <p:cNvPicPr>
-            <a:picLocks noGrp="1" noChangeAspect="1"/>
-          </p:cNvPicPr>
-          <p:nvPr>
-            <p:ph idx="1"/>
-          </p:nvPr>
-        </p:nvPicPr>
-        <p:blipFill>
-          <a:blip r:embed="rId2">
-            <a:extLst>
-              <a:ext uri="{28A0092B-C50C-407E-A947-70E740481C1C}">
-                <a14:useLocalDpi xmlns:a14="http://schemas.microsoft.com/office/drawing/2010/main" val="0"/>
-              </a:ext>
-            </a:extLst>
-          </a:blip>
-          <a:stretch>
-            <a:fillRect/>
-          </a:stretch>
-        </p:blipFill>
-        <p:spPr>
-          <a:xfrm>
-            <a:off x="600217" y="1972236"/>
-            <a:ext cx="10495737" cy="3118643"/>
-          </a:xfrm>
-        </p:spPr>
-      </p:pic>
-    </p:spTree>
-    <p:extLst>
-      <p:ext uri="{BB962C8B-B14F-4D97-AF65-F5344CB8AC3E}">
-        <p14:creationId xmlns:p14="http://schemas.microsoft.com/office/powerpoint/2010/main" val="1911045633"/>
       </p:ext>
     </p:extLst>
   </p:cSld>

--- a/pres.pptx
+++ b/pres.pptx
@@ -5,26 +5,15 @@
     <p:sldMasterId id="2147483648" r:id="rId1"/>
   </p:sldMasterIdLst>
   <p:sldIdLst>
-    <p:sldId id="256" r:id="rId2"/>
-    <p:sldId id="258" r:id="rId3"/>
-    <p:sldId id="260" r:id="rId4"/>
-    <p:sldId id="259" r:id="rId5"/>
-    <p:sldId id="261" r:id="rId6"/>
-    <p:sldId id="257" r:id="rId7"/>
-    <p:sldId id="275" r:id="rId8"/>
-    <p:sldId id="272" r:id="rId9"/>
-    <p:sldId id="273" r:id="rId10"/>
-    <p:sldId id="274" r:id="rId11"/>
-    <p:sldId id="262" r:id="rId12"/>
-    <p:sldId id="263" r:id="rId13"/>
-    <p:sldId id="264" r:id="rId14"/>
-    <p:sldId id="265" r:id="rId15"/>
-    <p:sldId id="266" r:id="rId16"/>
-    <p:sldId id="267" r:id="rId17"/>
-    <p:sldId id="268" r:id="rId18"/>
-    <p:sldId id="269" r:id="rId19"/>
-    <p:sldId id="270" r:id="rId20"/>
-    <p:sldId id="271" r:id="rId21"/>
+    <p:sldId id="258" r:id="rId2"/>
+    <p:sldId id="260" r:id="rId3"/>
+    <p:sldId id="259" r:id="rId4"/>
+    <p:sldId id="261" r:id="rId5"/>
+    <p:sldId id="257" r:id="rId6"/>
+    <p:sldId id="275" r:id="rId7"/>
+    <p:sldId id="272" r:id="rId8"/>
+    <p:sldId id="273" r:id="rId9"/>
+    <p:sldId id="274" r:id="rId10"/>
   </p:sldIdLst>
   <p:sldSz cx="12192000" cy="6858000"/>
   <p:notesSz cx="6858000" cy="9144000"/>
@@ -4473,7 +4462,7 @@
           <a:p>
             <a:fld id="{B580806F-B52F-F142-8E52-A859DDBF7CDE}" type="datetimeFigureOut">
               <a:rPr lang="en-US" smtClean="0"/>
-              <a:t>5/8/17</a:t>
+              <a:t>5/10/17</a:t>
             </a:fld>
             <a:endParaRPr lang="en-US"/>
           </a:p>
@@ -4643,7 +4632,7 @@
           <a:p>
             <a:fld id="{B580806F-B52F-F142-8E52-A859DDBF7CDE}" type="datetimeFigureOut">
               <a:rPr lang="en-US" smtClean="0"/>
-              <a:t>5/8/17</a:t>
+              <a:t>5/10/17</a:t>
             </a:fld>
             <a:endParaRPr lang="en-US"/>
           </a:p>
@@ -4823,7 +4812,7 @@
           <a:p>
             <a:fld id="{B580806F-B52F-F142-8E52-A859DDBF7CDE}" type="datetimeFigureOut">
               <a:rPr lang="en-US" smtClean="0"/>
-              <a:t>5/8/17</a:t>
+              <a:t>5/10/17</a:t>
             </a:fld>
             <a:endParaRPr lang="en-US"/>
           </a:p>
@@ -4993,7 +4982,7 @@
           <a:p>
             <a:fld id="{B580806F-B52F-F142-8E52-A859DDBF7CDE}" type="datetimeFigureOut">
               <a:rPr lang="en-US" smtClean="0"/>
-              <a:t>5/8/17</a:t>
+              <a:t>5/10/17</a:t>
             </a:fld>
             <a:endParaRPr lang="en-US"/>
           </a:p>
@@ -5239,7 +5228,7 @@
           <a:p>
             <a:fld id="{B580806F-B52F-F142-8E52-A859DDBF7CDE}" type="datetimeFigureOut">
               <a:rPr lang="en-US" smtClean="0"/>
-              <a:t>5/8/17</a:t>
+              <a:t>5/10/17</a:t>
             </a:fld>
             <a:endParaRPr lang="en-US"/>
           </a:p>
@@ -5471,7 +5460,7 @@
           <a:p>
             <a:fld id="{B580806F-B52F-F142-8E52-A859DDBF7CDE}" type="datetimeFigureOut">
               <a:rPr lang="en-US" smtClean="0"/>
-              <a:t>5/8/17</a:t>
+              <a:t>5/10/17</a:t>
             </a:fld>
             <a:endParaRPr lang="en-US"/>
           </a:p>
@@ -5838,7 +5827,7 @@
           <a:p>
             <a:fld id="{B580806F-B52F-F142-8E52-A859DDBF7CDE}" type="datetimeFigureOut">
               <a:rPr lang="en-US" smtClean="0"/>
-              <a:t>5/8/17</a:t>
+              <a:t>5/10/17</a:t>
             </a:fld>
             <a:endParaRPr lang="en-US"/>
           </a:p>
@@ -5956,7 +5945,7 @@
           <a:p>
             <a:fld id="{B580806F-B52F-F142-8E52-A859DDBF7CDE}" type="datetimeFigureOut">
               <a:rPr lang="en-US" smtClean="0"/>
-              <a:t>5/8/17</a:t>
+              <a:t>5/10/17</a:t>
             </a:fld>
             <a:endParaRPr lang="en-US"/>
           </a:p>
@@ -6051,7 +6040,7 @@
           <a:p>
             <a:fld id="{B580806F-B52F-F142-8E52-A859DDBF7CDE}" type="datetimeFigureOut">
               <a:rPr lang="en-US" smtClean="0"/>
-              <a:t>5/8/17</a:t>
+              <a:t>5/10/17</a:t>
             </a:fld>
             <a:endParaRPr lang="en-US"/>
           </a:p>
@@ -6328,7 +6317,7 @@
           <a:p>
             <a:fld id="{B580806F-B52F-F142-8E52-A859DDBF7CDE}" type="datetimeFigureOut">
               <a:rPr lang="en-US" smtClean="0"/>
-              <a:t>5/8/17</a:t>
+              <a:t>5/10/17</a:t>
             </a:fld>
             <a:endParaRPr lang="en-US"/>
           </a:p>
@@ -6581,7 +6570,7 @@
           <a:p>
             <a:fld id="{B580806F-B52F-F142-8E52-A859DDBF7CDE}" type="datetimeFigureOut">
               <a:rPr lang="en-US" smtClean="0"/>
-              <a:t>5/8/17</a:t>
+              <a:t>5/10/17</a:t>
             </a:fld>
             <a:endParaRPr lang="en-US"/>
           </a:p>
@@ -6797,7 +6786,7 @@
           <a:p>
             <a:fld id="{B580806F-B52F-F142-8E52-A859DDBF7CDE}" type="datetimeFigureOut">
               <a:rPr lang="en-US" smtClean="0"/>
-              <a:t>5/8/17</a:t>
+              <a:t>5/10/17</a:t>
             </a:fld>
             <a:endParaRPr lang="en-US"/>
           </a:p>
@@ -7202,791 +7191,6 @@
           <a:chExt cx="0" cy="0"/>
         </a:xfrm>
       </p:grpSpPr>
-      <p:sp>
-        <p:nvSpPr>
-          <p:cNvPr id="2" name="Title 1"/>
-          <p:cNvSpPr>
-            <a:spLocks noGrp="1"/>
-          </p:cNvSpPr>
-          <p:nvPr>
-            <p:ph type="ctrTitle"/>
-          </p:nvPr>
-        </p:nvSpPr>
-        <p:spPr/>
-        <p:txBody>
-          <a:bodyPr/>
-          <a:lstStyle/>
-          <a:p>
-            <a:endParaRPr lang="en-US"/>
-          </a:p>
-        </p:txBody>
-      </p:sp>
-      <p:sp>
-        <p:nvSpPr>
-          <p:cNvPr id="3" name="Subtitle 2"/>
-          <p:cNvSpPr>
-            <a:spLocks noGrp="1"/>
-          </p:cNvSpPr>
-          <p:nvPr>
-            <p:ph type="subTitle" idx="1"/>
-          </p:nvPr>
-        </p:nvSpPr>
-        <p:spPr/>
-        <p:txBody>
-          <a:bodyPr/>
-          <a:lstStyle/>
-          <a:p>
-            <a:endParaRPr lang="en-US"/>
-          </a:p>
-        </p:txBody>
-      </p:sp>
-    </p:spTree>
-    <p:extLst>
-      <p:ext uri="{BB962C8B-B14F-4D97-AF65-F5344CB8AC3E}">
-        <p14:creationId xmlns:p14="http://schemas.microsoft.com/office/powerpoint/2010/main" val="1919455512"/>
-      </p:ext>
-    </p:extLst>
-  </p:cSld>
-  <p:clrMapOvr>
-    <a:masterClrMapping/>
-  </p:clrMapOvr>
-  <p:timing>
-    <p:tnLst>
-      <p:par>
-        <p:cTn id="1" dur="indefinite" restart="never" nodeType="tmRoot"/>
-      </p:par>
-    </p:tnLst>
-  </p:timing>
-</p:sld>
-</file>
-
-<file path=ppt/slides/slide10.xml><?xml version="1.0" encoding="utf-8"?>
-<p:sld xmlns:a="http://schemas.openxmlformats.org/drawingml/2006/main" xmlns:r="http://schemas.openxmlformats.org/officeDocument/2006/relationships" xmlns:p="http://schemas.openxmlformats.org/presentationml/2006/main">
-  <p:cSld>
-    <p:spTree>
-      <p:nvGrpSpPr>
-        <p:cNvPr id="1" name=""/>
-        <p:cNvGrpSpPr/>
-        <p:nvPr/>
-      </p:nvGrpSpPr>
-      <p:grpSpPr>
-        <a:xfrm>
-          <a:off x="0" y="0"/>
-          <a:ext cx="0" cy="0"/>
-          <a:chOff x="0" y="0"/>
-          <a:chExt cx="0" cy="0"/>
-        </a:xfrm>
-      </p:grpSpPr>
-      <p:sp>
-        <p:nvSpPr>
-          <p:cNvPr id="2" name="Title 1"/>
-          <p:cNvSpPr>
-            <a:spLocks noGrp="1"/>
-          </p:cNvSpPr>
-          <p:nvPr>
-            <p:ph type="title"/>
-          </p:nvPr>
-        </p:nvSpPr>
-        <p:spPr/>
-        <p:txBody>
-          <a:bodyPr/>
-          <a:lstStyle/>
-          <a:p>
-            <a:pPr algn="ctr"/>
-            <a:r>
-              <a:rPr lang="en-US" dirty="0" smtClean="0">
-                <a:solidFill>
-                  <a:schemeClr val="bg1"/>
-                </a:solidFill>
-              </a:rPr>
-              <a:t>Incident word compiler</a:t>
-            </a:r>
-            <a:endParaRPr lang="en-US" dirty="0">
-              <a:solidFill>
-                <a:schemeClr val="bg1"/>
-              </a:solidFill>
-            </a:endParaRPr>
-          </a:p>
-        </p:txBody>
-      </p:sp>
-      <p:pic>
-        <p:nvPicPr>
-          <p:cNvPr id="4" name="Content Placeholder 3"/>
-          <p:cNvPicPr>
-            <a:picLocks noGrp="1" noChangeAspect="1"/>
-          </p:cNvPicPr>
-          <p:nvPr>
-            <p:ph idx="1"/>
-          </p:nvPr>
-        </p:nvPicPr>
-        <p:blipFill>
-          <a:blip r:embed="rId2">
-            <a:extLst>
-              <a:ext uri="{28A0092B-C50C-407E-A947-70E740481C1C}">
-                <a14:useLocalDpi xmlns:a14="http://schemas.microsoft.com/office/drawing/2010/main" val="0"/>
-              </a:ext>
-            </a:extLst>
-          </a:blip>
-          <a:stretch>
-            <a:fillRect/>
-          </a:stretch>
-        </p:blipFill>
-        <p:spPr>
-          <a:xfrm>
-            <a:off x="600217" y="1972236"/>
-            <a:ext cx="10495737" cy="3118643"/>
-          </a:xfrm>
-        </p:spPr>
-      </p:pic>
-    </p:spTree>
-    <p:extLst>
-      <p:ext uri="{BB962C8B-B14F-4D97-AF65-F5344CB8AC3E}">
-        <p14:creationId xmlns:p14="http://schemas.microsoft.com/office/powerpoint/2010/main" val="1911045633"/>
-      </p:ext>
-    </p:extLst>
-  </p:cSld>
-  <p:clrMapOvr>
-    <a:masterClrMapping/>
-  </p:clrMapOvr>
-</p:sld>
-</file>
-
-<file path=ppt/slides/slide11.xml><?xml version="1.0" encoding="utf-8"?>
-<p:sld xmlns:a="http://schemas.openxmlformats.org/drawingml/2006/main" xmlns:r="http://schemas.openxmlformats.org/officeDocument/2006/relationships" xmlns:p="http://schemas.openxmlformats.org/presentationml/2006/main">
-  <p:cSld>
-    <p:spTree>
-      <p:nvGrpSpPr>
-        <p:cNvPr id="1" name=""/>
-        <p:cNvGrpSpPr/>
-        <p:nvPr/>
-      </p:nvGrpSpPr>
-      <p:grpSpPr>
-        <a:xfrm>
-          <a:off x="0" y="0"/>
-          <a:ext cx="0" cy="0"/>
-          <a:chOff x="0" y="0"/>
-          <a:chExt cx="0" cy="0"/>
-        </a:xfrm>
-      </p:grpSpPr>
-      <p:sp>
-        <p:nvSpPr>
-          <p:cNvPr id="2" name="Title 1"/>
-          <p:cNvSpPr>
-            <a:spLocks noGrp="1"/>
-          </p:cNvSpPr>
-          <p:nvPr>
-            <p:ph type="title"/>
-          </p:nvPr>
-        </p:nvSpPr>
-        <p:spPr/>
-        <p:txBody>
-          <a:bodyPr/>
-          <a:lstStyle/>
-          <a:p>
-            <a:endParaRPr lang="en-US"/>
-          </a:p>
-        </p:txBody>
-      </p:sp>
-      <p:sp>
-        <p:nvSpPr>
-          <p:cNvPr id="3" name="Content Placeholder 2"/>
-          <p:cNvSpPr>
-            <a:spLocks noGrp="1"/>
-          </p:cNvSpPr>
-          <p:nvPr>
-            <p:ph idx="1"/>
-          </p:nvPr>
-        </p:nvSpPr>
-        <p:spPr/>
-        <p:txBody>
-          <a:bodyPr/>
-          <a:lstStyle/>
-          <a:p>
-            <a:endParaRPr lang="en-US"/>
-          </a:p>
-        </p:txBody>
-      </p:sp>
-    </p:spTree>
-    <p:extLst>
-      <p:ext uri="{BB962C8B-B14F-4D97-AF65-F5344CB8AC3E}">
-        <p14:creationId xmlns:p14="http://schemas.microsoft.com/office/powerpoint/2010/main" val="1094930396"/>
-      </p:ext>
-    </p:extLst>
-  </p:cSld>
-  <p:clrMapOvr>
-    <a:masterClrMapping/>
-  </p:clrMapOvr>
-</p:sld>
-</file>
-
-<file path=ppt/slides/slide12.xml><?xml version="1.0" encoding="utf-8"?>
-<p:sld xmlns:a="http://schemas.openxmlformats.org/drawingml/2006/main" xmlns:r="http://schemas.openxmlformats.org/officeDocument/2006/relationships" xmlns:p="http://schemas.openxmlformats.org/presentationml/2006/main">
-  <p:cSld>
-    <p:spTree>
-      <p:nvGrpSpPr>
-        <p:cNvPr id="1" name=""/>
-        <p:cNvGrpSpPr/>
-        <p:nvPr/>
-      </p:nvGrpSpPr>
-      <p:grpSpPr>
-        <a:xfrm>
-          <a:off x="0" y="0"/>
-          <a:ext cx="0" cy="0"/>
-          <a:chOff x="0" y="0"/>
-          <a:chExt cx="0" cy="0"/>
-        </a:xfrm>
-      </p:grpSpPr>
-      <p:sp>
-        <p:nvSpPr>
-          <p:cNvPr id="2" name="Title 1"/>
-          <p:cNvSpPr>
-            <a:spLocks noGrp="1"/>
-          </p:cNvSpPr>
-          <p:nvPr>
-            <p:ph type="title"/>
-          </p:nvPr>
-        </p:nvSpPr>
-        <p:spPr/>
-        <p:txBody>
-          <a:bodyPr/>
-          <a:lstStyle/>
-          <a:p>
-            <a:endParaRPr lang="en-US"/>
-          </a:p>
-        </p:txBody>
-      </p:sp>
-      <p:sp>
-        <p:nvSpPr>
-          <p:cNvPr id="3" name="Content Placeholder 2"/>
-          <p:cNvSpPr>
-            <a:spLocks noGrp="1"/>
-          </p:cNvSpPr>
-          <p:nvPr>
-            <p:ph idx="1"/>
-          </p:nvPr>
-        </p:nvSpPr>
-        <p:spPr/>
-        <p:txBody>
-          <a:bodyPr/>
-          <a:lstStyle/>
-          <a:p>
-            <a:endParaRPr lang="en-US"/>
-          </a:p>
-        </p:txBody>
-      </p:sp>
-    </p:spTree>
-    <p:extLst>
-      <p:ext uri="{BB962C8B-B14F-4D97-AF65-F5344CB8AC3E}">
-        <p14:creationId xmlns:p14="http://schemas.microsoft.com/office/powerpoint/2010/main" val="989047470"/>
-      </p:ext>
-    </p:extLst>
-  </p:cSld>
-  <p:clrMapOvr>
-    <a:masterClrMapping/>
-  </p:clrMapOvr>
-</p:sld>
-</file>
-
-<file path=ppt/slides/slide13.xml><?xml version="1.0" encoding="utf-8"?>
-<p:sld xmlns:a="http://schemas.openxmlformats.org/drawingml/2006/main" xmlns:r="http://schemas.openxmlformats.org/officeDocument/2006/relationships" xmlns:p="http://schemas.openxmlformats.org/presentationml/2006/main">
-  <p:cSld>
-    <p:spTree>
-      <p:nvGrpSpPr>
-        <p:cNvPr id="1" name=""/>
-        <p:cNvGrpSpPr/>
-        <p:nvPr/>
-      </p:nvGrpSpPr>
-      <p:grpSpPr>
-        <a:xfrm>
-          <a:off x="0" y="0"/>
-          <a:ext cx="0" cy="0"/>
-          <a:chOff x="0" y="0"/>
-          <a:chExt cx="0" cy="0"/>
-        </a:xfrm>
-      </p:grpSpPr>
-      <p:sp>
-        <p:nvSpPr>
-          <p:cNvPr id="2" name="Title 1"/>
-          <p:cNvSpPr>
-            <a:spLocks noGrp="1"/>
-          </p:cNvSpPr>
-          <p:nvPr>
-            <p:ph type="title"/>
-          </p:nvPr>
-        </p:nvSpPr>
-        <p:spPr/>
-        <p:txBody>
-          <a:bodyPr/>
-          <a:lstStyle/>
-          <a:p>
-            <a:endParaRPr lang="en-US"/>
-          </a:p>
-        </p:txBody>
-      </p:sp>
-      <p:sp>
-        <p:nvSpPr>
-          <p:cNvPr id="3" name="Content Placeholder 2"/>
-          <p:cNvSpPr>
-            <a:spLocks noGrp="1"/>
-          </p:cNvSpPr>
-          <p:nvPr>
-            <p:ph idx="1"/>
-          </p:nvPr>
-        </p:nvSpPr>
-        <p:spPr/>
-        <p:txBody>
-          <a:bodyPr/>
-          <a:lstStyle/>
-          <a:p>
-            <a:endParaRPr lang="en-US"/>
-          </a:p>
-        </p:txBody>
-      </p:sp>
-    </p:spTree>
-    <p:extLst>
-      <p:ext uri="{BB962C8B-B14F-4D97-AF65-F5344CB8AC3E}">
-        <p14:creationId xmlns:p14="http://schemas.microsoft.com/office/powerpoint/2010/main" val="1397400510"/>
-      </p:ext>
-    </p:extLst>
-  </p:cSld>
-  <p:clrMapOvr>
-    <a:masterClrMapping/>
-  </p:clrMapOvr>
-</p:sld>
-</file>
-
-<file path=ppt/slides/slide14.xml><?xml version="1.0" encoding="utf-8"?>
-<p:sld xmlns:a="http://schemas.openxmlformats.org/drawingml/2006/main" xmlns:r="http://schemas.openxmlformats.org/officeDocument/2006/relationships" xmlns:p="http://schemas.openxmlformats.org/presentationml/2006/main">
-  <p:cSld>
-    <p:spTree>
-      <p:nvGrpSpPr>
-        <p:cNvPr id="1" name=""/>
-        <p:cNvGrpSpPr/>
-        <p:nvPr/>
-      </p:nvGrpSpPr>
-      <p:grpSpPr>
-        <a:xfrm>
-          <a:off x="0" y="0"/>
-          <a:ext cx="0" cy="0"/>
-          <a:chOff x="0" y="0"/>
-          <a:chExt cx="0" cy="0"/>
-        </a:xfrm>
-      </p:grpSpPr>
-      <p:sp>
-        <p:nvSpPr>
-          <p:cNvPr id="2" name="Title 1"/>
-          <p:cNvSpPr>
-            <a:spLocks noGrp="1"/>
-          </p:cNvSpPr>
-          <p:nvPr>
-            <p:ph type="title"/>
-          </p:nvPr>
-        </p:nvSpPr>
-        <p:spPr/>
-        <p:txBody>
-          <a:bodyPr/>
-          <a:lstStyle/>
-          <a:p>
-            <a:endParaRPr lang="en-US"/>
-          </a:p>
-        </p:txBody>
-      </p:sp>
-      <p:sp>
-        <p:nvSpPr>
-          <p:cNvPr id="3" name="Content Placeholder 2"/>
-          <p:cNvSpPr>
-            <a:spLocks noGrp="1"/>
-          </p:cNvSpPr>
-          <p:nvPr>
-            <p:ph idx="1"/>
-          </p:nvPr>
-        </p:nvSpPr>
-        <p:spPr/>
-        <p:txBody>
-          <a:bodyPr/>
-          <a:lstStyle/>
-          <a:p>
-            <a:endParaRPr lang="en-US"/>
-          </a:p>
-        </p:txBody>
-      </p:sp>
-    </p:spTree>
-    <p:extLst>
-      <p:ext uri="{BB962C8B-B14F-4D97-AF65-F5344CB8AC3E}">
-        <p14:creationId xmlns:p14="http://schemas.microsoft.com/office/powerpoint/2010/main" val="1229207978"/>
-      </p:ext>
-    </p:extLst>
-  </p:cSld>
-  <p:clrMapOvr>
-    <a:masterClrMapping/>
-  </p:clrMapOvr>
-</p:sld>
-</file>
-
-<file path=ppt/slides/slide15.xml><?xml version="1.0" encoding="utf-8"?>
-<p:sld xmlns:a="http://schemas.openxmlformats.org/drawingml/2006/main" xmlns:r="http://schemas.openxmlformats.org/officeDocument/2006/relationships" xmlns:p="http://schemas.openxmlformats.org/presentationml/2006/main">
-  <p:cSld>
-    <p:spTree>
-      <p:nvGrpSpPr>
-        <p:cNvPr id="1" name=""/>
-        <p:cNvGrpSpPr/>
-        <p:nvPr/>
-      </p:nvGrpSpPr>
-      <p:grpSpPr>
-        <a:xfrm>
-          <a:off x="0" y="0"/>
-          <a:ext cx="0" cy="0"/>
-          <a:chOff x="0" y="0"/>
-          <a:chExt cx="0" cy="0"/>
-        </a:xfrm>
-      </p:grpSpPr>
-      <p:sp>
-        <p:nvSpPr>
-          <p:cNvPr id="2" name="Title 1"/>
-          <p:cNvSpPr>
-            <a:spLocks noGrp="1"/>
-          </p:cNvSpPr>
-          <p:nvPr>
-            <p:ph type="title"/>
-          </p:nvPr>
-        </p:nvSpPr>
-        <p:spPr/>
-        <p:txBody>
-          <a:bodyPr/>
-          <a:lstStyle/>
-          <a:p>
-            <a:endParaRPr lang="en-US"/>
-          </a:p>
-        </p:txBody>
-      </p:sp>
-      <p:sp>
-        <p:nvSpPr>
-          <p:cNvPr id="3" name="Content Placeholder 2"/>
-          <p:cNvSpPr>
-            <a:spLocks noGrp="1"/>
-          </p:cNvSpPr>
-          <p:nvPr>
-            <p:ph idx="1"/>
-          </p:nvPr>
-        </p:nvSpPr>
-        <p:spPr/>
-        <p:txBody>
-          <a:bodyPr/>
-          <a:lstStyle/>
-          <a:p>
-            <a:endParaRPr lang="en-US"/>
-          </a:p>
-        </p:txBody>
-      </p:sp>
-    </p:spTree>
-    <p:extLst>
-      <p:ext uri="{BB962C8B-B14F-4D97-AF65-F5344CB8AC3E}">
-        <p14:creationId xmlns:p14="http://schemas.microsoft.com/office/powerpoint/2010/main" val="505802106"/>
-      </p:ext>
-    </p:extLst>
-  </p:cSld>
-  <p:clrMapOvr>
-    <a:masterClrMapping/>
-  </p:clrMapOvr>
-</p:sld>
-</file>
-
-<file path=ppt/slides/slide16.xml><?xml version="1.0" encoding="utf-8"?>
-<p:sld xmlns:a="http://schemas.openxmlformats.org/drawingml/2006/main" xmlns:r="http://schemas.openxmlformats.org/officeDocument/2006/relationships" xmlns:p="http://schemas.openxmlformats.org/presentationml/2006/main">
-  <p:cSld>
-    <p:spTree>
-      <p:nvGrpSpPr>
-        <p:cNvPr id="1" name=""/>
-        <p:cNvGrpSpPr/>
-        <p:nvPr/>
-      </p:nvGrpSpPr>
-      <p:grpSpPr>
-        <a:xfrm>
-          <a:off x="0" y="0"/>
-          <a:ext cx="0" cy="0"/>
-          <a:chOff x="0" y="0"/>
-          <a:chExt cx="0" cy="0"/>
-        </a:xfrm>
-      </p:grpSpPr>
-      <p:sp>
-        <p:nvSpPr>
-          <p:cNvPr id="2" name="Title 1"/>
-          <p:cNvSpPr>
-            <a:spLocks noGrp="1"/>
-          </p:cNvSpPr>
-          <p:nvPr>
-            <p:ph type="title"/>
-          </p:nvPr>
-        </p:nvSpPr>
-        <p:spPr/>
-        <p:txBody>
-          <a:bodyPr/>
-          <a:lstStyle/>
-          <a:p>
-            <a:endParaRPr lang="en-US"/>
-          </a:p>
-        </p:txBody>
-      </p:sp>
-      <p:sp>
-        <p:nvSpPr>
-          <p:cNvPr id="3" name="Content Placeholder 2"/>
-          <p:cNvSpPr>
-            <a:spLocks noGrp="1"/>
-          </p:cNvSpPr>
-          <p:nvPr>
-            <p:ph idx="1"/>
-          </p:nvPr>
-        </p:nvSpPr>
-        <p:spPr/>
-        <p:txBody>
-          <a:bodyPr/>
-          <a:lstStyle/>
-          <a:p>
-            <a:endParaRPr lang="en-US"/>
-          </a:p>
-        </p:txBody>
-      </p:sp>
-    </p:spTree>
-    <p:extLst>
-      <p:ext uri="{BB962C8B-B14F-4D97-AF65-F5344CB8AC3E}">
-        <p14:creationId xmlns:p14="http://schemas.microsoft.com/office/powerpoint/2010/main" val="1275720716"/>
-      </p:ext>
-    </p:extLst>
-  </p:cSld>
-  <p:clrMapOvr>
-    <a:masterClrMapping/>
-  </p:clrMapOvr>
-</p:sld>
-</file>
-
-<file path=ppt/slides/slide17.xml><?xml version="1.0" encoding="utf-8"?>
-<p:sld xmlns:a="http://schemas.openxmlformats.org/drawingml/2006/main" xmlns:r="http://schemas.openxmlformats.org/officeDocument/2006/relationships" xmlns:p="http://schemas.openxmlformats.org/presentationml/2006/main">
-  <p:cSld>
-    <p:spTree>
-      <p:nvGrpSpPr>
-        <p:cNvPr id="1" name=""/>
-        <p:cNvGrpSpPr/>
-        <p:nvPr/>
-      </p:nvGrpSpPr>
-      <p:grpSpPr>
-        <a:xfrm>
-          <a:off x="0" y="0"/>
-          <a:ext cx="0" cy="0"/>
-          <a:chOff x="0" y="0"/>
-          <a:chExt cx="0" cy="0"/>
-        </a:xfrm>
-      </p:grpSpPr>
-      <p:sp>
-        <p:nvSpPr>
-          <p:cNvPr id="2" name="Title 1"/>
-          <p:cNvSpPr>
-            <a:spLocks noGrp="1"/>
-          </p:cNvSpPr>
-          <p:nvPr>
-            <p:ph type="title"/>
-          </p:nvPr>
-        </p:nvSpPr>
-        <p:spPr/>
-        <p:txBody>
-          <a:bodyPr/>
-          <a:lstStyle/>
-          <a:p>
-            <a:endParaRPr lang="en-US"/>
-          </a:p>
-        </p:txBody>
-      </p:sp>
-      <p:sp>
-        <p:nvSpPr>
-          <p:cNvPr id="3" name="Content Placeholder 2"/>
-          <p:cNvSpPr>
-            <a:spLocks noGrp="1"/>
-          </p:cNvSpPr>
-          <p:nvPr>
-            <p:ph idx="1"/>
-          </p:nvPr>
-        </p:nvSpPr>
-        <p:spPr/>
-        <p:txBody>
-          <a:bodyPr/>
-          <a:lstStyle/>
-          <a:p>
-            <a:endParaRPr lang="en-US"/>
-          </a:p>
-        </p:txBody>
-      </p:sp>
-    </p:spTree>
-    <p:extLst>
-      <p:ext uri="{BB962C8B-B14F-4D97-AF65-F5344CB8AC3E}">
-        <p14:creationId xmlns:p14="http://schemas.microsoft.com/office/powerpoint/2010/main" val="1383105054"/>
-      </p:ext>
-    </p:extLst>
-  </p:cSld>
-  <p:clrMapOvr>
-    <a:masterClrMapping/>
-  </p:clrMapOvr>
-</p:sld>
-</file>
-
-<file path=ppt/slides/slide18.xml><?xml version="1.0" encoding="utf-8"?>
-<p:sld xmlns:a="http://schemas.openxmlformats.org/drawingml/2006/main" xmlns:r="http://schemas.openxmlformats.org/officeDocument/2006/relationships" xmlns:p="http://schemas.openxmlformats.org/presentationml/2006/main">
-  <p:cSld>
-    <p:spTree>
-      <p:nvGrpSpPr>
-        <p:cNvPr id="1" name=""/>
-        <p:cNvGrpSpPr/>
-        <p:nvPr/>
-      </p:nvGrpSpPr>
-      <p:grpSpPr>
-        <a:xfrm>
-          <a:off x="0" y="0"/>
-          <a:ext cx="0" cy="0"/>
-          <a:chOff x="0" y="0"/>
-          <a:chExt cx="0" cy="0"/>
-        </a:xfrm>
-      </p:grpSpPr>
-      <p:sp>
-        <p:nvSpPr>
-          <p:cNvPr id="2" name="Title 1"/>
-          <p:cNvSpPr>
-            <a:spLocks noGrp="1"/>
-          </p:cNvSpPr>
-          <p:nvPr>
-            <p:ph type="title"/>
-          </p:nvPr>
-        </p:nvSpPr>
-        <p:spPr/>
-        <p:txBody>
-          <a:bodyPr/>
-          <a:lstStyle/>
-          <a:p>
-            <a:endParaRPr lang="en-US"/>
-          </a:p>
-        </p:txBody>
-      </p:sp>
-      <p:sp>
-        <p:nvSpPr>
-          <p:cNvPr id="3" name="Content Placeholder 2"/>
-          <p:cNvSpPr>
-            <a:spLocks noGrp="1"/>
-          </p:cNvSpPr>
-          <p:nvPr>
-            <p:ph idx="1"/>
-          </p:nvPr>
-        </p:nvSpPr>
-        <p:spPr/>
-        <p:txBody>
-          <a:bodyPr/>
-          <a:lstStyle/>
-          <a:p>
-            <a:endParaRPr lang="en-US"/>
-          </a:p>
-        </p:txBody>
-      </p:sp>
-    </p:spTree>
-    <p:extLst>
-      <p:ext uri="{BB962C8B-B14F-4D97-AF65-F5344CB8AC3E}">
-        <p14:creationId xmlns:p14="http://schemas.microsoft.com/office/powerpoint/2010/main" val="1483647450"/>
-      </p:ext>
-    </p:extLst>
-  </p:cSld>
-  <p:clrMapOvr>
-    <a:masterClrMapping/>
-  </p:clrMapOvr>
-</p:sld>
-</file>
-
-<file path=ppt/slides/slide19.xml><?xml version="1.0" encoding="utf-8"?>
-<p:sld xmlns:a="http://schemas.openxmlformats.org/drawingml/2006/main" xmlns:r="http://schemas.openxmlformats.org/officeDocument/2006/relationships" xmlns:p="http://schemas.openxmlformats.org/presentationml/2006/main">
-  <p:cSld>
-    <p:spTree>
-      <p:nvGrpSpPr>
-        <p:cNvPr id="1" name=""/>
-        <p:cNvGrpSpPr/>
-        <p:nvPr/>
-      </p:nvGrpSpPr>
-      <p:grpSpPr>
-        <a:xfrm>
-          <a:off x="0" y="0"/>
-          <a:ext cx="0" cy="0"/>
-          <a:chOff x="0" y="0"/>
-          <a:chExt cx="0" cy="0"/>
-        </a:xfrm>
-      </p:grpSpPr>
-      <p:sp>
-        <p:nvSpPr>
-          <p:cNvPr id="2" name="Title 1"/>
-          <p:cNvSpPr>
-            <a:spLocks noGrp="1"/>
-          </p:cNvSpPr>
-          <p:nvPr>
-            <p:ph type="title"/>
-          </p:nvPr>
-        </p:nvSpPr>
-        <p:spPr/>
-        <p:txBody>
-          <a:bodyPr/>
-          <a:lstStyle/>
-          <a:p>
-            <a:endParaRPr lang="en-US"/>
-          </a:p>
-        </p:txBody>
-      </p:sp>
-      <p:sp>
-        <p:nvSpPr>
-          <p:cNvPr id="3" name="Content Placeholder 2"/>
-          <p:cNvSpPr>
-            <a:spLocks noGrp="1"/>
-          </p:cNvSpPr>
-          <p:nvPr>
-            <p:ph idx="1"/>
-          </p:nvPr>
-        </p:nvSpPr>
-        <p:spPr/>
-        <p:txBody>
-          <a:bodyPr/>
-          <a:lstStyle/>
-          <a:p>
-            <a:endParaRPr lang="en-US"/>
-          </a:p>
-        </p:txBody>
-      </p:sp>
-    </p:spTree>
-    <p:extLst>
-      <p:ext uri="{BB962C8B-B14F-4D97-AF65-F5344CB8AC3E}">
-        <p14:creationId xmlns:p14="http://schemas.microsoft.com/office/powerpoint/2010/main" val="1230066833"/>
-      </p:ext>
-    </p:extLst>
-  </p:cSld>
-  <p:clrMapOvr>
-    <a:masterClrMapping/>
-  </p:clrMapOvr>
-  <p:timing>
-    <p:tnLst>
-      <p:par>
-        <p:cTn id="1" dur="indefinite" restart="never" nodeType="tmRoot"/>
-      </p:par>
-    </p:tnLst>
-  </p:timing>
-</p:sld>
-</file>
-
-<file path=ppt/slides/slide2.xml><?xml version="1.0" encoding="utf-8"?>
-<p:sld xmlns:a="http://schemas.openxmlformats.org/drawingml/2006/main" xmlns:r="http://schemas.openxmlformats.org/officeDocument/2006/relationships" xmlns:p="http://schemas.openxmlformats.org/presentationml/2006/main">
-  <p:cSld>
-    <p:spTree>
-      <p:nvGrpSpPr>
-        <p:cNvPr id="1" name=""/>
-        <p:cNvGrpSpPr/>
-        <p:nvPr/>
-      </p:nvGrpSpPr>
-      <p:grpSpPr>
-        <a:xfrm>
-          <a:off x="0" y="0"/>
-          <a:ext cx="0" cy="0"/>
-          <a:chOff x="0" y="0"/>
-          <a:chExt cx="0" cy="0"/>
-        </a:xfrm>
-      </p:grpSpPr>
       <p:graphicFrame>
         <p:nvGraphicFramePr>
           <p:cNvPr id="4" name="Content Placeholder 3"/>
@@ -8068,82 +7272,7 @@
 </p:sld>
 </file>
 
-<file path=ppt/slides/slide20.xml><?xml version="1.0" encoding="utf-8"?>
-<p:sld xmlns:a="http://schemas.openxmlformats.org/drawingml/2006/main" xmlns:r="http://schemas.openxmlformats.org/officeDocument/2006/relationships" xmlns:p="http://schemas.openxmlformats.org/presentationml/2006/main">
-  <p:cSld>
-    <p:spTree>
-      <p:nvGrpSpPr>
-        <p:cNvPr id="1" name=""/>
-        <p:cNvGrpSpPr/>
-        <p:nvPr/>
-      </p:nvGrpSpPr>
-      <p:grpSpPr>
-        <a:xfrm>
-          <a:off x="0" y="0"/>
-          <a:ext cx="0" cy="0"/>
-          <a:chOff x="0" y="0"/>
-          <a:chExt cx="0" cy="0"/>
-        </a:xfrm>
-      </p:grpSpPr>
-      <p:sp>
-        <p:nvSpPr>
-          <p:cNvPr id="2" name="Title 1"/>
-          <p:cNvSpPr>
-            <a:spLocks noGrp="1"/>
-          </p:cNvSpPr>
-          <p:nvPr>
-            <p:ph type="title"/>
-          </p:nvPr>
-        </p:nvSpPr>
-        <p:spPr/>
-        <p:txBody>
-          <a:bodyPr/>
-          <a:lstStyle/>
-          <a:p>
-            <a:endParaRPr lang="en-US"/>
-          </a:p>
-        </p:txBody>
-      </p:sp>
-      <p:sp>
-        <p:nvSpPr>
-          <p:cNvPr id="3" name="Content Placeholder 2"/>
-          <p:cNvSpPr>
-            <a:spLocks noGrp="1"/>
-          </p:cNvSpPr>
-          <p:nvPr>
-            <p:ph idx="1"/>
-          </p:nvPr>
-        </p:nvSpPr>
-        <p:spPr/>
-        <p:txBody>
-          <a:bodyPr/>
-          <a:lstStyle/>
-          <a:p>
-            <a:endParaRPr lang="en-US"/>
-          </a:p>
-        </p:txBody>
-      </p:sp>
-    </p:spTree>
-    <p:extLst>
-      <p:ext uri="{BB962C8B-B14F-4D97-AF65-F5344CB8AC3E}">
-        <p14:creationId xmlns:p14="http://schemas.microsoft.com/office/powerpoint/2010/main" val="164611918"/>
-      </p:ext>
-    </p:extLst>
-  </p:cSld>
-  <p:clrMapOvr>
-    <a:masterClrMapping/>
-  </p:clrMapOvr>
-  <p:timing>
-    <p:tnLst>
-      <p:par>
-        <p:cTn id="1" dur="indefinite" restart="never" nodeType="tmRoot"/>
-      </p:par>
-    </p:tnLst>
-  </p:timing>
-</p:sld>
-</file>
-
-<file path=ppt/slides/slide3.xml><?xml version="1.0" encoding="utf-8"?>
+<file path=ppt/slides/slide2.xml><?xml version="1.0" encoding="utf-8"?>
 <p:sld xmlns:a="http://schemas.openxmlformats.org/drawingml/2006/main" xmlns:r="http://schemas.openxmlformats.org/officeDocument/2006/relationships" xmlns:p="http://schemas.openxmlformats.org/presentationml/2006/main">
   <p:cSld>
     <p:spTree>
@@ -8237,7 +7366,7 @@
 </p:sld>
 </file>
 
-<file path=ppt/slides/slide4.xml><?xml version="1.0" encoding="utf-8"?>
+<file path=ppt/slides/slide3.xml><?xml version="1.0" encoding="utf-8"?>
 <p:sld xmlns:a="http://schemas.openxmlformats.org/drawingml/2006/main" xmlns:r="http://schemas.openxmlformats.org/officeDocument/2006/relationships" xmlns:p="http://schemas.openxmlformats.org/presentationml/2006/main">
   <p:cSld>
     <p:spTree>
@@ -8302,7 +7431,7 @@
 </p:sld>
 </file>
 
-<file path=ppt/slides/slide5.xml><?xml version="1.0" encoding="utf-8"?>
+<file path=ppt/slides/slide4.xml><?xml version="1.0" encoding="utf-8"?>
 <p:sld xmlns:a="http://schemas.openxmlformats.org/drawingml/2006/main" xmlns:r="http://schemas.openxmlformats.org/officeDocument/2006/relationships" xmlns:p="http://schemas.openxmlformats.org/presentationml/2006/main">
   <p:cSld>
     <p:spTree>
@@ -8399,7 +7528,7 @@
 </p:sld>
 </file>
 
-<file path=ppt/slides/slide6.xml><?xml version="1.0" encoding="utf-8"?>
+<file path=ppt/slides/slide5.xml><?xml version="1.0" encoding="utf-8"?>
 <p:sld xmlns:a="http://schemas.openxmlformats.org/drawingml/2006/main" xmlns:r="http://schemas.openxmlformats.org/officeDocument/2006/relationships" xmlns:p="http://schemas.openxmlformats.org/presentationml/2006/main">
   <p:cSld>
     <p:spTree>
@@ -8569,7 +7698,7 @@
 </p:sld>
 </file>
 
-<file path=ppt/slides/slide7.xml><?xml version="1.0" encoding="utf-8"?>
+<file path=ppt/slides/slide6.xml><?xml version="1.0" encoding="utf-8"?>
 <p:sld xmlns:a="http://schemas.openxmlformats.org/drawingml/2006/main" xmlns:r="http://schemas.openxmlformats.org/officeDocument/2006/relationships" xmlns:p="http://schemas.openxmlformats.org/presentationml/2006/main">
   <p:cSld>
     <p:spTree>
@@ -9951,7 +9080,7 @@
 </p:sld>
 </file>
 
-<file path=ppt/slides/slide8.xml><?xml version="1.0" encoding="utf-8"?>
+<file path=ppt/slides/slide7.xml><?xml version="1.0" encoding="utf-8"?>
 <p:sld xmlns:a="http://schemas.openxmlformats.org/drawingml/2006/main" xmlns:r="http://schemas.openxmlformats.org/officeDocument/2006/relationships" xmlns:p="http://schemas.openxmlformats.org/presentationml/2006/main">
   <p:cSld>
     <p:spTree>
@@ -10042,7 +9171,7 @@
 </p:sld>
 </file>
 
-<file path=ppt/slides/slide9.xml><?xml version="1.0" encoding="utf-8"?>
+<file path=ppt/slides/slide8.xml><?xml version="1.0" encoding="utf-8"?>
 <p:sld xmlns:a="http://schemas.openxmlformats.org/drawingml/2006/main" xmlns:r="http://schemas.openxmlformats.org/officeDocument/2006/relationships" xmlns:p="http://schemas.openxmlformats.org/presentationml/2006/main">
   <p:cSld>
     <p:spTree>
@@ -10124,6 +9253,97 @@
     <p:extLst>
       <p:ext uri="{BB962C8B-B14F-4D97-AF65-F5344CB8AC3E}">
         <p14:creationId xmlns:p14="http://schemas.microsoft.com/office/powerpoint/2010/main" val="92238160"/>
+      </p:ext>
+    </p:extLst>
+  </p:cSld>
+  <p:clrMapOvr>
+    <a:masterClrMapping/>
+  </p:clrMapOvr>
+</p:sld>
+</file>
+
+<file path=ppt/slides/slide9.xml><?xml version="1.0" encoding="utf-8"?>
+<p:sld xmlns:a="http://schemas.openxmlformats.org/drawingml/2006/main" xmlns:r="http://schemas.openxmlformats.org/officeDocument/2006/relationships" xmlns:p="http://schemas.openxmlformats.org/presentationml/2006/main">
+  <p:cSld>
+    <p:spTree>
+      <p:nvGrpSpPr>
+        <p:cNvPr id="1" name=""/>
+        <p:cNvGrpSpPr/>
+        <p:nvPr/>
+      </p:nvGrpSpPr>
+      <p:grpSpPr>
+        <a:xfrm>
+          <a:off x="0" y="0"/>
+          <a:ext cx="0" cy="0"/>
+          <a:chOff x="0" y="0"/>
+          <a:chExt cx="0" cy="0"/>
+        </a:xfrm>
+      </p:grpSpPr>
+      <p:sp>
+        <p:nvSpPr>
+          <p:cNvPr id="2" name="Title 1"/>
+          <p:cNvSpPr>
+            <a:spLocks noGrp="1"/>
+          </p:cNvSpPr>
+          <p:nvPr>
+            <p:ph type="title"/>
+          </p:nvPr>
+        </p:nvSpPr>
+        <p:spPr/>
+        <p:txBody>
+          <a:bodyPr/>
+          <a:lstStyle/>
+          <a:p>
+            <a:pPr algn="ctr"/>
+            <a:r>
+              <a:rPr lang="en-US" dirty="0" smtClean="0">
+                <a:solidFill>
+                  <a:schemeClr val="bg1"/>
+                </a:solidFill>
+              </a:rPr>
+              <a:t>Incident word compiler</a:t>
+            </a:r>
+            <a:endParaRPr lang="en-US" dirty="0">
+              <a:solidFill>
+                <a:schemeClr val="bg1"/>
+              </a:solidFill>
+            </a:endParaRPr>
+          </a:p>
+        </p:txBody>
+      </p:sp>
+      <p:pic>
+        <p:nvPicPr>
+          <p:cNvPr id="4" name="Content Placeholder 3"/>
+          <p:cNvPicPr>
+            <a:picLocks noGrp="1" noChangeAspect="1"/>
+          </p:cNvPicPr>
+          <p:nvPr>
+            <p:ph idx="1"/>
+          </p:nvPr>
+        </p:nvPicPr>
+        <p:blipFill>
+          <a:blip r:embed="rId2">
+            <a:extLst>
+              <a:ext uri="{28A0092B-C50C-407E-A947-70E740481C1C}">
+                <a14:useLocalDpi xmlns:a14="http://schemas.microsoft.com/office/drawing/2010/main" val="0"/>
+              </a:ext>
+            </a:extLst>
+          </a:blip>
+          <a:stretch>
+            <a:fillRect/>
+          </a:stretch>
+        </p:blipFill>
+        <p:spPr>
+          <a:xfrm>
+            <a:off x="600217" y="1972236"/>
+            <a:ext cx="10495737" cy="3118643"/>
+          </a:xfrm>
+        </p:spPr>
+      </p:pic>
+    </p:spTree>
+    <p:extLst>
+      <p:ext uri="{BB962C8B-B14F-4D97-AF65-F5344CB8AC3E}">
+        <p14:creationId xmlns:p14="http://schemas.microsoft.com/office/powerpoint/2010/main" val="1911045633"/>
       </p:ext>
     </p:extLst>
   </p:cSld>
